--- a/scripts/drafts/PRESENTATION.pptx
+++ b/scripts/drafts/PRESENTATION.pptx
@@ -5,30 +5,23 @@
     <p:sldMasterId id="2147483648" r:id="rId1"/>
   </p:sldMasterIdLst>
   <p:notesMasterIdLst>
-    <p:notesMasterId r:id="rId23"/>
+    <p:notesMasterId r:id="rId16"/>
   </p:notesMasterIdLst>
   <p:sldIdLst>
     <p:sldId id="256" r:id="rId2"/>
     <p:sldId id="257" r:id="rId3"/>
-    <p:sldId id="259" r:id="rId4"/>
-    <p:sldId id="258" r:id="rId5"/>
-    <p:sldId id="260" r:id="rId6"/>
-    <p:sldId id="261" r:id="rId7"/>
-    <p:sldId id="262" r:id="rId8"/>
-    <p:sldId id="263" r:id="rId9"/>
-    <p:sldId id="264" r:id="rId10"/>
-    <p:sldId id="265" r:id="rId11"/>
-    <p:sldId id="266" r:id="rId12"/>
-    <p:sldId id="267" r:id="rId13"/>
-    <p:sldId id="268" r:id="rId14"/>
-    <p:sldId id="269" r:id="rId15"/>
-    <p:sldId id="270" r:id="rId16"/>
-    <p:sldId id="271" r:id="rId17"/>
-    <p:sldId id="272" r:id="rId18"/>
-    <p:sldId id="273" r:id="rId19"/>
-    <p:sldId id="274" r:id="rId20"/>
-    <p:sldId id="275" r:id="rId21"/>
-    <p:sldId id="276" r:id="rId22"/>
+    <p:sldId id="258" r:id="rId4"/>
+    <p:sldId id="259" r:id="rId5"/>
+    <p:sldId id="277" r:id="rId6"/>
+    <p:sldId id="260" r:id="rId7"/>
+    <p:sldId id="261" r:id="rId8"/>
+    <p:sldId id="262" r:id="rId9"/>
+    <p:sldId id="263" r:id="rId10"/>
+    <p:sldId id="264" r:id="rId11"/>
+    <p:sldId id="265" r:id="rId12"/>
+    <p:sldId id="266" r:id="rId13"/>
+    <p:sldId id="270" r:id="rId14"/>
+    <p:sldId id="275" r:id="rId15"/>
   </p:sldIdLst>
   <p:sldSz cx="9144000" cy="5143500" type="screen16x9"/>
   <p:notesSz cx="5143500" cy="9144000"/>
@@ -761,426 +754,6 @@
 </p:notes>
 </file>
 
-<file path=ppt/notesSlides/notesSlide15.xml><?xml version="1.0" encoding="utf-8"?>
-<p:notes xmlns:a="http://schemas.openxmlformats.org/drawingml/2006/main" xmlns:r="http://schemas.openxmlformats.org/officeDocument/2006/relationships" xmlns:p="http://schemas.openxmlformats.org/presentationml/2006/main">
-  <p:cSld>
-    <p:spTree>
-      <p:nvGrpSpPr>
-        <p:cNvPr id="1" name=""/>
-        <p:cNvGrpSpPr/>
-        <p:nvPr/>
-      </p:nvGrpSpPr>
-      <p:grpSpPr>
-        <a:xfrm>
-          <a:off x="0" y="0"/>
-          <a:ext cx="0" cy="0"/>
-          <a:chOff x="0" y="0"/>
-          <a:chExt cx="0" cy="0"/>
-        </a:xfrm>
-      </p:grpSpPr>
-      <p:sp>
-        <p:nvSpPr>
-          <p:cNvPr id="2" name="Slide Image Placeholder 1"/>
-          <p:cNvSpPr>
-            <a:spLocks noGrp="1" noRot="1" noChangeAspect="1"/>
-          </p:cNvSpPr>
-          <p:nvPr>
-            <p:ph type="sldImg"/>
-          </p:nvPr>
-        </p:nvSpPr>
-        <p:spPr/>
-      </p:sp>
-      <p:sp>
-        <p:nvSpPr>
-          <p:cNvPr id="3" name="Notes Placeholder 2"/>
-          <p:cNvSpPr>
-            <a:spLocks noGrp="1"/>
-          </p:cNvSpPr>
-          <p:nvPr>
-            <p:ph type="body" idx="1"/>
-          </p:nvPr>
-        </p:nvSpPr>
-        <p:spPr/>
-        <p:txBody>
-          <a:bodyPr/>
-          <a:lstStyle/>
-          <a:p>
-            <a:endParaRPr lang="en-US" dirty="0"/>
-          </a:p>
-        </p:txBody>
-      </p:sp>
-      <p:sp>
-        <p:nvSpPr>
-          <p:cNvPr id="4" name="Slide Number Placeholder 3"/>
-          <p:cNvSpPr>
-            <a:spLocks noGrp="1"/>
-          </p:cNvSpPr>
-          <p:nvPr>
-            <p:ph type="sldNum" sz="quarter" idx="10"/>
-          </p:nvPr>
-        </p:nvSpPr>
-        <p:spPr/>
-        <p:txBody>
-          <a:bodyPr/>
-          <a:lstStyle/>
-          <a:p>
-            <a:fld id="{F7021451-1387-4CA6-816F-3879F97B5CBC}" type="slidenum">
-              <a:rPr lang="en-US"/>
-              <a:t>15</a:t>
-            </a:fld>
-            <a:endParaRPr lang="en-US"/>
-          </a:p>
-        </p:txBody>
-      </p:sp>
-    </p:spTree>
-    <p:extLst>
-      <p:ext uri="{BB962C8B-B14F-4D97-AF65-F5344CB8AC3E}">
-        <p14:creationId xmlns:p14="http://schemas.microsoft.com/office/powerpoint/2010/main" val="1024086991"/>
-      </p:ext>
-    </p:extLst>
-  </p:cSld>
-  <p:clrMapOvr>
-    <a:masterClrMapping/>
-  </p:clrMapOvr>
-</p:notes>
-</file>
-
-<file path=ppt/notesSlides/notesSlide16.xml><?xml version="1.0" encoding="utf-8"?>
-<p:notes xmlns:a="http://schemas.openxmlformats.org/drawingml/2006/main" xmlns:r="http://schemas.openxmlformats.org/officeDocument/2006/relationships" xmlns:p="http://schemas.openxmlformats.org/presentationml/2006/main">
-  <p:cSld>
-    <p:spTree>
-      <p:nvGrpSpPr>
-        <p:cNvPr id="1" name=""/>
-        <p:cNvGrpSpPr/>
-        <p:nvPr/>
-      </p:nvGrpSpPr>
-      <p:grpSpPr>
-        <a:xfrm>
-          <a:off x="0" y="0"/>
-          <a:ext cx="0" cy="0"/>
-          <a:chOff x="0" y="0"/>
-          <a:chExt cx="0" cy="0"/>
-        </a:xfrm>
-      </p:grpSpPr>
-      <p:sp>
-        <p:nvSpPr>
-          <p:cNvPr id="2" name="Slide Image Placeholder 1"/>
-          <p:cNvSpPr>
-            <a:spLocks noGrp="1" noRot="1" noChangeAspect="1"/>
-          </p:cNvSpPr>
-          <p:nvPr>
-            <p:ph type="sldImg"/>
-          </p:nvPr>
-        </p:nvSpPr>
-        <p:spPr/>
-      </p:sp>
-      <p:sp>
-        <p:nvSpPr>
-          <p:cNvPr id="3" name="Notes Placeholder 2"/>
-          <p:cNvSpPr>
-            <a:spLocks noGrp="1"/>
-          </p:cNvSpPr>
-          <p:nvPr>
-            <p:ph type="body" idx="1"/>
-          </p:nvPr>
-        </p:nvSpPr>
-        <p:spPr/>
-        <p:txBody>
-          <a:bodyPr/>
-          <a:lstStyle/>
-          <a:p>
-            <a:endParaRPr lang="en-US" dirty="0"/>
-          </a:p>
-        </p:txBody>
-      </p:sp>
-      <p:sp>
-        <p:nvSpPr>
-          <p:cNvPr id="4" name="Slide Number Placeholder 3"/>
-          <p:cNvSpPr>
-            <a:spLocks noGrp="1"/>
-          </p:cNvSpPr>
-          <p:nvPr>
-            <p:ph type="sldNum" sz="quarter" idx="10"/>
-          </p:nvPr>
-        </p:nvSpPr>
-        <p:spPr/>
-        <p:txBody>
-          <a:bodyPr/>
-          <a:lstStyle/>
-          <a:p>
-            <a:fld id="{F7021451-1387-4CA6-816F-3879F97B5CBC}" type="slidenum">
-              <a:rPr lang="en-US"/>
-              <a:t>16</a:t>
-            </a:fld>
-            <a:endParaRPr lang="en-US"/>
-          </a:p>
-        </p:txBody>
-      </p:sp>
-    </p:spTree>
-    <p:extLst>
-      <p:ext uri="{BB962C8B-B14F-4D97-AF65-F5344CB8AC3E}">
-        <p14:creationId xmlns:p14="http://schemas.microsoft.com/office/powerpoint/2010/main" val="1024086991"/>
-      </p:ext>
-    </p:extLst>
-  </p:cSld>
-  <p:clrMapOvr>
-    <a:masterClrMapping/>
-  </p:clrMapOvr>
-</p:notes>
-</file>
-
-<file path=ppt/notesSlides/notesSlide17.xml><?xml version="1.0" encoding="utf-8"?>
-<p:notes xmlns:a="http://schemas.openxmlformats.org/drawingml/2006/main" xmlns:r="http://schemas.openxmlformats.org/officeDocument/2006/relationships" xmlns:p="http://schemas.openxmlformats.org/presentationml/2006/main">
-  <p:cSld>
-    <p:spTree>
-      <p:nvGrpSpPr>
-        <p:cNvPr id="1" name=""/>
-        <p:cNvGrpSpPr/>
-        <p:nvPr/>
-      </p:nvGrpSpPr>
-      <p:grpSpPr>
-        <a:xfrm>
-          <a:off x="0" y="0"/>
-          <a:ext cx="0" cy="0"/>
-          <a:chOff x="0" y="0"/>
-          <a:chExt cx="0" cy="0"/>
-        </a:xfrm>
-      </p:grpSpPr>
-      <p:sp>
-        <p:nvSpPr>
-          <p:cNvPr id="2" name="Slide Image Placeholder 1"/>
-          <p:cNvSpPr>
-            <a:spLocks noGrp="1" noRot="1" noChangeAspect="1"/>
-          </p:cNvSpPr>
-          <p:nvPr>
-            <p:ph type="sldImg"/>
-          </p:nvPr>
-        </p:nvSpPr>
-        <p:spPr/>
-      </p:sp>
-      <p:sp>
-        <p:nvSpPr>
-          <p:cNvPr id="3" name="Notes Placeholder 2"/>
-          <p:cNvSpPr>
-            <a:spLocks noGrp="1"/>
-          </p:cNvSpPr>
-          <p:nvPr>
-            <p:ph type="body" idx="1"/>
-          </p:nvPr>
-        </p:nvSpPr>
-        <p:spPr/>
-        <p:txBody>
-          <a:bodyPr/>
-          <a:lstStyle/>
-          <a:p>
-            <a:endParaRPr lang="en-US" dirty="0"/>
-          </a:p>
-        </p:txBody>
-      </p:sp>
-      <p:sp>
-        <p:nvSpPr>
-          <p:cNvPr id="4" name="Slide Number Placeholder 3"/>
-          <p:cNvSpPr>
-            <a:spLocks noGrp="1"/>
-          </p:cNvSpPr>
-          <p:nvPr>
-            <p:ph type="sldNum" sz="quarter" idx="10"/>
-          </p:nvPr>
-        </p:nvSpPr>
-        <p:spPr/>
-        <p:txBody>
-          <a:bodyPr/>
-          <a:lstStyle/>
-          <a:p>
-            <a:fld id="{F7021451-1387-4CA6-816F-3879F97B5CBC}" type="slidenum">
-              <a:rPr lang="en-US"/>
-              <a:t>17</a:t>
-            </a:fld>
-            <a:endParaRPr lang="en-US"/>
-          </a:p>
-        </p:txBody>
-      </p:sp>
-    </p:spTree>
-    <p:extLst>
-      <p:ext uri="{BB962C8B-B14F-4D97-AF65-F5344CB8AC3E}">
-        <p14:creationId xmlns:p14="http://schemas.microsoft.com/office/powerpoint/2010/main" val="1024086991"/>
-      </p:ext>
-    </p:extLst>
-  </p:cSld>
-  <p:clrMapOvr>
-    <a:masterClrMapping/>
-  </p:clrMapOvr>
-</p:notes>
-</file>
-
-<file path=ppt/notesSlides/notesSlide18.xml><?xml version="1.0" encoding="utf-8"?>
-<p:notes xmlns:a="http://schemas.openxmlformats.org/drawingml/2006/main" xmlns:r="http://schemas.openxmlformats.org/officeDocument/2006/relationships" xmlns:p="http://schemas.openxmlformats.org/presentationml/2006/main">
-  <p:cSld>
-    <p:spTree>
-      <p:nvGrpSpPr>
-        <p:cNvPr id="1" name=""/>
-        <p:cNvGrpSpPr/>
-        <p:nvPr/>
-      </p:nvGrpSpPr>
-      <p:grpSpPr>
-        <a:xfrm>
-          <a:off x="0" y="0"/>
-          <a:ext cx="0" cy="0"/>
-          <a:chOff x="0" y="0"/>
-          <a:chExt cx="0" cy="0"/>
-        </a:xfrm>
-      </p:grpSpPr>
-      <p:sp>
-        <p:nvSpPr>
-          <p:cNvPr id="2" name="Slide Image Placeholder 1"/>
-          <p:cNvSpPr>
-            <a:spLocks noGrp="1" noRot="1" noChangeAspect="1"/>
-          </p:cNvSpPr>
-          <p:nvPr>
-            <p:ph type="sldImg"/>
-          </p:nvPr>
-        </p:nvSpPr>
-        <p:spPr/>
-      </p:sp>
-      <p:sp>
-        <p:nvSpPr>
-          <p:cNvPr id="3" name="Notes Placeholder 2"/>
-          <p:cNvSpPr>
-            <a:spLocks noGrp="1"/>
-          </p:cNvSpPr>
-          <p:nvPr>
-            <p:ph type="body" idx="1"/>
-          </p:nvPr>
-        </p:nvSpPr>
-        <p:spPr/>
-        <p:txBody>
-          <a:bodyPr/>
-          <a:lstStyle/>
-          <a:p>
-            <a:endParaRPr lang="en-US" dirty="0"/>
-          </a:p>
-        </p:txBody>
-      </p:sp>
-      <p:sp>
-        <p:nvSpPr>
-          <p:cNvPr id="4" name="Slide Number Placeholder 3"/>
-          <p:cNvSpPr>
-            <a:spLocks noGrp="1"/>
-          </p:cNvSpPr>
-          <p:nvPr>
-            <p:ph type="sldNum" sz="quarter" idx="10"/>
-          </p:nvPr>
-        </p:nvSpPr>
-        <p:spPr/>
-        <p:txBody>
-          <a:bodyPr/>
-          <a:lstStyle/>
-          <a:p>
-            <a:fld id="{F7021451-1387-4CA6-816F-3879F97B5CBC}" type="slidenum">
-              <a:rPr lang="en-US"/>
-              <a:t>18</a:t>
-            </a:fld>
-            <a:endParaRPr lang="en-US"/>
-          </a:p>
-        </p:txBody>
-      </p:sp>
-    </p:spTree>
-    <p:extLst>
-      <p:ext uri="{BB962C8B-B14F-4D97-AF65-F5344CB8AC3E}">
-        <p14:creationId xmlns:p14="http://schemas.microsoft.com/office/powerpoint/2010/main" val="1024086991"/>
-      </p:ext>
-    </p:extLst>
-  </p:cSld>
-  <p:clrMapOvr>
-    <a:masterClrMapping/>
-  </p:clrMapOvr>
-</p:notes>
-</file>
-
-<file path=ppt/notesSlides/notesSlide19.xml><?xml version="1.0" encoding="utf-8"?>
-<p:notes xmlns:a="http://schemas.openxmlformats.org/drawingml/2006/main" xmlns:r="http://schemas.openxmlformats.org/officeDocument/2006/relationships" xmlns:p="http://schemas.openxmlformats.org/presentationml/2006/main">
-  <p:cSld>
-    <p:spTree>
-      <p:nvGrpSpPr>
-        <p:cNvPr id="1" name=""/>
-        <p:cNvGrpSpPr/>
-        <p:nvPr/>
-      </p:nvGrpSpPr>
-      <p:grpSpPr>
-        <a:xfrm>
-          <a:off x="0" y="0"/>
-          <a:ext cx="0" cy="0"/>
-          <a:chOff x="0" y="0"/>
-          <a:chExt cx="0" cy="0"/>
-        </a:xfrm>
-      </p:grpSpPr>
-      <p:sp>
-        <p:nvSpPr>
-          <p:cNvPr id="2" name="Slide Image Placeholder 1"/>
-          <p:cNvSpPr>
-            <a:spLocks noGrp="1" noRot="1" noChangeAspect="1"/>
-          </p:cNvSpPr>
-          <p:nvPr>
-            <p:ph type="sldImg"/>
-          </p:nvPr>
-        </p:nvSpPr>
-        <p:spPr/>
-      </p:sp>
-      <p:sp>
-        <p:nvSpPr>
-          <p:cNvPr id="3" name="Notes Placeholder 2"/>
-          <p:cNvSpPr>
-            <a:spLocks noGrp="1"/>
-          </p:cNvSpPr>
-          <p:nvPr>
-            <p:ph type="body" idx="1"/>
-          </p:nvPr>
-        </p:nvSpPr>
-        <p:spPr/>
-        <p:txBody>
-          <a:bodyPr/>
-          <a:lstStyle/>
-          <a:p>
-            <a:endParaRPr lang="en-US" dirty="0"/>
-          </a:p>
-        </p:txBody>
-      </p:sp>
-      <p:sp>
-        <p:nvSpPr>
-          <p:cNvPr id="4" name="Slide Number Placeholder 3"/>
-          <p:cNvSpPr>
-            <a:spLocks noGrp="1"/>
-          </p:cNvSpPr>
-          <p:nvPr>
-            <p:ph type="sldNum" sz="quarter" idx="10"/>
-          </p:nvPr>
-        </p:nvSpPr>
-        <p:spPr/>
-        <p:txBody>
-          <a:bodyPr/>
-          <a:lstStyle/>
-          <a:p>
-            <a:fld id="{F7021451-1387-4CA6-816F-3879F97B5CBC}" type="slidenum">
-              <a:rPr lang="en-US"/>
-              <a:t>19</a:t>
-            </a:fld>
-            <a:endParaRPr lang="en-US"/>
-          </a:p>
-        </p:txBody>
-      </p:sp>
-    </p:spTree>
-    <p:extLst>
-      <p:ext uri="{BB962C8B-B14F-4D97-AF65-F5344CB8AC3E}">
-        <p14:creationId xmlns:p14="http://schemas.microsoft.com/office/powerpoint/2010/main" val="1024086991"/>
-      </p:ext>
-    </p:extLst>
-  </p:cSld>
-  <p:clrMapOvr>
-    <a:masterClrMapping/>
-  </p:clrMapOvr>
-</p:notes>
-</file>
-
 <file path=ppt/notesSlides/notesSlide2.xml><?xml version="1.0" encoding="utf-8"?>
 <p:notes xmlns:a="http://schemas.openxmlformats.org/drawingml/2006/main" xmlns:r="http://schemas.openxmlformats.org/officeDocument/2006/relationships" xmlns:p="http://schemas.openxmlformats.org/presentationml/2006/main">
   <p:cSld>
@@ -1247,174 +820,6 @@
             <a:fld id="{F7021451-1387-4CA6-816F-3879F97B5CBC}" type="slidenum">
               <a:rPr lang="en-US"/>
               <a:t>2</a:t>
-            </a:fld>
-            <a:endParaRPr lang="en-US"/>
-          </a:p>
-        </p:txBody>
-      </p:sp>
-    </p:spTree>
-    <p:extLst>
-      <p:ext uri="{BB962C8B-B14F-4D97-AF65-F5344CB8AC3E}">
-        <p14:creationId xmlns:p14="http://schemas.microsoft.com/office/powerpoint/2010/main" val="1024086991"/>
-      </p:ext>
-    </p:extLst>
-  </p:cSld>
-  <p:clrMapOvr>
-    <a:masterClrMapping/>
-  </p:clrMapOvr>
-</p:notes>
-</file>
-
-<file path=ppt/notesSlides/notesSlide20.xml><?xml version="1.0" encoding="utf-8"?>
-<p:notes xmlns:a="http://schemas.openxmlformats.org/drawingml/2006/main" xmlns:r="http://schemas.openxmlformats.org/officeDocument/2006/relationships" xmlns:p="http://schemas.openxmlformats.org/presentationml/2006/main">
-  <p:cSld>
-    <p:spTree>
-      <p:nvGrpSpPr>
-        <p:cNvPr id="1" name=""/>
-        <p:cNvGrpSpPr/>
-        <p:nvPr/>
-      </p:nvGrpSpPr>
-      <p:grpSpPr>
-        <a:xfrm>
-          <a:off x="0" y="0"/>
-          <a:ext cx="0" cy="0"/>
-          <a:chOff x="0" y="0"/>
-          <a:chExt cx="0" cy="0"/>
-        </a:xfrm>
-      </p:grpSpPr>
-      <p:sp>
-        <p:nvSpPr>
-          <p:cNvPr id="2" name="Slide Image Placeholder 1"/>
-          <p:cNvSpPr>
-            <a:spLocks noGrp="1" noRot="1" noChangeAspect="1"/>
-          </p:cNvSpPr>
-          <p:nvPr>
-            <p:ph type="sldImg"/>
-          </p:nvPr>
-        </p:nvSpPr>
-        <p:spPr/>
-      </p:sp>
-      <p:sp>
-        <p:nvSpPr>
-          <p:cNvPr id="3" name="Notes Placeholder 2"/>
-          <p:cNvSpPr>
-            <a:spLocks noGrp="1"/>
-          </p:cNvSpPr>
-          <p:nvPr>
-            <p:ph type="body" idx="1"/>
-          </p:nvPr>
-        </p:nvSpPr>
-        <p:spPr/>
-        <p:txBody>
-          <a:bodyPr/>
-          <a:lstStyle/>
-          <a:p>
-            <a:endParaRPr lang="en-US" dirty="0"/>
-          </a:p>
-        </p:txBody>
-      </p:sp>
-      <p:sp>
-        <p:nvSpPr>
-          <p:cNvPr id="4" name="Slide Number Placeholder 3"/>
-          <p:cNvSpPr>
-            <a:spLocks noGrp="1"/>
-          </p:cNvSpPr>
-          <p:nvPr>
-            <p:ph type="sldNum" sz="quarter" idx="10"/>
-          </p:nvPr>
-        </p:nvSpPr>
-        <p:spPr/>
-        <p:txBody>
-          <a:bodyPr/>
-          <a:lstStyle/>
-          <a:p>
-            <a:fld id="{F7021451-1387-4CA6-816F-3879F97B5CBC}" type="slidenum">
-              <a:rPr lang="en-US"/>
-              <a:t>20</a:t>
-            </a:fld>
-            <a:endParaRPr lang="en-US"/>
-          </a:p>
-        </p:txBody>
-      </p:sp>
-    </p:spTree>
-    <p:extLst>
-      <p:ext uri="{BB962C8B-B14F-4D97-AF65-F5344CB8AC3E}">
-        <p14:creationId xmlns:p14="http://schemas.microsoft.com/office/powerpoint/2010/main" val="1024086991"/>
-      </p:ext>
-    </p:extLst>
-  </p:cSld>
-  <p:clrMapOvr>
-    <a:masterClrMapping/>
-  </p:clrMapOvr>
-</p:notes>
-</file>
-
-<file path=ppt/notesSlides/notesSlide21.xml><?xml version="1.0" encoding="utf-8"?>
-<p:notes xmlns:a="http://schemas.openxmlformats.org/drawingml/2006/main" xmlns:r="http://schemas.openxmlformats.org/officeDocument/2006/relationships" xmlns:p="http://schemas.openxmlformats.org/presentationml/2006/main">
-  <p:cSld>
-    <p:spTree>
-      <p:nvGrpSpPr>
-        <p:cNvPr id="1" name=""/>
-        <p:cNvGrpSpPr/>
-        <p:nvPr/>
-      </p:nvGrpSpPr>
-      <p:grpSpPr>
-        <a:xfrm>
-          <a:off x="0" y="0"/>
-          <a:ext cx="0" cy="0"/>
-          <a:chOff x="0" y="0"/>
-          <a:chExt cx="0" cy="0"/>
-        </a:xfrm>
-      </p:grpSpPr>
-      <p:sp>
-        <p:nvSpPr>
-          <p:cNvPr id="2" name="Slide Image Placeholder 1"/>
-          <p:cNvSpPr>
-            <a:spLocks noGrp="1" noRot="1" noChangeAspect="1"/>
-          </p:cNvSpPr>
-          <p:nvPr>
-            <p:ph type="sldImg"/>
-          </p:nvPr>
-        </p:nvSpPr>
-        <p:spPr/>
-      </p:sp>
-      <p:sp>
-        <p:nvSpPr>
-          <p:cNvPr id="3" name="Notes Placeholder 2"/>
-          <p:cNvSpPr>
-            <a:spLocks noGrp="1"/>
-          </p:cNvSpPr>
-          <p:nvPr>
-            <p:ph type="body" idx="1"/>
-          </p:nvPr>
-        </p:nvSpPr>
-        <p:spPr/>
-        <p:txBody>
-          <a:bodyPr/>
-          <a:lstStyle/>
-          <a:p>
-            <a:endParaRPr lang="en-US" dirty="0"/>
-          </a:p>
-        </p:txBody>
-      </p:sp>
-      <p:sp>
-        <p:nvSpPr>
-          <p:cNvPr id="4" name="Slide Number Placeholder 3"/>
-          <p:cNvSpPr>
-            <a:spLocks noGrp="1"/>
-          </p:cNvSpPr>
-          <p:nvPr>
-            <p:ph type="sldNum" sz="quarter" idx="10"/>
-          </p:nvPr>
-        </p:nvSpPr>
-        <p:spPr/>
-        <p:txBody>
-          <a:bodyPr/>
-          <a:lstStyle/>
-          <a:p>
-            <a:fld id="{F7021451-1387-4CA6-816F-3879F97B5CBC}" type="slidenum">
-              <a:rPr lang="en-US"/>
-              <a:t>21</a:t>
             </a:fld>
             <a:endParaRPr lang="en-US"/>
           </a:p>
@@ -1675,7 +1080,7 @@
     </p:spTree>
     <p:extLst>
       <p:ext uri="{BB962C8B-B14F-4D97-AF65-F5344CB8AC3E}">
-        <p14:creationId xmlns:p14="http://schemas.microsoft.com/office/powerpoint/2010/main" val="1024086991"/>
+        <p14:creationId xmlns:p14="http://schemas.microsoft.com/office/powerpoint/2010/main" val="3340830385"/>
       </p:ext>
     </p:extLst>
   </p:cSld>
@@ -2788,6 +2193,175 @@
 
 <file path=ppt/slides/slide10.xml><?xml version="1.0" encoding="utf-8"?>
 <p:sld xmlns:a="http://schemas.openxmlformats.org/drawingml/2006/main" xmlns:r="http://schemas.openxmlformats.org/officeDocument/2006/relationships" xmlns:p="http://schemas.openxmlformats.org/presentationml/2006/main">
+  <p:cSld name="Slide 9">
+    <p:spTree>
+      <p:nvGrpSpPr>
+        <p:cNvPr id="1" name=""/>
+        <p:cNvGrpSpPr/>
+        <p:nvPr/>
+      </p:nvGrpSpPr>
+      <p:grpSpPr>
+        <a:xfrm>
+          <a:off x="0" y="0"/>
+          <a:ext cx="0" cy="0"/>
+          <a:chOff x="0" y="0"/>
+          <a:chExt cx="0" cy="0"/>
+        </a:xfrm>
+      </p:grpSpPr>
+      <p:sp>
+        <p:nvSpPr>
+          <p:cNvPr id="2" name="Shape 0"/>
+          <p:cNvSpPr/>
+          <p:nvPr/>
+        </p:nvSpPr>
+        <p:spPr>
+          <a:xfrm>
+            <a:off x="0" y="457200"/>
+            <a:ext cx="4019550" cy="233363"/>
+          </a:xfrm>
+          <a:prstGeom prst="rect">
+            <a:avLst/>
+          </a:prstGeom>
+          <a:solidFill>
+            <a:srgbClr val="A5DDFF"/>
+          </a:solidFill>
+          <a:ln/>
+        </p:spPr>
+      </p:sp>
+      <p:sp>
+        <p:nvSpPr>
+          <p:cNvPr id="3" name="Text 1"/>
+          <p:cNvSpPr/>
+          <p:nvPr/>
+        </p:nvSpPr>
+        <p:spPr>
+          <a:xfrm>
+            <a:off x="762000" y="138113"/>
+            <a:ext cx="8130540" cy="552450"/>
+          </a:xfrm>
+          <a:prstGeom prst="rect">
+            <a:avLst/>
+          </a:prstGeom>
+          <a:noFill/>
+          <a:ln/>
+        </p:spPr>
+        <p:txBody>
+          <a:bodyPr wrap="square" rtlCol="0" anchor="ctr"/>
+          <a:lstStyle/>
+          <a:p>
+            <a:pPr marL="0" indent="0">
+              <a:buNone/>
+            </a:pPr>
+            <a:r>
+              <a:rPr lang="en-US" sz="1225" b="1" dirty="0">
+                <a:solidFill>
+                  <a:srgbClr val="002A85"/>
+                </a:solidFill>
+                <a:latin typeface="Noto Sans SC" pitchFamily="34" charset="0"/>
+                <a:ea typeface="Noto Sans SC" pitchFamily="34" charset="-122"/>
+                <a:cs typeface="Noto Sans SC" pitchFamily="34" charset="-120"/>
+              </a:rPr>
+              <a:t>XGBoost offers several advantages that make it a preferred choice for machine learning enthusiasts and practitioners. These advantages include:</a:t>
+            </a:r>
+            <a:endParaRPr lang="en-US" sz="1225" dirty="0"/>
+          </a:p>
+        </p:txBody>
+      </p:sp>
+      <p:sp>
+        <p:nvSpPr>
+          <p:cNvPr id="4" name="Text 2"/>
+          <p:cNvSpPr/>
+          <p:nvPr/>
+        </p:nvSpPr>
+        <p:spPr>
+          <a:xfrm>
+            <a:off x="762000" y="1304925"/>
+            <a:ext cx="7715250" cy="3452813"/>
+          </a:xfrm>
+          <a:prstGeom prst="rect">
+            <a:avLst/>
+          </a:prstGeom>
+          <a:noFill/>
+          <a:ln/>
+        </p:spPr>
+        <p:txBody>
+          <a:bodyPr wrap="square" rtlCol="0" anchor="t"/>
+          <a:lstStyle/>
+          <a:p>
+            <a:pPr marL="342900" indent="-342900" algn="l">
+              <a:lnSpc>
+                <a:spcPct val="150000"/>
+              </a:lnSpc>
+              <a:buSzPct val="100000"/>
+              <a:buChar char="•"/>
+            </a:pPr>
+            <a:r>
+              <a:rPr lang="en-US" sz="1680" dirty="0">
+                <a:solidFill>
+                  <a:srgbClr val="383838"/>
+                </a:solidFill>
+                <a:latin typeface="Noto Sans SC" pitchFamily="34" charset="0"/>
+                <a:ea typeface="Noto Sans SC" pitchFamily="34" charset="-122"/>
+                <a:cs typeface="Noto Sans SC" pitchFamily="34" charset="-120"/>
+              </a:rPr>
+              <a:t>High Performance: XGBoost has a proven track record of winning numerous machine learning competitions due to its superior performance.</a:t>
+            </a:r>
+            <a:endParaRPr lang="en-US" sz="1680" dirty="0"/>
+          </a:p>
+          <a:p>
+            <a:pPr marL="342900" indent="-342900" algn="l">
+              <a:lnSpc>
+                <a:spcPct val="150000"/>
+              </a:lnSpc>
+              <a:buSzPct val="100000"/>
+              <a:buChar char="•"/>
+            </a:pPr>
+            <a:r>
+              <a:rPr lang="en-US" sz="1680" dirty="0">
+                <a:solidFill>
+                  <a:srgbClr val="383838"/>
+                </a:solidFill>
+                <a:latin typeface="Noto Sans SC" pitchFamily="34" charset="0"/>
+                <a:ea typeface="Noto Sans SC" pitchFamily="34" charset="-122"/>
+                <a:cs typeface="Noto Sans SC" pitchFamily="34" charset="-120"/>
+              </a:rPr>
+              <a:t>Flexibility: It supports custom optimization objectives and evaluation criteria, providing flexibility in model development.</a:t>
+            </a:r>
+            <a:endParaRPr lang="en-US" sz="1680" dirty="0"/>
+          </a:p>
+          <a:p>
+            <a:pPr marL="342900" indent="-342900" algn="l">
+              <a:lnSpc>
+                <a:spcPct val="150000"/>
+              </a:lnSpc>
+              <a:buSzPct val="100000"/>
+              <a:buChar char="•"/>
+            </a:pPr>
+            <a:r>
+              <a:rPr lang="en-US" sz="1680" dirty="0">
+                <a:solidFill>
+                  <a:srgbClr val="383838"/>
+                </a:solidFill>
+                <a:latin typeface="Noto Sans SC" pitchFamily="34" charset="0"/>
+                <a:ea typeface="Noto Sans SC" pitchFamily="34" charset="-122"/>
+                <a:cs typeface="Noto Sans SC" pitchFamily="34" charset="-120"/>
+              </a:rPr>
+              <a:t>Cross-Platform Compatibility: XGBoost is compatible with various programming languages, including Python, R, Java, and more, making it accessible to a wide range of users.</a:t>
+            </a:r>
+            <a:endParaRPr lang="en-US" sz="1680" dirty="0"/>
+          </a:p>
+        </p:txBody>
+      </p:sp>
+    </p:spTree>
+  </p:cSld>
+  <p:clrMapOvr>
+    <a:masterClrMapping/>
+  </p:clrMapOvr>
+</p:sld>
+</file>
+
+<file path=ppt/slides/slide11.xml><?xml version="1.0" encoding="utf-8"?>
+<p:sld xmlns:a="http://schemas.openxmlformats.org/drawingml/2006/main" xmlns:r="http://schemas.openxmlformats.org/officeDocument/2006/relationships" xmlns:p="http://schemas.openxmlformats.org/presentationml/2006/main">
   <p:cSld name="Slide 10">
     <p:spTree>
       <p:nvGrpSpPr>
@@ -2889,7 +2463,7 @@
 </p:sld>
 </file>
 
-<file path=ppt/slides/slide11.xml><?xml version="1.0" encoding="utf-8"?>
+<file path=ppt/slides/slide12.xml><?xml version="1.0" encoding="utf-8"?>
 <p:sld xmlns:a="http://schemas.openxmlformats.org/drawingml/2006/main" xmlns:r="http://schemas.openxmlformats.org/officeDocument/2006/relationships" xmlns:p="http://schemas.openxmlformats.org/presentationml/2006/main">
   <p:cSld name="Slide 11">
     <p:spTree>
@@ -3058,409 +2632,7 @@
 </p:sld>
 </file>
 
-<file path=ppt/slides/slide12.xml><?xml version="1.0" encoding="utf-8"?>
-<p:sld xmlns:a="http://schemas.openxmlformats.org/drawingml/2006/main" xmlns:r="http://schemas.openxmlformats.org/officeDocument/2006/relationships" xmlns:p="http://schemas.openxmlformats.org/presentationml/2006/main">
-  <p:cSld name="Slide 12">
-    <p:spTree>
-      <p:nvGrpSpPr>
-        <p:cNvPr id="1" name=""/>
-        <p:cNvGrpSpPr/>
-        <p:nvPr/>
-      </p:nvGrpSpPr>
-      <p:grpSpPr>
-        <a:xfrm>
-          <a:off x="0" y="0"/>
-          <a:ext cx="0" cy="0"/>
-          <a:chOff x="0" y="0"/>
-          <a:chExt cx="0" cy="0"/>
-        </a:xfrm>
-      </p:grpSpPr>
-      <p:sp>
-        <p:nvSpPr>
-          <p:cNvPr id="2" name="Shape 0"/>
-          <p:cNvSpPr/>
-          <p:nvPr/>
-        </p:nvSpPr>
-        <p:spPr>
-          <a:xfrm>
-            <a:off x="0" y="457200"/>
-            <a:ext cx="4019550" cy="233363"/>
-          </a:xfrm>
-          <a:prstGeom prst="rect">
-            <a:avLst/>
-          </a:prstGeom>
-          <a:solidFill>
-            <a:srgbClr val="A5DDFF"/>
-          </a:solidFill>
-          <a:ln/>
-        </p:spPr>
-      </p:sp>
-      <p:sp>
-        <p:nvSpPr>
-          <p:cNvPr id="3" name="Text 1"/>
-          <p:cNvSpPr/>
-          <p:nvPr/>
-        </p:nvSpPr>
-        <p:spPr>
-          <a:xfrm>
-            <a:off x="762000" y="138113"/>
-            <a:ext cx="8130540" cy="552450"/>
-          </a:xfrm>
-          <a:prstGeom prst="rect">
-            <a:avLst/>
-          </a:prstGeom>
-          <a:noFill/>
-          <a:ln/>
-        </p:spPr>
-        <p:txBody>
-          <a:bodyPr wrap="square" rtlCol="0" anchor="ctr"/>
-          <a:lstStyle/>
-          <a:p>
-            <a:pPr marL="0" indent="0">
-              <a:buNone/>
-            </a:pPr>
-            <a:r>
-              <a:rPr lang="en-US" sz="2625" b="1" dirty="0">
-                <a:solidFill>
-                  <a:srgbClr val="002A85"/>
-                </a:solidFill>
-                <a:latin typeface="Noto Sans SC" pitchFamily="34" charset="0"/>
-                <a:ea typeface="Noto Sans SC" pitchFamily="34" charset="-122"/>
-                <a:cs typeface="Noto Sans SC" pitchFamily="34" charset="-120"/>
-              </a:rPr>
-              <a:t>Understanding Card Transaction Fraud</a:t>
-            </a:r>
-            <a:endParaRPr lang="en-US" sz="2625" dirty="0"/>
-          </a:p>
-        </p:txBody>
-      </p:sp>
-      <p:sp>
-        <p:nvSpPr>
-          <p:cNvPr id="4" name="Text 2"/>
-          <p:cNvSpPr/>
-          <p:nvPr/>
-        </p:nvSpPr>
-        <p:spPr>
-          <a:xfrm>
-            <a:off x="762000" y="1304925"/>
-            <a:ext cx="7715250" cy="3452813"/>
-          </a:xfrm>
-          <a:prstGeom prst="rect">
-            <a:avLst/>
-          </a:prstGeom>
-          <a:noFill/>
-          <a:ln/>
-        </p:spPr>
-        <p:txBody>
-          <a:bodyPr wrap="square" rtlCol="0" anchor="t"/>
-          <a:lstStyle/>
-          <a:p>
-            <a:pPr marL="342900" indent="-342900" algn="l">
-              <a:lnSpc>
-                <a:spcPct val="150000"/>
-              </a:lnSpc>
-              <a:buSzPct val="100000"/>
-              <a:buChar char="•"/>
-            </a:pPr>
-            <a:r>
-              <a:rPr lang="en-US" sz="1680" dirty="0">
-                <a:solidFill>
-                  <a:srgbClr val="383838"/>
-                </a:solidFill>
-                <a:latin typeface="Noto Sans SC" pitchFamily="34" charset="0"/>
-                <a:ea typeface="Noto Sans SC" pitchFamily="34" charset="-122"/>
-                <a:cs typeface="Noto Sans SC" pitchFamily="34" charset="-120"/>
-              </a:rPr>
-              <a:t>Credit card fraud has become a prevalent issue in the financial industry, posing a significant threat to both cardholders and financial institutions. Detecting fraudulent transactions is crucial for preventing financial losses and maintaining trust in the payment ecosystem.</a:t>
-            </a:r>
-            <a:endParaRPr lang="en-US" sz="1680" dirty="0"/>
-          </a:p>
-        </p:txBody>
-      </p:sp>
-    </p:spTree>
-  </p:cSld>
-  <p:clrMapOvr>
-    <a:masterClrMapping/>
-  </p:clrMapOvr>
-</p:sld>
-</file>
-
 <file path=ppt/slides/slide13.xml><?xml version="1.0" encoding="utf-8"?>
-<p:sld xmlns:a="http://schemas.openxmlformats.org/drawingml/2006/main" xmlns:r="http://schemas.openxmlformats.org/officeDocument/2006/relationships" xmlns:p="http://schemas.openxmlformats.org/presentationml/2006/main">
-  <p:cSld name="Slide 13">
-    <p:spTree>
-      <p:nvGrpSpPr>
-        <p:cNvPr id="1" name=""/>
-        <p:cNvGrpSpPr/>
-        <p:nvPr/>
-      </p:nvGrpSpPr>
-      <p:grpSpPr>
-        <a:xfrm>
-          <a:off x="0" y="0"/>
-          <a:ext cx="0" cy="0"/>
-          <a:chOff x="0" y="0"/>
-          <a:chExt cx="0" cy="0"/>
-        </a:xfrm>
-      </p:grpSpPr>
-      <p:sp>
-        <p:nvSpPr>
-          <p:cNvPr id="2" name="Shape 0"/>
-          <p:cNvSpPr/>
-          <p:nvPr/>
-        </p:nvSpPr>
-        <p:spPr>
-          <a:xfrm>
-            <a:off x="0" y="457200"/>
-            <a:ext cx="4019550" cy="233363"/>
-          </a:xfrm>
-          <a:prstGeom prst="rect">
-            <a:avLst/>
-          </a:prstGeom>
-          <a:solidFill>
-            <a:srgbClr val="A5DDFF"/>
-          </a:solidFill>
-          <a:ln/>
-        </p:spPr>
-      </p:sp>
-      <p:sp>
-        <p:nvSpPr>
-          <p:cNvPr id="3" name="Text 1"/>
-          <p:cNvSpPr/>
-          <p:nvPr/>
-        </p:nvSpPr>
-        <p:spPr>
-          <a:xfrm>
-            <a:off x="762000" y="138113"/>
-            <a:ext cx="8130540" cy="552450"/>
-          </a:xfrm>
-          <a:prstGeom prst="rect">
-            <a:avLst/>
-          </a:prstGeom>
-          <a:noFill/>
-          <a:ln/>
-        </p:spPr>
-        <p:txBody>
-          <a:bodyPr wrap="square" rtlCol="0" anchor="ctr"/>
-          <a:lstStyle/>
-          <a:p>
-            <a:pPr marL="0" indent="0">
-              <a:buNone/>
-            </a:pPr>
-            <a:r>
-              <a:rPr lang="en-US" sz="2625" b="1" dirty="0">
-                <a:solidFill>
-                  <a:srgbClr val="002A85"/>
-                </a:solidFill>
-                <a:latin typeface="Noto Sans SC" pitchFamily="34" charset="0"/>
-                <a:ea typeface="Noto Sans SC" pitchFamily="34" charset="-122"/>
-                <a:cs typeface="Noto Sans SC" pitchFamily="34" charset="-120"/>
-              </a:rPr>
-              <a:t>Importance of Fraud Detection</a:t>
-            </a:r>
-            <a:endParaRPr lang="en-US" sz="2625" dirty="0"/>
-          </a:p>
-        </p:txBody>
-      </p:sp>
-      <p:sp>
-        <p:nvSpPr>
-          <p:cNvPr id="4" name="Text 2"/>
-          <p:cNvSpPr/>
-          <p:nvPr/>
-        </p:nvSpPr>
-        <p:spPr>
-          <a:xfrm>
-            <a:off x="762000" y="1304925"/>
-            <a:ext cx="7715250" cy="3452813"/>
-          </a:xfrm>
-          <a:prstGeom prst="rect">
-            <a:avLst/>
-          </a:prstGeom>
-          <a:noFill/>
-          <a:ln/>
-        </p:spPr>
-        <p:txBody>
-          <a:bodyPr wrap="square" rtlCol="0" anchor="t"/>
-          <a:lstStyle/>
-          <a:p>
-            <a:pPr marL="342900" indent="-342900" algn="l">
-              <a:lnSpc>
-                <a:spcPct val="150000"/>
-              </a:lnSpc>
-              <a:buSzPct val="100000"/>
-              <a:buChar char="•"/>
-            </a:pPr>
-            <a:r>
-              <a:rPr lang="en-US" sz="1680" dirty="0">
-                <a:solidFill>
-                  <a:srgbClr val="383838"/>
-                </a:solidFill>
-                <a:latin typeface="Noto Sans SC" pitchFamily="34" charset="0"/>
-                <a:ea typeface="Noto Sans SC" pitchFamily="34" charset="-122"/>
-                <a:cs typeface="Noto Sans SC" pitchFamily="34" charset="-120"/>
-              </a:rPr>
-              <a:t>The ability to identify and prevent fraudulent activities is paramount for safeguarding the integrity of financial transactions. With the advancement of machine learning techniques, such as XGBoost, the detection of fraudulent card transactions has become more efficient and accurate, leading to enhanced security measures and reduced financial losses for both consumers and businesses.</a:t>
-            </a:r>
-            <a:endParaRPr lang="en-US" sz="1680" dirty="0"/>
-          </a:p>
-        </p:txBody>
-      </p:sp>
-    </p:spTree>
-  </p:cSld>
-  <p:clrMapOvr>
-    <a:masterClrMapping/>
-  </p:clrMapOvr>
-</p:sld>
-</file>
-
-<file path=ppt/slides/slide14.xml><?xml version="1.0" encoding="utf-8"?>
-<p:sld xmlns:a="http://schemas.openxmlformats.org/drawingml/2006/main" xmlns:r="http://schemas.openxmlformats.org/officeDocument/2006/relationships" xmlns:p="http://schemas.openxmlformats.org/presentationml/2006/main">
-  <p:cSld name="Slide 14">
-    <p:spTree>
-      <p:nvGrpSpPr>
-        <p:cNvPr id="1" name=""/>
-        <p:cNvGrpSpPr/>
-        <p:nvPr/>
-      </p:nvGrpSpPr>
-      <p:grpSpPr>
-        <a:xfrm>
-          <a:off x="0" y="0"/>
-          <a:ext cx="0" cy="0"/>
-          <a:chOff x="0" y="0"/>
-          <a:chExt cx="0" cy="0"/>
-        </a:xfrm>
-      </p:grpSpPr>
-      <p:sp>
-        <p:nvSpPr>
-          <p:cNvPr id="2" name="Shape 0"/>
-          <p:cNvSpPr/>
-          <p:nvPr/>
-        </p:nvSpPr>
-        <p:spPr>
-          <a:xfrm>
-            <a:off x="0" y="457200"/>
-            <a:ext cx="4019550" cy="233363"/>
-          </a:xfrm>
-          <a:prstGeom prst="rect">
-            <a:avLst/>
-          </a:prstGeom>
-          <a:solidFill>
-            <a:srgbClr val="A5DDFF"/>
-          </a:solidFill>
-          <a:ln/>
-        </p:spPr>
-      </p:sp>
-      <p:sp>
-        <p:nvSpPr>
-          <p:cNvPr id="3" name="Text 1"/>
-          <p:cNvSpPr/>
-          <p:nvPr/>
-        </p:nvSpPr>
-        <p:spPr>
-          <a:xfrm>
-            <a:off x="762000" y="138113"/>
-            <a:ext cx="8130540" cy="552450"/>
-          </a:xfrm>
-          <a:prstGeom prst="rect">
-            <a:avLst/>
-          </a:prstGeom>
-          <a:noFill/>
-          <a:ln/>
-        </p:spPr>
-        <p:txBody>
-          <a:bodyPr wrap="square" rtlCol="0" anchor="ctr"/>
-          <a:lstStyle/>
-          <a:p>
-            <a:pPr marL="0" indent="0">
-              <a:buNone/>
-            </a:pPr>
-            <a:r>
-              <a:rPr lang="en-US" sz="2625" b="1" dirty="0">
-                <a:solidFill>
-                  <a:srgbClr val="002A85"/>
-                </a:solidFill>
-                <a:latin typeface="Noto Sans SC" pitchFamily="34" charset="0"/>
-                <a:ea typeface="Noto Sans SC" pitchFamily="34" charset="-122"/>
-                <a:cs typeface="Noto Sans SC" pitchFamily="34" charset="-120"/>
-              </a:rPr>
-              <a:t>Characteristics of Fraudulent Transactions</a:t>
-            </a:r>
-            <a:endParaRPr lang="en-US" sz="2625" dirty="0"/>
-          </a:p>
-        </p:txBody>
-      </p:sp>
-      <p:sp>
-        <p:nvSpPr>
-          <p:cNvPr id="4" name="Text 2"/>
-          <p:cNvSpPr/>
-          <p:nvPr/>
-        </p:nvSpPr>
-        <p:spPr>
-          <a:xfrm>
-            <a:off x="762000" y="1304925"/>
-            <a:ext cx="7715250" cy="3452813"/>
-          </a:xfrm>
-          <a:prstGeom prst="rect">
-            <a:avLst/>
-          </a:prstGeom>
-          <a:noFill/>
-          <a:ln/>
-        </p:spPr>
-        <p:txBody>
-          <a:bodyPr wrap="square" rtlCol="0" anchor="t"/>
-          <a:lstStyle/>
-          <a:p>
-            <a:pPr marL="342900" indent="-342900" algn="l">
-              <a:lnSpc>
-                <a:spcPct val="150000"/>
-              </a:lnSpc>
-              <a:buSzPct val="100000"/>
-              <a:buChar char="•"/>
-            </a:pPr>
-            <a:r>
-              <a:rPr lang="en-US" sz="1680" dirty="0">
-                <a:solidFill>
-                  <a:srgbClr val="383838"/>
-                </a:solidFill>
-                <a:latin typeface="Noto Sans SC" pitchFamily="34" charset="0"/>
-                <a:ea typeface="Noto Sans SC" pitchFamily="34" charset="-122"/>
-                <a:cs typeface="Noto Sans SC" pitchFamily="34" charset="-120"/>
-              </a:rPr>
-              <a:t>Fraudulent card transactions often exhibit distinct patterns and anomalies that can be detected through sophisticated machine learning models. By leveraging advanced algorithms and feature engineering, it is possible to uncover hidden insights within card transaction data, enabling the identification of fraudulent activities with high precision.</a:t>
-            </a:r>
-            <a:endParaRPr lang="en-US" sz="1680" dirty="0"/>
-          </a:p>
-          <a:p>
-            <a:pPr marL="342900" indent="-342900" algn="l">
-              <a:lnSpc>
-                <a:spcPct val="150000"/>
-              </a:lnSpc>
-              <a:buSzPct val="100000"/>
-              <a:buChar char="•"/>
-            </a:pPr>
-            <a:r>
-              <a:rPr lang="en-US" sz="1680" dirty="0">
-                <a:solidFill>
-                  <a:srgbClr val="383838"/>
-                </a:solidFill>
-                <a:latin typeface="Noto Sans SC" pitchFamily="34" charset="0"/>
-                <a:ea typeface="Noto Sans SC" pitchFamily="34" charset="-122"/>
-                <a:cs typeface="Noto Sans SC" pitchFamily="34" charset="-120"/>
-              </a:rPr>
-              <a:t>Chapter 3</a:t>
-            </a:r>
-            <a:endParaRPr lang="en-US" sz="1680" dirty="0"/>
-          </a:p>
-        </p:txBody>
-      </p:sp>
-    </p:spTree>
-  </p:cSld>
-  <p:clrMapOvr>
-    <a:masterClrMapping/>
-  </p:clrMapOvr>
-</p:sld>
-</file>
-
-<file path=ppt/slides/slide15.xml><?xml version="1.0" encoding="utf-8"?>
 <p:sld xmlns:a="http://schemas.openxmlformats.org/drawingml/2006/main" xmlns:r="http://schemas.openxmlformats.org/officeDocument/2006/relationships" xmlns:p="http://schemas.openxmlformats.org/presentationml/2006/main">
   <p:cSld name="Slide 15">
     <p:spTree>
@@ -3563,9 +2735,9 @@
 </p:sld>
 </file>
 
-<file path=ppt/slides/slide16.xml><?xml version="1.0" encoding="utf-8"?>
+<file path=ppt/slides/slide14.xml><?xml version="1.0" encoding="utf-8"?>
 <p:sld xmlns:a="http://schemas.openxmlformats.org/drawingml/2006/main" xmlns:r="http://schemas.openxmlformats.org/officeDocument/2006/relationships" xmlns:p="http://schemas.openxmlformats.org/presentationml/2006/main">
-  <p:cSld name="Slide 16">
+  <p:cSld name="Slide 20">
     <p:spTree>
       <p:nvGrpSpPr>
         <p:cNvPr id="1" name=""/>
@@ -3582,73 +2754,14 @@
       </p:grpSpPr>
       <p:sp>
         <p:nvSpPr>
-          <p:cNvPr id="2" name="Shape 0"/>
+          <p:cNvPr id="2" name="Text 0"/>
           <p:cNvSpPr/>
           <p:nvPr/>
         </p:nvSpPr>
         <p:spPr>
           <a:xfrm>
-            <a:off x="0" y="457200"/>
-            <a:ext cx="4019550" cy="233363"/>
-          </a:xfrm>
-          <a:prstGeom prst="rect">
-            <a:avLst/>
-          </a:prstGeom>
-          <a:solidFill>
-            <a:srgbClr val="A5DDFF"/>
-          </a:solidFill>
-          <a:ln/>
-        </p:spPr>
-      </p:sp>
-      <p:sp>
-        <p:nvSpPr>
-          <p:cNvPr id="3" name="Text 1"/>
-          <p:cNvSpPr/>
-          <p:nvPr/>
-        </p:nvSpPr>
-        <p:spPr>
-          <a:xfrm>
-            <a:off x="762000" y="138113"/>
-            <a:ext cx="8130540" cy="552450"/>
-          </a:xfrm>
-          <a:prstGeom prst="rect">
-            <a:avLst/>
-          </a:prstGeom>
-          <a:noFill/>
-          <a:ln/>
-        </p:spPr>
-        <p:txBody>
-          <a:bodyPr wrap="square" rtlCol="0" anchor="ctr"/>
-          <a:lstStyle/>
-          <a:p>
-            <a:pPr marL="0" indent="0">
-              <a:buNone/>
-            </a:pPr>
-            <a:r>
-              <a:rPr lang="en-US" sz="2625" b="1" dirty="0">
-                <a:solidFill>
-                  <a:srgbClr val="002A85"/>
-                </a:solidFill>
-                <a:latin typeface="Noto Sans SC" pitchFamily="34" charset="0"/>
-                <a:ea typeface="Noto Sans SC" pitchFamily="34" charset="-122"/>
-                <a:cs typeface="Noto Sans SC" pitchFamily="34" charset="-120"/>
-              </a:rPr>
-              <a:t>Enhanced Fraud Detection using XGBoost</a:t>
-            </a:r>
-            <a:endParaRPr lang="en-US" sz="2625" dirty="0"/>
-          </a:p>
-        </p:txBody>
-      </p:sp>
-      <p:sp>
-        <p:nvSpPr>
-          <p:cNvPr id="4" name="Text 2"/>
-          <p:cNvSpPr/>
-          <p:nvPr/>
-        </p:nvSpPr>
-        <p:spPr>
-          <a:xfrm>
-            <a:off x="762000" y="1304925"/>
-            <a:ext cx="7715250" cy="3452813"/>
+            <a:off x="2871788" y="1838325"/>
+            <a:ext cx="3395663" cy="552450"/>
           </a:xfrm>
           <a:prstGeom prst="rect">
             <a:avLst/>
@@ -3660,114 +2773,23 @@
           <a:bodyPr wrap="square" rtlCol="0" anchor="t"/>
           <a:lstStyle/>
           <a:p>
-            <a:pPr marL="342900" indent="-342900" algn="l">
-              <a:lnSpc>
-                <a:spcPct val="150000"/>
-              </a:lnSpc>
-              <a:buSzPct val="100000"/>
-              <a:buChar char="•"/>
-            </a:pPr>
-            <a:r>
-              <a:rPr lang="en-US" sz="1680" dirty="0">
-                <a:solidFill>
-                  <a:srgbClr val="383838"/>
+            <a:pPr marL="0" indent="0" algn="ctr">
+              <a:buNone/>
+            </a:pPr>
+            <a:r>
+              <a:rPr lang="en-US" sz="2800" b="1" dirty="0">
+                <a:solidFill>
+                  <a:srgbClr val="002A85"/>
                 </a:solidFill>
                 <a:latin typeface="Noto Sans SC" pitchFamily="34" charset="0"/>
                 <a:ea typeface="Noto Sans SC" pitchFamily="34" charset="-122"/>
                 <a:cs typeface="Noto Sans SC" pitchFamily="34" charset="-120"/>
               </a:rPr>
-              <a:t>Leveraging XGBoost for Fraud Detection</a:t>
-            </a:r>
-            <a:endParaRPr lang="en-US" sz="1680" dirty="0"/>
-          </a:p>
-          <a:p>
-            <a:pPr marL="342900" indent="-342900" algn="l">
-              <a:lnSpc>
-                <a:spcPct val="150000"/>
-              </a:lnSpc>
-              <a:buSzPct val="100000"/>
-              <a:buChar char="•"/>
-            </a:pPr>
-            <a:r>
-              <a:rPr lang="en-US" sz="1680" dirty="0">
-                <a:solidFill>
-                  <a:srgbClr val="383838"/>
-                </a:solidFill>
-                <a:latin typeface="Noto Sans SC" pitchFamily="34" charset="0"/>
-                <a:ea typeface="Noto Sans SC" pitchFamily="34" charset="-122"/>
-                <a:cs typeface="Noto Sans SC" pitchFamily="34" charset="-120"/>
-              </a:rPr>
-              <a:t>Feature Engineering in Fraud Detection</a:t>
-            </a:r>
-            <a:endParaRPr lang="en-US" sz="1680" dirty="0"/>
-          </a:p>
-          <a:p>
-            <a:pPr marL="342900" indent="-342900" algn="l">
-              <a:lnSpc>
-                <a:spcPct val="150000"/>
-              </a:lnSpc>
-              <a:buSzPct val="100000"/>
-              <a:buChar char="•"/>
-            </a:pPr>
-            <a:r>
-              <a:rPr lang="en-US" sz="1680" dirty="0">
-                <a:solidFill>
-                  <a:srgbClr val="383838"/>
-                </a:solidFill>
-                <a:latin typeface="Noto Sans SC" pitchFamily="34" charset="0"/>
-                <a:ea typeface="Noto Sans SC" pitchFamily="34" charset="-122"/>
-                <a:cs typeface="Noto Sans SC" pitchFamily="34" charset="-120"/>
-              </a:rPr>
-              <a:t>Real-time Monitoring and Response</a:t>
-            </a:r>
-            <a:endParaRPr lang="en-US" sz="1680" dirty="0"/>
+              <a:t>THE END</a:t>
+            </a:r>
+            <a:endParaRPr lang="en-US" sz="2800" dirty="0"/>
           </a:p>
         </p:txBody>
-      </p:sp>
-    </p:spTree>
-  </p:cSld>
-  <p:clrMapOvr>
-    <a:masterClrMapping/>
-  </p:clrMapOvr>
-</p:sld>
-</file>
-
-<file path=ppt/slides/slide17.xml><?xml version="1.0" encoding="utf-8"?>
-<p:sld xmlns:a="http://schemas.openxmlformats.org/drawingml/2006/main" xmlns:r="http://schemas.openxmlformats.org/officeDocument/2006/relationships" xmlns:p="http://schemas.openxmlformats.org/presentationml/2006/main">
-  <p:cSld name="Slide 17">
-    <p:spTree>
-      <p:nvGrpSpPr>
-        <p:cNvPr id="1" name=""/>
-        <p:cNvGrpSpPr/>
-        <p:nvPr/>
-      </p:nvGrpSpPr>
-      <p:grpSpPr>
-        <a:xfrm>
-          <a:off x="0" y="0"/>
-          <a:ext cx="0" cy="0"/>
-          <a:chOff x="0" y="0"/>
-          <a:chExt cx="0" cy="0"/>
-        </a:xfrm>
-      </p:grpSpPr>
-      <p:sp>
-        <p:nvSpPr>
-          <p:cNvPr id="2" name="Shape 0"/>
-          <p:cNvSpPr/>
-          <p:nvPr/>
-        </p:nvSpPr>
-        <p:spPr>
-          <a:xfrm>
-            <a:off x="0" y="457200"/>
-            <a:ext cx="4019550" cy="233363"/>
-          </a:xfrm>
-          <a:prstGeom prst="rect">
-            <a:avLst/>
-          </a:prstGeom>
-          <a:solidFill>
-            <a:srgbClr val="A5DDFF"/>
-          </a:solidFill>
-          <a:ln/>
-        </p:spPr>
       </p:sp>
       <p:sp>
         <p:nvSpPr>
@@ -3777,47 +2799,8 @@
         </p:nvSpPr>
         <p:spPr>
           <a:xfrm>
-            <a:off x="762000" y="138113"/>
-            <a:ext cx="8130540" cy="552450"/>
-          </a:xfrm>
-          <a:prstGeom prst="rect">
-            <a:avLst/>
-          </a:prstGeom>
-          <a:noFill/>
-          <a:ln/>
-        </p:spPr>
-        <p:txBody>
-          <a:bodyPr wrap="square" rtlCol="0" anchor="ctr"/>
-          <a:lstStyle/>
-          <a:p>
-            <a:pPr marL="0" indent="0">
-              <a:buNone/>
-            </a:pPr>
-            <a:r>
-              <a:rPr lang="en-US" sz="2625" b="1" dirty="0">
-                <a:solidFill>
-                  <a:srgbClr val="002A85"/>
-                </a:solidFill>
-                <a:latin typeface="Noto Sans SC" pitchFamily="34" charset="0"/>
-                <a:ea typeface="Noto Sans SC" pitchFamily="34" charset="-122"/>
-                <a:cs typeface="Noto Sans SC" pitchFamily="34" charset="-120"/>
-              </a:rPr>
-              <a:t>Leveraging XGBoost for Fraud Detection</a:t>
-            </a:r>
-            <a:endParaRPr lang="en-US" sz="2625" dirty="0"/>
-          </a:p>
-        </p:txBody>
-      </p:sp>
-      <p:sp>
-        <p:nvSpPr>
-          <p:cNvPr id="4" name="Text 2"/>
-          <p:cNvSpPr/>
-          <p:nvPr/>
-        </p:nvSpPr>
-        <p:spPr>
-          <a:xfrm>
-            <a:off x="762000" y="1304925"/>
-            <a:ext cx="7715250" cy="3452813"/>
+            <a:off x="2871788" y="2390775"/>
+            <a:ext cx="3395663" cy="1033463"/>
           </a:xfrm>
           <a:prstGeom prst="rect">
             <a:avLst/>
@@ -3829,279 +2812,21 @@
           <a:bodyPr wrap="square" rtlCol="0" anchor="t"/>
           <a:lstStyle/>
           <a:p>
-            <a:pPr marL="342900" indent="-342900" algn="l">
-              <a:lnSpc>
-                <a:spcPct val="150000"/>
-              </a:lnSpc>
-              <a:buSzPct val="100000"/>
-              <a:buChar char="•"/>
-            </a:pPr>
-            <a:r>
-              <a:rPr lang="en-US" sz="1680" dirty="0">
-                <a:solidFill>
-                  <a:srgbClr val="383838"/>
+            <a:pPr marL="0" indent="0" algn="ctr">
+              <a:buNone/>
+            </a:pPr>
+            <a:r>
+              <a:rPr lang="en-US" sz="5250" b="1" dirty="0">
+                <a:solidFill>
+                  <a:srgbClr val="002A85"/>
                 </a:solidFill>
                 <a:latin typeface="Noto Sans SC" pitchFamily="34" charset="0"/>
                 <a:ea typeface="Noto Sans SC" pitchFamily="34" charset="-122"/>
                 <a:cs typeface="Noto Sans SC" pitchFamily="34" charset="-120"/>
               </a:rPr>
-              <a:t>XGBoost has emerged as a powerful tool for fraud detection in card transactions due to its ability to handle large volumes of data and effectively capture intricate patterns indicative of fraudulent behavior. By harnessing the strengths of XGBoost, financial institutions can enhance their fraud detection mechanisms and mitigate potential risks associated with unauthorized transactions.</a:t>
-            </a:r>
-            <a:endParaRPr lang="en-US" sz="1680" dirty="0"/>
-          </a:p>
-        </p:txBody>
-      </p:sp>
-    </p:spTree>
-  </p:cSld>
-  <p:clrMapOvr>
-    <a:masterClrMapping/>
-  </p:clrMapOvr>
-</p:sld>
-</file>
-
-<file path=ppt/slides/slide18.xml><?xml version="1.0" encoding="utf-8"?>
-<p:sld xmlns:a="http://schemas.openxmlformats.org/drawingml/2006/main" xmlns:r="http://schemas.openxmlformats.org/officeDocument/2006/relationships" xmlns:p="http://schemas.openxmlformats.org/presentationml/2006/main">
-  <p:cSld name="Slide 18">
-    <p:spTree>
-      <p:nvGrpSpPr>
-        <p:cNvPr id="1" name=""/>
-        <p:cNvGrpSpPr/>
-        <p:nvPr/>
-      </p:nvGrpSpPr>
-      <p:grpSpPr>
-        <a:xfrm>
-          <a:off x="0" y="0"/>
-          <a:ext cx="0" cy="0"/>
-          <a:chOff x="0" y="0"/>
-          <a:chExt cx="0" cy="0"/>
-        </a:xfrm>
-      </p:grpSpPr>
-      <p:sp>
-        <p:nvSpPr>
-          <p:cNvPr id="2" name="Shape 0"/>
-          <p:cNvSpPr/>
-          <p:nvPr/>
-        </p:nvSpPr>
-        <p:spPr>
-          <a:xfrm>
-            <a:off x="0" y="457200"/>
-            <a:ext cx="4019550" cy="233363"/>
-          </a:xfrm>
-          <a:prstGeom prst="rect">
-            <a:avLst/>
-          </a:prstGeom>
-          <a:solidFill>
-            <a:srgbClr val="A5DDFF"/>
-          </a:solidFill>
-          <a:ln/>
-        </p:spPr>
-      </p:sp>
-      <p:sp>
-        <p:nvSpPr>
-          <p:cNvPr id="3" name="Text 1"/>
-          <p:cNvSpPr/>
-          <p:nvPr/>
-        </p:nvSpPr>
-        <p:spPr>
-          <a:xfrm>
-            <a:off x="762000" y="138113"/>
-            <a:ext cx="8130540" cy="552450"/>
-          </a:xfrm>
-          <a:prstGeom prst="rect">
-            <a:avLst/>
-          </a:prstGeom>
-          <a:noFill/>
-          <a:ln/>
-        </p:spPr>
-        <p:txBody>
-          <a:bodyPr wrap="square" rtlCol="0" anchor="ctr"/>
-          <a:lstStyle/>
-          <a:p>
-            <a:pPr marL="0" indent="0">
-              <a:buNone/>
-            </a:pPr>
-            <a:r>
-              <a:rPr lang="en-US" sz="2625" b="1" dirty="0">
-                <a:solidFill>
-                  <a:srgbClr val="002A85"/>
-                </a:solidFill>
-                <a:latin typeface="Noto Sans SC" pitchFamily="34" charset="0"/>
-                <a:ea typeface="Noto Sans SC" pitchFamily="34" charset="-122"/>
-                <a:cs typeface="Noto Sans SC" pitchFamily="34" charset="-120"/>
-              </a:rPr>
-              <a:t>Feature Engineering in Fraud Detection</a:t>
-            </a:r>
-            <a:endParaRPr lang="en-US" sz="2625" dirty="0"/>
-          </a:p>
-        </p:txBody>
-      </p:sp>
-      <p:sp>
-        <p:nvSpPr>
-          <p:cNvPr id="4" name="Text 2"/>
-          <p:cNvSpPr/>
-          <p:nvPr/>
-        </p:nvSpPr>
-        <p:spPr>
-          <a:xfrm>
-            <a:off x="762000" y="1304925"/>
-            <a:ext cx="7715250" cy="3452813"/>
-          </a:xfrm>
-          <a:prstGeom prst="rect">
-            <a:avLst/>
-          </a:prstGeom>
-          <a:noFill/>
-          <a:ln/>
-        </p:spPr>
-        <p:txBody>
-          <a:bodyPr wrap="square" rtlCol="0" anchor="t"/>
-          <a:lstStyle/>
-          <a:p>
-            <a:pPr marL="342900" indent="-342900" algn="l">
-              <a:lnSpc>
-                <a:spcPct val="150000"/>
-              </a:lnSpc>
-              <a:buSzPct val="100000"/>
-              <a:buChar char="•"/>
-            </a:pPr>
-            <a:r>
-              <a:rPr lang="en-US" sz="1680" dirty="0">
-                <a:solidFill>
-                  <a:srgbClr val="383838"/>
-                </a:solidFill>
-                <a:latin typeface="Noto Sans SC" pitchFamily="34" charset="0"/>
-                <a:ea typeface="Noto Sans SC" pitchFamily="34" charset="-122"/>
-                <a:cs typeface="Noto Sans SC" pitchFamily="34" charset="-120"/>
-              </a:rPr>
-              <a:t>Incorporating advanced feature engineering techniques in conjunction with XGBoost provides a comprehensive approach to detecting fraudulent transactions. By extracting relevant features from transaction data and leveraging the predictive capabilities of XGBoost, financial organizations can achieve greater accuracy in identifying potential fraud instances, thereby fortifying their security measures.</a:t>
-            </a:r>
-            <a:endParaRPr lang="en-US" sz="1680" dirty="0"/>
-          </a:p>
-        </p:txBody>
-      </p:sp>
-    </p:spTree>
-  </p:cSld>
-  <p:clrMapOvr>
-    <a:masterClrMapping/>
-  </p:clrMapOvr>
-</p:sld>
-</file>
-
-<file path=ppt/slides/slide19.xml><?xml version="1.0" encoding="utf-8"?>
-<p:sld xmlns:a="http://schemas.openxmlformats.org/drawingml/2006/main" xmlns:r="http://schemas.openxmlformats.org/officeDocument/2006/relationships" xmlns:p="http://schemas.openxmlformats.org/presentationml/2006/main">
-  <p:cSld name="Slide 19">
-    <p:spTree>
-      <p:nvGrpSpPr>
-        <p:cNvPr id="1" name=""/>
-        <p:cNvGrpSpPr/>
-        <p:nvPr/>
-      </p:nvGrpSpPr>
-      <p:grpSpPr>
-        <a:xfrm>
-          <a:off x="0" y="0"/>
-          <a:ext cx="0" cy="0"/>
-          <a:chOff x="0" y="0"/>
-          <a:chExt cx="0" cy="0"/>
-        </a:xfrm>
-      </p:grpSpPr>
-      <p:sp>
-        <p:nvSpPr>
-          <p:cNvPr id="2" name="Shape 0"/>
-          <p:cNvSpPr/>
-          <p:nvPr/>
-        </p:nvSpPr>
-        <p:spPr>
-          <a:xfrm>
-            <a:off x="0" y="457200"/>
-            <a:ext cx="4019550" cy="233363"/>
-          </a:xfrm>
-          <a:prstGeom prst="rect">
-            <a:avLst/>
-          </a:prstGeom>
-          <a:solidFill>
-            <a:srgbClr val="A5DDFF"/>
-          </a:solidFill>
-          <a:ln/>
-        </p:spPr>
-      </p:sp>
-      <p:sp>
-        <p:nvSpPr>
-          <p:cNvPr id="3" name="Text 1"/>
-          <p:cNvSpPr/>
-          <p:nvPr/>
-        </p:nvSpPr>
-        <p:spPr>
-          <a:xfrm>
-            <a:off x="762000" y="138113"/>
-            <a:ext cx="8130540" cy="552450"/>
-          </a:xfrm>
-          <a:prstGeom prst="rect">
-            <a:avLst/>
-          </a:prstGeom>
-          <a:noFill/>
-          <a:ln/>
-        </p:spPr>
-        <p:txBody>
-          <a:bodyPr wrap="square" rtlCol="0" anchor="ctr"/>
-          <a:lstStyle/>
-          <a:p>
-            <a:pPr marL="0" indent="0">
-              <a:buNone/>
-            </a:pPr>
-            <a:r>
-              <a:rPr lang="en-US" sz="2625" b="1" dirty="0">
-                <a:solidFill>
-                  <a:srgbClr val="002A85"/>
-                </a:solidFill>
-                <a:latin typeface="Noto Sans SC" pitchFamily="34" charset="0"/>
-                <a:ea typeface="Noto Sans SC" pitchFamily="34" charset="-122"/>
-                <a:cs typeface="Noto Sans SC" pitchFamily="34" charset="-120"/>
-              </a:rPr>
-              <a:t>Real-time Monitoring and Response</a:t>
-            </a:r>
-            <a:endParaRPr lang="en-US" sz="2625" dirty="0"/>
-          </a:p>
-        </p:txBody>
-      </p:sp>
-      <p:sp>
-        <p:nvSpPr>
-          <p:cNvPr id="4" name="Text 2"/>
-          <p:cNvSpPr/>
-          <p:nvPr/>
-        </p:nvSpPr>
-        <p:spPr>
-          <a:xfrm>
-            <a:off x="762000" y="1304925"/>
-            <a:ext cx="7715250" cy="3452813"/>
-          </a:xfrm>
-          <a:prstGeom prst="rect">
-            <a:avLst/>
-          </a:prstGeom>
-          <a:noFill/>
-          <a:ln/>
-        </p:spPr>
-        <p:txBody>
-          <a:bodyPr wrap="square" rtlCol="0" anchor="t"/>
-          <a:lstStyle/>
-          <a:p>
-            <a:pPr marL="342900" indent="-342900" algn="l">
-              <a:lnSpc>
-                <a:spcPct val="150000"/>
-              </a:lnSpc>
-              <a:buSzPct val="100000"/>
-              <a:buChar char="•"/>
-            </a:pPr>
-            <a:r>
-              <a:rPr lang="en-US" sz="1680" dirty="0">
-                <a:solidFill>
-                  <a:srgbClr val="383838"/>
-                </a:solidFill>
-                <a:latin typeface="Noto Sans SC" pitchFamily="34" charset="0"/>
-                <a:ea typeface="Noto Sans SC" pitchFamily="34" charset="-122"/>
-                <a:cs typeface="Noto Sans SC" pitchFamily="34" charset="-120"/>
-              </a:rPr>
-              <a:t>Another compelling aspect of utilizing XGBoost for fraud detection lies in its capability to facilitate real-time monitoring and response. By continuously analyzing incoming transaction data using XGBoost-powered models, organizations can swiftly detect anomalies and take immediate action to prevent financial losses, thereby elevating the overall security posture within the payment ecosystem.</a:t>
-            </a:r>
-            <a:endParaRPr lang="en-US" sz="1680" dirty="0"/>
+              <a:t>THANKS</a:t>
+            </a:r>
+            <a:endParaRPr lang="en-US" sz="5250" dirty="0"/>
           </a:p>
         </p:txBody>
       </p:sp>
@@ -4190,6 +2915,50 @@
           <a:bodyPr wrap="square" rtlCol="0" anchor="t"/>
           <a:lstStyle/>
           <a:p>
+            <a:pPr marL="342900" indent="-342900">
+              <a:lnSpc>
+                <a:spcPct val="150000"/>
+              </a:lnSpc>
+              <a:buSzPct val="100000"/>
+              <a:buFontTx/>
+              <a:buChar char="•"/>
+            </a:pPr>
+            <a:r>
+              <a:rPr lang="en-US" sz="1750" dirty="0">
+                <a:solidFill>
+                  <a:srgbClr val="383838"/>
+                </a:solidFill>
+                <a:latin typeface="Noto Sans SC" pitchFamily="34" charset="0"/>
+                <a:ea typeface="Noto Sans SC" pitchFamily="34" charset="-122"/>
+                <a:cs typeface="Noto Sans SC" pitchFamily="34" charset="-120"/>
+              </a:rPr>
+              <a:t>C</a:t>
+            </a:r>
+            <a:r>
+              <a:rPr lang="en-US" altLang="zh-CN" sz="1750" dirty="0">
+                <a:solidFill>
+                  <a:srgbClr val="383838"/>
+                </a:solidFill>
+                <a:latin typeface="Noto Sans SC" pitchFamily="34" charset="0"/>
+                <a:ea typeface="Noto Sans SC" pitchFamily="34" charset="-122"/>
+                <a:cs typeface="Noto Sans SC" pitchFamily="34" charset="-120"/>
+              </a:rPr>
+              <a:t>ard </a:t>
+            </a:r>
+            <a:r>
+              <a:rPr lang="en-US" sz="1750" dirty="0">
+                <a:solidFill>
+                  <a:srgbClr val="383838"/>
+                </a:solidFill>
+                <a:latin typeface="Noto Sans SC" pitchFamily="34" charset="0"/>
+                <a:ea typeface="Noto Sans SC" pitchFamily="34" charset="-122"/>
+                <a:cs typeface="Noto Sans SC" pitchFamily="34" charset="-120"/>
+              </a:rPr>
+              <a:t>Transaction Fraud Dataset Introduction</a:t>
+            </a:r>
+            <a:endParaRPr lang="en-US" sz="1750" dirty="0"/>
+          </a:p>
+          <a:p>
             <a:pPr marL="342900" indent="-342900" algn="l">
               <a:lnSpc>
                 <a:spcPct val="150000"/>
@@ -4198,6 +2967,17 @@
               <a:buChar char="•"/>
             </a:pPr>
             <a:r>
+              <a:rPr lang="en-US" sz="1750" dirty="0" err="1">
+                <a:solidFill>
+                  <a:srgbClr val="383838"/>
+                </a:solidFill>
+                <a:latin typeface="Noto Sans SC" pitchFamily="34" charset="0"/>
+                <a:ea typeface="Noto Sans SC" pitchFamily="34" charset="-122"/>
+                <a:cs typeface="Noto Sans SC" pitchFamily="34" charset="-120"/>
+              </a:rPr>
+              <a:t>XGBoost</a:t>
+            </a:r>
+            <a:r>
               <a:rPr lang="en-US" sz="1750" dirty="0">
                 <a:solidFill>
                   <a:srgbClr val="383838"/>
@@ -4206,51 +2986,8 @@
                 <a:ea typeface="Noto Sans SC" pitchFamily="34" charset="-122"/>
                 <a:cs typeface="Noto Sans SC" pitchFamily="34" charset="-120"/>
               </a:rPr>
-              <a:t>Introduction to XGBoost</a:t>
-            </a:r>
-            <a:endParaRPr lang="en-US" sz="1750" dirty="0"/>
-          </a:p>
-          <a:p>
-            <a:pPr marL="342900" indent="-342900" algn="l">
-              <a:lnSpc>
-                <a:spcPct val="150000"/>
-              </a:lnSpc>
-              <a:buSzPct val="100000"/>
-              <a:buChar char="•"/>
-            </a:pPr>
-            <a:r>
-              <a:rPr lang="en-US" sz="1750" dirty="0">
-                <a:solidFill>
-                  <a:srgbClr val="383838"/>
-                </a:solidFill>
-                <a:latin typeface="Noto Sans SC" pitchFamily="34" charset="0"/>
-                <a:ea typeface="Noto Sans SC" pitchFamily="34" charset="-122"/>
-                <a:cs typeface="Noto Sans SC" pitchFamily="34" charset="-120"/>
-              </a:rPr>
-              <a:t>Card Transaction Fraud Dataset Introduction</a:t>
-            </a:r>
-            <a:endParaRPr lang="en-US" sz="1750" dirty="0"/>
-          </a:p>
-          <a:p>
-            <a:pPr marL="342900" indent="-342900" algn="l">
-              <a:lnSpc>
-                <a:spcPct val="150000"/>
-              </a:lnSpc>
-              <a:buSzPct val="100000"/>
-              <a:buChar char="•"/>
-            </a:pPr>
-            <a:r>
-              <a:rPr lang="en-US" sz="1750" dirty="0">
-                <a:solidFill>
-                  <a:srgbClr val="383838"/>
-                </a:solidFill>
-                <a:latin typeface="Noto Sans SC" pitchFamily="34" charset="0"/>
-                <a:ea typeface="Noto Sans SC" pitchFamily="34" charset="-122"/>
-                <a:cs typeface="Noto Sans SC" pitchFamily="34" charset="-120"/>
-              </a:rPr>
-              <a:t>Enhanced Fraud Detection using XGBoost</a:t>
-            </a:r>
-            <a:endParaRPr lang="en-US" sz="1750" dirty="0"/>
+              <a:t> introduction</a:t>
+            </a:r>
           </a:p>
         </p:txBody>
       </p:sp>
@@ -4262,9 +2999,9 @@
 </p:sld>
 </file>
 
-<file path=ppt/slides/slide20.xml><?xml version="1.0" encoding="utf-8"?>
+<file path=ppt/slides/slide3.xml><?xml version="1.0" encoding="utf-8"?>
 <p:sld xmlns:a="http://schemas.openxmlformats.org/drawingml/2006/main" xmlns:r="http://schemas.openxmlformats.org/officeDocument/2006/relationships" xmlns:p="http://schemas.openxmlformats.org/presentationml/2006/main">
-  <p:cSld name="Slide 20">
+  <p:cSld name="Slide 3">
     <p:spTree>
       <p:nvGrpSpPr>
         <p:cNvPr id="1" name=""/>
@@ -4287,8 +3024,8 @@
         </p:nvSpPr>
         <p:spPr>
           <a:xfrm>
-            <a:off x="2871788" y="1838325"/>
-            <a:ext cx="3395663" cy="552450"/>
+            <a:off x="3571875" y="1038225"/>
+            <a:ext cx="1452563" cy="1243013"/>
           </a:xfrm>
           <a:prstGeom prst="rect">
             <a:avLst/>
@@ -4304,7 +3041,7 @@
               <a:buNone/>
             </a:pPr>
             <a:r>
-              <a:rPr lang="en-US" sz="2800" b="1" dirty="0">
+              <a:rPr lang="en-US" sz="6300" b="1" dirty="0">
                 <a:solidFill>
                   <a:srgbClr val="002A85"/>
                 </a:solidFill>
@@ -4312,9 +3049,9 @@
                 <a:ea typeface="Noto Sans SC" pitchFamily="34" charset="-122"/>
                 <a:cs typeface="Noto Sans SC" pitchFamily="34" charset="-120"/>
               </a:rPr>
-              <a:t>THE END</a:t>
-            </a:r>
-            <a:endParaRPr lang="en-US" sz="2800" dirty="0"/>
+              <a:t>01</a:t>
+            </a:r>
+            <a:endParaRPr lang="en-US" sz="6300" dirty="0"/>
           </a:p>
         </p:txBody>
       </p:sp>
@@ -4326,8 +3063,8 @@
         </p:nvSpPr>
         <p:spPr>
           <a:xfrm>
-            <a:off x="2871788" y="2390775"/>
-            <a:ext cx="3395663" cy="1033463"/>
+            <a:off x="3790950" y="2281238"/>
+            <a:ext cx="3963353" cy="1509713"/>
           </a:xfrm>
           <a:prstGeom prst="rect">
             <a:avLst/>
@@ -4339,11 +3076,11 @@
           <a:bodyPr wrap="square" rtlCol="0" anchor="t"/>
           <a:lstStyle/>
           <a:p>
-            <a:pPr marL="0" indent="0" algn="ctr">
+            <a:pPr marL="0" indent="0">
               <a:buNone/>
             </a:pPr>
             <a:r>
-              <a:rPr lang="en-US" sz="5250" b="1" dirty="0">
+              <a:rPr lang="en-US" sz="3640" b="1" dirty="0">
                 <a:solidFill>
                   <a:srgbClr val="002A85"/>
                 </a:solidFill>
@@ -4351,9 +3088,9 @@
                 <a:ea typeface="Noto Sans SC" pitchFamily="34" charset="-122"/>
                 <a:cs typeface="Noto Sans SC" pitchFamily="34" charset="-120"/>
               </a:rPr>
-              <a:t>THANKS</a:t>
-            </a:r>
-            <a:endParaRPr lang="en-US" sz="5250" dirty="0"/>
+              <a:t>Introduction to Dataset</a:t>
+            </a:r>
+            <a:endParaRPr lang="en-US" sz="3640" dirty="0"/>
           </a:p>
         </p:txBody>
       </p:sp>
@@ -4365,252 +3102,7 @@
 </p:sld>
 </file>
 
-<file path=ppt/slides/slide21.xml><?xml version="1.0" encoding="utf-8"?>
-<p:sld xmlns:a="http://schemas.openxmlformats.org/drawingml/2006/main" xmlns:r="http://schemas.openxmlformats.org/officeDocument/2006/relationships" xmlns:p="http://schemas.openxmlformats.org/presentationml/2006/main">
-  <p:cSld name="Slide 21">
-    <p:spTree>
-      <p:nvGrpSpPr>
-        <p:cNvPr id="1" name=""/>
-        <p:cNvGrpSpPr/>
-        <p:nvPr/>
-      </p:nvGrpSpPr>
-      <p:grpSpPr>
-        <a:xfrm>
-          <a:off x="0" y="0"/>
-          <a:ext cx="0" cy="0"/>
-          <a:chOff x="0" y="0"/>
-          <a:chExt cx="0" cy="0"/>
-        </a:xfrm>
-      </p:grpSpPr>
-      <p:sp>
-        <p:nvSpPr>
-          <p:cNvPr id="2" name="Shape 0"/>
-          <p:cNvSpPr/>
-          <p:nvPr/>
-        </p:nvSpPr>
-        <p:spPr>
-          <a:xfrm>
-            <a:off x="457200" y="457200"/>
-            <a:ext cx="8229600" cy="457200"/>
-          </a:xfrm>
-          <a:prstGeom prst="rect">
-            <a:avLst/>
-          </a:prstGeom>
-          <a:solidFill>
-            <a:srgbClr val="A913BD"/>
-          </a:solidFill>
-          <a:ln/>
-        </p:spPr>
-      </p:sp>
-      <p:sp>
-        <p:nvSpPr>
-          <p:cNvPr id="3" name="Text 1"/>
-          <p:cNvSpPr/>
-          <p:nvPr/>
-        </p:nvSpPr>
-        <p:spPr>
-          <a:xfrm>
-            <a:off x="457200" y="457200"/>
-            <a:ext cx="8229600" cy="457200"/>
-          </a:xfrm>
-          <a:prstGeom prst="rect">
-            <a:avLst/>
-          </a:prstGeom>
-          <a:noFill/>
-          <a:ln/>
-        </p:spPr>
-        <p:txBody>
-          <a:bodyPr wrap="square" rtlCol="0" anchor="ctr"/>
-          <a:lstStyle/>
-          <a:p>
-            <a:pPr marL="0" indent="0" algn="l">
-              <a:buNone/>
-            </a:pPr>
-            <a:r>
-              <a:rPr lang="en-US" sz="1200" b="1" dirty="0">
-                <a:solidFill>
-                  <a:srgbClr val="FFFFFF"/>
-                </a:solidFill>
-              </a:rPr>
-              <a:t>Copyright:</a:t>
-            </a:r>
-            <a:endParaRPr lang="en-US" sz="1200" dirty="0"/>
-          </a:p>
-        </p:txBody>
-      </p:sp>
-      <p:sp>
-        <p:nvSpPr>
-          <p:cNvPr id="4" name="Text 2"/>
-          <p:cNvSpPr/>
-          <p:nvPr/>
-        </p:nvSpPr>
-        <p:spPr>
-          <a:xfrm>
-            <a:off x="457200" y="1097280"/>
-            <a:ext cx="8229600" cy="457200"/>
-          </a:xfrm>
-          <a:prstGeom prst="rect">
-            <a:avLst/>
-          </a:prstGeom>
-          <a:noFill/>
-          <a:ln/>
-        </p:spPr>
-        <p:txBody>
-          <a:bodyPr wrap="square" rtlCol="0" anchor="ctr"/>
-          <a:lstStyle/>
-          <a:p>
-            <a:pPr marL="0" indent="0" algn="l">
-              <a:buNone/>
-            </a:pPr>
-            <a:r>
-              <a:rPr lang="en-US" sz="1200" dirty="0">
-                <a:solidFill>
-                  <a:srgbClr val="000000"/>
-                </a:solidFill>
-              </a:rPr>
-              <a:t>The copyright of this template belongs to MindShow.fun.</a:t>
-            </a:r>
-            <a:endParaRPr lang="en-US" sz="1200" dirty="0"/>
-          </a:p>
-        </p:txBody>
-      </p:sp>
-      <p:sp>
-        <p:nvSpPr>
-          <p:cNvPr id="5" name="Text 3"/>
-          <p:cNvSpPr/>
-          <p:nvPr/>
-        </p:nvSpPr>
-        <p:spPr>
-          <a:xfrm>
-            <a:off x="457200" y="1371600"/>
-            <a:ext cx="8229600" cy="914400"/>
-          </a:xfrm>
-          <a:prstGeom prst="rect">
-            <a:avLst/>
-          </a:prstGeom>
-          <a:noFill/>
-          <a:ln/>
-        </p:spPr>
-        <p:txBody>
-          <a:bodyPr wrap="square" rtlCol="0" anchor="ctr"/>
-          <a:lstStyle/>
-          <a:p>
-            <a:pPr marL="0" indent="0" algn="l">
-              <a:lnSpc>
-                <a:spcPct val="150000"/>
-              </a:lnSpc>
-              <a:buNone/>
-            </a:pPr>
-            <a:r>
-              <a:rPr lang="en-US" sz="1200" dirty="0">
-                <a:solidFill>
-                  <a:srgbClr val="000000"/>
-                </a:solidFill>
-              </a:rPr>
-              <a:t>Personal commercial use requires Premium Account, Basic Account can only be used for personal study.</a:t>
-            </a:r>
-            <a:endParaRPr lang="en-US" sz="1200" dirty="0"/>
-          </a:p>
-          <a:p>
-            <a:pPr marL="0" indent="0" algn="l">
-              <a:lnSpc>
-                <a:spcPct val="150000"/>
-              </a:lnSpc>
-              <a:buNone/>
-            </a:pPr>
-            <a:r>
-              <a:rPr lang="en-US" sz="1200" dirty="0">
-                <a:solidFill>
-                  <a:srgbClr val="000000"/>
-                </a:solidFill>
-              </a:rPr>
-              <a:t>If you need enterprise commercial authorization, please contact MindShow.fun to purchase the enterprise version.</a:t>
-            </a:r>
-            <a:endParaRPr lang="en-US" sz="1200" dirty="0"/>
-          </a:p>
-        </p:txBody>
-      </p:sp>
-      <p:sp>
-        <p:nvSpPr>
-          <p:cNvPr id="6" name="Text 4"/>
-          <p:cNvSpPr/>
-          <p:nvPr/>
-        </p:nvSpPr>
-        <p:spPr>
-          <a:xfrm>
-            <a:off x="457200" y="2743200"/>
-            <a:ext cx="8229600" cy="457200"/>
-          </a:xfrm>
-          <a:prstGeom prst="rect">
-            <a:avLst/>
-          </a:prstGeom>
-          <a:noFill/>
-          <a:ln/>
-        </p:spPr>
-        <p:txBody>
-          <a:bodyPr wrap="square" rtlCol="0" anchor="ctr"/>
-          <a:lstStyle/>
-          <a:p>
-            <a:pPr marL="0" indent="0" algn="l">
-              <a:buNone/>
-            </a:pPr>
-            <a:r>
-              <a:rPr lang="en-US" sz="1200" b="1" dirty="0">
-                <a:solidFill>
-                  <a:srgbClr val="000000"/>
-                </a:solidFill>
-              </a:rPr>
-              <a:t>Download font in PPT:"Noto Sans SC", "Noto Sans KR"</a:t>
-            </a:r>
-            <a:endParaRPr lang="en-US" sz="1200" dirty="0"/>
-          </a:p>
-        </p:txBody>
-      </p:sp>
-      <p:sp>
-        <p:nvSpPr>
-          <p:cNvPr id="7" name="Text 5"/>
-          <p:cNvSpPr/>
-          <p:nvPr/>
-        </p:nvSpPr>
-        <p:spPr>
-          <a:xfrm>
-            <a:off x="457200" y="3200400"/>
-            <a:ext cx="8229600" cy="457200"/>
-          </a:xfrm>
-          <a:prstGeom prst="rect">
-            <a:avLst/>
-          </a:prstGeom>
-          <a:noFill/>
-          <a:ln/>
-        </p:spPr>
-        <p:txBody>
-          <a:bodyPr wrap="square" rtlCol="0" anchor="ctr"/>
-          <a:lstStyle/>
-          <a:p>
-            <a:pPr marL="0" indent="0" algn="l">
-              <a:buNone/>
-            </a:pPr>
-            <a:r>
-              <a:rPr lang="en-US" sz="1200" dirty="0">
-                <a:solidFill>
-                  <a:srgbClr val="0000FF"/>
-                </a:solidFill>
-              </a:rPr>
-              <a:t>https://github.com/huansixie6rj/MindShow.fun/releases</a:t>
-            </a:r>
-            <a:endParaRPr lang="en-US" sz="1200" dirty="0"/>
-          </a:p>
-        </p:txBody>
-      </p:sp>
-    </p:spTree>
-  </p:cSld>
-  <p:clrMapOvr>
-    <a:masterClrMapping/>
-  </p:clrMapOvr>
-</p:sld>
-</file>
-
-<file path=ppt/slides/slide3.xml><?xml version="1.0" encoding="utf-8"?>
+<file path=ppt/slides/slide4.xml><?xml version="1.0" encoding="utf-8"?>
 <p:sld xmlns:a="http://schemas.openxmlformats.org/drawingml/2006/main" xmlns:r="http://schemas.openxmlformats.org/officeDocument/2006/relationships" xmlns:p="http://schemas.openxmlformats.org/presentationml/2006/main">
   <p:cSld name="Slide 4">
     <p:spTree>
@@ -4712,16 +3204,13 @@
               </a:lnSpc>
               <a:buSzPct val="100000"/>
             </a:pPr>
-            <a:r>
-              <a:rPr lang="en-US" sz="1680" dirty="0">
-                <a:solidFill>
-                  <a:srgbClr val="383838"/>
-                </a:solidFill>
-                <a:latin typeface="Noto Sans SC" pitchFamily="34" charset="0"/>
-                <a:ea typeface="Noto Sans SC" pitchFamily="34" charset="-122"/>
-              </a:rPr>
-              <a:t>1000000 transactions, 8.74% fraud rate</a:t>
-            </a:r>
+            <a:endParaRPr lang="en-US" sz="1680" dirty="0">
+              <a:solidFill>
+                <a:srgbClr val="383838"/>
+              </a:solidFill>
+              <a:latin typeface="Noto Sans SC" pitchFamily="34" charset="0"/>
+              <a:ea typeface="Noto Sans SC" pitchFamily="34" charset="-122"/>
+            </a:endParaRPr>
           </a:p>
           <a:p>
             <a:pPr>
@@ -4730,359 +3219,93 @@
               </a:lnSpc>
               <a:buSzPct val="100000"/>
             </a:pPr>
-            <a:r>
-              <a:rPr lang="en-US" sz="1680" dirty="0">
-                <a:solidFill>
-                  <a:srgbClr val="383838"/>
-                </a:solidFill>
-                <a:latin typeface="Noto Sans SC" pitchFamily="34" charset="0"/>
-                <a:ea typeface="Noto Sans SC" pitchFamily="34" charset="-122"/>
-              </a:rPr>
-              <a:t>Feature Explanation:</a:t>
-            </a:r>
-          </a:p>
-          <a:p>
-            <a:pPr marL="342900" indent="-342900" algn="l">
+            <a:endParaRPr lang="en-US" sz="1680" dirty="0">
+              <a:solidFill>
+                <a:srgbClr val="383838"/>
+              </a:solidFill>
+              <a:latin typeface="Noto Sans SC" pitchFamily="34" charset="0"/>
+              <a:ea typeface="Noto Sans SC" pitchFamily="34" charset="-122"/>
+            </a:endParaRPr>
+          </a:p>
+          <a:p>
+            <a:pPr marL="285750" indent="-285750">
               <a:lnSpc>
                 <a:spcPct val="150000"/>
               </a:lnSpc>
               <a:buSzPct val="100000"/>
+              <a:buFont typeface="Arial" panose="020B0604020202020204" pitchFamily="34" charset="0"/>
               <a:buChar char="•"/>
             </a:pPr>
             <a:r>
-              <a:rPr lang="en-US" sz="1600" b="0" i="0" dirty="0" err="1">
-                <a:solidFill>
-                  <a:srgbClr val="3C4043"/>
-                </a:solidFill>
-                <a:effectLst/>
-                <a:latin typeface="Inter"/>
-              </a:rPr>
-              <a:t>distance_from_home</a:t>
-            </a:r>
-            <a:r>
-              <a:rPr lang="en-US" sz="1600" dirty="0">
-                <a:solidFill>
-                  <a:srgbClr val="3C4043"/>
-                </a:solidFill>
-                <a:latin typeface="Inter"/>
-              </a:rPr>
-              <a:t>:</a:t>
-            </a:r>
-            <a:r>
-              <a:rPr lang="en-US" sz="1600" b="0" i="0" dirty="0">
-                <a:solidFill>
-                  <a:srgbClr val="3C4043"/>
-                </a:solidFill>
-                <a:effectLst/>
-                <a:latin typeface="Inter"/>
-              </a:rPr>
-              <a:t> the distance from home where the transaction happened</a:t>
-            </a:r>
-          </a:p>
-          <a:p>
-            <a:pPr marL="342900" indent="-342900" algn="l">
+              <a:rPr lang="en-US" sz="1680" dirty="0">
+                <a:solidFill>
+                  <a:srgbClr val="383838"/>
+                </a:solidFill>
+                <a:latin typeface="Noto Sans SC" pitchFamily="34" charset="0"/>
+                <a:ea typeface="Noto Sans SC" pitchFamily="34" charset="-122"/>
+              </a:rPr>
+              <a:t>1000000 transactions, 8.74% fraud rate</a:t>
+            </a:r>
+          </a:p>
+          <a:p>
+            <a:pPr marL="285750" indent="-285750">
               <a:lnSpc>
                 <a:spcPct val="150000"/>
               </a:lnSpc>
               <a:buSzPct val="100000"/>
+              <a:buFont typeface="Arial" panose="020B0604020202020204" pitchFamily="34" charset="0"/>
               <a:buChar char="•"/>
             </a:pPr>
             <a:r>
-              <a:rPr lang="en-US" sz="1600" b="0" i="0" dirty="0" err="1">
-                <a:solidFill>
-                  <a:srgbClr val="3C4043"/>
-                </a:solidFill>
-                <a:effectLst/>
-                <a:latin typeface="Inter"/>
-              </a:rPr>
-              <a:t>distance_from_last_transaction</a:t>
-            </a:r>
-            <a:r>
-              <a:rPr lang="en-US" sz="1600" dirty="0">
-                <a:solidFill>
-                  <a:srgbClr val="3C4043"/>
-                </a:solidFill>
-                <a:latin typeface="Inter"/>
-              </a:rPr>
-              <a:t>:</a:t>
-            </a:r>
-            <a:r>
-              <a:rPr lang="en-US" sz="1600" b="0" i="0" dirty="0">
-                <a:solidFill>
-                  <a:srgbClr val="3C4043"/>
-                </a:solidFill>
-                <a:effectLst/>
-                <a:latin typeface="Inter"/>
-              </a:rPr>
-              <a:t> the distance from last transaction happened</a:t>
-            </a:r>
-          </a:p>
-          <a:p>
-            <a:pPr marL="342900" indent="-342900" algn="l">
+              <a:rPr lang="en-US" sz="1680" dirty="0">
+                <a:solidFill>
+                  <a:srgbClr val="383838"/>
+                </a:solidFill>
+                <a:latin typeface="Noto Sans SC" pitchFamily="34" charset="0"/>
+                <a:ea typeface="Noto Sans SC" pitchFamily="34" charset="-122"/>
+              </a:rPr>
+              <a:t>Binary classification problem, Unbalanced data</a:t>
+            </a:r>
+          </a:p>
+          <a:p>
+            <a:pPr marL="285750" indent="-285750">
               <a:lnSpc>
                 <a:spcPct val="150000"/>
               </a:lnSpc>
               <a:buSzPct val="100000"/>
+              <a:buFont typeface="Arial" panose="020B0604020202020204" pitchFamily="34" charset="0"/>
               <a:buChar char="•"/>
             </a:pPr>
             <a:r>
-              <a:rPr lang="en-US" sz="1600" b="0" i="0" dirty="0" err="1">
-                <a:solidFill>
-                  <a:srgbClr val="3C4043"/>
-                </a:solidFill>
-                <a:effectLst/>
-                <a:latin typeface="Inter"/>
-              </a:rPr>
-              <a:t>ratio_to_median_purchase_price</a:t>
-            </a:r>
-            <a:r>
-              <a:rPr lang="en-US" sz="1600" dirty="0">
-                <a:solidFill>
-                  <a:srgbClr val="3C4043"/>
-                </a:solidFill>
-                <a:latin typeface="Inter"/>
-              </a:rPr>
-              <a:t>:</a:t>
-            </a:r>
-            <a:r>
-              <a:rPr lang="en-US" sz="1600" b="0" i="0" dirty="0">
-                <a:solidFill>
-                  <a:srgbClr val="3C4043"/>
-                </a:solidFill>
-                <a:effectLst/>
-                <a:latin typeface="Inter"/>
-              </a:rPr>
-              <a:t> </a:t>
-            </a:r>
-            <a:r>
-              <a:rPr lang="en-US" sz="1600" dirty="0">
-                <a:solidFill>
-                  <a:srgbClr val="3C4043"/>
-                </a:solidFill>
-                <a:latin typeface="Inter"/>
-              </a:rPr>
-              <a:t>r</a:t>
-            </a:r>
-            <a:r>
-              <a:rPr lang="en-US" sz="1600" b="0" i="0" dirty="0">
-                <a:solidFill>
-                  <a:srgbClr val="3C4043"/>
-                </a:solidFill>
-                <a:effectLst/>
-                <a:latin typeface="Inter"/>
-              </a:rPr>
-              <a:t>atio of transaction </a:t>
-            </a:r>
-            <a:r>
-              <a:rPr lang="en-US" sz="1600" b="0" i="0" dirty="0" err="1">
-                <a:solidFill>
-                  <a:srgbClr val="3C4043"/>
-                </a:solidFill>
-                <a:effectLst/>
-                <a:latin typeface="Inter"/>
-              </a:rPr>
-              <a:t>prive</a:t>
-            </a:r>
-            <a:r>
-              <a:rPr lang="en-US" sz="1600" b="0" i="0" dirty="0">
-                <a:solidFill>
-                  <a:srgbClr val="3C4043"/>
-                </a:solidFill>
-                <a:effectLst/>
-                <a:latin typeface="Inter"/>
-              </a:rPr>
-              <a:t> to median purchase price</a:t>
-            </a:r>
-          </a:p>
-          <a:p>
-            <a:pPr marL="342900" indent="-342900" algn="l">
-              <a:lnSpc>
-                <a:spcPct val="150000"/>
-              </a:lnSpc>
-              <a:buSzPct val="100000"/>
-              <a:buChar char="•"/>
-            </a:pPr>
-            <a:r>
-              <a:rPr lang="en-US" sz="1600" b="0" i="0" dirty="0" err="1">
-                <a:solidFill>
-                  <a:srgbClr val="3C4043"/>
-                </a:solidFill>
-                <a:effectLst/>
-                <a:latin typeface="Inter"/>
-              </a:rPr>
-              <a:t>repeat_retailer</a:t>
-            </a:r>
-            <a:r>
-              <a:rPr lang="en-US" sz="1600" dirty="0">
-                <a:solidFill>
-                  <a:srgbClr val="3C4043"/>
-                </a:solidFill>
-                <a:latin typeface="Inter"/>
-              </a:rPr>
-              <a:t>:</a:t>
-            </a:r>
-            <a:r>
-              <a:rPr lang="en-US" sz="1600" b="0" i="0" dirty="0">
-                <a:solidFill>
-                  <a:srgbClr val="3C4043"/>
-                </a:solidFill>
-                <a:effectLst/>
-                <a:latin typeface="Inter"/>
-              </a:rPr>
-              <a:t> Is the transaction happened from same retailer</a:t>
-            </a:r>
-          </a:p>
-          <a:p>
-            <a:pPr marL="342900" indent="-342900">
-              <a:lnSpc>
-                <a:spcPct val="150000"/>
-              </a:lnSpc>
-              <a:buSzPct val="100000"/>
-              <a:buFontTx/>
-              <a:buChar char="•"/>
-            </a:pPr>
-            <a:r>
-              <a:rPr lang="en-US" sz="1600" b="0" i="0" dirty="0" err="1">
-                <a:solidFill>
-                  <a:srgbClr val="3C4043"/>
-                </a:solidFill>
-                <a:effectLst/>
-                <a:latin typeface="Inter"/>
-              </a:rPr>
-              <a:t>used_chip</a:t>
-            </a:r>
-            <a:r>
-              <a:rPr lang="en-US" sz="1600" dirty="0">
-                <a:solidFill>
-                  <a:srgbClr val="3C4043"/>
-                </a:solidFill>
-                <a:latin typeface="Inter"/>
-              </a:rPr>
-              <a:t>:</a:t>
-            </a:r>
-            <a:r>
-              <a:rPr lang="en-US" sz="1600" b="0" i="0" dirty="0">
-                <a:solidFill>
-                  <a:srgbClr val="3C4043"/>
-                </a:solidFill>
-                <a:effectLst/>
-                <a:latin typeface="Inter"/>
-              </a:rPr>
-              <a:t> Is the transaction through credit card?</a:t>
-            </a:r>
-          </a:p>
-          <a:p>
-            <a:pPr marL="342900" indent="-342900">
-              <a:lnSpc>
-                <a:spcPct val="150000"/>
-              </a:lnSpc>
-              <a:buSzPct val="100000"/>
-              <a:buFontTx/>
-              <a:buChar char="•"/>
-            </a:pPr>
-            <a:r>
-              <a:rPr lang="en-US" sz="1600" b="0" i="0" dirty="0" err="1">
-                <a:solidFill>
-                  <a:srgbClr val="3C4043"/>
-                </a:solidFill>
-                <a:effectLst/>
-                <a:latin typeface="Inter"/>
-              </a:rPr>
-              <a:t>used_pin_number</a:t>
-            </a:r>
-            <a:r>
-              <a:rPr lang="en-US" sz="1600" b="0" i="0" dirty="0">
-                <a:solidFill>
-                  <a:srgbClr val="3C4043"/>
-                </a:solidFill>
-                <a:effectLst/>
-                <a:latin typeface="Inter"/>
-              </a:rPr>
-              <a:t> - Is the transaction happened by using PIN number?</a:t>
-            </a:r>
-          </a:p>
-          <a:p>
-            <a:pPr marL="342900" indent="-342900">
-              <a:lnSpc>
-                <a:spcPct val="150000"/>
-              </a:lnSpc>
-              <a:buSzPct val="100000"/>
-              <a:buFontTx/>
-              <a:buChar char="•"/>
-            </a:pPr>
-            <a:r>
-              <a:rPr lang="en-US" sz="1600" b="0" i="0" dirty="0" err="1">
-                <a:solidFill>
-                  <a:srgbClr val="3C4043"/>
-                </a:solidFill>
-                <a:effectLst/>
-                <a:latin typeface="Inter"/>
-              </a:rPr>
-              <a:t>online_order</a:t>
-            </a:r>
-            <a:r>
-              <a:rPr lang="en-US" sz="1600" b="0" i="0" dirty="0">
-                <a:solidFill>
-                  <a:srgbClr val="3C4043"/>
-                </a:solidFill>
-                <a:effectLst/>
-                <a:latin typeface="Inter"/>
-              </a:rPr>
-              <a:t> - Is the transaction an online order?</a:t>
-            </a:r>
-          </a:p>
-          <a:p>
-            <a:pPr marL="342900" indent="-342900">
-              <a:lnSpc>
-                <a:spcPct val="150000"/>
-              </a:lnSpc>
-              <a:buSzPct val="100000"/>
-              <a:buFontTx/>
-              <a:buChar char="•"/>
-            </a:pPr>
-            <a:r>
-              <a:rPr lang="en-US" sz="1600" b="0" i="0" dirty="0">
-                <a:solidFill>
-                  <a:srgbClr val="3C4043"/>
-                </a:solidFill>
-                <a:effectLst/>
-                <a:latin typeface="Inter"/>
-              </a:rPr>
-              <a:t>fraud - Is the transaction fraudulent.</a:t>
-            </a:r>
-          </a:p>
-          <a:p>
-            <a:pPr marL="342900" indent="-342900">
-              <a:lnSpc>
-                <a:spcPct val="150000"/>
-              </a:lnSpc>
-              <a:buSzPct val="100000"/>
-              <a:buFontTx/>
-              <a:buChar char="•"/>
-            </a:pPr>
-            <a:endParaRPr lang="en-US" sz="1600" b="0" i="0" dirty="0">
-              <a:solidFill>
-                <a:srgbClr val="3C4043"/>
-              </a:solidFill>
-              <a:effectLst/>
-              <a:latin typeface="Inter"/>
-            </a:endParaRPr>
-          </a:p>
-          <a:p>
-            <a:pPr marL="342900" indent="-342900" algn="l">
-              <a:lnSpc>
-                <a:spcPct val="150000"/>
-              </a:lnSpc>
-              <a:buSzPct val="100000"/>
-              <a:buChar char="•"/>
-            </a:pPr>
-            <a:endParaRPr lang="en-US" sz="1600" b="0" i="0" dirty="0">
-              <a:solidFill>
-                <a:srgbClr val="3C4043"/>
-              </a:solidFill>
-              <a:effectLst/>
-              <a:latin typeface="Inter"/>
-            </a:endParaRPr>
+              <a:rPr lang="en-US" sz="1680" dirty="0">
+                <a:solidFill>
+                  <a:srgbClr val="383838"/>
+                </a:solidFill>
+                <a:latin typeface="Noto Sans SC" pitchFamily="34" charset="0"/>
+                <a:ea typeface="Noto Sans SC" pitchFamily="34" charset="-122"/>
+              </a:rPr>
+              <a:t>We will try stratified sampling and </a:t>
+            </a:r>
+            <a:r>
+              <a:rPr lang="en-US" sz="1680" dirty="0" err="1">
+                <a:solidFill>
+                  <a:srgbClr val="383838"/>
+                </a:solidFill>
+                <a:latin typeface="Noto Sans SC" pitchFamily="34" charset="0"/>
+                <a:ea typeface="Noto Sans SC" pitchFamily="34" charset="-122"/>
+              </a:rPr>
+              <a:t>upsampling</a:t>
+            </a:r>
+            <a:r>
+              <a:rPr lang="en-US" sz="1680" dirty="0">
+                <a:solidFill>
+                  <a:srgbClr val="383838"/>
+                </a:solidFill>
+                <a:latin typeface="Noto Sans SC" pitchFamily="34" charset="0"/>
+                <a:ea typeface="Noto Sans SC" pitchFamily="34" charset="-122"/>
+              </a:rPr>
+              <a:t> when dividing the dataset</a:t>
+            </a:r>
           </a:p>
           <a:p>
             <a:pPr marL="342900" indent="-342900" algn="l">
@@ -5130,9 +3353,9 @@
 </p:sld>
 </file>
 
-<file path=ppt/slides/slide4.xml><?xml version="1.0" encoding="utf-8"?>
+<file path=ppt/slides/slide5.xml><?xml version="1.0" encoding="utf-8"?>
 <p:sld xmlns:a="http://schemas.openxmlformats.org/drawingml/2006/main" xmlns:r="http://schemas.openxmlformats.org/officeDocument/2006/relationships" xmlns:p="http://schemas.openxmlformats.org/presentationml/2006/main">
-  <p:cSld name="Slide 3">
+  <p:cSld>
     <p:spTree>
       <p:nvGrpSpPr>
         <p:cNvPr id="1" name=""/>
@@ -5149,14 +3372,72 @@
       </p:grpSpPr>
       <p:sp>
         <p:nvSpPr>
-          <p:cNvPr id="2" name="Text 0"/>
+          <p:cNvPr id="2" name="Shape 0"/>
           <p:cNvSpPr/>
           <p:nvPr/>
         </p:nvSpPr>
         <p:spPr>
           <a:xfrm>
-            <a:off x="3571875" y="1038225"/>
-            <a:ext cx="1452563" cy="1243013"/>
+            <a:off x="0" y="457200"/>
+            <a:ext cx="4019550" cy="233363"/>
+          </a:xfrm>
+          <a:prstGeom prst="rect">
+            <a:avLst/>
+          </a:prstGeom>
+          <a:solidFill>
+            <a:srgbClr val="A5DDFF"/>
+          </a:solidFill>
+          <a:ln/>
+        </p:spPr>
+      </p:sp>
+      <p:sp>
+        <p:nvSpPr>
+          <p:cNvPr id="3" name="Text 1"/>
+          <p:cNvSpPr/>
+          <p:nvPr/>
+        </p:nvSpPr>
+        <p:spPr>
+          <a:xfrm>
+            <a:off x="762000" y="138113"/>
+            <a:ext cx="8130540" cy="552450"/>
+          </a:xfrm>
+          <a:prstGeom prst="rect">
+            <a:avLst/>
+          </a:prstGeom>
+          <a:noFill/>
+          <a:ln/>
+        </p:spPr>
+        <p:txBody>
+          <a:bodyPr wrap="square" rtlCol="0" anchor="ctr"/>
+          <a:lstStyle/>
+          <a:p>
+            <a:pPr marL="0" indent="0">
+              <a:buNone/>
+            </a:pPr>
+            <a:r>
+              <a:rPr lang="en-US" sz="2625" b="1" dirty="0">
+                <a:solidFill>
+                  <a:srgbClr val="002A85"/>
+                </a:solidFill>
+                <a:latin typeface="Noto Sans SC" pitchFamily="34" charset="0"/>
+                <a:ea typeface="Noto Sans SC" pitchFamily="34" charset="-122"/>
+              </a:rPr>
+              <a:t>Dataset Introduction</a:t>
+            </a:r>
+            <a:endParaRPr lang="en-US" sz="2625" dirty="0"/>
+          </a:p>
+        </p:txBody>
+      </p:sp>
+      <p:sp>
+        <p:nvSpPr>
+          <p:cNvPr id="4" name="Text 2"/>
+          <p:cNvSpPr/>
+          <p:nvPr/>
+        </p:nvSpPr>
+        <p:spPr>
+          <a:xfrm>
+            <a:off x="714375" y="759015"/>
+            <a:ext cx="7715250" cy="3452813"/>
           </a:xfrm>
           <a:prstGeom prst="rect">
             <a:avLst/>
@@ -5168,64 +3449,410 @@
           <a:bodyPr wrap="square" rtlCol="0" anchor="t"/>
           <a:lstStyle/>
           <a:p>
-            <a:pPr marL="0" indent="0" algn="ctr">
-              <a:buNone/>
-            </a:pPr>
-            <a:r>
-              <a:rPr lang="en-US" sz="6300" b="1" dirty="0">
-                <a:solidFill>
-                  <a:srgbClr val="002A85"/>
-                </a:solidFill>
-                <a:latin typeface="Noto Sans SC" pitchFamily="34" charset="0"/>
-                <a:ea typeface="Noto Sans SC" pitchFamily="34" charset="-122"/>
-                <a:cs typeface="Noto Sans SC" pitchFamily="34" charset="-120"/>
-              </a:rPr>
-              <a:t>01</a:t>
-            </a:r>
-            <a:endParaRPr lang="en-US" sz="6300" dirty="0"/>
+            <a:pPr>
+              <a:lnSpc>
+                <a:spcPct val="150000"/>
+              </a:lnSpc>
+              <a:buSzPct val="100000"/>
+            </a:pPr>
+            <a:r>
+              <a:rPr lang="en-US" sz="1680" dirty="0">
+                <a:solidFill>
+                  <a:srgbClr val="383838"/>
+                </a:solidFill>
+                <a:latin typeface="Noto Sans SC" pitchFamily="34" charset="0"/>
+                <a:ea typeface="Noto Sans SC" pitchFamily="34" charset="-122"/>
+              </a:rPr>
+              <a:t>Feature Explanation:</a:t>
+            </a:r>
+          </a:p>
+          <a:p>
+            <a:pPr marL="342900" indent="-342900" algn="l">
+              <a:lnSpc>
+                <a:spcPct val="150000"/>
+              </a:lnSpc>
+              <a:buSzPct val="100000"/>
+              <a:buChar char="•"/>
+            </a:pPr>
+            <a:r>
+              <a:rPr lang="en-US" sz="1600" b="0" i="0" dirty="0" err="1">
+                <a:solidFill>
+                  <a:srgbClr val="3C4043"/>
+                </a:solidFill>
+                <a:effectLst/>
+                <a:latin typeface="Inter"/>
+              </a:rPr>
+              <a:t>distance_from_home</a:t>
+            </a:r>
+            <a:r>
+              <a:rPr lang="en-US" sz="1600" dirty="0">
+                <a:solidFill>
+                  <a:srgbClr val="3C4043"/>
+                </a:solidFill>
+                <a:latin typeface="Inter"/>
+              </a:rPr>
+              <a:t>:</a:t>
+            </a:r>
+            <a:r>
+              <a:rPr lang="en-US" sz="1600" b="0" i="0" dirty="0">
+                <a:solidFill>
+                  <a:srgbClr val="3C4043"/>
+                </a:solidFill>
+                <a:effectLst/>
+                <a:latin typeface="Inter"/>
+              </a:rPr>
+              <a:t> the distance from home where the transaction happened</a:t>
+            </a:r>
+          </a:p>
+          <a:p>
+            <a:pPr marL="342900" indent="-342900" algn="l">
+              <a:lnSpc>
+                <a:spcPct val="150000"/>
+              </a:lnSpc>
+              <a:buSzPct val="100000"/>
+              <a:buChar char="•"/>
+            </a:pPr>
+            <a:r>
+              <a:rPr lang="en-US" sz="1600" b="0" i="0" dirty="0" err="1">
+                <a:solidFill>
+                  <a:srgbClr val="3C4043"/>
+                </a:solidFill>
+                <a:effectLst/>
+                <a:latin typeface="Inter"/>
+              </a:rPr>
+              <a:t>distance_from_last_transaction</a:t>
+            </a:r>
+            <a:r>
+              <a:rPr lang="en-US" sz="1600" dirty="0">
+                <a:solidFill>
+                  <a:srgbClr val="3C4043"/>
+                </a:solidFill>
+                <a:latin typeface="Inter"/>
+              </a:rPr>
+              <a:t>:</a:t>
+            </a:r>
+            <a:r>
+              <a:rPr lang="en-US" sz="1600" b="0" i="0" dirty="0">
+                <a:solidFill>
+                  <a:srgbClr val="3C4043"/>
+                </a:solidFill>
+                <a:effectLst/>
+                <a:latin typeface="Inter"/>
+              </a:rPr>
+              <a:t> the distance from last transaction happened</a:t>
+            </a:r>
+          </a:p>
+          <a:p>
+            <a:pPr marL="342900" indent="-342900" algn="l">
+              <a:lnSpc>
+                <a:spcPct val="150000"/>
+              </a:lnSpc>
+              <a:buSzPct val="100000"/>
+              <a:buChar char="•"/>
+            </a:pPr>
+            <a:r>
+              <a:rPr lang="en-US" sz="1600" b="0" i="0" dirty="0" err="1">
+                <a:solidFill>
+                  <a:srgbClr val="3C4043"/>
+                </a:solidFill>
+                <a:effectLst/>
+                <a:latin typeface="Inter"/>
+              </a:rPr>
+              <a:t>ratio_to_median_purchase_price</a:t>
+            </a:r>
+            <a:r>
+              <a:rPr lang="en-US" sz="1600" dirty="0">
+                <a:solidFill>
+                  <a:srgbClr val="3C4043"/>
+                </a:solidFill>
+                <a:latin typeface="Inter"/>
+              </a:rPr>
+              <a:t>:</a:t>
+            </a:r>
+            <a:r>
+              <a:rPr lang="en-US" sz="1600" b="0" i="0" dirty="0">
+                <a:solidFill>
+                  <a:srgbClr val="3C4043"/>
+                </a:solidFill>
+                <a:effectLst/>
+                <a:latin typeface="Inter"/>
+              </a:rPr>
+              <a:t> </a:t>
+            </a:r>
+            <a:r>
+              <a:rPr lang="en-US" sz="1600" dirty="0">
+                <a:solidFill>
+                  <a:srgbClr val="3C4043"/>
+                </a:solidFill>
+                <a:latin typeface="Inter"/>
+              </a:rPr>
+              <a:t>r</a:t>
+            </a:r>
+            <a:r>
+              <a:rPr lang="en-US" sz="1600" b="0" i="0" dirty="0">
+                <a:solidFill>
+                  <a:srgbClr val="3C4043"/>
+                </a:solidFill>
+                <a:effectLst/>
+                <a:latin typeface="Inter"/>
+              </a:rPr>
+              <a:t>atio of transaction </a:t>
+            </a:r>
+            <a:r>
+              <a:rPr lang="en-US" sz="1600" b="0" i="0" dirty="0" err="1">
+                <a:solidFill>
+                  <a:srgbClr val="3C4043"/>
+                </a:solidFill>
+                <a:effectLst/>
+                <a:latin typeface="Inter"/>
+              </a:rPr>
+              <a:t>prive</a:t>
+            </a:r>
+            <a:r>
+              <a:rPr lang="en-US" sz="1600" b="0" i="0" dirty="0">
+                <a:solidFill>
+                  <a:srgbClr val="3C4043"/>
+                </a:solidFill>
+                <a:effectLst/>
+                <a:latin typeface="Inter"/>
+              </a:rPr>
+              <a:t> to median purchase price</a:t>
+            </a:r>
+          </a:p>
+          <a:p>
+            <a:pPr marL="342900" indent="-342900" algn="l">
+              <a:lnSpc>
+                <a:spcPct val="150000"/>
+              </a:lnSpc>
+              <a:buSzPct val="100000"/>
+              <a:buChar char="•"/>
+            </a:pPr>
+            <a:r>
+              <a:rPr lang="en-US" sz="1600" b="0" i="0" dirty="0" err="1">
+                <a:solidFill>
+                  <a:srgbClr val="3C4043"/>
+                </a:solidFill>
+                <a:effectLst/>
+                <a:latin typeface="Inter"/>
+              </a:rPr>
+              <a:t>repeat_retailer</a:t>
+            </a:r>
+            <a:r>
+              <a:rPr lang="en-US" sz="1600" dirty="0">
+                <a:solidFill>
+                  <a:srgbClr val="3C4043"/>
+                </a:solidFill>
+                <a:latin typeface="Inter"/>
+              </a:rPr>
+              <a:t>:</a:t>
+            </a:r>
+            <a:r>
+              <a:rPr lang="en-US" sz="1600" b="0" i="0" dirty="0">
+                <a:solidFill>
+                  <a:srgbClr val="3C4043"/>
+                </a:solidFill>
+                <a:effectLst/>
+                <a:latin typeface="Inter"/>
+              </a:rPr>
+              <a:t> Is the transaction happened from same retailer</a:t>
+            </a:r>
+          </a:p>
+          <a:p>
+            <a:pPr marL="342900" indent="-342900">
+              <a:lnSpc>
+                <a:spcPct val="150000"/>
+              </a:lnSpc>
+              <a:buSzPct val="100000"/>
+              <a:buFontTx/>
+              <a:buChar char="•"/>
+            </a:pPr>
+            <a:r>
+              <a:rPr lang="en-US" sz="1600" b="0" i="0" dirty="0" err="1">
+                <a:solidFill>
+                  <a:srgbClr val="3C4043"/>
+                </a:solidFill>
+                <a:effectLst/>
+                <a:latin typeface="Inter"/>
+              </a:rPr>
+              <a:t>used_chip</a:t>
+            </a:r>
+            <a:r>
+              <a:rPr lang="en-US" sz="1600" dirty="0">
+                <a:solidFill>
+                  <a:srgbClr val="3C4043"/>
+                </a:solidFill>
+                <a:latin typeface="Inter"/>
+              </a:rPr>
+              <a:t>:</a:t>
+            </a:r>
+            <a:r>
+              <a:rPr lang="en-US" sz="1600" b="0" i="0" dirty="0">
+                <a:solidFill>
+                  <a:srgbClr val="3C4043"/>
+                </a:solidFill>
+                <a:effectLst/>
+                <a:latin typeface="Inter"/>
+              </a:rPr>
+              <a:t> Is the transaction through credit card?</a:t>
+            </a:r>
+          </a:p>
+          <a:p>
+            <a:pPr marL="342900" indent="-342900">
+              <a:lnSpc>
+                <a:spcPct val="150000"/>
+              </a:lnSpc>
+              <a:buSzPct val="100000"/>
+              <a:buFontTx/>
+              <a:buChar char="•"/>
+            </a:pPr>
+            <a:r>
+              <a:rPr lang="en-US" sz="1600" b="0" i="0" dirty="0" err="1">
+                <a:solidFill>
+                  <a:srgbClr val="3C4043"/>
+                </a:solidFill>
+                <a:effectLst/>
+                <a:latin typeface="Inter"/>
+              </a:rPr>
+              <a:t>used_pin_number</a:t>
+            </a:r>
+            <a:r>
+              <a:rPr lang="en-US" sz="1600" b="0" i="0" dirty="0">
+                <a:solidFill>
+                  <a:srgbClr val="3C4043"/>
+                </a:solidFill>
+                <a:effectLst/>
+                <a:latin typeface="Inter"/>
+              </a:rPr>
+              <a:t> - Is the transaction happened by using PIN number?</a:t>
+            </a:r>
+          </a:p>
+          <a:p>
+            <a:pPr marL="342900" indent="-342900">
+              <a:lnSpc>
+                <a:spcPct val="150000"/>
+              </a:lnSpc>
+              <a:buSzPct val="100000"/>
+              <a:buFontTx/>
+              <a:buChar char="•"/>
+            </a:pPr>
+            <a:r>
+              <a:rPr lang="en-US" sz="1600" b="0" i="0" dirty="0" err="1">
+                <a:solidFill>
+                  <a:srgbClr val="3C4043"/>
+                </a:solidFill>
+                <a:effectLst/>
+                <a:latin typeface="Inter"/>
+              </a:rPr>
+              <a:t>online_order</a:t>
+            </a:r>
+            <a:r>
+              <a:rPr lang="en-US" sz="1600" b="0" i="0" dirty="0">
+                <a:solidFill>
+                  <a:srgbClr val="3C4043"/>
+                </a:solidFill>
+                <a:effectLst/>
+                <a:latin typeface="Inter"/>
+              </a:rPr>
+              <a:t> - Is the transaction an online order?</a:t>
+            </a:r>
+          </a:p>
+          <a:p>
+            <a:pPr marL="342900" indent="-342900">
+              <a:lnSpc>
+                <a:spcPct val="150000"/>
+              </a:lnSpc>
+              <a:buSzPct val="100000"/>
+              <a:buFontTx/>
+              <a:buChar char="•"/>
+            </a:pPr>
+            <a:r>
+              <a:rPr lang="en-US" sz="1600" b="0" i="0" dirty="0">
+                <a:solidFill>
+                  <a:srgbClr val="3C4043"/>
+                </a:solidFill>
+                <a:effectLst/>
+                <a:latin typeface="Inter"/>
+              </a:rPr>
+              <a:t>fraud - Is the transaction fraudulent.</a:t>
+            </a:r>
+          </a:p>
+          <a:p>
+            <a:pPr marL="342900" indent="-342900">
+              <a:lnSpc>
+                <a:spcPct val="150000"/>
+              </a:lnSpc>
+              <a:buSzPct val="100000"/>
+              <a:buFontTx/>
+              <a:buChar char="•"/>
+            </a:pPr>
+            <a:endParaRPr lang="en-US" sz="1600" b="0" i="0" dirty="0">
+              <a:solidFill>
+                <a:srgbClr val="3C4043"/>
+              </a:solidFill>
+              <a:effectLst/>
+              <a:latin typeface="Inter"/>
+            </a:endParaRPr>
+          </a:p>
+          <a:p>
+            <a:pPr marL="342900" indent="-342900" algn="l">
+              <a:lnSpc>
+                <a:spcPct val="150000"/>
+              </a:lnSpc>
+              <a:buSzPct val="100000"/>
+              <a:buChar char="•"/>
+            </a:pPr>
+            <a:endParaRPr lang="en-US" sz="1600" b="0" i="0" dirty="0">
+              <a:solidFill>
+                <a:srgbClr val="3C4043"/>
+              </a:solidFill>
+              <a:effectLst/>
+              <a:latin typeface="Inter"/>
+            </a:endParaRPr>
+          </a:p>
+          <a:p>
+            <a:pPr marL="342900" indent="-342900" algn="l">
+              <a:lnSpc>
+                <a:spcPct val="150000"/>
+              </a:lnSpc>
+              <a:buSzPct val="100000"/>
+              <a:buChar char="•"/>
+            </a:pPr>
+            <a:endParaRPr lang="en-US" sz="1680" dirty="0">
+              <a:solidFill>
+                <a:srgbClr val="383838"/>
+              </a:solidFill>
+              <a:latin typeface="Noto Sans SC" pitchFamily="34" charset="0"/>
+              <a:ea typeface="Noto Sans SC" pitchFamily="34" charset="-122"/>
+            </a:endParaRPr>
+          </a:p>
+          <a:p>
+            <a:pPr marL="342900" indent="-342900" algn="l">
+              <a:lnSpc>
+                <a:spcPct val="150000"/>
+              </a:lnSpc>
+              <a:buSzPct val="100000"/>
+              <a:buChar char="•"/>
+            </a:pPr>
+            <a:endParaRPr lang="en-US" sz="1680" dirty="0"/>
+          </a:p>
+          <a:p>
+            <a:pPr marL="342900" indent="-342900" algn="l">
+              <a:lnSpc>
+                <a:spcPct val="150000"/>
+              </a:lnSpc>
+              <a:buSzPct val="100000"/>
+              <a:buChar char="•"/>
+            </a:pPr>
+            <a:endParaRPr lang="en-US" sz="1680" dirty="0"/>
           </a:p>
         </p:txBody>
       </p:sp>
-      <p:sp>
-        <p:nvSpPr>
-          <p:cNvPr id="3" name="Text 1"/>
-          <p:cNvSpPr/>
-          <p:nvPr/>
-        </p:nvSpPr>
-        <p:spPr>
-          <a:xfrm>
-            <a:off x="3790950" y="2281238"/>
-            <a:ext cx="3963353" cy="1509713"/>
-          </a:xfrm>
-          <a:prstGeom prst="rect">
-            <a:avLst/>
-          </a:prstGeom>
-          <a:noFill/>
-          <a:ln/>
-        </p:spPr>
-        <p:txBody>
-          <a:bodyPr wrap="square" rtlCol="0" anchor="t"/>
-          <a:lstStyle/>
-          <a:p>
-            <a:pPr marL="0" indent="0">
-              <a:buNone/>
-            </a:pPr>
-            <a:r>
-              <a:rPr lang="en-US" sz="3640" b="1" dirty="0">
-                <a:solidFill>
-                  <a:srgbClr val="002A85"/>
-                </a:solidFill>
-                <a:latin typeface="Noto Sans SC" pitchFamily="34" charset="0"/>
-                <a:ea typeface="Noto Sans SC" pitchFamily="34" charset="-122"/>
-                <a:cs typeface="Noto Sans SC" pitchFamily="34" charset="-120"/>
-              </a:rPr>
-              <a:t>Introduction to XGBoost</a:t>
-            </a:r>
-            <a:endParaRPr lang="en-US" sz="3640" dirty="0"/>
-          </a:p>
-        </p:txBody>
-      </p:sp>
     </p:spTree>
+    <p:extLst>
+      <p:ext uri="{BB962C8B-B14F-4D97-AF65-F5344CB8AC3E}">
+        <p14:creationId xmlns:p14="http://schemas.microsoft.com/office/powerpoint/2010/main" val="3059924670"/>
+      </p:ext>
+    </p:extLst>
   </p:cSld>
   <p:clrMapOvr>
     <a:masterClrMapping/>
@@ -5233,7 +3860,7 @@
 </p:sld>
 </file>
 
-<file path=ppt/slides/slide5.xml><?xml version="1.0" encoding="utf-8"?>
+<file path=ppt/slides/slide6.xml><?xml version="1.0" encoding="utf-8"?>
 <p:sld xmlns:a="http://schemas.openxmlformats.org/drawingml/2006/main" xmlns:r="http://schemas.openxmlformats.org/officeDocument/2006/relationships" xmlns:p="http://schemas.openxmlformats.org/presentationml/2006/main">
   <p:cSld name="Slide 5">
     <p:spTree>
@@ -5402,7 +4029,7 @@
 </p:sld>
 </file>
 
-<file path=ppt/slides/slide6.xml><?xml version="1.0" encoding="utf-8"?>
+<file path=ppt/slides/slide7.xml><?xml version="1.0" encoding="utf-8"?>
 <p:sld xmlns:a="http://schemas.openxmlformats.org/drawingml/2006/main" xmlns:r="http://schemas.openxmlformats.org/officeDocument/2006/relationships" xmlns:p="http://schemas.openxmlformats.org/presentationml/2006/main">
   <p:cSld name="Slide 6">
     <p:spTree>
@@ -5485,8 +4112,8 @@
           </a:p>
         </p:txBody>
       </p:sp>
-      <mc:AlternateContent xmlns:mc="http://schemas.openxmlformats.org/markup-compatibility/2006">
-        <mc:Choice xmlns:a14="http://schemas.microsoft.com/office/drawing/2010/main" Requires="a14">
+      <mc:AlternateContent xmlns:mc="http://schemas.openxmlformats.org/markup-compatibility/2006" xmlns:a14="http://schemas.microsoft.com/office/drawing/2010/main">
+        <mc:Choice Requires="a14">
           <p:sp>
             <p:nvSpPr>
               <p:cNvPr id="4" name="Text 2"/>
@@ -5827,7 +4454,7 @@
             </p:txBody>
           </p:sp>
         </mc:Choice>
-        <mc:Fallback>
+        <mc:Fallback xmlns="">
           <p:sp>
             <p:nvSpPr>
               <p:cNvPr id="4" name="Text 2"/>
@@ -5875,7 +4502,7 @@
 </p:sld>
 </file>
 
-<file path=ppt/slides/slide7.xml><?xml version="1.0" encoding="utf-8"?>
+<file path=ppt/slides/slide8.xml><?xml version="1.0" encoding="utf-8"?>
 <p:sld xmlns:a="http://schemas.openxmlformats.org/drawingml/2006/main" xmlns:r="http://schemas.openxmlformats.org/officeDocument/2006/relationships" xmlns:p="http://schemas.openxmlformats.org/presentationml/2006/main">
   <p:cSld name="Slide 7">
     <p:spTree>
@@ -5927,7 +4554,7 @@
         </p:nvSpPr>
         <p:spPr>
           <a:xfrm>
-            <a:off x="762000" y="138113"/>
+            <a:off x="762000" y="117641"/>
             <a:ext cx="8130540" cy="552450"/>
           </a:xfrm>
           <a:prstGeom prst="rect">
@@ -5988,6 +4615,228 @@
           <a:bodyPr wrap="square" rtlCol="0" anchor="t"/>
           <a:lstStyle/>
           <a:p>
+            <a:pPr algn="l">
+              <a:lnSpc>
+                <a:spcPct val="150000"/>
+              </a:lnSpc>
+              <a:buSzPct val="100000"/>
+            </a:pPr>
+            <a:r>
+              <a:rPr lang="en-US" sz="1680" dirty="0">
+                <a:solidFill>
+                  <a:srgbClr val="383838"/>
+                </a:solidFill>
+                <a:latin typeface="Noto Sans SC" pitchFamily="34" charset="0"/>
+                <a:ea typeface="Noto Sans SC" pitchFamily="34" charset="-122"/>
+                <a:cs typeface="Noto Sans SC" pitchFamily="34" charset="-120"/>
+              </a:rPr>
+              <a:t>Install required package </a:t>
+            </a:r>
+          </a:p>
+          <a:p>
+            <a:pPr marL="285750" indent="-285750" algn="l">
+              <a:lnSpc>
+                <a:spcPct val="150000"/>
+              </a:lnSpc>
+              <a:buSzPct val="100000"/>
+              <a:buFont typeface="Arial" panose="020B0604020202020204" pitchFamily="34" charset="0"/>
+              <a:buChar char="•"/>
+            </a:pPr>
+            <a:r>
+              <a:rPr lang="en-US" sz="1680" dirty="0" err="1">
+                <a:solidFill>
+                  <a:srgbClr val="383838"/>
+                </a:solidFill>
+                <a:latin typeface="Noto Sans SC" pitchFamily="34" charset="0"/>
+                <a:ea typeface="Noto Sans SC" pitchFamily="34" charset="-122"/>
+                <a:cs typeface="Noto Sans SC" pitchFamily="34" charset="-120"/>
+              </a:rPr>
+              <a:t>install.packages</a:t>
+            </a:r>
+            <a:r>
+              <a:rPr lang="en-US" sz="1680" dirty="0">
+                <a:solidFill>
+                  <a:srgbClr val="383838"/>
+                </a:solidFill>
+                <a:latin typeface="Noto Sans SC" pitchFamily="34" charset="0"/>
+                <a:ea typeface="Noto Sans SC" pitchFamily="34" charset="-122"/>
+                <a:cs typeface="Noto Sans SC" pitchFamily="34" charset="-120"/>
+              </a:rPr>
+              <a:t>(‘</a:t>
+            </a:r>
+            <a:r>
+              <a:rPr lang="en-US" sz="1680" dirty="0" err="1">
+                <a:solidFill>
+                  <a:srgbClr val="383838"/>
+                </a:solidFill>
+                <a:latin typeface="Noto Sans SC" pitchFamily="34" charset="0"/>
+                <a:ea typeface="Noto Sans SC" pitchFamily="34" charset="-122"/>
+                <a:cs typeface="Noto Sans SC" pitchFamily="34" charset="-120"/>
+              </a:rPr>
+              <a:t>xgboost</a:t>
+            </a:r>
+            <a:r>
+              <a:rPr lang="en-US" sz="1680" dirty="0">
+                <a:solidFill>
+                  <a:srgbClr val="383838"/>
+                </a:solidFill>
+                <a:latin typeface="Noto Sans SC" pitchFamily="34" charset="0"/>
+                <a:ea typeface="Noto Sans SC" pitchFamily="34" charset="-122"/>
+                <a:cs typeface="Noto Sans SC" pitchFamily="34" charset="-120"/>
+              </a:rPr>
+              <a:t>’)</a:t>
+            </a:r>
+          </a:p>
+          <a:p>
+            <a:pPr marL="285750" indent="-285750" algn="l">
+              <a:lnSpc>
+                <a:spcPct val="150000"/>
+              </a:lnSpc>
+              <a:buSzPct val="100000"/>
+              <a:buFont typeface="Arial" panose="020B0604020202020204" pitchFamily="34" charset="0"/>
+              <a:buChar char="•"/>
+            </a:pPr>
+            <a:r>
+              <a:rPr lang="en-US" sz="1680" dirty="0">
+                <a:solidFill>
+                  <a:srgbClr val="383838"/>
+                </a:solidFill>
+                <a:latin typeface="Noto Sans SC" pitchFamily="34" charset="0"/>
+                <a:ea typeface="Noto Sans SC" pitchFamily="34" charset="-122"/>
+                <a:cs typeface="Noto Sans SC" pitchFamily="34" charset="-120"/>
+              </a:rPr>
+              <a:t>require(</a:t>
+            </a:r>
+            <a:r>
+              <a:rPr lang="en-US" sz="1680" dirty="0" err="1">
+                <a:solidFill>
+                  <a:srgbClr val="383838"/>
+                </a:solidFill>
+                <a:latin typeface="Noto Sans SC" pitchFamily="34" charset="0"/>
+                <a:ea typeface="Noto Sans SC" pitchFamily="34" charset="-122"/>
+                <a:cs typeface="Noto Sans SC" pitchFamily="34" charset="-120"/>
+              </a:rPr>
+              <a:t>xgboost</a:t>
+            </a:r>
+            <a:r>
+              <a:rPr lang="en-US" sz="1680" dirty="0">
+                <a:solidFill>
+                  <a:srgbClr val="383838"/>
+                </a:solidFill>
+                <a:latin typeface="Noto Sans SC" pitchFamily="34" charset="0"/>
+                <a:ea typeface="Noto Sans SC" pitchFamily="34" charset="-122"/>
+                <a:cs typeface="Noto Sans SC" pitchFamily="34" charset="-120"/>
+              </a:rPr>
+              <a:t>)</a:t>
+            </a:r>
+          </a:p>
+          <a:p>
+            <a:pPr algn="l">
+              <a:lnSpc>
+                <a:spcPct val="150000"/>
+              </a:lnSpc>
+              <a:buSzPct val="100000"/>
+            </a:pPr>
+            <a:endParaRPr lang="en-US" sz="1680" dirty="0">
+              <a:solidFill>
+                <a:srgbClr val="383838"/>
+              </a:solidFill>
+              <a:latin typeface="Noto Sans SC" pitchFamily="34" charset="0"/>
+              <a:ea typeface="Noto Sans SC" pitchFamily="34" charset="-122"/>
+              <a:cs typeface="Noto Sans SC" pitchFamily="34" charset="-120"/>
+            </a:endParaRPr>
+          </a:p>
+          <a:p>
+            <a:pPr algn="l">
+              <a:lnSpc>
+                <a:spcPct val="150000"/>
+              </a:lnSpc>
+              <a:buSzPct val="100000"/>
+            </a:pPr>
+            <a:r>
+              <a:rPr lang="en-US" sz="1680" dirty="0">
+                <a:solidFill>
+                  <a:srgbClr val="383838"/>
+                </a:solidFill>
+                <a:latin typeface="Noto Sans SC" pitchFamily="34" charset="0"/>
+                <a:ea typeface="Noto Sans SC" pitchFamily="34" charset="-122"/>
+                <a:cs typeface="Noto Sans SC" pitchFamily="34" charset="-120"/>
+              </a:rPr>
+              <a:t>Save the dataset in </a:t>
+            </a:r>
+            <a:r>
+              <a:rPr lang="en-US" sz="1680" dirty="0" err="1">
+                <a:solidFill>
+                  <a:srgbClr val="383838"/>
+                </a:solidFill>
+                <a:latin typeface="Noto Sans SC" pitchFamily="34" charset="0"/>
+                <a:ea typeface="Noto Sans SC" pitchFamily="34" charset="-122"/>
+                <a:cs typeface="Noto Sans SC" pitchFamily="34" charset="-120"/>
+              </a:rPr>
+              <a:t>Dmatrix</a:t>
+            </a:r>
+            <a:r>
+              <a:rPr lang="en-US" sz="1680" dirty="0">
+                <a:solidFill>
+                  <a:srgbClr val="383838"/>
+                </a:solidFill>
+                <a:latin typeface="Noto Sans SC" pitchFamily="34" charset="0"/>
+                <a:ea typeface="Noto Sans SC" pitchFamily="34" charset="-122"/>
+                <a:cs typeface="Noto Sans SC" pitchFamily="34" charset="-120"/>
+              </a:rPr>
+              <a:t> format provided by </a:t>
+            </a:r>
+            <a:r>
+              <a:rPr lang="en-US" sz="1680" dirty="0" err="1">
+                <a:solidFill>
+                  <a:srgbClr val="383838"/>
+                </a:solidFill>
+                <a:latin typeface="Noto Sans SC" pitchFamily="34" charset="0"/>
+                <a:ea typeface="Noto Sans SC" pitchFamily="34" charset="-122"/>
+                <a:cs typeface="Noto Sans SC" pitchFamily="34" charset="-120"/>
+              </a:rPr>
+              <a:t>XGBoost</a:t>
+            </a:r>
+            <a:r>
+              <a:rPr lang="en-US" sz="1680" dirty="0">
+                <a:solidFill>
+                  <a:srgbClr val="383838"/>
+                </a:solidFill>
+                <a:latin typeface="Noto Sans SC" pitchFamily="34" charset="0"/>
+                <a:ea typeface="Noto Sans SC" pitchFamily="34" charset="-122"/>
+                <a:cs typeface="Noto Sans SC" pitchFamily="34" charset="-120"/>
+              </a:rPr>
+              <a:t> package to ensure efficiency</a:t>
+            </a:r>
+          </a:p>
+          <a:p>
+            <a:pPr algn="l">
+              <a:lnSpc>
+                <a:spcPct val="150000"/>
+              </a:lnSpc>
+              <a:buSzPct val="100000"/>
+            </a:pPr>
+            <a:r>
+              <a:rPr lang="en-US" sz="1680" dirty="0" err="1">
+                <a:solidFill>
+                  <a:srgbClr val="383838"/>
+                </a:solidFill>
+                <a:latin typeface="Noto Sans SC" pitchFamily="34" charset="0"/>
+                <a:ea typeface="Noto Sans SC" pitchFamily="34" charset="-122"/>
+                <a:cs typeface="Noto Sans SC" pitchFamily="34" charset="-120"/>
+              </a:rPr>
+              <a:t>E.x</a:t>
+            </a:r>
+            <a:endParaRPr lang="en-US" sz="1680" dirty="0">
+              <a:solidFill>
+                <a:srgbClr val="383838"/>
+              </a:solidFill>
+              <a:latin typeface="Noto Sans SC" pitchFamily="34" charset="0"/>
+              <a:ea typeface="Noto Sans SC" pitchFamily="34" charset="-122"/>
+              <a:cs typeface="Noto Sans SC" pitchFamily="34" charset="-120"/>
+            </a:endParaRPr>
+          </a:p>
+          <a:p>
             <a:pPr marL="342900" indent="-342900" algn="l">
               <a:lnSpc>
                 <a:spcPct val="150000"/>
@@ -6004,7 +4853,7 @@
                 <a:ea typeface="Noto Sans SC" pitchFamily="34" charset="-122"/>
                 <a:cs typeface="Noto Sans SC" pitchFamily="34" charset="-120"/>
               </a:rPr>
-              <a:t>xgb.train</a:t>
+              <a:t>train.x</a:t>
             </a:r>
             <a:r>
               <a:rPr lang="en-US" sz="1680" dirty="0">
@@ -6026,7 +4875,7 @@
                 <a:ea typeface="Noto Sans SC" pitchFamily="34" charset="-122"/>
                 <a:cs typeface="Noto Sans SC" pitchFamily="34" charset="-120"/>
               </a:rPr>
-              <a:t>xgb.DMatrix</a:t>
+              <a:t>data.matrix</a:t>
             </a:r>
             <a:r>
               <a:rPr lang="en-US" sz="1680" dirty="0">
@@ -6037,7 +4886,7 @@
                 <a:ea typeface="Noto Sans SC" pitchFamily="34" charset="-122"/>
                 <a:cs typeface="Noto Sans SC" pitchFamily="34" charset="-120"/>
               </a:rPr>
-              <a:t>(data = </a:t>
+              <a:t>(training(</a:t>
             </a:r>
             <a:r>
               <a:rPr lang="en-US" sz="1680" dirty="0" err="1">
@@ -6048,7 +4897,7 @@
                 <a:ea typeface="Noto Sans SC" pitchFamily="34" charset="-122"/>
                 <a:cs typeface="Noto Sans SC" pitchFamily="34" charset="-120"/>
               </a:rPr>
-              <a:t>train.x</a:t>
+              <a:t>data.split</a:t>
             </a:r>
             <a:r>
               <a:rPr lang="en-US" sz="1680" dirty="0">
@@ -6059,29 +4908,7 @@
                 <a:ea typeface="Noto Sans SC" pitchFamily="34" charset="-122"/>
                 <a:cs typeface="Noto Sans SC" pitchFamily="34" charset="-120"/>
               </a:rPr>
-              <a:t>, label = </a:t>
-            </a:r>
-            <a:r>
-              <a:rPr lang="en-US" sz="1680" dirty="0" err="1">
-                <a:solidFill>
-                  <a:srgbClr val="383838"/>
-                </a:solidFill>
-                <a:latin typeface="Noto Sans SC" pitchFamily="34" charset="0"/>
-                <a:ea typeface="Noto Sans SC" pitchFamily="34" charset="-122"/>
-                <a:cs typeface="Noto Sans SC" pitchFamily="34" charset="-120"/>
-              </a:rPr>
-              <a:t>train.y</a:t>
-            </a:r>
-            <a:r>
-              <a:rPr lang="en-US" sz="1680" dirty="0">
-                <a:solidFill>
-                  <a:srgbClr val="383838"/>
-                </a:solidFill>
-                <a:latin typeface="Noto Sans SC" pitchFamily="34" charset="0"/>
-                <a:ea typeface="Noto Sans SC" pitchFamily="34" charset="-122"/>
-                <a:cs typeface="Noto Sans SC" pitchFamily="34" charset="-120"/>
-              </a:rPr>
-              <a:t>)</a:t>
+              <a:t>) %&gt;% select(-fraud)) </a:t>
             </a:r>
           </a:p>
           <a:p>
@@ -6093,6 +4920,17 @@
               <a:buChar char="•"/>
             </a:pPr>
             <a:r>
+              <a:rPr lang="en-US" sz="1680" dirty="0" err="1">
+                <a:solidFill>
+                  <a:srgbClr val="383838"/>
+                </a:solidFill>
+                <a:latin typeface="Noto Sans SC" pitchFamily="34" charset="0"/>
+                <a:ea typeface="Noto Sans SC" pitchFamily="34" charset="-122"/>
+                <a:cs typeface="Noto Sans SC" pitchFamily="34" charset="-120"/>
+              </a:rPr>
+              <a:t>xgb.train</a:t>
+            </a:r>
+            <a:r>
               <a:rPr lang="en-US" sz="1680" dirty="0">
                 <a:solidFill>
                   <a:srgbClr val="383838"/>
@@ -6101,30 +4939,90 @@
                 <a:ea typeface="Noto Sans SC" pitchFamily="34" charset="-122"/>
                 <a:cs typeface="Noto Sans SC" pitchFamily="34" charset="-120"/>
               </a:rPr>
-              <a:t>Parallel Computing: It features parallelization capabilities, enabling faster model training.</a:t>
-            </a:r>
-            <a:endParaRPr lang="en-US" sz="1680" dirty="0"/>
-          </a:p>
-          <a:p>
-            <a:pPr marL="342900" indent="-342900" algn="l">
+              <a:t> &lt;-  </a:t>
+            </a:r>
+            <a:r>
+              <a:rPr lang="en-US" sz="1680" dirty="0" err="1">
+                <a:solidFill>
+                  <a:srgbClr val="383838"/>
+                </a:solidFill>
+                <a:latin typeface="Noto Sans SC" pitchFamily="34" charset="0"/>
+                <a:ea typeface="Noto Sans SC" pitchFamily="34" charset="-122"/>
+                <a:cs typeface="Noto Sans SC" pitchFamily="34" charset="-120"/>
+              </a:rPr>
+              <a:t>xgb.DMatrix</a:t>
+            </a:r>
+            <a:r>
+              <a:rPr lang="en-US" sz="1680" dirty="0">
+                <a:solidFill>
+                  <a:srgbClr val="383838"/>
+                </a:solidFill>
+                <a:latin typeface="Noto Sans SC" pitchFamily="34" charset="0"/>
+                <a:ea typeface="Noto Sans SC" pitchFamily="34" charset="-122"/>
+                <a:cs typeface="Noto Sans SC" pitchFamily="34" charset="-120"/>
+              </a:rPr>
+              <a:t>(data = </a:t>
+            </a:r>
+            <a:r>
+              <a:rPr lang="en-US" sz="1680" dirty="0" err="1">
+                <a:solidFill>
+                  <a:srgbClr val="383838"/>
+                </a:solidFill>
+                <a:latin typeface="Noto Sans SC" pitchFamily="34" charset="0"/>
+                <a:ea typeface="Noto Sans SC" pitchFamily="34" charset="-122"/>
+                <a:cs typeface="Noto Sans SC" pitchFamily="34" charset="-120"/>
+              </a:rPr>
+              <a:t>train.x</a:t>
+            </a:r>
+            <a:r>
+              <a:rPr lang="en-US" sz="1680" dirty="0">
+                <a:solidFill>
+                  <a:srgbClr val="383838"/>
+                </a:solidFill>
+                <a:latin typeface="Noto Sans SC" pitchFamily="34" charset="0"/>
+                <a:ea typeface="Noto Sans SC" pitchFamily="34" charset="-122"/>
+                <a:cs typeface="Noto Sans SC" pitchFamily="34" charset="-120"/>
+              </a:rPr>
+              <a:t>, label = </a:t>
+            </a:r>
+            <a:r>
+              <a:rPr lang="en-US" sz="1680" dirty="0" err="1">
+                <a:solidFill>
+                  <a:srgbClr val="383838"/>
+                </a:solidFill>
+                <a:latin typeface="Noto Sans SC" pitchFamily="34" charset="0"/>
+                <a:ea typeface="Noto Sans SC" pitchFamily="34" charset="-122"/>
+                <a:cs typeface="Noto Sans SC" pitchFamily="34" charset="-120"/>
+              </a:rPr>
+              <a:t>train.y</a:t>
+            </a:r>
+            <a:r>
+              <a:rPr lang="en-US" sz="1680" dirty="0">
+                <a:solidFill>
+                  <a:srgbClr val="383838"/>
+                </a:solidFill>
+                <a:latin typeface="Noto Sans SC" pitchFamily="34" charset="0"/>
+                <a:ea typeface="Noto Sans SC" pitchFamily="34" charset="-122"/>
+                <a:cs typeface="Noto Sans SC" pitchFamily="34" charset="-120"/>
+              </a:rPr>
+              <a:t>)</a:t>
+            </a:r>
+          </a:p>
+          <a:p>
+            <a:pPr algn="l">
               <a:lnSpc>
                 <a:spcPct val="150000"/>
               </a:lnSpc>
               <a:buSzPct val="100000"/>
-              <a:buChar char="•"/>
-            </a:pPr>
-            <a:r>
-              <a:rPr lang="en-US" sz="1680" dirty="0">
-                <a:solidFill>
-                  <a:srgbClr val="383838"/>
-                </a:solidFill>
-                <a:latin typeface="Noto Sans SC" pitchFamily="34" charset="0"/>
-                <a:ea typeface="Noto Sans SC" pitchFamily="34" charset="-122"/>
-                <a:cs typeface="Noto Sans SC" pitchFamily="34" charset="-120"/>
-              </a:rPr>
-              <a:t>Tree Pruning: XGBoost employs a technique called tree pruning to improve its efficiency and overall performance.</a:t>
-            </a:r>
-            <a:endParaRPr lang="en-US" sz="1680" dirty="0"/>
+            </a:pPr>
+            <a:endParaRPr lang="en-US" sz="1680" dirty="0">
+              <a:solidFill>
+                <a:srgbClr val="383838"/>
+              </a:solidFill>
+              <a:latin typeface="Noto Sans SC" pitchFamily="34" charset="0"/>
+              <a:ea typeface="Noto Sans SC" pitchFamily="34" charset="-122"/>
+              <a:cs typeface="Noto Sans SC" pitchFamily="34" charset="-120"/>
+            </a:endParaRPr>
           </a:p>
         </p:txBody>
       </p:sp>
@@ -6136,7 +5034,7 @@
 </p:sld>
 </file>
 
-<file path=ppt/slides/slide8.xml><?xml version="1.0" encoding="utf-8"?>
+<file path=ppt/slides/slide9.xml><?xml version="1.0" encoding="utf-8"?>
 <p:sld xmlns:a="http://schemas.openxmlformats.org/drawingml/2006/main" xmlns:r="http://schemas.openxmlformats.org/officeDocument/2006/relationships" xmlns:p="http://schemas.openxmlformats.org/presentationml/2006/main">
   <p:cSld name="Slide 8">
     <p:spTree>
@@ -6198,6 +5096,17 @@
               <a:buNone/>
             </a:pPr>
             <a:r>
+              <a:rPr lang="en-US" sz="2625" b="1" dirty="0" err="1">
+                <a:solidFill>
+                  <a:srgbClr val="002A85"/>
+                </a:solidFill>
+                <a:latin typeface="Noto Sans SC" pitchFamily="34" charset="0"/>
+                <a:ea typeface="Noto Sans SC" pitchFamily="34" charset="-122"/>
+                <a:cs typeface="Noto Sans SC" pitchFamily="34" charset="-120"/>
+              </a:rPr>
+              <a:t>XGBoost</a:t>
+            </a:r>
+            <a:r>
               <a:rPr lang="en-US" sz="2625" b="1" dirty="0">
                 <a:solidFill>
                   <a:srgbClr val="002A85"/>
@@ -6206,7 +5115,7 @@
                 <a:ea typeface="Noto Sans SC" pitchFamily="34" charset="-122"/>
                 <a:cs typeface="Noto Sans SC" pitchFamily="34" charset="-120"/>
               </a:rPr>
-              <a:t>Advantages of XGBoost</a:t>
+              <a:t> in R</a:t>
             </a:r>
             <a:endParaRPr lang="en-US" sz="2625" dirty="0"/>
           </a:p>
@@ -6233,12 +5142,11 @@
           <a:bodyPr wrap="square" rtlCol="0" anchor="t"/>
           <a:lstStyle/>
           <a:p>
-            <a:pPr marL="342900" indent="-342900" algn="l">
+            <a:pPr algn="l">
               <a:lnSpc>
                 <a:spcPct val="150000"/>
               </a:lnSpc>
               <a:buSzPct val="100000"/>
-              <a:buChar char="•"/>
             </a:pPr>
             <a:r>
               <a:rPr lang="en-US" sz="1680" dirty="0">
@@ -6247,18 +5155,17 @@
                 </a:solidFill>
                 <a:latin typeface="Noto Sans SC" pitchFamily="34" charset="0"/>
                 <a:ea typeface="Noto Sans SC" pitchFamily="34" charset="-122"/>
-                <a:cs typeface="Noto Sans SC" pitchFamily="34" charset="-120"/>
-              </a:rPr>
-              <a:t>XGBoost offers several advantages that make it a preferred choice for machine learning enthusiasts and practitioners. These advantages include:</a:t>
-            </a:r>
-            <a:endParaRPr lang="en-US" sz="1680" dirty="0"/>
-          </a:p>
-          <a:p>
-            <a:pPr marL="342900" indent="-342900" algn="l">
+              </a:rPr>
+              <a:t>Model parameters and training example</a:t>
+            </a:r>
+          </a:p>
+          <a:p>
+            <a:pPr marL="285750" indent="-285750" algn="l">
               <a:lnSpc>
                 <a:spcPct val="150000"/>
               </a:lnSpc>
               <a:buSzPct val="100000"/>
+              <a:buFont typeface="Arial" panose="020B0604020202020204" pitchFamily="34" charset="0"/>
               <a:buChar char="•"/>
             </a:pPr>
             <a:r>
@@ -6268,147 +5175,182 @@
                 </a:solidFill>
                 <a:latin typeface="Noto Sans SC" pitchFamily="34" charset="0"/>
                 <a:ea typeface="Noto Sans SC" pitchFamily="34" charset="-122"/>
-                <a:cs typeface="Noto Sans SC" pitchFamily="34" charset="-120"/>
-              </a:rPr>
-              <a:t>Chapter 2</a:t>
-            </a:r>
-            <a:endParaRPr lang="en-US" sz="1680" dirty="0"/>
-          </a:p>
-        </p:txBody>
-      </p:sp>
-    </p:spTree>
-  </p:cSld>
-  <p:clrMapOvr>
-    <a:masterClrMapping/>
-  </p:clrMapOvr>
-</p:sld>
-</file>
-
-<file path=ppt/slides/slide9.xml><?xml version="1.0" encoding="utf-8"?>
-<p:sld xmlns:a="http://schemas.openxmlformats.org/drawingml/2006/main" xmlns:r="http://schemas.openxmlformats.org/officeDocument/2006/relationships" xmlns:p="http://schemas.openxmlformats.org/presentationml/2006/main">
-  <p:cSld name="Slide 9">
-    <p:spTree>
-      <p:nvGrpSpPr>
-        <p:cNvPr id="1" name=""/>
-        <p:cNvGrpSpPr/>
-        <p:nvPr/>
-      </p:nvGrpSpPr>
-      <p:grpSpPr>
-        <a:xfrm>
-          <a:off x="0" y="0"/>
-          <a:ext cx="0" cy="0"/>
-          <a:chOff x="0" y="0"/>
-          <a:chExt cx="0" cy="0"/>
-        </a:xfrm>
-      </p:grpSpPr>
-      <p:sp>
-        <p:nvSpPr>
-          <p:cNvPr id="2" name="Shape 0"/>
-          <p:cNvSpPr/>
-          <p:nvPr/>
-        </p:nvSpPr>
-        <p:spPr>
-          <a:xfrm>
-            <a:off x="0" y="457200"/>
-            <a:ext cx="4019550" cy="233363"/>
-          </a:xfrm>
-          <a:prstGeom prst="rect">
-            <a:avLst/>
-          </a:prstGeom>
-          <a:solidFill>
-            <a:srgbClr val="A5DDFF"/>
-          </a:solidFill>
-          <a:ln/>
-        </p:spPr>
-      </p:sp>
-      <p:sp>
-        <p:nvSpPr>
-          <p:cNvPr id="3" name="Text 1"/>
-          <p:cNvSpPr/>
-          <p:nvPr/>
-        </p:nvSpPr>
-        <p:spPr>
-          <a:xfrm>
-            <a:off x="762000" y="138113"/>
-            <a:ext cx="8130540" cy="552450"/>
-          </a:xfrm>
-          <a:prstGeom prst="rect">
-            <a:avLst/>
-          </a:prstGeom>
-          <a:noFill/>
-          <a:ln/>
-        </p:spPr>
-        <p:txBody>
-          <a:bodyPr wrap="square" rtlCol="0" anchor="ctr"/>
-          <a:lstStyle/>
-          <a:p>
-            <a:pPr marL="0" indent="0">
-              <a:buNone/>
-            </a:pPr>
-            <a:r>
-              <a:rPr lang="en-US" sz="1225" b="1" dirty="0">
-                <a:solidFill>
-                  <a:srgbClr val="002A85"/>
-                </a:solidFill>
-                <a:latin typeface="Noto Sans SC" pitchFamily="34" charset="0"/>
-                <a:ea typeface="Noto Sans SC" pitchFamily="34" charset="-122"/>
-                <a:cs typeface="Noto Sans SC" pitchFamily="34" charset="-120"/>
-              </a:rPr>
-              <a:t>XGBoost offers several advantages that make it a preferred choice for machine learning enthusiasts and practitioners. These advantages include:</a:t>
-            </a:r>
-            <a:endParaRPr lang="en-US" sz="1225" dirty="0"/>
-          </a:p>
-        </p:txBody>
-      </p:sp>
-      <p:sp>
-        <p:nvSpPr>
-          <p:cNvPr id="4" name="Text 2"/>
-          <p:cNvSpPr/>
-          <p:nvPr/>
-        </p:nvSpPr>
-        <p:spPr>
-          <a:xfrm>
-            <a:off x="762000" y="1304925"/>
-            <a:ext cx="7715250" cy="3452813"/>
-          </a:xfrm>
-          <a:prstGeom prst="rect">
-            <a:avLst/>
-          </a:prstGeom>
-          <a:noFill/>
-          <a:ln/>
-        </p:spPr>
-        <p:txBody>
-          <a:bodyPr wrap="square" rtlCol="0" anchor="t"/>
-          <a:lstStyle/>
-          <a:p>
-            <a:pPr marL="342900" indent="-342900" algn="l">
+              </a:rPr>
+              <a:t>model &lt;- </a:t>
+            </a:r>
+            <a:r>
+              <a:rPr lang="en-US" sz="1680" dirty="0" err="1">
+                <a:solidFill>
+                  <a:srgbClr val="383838"/>
+                </a:solidFill>
+                <a:latin typeface="Noto Sans SC" pitchFamily="34" charset="0"/>
+                <a:ea typeface="Noto Sans SC" pitchFamily="34" charset="-122"/>
+              </a:rPr>
+              <a:t>xgb.train</a:t>
+            </a:r>
+            <a:r>
+              <a:rPr lang="en-US" sz="1680" dirty="0">
+                <a:solidFill>
+                  <a:srgbClr val="383838"/>
+                </a:solidFill>
+                <a:latin typeface="Noto Sans SC" pitchFamily="34" charset="0"/>
+                <a:ea typeface="Noto Sans SC" pitchFamily="34" charset="-122"/>
+              </a:rPr>
+              <a:t>(data = </a:t>
+            </a:r>
+            <a:r>
+              <a:rPr lang="en-US" sz="1680" dirty="0" err="1">
+                <a:solidFill>
+                  <a:srgbClr val="383838"/>
+                </a:solidFill>
+                <a:latin typeface="Noto Sans SC" pitchFamily="34" charset="0"/>
+                <a:ea typeface="Noto Sans SC" pitchFamily="34" charset="-122"/>
+              </a:rPr>
+              <a:t>xgb.train</a:t>
+            </a:r>
+            <a:r>
+              <a:rPr lang="en-US" sz="1680" dirty="0">
+                <a:solidFill>
+                  <a:srgbClr val="383838"/>
+                </a:solidFill>
+                <a:latin typeface="Noto Sans SC" pitchFamily="34" charset="0"/>
+                <a:ea typeface="Noto Sans SC" pitchFamily="34" charset="-122"/>
+              </a:rPr>
+              <a:t>, </a:t>
+            </a:r>
+            <a:r>
+              <a:rPr lang="en-US" sz="1680" dirty="0" err="1">
+                <a:solidFill>
+                  <a:srgbClr val="383838"/>
+                </a:solidFill>
+                <a:latin typeface="Noto Sans SC" pitchFamily="34" charset="0"/>
+                <a:ea typeface="Noto Sans SC" pitchFamily="34" charset="-122"/>
+              </a:rPr>
+              <a:t>max_depth</a:t>
+            </a:r>
+            <a:r>
+              <a:rPr lang="en-US" sz="1680" dirty="0">
+                <a:solidFill>
+                  <a:srgbClr val="383838"/>
+                </a:solidFill>
+                <a:latin typeface="Noto Sans SC" pitchFamily="34" charset="0"/>
+                <a:ea typeface="Noto Sans SC" pitchFamily="34" charset="-122"/>
+              </a:rPr>
+              <a:t> = 3, objective = “</a:t>
+            </a:r>
+            <a:r>
+              <a:rPr lang="en-US" sz="1680" dirty="0" err="1">
+                <a:solidFill>
+                  <a:srgbClr val="383838"/>
+                </a:solidFill>
+                <a:latin typeface="Noto Sans SC" pitchFamily="34" charset="0"/>
+                <a:ea typeface="Noto Sans SC" pitchFamily="34" charset="-122"/>
+              </a:rPr>
+              <a:t>binary:logistic</a:t>
+            </a:r>
+            <a:r>
+              <a:rPr lang="en-US" sz="1680" dirty="0">
+                <a:solidFill>
+                  <a:srgbClr val="383838"/>
+                </a:solidFill>
+                <a:latin typeface="Noto Sans SC" pitchFamily="34" charset="0"/>
+                <a:ea typeface="Noto Sans SC" pitchFamily="34" charset="-122"/>
+              </a:rPr>
+              <a:t>”, 			  eta = 0.3, </a:t>
+            </a:r>
+            <a:r>
+              <a:rPr lang="en-US" sz="1680" dirty="0" err="1">
+                <a:solidFill>
+                  <a:srgbClr val="383838"/>
+                </a:solidFill>
+                <a:latin typeface="Noto Sans SC" pitchFamily="34" charset="0"/>
+                <a:ea typeface="Noto Sans SC" pitchFamily="34" charset="-122"/>
+              </a:rPr>
+              <a:t>nrounds</a:t>
+            </a:r>
+            <a:r>
+              <a:rPr lang="en-US" sz="1680" dirty="0">
+                <a:solidFill>
+                  <a:srgbClr val="383838"/>
+                </a:solidFill>
+                <a:latin typeface="Noto Sans SC" pitchFamily="34" charset="0"/>
+                <a:ea typeface="Noto Sans SC" pitchFamily="34" charset="-122"/>
+              </a:rPr>
+              <a:t> = 100, </a:t>
+            </a:r>
+            <a:r>
+              <a:rPr lang="en-US" sz="1680" dirty="0" err="1">
+                <a:solidFill>
+                  <a:srgbClr val="383838"/>
+                </a:solidFill>
+                <a:latin typeface="Noto Sans SC" pitchFamily="34" charset="0"/>
+                <a:ea typeface="Noto Sans SC" pitchFamily="34" charset="-122"/>
+              </a:rPr>
+              <a:t>nthread</a:t>
+            </a:r>
+            <a:r>
+              <a:rPr lang="en-US" sz="1680" dirty="0">
+                <a:solidFill>
+                  <a:srgbClr val="383838"/>
+                </a:solidFill>
+                <a:latin typeface="Noto Sans SC" pitchFamily="34" charset="0"/>
+                <a:ea typeface="Noto Sans SC" pitchFamily="34" charset="-122"/>
+              </a:rPr>
+              <a:t> = 2, </a:t>
+            </a:r>
+            <a:r>
+              <a:rPr lang="en-US" sz="1680" dirty="0" err="1">
+                <a:solidFill>
+                  <a:srgbClr val="383838"/>
+                </a:solidFill>
+                <a:latin typeface="Noto Sans SC" pitchFamily="34" charset="0"/>
+                <a:ea typeface="Noto Sans SC" pitchFamily="34" charset="-122"/>
+              </a:rPr>
+              <a:t>early_stopping_rounds</a:t>
+            </a:r>
+            <a:r>
+              <a:rPr lang="en-US" sz="1680" dirty="0">
+                <a:solidFill>
+                  <a:srgbClr val="383838"/>
+                </a:solidFill>
+                <a:latin typeface="Noto Sans SC" pitchFamily="34" charset="0"/>
+                <a:ea typeface="Noto Sans SC" pitchFamily="34" charset="-122"/>
+              </a:rPr>
+              <a:t> = 		  50, verbose = 0)</a:t>
+            </a:r>
+          </a:p>
+          <a:p>
+            <a:pPr algn="l">
               <a:lnSpc>
                 <a:spcPct val="150000"/>
               </a:lnSpc>
               <a:buSzPct val="100000"/>
-              <a:buChar char="•"/>
-            </a:pPr>
-            <a:r>
-              <a:rPr lang="en-US" sz="1680" dirty="0">
-                <a:solidFill>
-                  <a:srgbClr val="383838"/>
-                </a:solidFill>
-                <a:latin typeface="Noto Sans SC" pitchFamily="34" charset="0"/>
-                <a:ea typeface="Noto Sans SC" pitchFamily="34" charset="-122"/>
-                <a:cs typeface="Noto Sans SC" pitchFamily="34" charset="-120"/>
-              </a:rPr>
-              <a:t>High Performance: XGBoost has a proven track record of winning numerous machine learning competitions due to its superior performance.</a:t>
-            </a:r>
-            <a:endParaRPr lang="en-US" sz="1680" dirty="0"/>
-          </a:p>
-          <a:p>
-            <a:pPr marL="342900" indent="-342900" algn="l">
+            </a:pPr>
+            <a:endParaRPr lang="en-US" sz="1680" dirty="0">
+              <a:solidFill>
+                <a:srgbClr val="383838"/>
+              </a:solidFill>
+              <a:latin typeface="Noto Sans SC" pitchFamily="34" charset="0"/>
+              <a:ea typeface="Noto Sans SC" pitchFamily="34" charset="-122"/>
+            </a:endParaRPr>
+          </a:p>
+          <a:p>
+            <a:pPr algn="l">
               <a:lnSpc>
                 <a:spcPct val="150000"/>
               </a:lnSpc>
               <a:buSzPct val="100000"/>
-              <a:buChar char="•"/>
-            </a:pPr>
+            </a:pPr>
+            <a:r>
+              <a:rPr lang="en-US" sz="1680" dirty="0" err="1">
+                <a:solidFill>
+                  <a:srgbClr val="383838"/>
+                </a:solidFill>
+                <a:latin typeface="Noto Sans SC" pitchFamily="34" charset="0"/>
+                <a:ea typeface="Noto Sans SC" pitchFamily="34" charset="-122"/>
+              </a:rPr>
+              <a:t>Max_depth</a:t>
+            </a:r>
             <a:r>
               <a:rPr lang="en-US" sz="1680" dirty="0">
                 <a:solidFill>
@@ -6416,30 +5358,8 @@
                 </a:solidFill>
                 <a:latin typeface="Noto Sans SC" pitchFamily="34" charset="0"/>
                 <a:ea typeface="Noto Sans SC" pitchFamily="34" charset="-122"/>
-                <a:cs typeface="Noto Sans SC" pitchFamily="34" charset="-120"/>
-              </a:rPr>
-              <a:t>Flexibility: It supports custom optimization objectives and evaluation criteria, providing flexibility in model development.</a:t>
-            </a:r>
-            <a:endParaRPr lang="en-US" sz="1680" dirty="0"/>
-          </a:p>
-          <a:p>
-            <a:pPr marL="342900" indent="-342900" algn="l">
-              <a:lnSpc>
-                <a:spcPct val="150000"/>
-              </a:lnSpc>
-              <a:buSzPct val="100000"/>
-              <a:buChar char="•"/>
-            </a:pPr>
-            <a:r>
-              <a:rPr lang="en-US" sz="1680" dirty="0">
-                <a:solidFill>
-                  <a:srgbClr val="383838"/>
-                </a:solidFill>
-                <a:latin typeface="Noto Sans SC" pitchFamily="34" charset="0"/>
-                <a:ea typeface="Noto Sans SC" pitchFamily="34" charset="-122"/>
-                <a:cs typeface="Noto Sans SC" pitchFamily="34" charset="-120"/>
-              </a:rPr>
-              <a:t>Cross-Platform Compatibility: XGBoost is compatible with various programming languages, including Python, R, Java, and more, making it accessible to a wide range of users.</a:t>
+              </a:rPr>
+              <a:t> </a:t>
             </a:r>
             <a:endParaRPr lang="en-US" sz="1680" dirty="0"/>
           </a:p>

--- a/scripts/drafts/PRESENTATION.pptx
+++ b/scripts/drafts/PRESENTATION.pptx
@@ -5,7 +5,7 @@
     <p:sldMasterId id="2147483648" r:id="rId1"/>
   </p:sldMasterIdLst>
   <p:notesMasterIdLst>
-    <p:notesMasterId r:id="rId16"/>
+    <p:notesMasterId r:id="rId15"/>
   </p:notesMasterIdLst>
   <p:sldIdLst>
     <p:sldId id="256" r:id="rId2"/>
@@ -20,8 +20,7 @@
     <p:sldId id="264" r:id="rId11"/>
     <p:sldId id="265" r:id="rId12"/>
     <p:sldId id="266" r:id="rId13"/>
-    <p:sldId id="270" r:id="rId14"/>
-    <p:sldId id="275" r:id="rId15"/>
+    <p:sldId id="275" r:id="rId14"/>
   </p:sldIdLst>
   <p:sldSz cx="9144000" cy="5143500" type="screen16x9"/>
   <p:notesSz cx="5143500" cy="9144000"/>
@@ -123,6 +122,142 @@
     </p:ext>
   </p:extLst>
 </p:presentation>
+</file>
+
+<file path=ppt/revisionInfo.xml><?xml version="1.0" encoding="utf-8"?>
+<p1510:revInfo xmlns:a="http://schemas.openxmlformats.org/drawingml/2006/main" xmlns:r="http://schemas.openxmlformats.org/officeDocument/2006/relationships" xmlns:p1510="http://schemas.microsoft.com/office/powerpoint/2015/10/main">
+  <p1510:revLst>
+    <p1510:client id="{8C6C7F99-3EE1-4554-9D3D-FF27E9222130}" v="8" dt="2023-12-05T03:26:26.118"/>
+    <p1510:client id="{F40925C4-C9DA-4C4E-B935-F17EE2C31D52}" v="5" dt="2023-12-05T04:29:29.743"/>
+  </p1510:revLst>
+</p1510:revInfo>
+</file>
+
+<file path=ppt/changesInfos/changesInfo1.xml><?xml version="1.0" encoding="utf-8"?>
+<pc:chgInfo xmlns:a="http://schemas.openxmlformats.org/drawingml/2006/main" xmlns:r="http://schemas.openxmlformats.org/officeDocument/2006/relationships" xmlns:ac="http://schemas.microsoft.com/office/drawing/2013/main/command" xmlns:pc="http://schemas.microsoft.com/office/powerpoint/2013/main/command">
+  <pc:docChgLst>
+    <pc:chgData name="xueyixin2020@163.com" userId="3b2cfe6c01cce2ac" providerId="LiveId" clId="{F40925C4-C9DA-4C4E-B935-F17EE2C31D52}"/>
+    <pc:docChg chg="custSel delSld modSld">
+      <pc:chgData name="xueyixin2020@163.com" userId="3b2cfe6c01cce2ac" providerId="LiveId" clId="{F40925C4-C9DA-4C4E-B935-F17EE2C31D52}" dt="2023-12-05T04:29:29.743" v="916"/>
+      <pc:docMkLst>
+        <pc:docMk/>
+      </pc:docMkLst>
+      <pc:sldChg chg="modSp mod">
+        <pc:chgData name="xueyixin2020@163.com" userId="3b2cfe6c01cce2ac" providerId="LiveId" clId="{F40925C4-C9DA-4C4E-B935-F17EE2C31D52}" dt="2023-12-05T04:27:58.763" v="907" actId="20577"/>
+        <pc:sldMkLst>
+          <pc:docMk/>
+          <pc:sldMk cId="0" sldId="259"/>
+        </pc:sldMkLst>
+        <pc:spChg chg="mod">
+          <ac:chgData name="xueyixin2020@163.com" userId="3b2cfe6c01cce2ac" providerId="LiveId" clId="{F40925C4-C9DA-4C4E-B935-F17EE2C31D52}" dt="2023-12-05T04:27:58.763" v="907" actId="20577"/>
+          <ac:spMkLst>
+            <pc:docMk/>
+            <pc:sldMk cId="0" sldId="259"/>
+            <ac:spMk id="4" creationId="{00000000-0000-0000-0000-000000000000}"/>
+          </ac:spMkLst>
+        </pc:spChg>
+      </pc:sldChg>
+      <pc:sldChg chg="modSp mod">
+        <pc:chgData name="xueyixin2020@163.com" userId="3b2cfe6c01cce2ac" providerId="LiveId" clId="{F40925C4-C9DA-4C4E-B935-F17EE2C31D52}" dt="2023-12-05T03:58:46.805" v="86" actId="20577"/>
+        <pc:sldMkLst>
+          <pc:docMk/>
+          <pc:sldMk cId="0" sldId="261"/>
+        </pc:sldMkLst>
+        <pc:spChg chg="mod">
+          <ac:chgData name="xueyixin2020@163.com" userId="3b2cfe6c01cce2ac" providerId="LiveId" clId="{F40925C4-C9DA-4C4E-B935-F17EE2C31D52}" dt="2023-12-05T03:58:46.805" v="86" actId="20577"/>
+          <ac:spMkLst>
+            <pc:docMk/>
+            <pc:sldMk cId="0" sldId="261"/>
+            <ac:spMk id="4" creationId="{00000000-0000-0000-0000-000000000000}"/>
+          </ac:spMkLst>
+        </pc:spChg>
+      </pc:sldChg>
+      <pc:sldChg chg="modSp mod">
+        <pc:chgData name="xueyixin2020@163.com" userId="3b2cfe6c01cce2ac" providerId="LiveId" clId="{F40925C4-C9DA-4C4E-B935-F17EE2C31D52}" dt="2023-12-05T04:29:21.252" v="914" actId="20577"/>
+        <pc:sldMkLst>
+          <pc:docMk/>
+          <pc:sldMk cId="0" sldId="263"/>
+        </pc:sldMkLst>
+        <pc:spChg chg="mod">
+          <ac:chgData name="xueyixin2020@163.com" userId="3b2cfe6c01cce2ac" providerId="LiveId" clId="{F40925C4-C9DA-4C4E-B935-F17EE2C31D52}" dt="2023-12-05T04:29:21.252" v="914" actId="20577"/>
+          <ac:spMkLst>
+            <pc:docMk/>
+            <pc:sldMk cId="0" sldId="263"/>
+            <ac:spMk id="4" creationId="{00000000-0000-0000-0000-000000000000}"/>
+          </ac:spMkLst>
+        </pc:spChg>
+      </pc:sldChg>
+      <pc:sldChg chg="modSp mod">
+        <pc:chgData name="xueyixin2020@163.com" userId="3b2cfe6c01cce2ac" providerId="LiveId" clId="{F40925C4-C9DA-4C4E-B935-F17EE2C31D52}" dt="2023-12-05T04:29:29.743" v="916"/>
+        <pc:sldMkLst>
+          <pc:docMk/>
+          <pc:sldMk cId="0" sldId="264"/>
+        </pc:sldMkLst>
+        <pc:spChg chg="mod">
+          <ac:chgData name="xueyixin2020@163.com" userId="3b2cfe6c01cce2ac" providerId="LiveId" clId="{F40925C4-C9DA-4C4E-B935-F17EE2C31D52}" dt="2023-12-05T04:05:33.407" v="206" actId="255"/>
+          <ac:spMkLst>
+            <pc:docMk/>
+            <pc:sldMk cId="0" sldId="264"/>
+            <ac:spMk id="3" creationId="{00000000-0000-0000-0000-000000000000}"/>
+          </ac:spMkLst>
+        </pc:spChg>
+        <pc:spChg chg="mod">
+          <ac:chgData name="xueyixin2020@163.com" userId="3b2cfe6c01cce2ac" providerId="LiveId" clId="{F40925C4-C9DA-4C4E-B935-F17EE2C31D52}" dt="2023-12-05T04:29:29.743" v="916"/>
+          <ac:spMkLst>
+            <pc:docMk/>
+            <pc:sldMk cId="0" sldId="264"/>
+            <ac:spMk id="4" creationId="{00000000-0000-0000-0000-000000000000}"/>
+          </ac:spMkLst>
+        </pc:spChg>
+      </pc:sldChg>
+      <pc:sldChg chg="modSp mod">
+        <pc:chgData name="xueyixin2020@163.com" userId="3b2cfe6c01cce2ac" providerId="LiveId" clId="{F40925C4-C9DA-4C4E-B935-F17EE2C31D52}" dt="2023-12-05T04:28:29.660" v="909" actId="20577"/>
+        <pc:sldMkLst>
+          <pc:docMk/>
+          <pc:sldMk cId="0" sldId="265"/>
+        </pc:sldMkLst>
+        <pc:spChg chg="mod">
+          <ac:chgData name="xueyixin2020@163.com" userId="3b2cfe6c01cce2ac" providerId="LiveId" clId="{F40925C4-C9DA-4C4E-B935-F17EE2C31D52}" dt="2023-12-05T04:28:29.660" v="909" actId="20577"/>
+          <ac:spMkLst>
+            <pc:docMk/>
+            <pc:sldMk cId="0" sldId="265"/>
+            <ac:spMk id="3" creationId="{00000000-0000-0000-0000-000000000000}"/>
+          </ac:spMkLst>
+        </pc:spChg>
+      </pc:sldChg>
+      <pc:sldChg chg="modSp mod">
+        <pc:chgData name="xueyixin2020@163.com" userId="3b2cfe6c01cce2ac" providerId="LiveId" clId="{F40925C4-C9DA-4C4E-B935-F17EE2C31D52}" dt="2023-12-05T04:28:47.019" v="912" actId="20577"/>
+        <pc:sldMkLst>
+          <pc:docMk/>
+          <pc:sldMk cId="0" sldId="266"/>
+        </pc:sldMkLst>
+        <pc:spChg chg="mod">
+          <ac:chgData name="xueyixin2020@163.com" userId="3b2cfe6c01cce2ac" providerId="LiveId" clId="{F40925C4-C9DA-4C4E-B935-F17EE2C31D52}" dt="2023-12-05T04:28:47.019" v="912" actId="20577"/>
+          <ac:spMkLst>
+            <pc:docMk/>
+            <pc:sldMk cId="0" sldId="266"/>
+            <ac:spMk id="3" creationId="{00000000-0000-0000-0000-000000000000}"/>
+          </ac:spMkLst>
+        </pc:spChg>
+        <pc:spChg chg="mod">
+          <ac:chgData name="xueyixin2020@163.com" userId="3b2cfe6c01cce2ac" providerId="LiveId" clId="{F40925C4-C9DA-4C4E-B935-F17EE2C31D52}" dt="2023-12-05T04:28:42.663" v="911" actId="5793"/>
+          <ac:spMkLst>
+            <pc:docMk/>
+            <pc:sldMk cId="0" sldId="266"/>
+            <ac:spMk id="4" creationId="{00000000-0000-0000-0000-000000000000}"/>
+          </ac:spMkLst>
+        </pc:spChg>
+      </pc:sldChg>
+      <pc:sldChg chg="del">
+        <pc:chgData name="xueyixin2020@163.com" userId="3b2cfe6c01cce2ac" providerId="LiveId" clId="{F40925C4-C9DA-4C4E-B935-F17EE2C31D52}" dt="2023-12-05T04:22:49.090" v="698" actId="2696"/>
+        <pc:sldMkLst>
+          <pc:docMk/>
+          <pc:sldMk cId="0" sldId="270"/>
+        </pc:sldMkLst>
+      </pc:sldChg>
+    </pc:docChg>
+  </pc:docChgLst>
+</pc:chgInfo>
 </file>
 
 <file path=ppt/notesMasters/notesMaster1.xml><?xml version="1.0" encoding="utf-8"?>
@@ -652,90 +787,6 @@
             <a:fld id="{F7021451-1387-4CA6-816F-3879F97B5CBC}" type="slidenum">
               <a:rPr lang="en-US"/>
               <a:t>13</a:t>
-            </a:fld>
-            <a:endParaRPr lang="en-US"/>
-          </a:p>
-        </p:txBody>
-      </p:sp>
-    </p:spTree>
-    <p:extLst>
-      <p:ext uri="{BB962C8B-B14F-4D97-AF65-F5344CB8AC3E}">
-        <p14:creationId xmlns:p14="http://schemas.microsoft.com/office/powerpoint/2010/main" val="1024086991"/>
-      </p:ext>
-    </p:extLst>
-  </p:cSld>
-  <p:clrMapOvr>
-    <a:masterClrMapping/>
-  </p:clrMapOvr>
-</p:notes>
-</file>
-
-<file path=ppt/notesSlides/notesSlide14.xml><?xml version="1.0" encoding="utf-8"?>
-<p:notes xmlns:a="http://schemas.openxmlformats.org/drawingml/2006/main" xmlns:r="http://schemas.openxmlformats.org/officeDocument/2006/relationships" xmlns:p="http://schemas.openxmlformats.org/presentationml/2006/main">
-  <p:cSld>
-    <p:spTree>
-      <p:nvGrpSpPr>
-        <p:cNvPr id="1" name=""/>
-        <p:cNvGrpSpPr/>
-        <p:nvPr/>
-      </p:nvGrpSpPr>
-      <p:grpSpPr>
-        <a:xfrm>
-          <a:off x="0" y="0"/>
-          <a:ext cx="0" cy="0"/>
-          <a:chOff x="0" y="0"/>
-          <a:chExt cx="0" cy="0"/>
-        </a:xfrm>
-      </p:grpSpPr>
-      <p:sp>
-        <p:nvSpPr>
-          <p:cNvPr id="2" name="Slide Image Placeholder 1"/>
-          <p:cNvSpPr>
-            <a:spLocks noGrp="1" noRot="1" noChangeAspect="1"/>
-          </p:cNvSpPr>
-          <p:nvPr>
-            <p:ph type="sldImg"/>
-          </p:nvPr>
-        </p:nvSpPr>
-        <p:spPr/>
-      </p:sp>
-      <p:sp>
-        <p:nvSpPr>
-          <p:cNvPr id="3" name="Notes Placeholder 2"/>
-          <p:cNvSpPr>
-            <a:spLocks noGrp="1"/>
-          </p:cNvSpPr>
-          <p:nvPr>
-            <p:ph type="body" idx="1"/>
-          </p:nvPr>
-        </p:nvSpPr>
-        <p:spPr/>
-        <p:txBody>
-          <a:bodyPr/>
-          <a:lstStyle/>
-          <a:p>
-            <a:endParaRPr lang="en-US" dirty="0"/>
-          </a:p>
-        </p:txBody>
-      </p:sp>
-      <p:sp>
-        <p:nvSpPr>
-          <p:cNvPr id="4" name="Slide Number Placeholder 3"/>
-          <p:cNvSpPr>
-            <a:spLocks noGrp="1"/>
-          </p:cNvSpPr>
-          <p:nvPr>
-            <p:ph type="sldNum" sz="quarter" idx="10"/>
-          </p:nvPr>
-        </p:nvSpPr>
-        <p:spPr/>
-        <p:txBody>
-          <a:bodyPr/>
-          <a:lstStyle/>
-          <a:p>
-            <a:fld id="{F7021451-1387-4CA6-816F-3879F97B5CBC}" type="slidenum">
-              <a:rPr lang="en-US"/>
-              <a:t>14</a:t>
             </a:fld>
             <a:endParaRPr lang="en-US"/>
           </a:p>
@@ -2253,7 +2304,7 @@
               <a:buNone/>
             </a:pPr>
             <a:r>
-              <a:rPr lang="en-US" sz="1225" b="1" dirty="0">
+              <a:rPr lang="en-US" sz="2630" b="1" dirty="0" err="1">
                 <a:solidFill>
                   <a:srgbClr val="002A85"/>
                 </a:solidFill>
@@ -2261,9 +2312,20 @@
                 <a:ea typeface="Noto Sans SC" pitchFamily="34" charset="-122"/>
                 <a:cs typeface="Noto Sans SC" pitchFamily="34" charset="-120"/>
               </a:rPr>
-              <a:t>XGBoost offers several advantages that make it a preferred choice for machine learning enthusiasts and practitioners. These advantages include:</a:t>
-            </a:r>
-            <a:endParaRPr lang="en-US" sz="1225" dirty="0"/>
+              <a:t>XGBoost</a:t>
+            </a:r>
+            <a:r>
+              <a:rPr lang="en-US" sz="2680" b="1" dirty="0">
+                <a:solidFill>
+                  <a:srgbClr val="002A85"/>
+                </a:solidFill>
+                <a:latin typeface="Noto Sans SC" pitchFamily="34" charset="0"/>
+                <a:ea typeface="Noto Sans SC" pitchFamily="34" charset="-122"/>
+                <a:cs typeface="Noto Sans SC" pitchFamily="34" charset="-120"/>
+              </a:rPr>
+              <a:t> in R</a:t>
+            </a:r>
+            <a:endParaRPr lang="en-US" sz="2680" dirty="0"/>
           </a:p>
         </p:txBody>
       </p:sp>
@@ -2275,8 +2337,8 @@
         </p:nvSpPr>
         <p:spPr>
           <a:xfrm>
-            <a:off x="762000" y="1304925"/>
-            <a:ext cx="7715250" cy="3452813"/>
+            <a:off x="762000" y="589093"/>
+            <a:ext cx="7715250" cy="4010878"/>
           </a:xfrm>
           <a:prstGeom prst="rect">
             <a:avLst/>
@@ -2288,12 +2350,11 @@
           <a:bodyPr wrap="square" rtlCol="0" anchor="t"/>
           <a:lstStyle/>
           <a:p>
-            <a:pPr marL="342900" indent="-342900" algn="l">
+            <a:pPr algn="l">
               <a:lnSpc>
                 <a:spcPct val="150000"/>
               </a:lnSpc>
               <a:buSzPct val="100000"/>
-              <a:buChar char="•"/>
             </a:pPr>
             <a:r>
               <a:rPr lang="en-US" sz="1680" dirty="0">
@@ -2302,19 +2363,56 @@
                 </a:solidFill>
                 <a:latin typeface="Noto Sans SC" pitchFamily="34" charset="0"/>
                 <a:ea typeface="Noto Sans SC" pitchFamily="34" charset="-122"/>
-                <a:cs typeface="Noto Sans SC" pitchFamily="34" charset="-120"/>
-              </a:rPr>
-              <a:t>High Performance: XGBoost has a proven track record of winning numerous machine learning competitions due to its superior performance.</a:t>
-            </a:r>
-            <a:endParaRPr lang="en-US" sz="1680" dirty="0"/>
-          </a:p>
-          <a:p>
-            <a:pPr marL="342900" indent="-342900" algn="l">
+              </a:rPr>
+              <a:t>watchlist = list(train=</a:t>
+            </a:r>
+            <a:r>
+              <a:rPr lang="en-US" sz="1680" dirty="0" err="1">
+                <a:solidFill>
+                  <a:srgbClr val="383838"/>
+                </a:solidFill>
+                <a:latin typeface="Noto Sans SC" pitchFamily="34" charset="0"/>
+                <a:ea typeface="Noto Sans SC" pitchFamily="34" charset="-122"/>
+              </a:rPr>
+              <a:t>dtrain</a:t>
+            </a:r>
+            <a:r>
+              <a:rPr lang="en-US" sz="1680" dirty="0">
+                <a:solidFill>
+                  <a:srgbClr val="383838"/>
+                </a:solidFill>
+                <a:latin typeface="Noto Sans SC" pitchFamily="34" charset="0"/>
+                <a:ea typeface="Noto Sans SC" pitchFamily="34" charset="-122"/>
+              </a:rPr>
+              <a:t>, validation=</a:t>
+            </a:r>
+            <a:r>
+              <a:rPr lang="en-US" sz="1680" dirty="0" err="1">
+                <a:solidFill>
+                  <a:srgbClr val="383838"/>
+                </a:solidFill>
+                <a:latin typeface="Noto Sans SC" pitchFamily="34" charset="0"/>
+                <a:ea typeface="Noto Sans SC" pitchFamily="34" charset="-122"/>
+              </a:rPr>
+              <a:t>dval</a:t>
+            </a:r>
+            <a:r>
+              <a:rPr lang="en-US" sz="1680" dirty="0">
+                <a:solidFill>
+                  <a:srgbClr val="383838"/>
+                </a:solidFill>
+                <a:latin typeface="Noto Sans SC" pitchFamily="34" charset="0"/>
+                <a:ea typeface="Noto Sans SC" pitchFamily="34" charset="-122"/>
+              </a:rPr>
+              <a:t>)</a:t>
+            </a:r>
+          </a:p>
+          <a:p>
+            <a:pPr algn="l">
               <a:lnSpc>
                 <a:spcPct val="150000"/>
               </a:lnSpc>
               <a:buSzPct val="100000"/>
-              <a:buChar char="•"/>
             </a:pPr>
             <a:r>
               <a:rPr lang="en-US" sz="1680" dirty="0">
@@ -2323,20 +2421,196 @@
                 </a:solidFill>
                 <a:latin typeface="Noto Sans SC" pitchFamily="34" charset="0"/>
                 <a:ea typeface="Noto Sans SC" pitchFamily="34" charset="-122"/>
-                <a:cs typeface="Noto Sans SC" pitchFamily="34" charset="-120"/>
-              </a:rPr>
-              <a:t>Flexibility: It supports custom optimization objectives and evaluation criteria, providing flexibility in model development.</a:t>
-            </a:r>
-            <a:endParaRPr lang="en-US" sz="1680" dirty="0"/>
-          </a:p>
-          <a:p>
-            <a:pPr marL="342900" indent="-342900" algn="l">
+              </a:rPr>
+              <a:t>model &lt;- </a:t>
+            </a:r>
+            <a:r>
+              <a:rPr lang="en-US" sz="1680" dirty="0" err="1">
+                <a:solidFill>
+                  <a:srgbClr val="383838"/>
+                </a:solidFill>
+                <a:latin typeface="Noto Sans SC" pitchFamily="34" charset="0"/>
+                <a:ea typeface="Noto Sans SC" pitchFamily="34" charset="-122"/>
+              </a:rPr>
+              <a:t>xgb.train</a:t>
+            </a:r>
+            <a:r>
+              <a:rPr lang="en-US" sz="1680" dirty="0">
+                <a:solidFill>
+                  <a:srgbClr val="383838"/>
+                </a:solidFill>
+                <a:latin typeface="Noto Sans SC" pitchFamily="34" charset="0"/>
+                <a:ea typeface="Noto Sans SC" pitchFamily="34" charset="-122"/>
+              </a:rPr>
+              <a:t>(data = </a:t>
+            </a:r>
+            <a:r>
+              <a:rPr lang="en-US" sz="1680" dirty="0" err="1">
+                <a:solidFill>
+                  <a:srgbClr val="383838"/>
+                </a:solidFill>
+                <a:latin typeface="Noto Sans SC" pitchFamily="34" charset="0"/>
+                <a:ea typeface="Noto Sans SC" pitchFamily="34" charset="-122"/>
+              </a:rPr>
+              <a:t>dtrain</a:t>
+            </a:r>
+            <a:r>
+              <a:rPr lang="en-US" sz="1680" dirty="0">
+                <a:solidFill>
+                  <a:srgbClr val="383838"/>
+                </a:solidFill>
+                <a:latin typeface="Noto Sans SC" pitchFamily="34" charset="0"/>
+                <a:ea typeface="Noto Sans SC" pitchFamily="34" charset="-122"/>
+              </a:rPr>
+              <a:t>, </a:t>
+            </a:r>
+            <a:r>
+              <a:rPr lang="en-US" sz="1680" dirty="0" err="1">
+                <a:solidFill>
+                  <a:srgbClr val="383838"/>
+                </a:solidFill>
+                <a:latin typeface="Noto Sans SC" pitchFamily="34" charset="0"/>
+                <a:ea typeface="Noto Sans SC" pitchFamily="34" charset="-122"/>
+              </a:rPr>
+              <a:t>max_depth</a:t>
+            </a:r>
+            <a:r>
+              <a:rPr lang="en-US" sz="1680" dirty="0">
+                <a:solidFill>
+                  <a:srgbClr val="383838"/>
+                </a:solidFill>
+                <a:latin typeface="Noto Sans SC" pitchFamily="34" charset="0"/>
+                <a:ea typeface="Noto Sans SC" pitchFamily="34" charset="-122"/>
+              </a:rPr>
+              <a:t> = 3, objective = “</a:t>
+            </a:r>
+            <a:r>
+              <a:rPr lang="en-US" sz="1680" dirty="0" err="1">
+                <a:solidFill>
+                  <a:srgbClr val="383838"/>
+                </a:solidFill>
+                <a:latin typeface="Noto Sans SC" pitchFamily="34" charset="0"/>
+                <a:ea typeface="Noto Sans SC" pitchFamily="34" charset="-122"/>
+              </a:rPr>
+              <a:t>binary:logistic</a:t>
+            </a:r>
+            <a:r>
+              <a:rPr lang="en-US" sz="1680" dirty="0">
+                <a:solidFill>
+                  <a:srgbClr val="383838"/>
+                </a:solidFill>
+                <a:latin typeface="Noto Sans SC" pitchFamily="34" charset="0"/>
+                <a:ea typeface="Noto Sans SC" pitchFamily="34" charset="-122"/>
+              </a:rPr>
+              <a:t>”, 			  eta = 0.3, </a:t>
+            </a:r>
+            <a:r>
+              <a:rPr lang="en-US" sz="1680" dirty="0" err="1">
+                <a:solidFill>
+                  <a:srgbClr val="383838"/>
+                </a:solidFill>
+                <a:latin typeface="Noto Sans SC" pitchFamily="34" charset="0"/>
+                <a:ea typeface="Noto Sans SC" pitchFamily="34" charset="-122"/>
+              </a:rPr>
+              <a:t>nrounds</a:t>
+            </a:r>
+            <a:r>
+              <a:rPr lang="en-US" sz="1680" dirty="0">
+                <a:solidFill>
+                  <a:srgbClr val="383838"/>
+                </a:solidFill>
+                <a:latin typeface="Noto Sans SC" pitchFamily="34" charset="0"/>
+                <a:ea typeface="Noto Sans SC" pitchFamily="34" charset="-122"/>
+              </a:rPr>
+              <a:t> = 100, </a:t>
+            </a:r>
+            <a:r>
+              <a:rPr lang="en-US" sz="1680" dirty="0" err="1">
+                <a:solidFill>
+                  <a:srgbClr val="383838"/>
+                </a:solidFill>
+                <a:latin typeface="Noto Sans SC" pitchFamily="34" charset="0"/>
+                <a:ea typeface="Noto Sans SC" pitchFamily="34" charset="-122"/>
+              </a:rPr>
+              <a:t>nthread</a:t>
+            </a:r>
+            <a:r>
+              <a:rPr lang="en-US" sz="1680" dirty="0">
+                <a:solidFill>
+                  <a:srgbClr val="383838"/>
+                </a:solidFill>
+                <a:latin typeface="Noto Sans SC" pitchFamily="34" charset="0"/>
+                <a:ea typeface="Noto Sans SC" pitchFamily="34" charset="-122"/>
+              </a:rPr>
+              <a:t> = 2, </a:t>
+            </a:r>
+            <a:r>
+              <a:rPr lang="en-US" sz="1680" dirty="0" err="1">
+                <a:solidFill>
+                  <a:srgbClr val="383838"/>
+                </a:solidFill>
+                <a:latin typeface="Noto Sans SC" pitchFamily="34" charset="0"/>
+                <a:ea typeface="Noto Sans SC" pitchFamily="34" charset="-122"/>
+              </a:rPr>
+              <a:t>early_stopping_rounds</a:t>
+            </a:r>
+            <a:r>
+              <a:rPr lang="en-US" sz="1680" dirty="0">
+                <a:solidFill>
+                  <a:srgbClr val="383838"/>
+                </a:solidFill>
+                <a:latin typeface="Noto Sans SC" pitchFamily="34" charset="0"/>
+                <a:ea typeface="Noto Sans SC" pitchFamily="34" charset="-122"/>
+              </a:rPr>
+              <a:t> = 		  50, verbose = 0, watchlist = watchlist)</a:t>
+            </a:r>
+          </a:p>
+          <a:p>
+            <a:pPr marL="285750" indent="-285750" algn="l">
               <a:lnSpc>
                 <a:spcPct val="150000"/>
               </a:lnSpc>
               <a:buSzPct val="100000"/>
+              <a:buFont typeface="Arial" panose="020B0604020202020204" pitchFamily="34" charset="0"/>
               <a:buChar char="•"/>
             </a:pPr>
+            <a:endParaRPr lang="en-US" sz="1680" dirty="0">
+              <a:solidFill>
+                <a:srgbClr val="383838"/>
+              </a:solidFill>
+              <a:latin typeface="Noto Sans SC" pitchFamily="34" charset="0"/>
+              <a:ea typeface="Noto Sans SC" pitchFamily="34" charset="-122"/>
+            </a:endParaRPr>
+          </a:p>
+          <a:p>
+            <a:pPr marL="285750" indent="-285750" algn="l">
+              <a:lnSpc>
+                <a:spcPct val="150000"/>
+              </a:lnSpc>
+              <a:buSzPct val="100000"/>
+              <a:buFont typeface="Arial" panose="020B0604020202020204" pitchFamily="34" charset="0"/>
+              <a:buChar char="•"/>
+            </a:pPr>
+            <a:r>
+              <a:rPr lang="en-US" altLang="zh-CN" sz="1680" dirty="0" err="1">
+                <a:solidFill>
+                  <a:srgbClr val="383838"/>
+                </a:solidFill>
+                <a:latin typeface="Noto Sans SC" pitchFamily="34" charset="0"/>
+                <a:ea typeface="Noto Sans SC" pitchFamily="34" charset="-122"/>
+              </a:rPr>
+              <a:t>m</a:t>
+            </a:r>
+            <a:r>
+              <a:rPr lang="en-US" sz="1680" dirty="0" err="1">
+                <a:solidFill>
+                  <a:srgbClr val="383838"/>
+                </a:solidFill>
+                <a:latin typeface="Noto Sans SC" pitchFamily="34" charset="0"/>
+                <a:ea typeface="Noto Sans SC" pitchFamily="34" charset="-122"/>
+              </a:rPr>
+              <a:t>ax_depth</a:t>
+            </a:r>
             <a:r>
               <a:rPr lang="en-US" sz="1680" dirty="0">
                 <a:solidFill>
@@ -2344,10 +2618,168 @@
                 </a:solidFill>
                 <a:latin typeface="Noto Sans SC" pitchFamily="34" charset="0"/>
                 <a:ea typeface="Noto Sans SC" pitchFamily="34" charset="-122"/>
-                <a:cs typeface="Noto Sans SC" pitchFamily="34" charset="-120"/>
-              </a:rPr>
-              <a:t>Cross-Platform Compatibility: XGBoost is compatible with various programming languages, including Python, R, Java, and more, making it accessible to a wide range of users.</a:t>
-            </a:r>
+              </a:rPr>
+              <a:t>: depth of each decision tree</a:t>
+            </a:r>
+          </a:p>
+          <a:p>
+            <a:pPr marL="285750" indent="-285750" algn="l">
+              <a:lnSpc>
+                <a:spcPct val="150000"/>
+              </a:lnSpc>
+              <a:buSzPct val="100000"/>
+              <a:buFont typeface="Arial" panose="020B0604020202020204" pitchFamily="34" charset="0"/>
+              <a:buChar char="•"/>
+            </a:pPr>
+            <a:r>
+              <a:rPr lang="en-US" sz="1680" dirty="0" err="1">
+                <a:solidFill>
+                  <a:srgbClr val="383838"/>
+                </a:solidFill>
+                <a:latin typeface="Noto Sans SC" pitchFamily="34" charset="0"/>
+                <a:ea typeface="Noto Sans SC" pitchFamily="34" charset="-122"/>
+              </a:rPr>
+              <a:t>nrounds</a:t>
+            </a:r>
+            <a:r>
+              <a:rPr lang="en-US" sz="1680" dirty="0">
+                <a:solidFill>
+                  <a:srgbClr val="383838"/>
+                </a:solidFill>
+                <a:latin typeface="Noto Sans SC" pitchFamily="34" charset="0"/>
+                <a:ea typeface="Noto Sans SC" pitchFamily="34" charset="-122"/>
+              </a:rPr>
+              <a:t>: max number of trees built</a:t>
+            </a:r>
+          </a:p>
+          <a:p>
+            <a:pPr marL="285750" indent="-285750" algn="l">
+              <a:lnSpc>
+                <a:spcPct val="150000"/>
+              </a:lnSpc>
+              <a:buSzPct val="100000"/>
+              <a:buFont typeface="Arial" panose="020B0604020202020204" pitchFamily="34" charset="0"/>
+              <a:buChar char="•"/>
+            </a:pPr>
+            <a:r>
+              <a:rPr lang="en-US" sz="1680" dirty="0">
+                <a:solidFill>
+                  <a:srgbClr val="383838"/>
+                </a:solidFill>
+                <a:latin typeface="Noto Sans SC" pitchFamily="34" charset="0"/>
+                <a:ea typeface="Noto Sans SC" pitchFamily="34" charset="-122"/>
+              </a:rPr>
+              <a:t>eta: learning rate used to control the weight of each tree, default 0.3</a:t>
+            </a:r>
+          </a:p>
+          <a:p>
+            <a:pPr marL="285750" indent="-285750" algn="l">
+              <a:lnSpc>
+                <a:spcPct val="150000"/>
+              </a:lnSpc>
+              <a:buSzPct val="100000"/>
+              <a:buFont typeface="Arial" panose="020B0604020202020204" pitchFamily="34" charset="0"/>
+              <a:buChar char="•"/>
+            </a:pPr>
+            <a:r>
+              <a:rPr lang="en-US" sz="1680" dirty="0">
+                <a:solidFill>
+                  <a:srgbClr val="383838"/>
+                </a:solidFill>
+                <a:latin typeface="Noto Sans SC" pitchFamily="34" charset="0"/>
+                <a:ea typeface="Noto Sans SC" pitchFamily="34" charset="-122"/>
+              </a:rPr>
+              <a:t>use watchlist to monitor model performance on validation dataset in each round</a:t>
+            </a:r>
+          </a:p>
+          <a:p>
+            <a:pPr marL="285750" indent="-285750" algn="l">
+              <a:lnSpc>
+                <a:spcPct val="150000"/>
+              </a:lnSpc>
+              <a:buSzPct val="100000"/>
+              <a:buFont typeface="Arial" panose="020B0604020202020204" pitchFamily="34" charset="0"/>
+              <a:buChar char="•"/>
+            </a:pPr>
+            <a:r>
+              <a:rPr lang="en-US" altLang="zh-CN" sz="1680" dirty="0" err="1">
+                <a:solidFill>
+                  <a:srgbClr val="383838"/>
+                </a:solidFill>
+                <a:latin typeface="Noto Sans SC" pitchFamily="34" charset="0"/>
+                <a:ea typeface="Noto Sans SC" pitchFamily="34" charset="-122"/>
+              </a:rPr>
+              <a:t>early_stopping_rounds</a:t>
+            </a:r>
+            <a:r>
+              <a:rPr lang="en-US" altLang="zh-CN" sz="1680" dirty="0">
+                <a:solidFill>
+                  <a:srgbClr val="383838"/>
+                </a:solidFill>
+                <a:latin typeface="Noto Sans SC" pitchFamily="34" charset="0"/>
+                <a:ea typeface="Noto Sans SC" pitchFamily="34" charset="-122"/>
+              </a:rPr>
+              <a:t> = 10 means that if the model’s performance on </a:t>
+            </a:r>
+            <a:r>
+              <a:rPr lang="en-US" altLang="zh-CN" sz="1680" dirty="0" err="1">
+                <a:solidFill>
+                  <a:srgbClr val="383838"/>
+                </a:solidFill>
+                <a:latin typeface="Noto Sans SC" pitchFamily="34" charset="0"/>
+                <a:ea typeface="Noto Sans SC" pitchFamily="34" charset="-122"/>
+              </a:rPr>
+              <a:t>validset</a:t>
+            </a:r>
+            <a:r>
+              <a:rPr lang="en-US" altLang="zh-CN" sz="1680" dirty="0">
+                <a:solidFill>
+                  <a:srgbClr val="383838"/>
+                </a:solidFill>
+                <a:latin typeface="Noto Sans SC" pitchFamily="34" charset="0"/>
+                <a:ea typeface="Noto Sans SC" pitchFamily="34" charset="-122"/>
+              </a:rPr>
+              <a:t> doesn’t decrease for 10 rounds, stop training</a:t>
+            </a:r>
+            <a:endParaRPr lang="en-US" sz="1680" dirty="0">
+              <a:solidFill>
+                <a:srgbClr val="383838"/>
+              </a:solidFill>
+              <a:latin typeface="Noto Sans SC" pitchFamily="34" charset="0"/>
+              <a:ea typeface="Noto Sans SC" pitchFamily="34" charset="-122"/>
+            </a:endParaRPr>
+          </a:p>
+          <a:p>
+            <a:pPr algn="l">
+              <a:lnSpc>
+                <a:spcPct val="150000"/>
+              </a:lnSpc>
+              <a:buSzPct val="100000"/>
+            </a:pPr>
+            <a:endParaRPr lang="en-US" sz="1680" dirty="0">
+              <a:solidFill>
+                <a:srgbClr val="383838"/>
+              </a:solidFill>
+              <a:latin typeface="Noto Sans SC" pitchFamily="34" charset="0"/>
+              <a:ea typeface="Noto Sans SC" pitchFamily="34" charset="-122"/>
+            </a:endParaRPr>
+          </a:p>
+          <a:p>
+            <a:pPr algn="l">
+              <a:lnSpc>
+                <a:spcPct val="150000"/>
+              </a:lnSpc>
+              <a:buSzPct val="100000"/>
+            </a:pPr>
+            <a:endParaRPr lang="en-US" sz="1680" dirty="0"/>
+          </a:p>
+          <a:p>
+            <a:pPr algn="l">
+              <a:lnSpc>
+                <a:spcPct val="150000"/>
+              </a:lnSpc>
+              <a:buSzPct val="100000"/>
+            </a:pPr>
             <a:endParaRPr lang="en-US" sz="1680" dirty="0"/>
           </a:p>
         </p:txBody>
@@ -2440,17 +2872,6 @@
             <a:pPr marL="0" indent="0">
               <a:buNone/>
             </a:pPr>
-            <a:r>
-              <a:rPr lang="en-US" sz="2415" b="1" dirty="0">
-                <a:solidFill>
-                  <a:srgbClr val="002A85"/>
-                </a:solidFill>
-                <a:latin typeface="Noto Sans SC" pitchFamily="34" charset="0"/>
-                <a:ea typeface="Noto Sans SC" pitchFamily="34" charset="-122"/>
-                <a:cs typeface="Noto Sans SC" pitchFamily="34" charset="-120"/>
-              </a:rPr>
-              <a:t>Card Transaction Fraud Dataset Introduction</a:t>
-            </a:r>
             <a:endParaRPr lang="en-US" sz="2415" dirty="0"/>
           </a:p>
         </p:txBody>
@@ -2533,7 +2954,7 @@
                 <a:ea typeface="Noto Sans SC" pitchFamily="34" charset="-122"/>
                 <a:cs typeface="Noto Sans SC" pitchFamily="34" charset="-120"/>
               </a:rPr>
-              <a:t>Card Transaction Fraud Dataset Introduction</a:t>
+              <a:t>Card</a:t>
             </a:r>
             <a:endParaRPr lang="en-US" sz="2625" dirty="0"/>
           </a:p>
@@ -2560,66 +2981,12 @@
           <a:bodyPr wrap="square" rtlCol="0" anchor="t"/>
           <a:lstStyle/>
           <a:p>
-            <a:pPr marL="342900" indent="-342900" algn="l">
+            <a:pPr algn="l">
               <a:lnSpc>
                 <a:spcPct val="150000"/>
               </a:lnSpc>
               <a:buSzPct val="100000"/>
-              <a:buChar char="•"/>
-            </a:pPr>
-            <a:r>
-              <a:rPr lang="en-US" sz="1680" dirty="0">
-                <a:solidFill>
-                  <a:srgbClr val="383838"/>
-                </a:solidFill>
-                <a:latin typeface="Noto Sans SC" pitchFamily="34" charset="0"/>
-                <a:ea typeface="Noto Sans SC" pitchFamily="34" charset="-122"/>
-                <a:cs typeface="Noto Sans SC" pitchFamily="34" charset="-120"/>
-              </a:rPr>
-              <a:t>Understanding Card Transaction Fraud</a:t>
-            </a:r>
-            <a:endParaRPr lang="en-US" sz="1680" dirty="0"/>
-          </a:p>
-          <a:p>
-            <a:pPr marL="342900" indent="-342900" algn="l">
-              <a:lnSpc>
-                <a:spcPct val="150000"/>
-              </a:lnSpc>
-              <a:buSzPct val="100000"/>
-              <a:buChar char="•"/>
-            </a:pPr>
-            <a:r>
-              <a:rPr lang="en-US" sz="1680" dirty="0">
-                <a:solidFill>
-                  <a:srgbClr val="383838"/>
-                </a:solidFill>
-                <a:latin typeface="Noto Sans SC" pitchFamily="34" charset="0"/>
-                <a:ea typeface="Noto Sans SC" pitchFamily="34" charset="-122"/>
-                <a:cs typeface="Noto Sans SC" pitchFamily="34" charset="-120"/>
-              </a:rPr>
-              <a:t>Importance of Fraud Detection</a:t>
-            </a:r>
-            <a:endParaRPr lang="en-US" sz="1680" dirty="0"/>
-          </a:p>
-          <a:p>
-            <a:pPr marL="342900" indent="-342900" algn="l">
-              <a:lnSpc>
-                <a:spcPct val="150000"/>
-              </a:lnSpc>
-              <a:buSzPct val="100000"/>
-              <a:buChar char="•"/>
-            </a:pPr>
-            <a:r>
-              <a:rPr lang="en-US" sz="1680" dirty="0">
-                <a:solidFill>
-                  <a:srgbClr val="383838"/>
-                </a:solidFill>
-                <a:latin typeface="Noto Sans SC" pitchFamily="34" charset="0"/>
-                <a:ea typeface="Noto Sans SC" pitchFamily="34" charset="-122"/>
-                <a:cs typeface="Noto Sans SC" pitchFamily="34" charset="-120"/>
-              </a:rPr>
-              <a:t>Characteristics of Fraudulent Transactions</a:t>
-            </a:r>
+            </a:pPr>
             <a:endParaRPr lang="en-US" sz="1680" dirty="0"/>
           </a:p>
         </p:txBody>
@@ -2633,109 +3000,6 @@
 </file>
 
 <file path=ppt/slides/slide13.xml><?xml version="1.0" encoding="utf-8"?>
-<p:sld xmlns:a="http://schemas.openxmlformats.org/drawingml/2006/main" xmlns:r="http://schemas.openxmlformats.org/officeDocument/2006/relationships" xmlns:p="http://schemas.openxmlformats.org/presentationml/2006/main">
-  <p:cSld name="Slide 15">
-    <p:spTree>
-      <p:nvGrpSpPr>
-        <p:cNvPr id="1" name=""/>
-        <p:cNvGrpSpPr/>
-        <p:nvPr/>
-      </p:nvGrpSpPr>
-      <p:grpSpPr>
-        <a:xfrm>
-          <a:off x="0" y="0"/>
-          <a:ext cx="0" cy="0"/>
-          <a:chOff x="0" y="0"/>
-          <a:chExt cx="0" cy="0"/>
-        </a:xfrm>
-      </p:grpSpPr>
-      <p:sp>
-        <p:nvSpPr>
-          <p:cNvPr id="2" name="Text 0"/>
-          <p:cNvSpPr/>
-          <p:nvPr/>
-        </p:nvSpPr>
-        <p:spPr>
-          <a:xfrm>
-            <a:off x="3571875" y="1038225"/>
-            <a:ext cx="1452563" cy="1243013"/>
-          </a:xfrm>
-          <a:prstGeom prst="rect">
-            <a:avLst/>
-          </a:prstGeom>
-          <a:noFill/>
-          <a:ln/>
-        </p:spPr>
-        <p:txBody>
-          <a:bodyPr wrap="square" rtlCol="0" anchor="t"/>
-          <a:lstStyle/>
-          <a:p>
-            <a:pPr marL="0" indent="0" algn="ctr">
-              <a:buNone/>
-            </a:pPr>
-            <a:r>
-              <a:rPr lang="en-US" sz="6300" b="1" dirty="0">
-                <a:solidFill>
-                  <a:srgbClr val="002A85"/>
-                </a:solidFill>
-                <a:latin typeface="Noto Sans SC" pitchFamily="34" charset="0"/>
-                <a:ea typeface="Noto Sans SC" pitchFamily="34" charset="-122"/>
-                <a:cs typeface="Noto Sans SC" pitchFamily="34" charset="-120"/>
-              </a:rPr>
-              <a:t>03</a:t>
-            </a:r>
-            <a:endParaRPr lang="en-US" sz="6300" dirty="0"/>
-          </a:p>
-        </p:txBody>
-      </p:sp>
-      <p:sp>
-        <p:nvSpPr>
-          <p:cNvPr id="3" name="Text 1"/>
-          <p:cNvSpPr/>
-          <p:nvPr/>
-        </p:nvSpPr>
-        <p:spPr>
-          <a:xfrm>
-            <a:off x="3790950" y="2281238"/>
-            <a:ext cx="3963353" cy="1509713"/>
-          </a:xfrm>
-          <a:prstGeom prst="rect">
-            <a:avLst/>
-          </a:prstGeom>
-          <a:noFill/>
-          <a:ln/>
-        </p:spPr>
-        <p:txBody>
-          <a:bodyPr wrap="square" rtlCol="0" anchor="t"/>
-          <a:lstStyle/>
-          <a:p>
-            <a:pPr marL="0" indent="0">
-              <a:buNone/>
-            </a:pPr>
-            <a:r>
-              <a:rPr lang="en-US" sz="2415" b="1" dirty="0">
-                <a:solidFill>
-                  <a:srgbClr val="002A85"/>
-                </a:solidFill>
-                <a:latin typeface="Noto Sans SC" pitchFamily="34" charset="0"/>
-                <a:ea typeface="Noto Sans SC" pitchFamily="34" charset="-122"/>
-                <a:cs typeface="Noto Sans SC" pitchFamily="34" charset="-120"/>
-              </a:rPr>
-              <a:t>Enhanced Fraud Detection using XGBoost</a:t>
-            </a:r>
-            <a:endParaRPr lang="en-US" sz="2415" dirty="0"/>
-          </a:p>
-        </p:txBody>
-      </p:sp>
-    </p:spTree>
-  </p:cSld>
-  <p:clrMapOvr>
-    <a:masterClrMapping/>
-  </p:clrMapOvr>
-</p:sld>
-</file>
-
-<file path=ppt/slides/slide14.xml><?xml version="1.0" encoding="utf-8"?>
 <p:sld xmlns:a="http://schemas.openxmlformats.org/drawingml/2006/main" xmlns:r="http://schemas.openxmlformats.org/officeDocument/2006/relationships" xmlns:p="http://schemas.openxmlformats.org/presentationml/2006/main">
   <p:cSld name="Slide 20">
     <p:spTree>
@@ -3198,12 +3462,71 @@
           <a:bodyPr wrap="square" rtlCol="0" anchor="t"/>
           <a:lstStyle/>
           <a:p>
-            <a:pPr>
+            <a:pPr marL="285750" indent="-285750">
               <a:lnSpc>
                 <a:spcPct val="150000"/>
               </a:lnSpc>
               <a:buSzPct val="100000"/>
-            </a:pPr>
+              <a:buFont typeface="Arial" panose="020B0604020202020204" pitchFamily="34" charset="0"/>
+              <a:buChar char="•"/>
+            </a:pPr>
+            <a:r>
+              <a:rPr lang="en-US" sz="1680" dirty="0">
+                <a:solidFill>
+                  <a:srgbClr val="383838"/>
+                </a:solidFill>
+                <a:latin typeface="Noto Sans SC" pitchFamily="34" charset="0"/>
+                <a:ea typeface="Noto Sans SC" pitchFamily="34" charset="-122"/>
+              </a:rPr>
+              <a:t>Simulated credit card transaction fraud data on Kaggle  </a:t>
+            </a:r>
+          </a:p>
+          <a:p>
+            <a:pPr marL="285750" indent="-285750">
+              <a:lnSpc>
+                <a:spcPct val="150000"/>
+              </a:lnSpc>
+              <a:buSzPct val="100000"/>
+              <a:buFont typeface="Arial" panose="020B0604020202020204" pitchFamily="34" charset="0"/>
+              <a:buChar char="•"/>
+            </a:pPr>
+            <a:r>
+              <a:rPr lang="en-US" sz="1600" dirty="0">
+                <a:hlinkClick r:id="rId3"/>
+              </a:rPr>
+              <a:t>Credit Card Fraud (kaggle.com)</a:t>
+            </a:r>
+            <a:endParaRPr lang="en-US" sz="1600" dirty="0"/>
+          </a:p>
+          <a:p>
+            <a:pPr marL="285750" indent="-285750">
+              <a:lnSpc>
+                <a:spcPct val="150000"/>
+              </a:lnSpc>
+              <a:buSzPct val="100000"/>
+              <a:buFont typeface="Arial" panose="020B0604020202020204" pitchFamily="34" charset="0"/>
+              <a:buChar char="•"/>
+            </a:pPr>
+            <a:r>
+              <a:rPr lang="en-US" sz="1680" dirty="0">
+                <a:solidFill>
+                  <a:srgbClr val="383838"/>
+                </a:solidFill>
+                <a:latin typeface="Noto Sans SC" pitchFamily="34" charset="0"/>
+                <a:ea typeface="Noto Sans SC" pitchFamily="34" charset="-122"/>
+              </a:rPr>
+              <a:t>Binary classification problem</a:t>
+            </a:r>
+            <a:r>
+              <a:rPr lang="en-US" sz="1600" dirty="0">
+                <a:solidFill>
+                  <a:srgbClr val="383838"/>
+                </a:solidFill>
+                <a:latin typeface="Noto Sans SC" pitchFamily="34" charset="0"/>
+                <a:ea typeface="Noto Sans SC" pitchFamily="34" charset="-122"/>
+              </a:rPr>
+              <a:t>, each transaction is either fraudulent or not.</a:t>
+            </a:r>
             <a:endParaRPr lang="en-US" sz="1680" dirty="0">
               <a:solidFill>
                 <a:srgbClr val="383838"/>
@@ -3213,21 +3536,6 @@
             </a:endParaRPr>
           </a:p>
           <a:p>
-            <a:pPr>
-              <a:lnSpc>
-                <a:spcPct val="150000"/>
-              </a:lnSpc>
-              <a:buSzPct val="100000"/>
-            </a:pPr>
-            <a:endParaRPr lang="en-US" sz="1680" dirty="0">
-              <a:solidFill>
-                <a:srgbClr val="383838"/>
-              </a:solidFill>
-              <a:latin typeface="Noto Sans SC" pitchFamily="34" charset="0"/>
-              <a:ea typeface="Noto Sans SC" pitchFamily="34" charset="-122"/>
-            </a:endParaRPr>
-          </a:p>
-          <a:p>
             <a:pPr marL="285750" indent="-285750">
               <a:lnSpc>
                 <a:spcPct val="150000"/>
@@ -3244,27 +3552,7 @@
                 <a:latin typeface="Noto Sans SC" pitchFamily="34" charset="0"/>
                 <a:ea typeface="Noto Sans SC" pitchFamily="34" charset="-122"/>
               </a:rPr>
-              <a:t>1000000 transactions, 8.74% fraud rate</a:t>
-            </a:r>
-          </a:p>
-          <a:p>
-            <a:pPr marL="285750" indent="-285750">
-              <a:lnSpc>
-                <a:spcPct val="150000"/>
-              </a:lnSpc>
-              <a:buSzPct val="100000"/>
-              <a:buFont typeface="Arial" panose="020B0604020202020204" pitchFamily="34" charset="0"/>
-              <a:buChar char="•"/>
-            </a:pPr>
-            <a:r>
-              <a:rPr lang="en-US" sz="1680" dirty="0">
-                <a:solidFill>
-                  <a:srgbClr val="383838"/>
-                </a:solidFill>
-                <a:latin typeface="Noto Sans SC" pitchFamily="34" charset="0"/>
-                <a:ea typeface="Noto Sans SC" pitchFamily="34" charset="-122"/>
-              </a:rPr>
-              <a:t>Binary classification problem, Unbalanced data</a:t>
+              <a:t>1000000 transactions, only 87403 transactions are fraudulent. 8.74% fraud rate, very unbalanced data</a:t>
             </a:r>
           </a:p>
           <a:p>
@@ -4122,7 +4410,7 @@
             </p:nvSpPr>
             <p:spPr>
               <a:xfrm>
-                <a:off x="762000" y="1304925"/>
+                <a:off x="762000" y="845343"/>
                 <a:ext cx="7715250" cy="3452813"/>
               </a:xfrm>
               <a:prstGeom prst="rect">
@@ -4134,6 +4422,23 @@
             <p:txBody>
               <a:bodyPr wrap="square" rtlCol="0" anchor="t"/>
               <a:lstStyle/>
+              <a:p>
+                <a:pPr algn="l">
+                  <a:lnSpc>
+                    <a:spcPct val="150000"/>
+                  </a:lnSpc>
+                  <a:buSzPct val="100000"/>
+                </a:pPr>
+                <a:r>
+                  <a:rPr lang="en-US" sz="1680" dirty="0"/>
+                  <a:t>An efficient and scalable implementation of GBDT</a:t>
+                </a:r>
+                <a:endParaRPr lang="en-US" sz="1680" dirty="0">
+                  <a:solidFill>
+                    <a:srgbClr val="404040"/>
+                  </a:solidFill>
+                </a:endParaRPr>
+              </a:p>
               <a:p>
                 <a:pPr algn="l">
                   <a:lnSpc>
@@ -4155,12 +4460,8 @@
                   <a:buChar char="•"/>
                 </a:pPr>
                 <a:r>
-                  <a:rPr lang="en-US" sz="1680" dirty="0" err="1"/>
-                  <a:t>Obejctive</a:t>
-                </a:r>
-                <a:r>
                   <a:rPr lang="en-US" sz="1680" dirty="0"/>
-                  <a:t> function for t-</a:t>
+                  <a:t>Objective function for t-</a:t>
                 </a:r>
                 <a:r>
                   <a:rPr lang="en-US" sz="1680" dirty="0" err="1"/>
@@ -4409,7 +4710,7 @@
                 </a:pPr>
                 <a:r>
                   <a:rPr lang="en-US" sz="1680" dirty="0"/>
-                  <a:t>Adding a regularized term in the objective function to avoid overfitting</a:t>
+                  <a:t>Add a regularized term in the objective function to avoid overfitting</a:t>
                 </a:r>
               </a:p>
               <a:p>
@@ -4422,7 +4723,7 @@
                 </a:pPr>
                 <a:r>
                   <a:rPr lang="en-US" sz="1680" dirty="0"/>
-                  <a:t>Using second-order Taylor expansion to approximate the objective function</a:t>
+                  <a:t>Use second-order Taylor expansion to approximate the objective function</a:t>
                 </a:r>
               </a:p>
               <a:p>
@@ -4465,7 +4766,7 @@
             </p:nvSpPr>
             <p:spPr>
               <a:xfrm>
-                <a:off x="762000" y="1304925"/>
+                <a:off x="762000" y="845343"/>
                 <a:ext cx="7715250" cy="3452813"/>
               </a:xfrm>
               <a:prstGeom prst="rect">
@@ -5160,6 +5461,21 @@
             </a:r>
           </a:p>
           <a:p>
+            <a:pPr algn="l">
+              <a:lnSpc>
+                <a:spcPct val="150000"/>
+              </a:lnSpc>
+              <a:buSzPct val="100000"/>
+            </a:pPr>
+            <a:endParaRPr lang="en-US" sz="1680" dirty="0">
+              <a:solidFill>
+                <a:srgbClr val="383838"/>
+              </a:solidFill>
+              <a:latin typeface="Noto Sans SC" pitchFamily="34" charset="0"/>
+              <a:ea typeface="Noto Sans SC" pitchFamily="34" charset="-122"/>
+            </a:endParaRPr>
+          </a:p>
+          <a:p>
             <a:pPr marL="285750" indent="-285750" algn="l">
               <a:lnSpc>
                 <a:spcPct val="150000"/>
@@ -5176,6 +5492,66 @@
                 <a:latin typeface="Noto Sans SC" pitchFamily="34" charset="0"/>
                 <a:ea typeface="Noto Sans SC" pitchFamily="34" charset="-122"/>
               </a:rPr>
+              <a:t>watchlist = list(train=</a:t>
+            </a:r>
+            <a:r>
+              <a:rPr lang="en-US" sz="1680" dirty="0" err="1">
+                <a:solidFill>
+                  <a:srgbClr val="383838"/>
+                </a:solidFill>
+                <a:latin typeface="Noto Sans SC" pitchFamily="34" charset="0"/>
+                <a:ea typeface="Noto Sans SC" pitchFamily="34" charset="-122"/>
+              </a:rPr>
+              <a:t>dtrain</a:t>
+            </a:r>
+            <a:r>
+              <a:rPr lang="en-US" sz="1680" dirty="0">
+                <a:solidFill>
+                  <a:srgbClr val="383838"/>
+                </a:solidFill>
+                <a:latin typeface="Noto Sans SC" pitchFamily="34" charset="0"/>
+                <a:ea typeface="Noto Sans SC" pitchFamily="34" charset="-122"/>
+              </a:rPr>
+              <a:t>, validation=</a:t>
+            </a:r>
+            <a:r>
+              <a:rPr lang="en-US" sz="1680" dirty="0" err="1">
+                <a:solidFill>
+                  <a:srgbClr val="383838"/>
+                </a:solidFill>
+                <a:latin typeface="Noto Sans SC" pitchFamily="34" charset="0"/>
+                <a:ea typeface="Noto Sans SC" pitchFamily="34" charset="-122"/>
+              </a:rPr>
+              <a:t>dval</a:t>
+            </a:r>
+            <a:r>
+              <a:rPr lang="en-US" sz="1680" dirty="0">
+                <a:solidFill>
+                  <a:srgbClr val="383838"/>
+                </a:solidFill>
+                <a:latin typeface="Noto Sans SC" pitchFamily="34" charset="0"/>
+                <a:ea typeface="Noto Sans SC" pitchFamily="34" charset="-122"/>
+              </a:rPr>
+              <a:t>)</a:t>
+            </a:r>
+          </a:p>
+          <a:p>
+            <a:pPr marL="285750" indent="-285750" algn="l">
+              <a:lnSpc>
+                <a:spcPct val="150000"/>
+              </a:lnSpc>
+              <a:buSzPct val="100000"/>
+              <a:buFont typeface="Arial" panose="020B0604020202020204" pitchFamily="34" charset="0"/>
+              <a:buChar char="•"/>
+            </a:pPr>
+            <a:r>
+              <a:rPr lang="en-US" sz="1680" dirty="0">
+                <a:solidFill>
+                  <a:srgbClr val="383838"/>
+                </a:solidFill>
+                <a:latin typeface="Noto Sans SC" pitchFamily="34" charset="0"/>
+                <a:ea typeface="Noto Sans SC" pitchFamily="34" charset="-122"/>
+              </a:rPr>
               <a:t>model &lt;- </a:t>
             </a:r>
             <a:r>
@@ -5206,7 +5582,7 @@
                 <a:latin typeface="Noto Sans SC" pitchFamily="34" charset="0"/>
                 <a:ea typeface="Noto Sans SC" pitchFamily="34" charset="-122"/>
               </a:rPr>
-              <a:t>xgb.train</a:t>
+              <a:t>dtrain</a:t>
             </a:r>
             <a:r>
               <a:rPr lang="en-US" sz="1680" dirty="0">
@@ -5316,7 +5692,7 @@
                 <a:latin typeface="Noto Sans SC" pitchFamily="34" charset="0"/>
                 <a:ea typeface="Noto Sans SC" pitchFamily="34" charset="-122"/>
               </a:rPr>
-              <a:t> = 		  50, verbose = 0)</a:t>
+              <a:t> = 		  50, verbose = 0, watchlist = watchlist)</a:t>
             </a:r>
           </a:p>
           <a:p>
@@ -5333,35 +5709,6 @@
               <a:latin typeface="Noto Sans SC" pitchFamily="34" charset="0"/>
               <a:ea typeface="Noto Sans SC" pitchFamily="34" charset="-122"/>
             </a:endParaRPr>
-          </a:p>
-          <a:p>
-            <a:pPr algn="l">
-              <a:lnSpc>
-                <a:spcPct val="150000"/>
-              </a:lnSpc>
-              <a:buSzPct val="100000"/>
-            </a:pPr>
-            <a:r>
-              <a:rPr lang="en-US" sz="1680" dirty="0" err="1">
-                <a:solidFill>
-                  <a:srgbClr val="383838"/>
-                </a:solidFill>
-                <a:latin typeface="Noto Sans SC" pitchFamily="34" charset="0"/>
-                <a:ea typeface="Noto Sans SC" pitchFamily="34" charset="-122"/>
-              </a:rPr>
-              <a:t>Max_depth</a:t>
-            </a:r>
-            <a:r>
-              <a:rPr lang="en-US" sz="1680" dirty="0">
-                <a:solidFill>
-                  <a:srgbClr val="383838"/>
-                </a:solidFill>
-                <a:latin typeface="Noto Sans SC" pitchFamily="34" charset="0"/>
-                <a:ea typeface="Noto Sans SC" pitchFamily="34" charset="-122"/>
-              </a:rPr>
-              <a:t> </a:t>
-            </a:r>
-            <a:endParaRPr lang="en-US" sz="1680" dirty="0"/>
           </a:p>
         </p:txBody>
       </p:sp>

--- a/scripts/drafts/PRESENTATION.pptx
+++ b/scripts/drafts/PRESENTATION.pptx
@@ -127,8 +127,8 @@
 <file path=ppt/revisionInfo.xml><?xml version="1.0" encoding="utf-8"?>
 <p1510:revInfo xmlns:a="http://schemas.openxmlformats.org/drawingml/2006/main" xmlns:r="http://schemas.openxmlformats.org/officeDocument/2006/relationships" xmlns:p1510="http://schemas.microsoft.com/office/powerpoint/2015/10/main">
   <p1510:revLst>
+    <p1510:client id="{F40925C4-C9DA-4C4E-B935-F17EE2C31D52}" v="5" dt="2023-12-05T04:29:29.743"/>
     <p1510:client id="{8C6C7F99-3EE1-4554-9D3D-FF27E9222130}" v="8" dt="2023-12-05T03:26:26.118"/>
-    <p1510:client id="{F40925C4-C9DA-4C4E-B935-F17EE2C31D52}" v="5" dt="2023-12-05T04:29:29.743"/>
   </p1510:revLst>
 </p1510:revInfo>
 </file>
@@ -2125,8 +2125,8 @@
         </p:nvSpPr>
         <p:spPr>
           <a:xfrm>
-            <a:off x="3676650" y="2724150"/>
-            <a:ext cx="2925128" cy="752475"/>
+            <a:off x="3271297" y="2606758"/>
+            <a:ext cx="4411548" cy="447528"/>
           </a:xfrm>
           <a:prstGeom prst="rect">
             <a:avLst/>
@@ -2142,15 +2142,24 @@
               <a:buNone/>
             </a:pPr>
             <a:r>
-              <a:rPr lang="en-US" sz="2100" dirty="0">
-                <a:solidFill>
-                  <a:srgbClr val="002A85"/>
-                </a:solidFill>
-                <a:latin typeface="Noto Sans SC" pitchFamily="34" charset="0"/>
-                <a:ea typeface="Noto Sans SC" pitchFamily="34" charset="-122"/>
-                <a:cs typeface="Noto Sans SC" pitchFamily="34" charset="-120"/>
-              </a:rPr>
-              <a:t>SUBTITLE HERE</a:t>
+              <a:rPr lang="en-US" sz="2100" dirty="0"/>
+              <a:t>David</a:t>
+            </a:r>
+            <a:r>
+              <a:rPr lang="zh-CN" altLang="en-US" sz="2100" dirty="0"/>
+              <a:t> </a:t>
+            </a:r>
+            <a:r>
+              <a:rPr lang="en-US" altLang="zh-CN" sz="2100" dirty="0"/>
+              <a:t>Lin, Amber Wang, </a:t>
+            </a:r>
+            <a:r>
+              <a:rPr lang="en-US" altLang="zh-CN" sz="2100" dirty="0" err="1"/>
+              <a:t>Niu</a:t>
+            </a:r>
+            <a:r>
+              <a:rPr lang="en-US" altLang="zh-CN" sz="2100" dirty="0"/>
+              <a:t> Mu, Fei Qi </a:t>
             </a:r>
             <a:endParaRPr lang="en-US" sz="2100" dirty="0"/>
           </a:p>

--- a/scripts/drafts/PRESENTATION.pptx
+++ b/scripts/drafts/PRESENTATION.pptx
@@ -127,8 +127,8 @@
 <file path=ppt/revisionInfo.xml><?xml version="1.0" encoding="utf-8"?>
 <p1510:revInfo xmlns:a="http://schemas.openxmlformats.org/drawingml/2006/main" xmlns:r="http://schemas.openxmlformats.org/officeDocument/2006/relationships" xmlns:p1510="http://schemas.microsoft.com/office/powerpoint/2015/10/main">
   <p1510:revLst>
+    <p1510:client id="{8C6C7F99-3EE1-4554-9D3D-FF27E9222130}" v="8" dt="2023-12-05T03:26:26.118"/>
     <p1510:client id="{F40925C4-C9DA-4C4E-B935-F17EE2C31D52}" v="5" dt="2023-12-05T04:29:29.743"/>
-    <p1510:client id="{8C6C7F99-3EE1-4554-9D3D-FF27E9222130}" v="8" dt="2023-12-05T03:26:26.118"/>
   </p1510:revLst>
 </p1510:revInfo>
 </file>
@@ -2125,8 +2125,8 @@
         </p:nvSpPr>
         <p:spPr>
           <a:xfrm>
-            <a:off x="3271297" y="2606758"/>
-            <a:ext cx="4411548" cy="447528"/>
+            <a:off x="2727753" y="2616185"/>
+            <a:ext cx="6142869" cy="447528"/>
           </a:xfrm>
           <a:prstGeom prst="rect">
             <a:avLst/>
@@ -2159,7 +2159,27 @@
             </a:r>
             <a:r>
               <a:rPr lang="en-US" altLang="zh-CN" sz="2100" dirty="0"/>
-              <a:t> Mu, Fei Qi </a:t>
+              <a:t> Mu, </a:t>
+            </a:r>
+            <a:r>
+              <a:rPr lang="en-US" altLang="zh-CN" sz="2100" dirty="0" err="1"/>
+              <a:t>Qifei</a:t>
+            </a:r>
+            <a:r>
+              <a:rPr lang="en-US" altLang="zh-CN" sz="2100" dirty="0"/>
+              <a:t> Cui, </a:t>
+            </a:r>
+            <a:r>
+              <a:rPr lang="en-US" altLang="zh-CN" sz="2100" dirty="0" err="1"/>
+              <a:t>Yixin</a:t>
+            </a:r>
+            <a:r>
+              <a:rPr lang="en-US" altLang="zh-CN" sz="2100" dirty="0"/>
+              <a:t> </a:t>
+            </a:r>
+            <a:r>
+              <a:rPr lang="en-US" altLang="zh-CN" sz="2100" dirty="0" err="1"/>
+              <a:t>Xue</a:t>
             </a:r>
             <a:endParaRPr lang="en-US" sz="2100" dirty="0"/>
           </a:p>

--- a/scripts/drafts/PRESENTATION.pptx
+++ b/scripts/drafts/PRESENTATION.pptx
@@ -5,7 +5,7 @@
     <p:sldMasterId id="2147483648" r:id="rId1"/>
   </p:sldMasterIdLst>
   <p:notesMasterIdLst>
-    <p:notesMasterId r:id="rId15"/>
+    <p:notesMasterId r:id="rId16"/>
   </p:notesMasterIdLst>
   <p:sldIdLst>
     <p:sldId id="256" r:id="rId2"/>
@@ -13,14 +13,15 @@
     <p:sldId id="258" r:id="rId4"/>
     <p:sldId id="259" r:id="rId5"/>
     <p:sldId id="277" r:id="rId6"/>
-    <p:sldId id="260" r:id="rId7"/>
-    <p:sldId id="261" r:id="rId8"/>
-    <p:sldId id="262" r:id="rId9"/>
-    <p:sldId id="263" r:id="rId10"/>
-    <p:sldId id="264" r:id="rId11"/>
-    <p:sldId id="265" r:id="rId12"/>
-    <p:sldId id="266" r:id="rId13"/>
-    <p:sldId id="275" r:id="rId14"/>
+    <p:sldId id="278" r:id="rId7"/>
+    <p:sldId id="260" r:id="rId8"/>
+    <p:sldId id="261" r:id="rId9"/>
+    <p:sldId id="262" r:id="rId10"/>
+    <p:sldId id="263" r:id="rId11"/>
+    <p:sldId id="264" r:id="rId12"/>
+    <p:sldId id="265" r:id="rId13"/>
+    <p:sldId id="266" r:id="rId14"/>
+    <p:sldId id="275" r:id="rId15"/>
   </p:sldIdLst>
   <p:sldSz cx="9144000" cy="5143500" type="screen16x9"/>
   <p:notesSz cx="5143500" cy="9144000"/>
@@ -127,8 +128,8 @@
 <file path=ppt/revisionInfo.xml><?xml version="1.0" encoding="utf-8"?>
 <p1510:revInfo xmlns:a="http://schemas.openxmlformats.org/drawingml/2006/main" xmlns:r="http://schemas.openxmlformats.org/officeDocument/2006/relationships" xmlns:p1510="http://schemas.microsoft.com/office/powerpoint/2015/10/main">
   <p1510:revLst>
+    <p1510:client id="{F40925C4-C9DA-4C4E-B935-F17EE2C31D52}" v="5" dt="2023-12-05T04:29:29.743"/>
     <p1510:client id="{8C6C7F99-3EE1-4554-9D3D-FF27E9222130}" v="8" dt="2023-12-05T03:26:26.118"/>
-    <p1510:client id="{F40925C4-C9DA-4C4E-B935-F17EE2C31D52}" v="5" dt="2023-12-05T04:29:29.743"/>
   </p1510:revLst>
 </p1510:revInfo>
 </file>
@@ -534,7 +535,7 @@
           <a:p>
             <a:fld id="{F7021451-1387-4CA6-816F-3879F97B5CBC}" type="slidenum">
               <a:rPr lang="en-US"/>
-              <a:t>10</a:t>
+              <a:t>11</a:t>
             </a:fld>
             <a:endParaRPr lang="en-US"/>
           </a:p>
@@ -618,7 +619,7 @@
           <a:p>
             <a:fld id="{F7021451-1387-4CA6-816F-3879F97B5CBC}" type="slidenum">
               <a:rPr lang="en-US"/>
-              <a:t>11</a:t>
+              <a:t>12</a:t>
             </a:fld>
             <a:endParaRPr lang="en-US"/>
           </a:p>
@@ -702,7 +703,7 @@
           <a:p>
             <a:fld id="{F7021451-1387-4CA6-816F-3879F97B5CBC}" type="slidenum">
               <a:rPr lang="en-US"/>
-              <a:t>12</a:t>
+              <a:t>13</a:t>
             </a:fld>
             <a:endParaRPr lang="en-US"/>
           </a:p>
@@ -786,7 +787,7 @@
           <a:p>
             <a:fld id="{F7021451-1387-4CA6-816F-3879F97B5CBC}" type="slidenum">
               <a:rPr lang="en-US"/>
-              <a:t>13</a:t>
+              <a:t>14</a:t>
             </a:fld>
             <a:endParaRPr lang="en-US"/>
           </a:p>
@@ -1206,7 +1207,7 @@
           <a:p>
             <a:fld id="{F7021451-1387-4CA6-816F-3879F97B5CBC}" type="slidenum">
               <a:rPr lang="en-US"/>
-              <a:t>6</a:t>
+              <a:t>7</a:t>
             </a:fld>
             <a:endParaRPr lang="en-US"/>
           </a:p>
@@ -1290,7 +1291,7 @@
           <a:p>
             <a:fld id="{F7021451-1387-4CA6-816F-3879F97B5CBC}" type="slidenum">
               <a:rPr lang="en-US"/>
-              <a:t>7</a:t>
+              <a:t>8</a:t>
             </a:fld>
             <a:endParaRPr lang="en-US"/>
           </a:p>
@@ -1374,7 +1375,7 @@
           <a:p>
             <a:fld id="{F7021451-1387-4CA6-816F-3879F97B5CBC}" type="slidenum">
               <a:rPr lang="en-US"/>
-              <a:t>8</a:t>
+              <a:t>9</a:t>
             </a:fld>
             <a:endParaRPr lang="en-US"/>
           </a:p>
@@ -1458,7 +1459,7 @@
           <a:p>
             <a:fld id="{F7021451-1387-4CA6-816F-3879F97B5CBC}" type="slidenum">
               <a:rPr lang="en-US"/>
-              <a:t>9</a:t>
+              <a:t>10</a:t>
             </a:fld>
             <a:endParaRPr lang="en-US"/>
           </a:p>
@@ -2273,6 +2274,391 @@
 
 <file path=ppt/slides/slide10.xml><?xml version="1.0" encoding="utf-8"?>
 <p:sld xmlns:a="http://schemas.openxmlformats.org/drawingml/2006/main" xmlns:r="http://schemas.openxmlformats.org/officeDocument/2006/relationships" xmlns:p="http://schemas.openxmlformats.org/presentationml/2006/main">
+  <p:cSld name="Slide 8">
+    <p:spTree>
+      <p:nvGrpSpPr>
+        <p:cNvPr id="1" name=""/>
+        <p:cNvGrpSpPr/>
+        <p:nvPr/>
+      </p:nvGrpSpPr>
+      <p:grpSpPr>
+        <a:xfrm>
+          <a:off x="0" y="0"/>
+          <a:ext cx="0" cy="0"/>
+          <a:chOff x="0" y="0"/>
+          <a:chExt cx="0" cy="0"/>
+        </a:xfrm>
+      </p:grpSpPr>
+      <p:sp>
+        <p:nvSpPr>
+          <p:cNvPr id="2" name="Shape 0"/>
+          <p:cNvSpPr/>
+          <p:nvPr/>
+        </p:nvSpPr>
+        <p:spPr>
+          <a:xfrm>
+            <a:off x="0" y="457200"/>
+            <a:ext cx="4019550" cy="233363"/>
+          </a:xfrm>
+          <a:prstGeom prst="rect">
+            <a:avLst/>
+          </a:prstGeom>
+          <a:solidFill>
+            <a:srgbClr val="A5DDFF"/>
+          </a:solidFill>
+          <a:ln/>
+        </p:spPr>
+      </p:sp>
+      <p:sp>
+        <p:nvSpPr>
+          <p:cNvPr id="3" name="Text 1"/>
+          <p:cNvSpPr/>
+          <p:nvPr/>
+        </p:nvSpPr>
+        <p:spPr>
+          <a:xfrm>
+            <a:off x="762000" y="138113"/>
+            <a:ext cx="8130540" cy="552450"/>
+          </a:xfrm>
+          <a:prstGeom prst="rect">
+            <a:avLst/>
+          </a:prstGeom>
+          <a:noFill/>
+          <a:ln/>
+        </p:spPr>
+        <p:txBody>
+          <a:bodyPr wrap="square" rtlCol="0" anchor="ctr"/>
+          <a:lstStyle/>
+          <a:p>
+            <a:pPr marL="0" indent="0">
+              <a:buNone/>
+            </a:pPr>
+            <a:r>
+              <a:rPr lang="en-US" sz="2625" b="1" dirty="0" err="1">
+                <a:solidFill>
+                  <a:srgbClr val="002A85"/>
+                </a:solidFill>
+                <a:latin typeface="Noto Sans SC" pitchFamily="34" charset="0"/>
+                <a:ea typeface="Noto Sans SC" pitchFamily="34" charset="-122"/>
+                <a:cs typeface="Noto Sans SC" pitchFamily="34" charset="-120"/>
+              </a:rPr>
+              <a:t>XGBoost</a:t>
+            </a:r>
+            <a:r>
+              <a:rPr lang="en-US" sz="2625" b="1" dirty="0">
+                <a:solidFill>
+                  <a:srgbClr val="002A85"/>
+                </a:solidFill>
+                <a:latin typeface="Noto Sans SC" pitchFamily="34" charset="0"/>
+                <a:ea typeface="Noto Sans SC" pitchFamily="34" charset="-122"/>
+                <a:cs typeface="Noto Sans SC" pitchFamily="34" charset="-120"/>
+              </a:rPr>
+              <a:t> in R</a:t>
+            </a:r>
+            <a:endParaRPr lang="en-US" sz="2625" dirty="0"/>
+          </a:p>
+        </p:txBody>
+      </p:sp>
+      <p:sp>
+        <p:nvSpPr>
+          <p:cNvPr id="4" name="Text 2"/>
+          <p:cNvSpPr/>
+          <p:nvPr/>
+        </p:nvSpPr>
+        <p:spPr>
+          <a:xfrm>
+            <a:off x="762000" y="1304925"/>
+            <a:ext cx="7715250" cy="3452813"/>
+          </a:xfrm>
+          <a:prstGeom prst="rect">
+            <a:avLst/>
+          </a:prstGeom>
+          <a:noFill/>
+          <a:ln/>
+        </p:spPr>
+        <p:txBody>
+          <a:bodyPr wrap="square" rtlCol="0" anchor="t"/>
+          <a:lstStyle/>
+          <a:p>
+            <a:pPr algn="l">
+              <a:lnSpc>
+                <a:spcPct val="150000"/>
+              </a:lnSpc>
+              <a:buSzPct val="100000"/>
+            </a:pPr>
+            <a:r>
+              <a:rPr lang="en-US" sz="1680" dirty="0">
+                <a:solidFill>
+                  <a:srgbClr val="383838"/>
+                </a:solidFill>
+                <a:latin typeface="Noto Sans SC" pitchFamily="34" charset="0"/>
+                <a:ea typeface="Noto Sans SC" pitchFamily="34" charset="-122"/>
+              </a:rPr>
+              <a:t>Model parameters and training example</a:t>
+            </a:r>
+          </a:p>
+          <a:p>
+            <a:pPr algn="l">
+              <a:lnSpc>
+                <a:spcPct val="150000"/>
+              </a:lnSpc>
+              <a:buSzPct val="100000"/>
+            </a:pPr>
+            <a:endParaRPr lang="en-US" sz="1680" dirty="0">
+              <a:solidFill>
+                <a:srgbClr val="383838"/>
+              </a:solidFill>
+              <a:latin typeface="Noto Sans SC" pitchFamily="34" charset="0"/>
+              <a:ea typeface="Noto Sans SC" pitchFamily="34" charset="-122"/>
+            </a:endParaRPr>
+          </a:p>
+          <a:p>
+            <a:pPr marL="285750" indent="-285750" algn="l">
+              <a:lnSpc>
+                <a:spcPct val="150000"/>
+              </a:lnSpc>
+              <a:buSzPct val="100000"/>
+              <a:buFont typeface="Arial" panose="020B0604020202020204" pitchFamily="34" charset="0"/>
+              <a:buChar char="•"/>
+            </a:pPr>
+            <a:r>
+              <a:rPr lang="en-US" sz="1680" dirty="0">
+                <a:solidFill>
+                  <a:srgbClr val="383838"/>
+                </a:solidFill>
+                <a:latin typeface="Noto Sans SC" pitchFamily="34" charset="0"/>
+                <a:ea typeface="Noto Sans SC" pitchFamily="34" charset="-122"/>
+              </a:rPr>
+              <a:t>watchlist = list(train=</a:t>
+            </a:r>
+            <a:r>
+              <a:rPr lang="en-US" sz="1680" dirty="0" err="1">
+                <a:solidFill>
+                  <a:srgbClr val="383838"/>
+                </a:solidFill>
+                <a:latin typeface="Noto Sans SC" pitchFamily="34" charset="0"/>
+                <a:ea typeface="Noto Sans SC" pitchFamily="34" charset="-122"/>
+              </a:rPr>
+              <a:t>dtrain</a:t>
+            </a:r>
+            <a:r>
+              <a:rPr lang="en-US" sz="1680" dirty="0">
+                <a:solidFill>
+                  <a:srgbClr val="383838"/>
+                </a:solidFill>
+                <a:latin typeface="Noto Sans SC" pitchFamily="34" charset="0"/>
+                <a:ea typeface="Noto Sans SC" pitchFamily="34" charset="-122"/>
+              </a:rPr>
+              <a:t>, validation=</a:t>
+            </a:r>
+            <a:r>
+              <a:rPr lang="en-US" sz="1680" dirty="0" err="1">
+                <a:solidFill>
+                  <a:srgbClr val="383838"/>
+                </a:solidFill>
+                <a:latin typeface="Noto Sans SC" pitchFamily="34" charset="0"/>
+                <a:ea typeface="Noto Sans SC" pitchFamily="34" charset="-122"/>
+              </a:rPr>
+              <a:t>dval</a:t>
+            </a:r>
+            <a:r>
+              <a:rPr lang="en-US" sz="1680" dirty="0">
+                <a:solidFill>
+                  <a:srgbClr val="383838"/>
+                </a:solidFill>
+                <a:latin typeface="Noto Sans SC" pitchFamily="34" charset="0"/>
+                <a:ea typeface="Noto Sans SC" pitchFamily="34" charset="-122"/>
+              </a:rPr>
+              <a:t>)</a:t>
+            </a:r>
+          </a:p>
+          <a:p>
+            <a:pPr marL="285750" indent="-285750" algn="l">
+              <a:lnSpc>
+                <a:spcPct val="150000"/>
+              </a:lnSpc>
+              <a:buSzPct val="100000"/>
+              <a:buFont typeface="Arial" panose="020B0604020202020204" pitchFamily="34" charset="0"/>
+              <a:buChar char="•"/>
+            </a:pPr>
+            <a:r>
+              <a:rPr lang="en-US" sz="1680" dirty="0">
+                <a:solidFill>
+                  <a:srgbClr val="383838"/>
+                </a:solidFill>
+                <a:latin typeface="Noto Sans SC" pitchFamily="34" charset="0"/>
+                <a:ea typeface="Noto Sans SC" pitchFamily="34" charset="-122"/>
+              </a:rPr>
+              <a:t>model &lt;- </a:t>
+            </a:r>
+            <a:r>
+              <a:rPr lang="en-US" sz="1680" dirty="0" err="1">
+                <a:solidFill>
+                  <a:srgbClr val="383838"/>
+                </a:solidFill>
+                <a:latin typeface="Noto Sans SC" pitchFamily="34" charset="0"/>
+                <a:ea typeface="Noto Sans SC" pitchFamily="34" charset="-122"/>
+              </a:rPr>
+              <a:t>xgb.train</a:t>
+            </a:r>
+            <a:r>
+              <a:rPr lang="en-US" sz="1680" dirty="0">
+                <a:solidFill>
+                  <a:srgbClr val="383838"/>
+                </a:solidFill>
+                <a:latin typeface="Noto Sans SC" pitchFamily="34" charset="0"/>
+                <a:ea typeface="Noto Sans SC" pitchFamily="34" charset="-122"/>
+              </a:rPr>
+              <a:t>(data = </a:t>
+            </a:r>
+            <a:r>
+              <a:rPr lang="en-US" sz="1680" dirty="0" err="1">
+                <a:solidFill>
+                  <a:srgbClr val="383838"/>
+                </a:solidFill>
+                <a:latin typeface="Noto Sans SC" pitchFamily="34" charset="0"/>
+                <a:ea typeface="Noto Sans SC" pitchFamily="34" charset="-122"/>
+              </a:rPr>
+              <a:t>dtrain</a:t>
+            </a:r>
+            <a:r>
+              <a:rPr lang="en-US" sz="1680" dirty="0">
+                <a:solidFill>
+                  <a:srgbClr val="383838"/>
+                </a:solidFill>
+                <a:latin typeface="Noto Sans SC" pitchFamily="34" charset="0"/>
+                <a:ea typeface="Noto Sans SC" pitchFamily="34" charset="-122"/>
+              </a:rPr>
+              <a:t>, </a:t>
+            </a:r>
+            <a:r>
+              <a:rPr lang="en-US" sz="1680" dirty="0" err="1">
+                <a:solidFill>
+                  <a:srgbClr val="383838"/>
+                </a:solidFill>
+                <a:latin typeface="Noto Sans SC" pitchFamily="34" charset="0"/>
+                <a:ea typeface="Noto Sans SC" pitchFamily="34" charset="-122"/>
+              </a:rPr>
+              <a:t>max_depth</a:t>
+            </a:r>
+            <a:r>
+              <a:rPr lang="en-US" sz="1680" dirty="0">
+                <a:solidFill>
+                  <a:srgbClr val="383838"/>
+                </a:solidFill>
+                <a:latin typeface="Noto Sans SC" pitchFamily="34" charset="0"/>
+                <a:ea typeface="Noto Sans SC" pitchFamily="34" charset="-122"/>
+              </a:rPr>
+              <a:t> = 3, objective = “</a:t>
+            </a:r>
+            <a:r>
+              <a:rPr lang="en-US" sz="1680" dirty="0" err="1">
+                <a:solidFill>
+                  <a:srgbClr val="383838"/>
+                </a:solidFill>
+                <a:latin typeface="Noto Sans SC" pitchFamily="34" charset="0"/>
+                <a:ea typeface="Noto Sans SC" pitchFamily="34" charset="-122"/>
+              </a:rPr>
+              <a:t>binary:logistic</a:t>
+            </a:r>
+            <a:r>
+              <a:rPr lang="en-US" sz="1680" dirty="0">
+                <a:solidFill>
+                  <a:srgbClr val="383838"/>
+                </a:solidFill>
+                <a:latin typeface="Noto Sans SC" pitchFamily="34" charset="0"/>
+                <a:ea typeface="Noto Sans SC" pitchFamily="34" charset="-122"/>
+              </a:rPr>
+              <a:t>”, 			  eta = 0.3, </a:t>
+            </a:r>
+            <a:r>
+              <a:rPr lang="en-US" sz="1680" dirty="0" err="1">
+                <a:solidFill>
+                  <a:srgbClr val="383838"/>
+                </a:solidFill>
+                <a:latin typeface="Noto Sans SC" pitchFamily="34" charset="0"/>
+                <a:ea typeface="Noto Sans SC" pitchFamily="34" charset="-122"/>
+              </a:rPr>
+              <a:t>nrounds</a:t>
+            </a:r>
+            <a:r>
+              <a:rPr lang="en-US" sz="1680" dirty="0">
+                <a:solidFill>
+                  <a:srgbClr val="383838"/>
+                </a:solidFill>
+                <a:latin typeface="Noto Sans SC" pitchFamily="34" charset="0"/>
+                <a:ea typeface="Noto Sans SC" pitchFamily="34" charset="-122"/>
+              </a:rPr>
+              <a:t> = 100, </a:t>
+            </a:r>
+            <a:r>
+              <a:rPr lang="en-US" sz="1680" dirty="0" err="1">
+                <a:solidFill>
+                  <a:srgbClr val="383838"/>
+                </a:solidFill>
+                <a:latin typeface="Noto Sans SC" pitchFamily="34" charset="0"/>
+                <a:ea typeface="Noto Sans SC" pitchFamily="34" charset="-122"/>
+              </a:rPr>
+              <a:t>nthread</a:t>
+            </a:r>
+            <a:r>
+              <a:rPr lang="en-US" sz="1680" dirty="0">
+                <a:solidFill>
+                  <a:srgbClr val="383838"/>
+                </a:solidFill>
+                <a:latin typeface="Noto Sans SC" pitchFamily="34" charset="0"/>
+                <a:ea typeface="Noto Sans SC" pitchFamily="34" charset="-122"/>
+              </a:rPr>
+              <a:t> = 2, </a:t>
+            </a:r>
+            <a:r>
+              <a:rPr lang="en-US" sz="1680" dirty="0" err="1">
+                <a:solidFill>
+                  <a:srgbClr val="383838"/>
+                </a:solidFill>
+                <a:latin typeface="Noto Sans SC" pitchFamily="34" charset="0"/>
+                <a:ea typeface="Noto Sans SC" pitchFamily="34" charset="-122"/>
+              </a:rPr>
+              <a:t>early_stopping_rounds</a:t>
+            </a:r>
+            <a:r>
+              <a:rPr lang="en-US" sz="1680" dirty="0">
+                <a:solidFill>
+                  <a:srgbClr val="383838"/>
+                </a:solidFill>
+                <a:latin typeface="Noto Sans SC" pitchFamily="34" charset="0"/>
+                <a:ea typeface="Noto Sans SC" pitchFamily="34" charset="-122"/>
+              </a:rPr>
+              <a:t> = 		  50, verbose = 0, watchlist = watchlist)</a:t>
+            </a:r>
+          </a:p>
+          <a:p>
+            <a:pPr algn="l">
+              <a:lnSpc>
+                <a:spcPct val="150000"/>
+              </a:lnSpc>
+              <a:buSzPct val="100000"/>
+            </a:pPr>
+            <a:endParaRPr lang="en-US" sz="1680" dirty="0">
+              <a:solidFill>
+                <a:srgbClr val="383838"/>
+              </a:solidFill>
+              <a:latin typeface="Noto Sans SC" pitchFamily="34" charset="0"/>
+              <a:ea typeface="Noto Sans SC" pitchFamily="34" charset="-122"/>
+            </a:endParaRPr>
+          </a:p>
+        </p:txBody>
+      </p:sp>
+    </p:spTree>
+  </p:cSld>
+  <p:clrMapOvr>
+    <a:masterClrMapping/>
+  </p:clrMapOvr>
+</p:sld>
+</file>
+
+<file path=ppt/slides/slide11.xml><?xml version="1.0" encoding="utf-8"?>
+<p:sld xmlns:a="http://schemas.openxmlformats.org/drawingml/2006/main" xmlns:r="http://schemas.openxmlformats.org/officeDocument/2006/relationships" xmlns:p="http://schemas.openxmlformats.org/presentationml/2006/main">
   <p:cSld name="Slide 9">
     <p:spTree>
       <p:nvGrpSpPr>
@@ -2821,7 +3207,7 @@
 </p:sld>
 </file>
 
-<file path=ppt/slides/slide11.xml><?xml version="1.0" encoding="utf-8"?>
+<file path=ppt/slides/slide12.xml><?xml version="1.0" encoding="utf-8"?>
 <p:sld xmlns:a="http://schemas.openxmlformats.org/drawingml/2006/main" xmlns:r="http://schemas.openxmlformats.org/officeDocument/2006/relationships" xmlns:p="http://schemas.openxmlformats.org/presentationml/2006/main">
   <p:cSld name="Slide 10">
     <p:spTree>
@@ -2913,7 +3299,7 @@
 </p:sld>
 </file>
 
-<file path=ppt/slides/slide12.xml><?xml version="1.0" encoding="utf-8"?>
+<file path=ppt/slides/slide13.xml><?xml version="1.0" encoding="utf-8"?>
 <p:sld xmlns:a="http://schemas.openxmlformats.org/drawingml/2006/main" xmlns:r="http://schemas.openxmlformats.org/officeDocument/2006/relationships" xmlns:p="http://schemas.openxmlformats.org/presentationml/2006/main">
   <p:cSld name="Slide 11">
     <p:spTree>
@@ -3028,7 +3414,7 @@
 </p:sld>
 </file>
 
-<file path=ppt/slides/slide13.xml><?xml version="1.0" encoding="utf-8"?>
+<file path=ppt/slides/slide14.xml><?xml version="1.0" encoding="utf-8"?>
 <p:sld xmlns:a="http://schemas.openxmlformats.org/drawingml/2006/main" xmlns:r="http://schemas.openxmlformats.org/officeDocument/2006/relationships" xmlns:p="http://schemas.openxmlformats.org/presentationml/2006/main">
   <p:cSld name="Slide 20">
     <p:spTree>
@@ -3739,7 +4125,27 @@
                 <a:latin typeface="Noto Sans SC" pitchFamily="34" charset="0"/>
                 <a:ea typeface="Noto Sans SC" pitchFamily="34" charset="-122"/>
               </a:rPr>
-              <a:t>Dataset Introduction</a:t>
+              <a:t>Dataset</a:t>
+            </a:r>
+            <a:r>
+              <a:rPr lang="zh-CN" altLang="en-US" sz="2625" b="1" dirty="0">
+                <a:solidFill>
+                  <a:srgbClr val="002A85"/>
+                </a:solidFill>
+                <a:latin typeface="Noto Sans SC" pitchFamily="34" charset="0"/>
+                <a:ea typeface="Noto Sans SC" pitchFamily="34" charset="-122"/>
+              </a:rPr>
+              <a:t> </a:t>
+            </a:r>
+            <a:r>
+              <a:rPr lang="en-US" altLang="zh-CN" sz="2625" b="1" dirty="0">
+                <a:solidFill>
+                  <a:srgbClr val="002A85"/>
+                </a:solidFill>
+                <a:latin typeface="Noto Sans SC" pitchFamily="34" charset="0"/>
+                <a:ea typeface="Noto Sans SC" pitchFamily="34" charset="-122"/>
+              </a:rPr>
+              <a:t>description</a:t>
             </a:r>
             <a:endParaRPr lang="en-US" sz="2625" dirty="0"/>
           </a:p>
@@ -3753,8 +4159,8 @@
         </p:nvSpPr>
         <p:spPr>
           <a:xfrm>
-            <a:off x="714375" y="759015"/>
-            <a:ext cx="7715250" cy="3452813"/>
+            <a:off x="762000" y="2825749"/>
+            <a:ext cx="7929513" cy="1432874"/>
           </a:xfrm>
           <a:prstGeom prst="rect">
             <a:avLst/>
@@ -3766,212 +4172,67 @@
           <a:bodyPr wrap="square" rtlCol="0" anchor="t"/>
           <a:lstStyle/>
           <a:p>
-            <a:pPr>
-              <a:lnSpc>
-                <a:spcPct val="150000"/>
-              </a:lnSpc>
-              <a:buSzPct val="100000"/>
-            </a:pPr>
-            <a:r>
-              <a:rPr lang="en-US" sz="1680" dirty="0">
-                <a:solidFill>
-                  <a:srgbClr val="383838"/>
-                </a:solidFill>
-                <a:latin typeface="Noto Sans SC" pitchFamily="34" charset="0"/>
-                <a:ea typeface="Noto Sans SC" pitchFamily="34" charset="-122"/>
-              </a:rPr>
-              <a:t>Feature Explanation:</a:t>
-            </a:r>
-          </a:p>
-          <a:p>
-            <a:pPr marL="342900" indent="-342900" algn="l">
-              <a:lnSpc>
-                <a:spcPct val="150000"/>
-              </a:lnSpc>
-              <a:buSzPct val="100000"/>
-              <a:buChar char="•"/>
-            </a:pPr>
-            <a:r>
-              <a:rPr lang="en-US" sz="1600" b="0" i="0" dirty="0" err="1">
-                <a:solidFill>
-                  <a:srgbClr val="3C4043"/>
-                </a:solidFill>
-                <a:effectLst/>
-                <a:latin typeface="Inter"/>
-              </a:rPr>
-              <a:t>distance_from_home</a:t>
-            </a:r>
-            <a:r>
-              <a:rPr lang="en-US" sz="1600" dirty="0">
-                <a:solidFill>
-                  <a:srgbClr val="3C4043"/>
-                </a:solidFill>
-                <a:latin typeface="Inter"/>
-              </a:rPr>
-              <a:t>:</a:t>
-            </a:r>
-            <a:r>
-              <a:rPr lang="en-US" sz="1600" b="0" i="0" dirty="0">
-                <a:solidFill>
-                  <a:srgbClr val="3C4043"/>
-                </a:solidFill>
-                <a:effectLst/>
-                <a:latin typeface="Inter"/>
-              </a:rPr>
-              <a:t> the distance from home where the transaction happened</a:t>
-            </a:r>
-          </a:p>
-          <a:p>
-            <a:pPr marL="342900" indent="-342900" algn="l">
-              <a:lnSpc>
-                <a:spcPct val="150000"/>
-              </a:lnSpc>
-              <a:buSzPct val="100000"/>
-              <a:buChar char="•"/>
-            </a:pPr>
-            <a:r>
-              <a:rPr lang="en-US" sz="1600" b="0" i="0" dirty="0" err="1">
-                <a:solidFill>
-                  <a:srgbClr val="3C4043"/>
-                </a:solidFill>
-                <a:effectLst/>
-                <a:latin typeface="Inter"/>
-              </a:rPr>
-              <a:t>distance_from_last_transaction</a:t>
-            </a:r>
-            <a:r>
-              <a:rPr lang="en-US" sz="1600" dirty="0">
-                <a:solidFill>
-                  <a:srgbClr val="3C4043"/>
-                </a:solidFill>
-                <a:latin typeface="Inter"/>
-              </a:rPr>
-              <a:t>:</a:t>
-            </a:r>
-            <a:r>
-              <a:rPr lang="en-US" sz="1600" b="0" i="0" dirty="0">
-                <a:solidFill>
-                  <a:srgbClr val="3C4043"/>
-                </a:solidFill>
-                <a:effectLst/>
-                <a:latin typeface="Inter"/>
-              </a:rPr>
-              <a:t> the distance from last transaction happened</a:t>
-            </a:r>
-          </a:p>
-          <a:p>
-            <a:pPr marL="342900" indent="-342900" algn="l">
-              <a:lnSpc>
-                <a:spcPct val="150000"/>
-              </a:lnSpc>
-              <a:buSzPct val="100000"/>
-              <a:buChar char="•"/>
-            </a:pPr>
-            <a:r>
-              <a:rPr lang="en-US" sz="1600" b="0" i="0" dirty="0" err="1">
-                <a:solidFill>
-                  <a:srgbClr val="3C4043"/>
-                </a:solidFill>
-                <a:effectLst/>
-                <a:latin typeface="Inter"/>
-              </a:rPr>
-              <a:t>ratio_to_median_purchase_price</a:t>
-            </a:r>
-            <a:r>
-              <a:rPr lang="en-US" sz="1600" dirty="0">
-                <a:solidFill>
-                  <a:srgbClr val="3C4043"/>
-                </a:solidFill>
-                <a:latin typeface="Inter"/>
-              </a:rPr>
-              <a:t>:</a:t>
-            </a:r>
-            <a:r>
-              <a:rPr lang="en-US" sz="1600" b="0" i="0" dirty="0">
-                <a:solidFill>
-                  <a:srgbClr val="3C4043"/>
-                </a:solidFill>
-                <a:effectLst/>
-                <a:latin typeface="Inter"/>
-              </a:rPr>
-              <a:t> </a:t>
-            </a:r>
-            <a:r>
-              <a:rPr lang="en-US" sz="1600" dirty="0">
-                <a:solidFill>
-                  <a:srgbClr val="3C4043"/>
-                </a:solidFill>
-                <a:latin typeface="Inter"/>
-              </a:rPr>
-              <a:t>r</a:t>
-            </a:r>
-            <a:r>
-              <a:rPr lang="en-US" sz="1600" b="0" i="0" dirty="0">
-                <a:solidFill>
-                  <a:srgbClr val="3C4043"/>
-                </a:solidFill>
-                <a:effectLst/>
-                <a:latin typeface="Inter"/>
-              </a:rPr>
-              <a:t>atio of transaction </a:t>
-            </a:r>
-            <a:r>
-              <a:rPr lang="en-US" sz="1600" b="0" i="0" dirty="0" err="1">
-                <a:solidFill>
-                  <a:srgbClr val="3C4043"/>
-                </a:solidFill>
-                <a:effectLst/>
-                <a:latin typeface="Inter"/>
-              </a:rPr>
+            <a:pPr fontAlgn="base"/>
+            <a:r>
+              <a:rPr lang="en-US" dirty="0" err="1"/>
+              <a:t>dist_home</a:t>
+            </a:r>
+            <a:r>
+              <a:rPr lang="en-US" dirty="0"/>
+              <a:t>: the distance from home where the transaction happened</a:t>
+            </a:r>
+          </a:p>
+          <a:p>
+            <a:pPr fontAlgn="base"/>
+            <a:endParaRPr lang="en-US" dirty="0"/>
+          </a:p>
+          <a:p>
+            <a:pPr fontAlgn="base"/>
+            <a:r>
+              <a:rPr lang="en-US" dirty="0" err="1"/>
+              <a:t>dist_last_transact</a:t>
+            </a:r>
+            <a:r>
+              <a:rPr lang="en-US" dirty="0"/>
+              <a:t>: the distance from last transaction happened</a:t>
+            </a:r>
+          </a:p>
+          <a:p>
+            <a:pPr fontAlgn="base"/>
+            <a:endParaRPr lang="en-US" dirty="0"/>
+          </a:p>
+          <a:p>
+            <a:pPr fontAlgn="base"/>
+            <a:r>
+              <a:rPr lang="en-US" dirty="0" err="1"/>
+              <a:t>ratio_to_med_price</a:t>
+            </a:r>
+            <a:r>
+              <a:rPr lang="en-US" dirty="0"/>
+              <a:t>: ratio of transaction </a:t>
+            </a:r>
+            <a:r>
+              <a:rPr lang="en-US" dirty="0" err="1"/>
               <a:t>prive</a:t>
             </a:r>
             <a:r>
-              <a:rPr lang="en-US" sz="1600" b="0" i="0" dirty="0">
-                <a:solidFill>
-                  <a:srgbClr val="3C4043"/>
-                </a:solidFill>
-                <a:effectLst/>
-                <a:latin typeface="Inter"/>
-              </a:rPr>
+              <a:rPr lang="en-US" dirty="0"/>
               <a:t> to median purchase price</a:t>
             </a:r>
           </a:p>
           <a:p>
-            <a:pPr marL="342900" indent="-342900" algn="l">
-              <a:lnSpc>
-                <a:spcPct val="150000"/>
-              </a:lnSpc>
-              <a:buSzPct val="100000"/>
-              <a:buChar char="•"/>
-            </a:pPr>
-            <a:r>
-              <a:rPr lang="en-US" sz="1600" b="0" i="0" dirty="0" err="1">
-                <a:solidFill>
-                  <a:srgbClr val="3C4043"/>
-                </a:solidFill>
-                <a:effectLst/>
-                <a:latin typeface="Inter"/>
-              </a:rPr>
+            <a:pPr fontAlgn="base"/>
+            <a:endParaRPr lang="en-US" dirty="0"/>
+          </a:p>
+          <a:p>
+            <a:pPr fontAlgn="base"/>
+            <a:r>
+              <a:rPr lang="en-US" dirty="0" err="1"/>
               <a:t>repeat_retailer</a:t>
             </a:r>
             <a:r>
-              <a:rPr lang="en-US" sz="1600" dirty="0">
-                <a:solidFill>
-                  <a:srgbClr val="3C4043"/>
-                </a:solidFill>
-                <a:latin typeface="Inter"/>
-              </a:rPr>
-              <a:t>:</a:t>
-            </a:r>
-            <a:r>
-              <a:rPr lang="en-US" sz="1600" b="0" i="0" dirty="0">
-                <a:solidFill>
-                  <a:srgbClr val="3C4043"/>
-                </a:solidFill>
-                <a:effectLst/>
-                <a:latin typeface="Inter"/>
-              </a:rPr>
-              <a:t> Is the transaction happened from same retailer</a:t>
+              <a:rPr lang="en-US" dirty="0"/>
+              <a:t>: Is the transaction happened from same retailer</a:t>
             </a:r>
           </a:p>
           <a:p>
@@ -3983,125 +4244,6 @@
               <a:buFontTx/>
               <a:buChar char="•"/>
             </a:pPr>
-            <a:r>
-              <a:rPr lang="en-US" sz="1600" b="0" i="0" dirty="0" err="1">
-                <a:solidFill>
-                  <a:srgbClr val="3C4043"/>
-                </a:solidFill>
-                <a:effectLst/>
-                <a:latin typeface="Inter"/>
-              </a:rPr>
-              <a:t>used_chip</a:t>
-            </a:r>
-            <a:r>
-              <a:rPr lang="en-US" sz="1600" dirty="0">
-                <a:solidFill>
-                  <a:srgbClr val="3C4043"/>
-                </a:solidFill>
-                <a:latin typeface="Inter"/>
-              </a:rPr>
-              <a:t>:</a:t>
-            </a:r>
-            <a:r>
-              <a:rPr lang="en-US" sz="1600" b="0" i="0" dirty="0">
-                <a:solidFill>
-                  <a:srgbClr val="3C4043"/>
-                </a:solidFill>
-                <a:effectLst/>
-                <a:latin typeface="Inter"/>
-              </a:rPr>
-              <a:t> Is the transaction through credit card?</a:t>
-            </a:r>
-          </a:p>
-          <a:p>
-            <a:pPr marL="342900" indent="-342900">
-              <a:lnSpc>
-                <a:spcPct val="150000"/>
-              </a:lnSpc>
-              <a:buSzPct val="100000"/>
-              <a:buFontTx/>
-              <a:buChar char="•"/>
-            </a:pPr>
-            <a:r>
-              <a:rPr lang="en-US" sz="1600" b="0" i="0" dirty="0" err="1">
-                <a:solidFill>
-                  <a:srgbClr val="3C4043"/>
-                </a:solidFill>
-                <a:effectLst/>
-                <a:latin typeface="Inter"/>
-              </a:rPr>
-              <a:t>used_pin_number</a:t>
-            </a:r>
-            <a:r>
-              <a:rPr lang="en-US" sz="1600" b="0" i="0" dirty="0">
-                <a:solidFill>
-                  <a:srgbClr val="3C4043"/>
-                </a:solidFill>
-                <a:effectLst/>
-                <a:latin typeface="Inter"/>
-              </a:rPr>
-              <a:t> - Is the transaction happened by using PIN number?</a:t>
-            </a:r>
-          </a:p>
-          <a:p>
-            <a:pPr marL="342900" indent="-342900">
-              <a:lnSpc>
-                <a:spcPct val="150000"/>
-              </a:lnSpc>
-              <a:buSzPct val="100000"/>
-              <a:buFontTx/>
-              <a:buChar char="•"/>
-            </a:pPr>
-            <a:r>
-              <a:rPr lang="en-US" sz="1600" b="0" i="0" dirty="0" err="1">
-                <a:solidFill>
-                  <a:srgbClr val="3C4043"/>
-                </a:solidFill>
-                <a:effectLst/>
-                <a:latin typeface="Inter"/>
-              </a:rPr>
-              <a:t>online_order</a:t>
-            </a:r>
-            <a:r>
-              <a:rPr lang="en-US" sz="1600" b="0" i="0" dirty="0">
-                <a:solidFill>
-                  <a:srgbClr val="3C4043"/>
-                </a:solidFill>
-                <a:effectLst/>
-                <a:latin typeface="Inter"/>
-              </a:rPr>
-              <a:t> - Is the transaction an online order?</a:t>
-            </a:r>
-          </a:p>
-          <a:p>
-            <a:pPr marL="342900" indent="-342900">
-              <a:lnSpc>
-                <a:spcPct val="150000"/>
-              </a:lnSpc>
-              <a:buSzPct val="100000"/>
-              <a:buFontTx/>
-              <a:buChar char="•"/>
-            </a:pPr>
-            <a:r>
-              <a:rPr lang="en-US" sz="1600" b="0" i="0" dirty="0">
-                <a:solidFill>
-                  <a:srgbClr val="3C4043"/>
-                </a:solidFill>
-                <a:effectLst/>
-                <a:latin typeface="Inter"/>
-              </a:rPr>
-              <a:t>fraud - Is the transaction fraudulent.</a:t>
-            </a:r>
-          </a:p>
-          <a:p>
-            <a:pPr marL="342900" indent="-342900">
-              <a:lnSpc>
-                <a:spcPct val="150000"/>
-              </a:lnSpc>
-              <a:buSzPct val="100000"/>
-              <a:buFontTx/>
-              <a:buChar char="•"/>
-            </a:pPr>
             <a:endParaRPr lang="en-US" sz="1600" b="0" i="0" dirty="0">
               <a:solidFill>
                 <a:srgbClr val="3C4043"/>
@@ -4164,6 +4306,36 @@
           </a:p>
         </p:txBody>
       </p:sp>
+      <p:pic>
+        <p:nvPicPr>
+          <p:cNvPr id="10" name="Picture 9">
+            <a:extLst>
+              <a:ext uri="{FF2B5EF4-FFF2-40B4-BE49-F238E27FC236}">
+                <a16:creationId xmlns:a16="http://schemas.microsoft.com/office/drawing/2014/main" id="{A0BDD145-21DE-0940-A494-74ADE9535EA0}"/>
+              </a:ext>
+            </a:extLst>
+          </p:cNvPr>
+          <p:cNvPicPr>
+            <a:picLocks noChangeAspect="1"/>
+          </p:cNvPicPr>
+          <p:nvPr/>
+        </p:nvPicPr>
+        <p:blipFill>
+          <a:blip r:embed="rId3"/>
+          <a:stretch>
+            <a:fillRect/>
+          </a:stretch>
+        </p:blipFill>
+        <p:spPr>
+          <a:xfrm>
+            <a:off x="0" y="1009650"/>
+            <a:ext cx="9144000" cy="1456841"/>
+          </a:xfrm>
+          <a:prstGeom prst="rect">
+            <a:avLst/>
+          </a:prstGeom>
+        </p:spPr>
+      </p:pic>
     </p:spTree>
     <p:extLst>
       <p:ext uri="{BB962C8B-B14F-4D97-AF65-F5344CB8AC3E}">
@@ -4178,6 +4350,306 @@
 </file>
 
 <file path=ppt/slides/slide6.xml><?xml version="1.0" encoding="utf-8"?>
+<p:sld xmlns:a="http://schemas.openxmlformats.org/drawingml/2006/main" xmlns:r="http://schemas.openxmlformats.org/officeDocument/2006/relationships" xmlns:p="http://schemas.openxmlformats.org/presentationml/2006/main">
+  <p:cSld>
+    <p:spTree>
+      <p:nvGrpSpPr>
+        <p:cNvPr id="1" name=""/>
+        <p:cNvGrpSpPr/>
+        <p:nvPr/>
+      </p:nvGrpSpPr>
+      <p:grpSpPr>
+        <a:xfrm>
+          <a:off x="0" y="0"/>
+          <a:ext cx="0" cy="0"/>
+          <a:chOff x="0" y="0"/>
+          <a:chExt cx="0" cy="0"/>
+        </a:xfrm>
+      </p:grpSpPr>
+      <p:sp>
+        <p:nvSpPr>
+          <p:cNvPr id="3" name="TextBox 2">
+            <a:extLst>
+              <a:ext uri="{FF2B5EF4-FFF2-40B4-BE49-F238E27FC236}">
+                <a16:creationId xmlns:a16="http://schemas.microsoft.com/office/drawing/2014/main" id="{A177B560-363B-2C47-96A0-2BBD79C7BBEC}"/>
+              </a:ext>
+            </a:extLst>
+          </p:cNvPr>
+          <p:cNvSpPr txBox="1"/>
+          <p:nvPr/>
+        </p:nvSpPr>
+        <p:spPr>
+          <a:xfrm>
+            <a:off x="603315" y="235670"/>
+            <a:ext cx="4364611" cy="461665"/>
+          </a:xfrm>
+          <a:prstGeom prst="rect">
+            <a:avLst/>
+          </a:prstGeom>
+          <a:noFill/>
+        </p:spPr>
+        <p:txBody>
+          <a:bodyPr wrap="square" rtlCol="0">
+            <a:spAutoFit/>
+          </a:bodyPr>
+          <a:lstStyle/>
+          <a:p>
+            <a:r>
+              <a:rPr lang="en-US" sz="2400" b="1" dirty="0">
+                <a:solidFill>
+                  <a:srgbClr val="002A85"/>
+                </a:solidFill>
+                <a:latin typeface="Noto Sans SC" pitchFamily="34" charset="0"/>
+                <a:ea typeface="Noto Sans SC" pitchFamily="34" charset="-122"/>
+              </a:rPr>
+              <a:t>Dataset</a:t>
+            </a:r>
+            <a:r>
+              <a:rPr lang="zh-CN" altLang="en-US" sz="2400" b="1" dirty="0">
+                <a:solidFill>
+                  <a:srgbClr val="002A85"/>
+                </a:solidFill>
+                <a:latin typeface="Noto Sans SC" pitchFamily="34" charset="0"/>
+                <a:ea typeface="Noto Sans SC" pitchFamily="34" charset="-122"/>
+              </a:rPr>
+              <a:t> </a:t>
+            </a:r>
+            <a:r>
+              <a:rPr lang="en-US" altLang="zh-CN" sz="2400" b="1" dirty="0">
+                <a:solidFill>
+                  <a:srgbClr val="002A85"/>
+                </a:solidFill>
+                <a:latin typeface="Noto Sans SC" pitchFamily="34" charset="0"/>
+                <a:ea typeface="Noto Sans SC" pitchFamily="34" charset="-122"/>
+              </a:rPr>
+              <a:t>description (continue)</a:t>
+            </a:r>
+            <a:endParaRPr lang="en-US" sz="2400" dirty="0"/>
+          </a:p>
+        </p:txBody>
+      </p:sp>
+      <p:pic>
+        <p:nvPicPr>
+          <p:cNvPr id="6" name="Picture 5">
+            <a:extLst>
+              <a:ext uri="{FF2B5EF4-FFF2-40B4-BE49-F238E27FC236}">
+                <a16:creationId xmlns:a16="http://schemas.microsoft.com/office/drawing/2014/main" id="{2CEBB452-635F-674F-A6DA-DB711F77C138}"/>
+              </a:ext>
+            </a:extLst>
+          </p:cNvPr>
+          <p:cNvPicPr>
+            <a:picLocks noChangeAspect="1"/>
+          </p:cNvPicPr>
+          <p:nvPr/>
+        </p:nvPicPr>
+        <p:blipFill>
+          <a:blip r:embed="rId2"/>
+          <a:stretch>
+            <a:fillRect/>
+          </a:stretch>
+        </p:blipFill>
+        <p:spPr>
+          <a:xfrm>
+            <a:off x="0" y="1009650"/>
+            <a:ext cx="9144000" cy="1456841"/>
+          </a:xfrm>
+          <a:prstGeom prst="rect">
+            <a:avLst/>
+          </a:prstGeom>
+        </p:spPr>
+      </p:pic>
+      <p:sp>
+        <p:nvSpPr>
+          <p:cNvPr id="7" name="Rectangle 6">
+            <a:extLst>
+              <a:ext uri="{FF2B5EF4-FFF2-40B4-BE49-F238E27FC236}">
+                <a16:creationId xmlns:a16="http://schemas.microsoft.com/office/drawing/2014/main" id="{2293048D-ABAD-1A46-90D0-BFAFEECBE5F5}"/>
+              </a:ext>
+            </a:extLst>
+          </p:cNvPr>
+          <p:cNvSpPr/>
+          <p:nvPr/>
+        </p:nvSpPr>
+        <p:spPr>
+          <a:xfrm>
+            <a:off x="768285" y="2630744"/>
+            <a:ext cx="7876094" cy="2031325"/>
+          </a:xfrm>
+          <a:prstGeom prst="rect">
+            <a:avLst/>
+          </a:prstGeom>
+        </p:spPr>
+        <p:txBody>
+          <a:bodyPr wrap="square">
+            <a:spAutoFit/>
+          </a:bodyPr>
+          <a:lstStyle/>
+          <a:p>
+            <a:pPr fontAlgn="base">
+              <a:buFont typeface="Arial" panose="020B0604020202020204" pitchFamily="34" charset="0"/>
+              <a:buChar char="•"/>
+            </a:pPr>
+            <a:r>
+              <a:rPr lang="en-US" dirty="0">
+                <a:solidFill>
+                  <a:srgbClr val="3C4043"/>
+                </a:solidFill>
+                <a:latin typeface="Arial" panose="020B0604020202020204" pitchFamily="34" charset="0"/>
+              </a:rPr>
+              <a:t> </a:t>
+            </a:r>
+            <a:r>
+              <a:rPr lang="en-US" dirty="0" err="1">
+                <a:solidFill>
+                  <a:srgbClr val="3C4043"/>
+                </a:solidFill>
+                <a:latin typeface="Arial" panose="020B0604020202020204" pitchFamily="34" charset="0"/>
+              </a:rPr>
+              <a:t>used_chip</a:t>
+            </a:r>
+            <a:r>
+              <a:rPr lang="en-US" dirty="0">
+                <a:solidFill>
+                  <a:srgbClr val="3C4043"/>
+                </a:solidFill>
+                <a:latin typeface="Arial" panose="020B0604020202020204" pitchFamily="34" charset="0"/>
+              </a:rPr>
+              <a:t>: Is the transaction through credit card?</a:t>
+            </a:r>
+          </a:p>
+          <a:p>
+            <a:pPr fontAlgn="base">
+              <a:buFont typeface="Arial" panose="020B0604020202020204" pitchFamily="34" charset="0"/>
+              <a:buChar char="•"/>
+            </a:pPr>
+            <a:endParaRPr lang="en-US" dirty="0">
+              <a:solidFill>
+                <a:srgbClr val="3C4043"/>
+              </a:solidFill>
+              <a:latin typeface="Arial" panose="020B0604020202020204" pitchFamily="34" charset="0"/>
+            </a:endParaRPr>
+          </a:p>
+          <a:p>
+            <a:pPr fontAlgn="base">
+              <a:buFont typeface="Arial" panose="020B0604020202020204" pitchFamily="34" charset="0"/>
+              <a:buChar char="•"/>
+            </a:pPr>
+            <a:r>
+              <a:rPr lang="en-US" dirty="0">
+                <a:solidFill>
+                  <a:srgbClr val="3C4043"/>
+                </a:solidFill>
+                <a:latin typeface="Arial" panose="020B0604020202020204" pitchFamily="34" charset="0"/>
+              </a:rPr>
+              <a:t> </a:t>
+            </a:r>
+            <a:r>
+              <a:rPr lang="en-US" dirty="0" err="1">
+                <a:solidFill>
+                  <a:srgbClr val="3C4043"/>
+                </a:solidFill>
+                <a:latin typeface="Arial" panose="020B0604020202020204" pitchFamily="34" charset="0"/>
+              </a:rPr>
+              <a:t>used_pin_number</a:t>
+            </a:r>
+            <a:r>
+              <a:rPr lang="en-US" dirty="0">
+                <a:solidFill>
+                  <a:srgbClr val="3C4043"/>
+                </a:solidFill>
+                <a:latin typeface="Arial" panose="020B0604020202020204" pitchFamily="34" charset="0"/>
+              </a:rPr>
+              <a:t> - Is the transaction happened by using PIN number?</a:t>
+            </a:r>
+          </a:p>
+          <a:p>
+            <a:pPr fontAlgn="base">
+              <a:buFont typeface="Arial" panose="020B0604020202020204" pitchFamily="34" charset="0"/>
+              <a:buChar char="•"/>
+            </a:pPr>
+            <a:endParaRPr lang="en-US" dirty="0">
+              <a:solidFill>
+                <a:srgbClr val="3C4043"/>
+              </a:solidFill>
+              <a:latin typeface="Arial" panose="020B0604020202020204" pitchFamily="34" charset="0"/>
+            </a:endParaRPr>
+          </a:p>
+          <a:p>
+            <a:pPr fontAlgn="base">
+              <a:buFont typeface="Arial" panose="020B0604020202020204" pitchFamily="34" charset="0"/>
+              <a:buChar char="•"/>
+            </a:pPr>
+            <a:r>
+              <a:rPr lang="en-US" dirty="0">
+                <a:solidFill>
+                  <a:srgbClr val="3C4043"/>
+                </a:solidFill>
+                <a:latin typeface="Arial" panose="020B0604020202020204" pitchFamily="34" charset="0"/>
+              </a:rPr>
+              <a:t> </a:t>
+            </a:r>
+            <a:r>
+              <a:rPr lang="en-US" dirty="0" err="1">
+                <a:solidFill>
+                  <a:srgbClr val="3C4043"/>
+                </a:solidFill>
+                <a:latin typeface="Arial" panose="020B0604020202020204" pitchFamily="34" charset="0"/>
+              </a:rPr>
+              <a:t>online_order</a:t>
+            </a:r>
+            <a:r>
+              <a:rPr lang="en-US" dirty="0">
+                <a:solidFill>
+                  <a:srgbClr val="3C4043"/>
+                </a:solidFill>
+                <a:latin typeface="Arial" panose="020B0604020202020204" pitchFamily="34" charset="0"/>
+              </a:rPr>
+              <a:t> - Is the transaction an online order?</a:t>
+            </a:r>
+          </a:p>
+          <a:p>
+            <a:pPr fontAlgn="base">
+              <a:buFont typeface="Arial" panose="020B0604020202020204" pitchFamily="34" charset="0"/>
+              <a:buChar char="•"/>
+            </a:pPr>
+            <a:endParaRPr lang="en-US" dirty="0">
+              <a:solidFill>
+                <a:srgbClr val="3C4043"/>
+              </a:solidFill>
+              <a:latin typeface="Arial" panose="020B0604020202020204" pitchFamily="34" charset="0"/>
+            </a:endParaRPr>
+          </a:p>
+          <a:p>
+            <a:pPr fontAlgn="base">
+              <a:buFont typeface="Arial" panose="020B0604020202020204" pitchFamily="34" charset="0"/>
+              <a:buChar char="•"/>
+            </a:pPr>
+            <a:r>
+              <a:rPr lang="en-US" dirty="0">
+                <a:solidFill>
+                  <a:srgbClr val="3C4043"/>
+                </a:solidFill>
+                <a:latin typeface="Arial" panose="020B0604020202020204" pitchFamily="34" charset="0"/>
+              </a:rPr>
+              <a:t> fraud - Is the transaction fraudulent.</a:t>
+            </a:r>
+          </a:p>
+        </p:txBody>
+      </p:sp>
+    </p:spTree>
+    <p:extLst>
+      <p:ext uri="{BB962C8B-B14F-4D97-AF65-F5344CB8AC3E}">
+        <p14:creationId xmlns:p14="http://schemas.microsoft.com/office/powerpoint/2010/main" val="3221290430"/>
+      </p:ext>
+    </p:extLst>
+  </p:cSld>
+  <p:clrMapOvr>
+    <a:masterClrMapping/>
+  </p:clrMapOvr>
+</p:sld>
+</file>
+
+<file path=ppt/slides/slide7.xml><?xml version="1.0" encoding="utf-8"?>
 <p:sld xmlns:a="http://schemas.openxmlformats.org/drawingml/2006/main" xmlns:r="http://schemas.openxmlformats.org/officeDocument/2006/relationships" xmlns:p="http://schemas.openxmlformats.org/presentationml/2006/main">
   <p:cSld name="Slide 5">
     <p:spTree>
@@ -4346,7 +4818,7 @@
 </p:sld>
 </file>
 
-<file path=ppt/slides/slide7.xml><?xml version="1.0" encoding="utf-8"?>
+<file path=ppt/slides/slide8.xml><?xml version="1.0" encoding="utf-8"?>
 <p:sld xmlns:a="http://schemas.openxmlformats.org/drawingml/2006/main" xmlns:r="http://schemas.openxmlformats.org/officeDocument/2006/relationships" xmlns:p="http://schemas.openxmlformats.org/presentationml/2006/main">
   <p:cSld name="Slide 6">
     <p:spTree>
@@ -4832,7 +5304,7 @@
 </p:sld>
 </file>
 
-<file path=ppt/slides/slide8.xml><?xml version="1.0" encoding="utf-8"?>
+<file path=ppt/slides/slide9.xml><?xml version="1.0" encoding="utf-8"?>
 <p:sld xmlns:a="http://schemas.openxmlformats.org/drawingml/2006/main" xmlns:r="http://schemas.openxmlformats.org/officeDocument/2006/relationships" xmlns:p="http://schemas.openxmlformats.org/presentationml/2006/main">
   <p:cSld name="Slide 7">
     <p:spTree>
@@ -5352,391 +5824,6 @@
               <a:latin typeface="Noto Sans SC" pitchFamily="34" charset="0"/>
               <a:ea typeface="Noto Sans SC" pitchFamily="34" charset="-122"/>
               <a:cs typeface="Noto Sans SC" pitchFamily="34" charset="-120"/>
-            </a:endParaRPr>
-          </a:p>
-        </p:txBody>
-      </p:sp>
-    </p:spTree>
-  </p:cSld>
-  <p:clrMapOvr>
-    <a:masterClrMapping/>
-  </p:clrMapOvr>
-</p:sld>
-</file>
-
-<file path=ppt/slides/slide9.xml><?xml version="1.0" encoding="utf-8"?>
-<p:sld xmlns:a="http://schemas.openxmlformats.org/drawingml/2006/main" xmlns:r="http://schemas.openxmlformats.org/officeDocument/2006/relationships" xmlns:p="http://schemas.openxmlformats.org/presentationml/2006/main">
-  <p:cSld name="Slide 8">
-    <p:spTree>
-      <p:nvGrpSpPr>
-        <p:cNvPr id="1" name=""/>
-        <p:cNvGrpSpPr/>
-        <p:nvPr/>
-      </p:nvGrpSpPr>
-      <p:grpSpPr>
-        <a:xfrm>
-          <a:off x="0" y="0"/>
-          <a:ext cx="0" cy="0"/>
-          <a:chOff x="0" y="0"/>
-          <a:chExt cx="0" cy="0"/>
-        </a:xfrm>
-      </p:grpSpPr>
-      <p:sp>
-        <p:nvSpPr>
-          <p:cNvPr id="2" name="Shape 0"/>
-          <p:cNvSpPr/>
-          <p:nvPr/>
-        </p:nvSpPr>
-        <p:spPr>
-          <a:xfrm>
-            <a:off x="0" y="457200"/>
-            <a:ext cx="4019550" cy="233363"/>
-          </a:xfrm>
-          <a:prstGeom prst="rect">
-            <a:avLst/>
-          </a:prstGeom>
-          <a:solidFill>
-            <a:srgbClr val="A5DDFF"/>
-          </a:solidFill>
-          <a:ln/>
-        </p:spPr>
-      </p:sp>
-      <p:sp>
-        <p:nvSpPr>
-          <p:cNvPr id="3" name="Text 1"/>
-          <p:cNvSpPr/>
-          <p:nvPr/>
-        </p:nvSpPr>
-        <p:spPr>
-          <a:xfrm>
-            <a:off x="762000" y="138113"/>
-            <a:ext cx="8130540" cy="552450"/>
-          </a:xfrm>
-          <a:prstGeom prst="rect">
-            <a:avLst/>
-          </a:prstGeom>
-          <a:noFill/>
-          <a:ln/>
-        </p:spPr>
-        <p:txBody>
-          <a:bodyPr wrap="square" rtlCol="0" anchor="ctr"/>
-          <a:lstStyle/>
-          <a:p>
-            <a:pPr marL="0" indent="0">
-              <a:buNone/>
-            </a:pPr>
-            <a:r>
-              <a:rPr lang="en-US" sz="2625" b="1" dirty="0" err="1">
-                <a:solidFill>
-                  <a:srgbClr val="002A85"/>
-                </a:solidFill>
-                <a:latin typeface="Noto Sans SC" pitchFamily="34" charset="0"/>
-                <a:ea typeface="Noto Sans SC" pitchFamily="34" charset="-122"/>
-                <a:cs typeface="Noto Sans SC" pitchFamily="34" charset="-120"/>
-              </a:rPr>
-              <a:t>XGBoost</a:t>
-            </a:r>
-            <a:r>
-              <a:rPr lang="en-US" sz="2625" b="1" dirty="0">
-                <a:solidFill>
-                  <a:srgbClr val="002A85"/>
-                </a:solidFill>
-                <a:latin typeface="Noto Sans SC" pitchFamily="34" charset="0"/>
-                <a:ea typeface="Noto Sans SC" pitchFamily="34" charset="-122"/>
-                <a:cs typeface="Noto Sans SC" pitchFamily="34" charset="-120"/>
-              </a:rPr>
-              <a:t> in R</a:t>
-            </a:r>
-            <a:endParaRPr lang="en-US" sz="2625" dirty="0"/>
-          </a:p>
-        </p:txBody>
-      </p:sp>
-      <p:sp>
-        <p:nvSpPr>
-          <p:cNvPr id="4" name="Text 2"/>
-          <p:cNvSpPr/>
-          <p:nvPr/>
-        </p:nvSpPr>
-        <p:spPr>
-          <a:xfrm>
-            <a:off x="762000" y="1304925"/>
-            <a:ext cx="7715250" cy="3452813"/>
-          </a:xfrm>
-          <a:prstGeom prst="rect">
-            <a:avLst/>
-          </a:prstGeom>
-          <a:noFill/>
-          <a:ln/>
-        </p:spPr>
-        <p:txBody>
-          <a:bodyPr wrap="square" rtlCol="0" anchor="t"/>
-          <a:lstStyle/>
-          <a:p>
-            <a:pPr algn="l">
-              <a:lnSpc>
-                <a:spcPct val="150000"/>
-              </a:lnSpc>
-              <a:buSzPct val="100000"/>
-            </a:pPr>
-            <a:r>
-              <a:rPr lang="en-US" sz="1680" dirty="0">
-                <a:solidFill>
-                  <a:srgbClr val="383838"/>
-                </a:solidFill>
-                <a:latin typeface="Noto Sans SC" pitchFamily="34" charset="0"/>
-                <a:ea typeface="Noto Sans SC" pitchFamily="34" charset="-122"/>
-              </a:rPr>
-              <a:t>Model parameters and training example</a:t>
-            </a:r>
-          </a:p>
-          <a:p>
-            <a:pPr algn="l">
-              <a:lnSpc>
-                <a:spcPct val="150000"/>
-              </a:lnSpc>
-              <a:buSzPct val="100000"/>
-            </a:pPr>
-            <a:endParaRPr lang="en-US" sz="1680" dirty="0">
-              <a:solidFill>
-                <a:srgbClr val="383838"/>
-              </a:solidFill>
-              <a:latin typeface="Noto Sans SC" pitchFamily="34" charset="0"/>
-              <a:ea typeface="Noto Sans SC" pitchFamily="34" charset="-122"/>
-            </a:endParaRPr>
-          </a:p>
-          <a:p>
-            <a:pPr marL="285750" indent="-285750" algn="l">
-              <a:lnSpc>
-                <a:spcPct val="150000"/>
-              </a:lnSpc>
-              <a:buSzPct val="100000"/>
-              <a:buFont typeface="Arial" panose="020B0604020202020204" pitchFamily="34" charset="0"/>
-              <a:buChar char="•"/>
-            </a:pPr>
-            <a:r>
-              <a:rPr lang="en-US" sz="1680" dirty="0">
-                <a:solidFill>
-                  <a:srgbClr val="383838"/>
-                </a:solidFill>
-                <a:latin typeface="Noto Sans SC" pitchFamily="34" charset="0"/>
-                <a:ea typeface="Noto Sans SC" pitchFamily="34" charset="-122"/>
-              </a:rPr>
-              <a:t>watchlist = list(train=</a:t>
-            </a:r>
-            <a:r>
-              <a:rPr lang="en-US" sz="1680" dirty="0" err="1">
-                <a:solidFill>
-                  <a:srgbClr val="383838"/>
-                </a:solidFill>
-                <a:latin typeface="Noto Sans SC" pitchFamily="34" charset="0"/>
-                <a:ea typeface="Noto Sans SC" pitchFamily="34" charset="-122"/>
-              </a:rPr>
-              <a:t>dtrain</a:t>
-            </a:r>
-            <a:r>
-              <a:rPr lang="en-US" sz="1680" dirty="0">
-                <a:solidFill>
-                  <a:srgbClr val="383838"/>
-                </a:solidFill>
-                <a:latin typeface="Noto Sans SC" pitchFamily="34" charset="0"/>
-                <a:ea typeface="Noto Sans SC" pitchFamily="34" charset="-122"/>
-              </a:rPr>
-              <a:t>, validation=</a:t>
-            </a:r>
-            <a:r>
-              <a:rPr lang="en-US" sz="1680" dirty="0" err="1">
-                <a:solidFill>
-                  <a:srgbClr val="383838"/>
-                </a:solidFill>
-                <a:latin typeface="Noto Sans SC" pitchFamily="34" charset="0"/>
-                <a:ea typeface="Noto Sans SC" pitchFamily="34" charset="-122"/>
-              </a:rPr>
-              <a:t>dval</a:t>
-            </a:r>
-            <a:r>
-              <a:rPr lang="en-US" sz="1680" dirty="0">
-                <a:solidFill>
-                  <a:srgbClr val="383838"/>
-                </a:solidFill>
-                <a:latin typeface="Noto Sans SC" pitchFamily="34" charset="0"/>
-                <a:ea typeface="Noto Sans SC" pitchFamily="34" charset="-122"/>
-              </a:rPr>
-              <a:t>)</a:t>
-            </a:r>
-          </a:p>
-          <a:p>
-            <a:pPr marL="285750" indent="-285750" algn="l">
-              <a:lnSpc>
-                <a:spcPct val="150000"/>
-              </a:lnSpc>
-              <a:buSzPct val="100000"/>
-              <a:buFont typeface="Arial" panose="020B0604020202020204" pitchFamily="34" charset="0"/>
-              <a:buChar char="•"/>
-            </a:pPr>
-            <a:r>
-              <a:rPr lang="en-US" sz="1680" dirty="0">
-                <a:solidFill>
-                  <a:srgbClr val="383838"/>
-                </a:solidFill>
-                <a:latin typeface="Noto Sans SC" pitchFamily="34" charset="0"/>
-                <a:ea typeface="Noto Sans SC" pitchFamily="34" charset="-122"/>
-              </a:rPr>
-              <a:t>model &lt;- </a:t>
-            </a:r>
-            <a:r>
-              <a:rPr lang="en-US" sz="1680" dirty="0" err="1">
-                <a:solidFill>
-                  <a:srgbClr val="383838"/>
-                </a:solidFill>
-                <a:latin typeface="Noto Sans SC" pitchFamily="34" charset="0"/>
-                <a:ea typeface="Noto Sans SC" pitchFamily="34" charset="-122"/>
-              </a:rPr>
-              <a:t>xgb.train</a:t>
-            </a:r>
-            <a:r>
-              <a:rPr lang="en-US" sz="1680" dirty="0">
-                <a:solidFill>
-                  <a:srgbClr val="383838"/>
-                </a:solidFill>
-                <a:latin typeface="Noto Sans SC" pitchFamily="34" charset="0"/>
-                <a:ea typeface="Noto Sans SC" pitchFamily="34" charset="-122"/>
-              </a:rPr>
-              <a:t>(data = </a:t>
-            </a:r>
-            <a:r>
-              <a:rPr lang="en-US" sz="1680" dirty="0" err="1">
-                <a:solidFill>
-                  <a:srgbClr val="383838"/>
-                </a:solidFill>
-                <a:latin typeface="Noto Sans SC" pitchFamily="34" charset="0"/>
-                <a:ea typeface="Noto Sans SC" pitchFamily="34" charset="-122"/>
-              </a:rPr>
-              <a:t>dtrain</a:t>
-            </a:r>
-            <a:r>
-              <a:rPr lang="en-US" sz="1680" dirty="0">
-                <a:solidFill>
-                  <a:srgbClr val="383838"/>
-                </a:solidFill>
-                <a:latin typeface="Noto Sans SC" pitchFamily="34" charset="0"/>
-                <a:ea typeface="Noto Sans SC" pitchFamily="34" charset="-122"/>
-              </a:rPr>
-              <a:t>, </a:t>
-            </a:r>
-            <a:r>
-              <a:rPr lang="en-US" sz="1680" dirty="0" err="1">
-                <a:solidFill>
-                  <a:srgbClr val="383838"/>
-                </a:solidFill>
-                <a:latin typeface="Noto Sans SC" pitchFamily="34" charset="0"/>
-                <a:ea typeface="Noto Sans SC" pitchFamily="34" charset="-122"/>
-              </a:rPr>
-              <a:t>max_depth</a:t>
-            </a:r>
-            <a:r>
-              <a:rPr lang="en-US" sz="1680" dirty="0">
-                <a:solidFill>
-                  <a:srgbClr val="383838"/>
-                </a:solidFill>
-                <a:latin typeface="Noto Sans SC" pitchFamily="34" charset="0"/>
-                <a:ea typeface="Noto Sans SC" pitchFamily="34" charset="-122"/>
-              </a:rPr>
-              <a:t> = 3, objective = “</a:t>
-            </a:r>
-            <a:r>
-              <a:rPr lang="en-US" sz="1680" dirty="0" err="1">
-                <a:solidFill>
-                  <a:srgbClr val="383838"/>
-                </a:solidFill>
-                <a:latin typeface="Noto Sans SC" pitchFamily="34" charset="0"/>
-                <a:ea typeface="Noto Sans SC" pitchFamily="34" charset="-122"/>
-              </a:rPr>
-              <a:t>binary:logistic</a:t>
-            </a:r>
-            <a:r>
-              <a:rPr lang="en-US" sz="1680" dirty="0">
-                <a:solidFill>
-                  <a:srgbClr val="383838"/>
-                </a:solidFill>
-                <a:latin typeface="Noto Sans SC" pitchFamily="34" charset="0"/>
-                <a:ea typeface="Noto Sans SC" pitchFamily="34" charset="-122"/>
-              </a:rPr>
-              <a:t>”, 			  eta = 0.3, </a:t>
-            </a:r>
-            <a:r>
-              <a:rPr lang="en-US" sz="1680" dirty="0" err="1">
-                <a:solidFill>
-                  <a:srgbClr val="383838"/>
-                </a:solidFill>
-                <a:latin typeface="Noto Sans SC" pitchFamily="34" charset="0"/>
-                <a:ea typeface="Noto Sans SC" pitchFamily="34" charset="-122"/>
-              </a:rPr>
-              <a:t>nrounds</a:t>
-            </a:r>
-            <a:r>
-              <a:rPr lang="en-US" sz="1680" dirty="0">
-                <a:solidFill>
-                  <a:srgbClr val="383838"/>
-                </a:solidFill>
-                <a:latin typeface="Noto Sans SC" pitchFamily="34" charset="0"/>
-                <a:ea typeface="Noto Sans SC" pitchFamily="34" charset="-122"/>
-              </a:rPr>
-              <a:t> = 100, </a:t>
-            </a:r>
-            <a:r>
-              <a:rPr lang="en-US" sz="1680" dirty="0" err="1">
-                <a:solidFill>
-                  <a:srgbClr val="383838"/>
-                </a:solidFill>
-                <a:latin typeface="Noto Sans SC" pitchFamily="34" charset="0"/>
-                <a:ea typeface="Noto Sans SC" pitchFamily="34" charset="-122"/>
-              </a:rPr>
-              <a:t>nthread</a:t>
-            </a:r>
-            <a:r>
-              <a:rPr lang="en-US" sz="1680" dirty="0">
-                <a:solidFill>
-                  <a:srgbClr val="383838"/>
-                </a:solidFill>
-                <a:latin typeface="Noto Sans SC" pitchFamily="34" charset="0"/>
-                <a:ea typeface="Noto Sans SC" pitchFamily="34" charset="-122"/>
-              </a:rPr>
-              <a:t> = 2, </a:t>
-            </a:r>
-            <a:r>
-              <a:rPr lang="en-US" sz="1680" dirty="0" err="1">
-                <a:solidFill>
-                  <a:srgbClr val="383838"/>
-                </a:solidFill>
-                <a:latin typeface="Noto Sans SC" pitchFamily="34" charset="0"/>
-                <a:ea typeface="Noto Sans SC" pitchFamily="34" charset="-122"/>
-              </a:rPr>
-              <a:t>early_stopping_rounds</a:t>
-            </a:r>
-            <a:r>
-              <a:rPr lang="en-US" sz="1680" dirty="0">
-                <a:solidFill>
-                  <a:srgbClr val="383838"/>
-                </a:solidFill>
-                <a:latin typeface="Noto Sans SC" pitchFamily="34" charset="0"/>
-                <a:ea typeface="Noto Sans SC" pitchFamily="34" charset="-122"/>
-              </a:rPr>
-              <a:t> = 		  50, verbose = 0, watchlist = watchlist)</a:t>
-            </a:r>
-          </a:p>
-          <a:p>
-            <a:pPr algn="l">
-              <a:lnSpc>
-                <a:spcPct val="150000"/>
-              </a:lnSpc>
-              <a:buSzPct val="100000"/>
-            </a:pPr>
-            <a:endParaRPr lang="en-US" sz="1680" dirty="0">
-              <a:solidFill>
-                <a:srgbClr val="383838"/>
-              </a:solidFill>
-              <a:latin typeface="Noto Sans SC" pitchFamily="34" charset="0"/>
-              <a:ea typeface="Noto Sans SC" pitchFamily="34" charset="-122"/>
             </a:endParaRPr>
           </a:p>
         </p:txBody>

--- a/scripts/drafts/PRESENTATION.pptx
+++ b/scripts/drafts/PRESENTATION.pptx
@@ -4901,8 +4901,8 @@
           </a:p>
         </p:txBody>
       </p:sp>
-      <mc:AlternateContent xmlns:mc="http://schemas.openxmlformats.org/markup-compatibility/2006" xmlns:a14="http://schemas.microsoft.com/office/drawing/2010/main">
-        <mc:Choice Requires="a14">
+      <mc:AlternateContent xmlns:mc="http://schemas.openxmlformats.org/markup-compatibility/2006">
+        <mc:Choice xmlns:a14="http://schemas.microsoft.com/office/drawing/2010/main" Requires="a14">
           <p:sp>
             <p:nvSpPr>
               <p:cNvPr id="4" name="Text 2"/>
@@ -5237,6 +5237,358 @@
                 </a:pPr>
                 <a:r>
                   <a:rPr lang="en-US" sz="1680" dirty="0"/>
+                  <a:t>The objective goal of step t will be </a:t>
+                </a:r>
+                <a14:m>
+                  <m:oMath xmlns:m="http://schemas.openxmlformats.org/officeDocument/2006/math">
+                    <m:nary>
+                      <m:naryPr>
+                        <m:chr m:val="∑"/>
+                        <m:ctrlPr>
+                          <a:rPr lang="en-US" sz="1680" i="1" smtClean="0">
+                            <a:latin typeface="Cambria Math" panose="02040503050406030204" pitchFamily="18" charset="0"/>
+                          </a:rPr>
+                        </m:ctrlPr>
+                      </m:naryPr>
+                      <m:sub>
+                        <m:r>
+                          <m:rPr>
+                            <m:brk m:alnAt="23"/>
+                          </m:rPr>
+                          <a:rPr lang="en-US" sz="1680" b="0" i="1" smtClean="0">
+                            <a:latin typeface="Cambria Math" panose="02040503050406030204" pitchFamily="18" charset="0"/>
+                          </a:rPr>
+                          <m:t>𝑖</m:t>
+                        </m:r>
+                        <m:r>
+                          <a:rPr lang="en-US" sz="1680" b="0" i="1" smtClean="0">
+                            <a:latin typeface="Cambria Math" panose="02040503050406030204" pitchFamily="18" charset="0"/>
+                          </a:rPr>
+                          <m:t>=1</m:t>
+                        </m:r>
+                      </m:sub>
+                      <m:sup>
+                        <m:r>
+                          <a:rPr lang="en-US" sz="1680" b="0" i="1" smtClean="0">
+                            <a:latin typeface="Cambria Math" panose="02040503050406030204" pitchFamily="18" charset="0"/>
+                          </a:rPr>
+                          <m:t>𝑛</m:t>
+                        </m:r>
+                      </m:sup>
+                      <m:e>
+                        <m:d>
+                          <m:dPr>
+                            <m:begChr m:val="["/>
+                            <m:endChr m:val="]"/>
+                            <m:ctrlPr>
+                              <a:rPr lang="en-US" sz="1680" i="1" smtClean="0">
+                                <a:latin typeface="Cambria Math" panose="02040503050406030204" pitchFamily="18" charset="0"/>
+                              </a:rPr>
+                            </m:ctrlPr>
+                          </m:dPr>
+                          <m:e>
+                            <m:sSub>
+                              <m:sSubPr>
+                                <m:ctrlPr>
+                                  <a:rPr lang="en-US" sz="1680" i="1" smtClean="0">
+                                    <a:latin typeface="Cambria Math" panose="02040503050406030204" pitchFamily="18" charset="0"/>
+                                  </a:rPr>
+                                </m:ctrlPr>
+                              </m:sSubPr>
+                              <m:e>
+                                <m:r>
+                                  <a:rPr lang="en-US" sz="1680" b="0" i="1" smtClean="0">
+                                    <a:latin typeface="Cambria Math" panose="02040503050406030204" pitchFamily="18" charset="0"/>
+                                  </a:rPr>
+                                  <m:t>𝑔</m:t>
+                                </m:r>
+                              </m:e>
+                              <m:sub>
+                                <m:r>
+                                  <a:rPr lang="en-US" sz="1680" b="0" i="1" smtClean="0">
+                                    <a:latin typeface="Cambria Math" panose="02040503050406030204" pitchFamily="18" charset="0"/>
+                                  </a:rPr>
+                                  <m:t>𝑖</m:t>
+                                </m:r>
+                              </m:sub>
+                            </m:sSub>
+                            <m:sSub>
+                              <m:sSubPr>
+                                <m:ctrlPr>
+                                  <a:rPr lang="en-US" sz="1680" i="1" smtClean="0">
+                                    <a:latin typeface="Cambria Math" panose="02040503050406030204" pitchFamily="18" charset="0"/>
+                                  </a:rPr>
+                                </m:ctrlPr>
+                              </m:sSubPr>
+                              <m:e>
+                                <m:r>
+                                  <a:rPr lang="en-US" sz="1680" b="0" i="1" smtClean="0">
+                                    <a:latin typeface="Cambria Math" panose="02040503050406030204" pitchFamily="18" charset="0"/>
+                                  </a:rPr>
+                                  <m:t>𝑓</m:t>
+                                </m:r>
+                              </m:e>
+                              <m:sub>
+                                <m:r>
+                                  <a:rPr lang="en-US" sz="1680" b="0" i="1" smtClean="0">
+                                    <a:latin typeface="Cambria Math" panose="02040503050406030204" pitchFamily="18" charset="0"/>
+                                  </a:rPr>
+                                  <m:t>𝑡</m:t>
+                                </m:r>
+                              </m:sub>
+                            </m:sSub>
+                            <m:d>
+                              <m:dPr>
+                                <m:ctrlPr>
+                                  <a:rPr lang="en-US" sz="1680" b="0" i="1" smtClean="0">
+                                    <a:latin typeface="Cambria Math" panose="02040503050406030204" pitchFamily="18" charset="0"/>
+                                  </a:rPr>
+                                </m:ctrlPr>
+                              </m:dPr>
+                              <m:e>
+                                <m:sSub>
+                                  <m:sSubPr>
+                                    <m:ctrlPr>
+                                      <a:rPr lang="en-US" sz="1680" b="0" i="1" smtClean="0">
+                                        <a:latin typeface="Cambria Math" panose="02040503050406030204" pitchFamily="18" charset="0"/>
+                                      </a:rPr>
+                                    </m:ctrlPr>
+                                  </m:sSubPr>
+                                  <m:e>
+                                    <m:r>
+                                      <a:rPr lang="en-US" sz="1680" b="0" i="1" smtClean="0">
+                                        <a:latin typeface="Cambria Math" panose="02040503050406030204" pitchFamily="18" charset="0"/>
+                                      </a:rPr>
+                                      <m:t>𝑥</m:t>
+                                    </m:r>
+                                  </m:e>
+                                  <m:sub>
+                                    <m:r>
+                                      <a:rPr lang="en-US" sz="1680" b="0" i="1" smtClean="0">
+                                        <a:latin typeface="Cambria Math" panose="02040503050406030204" pitchFamily="18" charset="0"/>
+                                      </a:rPr>
+                                      <m:t>𝑖</m:t>
+                                    </m:r>
+                                  </m:sub>
+                                </m:sSub>
+                              </m:e>
+                            </m:d>
+                            <m:r>
+                              <a:rPr lang="en-US" sz="1680" b="0" i="1" smtClean="0">
+                                <a:latin typeface="Cambria Math" panose="02040503050406030204" pitchFamily="18" charset="0"/>
+                              </a:rPr>
+                              <m:t>+</m:t>
+                            </m:r>
+                            <m:f>
+                              <m:fPr>
+                                <m:ctrlPr>
+                                  <a:rPr lang="en-US" sz="1680" b="0" i="1" smtClean="0">
+                                    <a:latin typeface="Cambria Math" panose="02040503050406030204" pitchFamily="18" charset="0"/>
+                                  </a:rPr>
+                                </m:ctrlPr>
+                              </m:fPr>
+                              <m:num>
+                                <m:r>
+                                  <a:rPr lang="en-US" sz="1680" b="0" i="1" smtClean="0">
+                                    <a:latin typeface="Cambria Math" panose="02040503050406030204" pitchFamily="18" charset="0"/>
+                                  </a:rPr>
+                                  <m:t>1</m:t>
+                                </m:r>
+                              </m:num>
+                              <m:den>
+                                <m:r>
+                                  <a:rPr lang="en-US" sz="1680" b="0" i="1" smtClean="0">
+                                    <a:latin typeface="Cambria Math" panose="02040503050406030204" pitchFamily="18" charset="0"/>
+                                  </a:rPr>
+                                  <m:t>2</m:t>
+                                </m:r>
+                              </m:den>
+                            </m:f>
+                            <m:sSub>
+                              <m:sSubPr>
+                                <m:ctrlPr>
+                                  <a:rPr lang="en-US" sz="1680" b="0" i="1" smtClean="0">
+                                    <a:latin typeface="Cambria Math" panose="02040503050406030204" pitchFamily="18" charset="0"/>
+                                  </a:rPr>
+                                </m:ctrlPr>
+                              </m:sSubPr>
+                              <m:e>
+                                <m:r>
+                                  <a:rPr lang="en-US" sz="1680" b="0" i="1" smtClean="0">
+                                    <a:latin typeface="Cambria Math" panose="02040503050406030204" pitchFamily="18" charset="0"/>
+                                  </a:rPr>
+                                  <m:t>h</m:t>
+                                </m:r>
+                              </m:e>
+                              <m:sub>
+                                <m:r>
+                                  <a:rPr lang="en-US" sz="1680" b="0" i="1" smtClean="0">
+                                    <a:latin typeface="Cambria Math" panose="02040503050406030204" pitchFamily="18" charset="0"/>
+                                  </a:rPr>
+                                  <m:t>𝑖</m:t>
+                                </m:r>
+                              </m:sub>
+                            </m:sSub>
+                            <m:sSubSup>
+                              <m:sSubSupPr>
+                                <m:ctrlPr>
+                                  <a:rPr lang="en-US" sz="1680" b="0" i="1" smtClean="0">
+                                    <a:latin typeface="Cambria Math" panose="02040503050406030204" pitchFamily="18" charset="0"/>
+                                  </a:rPr>
+                                </m:ctrlPr>
+                              </m:sSubSupPr>
+                              <m:e>
+                                <m:r>
+                                  <a:rPr lang="en-US" sz="1680" b="0" i="1" smtClean="0">
+                                    <a:latin typeface="Cambria Math" panose="02040503050406030204" pitchFamily="18" charset="0"/>
+                                  </a:rPr>
+                                  <m:t>𝑓</m:t>
+                                </m:r>
+                              </m:e>
+                              <m:sub>
+                                <m:r>
+                                  <a:rPr lang="en-US" sz="1680" b="0" i="1" smtClean="0">
+                                    <a:latin typeface="Cambria Math" panose="02040503050406030204" pitchFamily="18" charset="0"/>
+                                  </a:rPr>
+                                  <m:t>𝑡</m:t>
+                                </m:r>
+                              </m:sub>
+                              <m:sup>
+                                <m:r>
+                                  <a:rPr lang="en-US" sz="1680" b="0" i="1" smtClean="0">
+                                    <a:latin typeface="Cambria Math" panose="02040503050406030204" pitchFamily="18" charset="0"/>
+                                  </a:rPr>
+                                  <m:t>2</m:t>
+                                </m:r>
+                              </m:sup>
+                            </m:sSubSup>
+                            <m:r>
+                              <a:rPr lang="en-US" sz="1680" b="0" i="1" smtClean="0">
+                                <a:latin typeface="Cambria Math" panose="02040503050406030204" pitchFamily="18" charset="0"/>
+                              </a:rPr>
+                              <m:t>(</m:t>
+                            </m:r>
+                            <m:sSub>
+                              <m:sSubPr>
+                                <m:ctrlPr>
+                                  <a:rPr lang="en-US" sz="1680" b="0" i="1" smtClean="0">
+                                    <a:latin typeface="Cambria Math" panose="02040503050406030204" pitchFamily="18" charset="0"/>
+                                  </a:rPr>
+                                </m:ctrlPr>
+                              </m:sSubPr>
+                              <m:e>
+                                <m:r>
+                                  <a:rPr lang="en-US" sz="1680" b="0" i="1" smtClean="0">
+                                    <a:latin typeface="Cambria Math" panose="02040503050406030204" pitchFamily="18" charset="0"/>
+                                  </a:rPr>
+                                  <m:t>𝑥</m:t>
+                                </m:r>
+                              </m:e>
+                              <m:sub>
+                                <m:r>
+                                  <a:rPr lang="en-US" sz="1680" b="0" i="1" smtClean="0">
+                                    <a:latin typeface="Cambria Math" panose="02040503050406030204" pitchFamily="18" charset="0"/>
+                                  </a:rPr>
+                                  <m:t>𝑖</m:t>
+                                </m:r>
+                              </m:sub>
+                            </m:sSub>
+                            <m:r>
+                              <a:rPr lang="en-US" sz="1680" b="0" i="1" smtClean="0">
+                                <a:latin typeface="Cambria Math" panose="02040503050406030204" pitchFamily="18" charset="0"/>
+                              </a:rPr>
+                              <m:t>)</m:t>
+                            </m:r>
+                          </m:e>
+                        </m:d>
+                        <m:r>
+                          <a:rPr lang="en-US" sz="1680" b="0" i="1" smtClean="0">
+                            <a:latin typeface="Cambria Math" panose="02040503050406030204" pitchFamily="18" charset="0"/>
+                          </a:rPr>
+                          <m:t>+</m:t>
+                        </m:r>
+                        <m:r>
+                          <a:rPr lang="en-US" sz="1680" b="0" i="1" smtClean="0">
+                            <a:latin typeface="Cambria Math" panose="02040503050406030204" pitchFamily="18" charset="0"/>
+                            <a:ea typeface="Cambria Math" panose="02040503050406030204" pitchFamily="18" charset="0"/>
+                          </a:rPr>
+                          <m:t>𝜔</m:t>
+                        </m:r>
+                        <m:r>
+                          <a:rPr lang="en-US" sz="1680" b="0" i="1" smtClean="0">
+                            <a:latin typeface="Cambria Math" panose="02040503050406030204" pitchFamily="18" charset="0"/>
+                            <a:ea typeface="Cambria Math" panose="02040503050406030204" pitchFamily="18" charset="0"/>
+                          </a:rPr>
+                          <m:t>(</m:t>
+                        </m:r>
+                        <m:sSub>
+                          <m:sSubPr>
+                            <m:ctrlPr>
+                              <a:rPr lang="en-US" sz="1680" b="0" i="1" smtClean="0">
+                                <a:latin typeface="Cambria Math" panose="02040503050406030204" pitchFamily="18" charset="0"/>
+                                <a:ea typeface="Cambria Math" panose="02040503050406030204" pitchFamily="18" charset="0"/>
+                              </a:rPr>
+                            </m:ctrlPr>
+                          </m:sSubPr>
+                          <m:e>
+                            <m:r>
+                              <a:rPr lang="en-US" sz="1680" b="0" i="1" smtClean="0">
+                                <a:latin typeface="Cambria Math" panose="02040503050406030204" pitchFamily="18" charset="0"/>
+                                <a:ea typeface="Cambria Math" panose="02040503050406030204" pitchFamily="18" charset="0"/>
+                              </a:rPr>
+                              <m:t>𝑓</m:t>
+                            </m:r>
+                          </m:e>
+                          <m:sub>
+                            <m:r>
+                              <a:rPr lang="en-US" sz="1680" b="0" i="1" smtClean="0">
+                                <a:latin typeface="Cambria Math" panose="02040503050406030204" pitchFamily="18" charset="0"/>
+                                <a:ea typeface="Cambria Math" panose="02040503050406030204" pitchFamily="18" charset="0"/>
+                              </a:rPr>
+                              <m:t>𝑡</m:t>
+                            </m:r>
+                          </m:sub>
+                        </m:sSub>
+                        <m:r>
+                          <a:rPr lang="en-US" sz="1680" b="0" i="1" smtClean="0">
+                            <a:latin typeface="Cambria Math" panose="02040503050406030204" pitchFamily="18" charset="0"/>
+                            <a:ea typeface="Cambria Math" panose="02040503050406030204" pitchFamily="18" charset="0"/>
+                          </a:rPr>
+                          <m:t>)</m:t>
+                        </m:r>
+                      </m:e>
+                    </m:nary>
+                  </m:oMath>
+                </a14:m>
+                <a:endParaRPr lang="en-US" sz="1680" dirty="0"/>
+              </a:p>
+              <a:p>
+                <a:pPr marL="342900" indent="-342900" algn="l">
+                  <a:lnSpc>
+                    <a:spcPct val="150000"/>
+                  </a:lnSpc>
+                  <a:buSzPct val="100000"/>
+                  <a:buChar char="•"/>
+                </a:pPr>
+                <a:r>
+                  <a:rPr lang="en-US" sz="1680" dirty="0"/>
+                  <a:t>Consistent form for every </a:t>
+                </a:r>
+                <a:r>
+                  <a:rPr lang="en-US" sz="1680"/>
+                  <a:t>loss function</a:t>
+                </a:r>
+              </a:p>
+              <a:p>
+                <a:pPr marL="342900" indent="-342900" algn="l">
+                  <a:lnSpc>
+                    <a:spcPct val="150000"/>
+                  </a:lnSpc>
+                  <a:buSzPct val="100000"/>
+                  <a:buChar char="•"/>
+                </a:pPr>
+                <a:r>
+                  <a:rPr lang="en-US" sz="1680" dirty="0"/>
                   <a:t>When building each single tree, use parallel computing to improve efficiency</a:t>
                 </a:r>
               </a:p>
@@ -5256,7 +5608,7 @@
             </p:txBody>
           </p:sp>
         </mc:Choice>
-        <mc:Fallback xmlns="">
+        <mc:Fallback>
           <p:sp>
             <p:nvSpPr>
               <p:cNvPr id="4" name="Text 2"/>
@@ -5276,7 +5628,7 @@
               <a:blipFill>
                 <a:blip r:embed="rId3"/>
                 <a:stretch>
-                  <a:fillRect l="-474"/>
+                  <a:fillRect l="-658" b="-10294"/>
                 </a:stretch>
               </a:blipFill>
               <a:ln/>

--- a/scripts/drafts/PRESENTATION.pptx
+++ b/scripts/drafts/PRESENTATION.pptx
@@ -128,8 +128,8 @@
 <file path=ppt/revisionInfo.xml><?xml version="1.0" encoding="utf-8"?>
 <p1510:revInfo xmlns:a="http://schemas.openxmlformats.org/drawingml/2006/main" xmlns:r="http://schemas.openxmlformats.org/officeDocument/2006/relationships" xmlns:p1510="http://schemas.microsoft.com/office/powerpoint/2015/10/main">
   <p1510:revLst>
+    <p1510:client id="{8C6C7F99-3EE1-4554-9D3D-FF27E9222130}" v="8" dt="2023-12-05T03:26:26.118"/>
     <p1510:client id="{F40925C4-C9DA-4C4E-B935-F17EE2C31D52}" v="5" dt="2023-12-05T04:29:29.743"/>
-    <p1510:client id="{8C6C7F99-3EE1-4554-9D3D-FF27E9222130}" v="8" dt="2023-12-05T03:26:26.118"/>
   </p1510:revLst>
 </p1510:revInfo>
 </file>
@@ -5572,11 +5572,7 @@
                 </a:pPr>
                 <a:r>
                   <a:rPr lang="en-US" sz="1680" dirty="0"/>
-                  <a:t>Consistent form for every </a:t>
-                </a:r>
-                <a:r>
-                  <a:rPr lang="en-US" sz="1680"/>
-                  <a:t>loss function</a:t>
+                  <a:t>Consistent form for every loss function</a:t>
                 </a:r>
               </a:p>
               <a:p>
@@ -5602,7 +5598,23 @@
                 </a:pPr>
                 <a:r>
                   <a:rPr lang="en-US" sz="1680" dirty="0"/>
-                  <a:t>Support column subsampling similar to random forest</a:t>
+                  <a:t>Support column subsampling </a:t>
+                </a:r>
+                <a:r>
+                  <a:rPr lang="en-US" sz="1680"/>
+                  <a:t>similar </a:t>
+                </a:r>
+                <a:r>
+                  <a:rPr lang="en-US" altLang="zh-CN" sz="1680"/>
+                  <a:t>in</a:t>
+                </a:r>
+                <a:r>
+                  <a:rPr lang="en-US" sz="1680"/>
+                  <a:t> </a:t>
+                </a:r>
+                <a:r>
+                  <a:rPr lang="en-US" sz="1680" dirty="0"/>
+                  <a:t>random forest</a:t>
                 </a:r>
               </a:p>
             </p:txBody>
@@ -5628,7 +5640,7 @@
               <a:blipFill>
                 <a:blip r:embed="rId3"/>
                 <a:stretch>
-                  <a:fillRect l="-658" b="-10294"/>
+                  <a:fillRect l="-474" b="-10071"/>
                 </a:stretch>
               </a:blipFill>
               <a:ln/>

--- a/scripts/drafts/PRESENTATION.pptx
+++ b/scripts/drafts/PRESENTATION.pptx
@@ -5,7 +5,7 @@
     <p:sldMasterId id="2147483648" r:id="rId1"/>
   </p:sldMasterIdLst>
   <p:notesMasterIdLst>
-    <p:notesMasterId r:id="rId16"/>
+    <p:notesMasterId r:id="rId18"/>
   </p:notesMasterIdLst>
   <p:sldIdLst>
     <p:sldId id="256" r:id="rId2"/>
@@ -14,14 +14,16 @@
     <p:sldId id="259" r:id="rId5"/>
     <p:sldId id="277" r:id="rId6"/>
     <p:sldId id="278" r:id="rId7"/>
-    <p:sldId id="260" r:id="rId8"/>
-    <p:sldId id="261" r:id="rId9"/>
-    <p:sldId id="262" r:id="rId10"/>
-    <p:sldId id="263" r:id="rId11"/>
-    <p:sldId id="264" r:id="rId12"/>
-    <p:sldId id="265" r:id="rId13"/>
-    <p:sldId id="266" r:id="rId14"/>
-    <p:sldId id="275" r:id="rId15"/>
+    <p:sldId id="281" r:id="rId8"/>
+    <p:sldId id="282" r:id="rId9"/>
+    <p:sldId id="260" r:id="rId10"/>
+    <p:sldId id="261" r:id="rId11"/>
+    <p:sldId id="262" r:id="rId12"/>
+    <p:sldId id="263" r:id="rId13"/>
+    <p:sldId id="264" r:id="rId14"/>
+    <p:sldId id="265" r:id="rId15"/>
+    <p:sldId id="266" r:id="rId16"/>
+    <p:sldId id="275" r:id="rId17"/>
   </p:sldIdLst>
   <p:sldSz cx="9144000" cy="5143500" type="screen16x9"/>
   <p:notesSz cx="5143500" cy="9144000"/>
@@ -806,6 +808,174 @@
 </p:notes>
 </file>
 
+<file path=ppt/notesSlides/notesSlide14.xml><?xml version="1.0" encoding="utf-8"?>
+<p:notes xmlns:a="http://schemas.openxmlformats.org/drawingml/2006/main" xmlns:r="http://schemas.openxmlformats.org/officeDocument/2006/relationships" xmlns:p="http://schemas.openxmlformats.org/presentationml/2006/main">
+  <p:cSld>
+    <p:spTree>
+      <p:nvGrpSpPr>
+        <p:cNvPr id="1" name=""/>
+        <p:cNvGrpSpPr/>
+        <p:nvPr/>
+      </p:nvGrpSpPr>
+      <p:grpSpPr>
+        <a:xfrm>
+          <a:off x="0" y="0"/>
+          <a:ext cx="0" cy="0"/>
+          <a:chOff x="0" y="0"/>
+          <a:chExt cx="0" cy="0"/>
+        </a:xfrm>
+      </p:grpSpPr>
+      <p:sp>
+        <p:nvSpPr>
+          <p:cNvPr id="2" name="Slide Image Placeholder 1"/>
+          <p:cNvSpPr>
+            <a:spLocks noGrp="1" noRot="1" noChangeAspect="1"/>
+          </p:cNvSpPr>
+          <p:nvPr>
+            <p:ph type="sldImg"/>
+          </p:nvPr>
+        </p:nvSpPr>
+        <p:spPr/>
+      </p:sp>
+      <p:sp>
+        <p:nvSpPr>
+          <p:cNvPr id="3" name="Notes Placeholder 2"/>
+          <p:cNvSpPr>
+            <a:spLocks noGrp="1"/>
+          </p:cNvSpPr>
+          <p:nvPr>
+            <p:ph type="body" idx="1"/>
+          </p:nvPr>
+        </p:nvSpPr>
+        <p:spPr/>
+        <p:txBody>
+          <a:bodyPr/>
+          <a:lstStyle/>
+          <a:p>
+            <a:endParaRPr lang="en-US" dirty="0"/>
+          </a:p>
+        </p:txBody>
+      </p:sp>
+      <p:sp>
+        <p:nvSpPr>
+          <p:cNvPr id="4" name="Slide Number Placeholder 3"/>
+          <p:cNvSpPr>
+            <a:spLocks noGrp="1"/>
+          </p:cNvSpPr>
+          <p:nvPr>
+            <p:ph type="sldNum" sz="quarter" idx="10"/>
+          </p:nvPr>
+        </p:nvSpPr>
+        <p:spPr/>
+        <p:txBody>
+          <a:bodyPr/>
+          <a:lstStyle/>
+          <a:p>
+            <a:fld id="{F7021451-1387-4CA6-816F-3879F97B5CBC}" type="slidenum">
+              <a:rPr lang="en-US"/>
+              <a:t>15</a:t>
+            </a:fld>
+            <a:endParaRPr lang="en-US"/>
+          </a:p>
+        </p:txBody>
+      </p:sp>
+    </p:spTree>
+    <p:extLst>
+      <p:ext uri="{BB962C8B-B14F-4D97-AF65-F5344CB8AC3E}">
+        <p14:creationId xmlns:p14="http://schemas.microsoft.com/office/powerpoint/2010/main" val="1024086991"/>
+      </p:ext>
+    </p:extLst>
+  </p:cSld>
+  <p:clrMapOvr>
+    <a:masterClrMapping/>
+  </p:clrMapOvr>
+</p:notes>
+</file>
+
+<file path=ppt/notesSlides/notesSlide15.xml><?xml version="1.0" encoding="utf-8"?>
+<p:notes xmlns:a="http://schemas.openxmlformats.org/drawingml/2006/main" xmlns:r="http://schemas.openxmlformats.org/officeDocument/2006/relationships" xmlns:p="http://schemas.openxmlformats.org/presentationml/2006/main">
+  <p:cSld>
+    <p:spTree>
+      <p:nvGrpSpPr>
+        <p:cNvPr id="1" name=""/>
+        <p:cNvGrpSpPr/>
+        <p:nvPr/>
+      </p:nvGrpSpPr>
+      <p:grpSpPr>
+        <a:xfrm>
+          <a:off x="0" y="0"/>
+          <a:ext cx="0" cy="0"/>
+          <a:chOff x="0" y="0"/>
+          <a:chExt cx="0" cy="0"/>
+        </a:xfrm>
+      </p:grpSpPr>
+      <p:sp>
+        <p:nvSpPr>
+          <p:cNvPr id="2" name="Slide Image Placeholder 1"/>
+          <p:cNvSpPr>
+            <a:spLocks noGrp="1" noRot="1" noChangeAspect="1"/>
+          </p:cNvSpPr>
+          <p:nvPr>
+            <p:ph type="sldImg"/>
+          </p:nvPr>
+        </p:nvSpPr>
+        <p:spPr/>
+      </p:sp>
+      <p:sp>
+        <p:nvSpPr>
+          <p:cNvPr id="3" name="Notes Placeholder 2"/>
+          <p:cNvSpPr>
+            <a:spLocks noGrp="1"/>
+          </p:cNvSpPr>
+          <p:nvPr>
+            <p:ph type="body" idx="1"/>
+          </p:nvPr>
+        </p:nvSpPr>
+        <p:spPr/>
+        <p:txBody>
+          <a:bodyPr/>
+          <a:lstStyle/>
+          <a:p>
+            <a:endParaRPr lang="en-US" dirty="0"/>
+          </a:p>
+        </p:txBody>
+      </p:sp>
+      <p:sp>
+        <p:nvSpPr>
+          <p:cNvPr id="4" name="Slide Number Placeholder 3"/>
+          <p:cNvSpPr>
+            <a:spLocks noGrp="1"/>
+          </p:cNvSpPr>
+          <p:nvPr>
+            <p:ph type="sldNum" sz="quarter" idx="10"/>
+          </p:nvPr>
+        </p:nvSpPr>
+        <p:spPr/>
+        <p:txBody>
+          <a:bodyPr/>
+          <a:lstStyle/>
+          <a:p>
+            <a:fld id="{F7021451-1387-4CA6-816F-3879F97B5CBC}" type="slidenum">
+              <a:rPr lang="en-US"/>
+              <a:t>16</a:t>
+            </a:fld>
+            <a:endParaRPr lang="en-US"/>
+          </a:p>
+        </p:txBody>
+      </p:sp>
+    </p:spTree>
+    <p:extLst>
+      <p:ext uri="{BB962C8B-B14F-4D97-AF65-F5344CB8AC3E}">
+        <p14:creationId xmlns:p14="http://schemas.microsoft.com/office/powerpoint/2010/main" val="1024086991"/>
+      </p:ext>
+    </p:extLst>
+  </p:cSld>
+  <p:clrMapOvr>
+    <a:masterClrMapping/>
+  </p:clrMapOvr>
+</p:notes>
+</file>
+
 <file path=ppt/notesSlides/notesSlide2.xml><?xml version="1.0" encoding="utf-8"?>
 <p:notes xmlns:a="http://schemas.openxmlformats.org/drawingml/2006/main" xmlns:r="http://schemas.openxmlformats.org/officeDocument/2006/relationships" xmlns:p="http://schemas.openxmlformats.org/presentationml/2006/main">
   <p:cSld>
@@ -1216,7 +1386,7 @@
     </p:spTree>
     <p:extLst>
       <p:ext uri="{BB962C8B-B14F-4D97-AF65-F5344CB8AC3E}">
-        <p14:creationId xmlns:p14="http://schemas.microsoft.com/office/powerpoint/2010/main" val="1024086991"/>
+        <p14:creationId xmlns:p14="http://schemas.microsoft.com/office/powerpoint/2010/main" val="2649415070"/>
       </p:ext>
     </p:extLst>
   </p:cSld>
@@ -1300,7 +1470,7 @@
     </p:spTree>
     <p:extLst>
       <p:ext uri="{BB962C8B-B14F-4D97-AF65-F5344CB8AC3E}">
-        <p14:creationId xmlns:p14="http://schemas.microsoft.com/office/powerpoint/2010/main" val="1024086991"/>
+        <p14:creationId xmlns:p14="http://schemas.microsoft.com/office/powerpoint/2010/main" val="1836372013"/>
       </p:ext>
     </p:extLst>
   </p:cSld>
@@ -2274,2384 +2444,7 @@
 
 <file path=ppt/slides/slide10.xml><?xml version="1.0" encoding="utf-8"?>
 <p:sld xmlns:a="http://schemas.openxmlformats.org/drawingml/2006/main" xmlns:r="http://schemas.openxmlformats.org/officeDocument/2006/relationships" xmlns:p="http://schemas.openxmlformats.org/presentationml/2006/main">
-  <p:cSld name="Slide 8">
-    <p:spTree>
-      <p:nvGrpSpPr>
-        <p:cNvPr id="1" name=""/>
-        <p:cNvGrpSpPr/>
-        <p:nvPr/>
-      </p:nvGrpSpPr>
-      <p:grpSpPr>
-        <a:xfrm>
-          <a:off x="0" y="0"/>
-          <a:ext cx="0" cy="0"/>
-          <a:chOff x="0" y="0"/>
-          <a:chExt cx="0" cy="0"/>
-        </a:xfrm>
-      </p:grpSpPr>
-      <p:sp>
-        <p:nvSpPr>
-          <p:cNvPr id="2" name="Shape 0"/>
-          <p:cNvSpPr/>
-          <p:nvPr/>
-        </p:nvSpPr>
-        <p:spPr>
-          <a:xfrm>
-            <a:off x="0" y="457200"/>
-            <a:ext cx="4019550" cy="233363"/>
-          </a:xfrm>
-          <a:prstGeom prst="rect">
-            <a:avLst/>
-          </a:prstGeom>
-          <a:solidFill>
-            <a:srgbClr val="A5DDFF"/>
-          </a:solidFill>
-          <a:ln/>
-        </p:spPr>
-      </p:sp>
-      <p:sp>
-        <p:nvSpPr>
-          <p:cNvPr id="3" name="Text 1"/>
-          <p:cNvSpPr/>
-          <p:nvPr/>
-        </p:nvSpPr>
-        <p:spPr>
-          <a:xfrm>
-            <a:off x="762000" y="138113"/>
-            <a:ext cx="8130540" cy="552450"/>
-          </a:xfrm>
-          <a:prstGeom prst="rect">
-            <a:avLst/>
-          </a:prstGeom>
-          <a:noFill/>
-          <a:ln/>
-        </p:spPr>
-        <p:txBody>
-          <a:bodyPr wrap="square" rtlCol="0" anchor="ctr"/>
-          <a:lstStyle/>
-          <a:p>
-            <a:pPr marL="0" indent="0">
-              <a:buNone/>
-            </a:pPr>
-            <a:r>
-              <a:rPr lang="en-US" sz="2625" b="1" dirty="0" err="1">
-                <a:solidFill>
-                  <a:srgbClr val="002A85"/>
-                </a:solidFill>
-                <a:latin typeface="Noto Sans SC" pitchFamily="34" charset="0"/>
-                <a:ea typeface="Noto Sans SC" pitchFamily="34" charset="-122"/>
-                <a:cs typeface="Noto Sans SC" pitchFamily="34" charset="-120"/>
-              </a:rPr>
-              <a:t>XGBoost</a:t>
-            </a:r>
-            <a:r>
-              <a:rPr lang="en-US" sz="2625" b="1" dirty="0">
-                <a:solidFill>
-                  <a:srgbClr val="002A85"/>
-                </a:solidFill>
-                <a:latin typeface="Noto Sans SC" pitchFamily="34" charset="0"/>
-                <a:ea typeface="Noto Sans SC" pitchFamily="34" charset="-122"/>
-                <a:cs typeface="Noto Sans SC" pitchFamily="34" charset="-120"/>
-              </a:rPr>
-              <a:t> in R</a:t>
-            </a:r>
-            <a:endParaRPr lang="en-US" sz="2625" dirty="0"/>
-          </a:p>
-        </p:txBody>
-      </p:sp>
-      <p:sp>
-        <p:nvSpPr>
-          <p:cNvPr id="4" name="Text 2"/>
-          <p:cNvSpPr/>
-          <p:nvPr/>
-        </p:nvSpPr>
-        <p:spPr>
-          <a:xfrm>
-            <a:off x="762000" y="1304925"/>
-            <a:ext cx="7715250" cy="3452813"/>
-          </a:xfrm>
-          <a:prstGeom prst="rect">
-            <a:avLst/>
-          </a:prstGeom>
-          <a:noFill/>
-          <a:ln/>
-        </p:spPr>
-        <p:txBody>
-          <a:bodyPr wrap="square" rtlCol="0" anchor="t"/>
-          <a:lstStyle/>
-          <a:p>
-            <a:pPr algn="l">
-              <a:lnSpc>
-                <a:spcPct val="150000"/>
-              </a:lnSpc>
-              <a:buSzPct val="100000"/>
-            </a:pPr>
-            <a:r>
-              <a:rPr lang="en-US" sz="1680" dirty="0">
-                <a:solidFill>
-                  <a:srgbClr val="383838"/>
-                </a:solidFill>
-                <a:latin typeface="Noto Sans SC" pitchFamily="34" charset="0"/>
-                <a:ea typeface="Noto Sans SC" pitchFamily="34" charset="-122"/>
-              </a:rPr>
-              <a:t>Model parameters and training example</a:t>
-            </a:r>
-          </a:p>
-          <a:p>
-            <a:pPr algn="l">
-              <a:lnSpc>
-                <a:spcPct val="150000"/>
-              </a:lnSpc>
-              <a:buSzPct val="100000"/>
-            </a:pPr>
-            <a:endParaRPr lang="en-US" sz="1680" dirty="0">
-              <a:solidFill>
-                <a:srgbClr val="383838"/>
-              </a:solidFill>
-              <a:latin typeface="Noto Sans SC" pitchFamily="34" charset="0"/>
-              <a:ea typeface="Noto Sans SC" pitchFamily="34" charset="-122"/>
-            </a:endParaRPr>
-          </a:p>
-          <a:p>
-            <a:pPr marL="285750" indent="-285750" algn="l">
-              <a:lnSpc>
-                <a:spcPct val="150000"/>
-              </a:lnSpc>
-              <a:buSzPct val="100000"/>
-              <a:buFont typeface="Arial" panose="020B0604020202020204" pitchFamily="34" charset="0"/>
-              <a:buChar char="•"/>
-            </a:pPr>
-            <a:r>
-              <a:rPr lang="en-US" sz="1680" dirty="0">
-                <a:solidFill>
-                  <a:srgbClr val="383838"/>
-                </a:solidFill>
-                <a:latin typeface="Noto Sans SC" pitchFamily="34" charset="0"/>
-                <a:ea typeface="Noto Sans SC" pitchFamily="34" charset="-122"/>
-              </a:rPr>
-              <a:t>watchlist = list(train=</a:t>
-            </a:r>
-            <a:r>
-              <a:rPr lang="en-US" sz="1680" dirty="0" err="1">
-                <a:solidFill>
-                  <a:srgbClr val="383838"/>
-                </a:solidFill>
-                <a:latin typeface="Noto Sans SC" pitchFamily="34" charset="0"/>
-                <a:ea typeface="Noto Sans SC" pitchFamily="34" charset="-122"/>
-              </a:rPr>
-              <a:t>dtrain</a:t>
-            </a:r>
-            <a:r>
-              <a:rPr lang="en-US" sz="1680" dirty="0">
-                <a:solidFill>
-                  <a:srgbClr val="383838"/>
-                </a:solidFill>
-                <a:latin typeface="Noto Sans SC" pitchFamily="34" charset="0"/>
-                <a:ea typeface="Noto Sans SC" pitchFamily="34" charset="-122"/>
-              </a:rPr>
-              <a:t>, validation=</a:t>
-            </a:r>
-            <a:r>
-              <a:rPr lang="en-US" sz="1680" dirty="0" err="1">
-                <a:solidFill>
-                  <a:srgbClr val="383838"/>
-                </a:solidFill>
-                <a:latin typeface="Noto Sans SC" pitchFamily="34" charset="0"/>
-                <a:ea typeface="Noto Sans SC" pitchFamily="34" charset="-122"/>
-              </a:rPr>
-              <a:t>dval</a:t>
-            </a:r>
-            <a:r>
-              <a:rPr lang="en-US" sz="1680" dirty="0">
-                <a:solidFill>
-                  <a:srgbClr val="383838"/>
-                </a:solidFill>
-                <a:latin typeface="Noto Sans SC" pitchFamily="34" charset="0"/>
-                <a:ea typeface="Noto Sans SC" pitchFamily="34" charset="-122"/>
-              </a:rPr>
-              <a:t>)</a:t>
-            </a:r>
-          </a:p>
-          <a:p>
-            <a:pPr marL="285750" indent="-285750" algn="l">
-              <a:lnSpc>
-                <a:spcPct val="150000"/>
-              </a:lnSpc>
-              <a:buSzPct val="100000"/>
-              <a:buFont typeface="Arial" panose="020B0604020202020204" pitchFamily="34" charset="0"/>
-              <a:buChar char="•"/>
-            </a:pPr>
-            <a:r>
-              <a:rPr lang="en-US" sz="1680" dirty="0">
-                <a:solidFill>
-                  <a:srgbClr val="383838"/>
-                </a:solidFill>
-                <a:latin typeface="Noto Sans SC" pitchFamily="34" charset="0"/>
-                <a:ea typeface="Noto Sans SC" pitchFamily="34" charset="-122"/>
-              </a:rPr>
-              <a:t>model &lt;- </a:t>
-            </a:r>
-            <a:r>
-              <a:rPr lang="en-US" sz="1680" dirty="0" err="1">
-                <a:solidFill>
-                  <a:srgbClr val="383838"/>
-                </a:solidFill>
-                <a:latin typeface="Noto Sans SC" pitchFamily="34" charset="0"/>
-                <a:ea typeface="Noto Sans SC" pitchFamily="34" charset="-122"/>
-              </a:rPr>
-              <a:t>xgb.train</a:t>
-            </a:r>
-            <a:r>
-              <a:rPr lang="en-US" sz="1680" dirty="0">
-                <a:solidFill>
-                  <a:srgbClr val="383838"/>
-                </a:solidFill>
-                <a:latin typeface="Noto Sans SC" pitchFamily="34" charset="0"/>
-                <a:ea typeface="Noto Sans SC" pitchFamily="34" charset="-122"/>
-              </a:rPr>
-              <a:t>(data = </a:t>
-            </a:r>
-            <a:r>
-              <a:rPr lang="en-US" sz="1680" dirty="0" err="1">
-                <a:solidFill>
-                  <a:srgbClr val="383838"/>
-                </a:solidFill>
-                <a:latin typeface="Noto Sans SC" pitchFamily="34" charset="0"/>
-                <a:ea typeface="Noto Sans SC" pitchFamily="34" charset="-122"/>
-              </a:rPr>
-              <a:t>dtrain</a:t>
-            </a:r>
-            <a:r>
-              <a:rPr lang="en-US" sz="1680" dirty="0">
-                <a:solidFill>
-                  <a:srgbClr val="383838"/>
-                </a:solidFill>
-                <a:latin typeface="Noto Sans SC" pitchFamily="34" charset="0"/>
-                <a:ea typeface="Noto Sans SC" pitchFamily="34" charset="-122"/>
-              </a:rPr>
-              <a:t>, </a:t>
-            </a:r>
-            <a:r>
-              <a:rPr lang="en-US" sz="1680" dirty="0" err="1">
-                <a:solidFill>
-                  <a:srgbClr val="383838"/>
-                </a:solidFill>
-                <a:latin typeface="Noto Sans SC" pitchFamily="34" charset="0"/>
-                <a:ea typeface="Noto Sans SC" pitchFamily="34" charset="-122"/>
-              </a:rPr>
-              <a:t>max_depth</a:t>
-            </a:r>
-            <a:r>
-              <a:rPr lang="en-US" sz="1680" dirty="0">
-                <a:solidFill>
-                  <a:srgbClr val="383838"/>
-                </a:solidFill>
-                <a:latin typeface="Noto Sans SC" pitchFamily="34" charset="0"/>
-                <a:ea typeface="Noto Sans SC" pitchFamily="34" charset="-122"/>
-              </a:rPr>
-              <a:t> = 3, objective = “</a:t>
-            </a:r>
-            <a:r>
-              <a:rPr lang="en-US" sz="1680" dirty="0" err="1">
-                <a:solidFill>
-                  <a:srgbClr val="383838"/>
-                </a:solidFill>
-                <a:latin typeface="Noto Sans SC" pitchFamily="34" charset="0"/>
-                <a:ea typeface="Noto Sans SC" pitchFamily="34" charset="-122"/>
-              </a:rPr>
-              <a:t>binary:logistic</a:t>
-            </a:r>
-            <a:r>
-              <a:rPr lang="en-US" sz="1680" dirty="0">
-                <a:solidFill>
-                  <a:srgbClr val="383838"/>
-                </a:solidFill>
-                <a:latin typeface="Noto Sans SC" pitchFamily="34" charset="0"/>
-                <a:ea typeface="Noto Sans SC" pitchFamily="34" charset="-122"/>
-              </a:rPr>
-              <a:t>”, 			  eta = 0.3, </a:t>
-            </a:r>
-            <a:r>
-              <a:rPr lang="en-US" sz="1680" dirty="0" err="1">
-                <a:solidFill>
-                  <a:srgbClr val="383838"/>
-                </a:solidFill>
-                <a:latin typeface="Noto Sans SC" pitchFamily="34" charset="0"/>
-                <a:ea typeface="Noto Sans SC" pitchFamily="34" charset="-122"/>
-              </a:rPr>
-              <a:t>nrounds</a:t>
-            </a:r>
-            <a:r>
-              <a:rPr lang="en-US" sz="1680" dirty="0">
-                <a:solidFill>
-                  <a:srgbClr val="383838"/>
-                </a:solidFill>
-                <a:latin typeface="Noto Sans SC" pitchFamily="34" charset="0"/>
-                <a:ea typeface="Noto Sans SC" pitchFamily="34" charset="-122"/>
-              </a:rPr>
-              <a:t> = 100, </a:t>
-            </a:r>
-            <a:r>
-              <a:rPr lang="en-US" sz="1680" dirty="0" err="1">
-                <a:solidFill>
-                  <a:srgbClr val="383838"/>
-                </a:solidFill>
-                <a:latin typeface="Noto Sans SC" pitchFamily="34" charset="0"/>
-                <a:ea typeface="Noto Sans SC" pitchFamily="34" charset="-122"/>
-              </a:rPr>
-              <a:t>nthread</a:t>
-            </a:r>
-            <a:r>
-              <a:rPr lang="en-US" sz="1680" dirty="0">
-                <a:solidFill>
-                  <a:srgbClr val="383838"/>
-                </a:solidFill>
-                <a:latin typeface="Noto Sans SC" pitchFamily="34" charset="0"/>
-                <a:ea typeface="Noto Sans SC" pitchFamily="34" charset="-122"/>
-              </a:rPr>
-              <a:t> = 2, </a:t>
-            </a:r>
-            <a:r>
-              <a:rPr lang="en-US" sz="1680" dirty="0" err="1">
-                <a:solidFill>
-                  <a:srgbClr val="383838"/>
-                </a:solidFill>
-                <a:latin typeface="Noto Sans SC" pitchFamily="34" charset="0"/>
-                <a:ea typeface="Noto Sans SC" pitchFamily="34" charset="-122"/>
-              </a:rPr>
-              <a:t>early_stopping_rounds</a:t>
-            </a:r>
-            <a:r>
-              <a:rPr lang="en-US" sz="1680" dirty="0">
-                <a:solidFill>
-                  <a:srgbClr val="383838"/>
-                </a:solidFill>
-                <a:latin typeface="Noto Sans SC" pitchFamily="34" charset="0"/>
-                <a:ea typeface="Noto Sans SC" pitchFamily="34" charset="-122"/>
-              </a:rPr>
-              <a:t> = 		  50, verbose = 0, watchlist = watchlist)</a:t>
-            </a:r>
-          </a:p>
-          <a:p>
-            <a:pPr algn="l">
-              <a:lnSpc>
-                <a:spcPct val="150000"/>
-              </a:lnSpc>
-              <a:buSzPct val="100000"/>
-            </a:pPr>
-            <a:endParaRPr lang="en-US" sz="1680" dirty="0">
-              <a:solidFill>
-                <a:srgbClr val="383838"/>
-              </a:solidFill>
-              <a:latin typeface="Noto Sans SC" pitchFamily="34" charset="0"/>
-              <a:ea typeface="Noto Sans SC" pitchFamily="34" charset="-122"/>
-            </a:endParaRPr>
-          </a:p>
-        </p:txBody>
-      </p:sp>
-    </p:spTree>
-  </p:cSld>
-  <p:clrMapOvr>
-    <a:masterClrMapping/>
-  </p:clrMapOvr>
-</p:sld>
-</file>
-
-<file path=ppt/slides/slide11.xml><?xml version="1.0" encoding="utf-8"?>
-<p:sld xmlns:a="http://schemas.openxmlformats.org/drawingml/2006/main" xmlns:r="http://schemas.openxmlformats.org/officeDocument/2006/relationships" xmlns:p="http://schemas.openxmlformats.org/presentationml/2006/main">
-  <p:cSld name="Slide 9">
-    <p:spTree>
-      <p:nvGrpSpPr>
-        <p:cNvPr id="1" name=""/>
-        <p:cNvGrpSpPr/>
-        <p:nvPr/>
-      </p:nvGrpSpPr>
-      <p:grpSpPr>
-        <a:xfrm>
-          <a:off x="0" y="0"/>
-          <a:ext cx="0" cy="0"/>
-          <a:chOff x="0" y="0"/>
-          <a:chExt cx="0" cy="0"/>
-        </a:xfrm>
-      </p:grpSpPr>
-      <p:sp>
-        <p:nvSpPr>
-          <p:cNvPr id="2" name="Shape 0"/>
-          <p:cNvSpPr/>
-          <p:nvPr/>
-        </p:nvSpPr>
-        <p:spPr>
-          <a:xfrm>
-            <a:off x="0" y="457200"/>
-            <a:ext cx="4019550" cy="233363"/>
-          </a:xfrm>
-          <a:prstGeom prst="rect">
-            <a:avLst/>
-          </a:prstGeom>
-          <a:solidFill>
-            <a:srgbClr val="A5DDFF"/>
-          </a:solidFill>
-          <a:ln/>
-        </p:spPr>
-      </p:sp>
-      <p:sp>
-        <p:nvSpPr>
-          <p:cNvPr id="3" name="Text 1"/>
-          <p:cNvSpPr/>
-          <p:nvPr/>
-        </p:nvSpPr>
-        <p:spPr>
-          <a:xfrm>
-            <a:off x="762000" y="138113"/>
-            <a:ext cx="8130540" cy="552450"/>
-          </a:xfrm>
-          <a:prstGeom prst="rect">
-            <a:avLst/>
-          </a:prstGeom>
-          <a:noFill/>
-          <a:ln/>
-        </p:spPr>
-        <p:txBody>
-          <a:bodyPr wrap="square" rtlCol="0" anchor="ctr"/>
-          <a:lstStyle/>
-          <a:p>
-            <a:pPr marL="0" indent="0">
-              <a:buNone/>
-            </a:pPr>
-            <a:r>
-              <a:rPr lang="en-US" sz="2630" b="1" dirty="0" err="1">
-                <a:solidFill>
-                  <a:srgbClr val="002A85"/>
-                </a:solidFill>
-                <a:latin typeface="Noto Sans SC" pitchFamily="34" charset="0"/>
-                <a:ea typeface="Noto Sans SC" pitchFamily="34" charset="-122"/>
-                <a:cs typeface="Noto Sans SC" pitchFamily="34" charset="-120"/>
-              </a:rPr>
-              <a:t>XGBoost</a:t>
-            </a:r>
-            <a:r>
-              <a:rPr lang="en-US" sz="2680" b="1" dirty="0">
-                <a:solidFill>
-                  <a:srgbClr val="002A85"/>
-                </a:solidFill>
-                <a:latin typeface="Noto Sans SC" pitchFamily="34" charset="0"/>
-                <a:ea typeface="Noto Sans SC" pitchFamily="34" charset="-122"/>
-                <a:cs typeface="Noto Sans SC" pitchFamily="34" charset="-120"/>
-              </a:rPr>
-              <a:t> in R</a:t>
-            </a:r>
-            <a:endParaRPr lang="en-US" sz="2680" dirty="0"/>
-          </a:p>
-        </p:txBody>
-      </p:sp>
-      <p:sp>
-        <p:nvSpPr>
-          <p:cNvPr id="4" name="Text 2"/>
-          <p:cNvSpPr/>
-          <p:nvPr/>
-        </p:nvSpPr>
-        <p:spPr>
-          <a:xfrm>
-            <a:off x="762000" y="589093"/>
-            <a:ext cx="7715250" cy="4010878"/>
-          </a:xfrm>
-          <a:prstGeom prst="rect">
-            <a:avLst/>
-          </a:prstGeom>
-          <a:noFill/>
-          <a:ln/>
-        </p:spPr>
-        <p:txBody>
-          <a:bodyPr wrap="square" rtlCol="0" anchor="t"/>
-          <a:lstStyle/>
-          <a:p>
-            <a:pPr algn="l">
-              <a:lnSpc>
-                <a:spcPct val="150000"/>
-              </a:lnSpc>
-              <a:buSzPct val="100000"/>
-            </a:pPr>
-            <a:r>
-              <a:rPr lang="en-US" sz="1680" dirty="0">
-                <a:solidFill>
-                  <a:srgbClr val="383838"/>
-                </a:solidFill>
-                <a:latin typeface="Noto Sans SC" pitchFamily="34" charset="0"/>
-                <a:ea typeface="Noto Sans SC" pitchFamily="34" charset="-122"/>
-              </a:rPr>
-              <a:t>watchlist = list(train=</a:t>
-            </a:r>
-            <a:r>
-              <a:rPr lang="en-US" sz="1680" dirty="0" err="1">
-                <a:solidFill>
-                  <a:srgbClr val="383838"/>
-                </a:solidFill>
-                <a:latin typeface="Noto Sans SC" pitchFamily="34" charset="0"/>
-                <a:ea typeface="Noto Sans SC" pitchFamily="34" charset="-122"/>
-              </a:rPr>
-              <a:t>dtrain</a:t>
-            </a:r>
-            <a:r>
-              <a:rPr lang="en-US" sz="1680" dirty="0">
-                <a:solidFill>
-                  <a:srgbClr val="383838"/>
-                </a:solidFill>
-                <a:latin typeface="Noto Sans SC" pitchFamily="34" charset="0"/>
-                <a:ea typeface="Noto Sans SC" pitchFamily="34" charset="-122"/>
-              </a:rPr>
-              <a:t>, validation=</a:t>
-            </a:r>
-            <a:r>
-              <a:rPr lang="en-US" sz="1680" dirty="0" err="1">
-                <a:solidFill>
-                  <a:srgbClr val="383838"/>
-                </a:solidFill>
-                <a:latin typeface="Noto Sans SC" pitchFamily="34" charset="0"/>
-                <a:ea typeface="Noto Sans SC" pitchFamily="34" charset="-122"/>
-              </a:rPr>
-              <a:t>dval</a:t>
-            </a:r>
-            <a:r>
-              <a:rPr lang="en-US" sz="1680" dirty="0">
-                <a:solidFill>
-                  <a:srgbClr val="383838"/>
-                </a:solidFill>
-                <a:latin typeface="Noto Sans SC" pitchFamily="34" charset="0"/>
-                <a:ea typeface="Noto Sans SC" pitchFamily="34" charset="-122"/>
-              </a:rPr>
-              <a:t>)</a:t>
-            </a:r>
-          </a:p>
-          <a:p>
-            <a:pPr algn="l">
-              <a:lnSpc>
-                <a:spcPct val="150000"/>
-              </a:lnSpc>
-              <a:buSzPct val="100000"/>
-            </a:pPr>
-            <a:r>
-              <a:rPr lang="en-US" sz="1680" dirty="0">
-                <a:solidFill>
-                  <a:srgbClr val="383838"/>
-                </a:solidFill>
-                <a:latin typeface="Noto Sans SC" pitchFamily="34" charset="0"/>
-                <a:ea typeface="Noto Sans SC" pitchFamily="34" charset="-122"/>
-              </a:rPr>
-              <a:t>model &lt;- </a:t>
-            </a:r>
-            <a:r>
-              <a:rPr lang="en-US" sz="1680" dirty="0" err="1">
-                <a:solidFill>
-                  <a:srgbClr val="383838"/>
-                </a:solidFill>
-                <a:latin typeface="Noto Sans SC" pitchFamily="34" charset="0"/>
-                <a:ea typeface="Noto Sans SC" pitchFamily="34" charset="-122"/>
-              </a:rPr>
-              <a:t>xgb.train</a:t>
-            </a:r>
-            <a:r>
-              <a:rPr lang="en-US" sz="1680" dirty="0">
-                <a:solidFill>
-                  <a:srgbClr val="383838"/>
-                </a:solidFill>
-                <a:latin typeface="Noto Sans SC" pitchFamily="34" charset="0"/>
-                <a:ea typeface="Noto Sans SC" pitchFamily="34" charset="-122"/>
-              </a:rPr>
-              <a:t>(data = </a:t>
-            </a:r>
-            <a:r>
-              <a:rPr lang="en-US" sz="1680" dirty="0" err="1">
-                <a:solidFill>
-                  <a:srgbClr val="383838"/>
-                </a:solidFill>
-                <a:latin typeface="Noto Sans SC" pitchFamily="34" charset="0"/>
-                <a:ea typeface="Noto Sans SC" pitchFamily="34" charset="-122"/>
-              </a:rPr>
-              <a:t>dtrain</a:t>
-            </a:r>
-            <a:r>
-              <a:rPr lang="en-US" sz="1680" dirty="0">
-                <a:solidFill>
-                  <a:srgbClr val="383838"/>
-                </a:solidFill>
-                <a:latin typeface="Noto Sans SC" pitchFamily="34" charset="0"/>
-                <a:ea typeface="Noto Sans SC" pitchFamily="34" charset="-122"/>
-              </a:rPr>
-              <a:t>, </a:t>
-            </a:r>
-            <a:r>
-              <a:rPr lang="en-US" sz="1680" dirty="0" err="1">
-                <a:solidFill>
-                  <a:srgbClr val="383838"/>
-                </a:solidFill>
-                <a:latin typeface="Noto Sans SC" pitchFamily="34" charset="0"/>
-                <a:ea typeface="Noto Sans SC" pitchFamily="34" charset="-122"/>
-              </a:rPr>
-              <a:t>max_depth</a:t>
-            </a:r>
-            <a:r>
-              <a:rPr lang="en-US" sz="1680" dirty="0">
-                <a:solidFill>
-                  <a:srgbClr val="383838"/>
-                </a:solidFill>
-                <a:latin typeface="Noto Sans SC" pitchFamily="34" charset="0"/>
-                <a:ea typeface="Noto Sans SC" pitchFamily="34" charset="-122"/>
-              </a:rPr>
-              <a:t> = 3, objective = “</a:t>
-            </a:r>
-            <a:r>
-              <a:rPr lang="en-US" sz="1680" dirty="0" err="1">
-                <a:solidFill>
-                  <a:srgbClr val="383838"/>
-                </a:solidFill>
-                <a:latin typeface="Noto Sans SC" pitchFamily="34" charset="0"/>
-                <a:ea typeface="Noto Sans SC" pitchFamily="34" charset="-122"/>
-              </a:rPr>
-              <a:t>binary:logistic</a:t>
-            </a:r>
-            <a:r>
-              <a:rPr lang="en-US" sz="1680" dirty="0">
-                <a:solidFill>
-                  <a:srgbClr val="383838"/>
-                </a:solidFill>
-                <a:latin typeface="Noto Sans SC" pitchFamily="34" charset="0"/>
-                <a:ea typeface="Noto Sans SC" pitchFamily="34" charset="-122"/>
-              </a:rPr>
-              <a:t>”, 			  eta = 0.3, </a:t>
-            </a:r>
-            <a:r>
-              <a:rPr lang="en-US" sz="1680" dirty="0" err="1">
-                <a:solidFill>
-                  <a:srgbClr val="383838"/>
-                </a:solidFill>
-                <a:latin typeface="Noto Sans SC" pitchFamily="34" charset="0"/>
-                <a:ea typeface="Noto Sans SC" pitchFamily="34" charset="-122"/>
-              </a:rPr>
-              <a:t>nrounds</a:t>
-            </a:r>
-            <a:r>
-              <a:rPr lang="en-US" sz="1680" dirty="0">
-                <a:solidFill>
-                  <a:srgbClr val="383838"/>
-                </a:solidFill>
-                <a:latin typeface="Noto Sans SC" pitchFamily="34" charset="0"/>
-                <a:ea typeface="Noto Sans SC" pitchFamily="34" charset="-122"/>
-              </a:rPr>
-              <a:t> = 100, </a:t>
-            </a:r>
-            <a:r>
-              <a:rPr lang="en-US" sz="1680" dirty="0" err="1">
-                <a:solidFill>
-                  <a:srgbClr val="383838"/>
-                </a:solidFill>
-                <a:latin typeface="Noto Sans SC" pitchFamily="34" charset="0"/>
-                <a:ea typeface="Noto Sans SC" pitchFamily="34" charset="-122"/>
-              </a:rPr>
-              <a:t>nthread</a:t>
-            </a:r>
-            <a:r>
-              <a:rPr lang="en-US" sz="1680" dirty="0">
-                <a:solidFill>
-                  <a:srgbClr val="383838"/>
-                </a:solidFill>
-                <a:latin typeface="Noto Sans SC" pitchFamily="34" charset="0"/>
-                <a:ea typeface="Noto Sans SC" pitchFamily="34" charset="-122"/>
-              </a:rPr>
-              <a:t> = 2, </a:t>
-            </a:r>
-            <a:r>
-              <a:rPr lang="en-US" sz="1680" dirty="0" err="1">
-                <a:solidFill>
-                  <a:srgbClr val="383838"/>
-                </a:solidFill>
-                <a:latin typeface="Noto Sans SC" pitchFamily="34" charset="0"/>
-                <a:ea typeface="Noto Sans SC" pitchFamily="34" charset="-122"/>
-              </a:rPr>
-              <a:t>early_stopping_rounds</a:t>
-            </a:r>
-            <a:r>
-              <a:rPr lang="en-US" sz="1680" dirty="0">
-                <a:solidFill>
-                  <a:srgbClr val="383838"/>
-                </a:solidFill>
-                <a:latin typeface="Noto Sans SC" pitchFamily="34" charset="0"/>
-                <a:ea typeface="Noto Sans SC" pitchFamily="34" charset="-122"/>
-              </a:rPr>
-              <a:t> = 		  50, verbose = 0, watchlist = watchlist)</a:t>
-            </a:r>
-          </a:p>
-          <a:p>
-            <a:pPr marL="285750" indent="-285750" algn="l">
-              <a:lnSpc>
-                <a:spcPct val="150000"/>
-              </a:lnSpc>
-              <a:buSzPct val="100000"/>
-              <a:buFont typeface="Arial" panose="020B0604020202020204" pitchFamily="34" charset="0"/>
-              <a:buChar char="•"/>
-            </a:pPr>
-            <a:endParaRPr lang="en-US" sz="1680" dirty="0">
-              <a:solidFill>
-                <a:srgbClr val="383838"/>
-              </a:solidFill>
-              <a:latin typeface="Noto Sans SC" pitchFamily="34" charset="0"/>
-              <a:ea typeface="Noto Sans SC" pitchFamily="34" charset="-122"/>
-            </a:endParaRPr>
-          </a:p>
-          <a:p>
-            <a:pPr marL="285750" indent="-285750" algn="l">
-              <a:lnSpc>
-                <a:spcPct val="150000"/>
-              </a:lnSpc>
-              <a:buSzPct val="100000"/>
-              <a:buFont typeface="Arial" panose="020B0604020202020204" pitchFamily="34" charset="0"/>
-              <a:buChar char="•"/>
-            </a:pPr>
-            <a:r>
-              <a:rPr lang="en-US" altLang="zh-CN" sz="1680" dirty="0" err="1">
-                <a:solidFill>
-                  <a:srgbClr val="383838"/>
-                </a:solidFill>
-                <a:latin typeface="Noto Sans SC" pitchFamily="34" charset="0"/>
-                <a:ea typeface="Noto Sans SC" pitchFamily="34" charset="-122"/>
-              </a:rPr>
-              <a:t>m</a:t>
-            </a:r>
-            <a:r>
-              <a:rPr lang="en-US" sz="1680" dirty="0" err="1">
-                <a:solidFill>
-                  <a:srgbClr val="383838"/>
-                </a:solidFill>
-                <a:latin typeface="Noto Sans SC" pitchFamily="34" charset="0"/>
-                <a:ea typeface="Noto Sans SC" pitchFamily="34" charset="-122"/>
-              </a:rPr>
-              <a:t>ax_depth</a:t>
-            </a:r>
-            <a:r>
-              <a:rPr lang="en-US" sz="1680" dirty="0">
-                <a:solidFill>
-                  <a:srgbClr val="383838"/>
-                </a:solidFill>
-                <a:latin typeface="Noto Sans SC" pitchFamily="34" charset="0"/>
-                <a:ea typeface="Noto Sans SC" pitchFamily="34" charset="-122"/>
-              </a:rPr>
-              <a:t>: depth of each decision tree</a:t>
-            </a:r>
-          </a:p>
-          <a:p>
-            <a:pPr marL="285750" indent="-285750" algn="l">
-              <a:lnSpc>
-                <a:spcPct val="150000"/>
-              </a:lnSpc>
-              <a:buSzPct val="100000"/>
-              <a:buFont typeface="Arial" panose="020B0604020202020204" pitchFamily="34" charset="0"/>
-              <a:buChar char="•"/>
-            </a:pPr>
-            <a:r>
-              <a:rPr lang="en-US" sz="1680" dirty="0" err="1">
-                <a:solidFill>
-                  <a:srgbClr val="383838"/>
-                </a:solidFill>
-                <a:latin typeface="Noto Sans SC" pitchFamily="34" charset="0"/>
-                <a:ea typeface="Noto Sans SC" pitchFamily="34" charset="-122"/>
-              </a:rPr>
-              <a:t>nrounds</a:t>
-            </a:r>
-            <a:r>
-              <a:rPr lang="en-US" sz="1680" dirty="0">
-                <a:solidFill>
-                  <a:srgbClr val="383838"/>
-                </a:solidFill>
-                <a:latin typeface="Noto Sans SC" pitchFamily="34" charset="0"/>
-                <a:ea typeface="Noto Sans SC" pitchFamily="34" charset="-122"/>
-              </a:rPr>
-              <a:t>: max number of trees built</a:t>
-            </a:r>
-          </a:p>
-          <a:p>
-            <a:pPr marL="285750" indent="-285750" algn="l">
-              <a:lnSpc>
-                <a:spcPct val="150000"/>
-              </a:lnSpc>
-              <a:buSzPct val="100000"/>
-              <a:buFont typeface="Arial" panose="020B0604020202020204" pitchFamily="34" charset="0"/>
-              <a:buChar char="•"/>
-            </a:pPr>
-            <a:r>
-              <a:rPr lang="en-US" sz="1680" dirty="0">
-                <a:solidFill>
-                  <a:srgbClr val="383838"/>
-                </a:solidFill>
-                <a:latin typeface="Noto Sans SC" pitchFamily="34" charset="0"/>
-                <a:ea typeface="Noto Sans SC" pitchFamily="34" charset="-122"/>
-              </a:rPr>
-              <a:t>eta: learning rate used to control the weight of each tree, default 0.3</a:t>
-            </a:r>
-          </a:p>
-          <a:p>
-            <a:pPr marL="285750" indent="-285750" algn="l">
-              <a:lnSpc>
-                <a:spcPct val="150000"/>
-              </a:lnSpc>
-              <a:buSzPct val="100000"/>
-              <a:buFont typeface="Arial" panose="020B0604020202020204" pitchFamily="34" charset="0"/>
-              <a:buChar char="•"/>
-            </a:pPr>
-            <a:r>
-              <a:rPr lang="en-US" sz="1680" dirty="0">
-                <a:solidFill>
-                  <a:srgbClr val="383838"/>
-                </a:solidFill>
-                <a:latin typeface="Noto Sans SC" pitchFamily="34" charset="0"/>
-                <a:ea typeface="Noto Sans SC" pitchFamily="34" charset="-122"/>
-              </a:rPr>
-              <a:t>use watchlist to monitor model performance on validation dataset in each round</a:t>
-            </a:r>
-          </a:p>
-          <a:p>
-            <a:pPr marL="285750" indent="-285750" algn="l">
-              <a:lnSpc>
-                <a:spcPct val="150000"/>
-              </a:lnSpc>
-              <a:buSzPct val="100000"/>
-              <a:buFont typeface="Arial" panose="020B0604020202020204" pitchFamily="34" charset="0"/>
-              <a:buChar char="•"/>
-            </a:pPr>
-            <a:r>
-              <a:rPr lang="en-US" altLang="zh-CN" sz="1680" dirty="0" err="1">
-                <a:solidFill>
-                  <a:srgbClr val="383838"/>
-                </a:solidFill>
-                <a:latin typeface="Noto Sans SC" pitchFamily="34" charset="0"/>
-                <a:ea typeface="Noto Sans SC" pitchFamily="34" charset="-122"/>
-              </a:rPr>
-              <a:t>early_stopping_rounds</a:t>
-            </a:r>
-            <a:r>
-              <a:rPr lang="en-US" altLang="zh-CN" sz="1680" dirty="0">
-                <a:solidFill>
-                  <a:srgbClr val="383838"/>
-                </a:solidFill>
-                <a:latin typeface="Noto Sans SC" pitchFamily="34" charset="0"/>
-                <a:ea typeface="Noto Sans SC" pitchFamily="34" charset="-122"/>
-              </a:rPr>
-              <a:t> = 10 means that if the model’s performance on </a:t>
-            </a:r>
-            <a:r>
-              <a:rPr lang="en-US" altLang="zh-CN" sz="1680" dirty="0" err="1">
-                <a:solidFill>
-                  <a:srgbClr val="383838"/>
-                </a:solidFill>
-                <a:latin typeface="Noto Sans SC" pitchFamily="34" charset="0"/>
-                <a:ea typeface="Noto Sans SC" pitchFamily="34" charset="-122"/>
-              </a:rPr>
-              <a:t>validset</a:t>
-            </a:r>
-            <a:r>
-              <a:rPr lang="en-US" altLang="zh-CN" sz="1680" dirty="0">
-                <a:solidFill>
-                  <a:srgbClr val="383838"/>
-                </a:solidFill>
-                <a:latin typeface="Noto Sans SC" pitchFamily="34" charset="0"/>
-                <a:ea typeface="Noto Sans SC" pitchFamily="34" charset="-122"/>
-              </a:rPr>
-              <a:t> doesn’t decrease for 10 rounds, stop training</a:t>
-            </a:r>
-            <a:endParaRPr lang="en-US" sz="1680" dirty="0">
-              <a:solidFill>
-                <a:srgbClr val="383838"/>
-              </a:solidFill>
-              <a:latin typeface="Noto Sans SC" pitchFamily="34" charset="0"/>
-              <a:ea typeface="Noto Sans SC" pitchFamily="34" charset="-122"/>
-            </a:endParaRPr>
-          </a:p>
-          <a:p>
-            <a:pPr algn="l">
-              <a:lnSpc>
-                <a:spcPct val="150000"/>
-              </a:lnSpc>
-              <a:buSzPct val="100000"/>
-            </a:pPr>
-            <a:endParaRPr lang="en-US" sz="1680" dirty="0">
-              <a:solidFill>
-                <a:srgbClr val="383838"/>
-              </a:solidFill>
-              <a:latin typeface="Noto Sans SC" pitchFamily="34" charset="0"/>
-              <a:ea typeface="Noto Sans SC" pitchFamily="34" charset="-122"/>
-            </a:endParaRPr>
-          </a:p>
-          <a:p>
-            <a:pPr algn="l">
-              <a:lnSpc>
-                <a:spcPct val="150000"/>
-              </a:lnSpc>
-              <a:buSzPct val="100000"/>
-            </a:pPr>
-            <a:endParaRPr lang="en-US" sz="1680" dirty="0"/>
-          </a:p>
-          <a:p>
-            <a:pPr algn="l">
-              <a:lnSpc>
-                <a:spcPct val="150000"/>
-              </a:lnSpc>
-              <a:buSzPct val="100000"/>
-            </a:pPr>
-            <a:endParaRPr lang="en-US" sz="1680" dirty="0"/>
-          </a:p>
-        </p:txBody>
-      </p:sp>
-    </p:spTree>
-  </p:cSld>
-  <p:clrMapOvr>
-    <a:masterClrMapping/>
-  </p:clrMapOvr>
-</p:sld>
-</file>
-
-<file path=ppt/slides/slide12.xml><?xml version="1.0" encoding="utf-8"?>
-<p:sld xmlns:a="http://schemas.openxmlformats.org/drawingml/2006/main" xmlns:r="http://schemas.openxmlformats.org/officeDocument/2006/relationships" xmlns:p="http://schemas.openxmlformats.org/presentationml/2006/main">
-  <p:cSld name="Slide 10">
-    <p:spTree>
-      <p:nvGrpSpPr>
-        <p:cNvPr id="1" name=""/>
-        <p:cNvGrpSpPr/>
-        <p:nvPr/>
-      </p:nvGrpSpPr>
-      <p:grpSpPr>
-        <a:xfrm>
-          <a:off x="0" y="0"/>
-          <a:ext cx="0" cy="0"/>
-          <a:chOff x="0" y="0"/>
-          <a:chExt cx="0" cy="0"/>
-        </a:xfrm>
-      </p:grpSpPr>
-      <p:sp>
-        <p:nvSpPr>
-          <p:cNvPr id="2" name="Text 0"/>
-          <p:cNvSpPr/>
-          <p:nvPr/>
-        </p:nvSpPr>
-        <p:spPr>
-          <a:xfrm>
-            <a:off x="3571875" y="1038225"/>
-            <a:ext cx="1452563" cy="1243013"/>
-          </a:xfrm>
-          <a:prstGeom prst="rect">
-            <a:avLst/>
-          </a:prstGeom>
-          <a:noFill/>
-          <a:ln/>
-        </p:spPr>
-        <p:txBody>
-          <a:bodyPr wrap="square" rtlCol="0" anchor="t"/>
-          <a:lstStyle/>
-          <a:p>
-            <a:pPr marL="0" indent="0" algn="ctr">
-              <a:buNone/>
-            </a:pPr>
-            <a:r>
-              <a:rPr lang="en-US" sz="6300" b="1" dirty="0">
-                <a:solidFill>
-                  <a:srgbClr val="002A85"/>
-                </a:solidFill>
-                <a:latin typeface="Noto Sans SC" pitchFamily="34" charset="0"/>
-                <a:ea typeface="Noto Sans SC" pitchFamily="34" charset="-122"/>
-                <a:cs typeface="Noto Sans SC" pitchFamily="34" charset="-120"/>
-              </a:rPr>
-              <a:t>02</a:t>
-            </a:r>
-            <a:endParaRPr lang="en-US" sz="6300" dirty="0"/>
-          </a:p>
-        </p:txBody>
-      </p:sp>
-      <p:sp>
-        <p:nvSpPr>
-          <p:cNvPr id="3" name="Text 1"/>
-          <p:cNvSpPr/>
-          <p:nvPr/>
-        </p:nvSpPr>
-        <p:spPr>
-          <a:xfrm>
-            <a:off x="3790950" y="2281238"/>
-            <a:ext cx="3963353" cy="1509713"/>
-          </a:xfrm>
-          <a:prstGeom prst="rect">
-            <a:avLst/>
-          </a:prstGeom>
-          <a:noFill/>
-          <a:ln/>
-        </p:spPr>
-        <p:txBody>
-          <a:bodyPr wrap="square" rtlCol="0" anchor="t"/>
-          <a:lstStyle/>
-          <a:p>
-            <a:pPr marL="0" indent="0">
-              <a:buNone/>
-            </a:pPr>
-            <a:endParaRPr lang="en-US" sz="2415" dirty="0"/>
-          </a:p>
-        </p:txBody>
-      </p:sp>
-    </p:spTree>
-  </p:cSld>
-  <p:clrMapOvr>
-    <a:masterClrMapping/>
-  </p:clrMapOvr>
-</p:sld>
-</file>
-
-<file path=ppt/slides/slide13.xml><?xml version="1.0" encoding="utf-8"?>
-<p:sld xmlns:a="http://schemas.openxmlformats.org/drawingml/2006/main" xmlns:r="http://schemas.openxmlformats.org/officeDocument/2006/relationships" xmlns:p="http://schemas.openxmlformats.org/presentationml/2006/main">
-  <p:cSld name="Slide 11">
-    <p:spTree>
-      <p:nvGrpSpPr>
-        <p:cNvPr id="1" name=""/>
-        <p:cNvGrpSpPr/>
-        <p:nvPr/>
-      </p:nvGrpSpPr>
-      <p:grpSpPr>
-        <a:xfrm>
-          <a:off x="0" y="0"/>
-          <a:ext cx="0" cy="0"/>
-          <a:chOff x="0" y="0"/>
-          <a:chExt cx="0" cy="0"/>
-        </a:xfrm>
-      </p:grpSpPr>
-      <p:sp>
-        <p:nvSpPr>
-          <p:cNvPr id="2" name="Shape 0"/>
-          <p:cNvSpPr/>
-          <p:nvPr/>
-        </p:nvSpPr>
-        <p:spPr>
-          <a:xfrm>
-            <a:off x="0" y="457200"/>
-            <a:ext cx="4019550" cy="233363"/>
-          </a:xfrm>
-          <a:prstGeom prst="rect">
-            <a:avLst/>
-          </a:prstGeom>
-          <a:solidFill>
-            <a:srgbClr val="A5DDFF"/>
-          </a:solidFill>
-          <a:ln/>
-        </p:spPr>
-      </p:sp>
-      <p:sp>
-        <p:nvSpPr>
-          <p:cNvPr id="3" name="Text 1"/>
-          <p:cNvSpPr/>
-          <p:nvPr/>
-        </p:nvSpPr>
-        <p:spPr>
-          <a:xfrm>
-            <a:off x="762000" y="138113"/>
-            <a:ext cx="8130540" cy="552450"/>
-          </a:xfrm>
-          <a:prstGeom prst="rect">
-            <a:avLst/>
-          </a:prstGeom>
-          <a:noFill/>
-          <a:ln/>
-        </p:spPr>
-        <p:txBody>
-          <a:bodyPr wrap="square" rtlCol="0" anchor="ctr"/>
-          <a:lstStyle/>
-          <a:p>
-            <a:pPr marL="0" indent="0">
-              <a:buNone/>
-            </a:pPr>
-            <a:r>
-              <a:rPr lang="en-US" sz="2625" b="1" dirty="0">
-                <a:solidFill>
-                  <a:srgbClr val="002A85"/>
-                </a:solidFill>
-                <a:latin typeface="Noto Sans SC" pitchFamily="34" charset="0"/>
-                <a:ea typeface="Noto Sans SC" pitchFamily="34" charset="-122"/>
-                <a:cs typeface="Noto Sans SC" pitchFamily="34" charset="-120"/>
-              </a:rPr>
-              <a:t>Card</a:t>
-            </a:r>
-            <a:endParaRPr lang="en-US" sz="2625" dirty="0"/>
-          </a:p>
-        </p:txBody>
-      </p:sp>
-      <p:sp>
-        <p:nvSpPr>
-          <p:cNvPr id="4" name="Text 2"/>
-          <p:cNvSpPr/>
-          <p:nvPr/>
-        </p:nvSpPr>
-        <p:spPr>
-          <a:xfrm>
-            <a:off x="762000" y="1304925"/>
-            <a:ext cx="7715250" cy="3452813"/>
-          </a:xfrm>
-          <a:prstGeom prst="rect">
-            <a:avLst/>
-          </a:prstGeom>
-          <a:noFill/>
-          <a:ln/>
-        </p:spPr>
-        <p:txBody>
-          <a:bodyPr wrap="square" rtlCol="0" anchor="t"/>
-          <a:lstStyle/>
-          <a:p>
-            <a:pPr algn="l">
-              <a:lnSpc>
-                <a:spcPct val="150000"/>
-              </a:lnSpc>
-              <a:buSzPct val="100000"/>
-            </a:pPr>
-            <a:endParaRPr lang="en-US" sz="1680" dirty="0"/>
-          </a:p>
-        </p:txBody>
-      </p:sp>
-    </p:spTree>
-  </p:cSld>
-  <p:clrMapOvr>
-    <a:masterClrMapping/>
-  </p:clrMapOvr>
-</p:sld>
-</file>
-
-<file path=ppt/slides/slide14.xml><?xml version="1.0" encoding="utf-8"?>
-<p:sld xmlns:a="http://schemas.openxmlformats.org/drawingml/2006/main" xmlns:r="http://schemas.openxmlformats.org/officeDocument/2006/relationships" xmlns:p="http://schemas.openxmlformats.org/presentationml/2006/main">
-  <p:cSld name="Slide 20">
-    <p:spTree>
-      <p:nvGrpSpPr>
-        <p:cNvPr id="1" name=""/>
-        <p:cNvGrpSpPr/>
-        <p:nvPr/>
-      </p:nvGrpSpPr>
-      <p:grpSpPr>
-        <a:xfrm>
-          <a:off x="0" y="0"/>
-          <a:ext cx="0" cy="0"/>
-          <a:chOff x="0" y="0"/>
-          <a:chExt cx="0" cy="0"/>
-        </a:xfrm>
-      </p:grpSpPr>
-      <p:sp>
-        <p:nvSpPr>
-          <p:cNvPr id="2" name="Text 0"/>
-          <p:cNvSpPr/>
-          <p:nvPr/>
-        </p:nvSpPr>
-        <p:spPr>
-          <a:xfrm>
-            <a:off x="2871788" y="1838325"/>
-            <a:ext cx="3395663" cy="552450"/>
-          </a:xfrm>
-          <a:prstGeom prst="rect">
-            <a:avLst/>
-          </a:prstGeom>
-          <a:noFill/>
-          <a:ln/>
-        </p:spPr>
-        <p:txBody>
-          <a:bodyPr wrap="square" rtlCol="0" anchor="t"/>
-          <a:lstStyle/>
-          <a:p>
-            <a:pPr marL="0" indent="0" algn="ctr">
-              <a:buNone/>
-            </a:pPr>
-            <a:r>
-              <a:rPr lang="en-US" sz="2800" b="1" dirty="0">
-                <a:solidFill>
-                  <a:srgbClr val="002A85"/>
-                </a:solidFill>
-                <a:latin typeface="Noto Sans SC" pitchFamily="34" charset="0"/>
-                <a:ea typeface="Noto Sans SC" pitchFamily="34" charset="-122"/>
-                <a:cs typeface="Noto Sans SC" pitchFamily="34" charset="-120"/>
-              </a:rPr>
-              <a:t>THE END</a:t>
-            </a:r>
-            <a:endParaRPr lang="en-US" sz="2800" dirty="0"/>
-          </a:p>
-        </p:txBody>
-      </p:sp>
-      <p:sp>
-        <p:nvSpPr>
-          <p:cNvPr id="3" name="Text 1"/>
-          <p:cNvSpPr/>
-          <p:nvPr/>
-        </p:nvSpPr>
-        <p:spPr>
-          <a:xfrm>
-            <a:off x="2871788" y="2390775"/>
-            <a:ext cx="3395663" cy="1033463"/>
-          </a:xfrm>
-          <a:prstGeom prst="rect">
-            <a:avLst/>
-          </a:prstGeom>
-          <a:noFill/>
-          <a:ln/>
-        </p:spPr>
-        <p:txBody>
-          <a:bodyPr wrap="square" rtlCol="0" anchor="t"/>
-          <a:lstStyle/>
-          <a:p>
-            <a:pPr marL="0" indent="0" algn="ctr">
-              <a:buNone/>
-            </a:pPr>
-            <a:r>
-              <a:rPr lang="en-US" sz="5250" b="1" dirty="0">
-                <a:solidFill>
-                  <a:srgbClr val="002A85"/>
-                </a:solidFill>
-                <a:latin typeface="Noto Sans SC" pitchFamily="34" charset="0"/>
-                <a:ea typeface="Noto Sans SC" pitchFamily="34" charset="-122"/>
-                <a:cs typeface="Noto Sans SC" pitchFamily="34" charset="-120"/>
-              </a:rPr>
-              <a:t>THANKS</a:t>
-            </a:r>
-            <a:endParaRPr lang="en-US" sz="5250" dirty="0"/>
-          </a:p>
-        </p:txBody>
-      </p:sp>
-    </p:spTree>
-  </p:cSld>
-  <p:clrMapOvr>
-    <a:masterClrMapping/>
-  </p:clrMapOvr>
-</p:sld>
-</file>
-
-<file path=ppt/slides/slide2.xml><?xml version="1.0" encoding="utf-8"?>
-<p:sld xmlns:a="http://schemas.openxmlformats.org/drawingml/2006/main" xmlns:r="http://schemas.openxmlformats.org/officeDocument/2006/relationships" xmlns:p="http://schemas.openxmlformats.org/presentationml/2006/main">
-  <p:cSld name="Slide 2">
-    <p:spTree>
-      <p:nvGrpSpPr>
-        <p:cNvPr id="1" name=""/>
-        <p:cNvGrpSpPr/>
-        <p:nvPr/>
-      </p:nvGrpSpPr>
-      <p:grpSpPr>
-        <a:xfrm>
-          <a:off x="0" y="0"/>
-          <a:ext cx="0" cy="0"/>
-          <a:chOff x="0" y="0"/>
-          <a:chExt cx="0" cy="0"/>
-        </a:xfrm>
-      </p:grpSpPr>
-      <p:sp>
-        <p:nvSpPr>
-          <p:cNvPr id="2" name="Text 0"/>
-          <p:cNvSpPr/>
-          <p:nvPr/>
-        </p:nvSpPr>
-        <p:spPr>
-          <a:xfrm>
-            <a:off x="1524000" y="361950"/>
-            <a:ext cx="3109913" cy="828675"/>
-          </a:xfrm>
-          <a:prstGeom prst="rect">
-            <a:avLst/>
-          </a:prstGeom>
-          <a:noFill/>
-          <a:ln/>
-        </p:spPr>
-        <p:txBody>
-          <a:bodyPr wrap="square" rtlCol="0" anchor="ctr"/>
-          <a:lstStyle/>
-          <a:p>
-            <a:pPr marL="0" indent="0" algn="ctr">
-              <a:buNone/>
-            </a:pPr>
-            <a:r>
-              <a:rPr lang="en-US" sz="4200" b="1" dirty="0">
-                <a:solidFill>
-                  <a:srgbClr val="002A85"/>
-                </a:solidFill>
-                <a:latin typeface="Noto Sans SC" pitchFamily="34" charset="0"/>
-                <a:ea typeface="Noto Sans SC" pitchFamily="34" charset="-122"/>
-                <a:cs typeface="Noto Sans SC" pitchFamily="34" charset="-120"/>
-              </a:rPr>
-              <a:t> CONTENTS </a:t>
-            </a:r>
-            <a:endParaRPr lang="en-US" sz="4200" dirty="0"/>
-          </a:p>
-        </p:txBody>
-      </p:sp>
-      <p:sp>
-        <p:nvSpPr>
-          <p:cNvPr id="3" name="Text 1"/>
-          <p:cNvSpPr/>
-          <p:nvPr/>
-        </p:nvSpPr>
-        <p:spPr>
-          <a:xfrm>
-            <a:off x="1819275" y="1619250"/>
-            <a:ext cx="6605587" cy="3105150"/>
-          </a:xfrm>
-          <a:prstGeom prst="rect">
-            <a:avLst/>
-          </a:prstGeom>
-          <a:noFill/>
-          <a:ln/>
-        </p:spPr>
-        <p:txBody>
-          <a:bodyPr wrap="square" rtlCol="0" anchor="t"/>
-          <a:lstStyle/>
-          <a:p>
-            <a:pPr marL="342900" indent="-342900">
-              <a:lnSpc>
-                <a:spcPct val="150000"/>
-              </a:lnSpc>
-              <a:buSzPct val="100000"/>
-              <a:buFontTx/>
-              <a:buChar char="•"/>
-            </a:pPr>
-            <a:r>
-              <a:rPr lang="en-US" sz="1750" dirty="0">
-                <a:solidFill>
-                  <a:srgbClr val="383838"/>
-                </a:solidFill>
-                <a:latin typeface="Noto Sans SC" pitchFamily="34" charset="0"/>
-                <a:ea typeface="Noto Sans SC" pitchFamily="34" charset="-122"/>
-                <a:cs typeface="Noto Sans SC" pitchFamily="34" charset="-120"/>
-              </a:rPr>
-              <a:t>C</a:t>
-            </a:r>
-            <a:r>
-              <a:rPr lang="en-US" altLang="zh-CN" sz="1750" dirty="0">
-                <a:solidFill>
-                  <a:srgbClr val="383838"/>
-                </a:solidFill>
-                <a:latin typeface="Noto Sans SC" pitchFamily="34" charset="0"/>
-                <a:ea typeface="Noto Sans SC" pitchFamily="34" charset="-122"/>
-                <a:cs typeface="Noto Sans SC" pitchFamily="34" charset="-120"/>
-              </a:rPr>
-              <a:t>ard </a:t>
-            </a:r>
-            <a:r>
-              <a:rPr lang="en-US" sz="1750" dirty="0">
-                <a:solidFill>
-                  <a:srgbClr val="383838"/>
-                </a:solidFill>
-                <a:latin typeface="Noto Sans SC" pitchFamily="34" charset="0"/>
-                <a:ea typeface="Noto Sans SC" pitchFamily="34" charset="-122"/>
-                <a:cs typeface="Noto Sans SC" pitchFamily="34" charset="-120"/>
-              </a:rPr>
-              <a:t>Transaction Fraud Dataset Introduction</a:t>
-            </a:r>
-            <a:endParaRPr lang="en-US" sz="1750" dirty="0"/>
-          </a:p>
-          <a:p>
-            <a:pPr marL="342900" indent="-342900" algn="l">
-              <a:lnSpc>
-                <a:spcPct val="150000"/>
-              </a:lnSpc>
-              <a:buSzPct val="100000"/>
-              <a:buChar char="•"/>
-            </a:pPr>
-            <a:r>
-              <a:rPr lang="en-US" sz="1750" dirty="0" err="1">
-                <a:solidFill>
-                  <a:srgbClr val="383838"/>
-                </a:solidFill>
-                <a:latin typeface="Noto Sans SC" pitchFamily="34" charset="0"/>
-                <a:ea typeface="Noto Sans SC" pitchFamily="34" charset="-122"/>
-                <a:cs typeface="Noto Sans SC" pitchFamily="34" charset="-120"/>
-              </a:rPr>
-              <a:t>XGBoost</a:t>
-            </a:r>
-            <a:r>
-              <a:rPr lang="en-US" sz="1750" dirty="0">
-                <a:solidFill>
-                  <a:srgbClr val="383838"/>
-                </a:solidFill>
-                <a:latin typeface="Noto Sans SC" pitchFamily="34" charset="0"/>
-                <a:ea typeface="Noto Sans SC" pitchFamily="34" charset="-122"/>
-                <a:cs typeface="Noto Sans SC" pitchFamily="34" charset="-120"/>
-              </a:rPr>
-              <a:t> introduction</a:t>
-            </a:r>
-          </a:p>
-        </p:txBody>
-      </p:sp>
-    </p:spTree>
-  </p:cSld>
-  <p:clrMapOvr>
-    <a:masterClrMapping/>
-  </p:clrMapOvr>
-</p:sld>
-</file>
-
-<file path=ppt/slides/slide3.xml><?xml version="1.0" encoding="utf-8"?>
-<p:sld xmlns:a="http://schemas.openxmlformats.org/drawingml/2006/main" xmlns:r="http://schemas.openxmlformats.org/officeDocument/2006/relationships" xmlns:p="http://schemas.openxmlformats.org/presentationml/2006/main">
-  <p:cSld name="Slide 3">
-    <p:spTree>
-      <p:nvGrpSpPr>
-        <p:cNvPr id="1" name=""/>
-        <p:cNvGrpSpPr/>
-        <p:nvPr/>
-      </p:nvGrpSpPr>
-      <p:grpSpPr>
-        <a:xfrm>
-          <a:off x="0" y="0"/>
-          <a:ext cx="0" cy="0"/>
-          <a:chOff x="0" y="0"/>
-          <a:chExt cx="0" cy="0"/>
-        </a:xfrm>
-      </p:grpSpPr>
-      <p:sp>
-        <p:nvSpPr>
-          <p:cNvPr id="2" name="Text 0"/>
-          <p:cNvSpPr/>
-          <p:nvPr/>
-        </p:nvSpPr>
-        <p:spPr>
-          <a:xfrm>
-            <a:off x="3571875" y="1038225"/>
-            <a:ext cx="1452563" cy="1243013"/>
-          </a:xfrm>
-          <a:prstGeom prst="rect">
-            <a:avLst/>
-          </a:prstGeom>
-          <a:noFill/>
-          <a:ln/>
-        </p:spPr>
-        <p:txBody>
-          <a:bodyPr wrap="square" rtlCol="0" anchor="t"/>
-          <a:lstStyle/>
-          <a:p>
-            <a:pPr marL="0" indent="0" algn="ctr">
-              <a:buNone/>
-            </a:pPr>
-            <a:r>
-              <a:rPr lang="en-US" sz="6300" b="1" dirty="0">
-                <a:solidFill>
-                  <a:srgbClr val="002A85"/>
-                </a:solidFill>
-                <a:latin typeface="Noto Sans SC" pitchFamily="34" charset="0"/>
-                <a:ea typeface="Noto Sans SC" pitchFamily="34" charset="-122"/>
-                <a:cs typeface="Noto Sans SC" pitchFamily="34" charset="-120"/>
-              </a:rPr>
-              <a:t>01</a:t>
-            </a:r>
-            <a:endParaRPr lang="en-US" sz="6300" dirty="0"/>
-          </a:p>
-        </p:txBody>
-      </p:sp>
-      <p:sp>
-        <p:nvSpPr>
-          <p:cNvPr id="3" name="Text 1"/>
-          <p:cNvSpPr/>
-          <p:nvPr/>
-        </p:nvSpPr>
-        <p:spPr>
-          <a:xfrm>
-            <a:off x="3790950" y="2281238"/>
-            <a:ext cx="3963353" cy="1509713"/>
-          </a:xfrm>
-          <a:prstGeom prst="rect">
-            <a:avLst/>
-          </a:prstGeom>
-          <a:noFill/>
-          <a:ln/>
-        </p:spPr>
-        <p:txBody>
-          <a:bodyPr wrap="square" rtlCol="0" anchor="t"/>
-          <a:lstStyle/>
-          <a:p>
-            <a:pPr marL="0" indent="0">
-              <a:buNone/>
-            </a:pPr>
-            <a:r>
-              <a:rPr lang="en-US" sz="3640" b="1" dirty="0">
-                <a:solidFill>
-                  <a:srgbClr val="002A85"/>
-                </a:solidFill>
-                <a:latin typeface="Noto Sans SC" pitchFamily="34" charset="0"/>
-                <a:ea typeface="Noto Sans SC" pitchFamily="34" charset="-122"/>
-                <a:cs typeface="Noto Sans SC" pitchFamily="34" charset="-120"/>
-              </a:rPr>
-              <a:t>Introduction to Dataset</a:t>
-            </a:r>
-            <a:endParaRPr lang="en-US" sz="3640" dirty="0"/>
-          </a:p>
-        </p:txBody>
-      </p:sp>
-    </p:spTree>
-  </p:cSld>
-  <p:clrMapOvr>
-    <a:masterClrMapping/>
-  </p:clrMapOvr>
-</p:sld>
-</file>
-
-<file path=ppt/slides/slide4.xml><?xml version="1.0" encoding="utf-8"?>
-<p:sld xmlns:a="http://schemas.openxmlformats.org/drawingml/2006/main" xmlns:r="http://schemas.openxmlformats.org/officeDocument/2006/relationships" xmlns:p="http://schemas.openxmlformats.org/presentationml/2006/main">
-  <p:cSld name="Slide 4">
-    <p:spTree>
-      <p:nvGrpSpPr>
-        <p:cNvPr id="1" name=""/>
-        <p:cNvGrpSpPr/>
-        <p:nvPr/>
-      </p:nvGrpSpPr>
-      <p:grpSpPr>
-        <a:xfrm>
-          <a:off x="0" y="0"/>
-          <a:ext cx="0" cy="0"/>
-          <a:chOff x="0" y="0"/>
-          <a:chExt cx="0" cy="0"/>
-        </a:xfrm>
-      </p:grpSpPr>
-      <p:sp>
-        <p:nvSpPr>
-          <p:cNvPr id="2" name="Shape 0"/>
-          <p:cNvSpPr/>
-          <p:nvPr/>
-        </p:nvSpPr>
-        <p:spPr>
-          <a:xfrm>
-            <a:off x="0" y="457200"/>
-            <a:ext cx="4019550" cy="233363"/>
-          </a:xfrm>
-          <a:prstGeom prst="rect">
-            <a:avLst/>
-          </a:prstGeom>
-          <a:solidFill>
-            <a:srgbClr val="A5DDFF"/>
-          </a:solidFill>
-          <a:ln/>
-        </p:spPr>
-      </p:sp>
-      <p:sp>
-        <p:nvSpPr>
-          <p:cNvPr id="3" name="Text 1"/>
-          <p:cNvSpPr/>
-          <p:nvPr/>
-        </p:nvSpPr>
-        <p:spPr>
-          <a:xfrm>
-            <a:off x="762000" y="138113"/>
-            <a:ext cx="8130540" cy="552450"/>
-          </a:xfrm>
-          <a:prstGeom prst="rect">
-            <a:avLst/>
-          </a:prstGeom>
-          <a:noFill/>
-          <a:ln/>
-        </p:spPr>
-        <p:txBody>
-          <a:bodyPr wrap="square" rtlCol="0" anchor="ctr"/>
-          <a:lstStyle/>
-          <a:p>
-            <a:pPr marL="0" indent="0">
-              <a:buNone/>
-            </a:pPr>
-            <a:r>
-              <a:rPr lang="en-US" sz="2625" b="1" dirty="0">
-                <a:solidFill>
-                  <a:srgbClr val="002A85"/>
-                </a:solidFill>
-                <a:latin typeface="Noto Sans SC" pitchFamily="34" charset="0"/>
-                <a:ea typeface="Noto Sans SC" pitchFamily="34" charset="-122"/>
-              </a:rPr>
-              <a:t>Dataset Introduction</a:t>
-            </a:r>
-            <a:endParaRPr lang="en-US" sz="2625" dirty="0"/>
-          </a:p>
-        </p:txBody>
-      </p:sp>
-      <p:sp>
-        <p:nvSpPr>
-          <p:cNvPr id="4" name="Text 2"/>
-          <p:cNvSpPr/>
-          <p:nvPr/>
-        </p:nvSpPr>
-        <p:spPr>
-          <a:xfrm>
-            <a:off x="714375" y="759015"/>
-            <a:ext cx="7715250" cy="3452813"/>
-          </a:xfrm>
-          <a:prstGeom prst="rect">
-            <a:avLst/>
-          </a:prstGeom>
-          <a:noFill/>
-          <a:ln/>
-        </p:spPr>
-        <p:txBody>
-          <a:bodyPr wrap="square" rtlCol="0" anchor="t"/>
-          <a:lstStyle/>
-          <a:p>
-            <a:pPr marL="285750" indent="-285750">
-              <a:lnSpc>
-                <a:spcPct val="150000"/>
-              </a:lnSpc>
-              <a:buSzPct val="100000"/>
-              <a:buFont typeface="Arial" panose="020B0604020202020204" pitchFamily="34" charset="0"/>
-              <a:buChar char="•"/>
-            </a:pPr>
-            <a:r>
-              <a:rPr lang="en-US" sz="1680" dirty="0">
-                <a:solidFill>
-                  <a:srgbClr val="383838"/>
-                </a:solidFill>
-                <a:latin typeface="Noto Sans SC" pitchFamily="34" charset="0"/>
-                <a:ea typeface="Noto Sans SC" pitchFamily="34" charset="-122"/>
-              </a:rPr>
-              <a:t>Simulated credit card transaction fraud data on Kaggle  </a:t>
-            </a:r>
-          </a:p>
-          <a:p>
-            <a:pPr marL="285750" indent="-285750">
-              <a:lnSpc>
-                <a:spcPct val="150000"/>
-              </a:lnSpc>
-              <a:buSzPct val="100000"/>
-              <a:buFont typeface="Arial" panose="020B0604020202020204" pitchFamily="34" charset="0"/>
-              <a:buChar char="•"/>
-            </a:pPr>
-            <a:r>
-              <a:rPr lang="en-US" sz="1600" dirty="0">
-                <a:hlinkClick r:id="rId3"/>
-              </a:rPr>
-              <a:t>Credit Card Fraud (kaggle.com)</a:t>
-            </a:r>
-            <a:endParaRPr lang="en-US" sz="1600" dirty="0"/>
-          </a:p>
-          <a:p>
-            <a:pPr marL="285750" indent="-285750">
-              <a:lnSpc>
-                <a:spcPct val="150000"/>
-              </a:lnSpc>
-              <a:buSzPct val="100000"/>
-              <a:buFont typeface="Arial" panose="020B0604020202020204" pitchFamily="34" charset="0"/>
-              <a:buChar char="•"/>
-            </a:pPr>
-            <a:r>
-              <a:rPr lang="en-US" sz="1680" dirty="0">
-                <a:solidFill>
-                  <a:srgbClr val="383838"/>
-                </a:solidFill>
-                <a:latin typeface="Noto Sans SC" pitchFamily="34" charset="0"/>
-                <a:ea typeface="Noto Sans SC" pitchFamily="34" charset="-122"/>
-              </a:rPr>
-              <a:t>Binary classification problem</a:t>
-            </a:r>
-            <a:r>
-              <a:rPr lang="en-US" sz="1600" dirty="0">
-                <a:solidFill>
-                  <a:srgbClr val="383838"/>
-                </a:solidFill>
-                <a:latin typeface="Noto Sans SC" pitchFamily="34" charset="0"/>
-                <a:ea typeface="Noto Sans SC" pitchFamily="34" charset="-122"/>
-              </a:rPr>
-              <a:t>, each transaction is either fraudulent or not.</a:t>
-            </a:r>
-            <a:endParaRPr lang="en-US" sz="1680" dirty="0">
-              <a:solidFill>
-                <a:srgbClr val="383838"/>
-              </a:solidFill>
-              <a:latin typeface="Noto Sans SC" pitchFamily="34" charset="0"/>
-              <a:ea typeface="Noto Sans SC" pitchFamily="34" charset="-122"/>
-            </a:endParaRPr>
-          </a:p>
-          <a:p>
-            <a:pPr marL="285750" indent="-285750">
-              <a:lnSpc>
-                <a:spcPct val="150000"/>
-              </a:lnSpc>
-              <a:buSzPct val="100000"/>
-              <a:buFont typeface="Arial" panose="020B0604020202020204" pitchFamily="34" charset="0"/>
-              <a:buChar char="•"/>
-            </a:pPr>
-            <a:r>
-              <a:rPr lang="en-US" sz="1680" dirty="0">
-                <a:solidFill>
-                  <a:srgbClr val="383838"/>
-                </a:solidFill>
-                <a:latin typeface="Noto Sans SC" pitchFamily="34" charset="0"/>
-                <a:ea typeface="Noto Sans SC" pitchFamily="34" charset="-122"/>
-              </a:rPr>
-              <a:t>1000000 transactions, only 87403 transactions are fraudulent. 8.74% fraud rate, very unbalanced data</a:t>
-            </a:r>
-          </a:p>
-          <a:p>
-            <a:pPr marL="285750" indent="-285750">
-              <a:lnSpc>
-                <a:spcPct val="150000"/>
-              </a:lnSpc>
-              <a:buSzPct val="100000"/>
-              <a:buFont typeface="Arial" panose="020B0604020202020204" pitchFamily="34" charset="0"/>
-              <a:buChar char="•"/>
-            </a:pPr>
-            <a:r>
-              <a:rPr lang="en-US" sz="1680" dirty="0">
-                <a:solidFill>
-                  <a:srgbClr val="383838"/>
-                </a:solidFill>
-                <a:latin typeface="Noto Sans SC" pitchFamily="34" charset="0"/>
-                <a:ea typeface="Noto Sans SC" pitchFamily="34" charset="-122"/>
-              </a:rPr>
-              <a:t>We will try stratified sampling and </a:t>
-            </a:r>
-            <a:r>
-              <a:rPr lang="en-US" sz="1680" dirty="0" err="1">
-                <a:solidFill>
-                  <a:srgbClr val="383838"/>
-                </a:solidFill>
-                <a:latin typeface="Noto Sans SC" pitchFamily="34" charset="0"/>
-                <a:ea typeface="Noto Sans SC" pitchFamily="34" charset="-122"/>
-              </a:rPr>
-              <a:t>upsampling</a:t>
-            </a:r>
-            <a:r>
-              <a:rPr lang="en-US" sz="1680" dirty="0">
-                <a:solidFill>
-                  <a:srgbClr val="383838"/>
-                </a:solidFill>
-                <a:latin typeface="Noto Sans SC" pitchFamily="34" charset="0"/>
-                <a:ea typeface="Noto Sans SC" pitchFamily="34" charset="-122"/>
-              </a:rPr>
-              <a:t> when dividing the dataset</a:t>
-            </a:r>
-          </a:p>
-          <a:p>
-            <a:pPr marL="342900" indent="-342900" algn="l">
-              <a:lnSpc>
-                <a:spcPct val="150000"/>
-              </a:lnSpc>
-              <a:buSzPct val="100000"/>
-              <a:buChar char="•"/>
-            </a:pPr>
-            <a:endParaRPr lang="en-US" sz="1680" dirty="0">
-              <a:solidFill>
-                <a:srgbClr val="383838"/>
-              </a:solidFill>
-              <a:latin typeface="Noto Sans SC" pitchFamily="34" charset="0"/>
-              <a:ea typeface="Noto Sans SC" pitchFamily="34" charset="-122"/>
-            </a:endParaRPr>
-          </a:p>
-          <a:p>
-            <a:pPr marL="342900" indent="-342900" algn="l">
-              <a:lnSpc>
-                <a:spcPct val="150000"/>
-              </a:lnSpc>
-              <a:buSzPct val="100000"/>
-              <a:buChar char="•"/>
-            </a:pPr>
-            <a:endParaRPr lang="en-US" sz="1680" dirty="0"/>
-          </a:p>
-          <a:p>
-            <a:pPr marL="342900" indent="-342900" algn="l">
-              <a:lnSpc>
-                <a:spcPct val="150000"/>
-              </a:lnSpc>
-              <a:buSzPct val="100000"/>
-              <a:buChar char="•"/>
-            </a:pPr>
-            <a:endParaRPr lang="en-US" sz="1680" dirty="0"/>
-          </a:p>
-        </p:txBody>
-      </p:sp>
-    </p:spTree>
-  </p:cSld>
-  <p:clrMapOvr>
-    <a:masterClrMapping/>
-  </p:clrMapOvr>
-</p:sld>
-</file>
-
-<file path=ppt/slides/slide5.xml><?xml version="1.0" encoding="utf-8"?>
-<p:sld xmlns:a="http://schemas.openxmlformats.org/drawingml/2006/main" xmlns:r="http://schemas.openxmlformats.org/officeDocument/2006/relationships" xmlns:p="http://schemas.openxmlformats.org/presentationml/2006/main">
-  <p:cSld>
-    <p:spTree>
-      <p:nvGrpSpPr>
-        <p:cNvPr id="1" name=""/>
-        <p:cNvGrpSpPr/>
-        <p:nvPr/>
-      </p:nvGrpSpPr>
-      <p:grpSpPr>
-        <a:xfrm>
-          <a:off x="0" y="0"/>
-          <a:ext cx="0" cy="0"/>
-          <a:chOff x="0" y="0"/>
-          <a:chExt cx="0" cy="0"/>
-        </a:xfrm>
-      </p:grpSpPr>
-      <p:sp>
-        <p:nvSpPr>
-          <p:cNvPr id="2" name="Shape 0"/>
-          <p:cNvSpPr/>
-          <p:nvPr/>
-        </p:nvSpPr>
-        <p:spPr>
-          <a:xfrm>
-            <a:off x="0" y="457200"/>
-            <a:ext cx="4019550" cy="233363"/>
-          </a:xfrm>
-          <a:prstGeom prst="rect">
-            <a:avLst/>
-          </a:prstGeom>
-          <a:solidFill>
-            <a:srgbClr val="A5DDFF"/>
-          </a:solidFill>
-          <a:ln/>
-        </p:spPr>
-      </p:sp>
-      <p:sp>
-        <p:nvSpPr>
-          <p:cNvPr id="3" name="Text 1"/>
-          <p:cNvSpPr/>
-          <p:nvPr/>
-        </p:nvSpPr>
-        <p:spPr>
-          <a:xfrm>
-            <a:off x="762000" y="138113"/>
-            <a:ext cx="8130540" cy="552450"/>
-          </a:xfrm>
-          <a:prstGeom prst="rect">
-            <a:avLst/>
-          </a:prstGeom>
-          <a:noFill/>
-          <a:ln/>
-        </p:spPr>
-        <p:txBody>
-          <a:bodyPr wrap="square" rtlCol="0" anchor="ctr"/>
-          <a:lstStyle/>
-          <a:p>
-            <a:pPr marL="0" indent="0">
-              <a:buNone/>
-            </a:pPr>
-            <a:r>
-              <a:rPr lang="en-US" sz="2625" b="1" dirty="0">
-                <a:solidFill>
-                  <a:srgbClr val="002A85"/>
-                </a:solidFill>
-                <a:latin typeface="Noto Sans SC" pitchFamily="34" charset="0"/>
-                <a:ea typeface="Noto Sans SC" pitchFamily="34" charset="-122"/>
-              </a:rPr>
-              <a:t>Dataset</a:t>
-            </a:r>
-            <a:r>
-              <a:rPr lang="zh-CN" altLang="en-US" sz="2625" b="1" dirty="0">
-                <a:solidFill>
-                  <a:srgbClr val="002A85"/>
-                </a:solidFill>
-                <a:latin typeface="Noto Sans SC" pitchFamily="34" charset="0"/>
-                <a:ea typeface="Noto Sans SC" pitchFamily="34" charset="-122"/>
-              </a:rPr>
-              <a:t> </a:t>
-            </a:r>
-            <a:r>
-              <a:rPr lang="en-US" altLang="zh-CN" sz="2625" b="1" dirty="0">
-                <a:solidFill>
-                  <a:srgbClr val="002A85"/>
-                </a:solidFill>
-                <a:latin typeface="Noto Sans SC" pitchFamily="34" charset="0"/>
-                <a:ea typeface="Noto Sans SC" pitchFamily="34" charset="-122"/>
-              </a:rPr>
-              <a:t>description</a:t>
-            </a:r>
-            <a:endParaRPr lang="en-US" sz="2625" dirty="0"/>
-          </a:p>
-        </p:txBody>
-      </p:sp>
-      <p:sp>
-        <p:nvSpPr>
-          <p:cNvPr id="4" name="Text 2"/>
-          <p:cNvSpPr/>
-          <p:nvPr/>
-        </p:nvSpPr>
-        <p:spPr>
-          <a:xfrm>
-            <a:off x="762000" y="2825749"/>
-            <a:ext cx="7929513" cy="1432874"/>
-          </a:xfrm>
-          <a:prstGeom prst="rect">
-            <a:avLst/>
-          </a:prstGeom>
-          <a:noFill/>
-          <a:ln/>
-        </p:spPr>
-        <p:txBody>
-          <a:bodyPr wrap="square" rtlCol="0" anchor="t"/>
-          <a:lstStyle/>
-          <a:p>
-            <a:pPr fontAlgn="base"/>
-            <a:r>
-              <a:rPr lang="en-US" dirty="0" err="1"/>
-              <a:t>dist_home</a:t>
-            </a:r>
-            <a:r>
-              <a:rPr lang="en-US" dirty="0"/>
-              <a:t>: the distance from home where the transaction happened</a:t>
-            </a:r>
-          </a:p>
-          <a:p>
-            <a:pPr fontAlgn="base"/>
-            <a:endParaRPr lang="en-US" dirty="0"/>
-          </a:p>
-          <a:p>
-            <a:pPr fontAlgn="base"/>
-            <a:r>
-              <a:rPr lang="en-US" dirty="0" err="1"/>
-              <a:t>dist_last_transact</a:t>
-            </a:r>
-            <a:r>
-              <a:rPr lang="en-US" dirty="0"/>
-              <a:t>: the distance from last transaction happened</a:t>
-            </a:r>
-          </a:p>
-          <a:p>
-            <a:pPr fontAlgn="base"/>
-            <a:endParaRPr lang="en-US" dirty="0"/>
-          </a:p>
-          <a:p>
-            <a:pPr fontAlgn="base"/>
-            <a:r>
-              <a:rPr lang="en-US" dirty="0" err="1"/>
-              <a:t>ratio_to_med_price</a:t>
-            </a:r>
-            <a:r>
-              <a:rPr lang="en-US" dirty="0"/>
-              <a:t>: ratio of transaction </a:t>
-            </a:r>
-            <a:r>
-              <a:rPr lang="en-US" dirty="0" err="1"/>
-              <a:t>prive</a:t>
-            </a:r>
-            <a:r>
-              <a:rPr lang="en-US" dirty="0"/>
-              <a:t> to median purchase price</a:t>
-            </a:r>
-          </a:p>
-          <a:p>
-            <a:pPr fontAlgn="base"/>
-            <a:endParaRPr lang="en-US" dirty="0"/>
-          </a:p>
-          <a:p>
-            <a:pPr fontAlgn="base"/>
-            <a:r>
-              <a:rPr lang="en-US" dirty="0" err="1"/>
-              <a:t>repeat_retailer</a:t>
-            </a:r>
-            <a:r>
-              <a:rPr lang="en-US" dirty="0"/>
-              <a:t>: Is the transaction happened from same retailer</a:t>
-            </a:r>
-          </a:p>
-          <a:p>
-            <a:pPr marL="342900" indent="-342900">
-              <a:lnSpc>
-                <a:spcPct val="150000"/>
-              </a:lnSpc>
-              <a:buSzPct val="100000"/>
-              <a:buFontTx/>
-              <a:buChar char="•"/>
-            </a:pPr>
-            <a:endParaRPr lang="en-US" sz="1600" b="0" i="0" dirty="0">
-              <a:solidFill>
-                <a:srgbClr val="3C4043"/>
-              </a:solidFill>
-              <a:effectLst/>
-              <a:latin typeface="Inter"/>
-            </a:endParaRPr>
-          </a:p>
-          <a:p>
-            <a:pPr marL="342900" indent="-342900" algn="l">
-              <a:lnSpc>
-                <a:spcPct val="150000"/>
-              </a:lnSpc>
-              <a:buSzPct val="100000"/>
-              <a:buChar char="•"/>
-            </a:pPr>
-            <a:endParaRPr lang="en-US" sz="1600" b="0" i="0" dirty="0">
-              <a:solidFill>
-                <a:srgbClr val="3C4043"/>
-              </a:solidFill>
-              <a:effectLst/>
-              <a:latin typeface="Inter"/>
-            </a:endParaRPr>
-          </a:p>
-          <a:p>
-            <a:pPr marL="342900" indent="-342900" algn="l">
-              <a:lnSpc>
-                <a:spcPct val="150000"/>
-              </a:lnSpc>
-              <a:buSzPct val="100000"/>
-              <a:buChar char="•"/>
-            </a:pPr>
-            <a:endParaRPr lang="en-US" sz="1680" dirty="0">
-              <a:solidFill>
-                <a:srgbClr val="383838"/>
-              </a:solidFill>
-              <a:latin typeface="Noto Sans SC" pitchFamily="34" charset="0"/>
-              <a:ea typeface="Noto Sans SC" pitchFamily="34" charset="-122"/>
-            </a:endParaRPr>
-          </a:p>
-          <a:p>
-            <a:pPr marL="342900" indent="-342900" algn="l">
-              <a:lnSpc>
-                <a:spcPct val="150000"/>
-              </a:lnSpc>
-              <a:buSzPct val="100000"/>
-              <a:buChar char="•"/>
-            </a:pPr>
-            <a:endParaRPr lang="en-US" sz="1680" dirty="0"/>
-          </a:p>
-          <a:p>
-            <a:pPr marL="342900" indent="-342900" algn="l">
-              <a:lnSpc>
-                <a:spcPct val="150000"/>
-              </a:lnSpc>
-              <a:buSzPct val="100000"/>
-              <a:buChar char="•"/>
-            </a:pPr>
-            <a:endParaRPr lang="en-US" sz="1680" dirty="0"/>
-          </a:p>
-        </p:txBody>
-      </p:sp>
-      <p:pic>
-        <p:nvPicPr>
-          <p:cNvPr id="10" name="Picture 9">
-            <a:extLst>
-              <a:ext uri="{FF2B5EF4-FFF2-40B4-BE49-F238E27FC236}">
-                <a16:creationId xmlns:a16="http://schemas.microsoft.com/office/drawing/2014/main" id="{A0BDD145-21DE-0940-A494-74ADE9535EA0}"/>
-              </a:ext>
-            </a:extLst>
-          </p:cNvPr>
-          <p:cNvPicPr>
-            <a:picLocks noChangeAspect="1"/>
-          </p:cNvPicPr>
-          <p:nvPr/>
-        </p:nvPicPr>
-        <p:blipFill>
-          <a:blip r:embed="rId3"/>
-          <a:stretch>
-            <a:fillRect/>
-          </a:stretch>
-        </p:blipFill>
-        <p:spPr>
-          <a:xfrm>
-            <a:off x="0" y="1009650"/>
-            <a:ext cx="9144000" cy="1456841"/>
-          </a:xfrm>
-          <a:prstGeom prst="rect">
-            <a:avLst/>
-          </a:prstGeom>
-        </p:spPr>
-      </p:pic>
-    </p:spTree>
-    <p:extLst>
-      <p:ext uri="{BB962C8B-B14F-4D97-AF65-F5344CB8AC3E}">
-        <p14:creationId xmlns:p14="http://schemas.microsoft.com/office/powerpoint/2010/main" val="3059924670"/>
-      </p:ext>
-    </p:extLst>
-  </p:cSld>
-  <p:clrMapOvr>
-    <a:masterClrMapping/>
-  </p:clrMapOvr>
-</p:sld>
-</file>
-
-<file path=ppt/slides/slide6.xml><?xml version="1.0" encoding="utf-8"?>
-<p:sld xmlns:a="http://schemas.openxmlformats.org/drawingml/2006/main" xmlns:r="http://schemas.openxmlformats.org/officeDocument/2006/relationships" xmlns:p="http://schemas.openxmlformats.org/presentationml/2006/main">
-  <p:cSld>
-    <p:spTree>
-      <p:nvGrpSpPr>
-        <p:cNvPr id="1" name=""/>
-        <p:cNvGrpSpPr/>
-        <p:nvPr/>
-      </p:nvGrpSpPr>
-      <p:grpSpPr>
-        <a:xfrm>
-          <a:off x="0" y="0"/>
-          <a:ext cx="0" cy="0"/>
-          <a:chOff x="0" y="0"/>
-          <a:chExt cx="0" cy="0"/>
-        </a:xfrm>
-      </p:grpSpPr>
-      <p:sp>
-        <p:nvSpPr>
-          <p:cNvPr id="3" name="TextBox 2">
-            <a:extLst>
-              <a:ext uri="{FF2B5EF4-FFF2-40B4-BE49-F238E27FC236}">
-                <a16:creationId xmlns:a16="http://schemas.microsoft.com/office/drawing/2014/main" id="{A177B560-363B-2C47-96A0-2BBD79C7BBEC}"/>
-              </a:ext>
-            </a:extLst>
-          </p:cNvPr>
-          <p:cNvSpPr txBox="1"/>
-          <p:nvPr/>
-        </p:nvSpPr>
-        <p:spPr>
-          <a:xfrm>
-            <a:off x="603315" y="235670"/>
-            <a:ext cx="4364611" cy="461665"/>
-          </a:xfrm>
-          <a:prstGeom prst="rect">
-            <a:avLst/>
-          </a:prstGeom>
-          <a:noFill/>
-        </p:spPr>
-        <p:txBody>
-          <a:bodyPr wrap="square" rtlCol="0">
-            <a:spAutoFit/>
-          </a:bodyPr>
-          <a:lstStyle/>
-          <a:p>
-            <a:r>
-              <a:rPr lang="en-US" sz="2400" b="1" dirty="0">
-                <a:solidFill>
-                  <a:srgbClr val="002A85"/>
-                </a:solidFill>
-                <a:latin typeface="Noto Sans SC" pitchFamily="34" charset="0"/>
-                <a:ea typeface="Noto Sans SC" pitchFamily="34" charset="-122"/>
-              </a:rPr>
-              <a:t>Dataset</a:t>
-            </a:r>
-            <a:r>
-              <a:rPr lang="zh-CN" altLang="en-US" sz="2400" b="1" dirty="0">
-                <a:solidFill>
-                  <a:srgbClr val="002A85"/>
-                </a:solidFill>
-                <a:latin typeface="Noto Sans SC" pitchFamily="34" charset="0"/>
-                <a:ea typeface="Noto Sans SC" pitchFamily="34" charset="-122"/>
-              </a:rPr>
-              <a:t> </a:t>
-            </a:r>
-            <a:r>
-              <a:rPr lang="en-US" altLang="zh-CN" sz="2400" b="1" dirty="0">
-                <a:solidFill>
-                  <a:srgbClr val="002A85"/>
-                </a:solidFill>
-                <a:latin typeface="Noto Sans SC" pitchFamily="34" charset="0"/>
-                <a:ea typeface="Noto Sans SC" pitchFamily="34" charset="-122"/>
-              </a:rPr>
-              <a:t>description (continue)</a:t>
-            </a:r>
-            <a:endParaRPr lang="en-US" sz="2400" dirty="0"/>
-          </a:p>
-        </p:txBody>
-      </p:sp>
-      <p:pic>
-        <p:nvPicPr>
-          <p:cNvPr id="6" name="Picture 5">
-            <a:extLst>
-              <a:ext uri="{FF2B5EF4-FFF2-40B4-BE49-F238E27FC236}">
-                <a16:creationId xmlns:a16="http://schemas.microsoft.com/office/drawing/2014/main" id="{2CEBB452-635F-674F-A6DA-DB711F77C138}"/>
-              </a:ext>
-            </a:extLst>
-          </p:cNvPr>
-          <p:cNvPicPr>
-            <a:picLocks noChangeAspect="1"/>
-          </p:cNvPicPr>
-          <p:nvPr/>
-        </p:nvPicPr>
-        <p:blipFill>
-          <a:blip r:embed="rId2"/>
-          <a:stretch>
-            <a:fillRect/>
-          </a:stretch>
-        </p:blipFill>
-        <p:spPr>
-          <a:xfrm>
-            <a:off x="0" y="1009650"/>
-            <a:ext cx="9144000" cy="1456841"/>
-          </a:xfrm>
-          <a:prstGeom prst="rect">
-            <a:avLst/>
-          </a:prstGeom>
-        </p:spPr>
-      </p:pic>
-      <p:sp>
-        <p:nvSpPr>
-          <p:cNvPr id="7" name="Rectangle 6">
-            <a:extLst>
-              <a:ext uri="{FF2B5EF4-FFF2-40B4-BE49-F238E27FC236}">
-                <a16:creationId xmlns:a16="http://schemas.microsoft.com/office/drawing/2014/main" id="{2293048D-ABAD-1A46-90D0-BFAFEECBE5F5}"/>
-              </a:ext>
-            </a:extLst>
-          </p:cNvPr>
-          <p:cNvSpPr/>
-          <p:nvPr/>
-        </p:nvSpPr>
-        <p:spPr>
-          <a:xfrm>
-            <a:off x="768285" y="2630744"/>
-            <a:ext cx="7876094" cy="2031325"/>
-          </a:xfrm>
-          <a:prstGeom prst="rect">
-            <a:avLst/>
-          </a:prstGeom>
-        </p:spPr>
-        <p:txBody>
-          <a:bodyPr wrap="square">
-            <a:spAutoFit/>
-          </a:bodyPr>
-          <a:lstStyle/>
-          <a:p>
-            <a:pPr fontAlgn="base">
-              <a:buFont typeface="Arial" panose="020B0604020202020204" pitchFamily="34" charset="0"/>
-              <a:buChar char="•"/>
-            </a:pPr>
-            <a:r>
-              <a:rPr lang="en-US" dirty="0">
-                <a:solidFill>
-                  <a:srgbClr val="3C4043"/>
-                </a:solidFill>
-                <a:latin typeface="Arial" panose="020B0604020202020204" pitchFamily="34" charset="0"/>
-              </a:rPr>
-              <a:t> </a:t>
-            </a:r>
-            <a:r>
-              <a:rPr lang="en-US" dirty="0" err="1">
-                <a:solidFill>
-                  <a:srgbClr val="3C4043"/>
-                </a:solidFill>
-                <a:latin typeface="Arial" panose="020B0604020202020204" pitchFamily="34" charset="0"/>
-              </a:rPr>
-              <a:t>used_chip</a:t>
-            </a:r>
-            <a:r>
-              <a:rPr lang="en-US" dirty="0">
-                <a:solidFill>
-                  <a:srgbClr val="3C4043"/>
-                </a:solidFill>
-                <a:latin typeface="Arial" panose="020B0604020202020204" pitchFamily="34" charset="0"/>
-              </a:rPr>
-              <a:t>: Is the transaction through credit card?</a:t>
-            </a:r>
-          </a:p>
-          <a:p>
-            <a:pPr fontAlgn="base">
-              <a:buFont typeface="Arial" panose="020B0604020202020204" pitchFamily="34" charset="0"/>
-              <a:buChar char="•"/>
-            </a:pPr>
-            <a:endParaRPr lang="en-US" dirty="0">
-              <a:solidFill>
-                <a:srgbClr val="3C4043"/>
-              </a:solidFill>
-              <a:latin typeface="Arial" panose="020B0604020202020204" pitchFamily="34" charset="0"/>
-            </a:endParaRPr>
-          </a:p>
-          <a:p>
-            <a:pPr fontAlgn="base">
-              <a:buFont typeface="Arial" panose="020B0604020202020204" pitchFamily="34" charset="0"/>
-              <a:buChar char="•"/>
-            </a:pPr>
-            <a:r>
-              <a:rPr lang="en-US" dirty="0">
-                <a:solidFill>
-                  <a:srgbClr val="3C4043"/>
-                </a:solidFill>
-                <a:latin typeface="Arial" panose="020B0604020202020204" pitchFamily="34" charset="0"/>
-              </a:rPr>
-              <a:t> </a:t>
-            </a:r>
-            <a:r>
-              <a:rPr lang="en-US" dirty="0" err="1">
-                <a:solidFill>
-                  <a:srgbClr val="3C4043"/>
-                </a:solidFill>
-                <a:latin typeface="Arial" panose="020B0604020202020204" pitchFamily="34" charset="0"/>
-              </a:rPr>
-              <a:t>used_pin_number</a:t>
-            </a:r>
-            <a:r>
-              <a:rPr lang="en-US" dirty="0">
-                <a:solidFill>
-                  <a:srgbClr val="3C4043"/>
-                </a:solidFill>
-                <a:latin typeface="Arial" panose="020B0604020202020204" pitchFamily="34" charset="0"/>
-              </a:rPr>
-              <a:t> - Is the transaction happened by using PIN number?</a:t>
-            </a:r>
-          </a:p>
-          <a:p>
-            <a:pPr fontAlgn="base">
-              <a:buFont typeface="Arial" panose="020B0604020202020204" pitchFamily="34" charset="0"/>
-              <a:buChar char="•"/>
-            </a:pPr>
-            <a:endParaRPr lang="en-US" dirty="0">
-              <a:solidFill>
-                <a:srgbClr val="3C4043"/>
-              </a:solidFill>
-              <a:latin typeface="Arial" panose="020B0604020202020204" pitchFamily="34" charset="0"/>
-            </a:endParaRPr>
-          </a:p>
-          <a:p>
-            <a:pPr fontAlgn="base">
-              <a:buFont typeface="Arial" panose="020B0604020202020204" pitchFamily="34" charset="0"/>
-              <a:buChar char="•"/>
-            </a:pPr>
-            <a:r>
-              <a:rPr lang="en-US" dirty="0">
-                <a:solidFill>
-                  <a:srgbClr val="3C4043"/>
-                </a:solidFill>
-                <a:latin typeface="Arial" panose="020B0604020202020204" pitchFamily="34" charset="0"/>
-              </a:rPr>
-              <a:t> </a:t>
-            </a:r>
-            <a:r>
-              <a:rPr lang="en-US" dirty="0" err="1">
-                <a:solidFill>
-                  <a:srgbClr val="3C4043"/>
-                </a:solidFill>
-                <a:latin typeface="Arial" panose="020B0604020202020204" pitchFamily="34" charset="0"/>
-              </a:rPr>
-              <a:t>online_order</a:t>
-            </a:r>
-            <a:r>
-              <a:rPr lang="en-US" dirty="0">
-                <a:solidFill>
-                  <a:srgbClr val="3C4043"/>
-                </a:solidFill>
-                <a:latin typeface="Arial" panose="020B0604020202020204" pitchFamily="34" charset="0"/>
-              </a:rPr>
-              <a:t> - Is the transaction an online order?</a:t>
-            </a:r>
-          </a:p>
-          <a:p>
-            <a:pPr fontAlgn="base">
-              <a:buFont typeface="Arial" panose="020B0604020202020204" pitchFamily="34" charset="0"/>
-              <a:buChar char="•"/>
-            </a:pPr>
-            <a:endParaRPr lang="en-US" dirty="0">
-              <a:solidFill>
-                <a:srgbClr val="3C4043"/>
-              </a:solidFill>
-              <a:latin typeface="Arial" panose="020B0604020202020204" pitchFamily="34" charset="0"/>
-            </a:endParaRPr>
-          </a:p>
-          <a:p>
-            <a:pPr fontAlgn="base">
-              <a:buFont typeface="Arial" panose="020B0604020202020204" pitchFamily="34" charset="0"/>
-              <a:buChar char="•"/>
-            </a:pPr>
-            <a:r>
-              <a:rPr lang="en-US" dirty="0">
-                <a:solidFill>
-                  <a:srgbClr val="3C4043"/>
-                </a:solidFill>
-                <a:latin typeface="Arial" panose="020B0604020202020204" pitchFamily="34" charset="0"/>
-              </a:rPr>
-              <a:t> fraud - Is the transaction fraudulent.</a:t>
-            </a:r>
-          </a:p>
-        </p:txBody>
-      </p:sp>
-    </p:spTree>
-    <p:extLst>
-      <p:ext uri="{BB962C8B-B14F-4D97-AF65-F5344CB8AC3E}">
-        <p14:creationId xmlns:p14="http://schemas.microsoft.com/office/powerpoint/2010/main" val="3221290430"/>
-      </p:ext>
-    </p:extLst>
-  </p:cSld>
-  <p:clrMapOvr>
-    <a:masterClrMapping/>
-  </p:clrMapOvr>
-</p:sld>
-</file>
-
-<file path=ppt/slides/slide7.xml><?xml version="1.0" encoding="utf-8"?>
-<p:sld xmlns:a="http://schemas.openxmlformats.org/drawingml/2006/main" xmlns:r="http://schemas.openxmlformats.org/officeDocument/2006/relationships" xmlns:p="http://schemas.openxmlformats.org/presentationml/2006/main">
-  <p:cSld name="Slide 5">
+  <p:cSld name="Slide 6">
     <p:spTree>
       <p:nvGrpSpPr>
         <p:cNvPr id="1" name=""/>
@@ -4718,191 +2511,22 @@
               <a:buNone/>
             </a:pPr>
             <a:r>
-              <a:rPr lang="en-US" sz="2625" b="1" dirty="0">
+              <a:rPr lang="en-US" sz="2625" b="1" dirty="0" err="1">
                 <a:solidFill>
                   <a:srgbClr val="002A85"/>
                 </a:solidFill>
                 <a:latin typeface="Noto Sans SC" pitchFamily="34" charset="0"/>
                 <a:ea typeface="Noto Sans SC" pitchFamily="34" charset="-122"/>
-              </a:rPr>
-              <a:t>Gradient boosting</a:t>
+                <a:cs typeface="Noto Sans SC" pitchFamily="34" charset="-120"/>
+              </a:rPr>
+              <a:t>XGBoost</a:t>
             </a:r>
             <a:endParaRPr lang="en-US" sz="2625" dirty="0"/>
           </a:p>
         </p:txBody>
       </p:sp>
-      <p:sp>
-        <p:nvSpPr>
-          <p:cNvPr id="4" name="Text 2"/>
-          <p:cNvSpPr/>
-          <p:nvPr/>
-        </p:nvSpPr>
-        <p:spPr>
-          <a:xfrm>
-            <a:off x="762000" y="1304925"/>
-            <a:ext cx="7715250" cy="3452813"/>
-          </a:xfrm>
-          <a:prstGeom prst="rect">
-            <a:avLst/>
-          </a:prstGeom>
-          <a:noFill/>
-          <a:ln/>
-        </p:spPr>
-        <p:txBody>
-          <a:bodyPr wrap="square" rtlCol="0" anchor="t"/>
-          <a:lstStyle/>
-          <a:p>
-            <a:pPr marL="342900" indent="-342900" algn="l">
-              <a:lnSpc>
-                <a:spcPct val="150000"/>
-              </a:lnSpc>
-              <a:buSzPct val="100000"/>
-              <a:buChar char="•"/>
-            </a:pPr>
-            <a:r>
-              <a:rPr lang="en-US" sz="1680" dirty="0"/>
-              <a:t>In Gradient boosted decision tree(GBDT), the k-</a:t>
-            </a:r>
-            <a:r>
-              <a:rPr lang="en-US" sz="1680" dirty="0" err="1"/>
-              <a:t>th</a:t>
-            </a:r>
-            <a:r>
-              <a:rPr lang="en-US" sz="1680" dirty="0"/>
-              <a:t> tree is used to fit the negative derivative of the loss function with respect to the current model’s prediction.</a:t>
-            </a:r>
-          </a:p>
-          <a:p>
-            <a:pPr marL="342900" indent="-342900" algn="l">
-              <a:lnSpc>
-                <a:spcPct val="150000"/>
-              </a:lnSpc>
-              <a:buSzPct val="100000"/>
-              <a:buChar char="•"/>
-            </a:pPr>
-            <a:r>
-              <a:rPr lang="en-US" sz="1680" dirty="0"/>
-              <a:t>The current model’s prediction for each observation is the weighted sum of the first k-1 trees.</a:t>
-            </a:r>
-          </a:p>
-          <a:p>
-            <a:pPr marL="342900" indent="-342900" algn="l">
-              <a:lnSpc>
-                <a:spcPct val="150000"/>
-              </a:lnSpc>
-              <a:buSzPct val="100000"/>
-              <a:buChar char="•"/>
-            </a:pPr>
-            <a:r>
-              <a:rPr lang="en-US" sz="1680" dirty="0"/>
-              <a:t>If we use MSE as the loss function in a regression task, the derivative for each observation is simply the residual between true label value and predicted value.</a:t>
-            </a:r>
-          </a:p>
-          <a:p>
-            <a:pPr marL="342900" indent="-342900" algn="l">
-              <a:lnSpc>
-                <a:spcPct val="150000"/>
-              </a:lnSpc>
-              <a:buSzPct val="100000"/>
-              <a:buChar char="•"/>
-            </a:pPr>
-            <a:endParaRPr lang="en-US" sz="1680" dirty="0"/>
-          </a:p>
-        </p:txBody>
-      </p:sp>
-    </p:spTree>
-  </p:cSld>
-  <p:clrMapOvr>
-    <a:masterClrMapping/>
-  </p:clrMapOvr>
-</p:sld>
-</file>
-
-<file path=ppt/slides/slide8.xml><?xml version="1.0" encoding="utf-8"?>
-<p:sld xmlns:a="http://schemas.openxmlformats.org/drawingml/2006/main" xmlns:r="http://schemas.openxmlformats.org/officeDocument/2006/relationships" xmlns:p="http://schemas.openxmlformats.org/presentationml/2006/main">
-  <p:cSld name="Slide 6">
-    <p:spTree>
-      <p:nvGrpSpPr>
-        <p:cNvPr id="1" name=""/>
-        <p:cNvGrpSpPr/>
-        <p:nvPr/>
-      </p:nvGrpSpPr>
-      <p:grpSpPr>
-        <a:xfrm>
-          <a:off x="0" y="0"/>
-          <a:ext cx="0" cy="0"/>
-          <a:chOff x="0" y="0"/>
-          <a:chExt cx="0" cy="0"/>
-        </a:xfrm>
-      </p:grpSpPr>
-      <p:sp>
-        <p:nvSpPr>
-          <p:cNvPr id="2" name="Shape 0"/>
-          <p:cNvSpPr/>
-          <p:nvPr/>
-        </p:nvSpPr>
-        <p:spPr>
-          <a:xfrm>
-            <a:off x="0" y="457200"/>
-            <a:ext cx="4019550" cy="233363"/>
-          </a:xfrm>
-          <a:prstGeom prst="rect">
-            <a:avLst/>
-          </a:prstGeom>
-          <a:solidFill>
-            <a:srgbClr val="A5DDFF"/>
-          </a:solidFill>
-          <a:ln/>
-        </p:spPr>
-        <p:txBody>
-          <a:bodyPr/>
-          <a:lstStyle/>
-          <a:p>
-            <a:endParaRPr lang="en-US"/>
-          </a:p>
-        </p:txBody>
-      </p:sp>
-      <p:sp>
-        <p:nvSpPr>
-          <p:cNvPr id="3" name="Text 1"/>
-          <p:cNvSpPr/>
-          <p:nvPr/>
-        </p:nvSpPr>
-        <p:spPr>
-          <a:xfrm>
-            <a:off x="762000" y="138113"/>
-            <a:ext cx="8130540" cy="552450"/>
-          </a:xfrm>
-          <a:prstGeom prst="rect">
-            <a:avLst/>
-          </a:prstGeom>
-          <a:noFill/>
-          <a:ln/>
-        </p:spPr>
-        <p:txBody>
-          <a:bodyPr wrap="square" rtlCol="0" anchor="ctr"/>
-          <a:lstStyle/>
-          <a:p>
-            <a:pPr marL="0" indent="0">
-              <a:buNone/>
-            </a:pPr>
-            <a:r>
-              <a:rPr lang="en-US" sz="2625" b="1" dirty="0" err="1">
-                <a:solidFill>
-                  <a:srgbClr val="002A85"/>
-                </a:solidFill>
-                <a:latin typeface="Noto Sans SC" pitchFamily="34" charset="0"/>
-                <a:ea typeface="Noto Sans SC" pitchFamily="34" charset="-122"/>
-                <a:cs typeface="Noto Sans SC" pitchFamily="34" charset="-120"/>
-              </a:rPr>
-              <a:t>XGBoost</a:t>
-            </a:r>
-            <a:endParaRPr lang="en-US" sz="2625" dirty="0"/>
-          </a:p>
-        </p:txBody>
-      </p:sp>
-      <mc:AlternateContent xmlns:mc="http://schemas.openxmlformats.org/markup-compatibility/2006">
-        <mc:Choice xmlns:a14="http://schemas.microsoft.com/office/drawing/2010/main" Requires="a14">
+      <mc:AlternateContent xmlns:mc="http://schemas.openxmlformats.org/markup-compatibility/2006" xmlns:a14="http://schemas.microsoft.com/office/drawing/2010/main">
+        <mc:Choice Requires="a14">
           <p:sp>
             <p:nvSpPr>
               <p:cNvPr id="4" name="Text 2"/>
@@ -5620,7 +3244,7 @@
             </p:txBody>
           </p:sp>
         </mc:Choice>
-        <mc:Fallback>
+        <mc:Fallback xmlns="">
           <p:sp>
             <p:nvSpPr>
               <p:cNvPr id="4" name="Text 2"/>
@@ -5668,7 +3292,7 @@
 </p:sld>
 </file>
 
-<file path=ppt/slides/slide9.xml><?xml version="1.0" encoding="utf-8"?>
+<file path=ppt/slides/slide11.xml><?xml version="1.0" encoding="utf-8"?>
 <p:sld xmlns:a="http://schemas.openxmlformats.org/drawingml/2006/main" xmlns:r="http://schemas.openxmlformats.org/officeDocument/2006/relationships" xmlns:p="http://schemas.openxmlformats.org/presentationml/2006/main">
   <p:cSld name="Slide 7">
     <p:spTree>
@@ -6189,6 +3813,3095 @@
               <a:ea typeface="Noto Sans SC" pitchFamily="34" charset="-122"/>
               <a:cs typeface="Noto Sans SC" pitchFamily="34" charset="-120"/>
             </a:endParaRPr>
+          </a:p>
+        </p:txBody>
+      </p:sp>
+    </p:spTree>
+  </p:cSld>
+  <p:clrMapOvr>
+    <a:masterClrMapping/>
+  </p:clrMapOvr>
+</p:sld>
+</file>
+
+<file path=ppt/slides/slide12.xml><?xml version="1.0" encoding="utf-8"?>
+<p:sld xmlns:a="http://schemas.openxmlformats.org/drawingml/2006/main" xmlns:r="http://schemas.openxmlformats.org/officeDocument/2006/relationships" xmlns:p="http://schemas.openxmlformats.org/presentationml/2006/main">
+  <p:cSld name="Slide 8">
+    <p:spTree>
+      <p:nvGrpSpPr>
+        <p:cNvPr id="1" name=""/>
+        <p:cNvGrpSpPr/>
+        <p:nvPr/>
+      </p:nvGrpSpPr>
+      <p:grpSpPr>
+        <a:xfrm>
+          <a:off x="0" y="0"/>
+          <a:ext cx="0" cy="0"/>
+          <a:chOff x="0" y="0"/>
+          <a:chExt cx="0" cy="0"/>
+        </a:xfrm>
+      </p:grpSpPr>
+      <p:sp>
+        <p:nvSpPr>
+          <p:cNvPr id="2" name="Shape 0"/>
+          <p:cNvSpPr/>
+          <p:nvPr/>
+        </p:nvSpPr>
+        <p:spPr>
+          <a:xfrm>
+            <a:off x="0" y="457200"/>
+            <a:ext cx="4019550" cy="233363"/>
+          </a:xfrm>
+          <a:prstGeom prst="rect">
+            <a:avLst/>
+          </a:prstGeom>
+          <a:solidFill>
+            <a:srgbClr val="A5DDFF"/>
+          </a:solidFill>
+          <a:ln/>
+        </p:spPr>
+      </p:sp>
+      <p:sp>
+        <p:nvSpPr>
+          <p:cNvPr id="3" name="Text 1"/>
+          <p:cNvSpPr/>
+          <p:nvPr/>
+        </p:nvSpPr>
+        <p:spPr>
+          <a:xfrm>
+            <a:off x="762000" y="138113"/>
+            <a:ext cx="8130540" cy="552450"/>
+          </a:xfrm>
+          <a:prstGeom prst="rect">
+            <a:avLst/>
+          </a:prstGeom>
+          <a:noFill/>
+          <a:ln/>
+        </p:spPr>
+        <p:txBody>
+          <a:bodyPr wrap="square" rtlCol="0" anchor="ctr"/>
+          <a:lstStyle/>
+          <a:p>
+            <a:pPr marL="0" indent="0">
+              <a:buNone/>
+            </a:pPr>
+            <a:r>
+              <a:rPr lang="en-US" sz="2625" b="1" dirty="0" err="1">
+                <a:solidFill>
+                  <a:srgbClr val="002A85"/>
+                </a:solidFill>
+                <a:latin typeface="Noto Sans SC" pitchFamily="34" charset="0"/>
+                <a:ea typeface="Noto Sans SC" pitchFamily="34" charset="-122"/>
+                <a:cs typeface="Noto Sans SC" pitchFamily="34" charset="-120"/>
+              </a:rPr>
+              <a:t>XGBoost</a:t>
+            </a:r>
+            <a:r>
+              <a:rPr lang="en-US" sz="2625" b="1" dirty="0">
+                <a:solidFill>
+                  <a:srgbClr val="002A85"/>
+                </a:solidFill>
+                <a:latin typeface="Noto Sans SC" pitchFamily="34" charset="0"/>
+                <a:ea typeface="Noto Sans SC" pitchFamily="34" charset="-122"/>
+                <a:cs typeface="Noto Sans SC" pitchFamily="34" charset="-120"/>
+              </a:rPr>
+              <a:t> in R</a:t>
+            </a:r>
+            <a:endParaRPr lang="en-US" sz="2625" dirty="0"/>
+          </a:p>
+        </p:txBody>
+      </p:sp>
+      <p:sp>
+        <p:nvSpPr>
+          <p:cNvPr id="4" name="Text 2"/>
+          <p:cNvSpPr/>
+          <p:nvPr/>
+        </p:nvSpPr>
+        <p:spPr>
+          <a:xfrm>
+            <a:off x="762000" y="1304925"/>
+            <a:ext cx="7715250" cy="3452813"/>
+          </a:xfrm>
+          <a:prstGeom prst="rect">
+            <a:avLst/>
+          </a:prstGeom>
+          <a:noFill/>
+          <a:ln/>
+        </p:spPr>
+        <p:txBody>
+          <a:bodyPr wrap="square" rtlCol="0" anchor="t"/>
+          <a:lstStyle/>
+          <a:p>
+            <a:pPr algn="l">
+              <a:lnSpc>
+                <a:spcPct val="150000"/>
+              </a:lnSpc>
+              <a:buSzPct val="100000"/>
+            </a:pPr>
+            <a:r>
+              <a:rPr lang="en-US" sz="1680" dirty="0">
+                <a:solidFill>
+                  <a:srgbClr val="383838"/>
+                </a:solidFill>
+                <a:latin typeface="Noto Sans SC" pitchFamily="34" charset="0"/>
+                <a:ea typeface="Noto Sans SC" pitchFamily="34" charset="-122"/>
+              </a:rPr>
+              <a:t>Model parameters and training example</a:t>
+            </a:r>
+          </a:p>
+          <a:p>
+            <a:pPr algn="l">
+              <a:lnSpc>
+                <a:spcPct val="150000"/>
+              </a:lnSpc>
+              <a:buSzPct val="100000"/>
+            </a:pPr>
+            <a:endParaRPr lang="en-US" sz="1680" dirty="0">
+              <a:solidFill>
+                <a:srgbClr val="383838"/>
+              </a:solidFill>
+              <a:latin typeface="Noto Sans SC" pitchFamily="34" charset="0"/>
+              <a:ea typeface="Noto Sans SC" pitchFamily="34" charset="-122"/>
+            </a:endParaRPr>
+          </a:p>
+          <a:p>
+            <a:pPr marL="285750" indent="-285750" algn="l">
+              <a:lnSpc>
+                <a:spcPct val="150000"/>
+              </a:lnSpc>
+              <a:buSzPct val="100000"/>
+              <a:buFont typeface="Arial" panose="020B0604020202020204" pitchFamily="34" charset="0"/>
+              <a:buChar char="•"/>
+            </a:pPr>
+            <a:r>
+              <a:rPr lang="en-US" sz="1680" dirty="0">
+                <a:solidFill>
+                  <a:srgbClr val="383838"/>
+                </a:solidFill>
+                <a:latin typeface="Noto Sans SC" pitchFamily="34" charset="0"/>
+                <a:ea typeface="Noto Sans SC" pitchFamily="34" charset="-122"/>
+              </a:rPr>
+              <a:t>watchlist = list(train=</a:t>
+            </a:r>
+            <a:r>
+              <a:rPr lang="en-US" sz="1680" dirty="0" err="1">
+                <a:solidFill>
+                  <a:srgbClr val="383838"/>
+                </a:solidFill>
+                <a:latin typeface="Noto Sans SC" pitchFamily="34" charset="0"/>
+                <a:ea typeface="Noto Sans SC" pitchFamily="34" charset="-122"/>
+              </a:rPr>
+              <a:t>dtrain</a:t>
+            </a:r>
+            <a:r>
+              <a:rPr lang="en-US" sz="1680" dirty="0">
+                <a:solidFill>
+                  <a:srgbClr val="383838"/>
+                </a:solidFill>
+                <a:latin typeface="Noto Sans SC" pitchFamily="34" charset="0"/>
+                <a:ea typeface="Noto Sans SC" pitchFamily="34" charset="-122"/>
+              </a:rPr>
+              <a:t>, validation=</a:t>
+            </a:r>
+            <a:r>
+              <a:rPr lang="en-US" sz="1680" dirty="0" err="1">
+                <a:solidFill>
+                  <a:srgbClr val="383838"/>
+                </a:solidFill>
+                <a:latin typeface="Noto Sans SC" pitchFamily="34" charset="0"/>
+                <a:ea typeface="Noto Sans SC" pitchFamily="34" charset="-122"/>
+              </a:rPr>
+              <a:t>dval</a:t>
+            </a:r>
+            <a:r>
+              <a:rPr lang="en-US" sz="1680" dirty="0">
+                <a:solidFill>
+                  <a:srgbClr val="383838"/>
+                </a:solidFill>
+                <a:latin typeface="Noto Sans SC" pitchFamily="34" charset="0"/>
+                <a:ea typeface="Noto Sans SC" pitchFamily="34" charset="-122"/>
+              </a:rPr>
+              <a:t>)</a:t>
+            </a:r>
+          </a:p>
+          <a:p>
+            <a:pPr marL="285750" indent="-285750" algn="l">
+              <a:lnSpc>
+                <a:spcPct val="150000"/>
+              </a:lnSpc>
+              <a:buSzPct val="100000"/>
+              <a:buFont typeface="Arial" panose="020B0604020202020204" pitchFamily="34" charset="0"/>
+              <a:buChar char="•"/>
+            </a:pPr>
+            <a:r>
+              <a:rPr lang="en-US" sz="1680" dirty="0">
+                <a:solidFill>
+                  <a:srgbClr val="383838"/>
+                </a:solidFill>
+                <a:latin typeface="Noto Sans SC" pitchFamily="34" charset="0"/>
+                <a:ea typeface="Noto Sans SC" pitchFamily="34" charset="-122"/>
+              </a:rPr>
+              <a:t>model &lt;- </a:t>
+            </a:r>
+            <a:r>
+              <a:rPr lang="en-US" sz="1680" dirty="0" err="1">
+                <a:solidFill>
+                  <a:srgbClr val="383838"/>
+                </a:solidFill>
+                <a:latin typeface="Noto Sans SC" pitchFamily="34" charset="0"/>
+                <a:ea typeface="Noto Sans SC" pitchFamily="34" charset="-122"/>
+              </a:rPr>
+              <a:t>xgb.train</a:t>
+            </a:r>
+            <a:r>
+              <a:rPr lang="en-US" sz="1680" dirty="0">
+                <a:solidFill>
+                  <a:srgbClr val="383838"/>
+                </a:solidFill>
+                <a:latin typeface="Noto Sans SC" pitchFamily="34" charset="0"/>
+                <a:ea typeface="Noto Sans SC" pitchFamily="34" charset="-122"/>
+              </a:rPr>
+              <a:t>(data = </a:t>
+            </a:r>
+            <a:r>
+              <a:rPr lang="en-US" sz="1680" dirty="0" err="1">
+                <a:solidFill>
+                  <a:srgbClr val="383838"/>
+                </a:solidFill>
+                <a:latin typeface="Noto Sans SC" pitchFamily="34" charset="0"/>
+                <a:ea typeface="Noto Sans SC" pitchFamily="34" charset="-122"/>
+              </a:rPr>
+              <a:t>dtrain</a:t>
+            </a:r>
+            <a:r>
+              <a:rPr lang="en-US" sz="1680" dirty="0">
+                <a:solidFill>
+                  <a:srgbClr val="383838"/>
+                </a:solidFill>
+                <a:latin typeface="Noto Sans SC" pitchFamily="34" charset="0"/>
+                <a:ea typeface="Noto Sans SC" pitchFamily="34" charset="-122"/>
+              </a:rPr>
+              <a:t>, </a:t>
+            </a:r>
+            <a:r>
+              <a:rPr lang="en-US" sz="1680" dirty="0" err="1">
+                <a:solidFill>
+                  <a:srgbClr val="383838"/>
+                </a:solidFill>
+                <a:latin typeface="Noto Sans SC" pitchFamily="34" charset="0"/>
+                <a:ea typeface="Noto Sans SC" pitchFamily="34" charset="-122"/>
+              </a:rPr>
+              <a:t>max_depth</a:t>
+            </a:r>
+            <a:r>
+              <a:rPr lang="en-US" sz="1680" dirty="0">
+                <a:solidFill>
+                  <a:srgbClr val="383838"/>
+                </a:solidFill>
+                <a:latin typeface="Noto Sans SC" pitchFamily="34" charset="0"/>
+                <a:ea typeface="Noto Sans SC" pitchFamily="34" charset="-122"/>
+              </a:rPr>
+              <a:t> = 3, objective = “</a:t>
+            </a:r>
+            <a:r>
+              <a:rPr lang="en-US" sz="1680" dirty="0" err="1">
+                <a:solidFill>
+                  <a:srgbClr val="383838"/>
+                </a:solidFill>
+                <a:latin typeface="Noto Sans SC" pitchFamily="34" charset="0"/>
+                <a:ea typeface="Noto Sans SC" pitchFamily="34" charset="-122"/>
+              </a:rPr>
+              <a:t>binary:logistic</a:t>
+            </a:r>
+            <a:r>
+              <a:rPr lang="en-US" sz="1680" dirty="0">
+                <a:solidFill>
+                  <a:srgbClr val="383838"/>
+                </a:solidFill>
+                <a:latin typeface="Noto Sans SC" pitchFamily="34" charset="0"/>
+                <a:ea typeface="Noto Sans SC" pitchFamily="34" charset="-122"/>
+              </a:rPr>
+              <a:t>”, 			  eta = 0.3, </a:t>
+            </a:r>
+            <a:r>
+              <a:rPr lang="en-US" sz="1680" dirty="0" err="1">
+                <a:solidFill>
+                  <a:srgbClr val="383838"/>
+                </a:solidFill>
+                <a:latin typeface="Noto Sans SC" pitchFamily="34" charset="0"/>
+                <a:ea typeface="Noto Sans SC" pitchFamily="34" charset="-122"/>
+              </a:rPr>
+              <a:t>nrounds</a:t>
+            </a:r>
+            <a:r>
+              <a:rPr lang="en-US" sz="1680" dirty="0">
+                <a:solidFill>
+                  <a:srgbClr val="383838"/>
+                </a:solidFill>
+                <a:latin typeface="Noto Sans SC" pitchFamily="34" charset="0"/>
+                <a:ea typeface="Noto Sans SC" pitchFamily="34" charset="-122"/>
+              </a:rPr>
+              <a:t> = 100, </a:t>
+            </a:r>
+            <a:r>
+              <a:rPr lang="en-US" sz="1680" dirty="0" err="1">
+                <a:solidFill>
+                  <a:srgbClr val="383838"/>
+                </a:solidFill>
+                <a:latin typeface="Noto Sans SC" pitchFamily="34" charset="0"/>
+                <a:ea typeface="Noto Sans SC" pitchFamily="34" charset="-122"/>
+              </a:rPr>
+              <a:t>nthread</a:t>
+            </a:r>
+            <a:r>
+              <a:rPr lang="en-US" sz="1680" dirty="0">
+                <a:solidFill>
+                  <a:srgbClr val="383838"/>
+                </a:solidFill>
+                <a:latin typeface="Noto Sans SC" pitchFamily="34" charset="0"/>
+                <a:ea typeface="Noto Sans SC" pitchFamily="34" charset="-122"/>
+              </a:rPr>
+              <a:t> = 2, </a:t>
+            </a:r>
+            <a:r>
+              <a:rPr lang="en-US" sz="1680" dirty="0" err="1">
+                <a:solidFill>
+                  <a:srgbClr val="383838"/>
+                </a:solidFill>
+                <a:latin typeface="Noto Sans SC" pitchFamily="34" charset="0"/>
+                <a:ea typeface="Noto Sans SC" pitchFamily="34" charset="-122"/>
+              </a:rPr>
+              <a:t>early_stopping_rounds</a:t>
+            </a:r>
+            <a:r>
+              <a:rPr lang="en-US" sz="1680" dirty="0">
+                <a:solidFill>
+                  <a:srgbClr val="383838"/>
+                </a:solidFill>
+                <a:latin typeface="Noto Sans SC" pitchFamily="34" charset="0"/>
+                <a:ea typeface="Noto Sans SC" pitchFamily="34" charset="-122"/>
+              </a:rPr>
+              <a:t> = 		  50, verbose = 0, watchlist = watchlist)</a:t>
+            </a:r>
+          </a:p>
+          <a:p>
+            <a:pPr algn="l">
+              <a:lnSpc>
+                <a:spcPct val="150000"/>
+              </a:lnSpc>
+              <a:buSzPct val="100000"/>
+            </a:pPr>
+            <a:endParaRPr lang="en-US" sz="1680" dirty="0">
+              <a:solidFill>
+                <a:srgbClr val="383838"/>
+              </a:solidFill>
+              <a:latin typeface="Noto Sans SC" pitchFamily="34" charset="0"/>
+              <a:ea typeface="Noto Sans SC" pitchFamily="34" charset="-122"/>
+            </a:endParaRPr>
+          </a:p>
+        </p:txBody>
+      </p:sp>
+    </p:spTree>
+  </p:cSld>
+  <p:clrMapOvr>
+    <a:masterClrMapping/>
+  </p:clrMapOvr>
+</p:sld>
+</file>
+
+<file path=ppt/slides/slide13.xml><?xml version="1.0" encoding="utf-8"?>
+<p:sld xmlns:a="http://schemas.openxmlformats.org/drawingml/2006/main" xmlns:r="http://schemas.openxmlformats.org/officeDocument/2006/relationships" xmlns:p="http://schemas.openxmlformats.org/presentationml/2006/main">
+  <p:cSld name="Slide 9">
+    <p:spTree>
+      <p:nvGrpSpPr>
+        <p:cNvPr id="1" name=""/>
+        <p:cNvGrpSpPr/>
+        <p:nvPr/>
+      </p:nvGrpSpPr>
+      <p:grpSpPr>
+        <a:xfrm>
+          <a:off x="0" y="0"/>
+          <a:ext cx="0" cy="0"/>
+          <a:chOff x="0" y="0"/>
+          <a:chExt cx="0" cy="0"/>
+        </a:xfrm>
+      </p:grpSpPr>
+      <p:sp>
+        <p:nvSpPr>
+          <p:cNvPr id="2" name="Shape 0"/>
+          <p:cNvSpPr/>
+          <p:nvPr/>
+        </p:nvSpPr>
+        <p:spPr>
+          <a:xfrm>
+            <a:off x="0" y="457200"/>
+            <a:ext cx="4019550" cy="233363"/>
+          </a:xfrm>
+          <a:prstGeom prst="rect">
+            <a:avLst/>
+          </a:prstGeom>
+          <a:solidFill>
+            <a:srgbClr val="A5DDFF"/>
+          </a:solidFill>
+          <a:ln/>
+        </p:spPr>
+      </p:sp>
+      <p:sp>
+        <p:nvSpPr>
+          <p:cNvPr id="3" name="Text 1"/>
+          <p:cNvSpPr/>
+          <p:nvPr/>
+        </p:nvSpPr>
+        <p:spPr>
+          <a:xfrm>
+            <a:off x="762000" y="138113"/>
+            <a:ext cx="8130540" cy="552450"/>
+          </a:xfrm>
+          <a:prstGeom prst="rect">
+            <a:avLst/>
+          </a:prstGeom>
+          <a:noFill/>
+          <a:ln/>
+        </p:spPr>
+        <p:txBody>
+          <a:bodyPr wrap="square" rtlCol="0" anchor="ctr"/>
+          <a:lstStyle/>
+          <a:p>
+            <a:pPr marL="0" indent="0">
+              <a:buNone/>
+            </a:pPr>
+            <a:r>
+              <a:rPr lang="en-US" sz="2630" b="1" dirty="0" err="1">
+                <a:solidFill>
+                  <a:srgbClr val="002A85"/>
+                </a:solidFill>
+                <a:latin typeface="Noto Sans SC" pitchFamily="34" charset="0"/>
+                <a:ea typeface="Noto Sans SC" pitchFamily="34" charset="-122"/>
+                <a:cs typeface="Noto Sans SC" pitchFamily="34" charset="-120"/>
+              </a:rPr>
+              <a:t>XGBoost</a:t>
+            </a:r>
+            <a:r>
+              <a:rPr lang="en-US" sz="2680" b="1" dirty="0">
+                <a:solidFill>
+                  <a:srgbClr val="002A85"/>
+                </a:solidFill>
+                <a:latin typeface="Noto Sans SC" pitchFamily="34" charset="0"/>
+                <a:ea typeface="Noto Sans SC" pitchFamily="34" charset="-122"/>
+                <a:cs typeface="Noto Sans SC" pitchFamily="34" charset="-120"/>
+              </a:rPr>
+              <a:t> in R</a:t>
+            </a:r>
+            <a:endParaRPr lang="en-US" sz="2680" dirty="0"/>
+          </a:p>
+        </p:txBody>
+      </p:sp>
+      <p:sp>
+        <p:nvSpPr>
+          <p:cNvPr id="4" name="Text 2"/>
+          <p:cNvSpPr/>
+          <p:nvPr/>
+        </p:nvSpPr>
+        <p:spPr>
+          <a:xfrm>
+            <a:off x="762000" y="589093"/>
+            <a:ext cx="7715250" cy="4010878"/>
+          </a:xfrm>
+          <a:prstGeom prst="rect">
+            <a:avLst/>
+          </a:prstGeom>
+          <a:noFill/>
+          <a:ln/>
+        </p:spPr>
+        <p:txBody>
+          <a:bodyPr wrap="square" rtlCol="0" anchor="t"/>
+          <a:lstStyle/>
+          <a:p>
+            <a:pPr algn="l">
+              <a:lnSpc>
+                <a:spcPct val="150000"/>
+              </a:lnSpc>
+              <a:buSzPct val="100000"/>
+            </a:pPr>
+            <a:r>
+              <a:rPr lang="en-US" sz="1680" dirty="0">
+                <a:solidFill>
+                  <a:srgbClr val="383838"/>
+                </a:solidFill>
+                <a:latin typeface="Noto Sans SC" pitchFamily="34" charset="0"/>
+                <a:ea typeface="Noto Sans SC" pitchFamily="34" charset="-122"/>
+              </a:rPr>
+              <a:t>watchlist = list(train=</a:t>
+            </a:r>
+            <a:r>
+              <a:rPr lang="en-US" sz="1680" dirty="0" err="1">
+                <a:solidFill>
+                  <a:srgbClr val="383838"/>
+                </a:solidFill>
+                <a:latin typeface="Noto Sans SC" pitchFamily="34" charset="0"/>
+                <a:ea typeface="Noto Sans SC" pitchFamily="34" charset="-122"/>
+              </a:rPr>
+              <a:t>dtrain</a:t>
+            </a:r>
+            <a:r>
+              <a:rPr lang="en-US" sz="1680" dirty="0">
+                <a:solidFill>
+                  <a:srgbClr val="383838"/>
+                </a:solidFill>
+                <a:latin typeface="Noto Sans SC" pitchFamily="34" charset="0"/>
+                <a:ea typeface="Noto Sans SC" pitchFamily="34" charset="-122"/>
+              </a:rPr>
+              <a:t>, validation=</a:t>
+            </a:r>
+            <a:r>
+              <a:rPr lang="en-US" sz="1680" dirty="0" err="1">
+                <a:solidFill>
+                  <a:srgbClr val="383838"/>
+                </a:solidFill>
+                <a:latin typeface="Noto Sans SC" pitchFamily="34" charset="0"/>
+                <a:ea typeface="Noto Sans SC" pitchFamily="34" charset="-122"/>
+              </a:rPr>
+              <a:t>dval</a:t>
+            </a:r>
+            <a:r>
+              <a:rPr lang="en-US" sz="1680" dirty="0">
+                <a:solidFill>
+                  <a:srgbClr val="383838"/>
+                </a:solidFill>
+                <a:latin typeface="Noto Sans SC" pitchFamily="34" charset="0"/>
+                <a:ea typeface="Noto Sans SC" pitchFamily="34" charset="-122"/>
+              </a:rPr>
+              <a:t>)</a:t>
+            </a:r>
+          </a:p>
+          <a:p>
+            <a:pPr algn="l">
+              <a:lnSpc>
+                <a:spcPct val="150000"/>
+              </a:lnSpc>
+              <a:buSzPct val="100000"/>
+            </a:pPr>
+            <a:r>
+              <a:rPr lang="en-US" sz="1680" dirty="0">
+                <a:solidFill>
+                  <a:srgbClr val="383838"/>
+                </a:solidFill>
+                <a:latin typeface="Noto Sans SC" pitchFamily="34" charset="0"/>
+                <a:ea typeface="Noto Sans SC" pitchFamily="34" charset="-122"/>
+              </a:rPr>
+              <a:t>model &lt;- </a:t>
+            </a:r>
+            <a:r>
+              <a:rPr lang="en-US" sz="1680" dirty="0" err="1">
+                <a:solidFill>
+                  <a:srgbClr val="383838"/>
+                </a:solidFill>
+                <a:latin typeface="Noto Sans SC" pitchFamily="34" charset="0"/>
+                <a:ea typeface="Noto Sans SC" pitchFamily="34" charset="-122"/>
+              </a:rPr>
+              <a:t>xgb.train</a:t>
+            </a:r>
+            <a:r>
+              <a:rPr lang="en-US" sz="1680" dirty="0">
+                <a:solidFill>
+                  <a:srgbClr val="383838"/>
+                </a:solidFill>
+                <a:latin typeface="Noto Sans SC" pitchFamily="34" charset="0"/>
+                <a:ea typeface="Noto Sans SC" pitchFamily="34" charset="-122"/>
+              </a:rPr>
+              <a:t>(data = </a:t>
+            </a:r>
+            <a:r>
+              <a:rPr lang="en-US" sz="1680" dirty="0" err="1">
+                <a:solidFill>
+                  <a:srgbClr val="383838"/>
+                </a:solidFill>
+                <a:latin typeface="Noto Sans SC" pitchFamily="34" charset="0"/>
+                <a:ea typeface="Noto Sans SC" pitchFamily="34" charset="-122"/>
+              </a:rPr>
+              <a:t>dtrain</a:t>
+            </a:r>
+            <a:r>
+              <a:rPr lang="en-US" sz="1680" dirty="0">
+                <a:solidFill>
+                  <a:srgbClr val="383838"/>
+                </a:solidFill>
+                <a:latin typeface="Noto Sans SC" pitchFamily="34" charset="0"/>
+                <a:ea typeface="Noto Sans SC" pitchFamily="34" charset="-122"/>
+              </a:rPr>
+              <a:t>, </a:t>
+            </a:r>
+            <a:r>
+              <a:rPr lang="en-US" sz="1680" dirty="0" err="1">
+                <a:solidFill>
+                  <a:srgbClr val="383838"/>
+                </a:solidFill>
+                <a:latin typeface="Noto Sans SC" pitchFamily="34" charset="0"/>
+                <a:ea typeface="Noto Sans SC" pitchFamily="34" charset="-122"/>
+              </a:rPr>
+              <a:t>max_depth</a:t>
+            </a:r>
+            <a:r>
+              <a:rPr lang="en-US" sz="1680" dirty="0">
+                <a:solidFill>
+                  <a:srgbClr val="383838"/>
+                </a:solidFill>
+                <a:latin typeface="Noto Sans SC" pitchFamily="34" charset="0"/>
+                <a:ea typeface="Noto Sans SC" pitchFamily="34" charset="-122"/>
+              </a:rPr>
+              <a:t> = 3, objective = “</a:t>
+            </a:r>
+            <a:r>
+              <a:rPr lang="en-US" sz="1680" dirty="0" err="1">
+                <a:solidFill>
+                  <a:srgbClr val="383838"/>
+                </a:solidFill>
+                <a:latin typeface="Noto Sans SC" pitchFamily="34" charset="0"/>
+                <a:ea typeface="Noto Sans SC" pitchFamily="34" charset="-122"/>
+              </a:rPr>
+              <a:t>binary:logistic</a:t>
+            </a:r>
+            <a:r>
+              <a:rPr lang="en-US" sz="1680" dirty="0">
+                <a:solidFill>
+                  <a:srgbClr val="383838"/>
+                </a:solidFill>
+                <a:latin typeface="Noto Sans SC" pitchFamily="34" charset="0"/>
+                <a:ea typeface="Noto Sans SC" pitchFamily="34" charset="-122"/>
+              </a:rPr>
+              <a:t>”, 			  eta = 0.3, </a:t>
+            </a:r>
+            <a:r>
+              <a:rPr lang="en-US" sz="1680" dirty="0" err="1">
+                <a:solidFill>
+                  <a:srgbClr val="383838"/>
+                </a:solidFill>
+                <a:latin typeface="Noto Sans SC" pitchFamily="34" charset="0"/>
+                <a:ea typeface="Noto Sans SC" pitchFamily="34" charset="-122"/>
+              </a:rPr>
+              <a:t>nrounds</a:t>
+            </a:r>
+            <a:r>
+              <a:rPr lang="en-US" sz="1680" dirty="0">
+                <a:solidFill>
+                  <a:srgbClr val="383838"/>
+                </a:solidFill>
+                <a:latin typeface="Noto Sans SC" pitchFamily="34" charset="0"/>
+                <a:ea typeface="Noto Sans SC" pitchFamily="34" charset="-122"/>
+              </a:rPr>
+              <a:t> = 100, </a:t>
+            </a:r>
+            <a:r>
+              <a:rPr lang="en-US" sz="1680" dirty="0" err="1">
+                <a:solidFill>
+                  <a:srgbClr val="383838"/>
+                </a:solidFill>
+                <a:latin typeface="Noto Sans SC" pitchFamily="34" charset="0"/>
+                <a:ea typeface="Noto Sans SC" pitchFamily="34" charset="-122"/>
+              </a:rPr>
+              <a:t>nthread</a:t>
+            </a:r>
+            <a:r>
+              <a:rPr lang="en-US" sz="1680" dirty="0">
+                <a:solidFill>
+                  <a:srgbClr val="383838"/>
+                </a:solidFill>
+                <a:latin typeface="Noto Sans SC" pitchFamily="34" charset="0"/>
+                <a:ea typeface="Noto Sans SC" pitchFamily="34" charset="-122"/>
+              </a:rPr>
+              <a:t> = 2, </a:t>
+            </a:r>
+            <a:r>
+              <a:rPr lang="en-US" sz="1680" dirty="0" err="1">
+                <a:solidFill>
+                  <a:srgbClr val="383838"/>
+                </a:solidFill>
+                <a:latin typeface="Noto Sans SC" pitchFamily="34" charset="0"/>
+                <a:ea typeface="Noto Sans SC" pitchFamily="34" charset="-122"/>
+              </a:rPr>
+              <a:t>early_stopping_rounds</a:t>
+            </a:r>
+            <a:r>
+              <a:rPr lang="en-US" sz="1680" dirty="0">
+                <a:solidFill>
+                  <a:srgbClr val="383838"/>
+                </a:solidFill>
+                <a:latin typeface="Noto Sans SC" pitchFamily="34" charset="0"/>
+                <a:ea typeface="Noto Sans SC" pitchFamily="34" charset="-122"/>
+              </a:rPr>
+              <a:t> = 		  50, verbose = 0, watchlist = watchlist)</a:t>
+            </a:r>
+          </a:p>
+          <a:p>
+            <a:pPr marL="285750" indent="-285750" algn="l">
+              <a:lnSpc>
+                <a:spcPct val="150000"/>
+              </a:lnSpc>
+              <a:buSzPct val="100000"/>
+              <a:buFont typeface="Arial" panose="020B0604020202020204" pitchFamily="34" charset="0"/>
+              <a:buChar char="•"/>
+            </a:pPr>
+            <a:endParaRPr lang="en-US" sz="1680" dirty="0">
+              <a:solidFill>
+                <a:srgbClr val="383838"/>
+              </a:solidFill>
+              <a:latin typeface="Noto Sans SC" pitchFamily="34" charset="0"/>
+              <a:ea typeface="Noto Sans SC" pitchFamily="34" charset="-122"/>
+            </a:endParaRPr>
+          </a:p>
+          <a:p>
+            <a:pPr marL="285750" indent="-285750" algn="l">
+              <a:lnSpc>
+                <a:spcPct val="150000"/>
+              </a:lnSpc>
+              <a:buSzPct val="100000"/>
+              <a:buFont typeface="Arial" panose="020B0604020202020204" pitchFamily="34" charset="0"/>
+              <a:buChar char="•"/>
+            </a:pPr>
+            <a:r>
+              <a:rPr lang="en-US" altLang="zh-CN" sz="1680" dirty="0" err="1">
+                <a:solidFill>
+                  <a:srgbClr val="383838"/>
+                </a:solidFill>
+                <a:latin typeface="Noto Sans SC" pitchFamily="34" charset="0"/>
+                <a:ea typeface="Noto Sans SC" pitchFamily="34" charset="-122"/>
+              </a:rPr>
+              <a:t>m</a:t>
+            </a:r>
+            <a:r>
+              <a:rPr lang="en-US" sz="1680" dirty="0" err="1">
+                <a:solidFill>
+                  <a:srgbClr val="383838"/>
+                </a:solidFill>
+                <a:latin typeface="Noto Sans SC" pitchFamily="34" charset="0"/>
+                <a:ea typeface="Noto Sans SC" pitchFamily="34" charset="-122"/>
+              </a:rPr>
+              <a:t>ax_depth</a:t>
+            </a:r>
+            <a:r>
+              <a:rPr lang="en-US" sz="1680" dirty="0">
+                <a:solidFill>
+                  <a:srgbClr val="383838"/>
+                </a:solidFill>
+                <a:latin typeface="Noto Sans SC" pitchFamily="34" charset="0"/>
+                <a:ea typeface="Noto Sans SC" pitchFamily="34" charset="-122"/>
+              </a:rPr>
+              <a:t>: depth of each decision tree</a:t>
+            </a:r>
+          </a:p>
+          <a:p>
+            <a:pPr marL="285750" indent="-285750" algn="l">
+              <a:lnSpc>
+                <a:spcPct val="150000"/>
+              </a:lnSpc>
+              <a:buSzPct val="100000"/>
+              <a:buFont typeface="Arial" panose="020B0604020202020204" pitchFamily="34" charset="0"/>
+              <a:buChar char="•"/>
+            </a:pPr>
+            <a:r>
+              <a:rPr lang="en-US" sz="1680" dirty="0" err="1">
+                <a:solidFill>
+                  <a:srgbClr val="383838"/>
+                </a:solidFill>
+                <a:latin typeface="Noto Sans SC" pitchFamily="34" charset="0"/>
+                <a:ea typeface="Noto Sans SC" pitchFamily="34" charset="-122"/>
+              </a:rPr>
+              <a:t>nrounds</a:t>
+            </a:r>
+            <a:r>
+              <a:rPr lang="en-US" sz="1680" dirty="0">
+                <a:solidFill>
+                  <a:srgbClr val="383838"/>
+                </a:solidFill>
+                <a:latin typeface="Noto Sans SC" pitchFamily="34" charset="0"/>
+                <a:ea typeface="Noto Sans SC" pitchFamily="34" charset="-122"/>
+              </a:rPr>
+              <a:t>: max number of trees built</a:t>
+            </a:r>
+          </a:p>
+          <a:p>
+            <a:pPr marL="285750" indent="-285750" algn="l">
+              <a:lnSpc>
+                <a:spcPct val="150000"/>
+              </a:lnSpc>
+              <a:buSzPct val="100000"/>
+              <a:buFont typeface="Arial" panose="020B0604020202020204" pitchFamily="34" charset="0"/>
+              <a:buChar char="•"/>
+            </a:pPr>
+            <a:r>
+              <a:rPr lang="en-US" sz="1680" dirty="0">
+                <a:solidFill>
+                  <a:srgbClr val="383838"/>
+                </a:solidFill>
+                <a:latin typeface="Noto Sans SC" pitchFamily="34" charset="0"/>
+                <a:ea typeface="Noto Sans SC" pitchFamily="34" charset="-122"/>
+              </a:rPr>
+              <a:t>eta: learning rate used to control the weight of each tree, default 0.3</a:t>
+            </a:r>
+          </a:p>
+          <a:p>
+            <a:pPr marL="285750" indent="-285750" algn="l">
+              <a:lnSpc>
+                <a:spcPct val="150000"/>
+              </a:lnSpc>
+              <a:buSzPct val="100000"/>
+              <a:buFont typeface="Arial" panose="020B0604020202020204" pitchFamily="34" charset="0"/>
+              <a:buChar char="•"/>
+            </a:pPr>
+            <a:r>
+              <a:rPr lang="en-US" sz="1680" dirty="0">
+                <a:solidFill>
+                  <a:srgbClr val="383838"/>
+                </a:solidFill>
+                <a:latin typeface="Noto Sans SC" pitchFamily="34" charset="0"/>
+                <a:ea typeface="Noto Sans SC" pitchFamily="34" charset="-122"/>
+              </a:rPr>
+              <a:t>use watchlist to monitor model performance on validation dataset in each round</a:t>
+            </a:r>
+          </a:p>
+          <a:p>
+            <a:pPr marL="285750" indent="-285750" algn="l">
+              <a:lnSpc>
+                <a:spcPct val="150000"/>
+              </a:lnSpc>
+              <a:buSzPct val="100000"/>
+              <a:buFont typeface="Arial" panose="020B0604020202020204" pitchFamily="34" charset="0"/>
+              <a:buChar char="•"/>
+            </a:pPr>
+            <a:r>
+              <a:rPr lang="en-US" altLang="zh-CN" sz="1680" dirty="0" err="1">
+                <a:solidFill>
+                  <a:srgbClr val="383838"/>
+                </a:solidFill>
+                <a:latin typeface="Noto Sans SC" pitchFamily="34" charset="0"/>
+                <a:ea typeface="Noto Sans SC" pitchFamily="34" charset="-122"/>
+              </a:rPr>
+              <a:t>early_stopping_rounds</a:t>
+            </a:r>
+            <a:r>
+              <a:rPr lang="en-US" altLang="zh-CN" sz="1680" dirty="0">
+                <a:solidFill>
+                  <a:srgbClr val="383838"/>
+                </a:solidFill>
+                <a:latin typeface="Noto Sans SC" pitchFamily="34" charset="0"/>
+                <a:ea typeface="Noto Sans SC" pitchFamily="34" charset="-122"/>
+              </a:rPr>
+              <a:t> = 10 means that if the model’s performance on </a:t>
+            </a:r>
+            <a:r>
+              <a:rPr lang="en-US" altLang="zh-CN" sz="1680" dirty="0" err="1">
+                <a:solidFill>
+                  <a:srgbClr val="383838"/>
+                </a:solidFill>
+                <a:latin typeface="Noto Sans SC" pitchFamily="34" charset="0"/>
+                <a:ea typeface="Noto Sans SC" pitchFamily="34" charset="-122"/>
+              </a:rPr>
+              <a:t>validset</a:t>
+            </a:r>
+            <a:r>
+              <a:rPr lang="en-US" altLang="zh-CN" sz="1680" dirty="0">
+                <a:solidFill>
+                  <a:srgbClr val="383838"/>
+                </a:solidFill>
+                <a:latin typeface="Noto Sans SC" pitchFamily="34" charset="0"/>
+                <a:ea typeface="Noto Sans SC" pitchFamily="34" charset="-122"/>
+              </a:rPr>
+              <a:t> doesn’t decrease for 10 rounds, stop training</a:t>
+            </a:r>
+            <a:endParaRPr lang="en-US" sz="1680" dirty="0">
+              <a:solidFill>
+                <a:srgbClr val="383838"/>
+              </a:solidFill>
+              <a:latin typeface="Noto Sans SC" pitchFamily="34" charset="0"/>
+              <a:ea typeface="Noto Sans SC" pitchFamily="34" charset="-122"/>
+            </a:endParaRPr>
+          </a:p>
+          <a:p>
+            <a:pPr algn="l">
+              <a:lnSpc>
+                <a:spcPct val="150000"/>
+              </a:lnSpc>
+              <a:buSzPct val="100000"/>
+            </a:pPr>
+            <a:endParaRPr lang="en-US" sz="1680" dirty="0">
+              <a:solidFill>
+                <a:srgbClr val="383838"/>
+              </a:solidFill>
+              <a:latin typeface="Noto Sans SC" pitchFamily="34" charset="0"/>
+              <a:ea typeface="Noto Sans SC" pitchFamily="34" charset="-122"/>
+            </a:endParaRPr>
+          </a:p>
+          <a:p>
+            <a:pPr algn="l">
+              <a:lnSpc>
+                <a:spcPct val="150000"/>
+              </a:lnSpc>
+              <a:buSzPct val="100000"/>
+            </a:pPr>
+            <a:endParaRPr lang="en-US" sz="1680" dirty="0"/>
+          </a:p>
+          <a:p>
+            <a:pPr algn="l">
+              <a:lnSpc>
+                <a:spcPct val="150000"/>
+              </a:lnSpc>
+              <a:buSzPct val="100000"/>
+            </a:pPr>
+            <a:endParaRPr lang="en-US" sz="1680" dirty="0"/>
+          </a:p>
+        </p:txBody>
+      </p:sp>
+    </p:spTree>
+  </p:cSld>
+  <p:clrMapOvr>
+    <a:masterClrMapping/>
+  </p:clrMapOvr>
+</p:sld>
+</file>
+
+<file path=ppt/slides/slide14.xml><?xml version="1.0" encoding="utf-8"?>
+<p:sld xmlns:a="http://schemas.openxmlformats.org/drawingml/2006/main" xmlns:r="http://schemas.openxmlformats.org/officeDocument/2006/relationships" xmlns:p="http://schemas.openxmlformats.org/presentationml/2006/main">
+  <p:cSld name="Slide 10">
+    <p:spTree>
+      <p:nvGrpSpPr>
+        <p:cNvPr id="1" name=""/>
+        <p:cNvGrpSpPr/>
+        <p:nvPr/>
+      </p:nvGrpSpPr>
+      <p:grpSpPr>
+        <a:xfrm>
+          <a:off x="0" y="0"/>
+          <a:ext cx="0" cy="0"/>
+          <a:chOff x="0" y="0"/>
+          <a:chExt cx="0" cy="0"/>
+        </a:xfrm>
+      </p:grpSpPr>
+      <p:sp>
+        <p:nvSpPr>
+          <p:cNvPr id="2" name="Text 0"/>
+          <p:cNvSpPr/>
+          <p:nvPr/>
+        </p:nvSpPr>
+        <p:spPr>
+          <a:xfrm>
+            <a:off x="3571875" y="1038225"/>
+            <a:ext cx="1452563" cy="1243013"/>
+          </a:xfrm>
+          <a:prstGeom prst="rect">
+            <a:avLst/>
+          </a:prstGeom>
+          <a:noFill/>
+          <a:ln/>
+        </p:spPr>
+        <p:txBody>
+          <a:bodyPr wrap="square" rtlCol="0" anchor="t"/>
+          <a:lstStyle/>
+          <a:p>
+            <a:pPr marL="0" indent="0" algn="ctr">
+              <a:buNone/>
+            </a:pPr>
+            <a:r>
+              <a:rPr lang="en-US" sz="6300" b="1" dirty="0">
+                <a:solidFill>
+                  <a:srgbClr val="002A85"/>
+                </a:solidFill>
+                <a:latin typeface="Noto Sans SC" pitchFamily="34" charset="0"/>
+                <a:ea typeface="Noto Sans SC" pitchFamily="34" charset="-122"/>
+                <a:cs typeface="Noto Sans SC" pitchFamily="34" charset="-120"/>
+              </a:rPr>
+              <a:t>02</a:t>
+            </a:r>
+            <a:endParaRPr lang="en-US" sz="6300" dirty="0"/>
+          </a:p>
+        </p:txBody>
+      </p:sp>
+      <p:sp>
+        <p:nvSpPr>
+          <p:cNvPr id="3" name="Text 1"/>
+          <p:cNvSpPr/>
+          <p:nvPr/>
+        </p:nvSpPr>
+        <p:spPr>
+          <a:xfrm>
+            <a:off x="3790950" y="2281238"/>
+            <a:ext cx="3963353" cy="1509713"/>
+          </a:xfrm>
+          <a:prstGeom prst="rect">
+            <a:avLst/>
+          </a:prstGeom>
+          <a:noFill/>
+          <a:ln/>
+        </p:spPr>
+        <p:txBody>
+          <a:bodyPr wrap="square" rtlCol="0" anchor="t"/>
+          <a:lstStyle/>
+          <a:p>
+            <a:pPr marL="0" indent="0">
+              <a:buNone/>
+            </a:pPr>
+            <a:endParaRPr lang="en-US" sz="2415" dirty="0"/>
+          </a:p>
+        </p:txBody>
+      </p:sp>
+    </p:spTree>
+  </p:cSld>
+  <p:clrMapOvr>
+    <a:masterClrMapping/>
+  </p:clrMapOvr>
+</p:sld>
+</file>
+
+<file path=ppt/slides/slide15.xml><?xml version="1.0" encoding="utf-8"?>
+<p:sld xmlns:a="http://schemas.openxmlformats.org/drawingml/2006/main" xmlns:r="http://schemas.openxmlformats.org/officeDocument/2006/relationships" xmlns:p="http://schemas.openxmlformats.org/presentationml/2006/main">
+  <p:cSld name="Slide 11">
+    <p:spTree>
+      <p:nvGrpSpPr>
+        <p:cNvPr id="1" name=""/>
+        <p:cNvGrpSpPr/>
+        <p:nvPr/>
+      </p:nvGrpSpPr>
+      <p:grpSpPr>
+        <a:xfrm>
+          <a:off x="0" y="0"/>
+          <a:ext cx="0" cy="0"/>
+          <a:chOff x="0" y="0"/>
+          <a:chExt cx="0" cy="0"/>
+        </a:xfrm>
+      </p:grpSpPr>
+      <p:sp>
+        <p:nvSpPr>
+          <p:cNvPr id="2" name="Shape 0"/>
+          <p:cNvSpPr/>
+          <p:nvPr/>
+        </p:nvSpPr>
+        <p:spPr>
+          <a:xfrm>
+            <a:off x="0" y="457200"/>
+            <a:ext cx="4019550" cy="233363"/>
+          </a:xfrm>
+          <a:prstGeom prst="rect">
+            <a:avLst/>
+          </a:prstGeom>
+          <a:solidFill>
+            <a:srgbClr val="A5DDFF"/>
+          </a:solidFill>
+          <a:ln/>
+        </p:spPr>
+      </p:sp>
+      <p:sp>
+        <p:nvSpPr>
+          <p:cNvPr id="3" name="Text 1"/>
+          <p:cNvSpPr/>
+          <p:nvPr/>
+        </p:nvSpPr>
+        <p:spPr>
+          <a:xfrm>
+            <a:off x="762000" y="138113"/>
+            <a:ext cx="8130540" cy="552450"/>
+          </a:xfrm>
+          <a:prstGeom prst="rect">
+            <a:avLst/>
+          </a:prstGeom>
+          <a:noFill/>
+          <a:ln/>
+        </p:spPr>
+        <p:txBody>
+          <a:bodyPr wrap="square" rtlCol="0" anchor="ctr"/>
+          <a:lstStyle/>
+          <a:p>
+            <a:pPr marL="0" indent="0">
+              <a:buNone/>
+            </a:pPr>
+            <a:r>
+              <a:rPr lang="en-US" sz="2625" b="1" dirty="0">
+                <a:solidFill>
+                  <a:srgbClr val="002A85"/>
+                </a:solidFill>
+                <a:latin typeface="Noto Sans SC" pitchFamily="34" charset="0"/>
+                <a:ea typeface="Noto Sans SC" pitchFamily="34" charset="-122"/>
+                <a:cs typeface="Noto Sans SC" pitchFamily="34" charset="-120"/>
+              </a:rPr>
+              <a:t>Card</a:t>
+            </a:r>
+            <a:endParaRPr lang="en-US" sz="2625" dirty="0"/>
+          </a:p>
+        </p:txBody>
+      </p:sp>
+      <p:sp>
+        <p:nvSpPr>
+          <p:cNvPr id="4" name="Text 2"/>
+          <p:cNvSpPr/>
+          <p:nvPr/>
+        </p:nvSpPr>
+        <p:spPr>
+          <a:xfrm>
+            <a:off x="762000" y="1304925"/>
+            <a:ext cx="7715250" cy="3452813"/>
+          </a:xfrm>
+          <a:prstGeom prst="rect">
+            <a:avLst/>
+          </a:prstGeom>
+          <a:noFill/>
+          <a:ln/>
+        </p:spPr>
+        <p:txBody>
+          <a:bodyPr wrap="square" rtlCol="0" anchor="t"/>
+          <a:lstStyle/>
+          <a:p>
+            <a:pPr algn="l">
+              <a:lnSpc>
+                <a:spcPct val="150000"/>
+              </a:lnSpc>
+              <a:buSzPct val="100000"/>
+            </a:pPr>
+            <a:endParaRPr lang="en-US" sz="1680" dirty="0"/>
+          </a:p>
+        </p:txBody>
+      </p:sp>
+    </p:spTree>
+  </p:cSld>
+  <p:clrMapOvr>
+    <a:masterClrMapping/>
+  </p:clrMapOvr>
+</p:sld>
+</file>
+
+<file path=ppt/slides/slide16.xml><?xml version="1.0" encoding="utf-8"?>
+<p:sld xmlns:a="http://schemas.openxmlformats.org/drawingml/2006/main" xmlns:r="http://schemas.openxmlformats.org/officeDocument/2006/relationships" xmlns:p="http://schemas.openxmlformats.org/presentationml/2006/main">
+  <p:cSld name="Slide 20">
+    <p:spTree>
+      <p:nvGrpSpPr>
+        <p:cNvPr id="1" name=""/>
+        <p:cNvGrpSpPr/>
+        <p:nvPr/>
+      </p:nvGrpSpPr>
+      <p:grpSpPr>
+        <a:xfrm>
+          <a:off x="0" y="0"/>
+          <a:ext cx="0" cy="0"/>
+          <a:chOff x="0" y="0"/>
+          <a:chExt cx="0" cy="0"/>
+        </a:xfrm>
+      </p:grpSpPr>
+      <p:sp>
+        <p:nvSpPr>
+          <p:cNvPr id="2" name="Text 0"/>
+          <p:cNvSpPr/>
+          <p:nvPr/>
+        </p:nvSpPr>
+        <p:spPr>
+          <a:xfrm>
+            <a:off x="2871788" y="1838325"/>
+            <a:ext cx="3395663" cy="552450"/>
+          </a:xfrm>
+          <a:prstGeom prst="rect">
+            <a:avLst/>
+          </a:prstGeom>
+          <a:noFill/>
+          <a:ln/>
+        </p:spPr>
+        <p:txBody>
+          <a:bodyPr wrap="square" rtlCol="0" anchor="t"/>
+          <a:lstStyle/>
+          <a:p>
+            <a:pPr marL="0" indent="0" algn="ctr">
+              <a:buNone/>
+            </a:pPr>
+            <a:r>
+              <a:rPr lang="en-US" sz="2800" b="1" dirty="0">
+                <a:solidFill>
+                  <a:srgbClr val="002A85"/>
+                </a:solidFill>
+                <a:latin typeface="Noto Sans SC" pitchFamily="34" charset="0"/>
+                <a:ea typeface="Noto Sans SC" pitchFamily="34" charset="-122"/>
+                <a:cs typeface="Noto Sans SC" pitchFamily="34" charset="-120"/>
+              </a:rPr>
+              <a:t>THE END</a:t>
+            </a:r>
+            <a:endParaRPr lang="en-US" sz="2800" dirty="0"/>
+          </a:p>
+        </p:txBody>
+      </p:sp>
+      <p:sp>
+        <p:nvSpPr>
+          <p:cNvPr id="3" name="Text 1"/>
+          <p:cNvSpPr/>
+          <p:nvPr/>
+        </p:nvSpPr>
+        <p:spPr>
+          <a:xfrm>
+            <a:off x="2871788" y="2390775"/>
+            <a:ext cx="3395663" cy="1033463"/>
+          </a:xfrm>
+          <a:prstGeom prst="rect">
+            <a:avLst/>
+          </a:prstGeom>
+          <a:noFill/>
+          <a:ln/>
+        </p:spPr>
+        <p:txBody>
+          <a:bodyPr wrap="square" rtlCol="0" anchor="t"/>
+          <a:lstStyle/>
+          <a:p>
+            <a:pPr marL="0" indent="0" algn="ctr">
+              <a:buNone/>
+            </a:pPr>
+            <a:r>
+              <a:rPr lang="en-US" sz="5250" b="1" dirty="0">
+                <a:solidFill>
+                  <a:srgbClr val="002A85"/>
+                </a:solidFill>
+                <a:latin typeface="Noto Sans SC" pitchFamily="34" charset="0"/>
+                <a:ea typeface="Noto Sans SC" pitchFamily="34" charset="-122"/>
+                <a:cs typeface="Noto Sans SC" pitchFamily="34" charset="-120"/>
+              </a:rPr>
+              <a:t>THANKS</a:t>
+            </a:r>
+            <a:endParaRPr lang="en-US" sz="5250" dirty="0"/>
+          </a:p>
+        </p:txBody>
+      </p:sp>
+    </p:spTree>
+  </p:cSld>
+  <p:clrMapOvr>
+    <a:masterClrMapping/>
+  </p:clrMapOvr>
+</p:sld>
+</file>
+
+<file path=ppt/slides/slide2.xml><?xml version="1.0" encoding="utf-8"?>
+<p:sld xmlns:a="http://schemas.openxmlformats.org/drawingml/2006/main" xmlns:r="http://schemas.openxmlformats.org/officeDocument/2006/relationships" xmlns:p="http://schemas.openxmlformats.org/presentationml/2006/main">
+  <p:cSld name="Slide 2">
+    <p:spTree>
+      <p:nvGrpSpPr>
+        <p:cNvPr id="1" name=""/>
+        <p:cNvGrpSpPr/>
+        <p:nvPr/>
+      </p:nvGrpSpPr>
+      <p:grpSpPr>
+        <a:xfrm>
+          <a:off x="0" y="0"/>
+          <a:ext cx="0" cy="0"/>
+          <a:chOff x="0" y="0"/>
+          <a:chExt cx="0" cy="0"/>
+        </a:xfrm>
+      </p:grpSpPr>
+      <p:sp>
+        <p:nvSpPr>
+          <p:cNvPr id="2" name="Text 0"/>
+          <p:cNvSpPr/>
+          <p:nvPr/>
+        </p:nvSpPr>
+        <p:spPr>
+          <a:xfrm>
+            <a:off x="1524000" y="361950"/>
+            <a:ext cx="3109913" cy="828675"/>
+          </a:xfrm>
+          <a:prstGeom prst="rect">
+            <a:avLst/>
+          </a:prstGeom>
+          <a:noFill/>
+          <a:ln/>
+        </p:spPr>
+        <p:txBody>
+          <a:bodyPr wrap="square" rtlCol="0" anchor="ctr"/>
+          <a:lstStyle/>
+          <a:p>
+            <a:pPr marL="0" indent="0" algn="ctr">
+              <a:buNone/>
+            </a:pPr>
+            <a:r>
+              <a:rPr lang="en-US" sz="4200" b="1" dirty="0">
+                <a:solidFill>
+                  <a:srgbClr val="002A85"/>
+                </a:solidFill>
+                <a:latin typeface="Noto Sans SC" pitchFamily="34" charset="0"/>
+                <a:ea typeface="Noto Sans SC" pitchFamily="34" charset="-122"/>
+                <a:cs typeface="Noto Sans SC" pitchFamily="34" charset="-120"/>
+              </a:rPr>
+              <a:t> CONTENTS </a:t>
+            </a:r>
+            <a:endParaRPr lang="en-US" sz="4200" dirty="0"/>
+          </a:p>
+        </p:txBody>
+      </p:sp>
+      <p:sp>
+        <p:nvSpPr>
+          <p:cNvPr id="3" name="Text 1"/>
+          <p:cNvSpPr/>
+          <p:nvPr/>
+        </p:nvSpPr>
+        <p:spPr>
+          <a:xfrm>
+            <a:off x="1819275" y="1619250"/>
+            <a:ext cx="6605587" cy="3105150"/>
+          </a:xfrm>
+          <a:prstGeom prst="rect">
+            <a:avLst/>
+          </a:prstGeom>
+          <a:noFill/>
+          <a:ln/>
+        </p:spPr>
+        <p:txBody>
+          <a:bodyPr wrap="square" rtlCol="0" anchor="t"/>
+          <a:lstStyle/>
+          <a:p>
+            <a:pPr marL="342900" indent="-342900">
+              <a:lnSpc>
+                <a:spcPct val="150000"/>
+              </a:lnSpc>
+              <a:buSzPct val="100000"/>
+              <a:buFontTx/>
+              <a:buChar char="•"/>
+            </a:pPr>
+            <a:r>
+              <a:rPr lang="en-US" sz="1750" dirty="0">
+                <a:solidFill>
+                  <a:srgbClr val="383838"/>
+                </a:solidFill>
+                <a:latin typeface="Noto Sans SC" pitchFamily="34" charset="0"/>
+                <a:ea typeface="Noto Sans SC" pitchFamily="34" charset="-122"/>
+                <a:cs typeface="Noto Sans SC" pitchFamily="34" charset="-120"/>
+              </a:rPr>
+              <a:t>C</a:t>
+            </a:r>
+            <a:r>
+              <a:rPr lang="en-US" altLang="zh-CN" sz="1750" dirty="0">
+                <a:solidFill>
+                  <a:srgbClr val="383838"/>
+                </a:solidFill>
+                <a:latin typeface="Noto Sans SC" pitchFamily="34" charset="0"/>
+                <a:ea typeface="Noto Sans SC" pitchFamily="34" charset="-122"/>
+                <a:cs typeface="Noto Sans SC" pitchFamily="34" charset="-120"/>
+              </a:rPr>
+              <a:t>ard </a:t>
+            </a:r>
+            <a:r>
+              <a:rPr lang="en-US" sz="1750" dirty="0">
+                <a:solidFill>
+                  <a:srgbClr val="383838"/>
+                </a:solidFill>
+                <a:latin typeface="Noto Sans SC" pitchFamily="34" charset="0"/>
+                <a:ea typeface="Noto Sans SC" pitchFamily="34" charset="-122"/>
+                <a:cs typeface="Noto Sans SC" pitchFamily="34" charset="-120"/>
+              </a:rPr>
+              <a:t>Transaction Fraud Dataset Introduction</a:t>
+            </a:r>
+            <a:endParaRPr lang="en-US" sz="1750" dirty="0"/>
+          </a:p>
+          <a:p>
+            <a:pPr marL="342900" indent="-342900" algn="l">
+              <a:lnSpc>
+                <a:spcPct val="150000"/>
+              </a:lnSpc>
+              <a:buSzPct val="100000"/>
+              <a:buChar char="•"/>
+            </a:pPr>
+            <a:r>
+              <a:rPr lang="en-US" sz="1750" dirty="0" err="1">
+                <a:solidFill>
+                  <a:srgbClr val="383838"/>
+                </a:solidFill>
+                <a:latin typeface="Noto Sans SC" pitchFamily="34" charset="0"/>
+                <a:ea typeface="Noto Sans SC" pitchFamily="34" charset="-122"/>
+                <a:cs typeface="Noto Sans SC" pitchFamily="34" charset="-120"/>
+              </a:rPr>
+              <a:t>XGBoost</a:t>
+            </a:r>
+            <a:r>
+              <a:rPr lang="en-US" sz="1750" dirty="0">
+                <a:solidFill>
+                  <a:srgbClr val="383838"/>
+                </a:solidFill>
+                <a:latin typeface="Noto Sans SC" pitchFamily="34" charset="0"/>
+                <a:ea typeface="Noto Sans SC" pitchFamily="34" charset="-122"/>
+                <a:cs typeface="Noto Sans SC" pitchFamily="34" charset="-120"/>
+              </a:rPr>
+              <a:t> introduction</a:t>
+            </a:r>
+          </a:p>
+        </p:txBody>
+      </p:sp>
+    </p:spTree>
+  </p:cSld>
+  <p:clrMapOvr>
+    <a:masterClrMapping/>
+  </p:clrMapOvr>
+</p:sld>
+</file>
+
+<file path=ppt/slides/slide3.xml><?xml version="1.0" encoding="utf-8"?>
+<p:sld xmlns:a="http://schemas.openxmlformats.org/drawingml/2006/main" xmlns:r="http://schemas.openxmlformats.org/officeDocument/2006/relationships" xmlns:p="http://schemas.openxmlformats.org/presentationml/2006/main">
+  <p:cSld name="Slide 3">
+    <p:spTree>
+      <p:nvGrpSpPr>
+        <p:cNvPr id="1" name=""/>
+        <p:cNvGrpSpPr/>
+        <p:nvPr/>
+      </p:nvGrpSpPr>
+      <p:grpSpPr>
+        <a:xfrm>
+          <a:off x="0" y="0"/>
+          <a:ext cx="0" cy="0"/>
+          <a:chOff x="0" y="0"/>
+          <a:chExt cx="0" cy="0"/>
+        </a:xfrm>
+      </p:grpSpPr>
+      <p:sp>
+        <p:nvSpPr>
+          <p:cNvPr id="2" name="Text 0"/>
+          <p:cNvSpPr/>
+          <p:nvPr/>
+        </p:nvSpPr>
+        <p:spPr>
+          <a:xfrm>
+            <a:off x="3571875" y="1038225"/>
+            <a:ext cx="1452563" cy="1243013"/>
+          </a:xfrm>
+          <a:prstGeom prst="rect">
+            <a:avLst/>
+          </a:prstGeom>
+          <a:noFill/>
+          <a:ln/>
+        </p:spPr>
+        <p:txBody>
+          <a:bodyPr wrap="square" rtlCol="0" anchor="t"/>
+          <a:lstStyle/>
+          <a:p>
+            <a:pPr marL="0" indent="0" algn="ctr">
+              <a:buNone/>
+            </a:pPr>
+            <a:r>
+              <a:rPr lang="en-US" sz="6300" b="1" dirty="0">
+                <a:solidFill>
+                  <a:srgbClr val="002A85"/>
+                </a:solidFill>
+                <a:latin typeface="Noto Sans SC" pitchFamily="34" charset="0"/>
+                <a:ea typeface="Noto Sans SC" pitchFamily="34" charset="-122"/>
+                <a:cs typeface="Noto Sans SC" pitchFamily="34" charset="-120"/>
+              </a:rPr>
+              <a:t>01</a:t>
+            </a:r>
+            <a:endParaRPr lang="en-US" sz="6300" dirty="0"/>
+          </a:p>
+        </p:txBody>
+      </p:sp>
+      <p:sp>
+        <p:nvSpPr>
+          <p:cNvPr id="3" name="Text 1"/>
+          <p:cNvSpPr/>
+          <p:nvPr/>
+        </p:nvSpPr>
+        <p:spPr>
+          <a:xfrm>
+            <a:off x="3790950" y="2281238"/>
+            <a:ext cx="3963353" cy="1509713"/>
+          </a:xfrm>
+          <a:prstGeom prst="rect">
+            <a:avLst/>
+          </a:prstGeom>
+          <a:noFill/>
+          <a:ln/>
+        </p:spPr>
+        <p:txBody>
+          <a:bodyPr wrap="square" rtlCol="0" anchor="t"/>
+          <a:lstStyle/>
+          <a:p>
+            <a:pPr marL="0" indent="0">
+              <a:buNone/>
+            </a:pPr>
+            <a:r>
+              <a:rPr lang="en-US" sz="3640" b="1" dirty="0">
+                <a:solidFill>
+                  <a:srgbClr val="002A85"/>
+                </a:solidFill>
+                <a:latin typeface="Noto Sans SC" pitchFamily="34" charset="0"/>
+                <a:ea typeface="Noto Sans SC" pitchFamily="34" charset="-122"/>
+                <a:cs typeface="Noto Sans SC" pitchFamily="34" charset="-120"/>
+              </a:rPr>
+              <a:t>Introduction to Dataset</a:t>
+            </a:r>
+            <a:endParaRPr lang="en-US" sz="3640" dirty="0"/>
+          </a:p>
+        </p:txBody>
+      </p:sp>
+    </p:spTree>
+  </p:cSld>
+  <p:clrMapOvr>
+    <a:masterClrMapping/>
+  </p:clrMapOvr>
+</p:sld>
+</file>
+
+<file path=ppt/slides/slide4.xml><?xml version="1.0" encoding="utf-8"?>
+<p:sld xmlns:a="http://schemas.openxmlformats.org/drawingml/2006/main" xmlns:r="http://schemas.openxmlformats.org/officeDocument/2006/relationships" xmlns:p="http://schemas.openxmlformats.org/presentationml/2006/main">
+  <p:cSld name="Slide 4">
+    <p:spTree>
+      <p:nvGrpSpPr>
+        <p:cNvPr id="1" name=""/>
+        <p:cNvGrpSpPr/>
+        <p:nvPr/>
+      </p:nvGrpSpPr>
+      <p:grpSpPr>
+        <a:xfrm>
+          <a:off x="0" y="0"/>
+          <a:ext cx="0" cy="0"/>
+          <a:chOff x="0" y="0"/>
+          <a:chExt cx="0" cy="0"/>
+        </a:xfrm>
+      </p:grpSpPr>
+      <p:sp>
+        <p:nvSpPr>
+          <p:cNvPr id="2" name="Shape 0"/>
+          <p:cNvSpPr/>
+          <p:nvPr/>
+        </p:nvSpPr>
+        <p:spPr>
+          <a:xfrm>
+            <a:off x="0" y="457200"/>
+            <a:ext cx="4019550" cy="233363"/>
+          </a:xfrm>
+          <a:prstGeom prst="rect">
+            <a:avLst/>
+          </a:prstGeom>
+          <a:solidFill>
+            <a:srgbClr val="A5DDFF"/>
+          </a:solidFill>
+          <a:ln/>
+        </p:spPr>
+      </p:sp>
+      <p:sp>
+        <p:nvSpPr>
+          <p:cNvPr id="3" name="Text 1"/>
+          <p:cNvSpPr/>
+          <p:nvPr/>
+        </p:nvSpPr>
+        <p:spPr>
+          <a:xfrm>
+            <a:off x="762000" y="138113"/>
+            <a:ext cx="8130540" cy="552450"/>
+          </a:xfrm>
+          <a:prstGeom prst="rect">
+            <a:avLst/>
+          </a:prstGeom>
+          <a:noFill/>
+          <a:ln/>
+        </p:spPr>
+        <p:txBody>
+          <a:bodyPr wrap="square" rtlCol="0" anchor="ctr"/>
+          <a:lstStyle/>
+          <a:p>
+            <a:pPr marL="0" indent="0">
+              <a:buNone/>
+            </a:pPr>
+            <a:r>
+              <a:rPr lang="en-US" sz="2625" b="1" dirty="0">
+                <a:solidFill>
+                  <a:srgbClr val="002A85"/>
+                </a:solidFill>
+                <a:latin typeface="Noto Sans SC" pitchFamily="34" charset="0"/>
+                <a:ea typeface="Noto Sans SC" pitchFamily="34" charset="-122"/>
+              </a:rPr>
+              <a:t>Dataset Introduction</a:t>
+            </a:r>
+            <a:endParaRPr lang="en-US" sz="2625" dirty="0"/>
+          </a:p>
+        </p:txBody>
+      </p:sp>
+      <p:sp>
+        <p:nvSpPr>
+          <p:cNvPr id="4" name="Text 2"/>
+          <p:cNvSpPr/>
+          <p:nvPr/>
+        </p:nvSpPr>
+        <p:spPr>
+          <a:xfrm>
+            <a:off x="714375" y="759015"/>
+            <a:ext cx="7715250" cy="3452813"/>
+          </a:xfrm>
+          <a:prstGeom prst="rect">
+            <a:avLst/>
+          </a:prstGeom>
+          <a:noFill/>
+          <a:ln/>
+        </p:spPr>
+        <p:txBody>
+          <a:bodyPr wrap="square" rtlCol="0" anchor="t"/>
+          <a:lstStyle/>
+          <a:p>
+            <a:pPr marL="285750" indent="-285750">
+              <a:lnSpc>
+                <a:spcPct val="150000"/>
+              </a:lnSpc>
+              <a:buSzPct val="100000"/>
+              <a:buFont typeface="Arial" panose="020B0604020202020204" pitchFamily="34" charset="0"/>
+              <a:buChar char="•"/>
+            </a:pPr>
+            <a:r>
+              <a:rPr lang="en-US" sz="1680" dirty="0">
+                <a:solidFill>
+                  <a:srgbClr val="383838"/>
+                </a:solidFill>
+                <a:latin typeface="Noto Sans SC" pitchFamily="34" charset="0"/>
+                <a:ea typeface="Noto Sans SC" pitchFamily="34" charset="-122"/>
+              </a:rPr>
+              <a:t>Simulated credit card transaction fraud data on Kaggle  </a:t>
+            </a:r>
+          </a:p>
+          <a:p>
+            <a:pPr marL="285750" indent="-285750">
+              <a:lnSpc>
+                <a:spcPct val="150000"/>
+              </a:lnSpc>
+              <a:buSzPct val="100000"/>
+              <a:buFont typeface="Arial" panose="020B0604020202020204" pitchFamily="34" charset="0"/>
+              <a:buChar char="•"/>
+            </a:pPr>
+            <a:r>
+              <a:rPr lang="en-US" sz="1600" dirty="0">
+                <a:hlinkClick r:id="rId3"/>
+              </a:rPr>
+              <a:t>Credit Card Fraud (kaggle.com)</a:t>
+            </a:r>
+            <a:endParaRPr lang="en-US" sz="1600" dirty="0"/>
+          </a:p>
+          <a:p>
+            <a:pPr marL="285750" indent="-285750">
+              <a:lnSpc>
+                <a:spcPct val="150000"/>
+              </a:lnSpc>
+              <a:buSzPct val="100000"/>
+              <a:buFont typeface="Arial" panose="020B0604020202020204" pitchFamily="34" charset="0"/>
+              <a:buChar char="•"/>
+            </a:pPr>
+            <a:r>
+              <a:rPr lang="en-US" sz="1680" dirty="0">
+                <a:solidFill>
+                  <a:srgbClr val="383838"/>
+                </a:solidFill>
+                <a:latin typeface="Noto Sans SC" pitchFamily="34" charset="0"/>
+                <a:ea typeface="Noto Sans SC" pitchFamily="34" charset="-122"/>
+              </a:rPr>
+              <a:t>Binary classification problem</a:t>
+            </a:r>
+            <a:r>
+              <a:rPr lang="en-US" sz="1600" dirty="0">
+                <a:solidFill>
+                  <a:srgbClr val="383838"/>
+                </a:solidFill>
+                <a:latin typeface="Noto Sans SC" pitchFamily="34" charset="0"/>
+                <a:ea typeface="Noto Sans SC" pitchFamily="34" charset="-122"/>
+              </a:rPr>
+              <a:t>, each transaction is either fraudulent or not.</a:t>
+            </a:r>
+            <a:endParaRPr lang="en-US" sz="1680" dirty="0">
+              <a:solidFill>
+                <a:srgbClr val="383838"/>
+              </a:solidFill>
+              <a:latin typeface="Noto Sans SC" pitchFamily="34" charset="0"/>
+              <a:ea typeface="Noto Sans SC" pitchFamily="34" charset="-122"/>
+            </a:endParaRPr>
+          </a:p>
+          <a:p>
+            <a:pPr marL="285750" indent="-285750">
+              <a:lnSpc>
+                <a:spcPct val="150000"/>
+              </a:lnSpc>
+              <a:buSzPct val="100000"/>
+              <a:buFont typeface="Arial" panose="020B0604020202020204" pitchFamily="34" charset="0"/>
+              <a:buChar char="•"/>
+            </a:pPr>
+            <a:r>
+              <a:rPr lang="en-US" sz="1680" dirty="0">
+                <a:solidFill>
+                  <a:srgbClr val="383838"/>
+                </a:solidFill>
+                <a:latin typeface="Noto Sans SC" pitchFamily="34" charset="0"/>
+                <a:ea typeface="Noto Sans SC" pitchFamily="34" charset="-122"/>
+              </a:rPr>
+              <a:t>1000000 transactions, only 87403 transactions are fraudulent. 8.74% fraud rate, very unbalanced data</a:t>
+            </a:r>
+          </a:p>
+          <a:p>
+            <a:pPr marL="285750" indent="-285750">
+              <a:lnSpc>
+                <a:spcPct val="150000"/>
+              </a:lnSpc>
+              <a:buSzPct val="100000"/>
+              <a:buFont typeface="Arial" panose="020B0604020202020204" pitchFamily="34" charset="0"/>
+              <a:buChar char="•"/>
+            </a:pPr>
+            <a:r>
+              <a:rPr lang="en-US" sz="1680" dirty="0">
+                <a:solidFill>
+                  <a:srgbClr val="383838"/>
+                </a:solidFill>
+                <a:latin typeface="Noto Sans SC" pitchFamily="34" charset="0"/>
+                <a:ea typeface="Noto Sans SC" pitchFamily="34" charset="-122"/>
+              </a:rPr>
+              <a:t>We will try stratified sampling and </a:t>
+            </a:r>
+            <a:r>
+              <a:rPr lang="en-US" sz="1680" dirty="0" err="1">
+                <a:solidFill>
+                  <a:srgbClr val="383838"/>
+                </a:solidFill>
+                <a:latin typeface="Noto Sans SC" pitchFamily="34" charset="0"/>
+                <a:ea typeface="Noto Sans SC" pitchFamily="34" charset="-122"/>
+              </a:rPr>
+              <a:t>upsampling</a:t>
+            </a:r>
+            <a:r>
+              <a:rPr lang="en-US" sz="1680" dirty="0">
+                <a:solidFill>
+                  <a:srgbClr val="383838"/>
+                </a:solidFill>
+                <a:latin typeface="Noto Sans SC" pitchFamily="34" charset="0"/>
+                <a:ea typeface="Noto Sans SC" pitchFamily="34" charset="-122"/>
+              </a:rPr>
+              <a:t> when dividing the dataset</a:t>
+            </a:r>
+          </a:p>
+          <a:p>
+            <a:pPr marL="342900" indent="-342900" algn="l">
+              <a:lnSpc>
+                <a:spcPct val="150000"/>
+              </a:lnSpc>
+              <a:buSzPct val="100000"/>
+              <a:buChar char="•"/>
+            </a:pPr>
+            <a:endParaRPr lang="en-US" sz="1680" dirty="0">
+              <a:solidFill>
+                <a:srgbClr val="383838"/>
+              </a:solidFill>
+              <a:latin typeface="Noto Sans SC" pitchFamily="34" charset="0"/>
+              <a:ea typeface="Noto Sans SC" pitchFamily="34" charset="-122"/>
+            </a:endParaRPr>
+          </a:p>
+          <a:p>
+            <a:pPr marL="342900" indent="-342900" algn="l">
+              <a:lnSpc>
+                <a:spcPct val="150000"/>
+              </a:lnSpc>
+              <a:buSzPct val="100000"/>
+              <a:buChar char="•"/>
+            </a:pPr>
+            <a:endParaRPr lang="en-US" sz="1680" dirty="0"/>
+          </a:p>
+          <a:p>
+            <a:pPr marL="342900" indent="-342900" algn="l">
+              <a:lnSpc>
+                <a:spcPct val="150000"/>
+              </a:lnSpc>
+              <a:buSzPct val="100000"/>
+              <a:buChar char="•"/>
+            </a:pPr>
+            <a:endParaRPr lang="en-US" sz="1680" dirty="0"/>
+          </a:p>
+        </p:txBody>
+      </p:sp>
+    </p:spTree>
+  </p:cSld>
+  <p:clrMapOvr>
+    <a:masterClrMapping/>
+  </p:clrMapOvr>
+</p:sld>
+</file>
+
+<file path=ppt/slides/slide5.xml><?xml version="1.0" encoding="utf-8"?>
+<p:sld xmlns:a="http://schemas.openxmlformats.org/drawingml/2006/main" xmlns:r="http://schemas.openxmlformats.org/officeDocument/2006/relationships" xmlns:p="http://schemas.openxmlformats.org/presentationml/2006/main">
+  <p:cSld>
+    <p:spTree>
+      <p:nvGrpSpPr>
+        <p:cNvPr id="1" name=""/>
+        <p:cNvGrpSpPr/>
+        <p:nvPr/>
+      </p:nvGrpSpPr>
+      <p:grpSpPr>
+        <a:xfrm>
+          <a:off x="0" y="0"/>
+          <a:ext cx="0" cy="0"/>
+          <a:chOff x="0" y="0"/>
+          <a:chExt cx="0" cy="0"/>
+        </a:xfrm>
+      </p:grpSpPr>
+      <p:sp>
+        <p:nvSpPr>
+          <p:cNvPr id="2" name="Shape 0"/>
+          <p:cNvSpPr/>
+          <p:nvPr/>
+        </p:nvSpPr>
+        <p:spPr>
+          <a:xfrm>
+            <a:off x="0" y="457200"/>
+            <a:ext cx="4019550" cy="233363"/>
+          </a:xfrm>
+          <a:prstGeom prst="rect">
+            <a:avLst/>
+          </a:prstGeom>
+          <a:solidFill>
+            <a:srgbClr val="A5DDFF"/>
+          </a:solidFill>
+          <a:ln/>
+        </p:spPr>
+      </p:sp>
+      <p:sp>
+        <p:nvSpPr>
+          <p:cNvPr id="3" name="Text 1"/>
+          <p:cNvSpPr/>
+          <p:nvPr/>
+        </p:nvSpPr>
+        <p:spPr>
+          <a:xfrm>
+            <a:off x="762000" y="138113"/>
+            <a:ext cx="8130540" cy="552450"/>
+          </a:xfrm>
+          <a:prstGeom prst="rect">
+            <a:avLst/>
+          </a:prstGeom>
+          <a:noFill/>
+          <a:ln/>
+        </p:spPr>
+        <p:txBody>
+          <a:bodyPr wrap="square" rtlCol="0" anchor="ctr"/>
+          <a:lstStyle/>
+          <a:p>
+            <a:pPr marL="0" indent="0">
+              <a:buNone/>
+            </a:pPr>
+            <a:r>
+              <a:rPr lang="en-US" sz="2625" b="1" dirty="0">
+                <a:solidFill>
+                  <a:srgbClr val="002A85"/>
+                </a:solidFill>
+                <a:latin typeface="Noto Sans SC" pitchFamily="34" charset="0"/>
+                <a:ea typeface="Noto Sans SC" pitchFamily="34" charset="-122"/>
+              </a:rPr>
+              <a:t>Dataset</a:t>
+            </a:r>
+            <a:r>
+              <a:rPr lang="zh-CN" altLang="en-US" sz="2625" b="1" dirty="0">
+                <a:solidFill>
+                  <a:srgbClr val="002A85"/>
+                </a:solidFill>
+                <a:latin typeface="Noto Sans SC" pitchFamily="34" charset="0"/>
+                <a:ea typeface="Noto Sans SC" pitchFamily="34" charset="-122"/>
+              </a:rPr>
+              <a:t> </a:t>
+            </a:r>
+            <a:r>
+              <a:rPr lang="en-US" altLang="zh-CN" sz="2625" b="1" dirty="0">
+                <a:solidFill>
+                  <a:srgbClr val="002A85"/>
+                </a:solidFill>
+                <a:latin typeface="Noto Sans SC" pitchFamily="34" charset="0"/>
+                <a:ea typeface="Noto Sans SC" pitchFamily="34" charset="-122"/>
+              </a:rPr>
+              <a:t>description</a:t>
+            </a:r>
+            <a:endParaRPr lang="en-US" sz="2625" dirty="0"/>
+          </a:p>
+        </p:txBody>
+      </p:sp>
+      <p:sp>
+        <p:nvSpPr>
+          <p:cNvPr id="4" name="Text 2"/>
+          <p:cNvSpPr/>
+          <p:nvPr/>
+        </p:nvSpPr>
+        <p:spPr>
+          <a:xfrm>
+            <a:off x="762000" y="2825749"/>
+            <a:ext cx="7929513" cy="1432874"/>
+          </a:xfrm>
+          <a:prstGeom prst="rect">
+            <a:avLst/>
+          </a:prstGeom>
+          <a:noFill/>
+          <a:ln/>
+        </p:spPr>
+        <p:txBody>
+          <a:bodyPr wrap="square" rtlCol="0" anchor="t"/>
+          <a:lstStyle/>
+          <a:p>
+            <a:pPr fontAlgn="base"/>
+            <a:r>
+              <a:rPr lang="en-US" dirty="0" err="1"/>
+              <a:t>dist_home</a:t>
+            </a:r>
+            <a:r>
+              <a:rPr lang="en-US" dirty="0"/>
+              <a:t>: the distance from home where the transaction happened</a:t>
+            </a:r>
+          </a:p>
+          <a:p>
+            <a:pPr fontAlgn="base"/>
+            <a:endParaRPr lang="en-US" dirty="0"/>
+          </a:p>
+          <a:p>
+            <a:pPr fontAlgn="base"/>
+            <a:r>
+              <a:rPr lang="en-US" dirty="0" err="1"/>
+              <a:t>dist_last_transact</a:t>
+            </a:r>
+            <a:r>
+              <a:rPr lang="en-US" dirty="0"/>
+              <a:t>: the distance from last transaction happened</a:t>
+            </a:r>
+          </a:p>
+          <a:p>
+            <a:pPr fontAlgn="base"/>
+            <a:endParaRPr lang="en-US" dirty="0"/>
+          </a:p>
+          <a:p>
+            <a:pPr fontAlgn="base"/>
+            <a:r>
+              <a:rPr lang="en-US" dirty="0" err="1"/>
+              <a:t>ratio_to_med_price</a:t>
+            </a:r>
+            <a:r>
+              <a:rPr lang="en-US" dirty="0"/>
+              <a:t>: ratio of transaction </a:t>
+            </a:r>
+            <a:r>
+              <a:rPr lang="en-US" dirty="0" err="1"/>
+              <a:t>prive</a:t>
+            </a:r>
+            <a:r>
+              <a:rPr lang="en-US" dirty="0"/>
+              <a:t> to median purchase price</a:t>
+            </a:r>
+          </a:p>
+          <a:p>
+            <a:pPr fontAlgn="base"/>
+            <a:endParaRPr lang="en-US" dirty="0"/>
+          </a:p>
+          <a:p>
+            <a:pPr fontAlgn="base"/>
+            <a:r>
+              <a:rPr lang="en-US" dirty="0" err="1"/>
+              <a:t>repeat_retailer</a:t>
+            </a:r>
+            <a:r>
+              <a:rPr lang="en-US" dirty="0"/>
+              <a:t>: Is the transaction happened from same retailer</a:t>
+            </a:r>
+          </a:p>
+          <a:p>
+            <a:pPr marL="342900" indent="-342900">
+              <a:lnSpc>
+                <a:spcPct val="150000"/>
+              </a:lnSpc>
+              <a:buSzPct val="100000"/>
+              <a:buFontTx/>
+              <a:buChar char="•"/>
+            </a:pPr>
+            <a:endParaRPr lang="en-US" sz="1600" b="0" i="0" dirty="0">
+              <a:solidFill>
+                <a:srgbClr val="3C4043"/>
+              </a:solidFill>
+              <a:effectLst/>
+              <a:latin typeface="Inter"/>
+            </a:endParaRPr>
+          </a:p>
+          <a:p>
+            <a:pPr marL="342900" indent="-342900" algn="l">
+              <a:lnSpc>
+                <a:spcPct val="150000"/>
+              </a:lnSpc>
+              <a:buSzPct val="100000"/>
+              <a:buChar char="•"/>
+            </a:pPr>
+            <a:endParaRPr lang="en-US" sz="1600" b="0" i="0" dirty="0">
+              <a:solidFill>
+                <a:srgbClr val="3C4043"/>
+              </a:solidFill>
+              <a:effectLst/>
+              <a:latin typeface="Inter"/>
+            </a:endParaRPr>
+          </a:p>
+          <a:p>
+            <a:pPr marL="342900" indent="-342900" algn="l">
+              <a:lnSpc>
+                <a:spcPct val="150000"/>
+              </a:lnSpc>
+              <a:buSzPct val="100000"/>
+              <a:buChar char="•"/>
+            </a:pPr>
+            <a:endParaRPr lang="en-US" sz="1680" dirty="0">
+              <a:solidFill>
+                <a:srgbClr val="383838"/>
+              </a:solidFill>
+              <a:latin typeface="Noto Sans SC" pitchFamily="34" charset="0"/>
+              <a:ea typeface="Noto Sans SC" pitchFamily="34" charset="-122"/>
+            </a:endParaRPr>
+          </a:p>
+          <a:p>
+            <a:pPr marL="342900" indent="-342900" algn="l">
+              <a:lnSpc>
+                <a:spcPct val="150000"/>
+              </a:lnSpc>
+              <a:buSzPct val="100000"/>
+              <a:buChar char="•"/>
+            </a:pPr>
+            <a:endParaRPr lang="en-US" sz="1680" dirty="0"/>
+          </a:p>
+          <a:p>
+            <a:pPr marL="342900" indent="-342900" algn="l">
+              <a:lnSpc>
+                <a:spcPct val="150000"/>
+              </a:lnSpc>
+              <a:buSzPct val="100000"/>
+              <a:buChar char="•"/>
+            </a:pPr>
+            <a:endParaRPr lang="en-US" sz="1680" dirty="0"/>
+          </a:p>
+        </p:txBody>
+      </p:sp>
+      <p:pic>
+        <p:nvPicPr>
+          <p:cNvPr id="10" name="Picture 9">
+            <a:extLst>
+              <a:ext uri="{FF2B5EF4-FFF2-40B4-BE49-F238E27FC236}">
+                <a16:creationId xmlns:a16="http://schemas.microsoft.com/office/drawing/2014/main" id="{A0BDD145-21DE-0940-A494-74ADE9535EA0}"/>
+              </a:ext>
+            </a:extLst>
+          </p:cNvPr>
+          <p:cNvPicPr>
+            <a:picLocks noChangeAspect="1"/>
+          </p:cNvPicPr>
+          <p:nvPr/>
+        </p:nvPicPr>
+        <p:blipFill>
+          <a:blip r:embed="rId3"/>
+          <a:stretch>
+            <a:fillRect/>
+          </a:stretch>
+        </p:blipFill>
+        <p:spPr>
+          <a:xfrm>
+            <a:off x="0" y="1009650"/>
+            <a:ext cx="9144000" cy="1456841"/>
+          </a:xfrm>
+          <a:prstGeom prst="rect">
+            <a:avLst/>
+          </a:prstGeom>
+        </p:spPr>
+      </p:pic>
+    </p:spTree>
+    <p:extLst>
+      <p:ext uri="{BB962C8B-B14F-4D97-AF65-F5344CB8AC3E}">
+        <p14:creationId xmlns:p14="http://schemas.microsoft.com/office/powerpoint/2010/main" val="3059924670"/>
+      </p:ext>
+    </p:extLst>
+  </p:cSld>
+  <p:clrMapOvr>
+    <a:masterClrMapping/>
+  </p:clrMapOvr>
+</p:sld>
+</file>
+
+<file path=ppt/slides/slide6.xml><?xml version="1.0" encoding="utf-8"?>
+<p:sld xmlns:a="http://schemas.openxmlformats.org/drawingml/2006/main" xmlns:r="http://schemas.openxmlformats.org/officeDocument/2006/relationships" xmlns:p="http://schemas.openxmlformats.org/presentationml/2006/main">
+  <p:cSld>
+    <p:spTree>
+      <p:nvGrpSpPr>
+        <p:cNvPr id="1" name=""/>
+        <p:cNvGrpSpPr/>
+        <p:nvPr/>
+      </p:nvGrpSpPr>
+      <p:grpSpPr>
+        <a:xfrm>
+          <a:off x="0" y="0"/>
+          <a:ext cx="0" cy="0"/>
+          <a:chOff x="0" y="0"/>
+          <a:chExt cx="0" cy="0"/>
+        </a:xfrm>
+      </p:grpSpPr>
+      <p:sp>
+        <p:nvSpPr>
+          <p:cNvPr id="3" name="TextBox 2">
+            <a:extLst>
+              <a:ext uri="{FF2B5EF4-FFF2-40B4-BE49-F238E27FC236}">
+                <a16:creationId xmlns:a16="http://schemas.microsoft.com/office/drawing/2014/main" id="{A177B560-363B-2C47-96A0-2BBD79C7BBEC}"/>
+              </a:ext>
+            </a:extLst>
+          </p:cNvPr>
+          <p:cNvSpPr txBox="1"/>
+          <p:nvPr/>
+        </p:nvSpPr>
+        <p:spPr>
+          <a:xfrm>
+            <a:off x="603315" y="235670"/>
+            <a:ext cx="4364611" cy="461665"/>
+          </a:xfrm>
+          <a:prstGeom prst="rect">
+            <a:avLst/>
+          </a:prstGeom>
+          <a:noFill/>
+        </p:spPr>
+        <p:txBody>
+          <a:bodyPr wrap="square" rtlCol="0">
+            <a:spAutoFit/>
+          </a:bodyPr>
+          <a:lstStyle/>
+          <a:p>
+            <a:r>
+              <a:rPr lang="en-US" sz="2400" b="1" dirty="0">
+                <a:solidFill>
+                  <a:srgbClr val="002A85"/>
+                </a:solidFill>
+                <a:latin typeface="Noto Sans SC" pitchFamily="34" charset="0"/>
+                <a:ea typeface="Noto Sans SC" pitchFamily="34" charset="-122"/>
+              </a:rPr>
+              <a:t>Dataset</a:t>
+            </a:r>
+            <a:r>
+              <a:rPr lang="zh-CN" altLang="en-US" sz="2400" b="1" dirty="0">
+                <a:solidFill>
+                  <a:srgbClr val="002A85"/>
+                </a:solidFill>
+                <a:latin typeface="Noto Sans SC" pitchFamily="34" charset="0"/>
+                <a:ea typeface="Noto Sans SC" pitchFamily="34" charset="-122"/>
+              </a:rPr>
+              <a:t> </a:t>
+            </a:r>
+            <a:r>
+              <a:rPr lang="en-US" altLang="zh-CN" sz="2400" b="1" dirty="0">
+                <a:solidFill>
+                  <a:srgbClr val="002A85"/>
+                </a:solidFill>
+                <a:latin typeface="Noto Sans SC" pitchFamily="34" charset="0"/>
+                <a:ea typeface="Noto Sans SC" pitchFamily="34" charset="-122"/>
+              </a:rPr>
+              <a:t>description (continue)</a:t>
+            </a:r>
+            <a:endParaRPr lang="en-US" sz="2400" dirty="0"/>
+          </a:p>
+        </p:txBody>
+      </p:sp>
+      <p:pic>
+        <p:nvPicPr>
+          <p:cNvPr id="6" name="Picture 5">
+            <a:extLst>
+              <a:ext uri="{FF2B5EF4-FFF2-40B4-BE49-F238E27FC236}">
+                <a16:creationId xmlns:a16="http://schemas.microsoft.com/office/drawing/2014/main" id="{2CEBB452-635F-674F-A6DA-DB711F77C138}"/>
+              </a:ext>
+            </a:extLst>
+          </p:cNvPr>
+          <p:cNvPicPr>
+            <a:picLocks noChangeAspect="1"/>
+          </p:cNvPicPr>
+          <p:nvPr/>
+        </p:nvPicPr>
+        <p:blipFill>
+          <a:blip r:embed="rId2"/>
+          <a:stretch>
+            <a:fillRect/>
+          </a:stretch>
+        </p:blipFill>
+        <p:spPr>
+          <a:xfrm>
+            <a:off x="0" y="1009650"/>
+            <a:ext cx="9144000" cy="1456841"/>
+          </a:xfrm>
+          <a:prstGeom prst="rect">
+            <a:avLst/>
+          </a:prstGeom>
+        </p:spPr>
+      </p:pic>
+      <p:sp>
+        <p:nvSpPr>
+          <p:cNvPr id="7" name="Rectangle 6">
+            <a:extLst>
+              <a:ext uri="{FF2B5EF4-FFF2-40B4-BE49-F238E27FC236}">
+                <a16:creationId xmlns:a16="http://schemas.microsoft.com/office/drawing/2014/main" id="{2293048D-ABAD-1A46-90D0-BFAFEECBE5F5}"/>
+              </a:ext>
+            </a:extLst>
+          </p:cNvPr>
+          <p:cNvSpPr/>
+          <p:nvPr/>
+        </p:nvSpPr>
+        <p:spPr>
+          <a:xfrm>
+            <a:off x="768285" y="2630744"/>
+            <a:ext cx="7876094" cy="2031325"/>
+          </a:xfrm>
+          <a:prstGeom prst="rect">
+            <a:avLst/>
+          </a:prstGeom>
+        </p:spPr>
+        <p:txBody>
+          <a:bodyPr wrap="square">
+            <a:spAutoFit/>
+          </a:bodyPr>
+          <a:lstStyle/>
+          <a:p>
+            <a:pPr fontAlgn="base">
+              <a:buFont typeface="Arial" panose="020B0604020202020204" pitchFamily="34" charset="0"/>
+              <a:buChar char="•"/>
+            </a:pPr>
+            <a:r>
+              <a:rPr lang="en-US" dirty="0">
+                <a:solidFill>
+                  <a:srgbClr val="3C4043"/>
+                </a:solidFill>
+                <a:latin typeface="Arial" panose="020B0604020202020204" pitchFamily="34" charset="0"/>
+              </a:rPr>
+              <a:t> </a:t>
+            </a:r>
+            <a:r>
+              <a:rPr lang="en-US" dirty="0" err="1">
+                <a:solidFill>
+                  <a:srgbClr val="3C4043"/>
+                </a:solidFill>
+                <a:latin typeface="Arial" panose="020B0604020202020204" pitchFamily="34" charset="0"/>
+              </a:rPr>
+              <a:t>used_chip</a:t>
+            </a:r>
+            <a:r>
+              <a:rPr lang="en-US" dirty="0">
+                <a:solidFill>
+                  <a:srgbClr val="3C4043"/>
+                </a:solidFill>
+                <a:latin typeface="Arial" panose="020B0604020202020204" pitchFamily="34" charset="0"/>
+              </a:rPr>
+              <a:t>: Is the transaction through credit card?</a:t>
+            </a:r>
+          </a:p>
+          <a:p>
+            <a:pPr fontAlgn="base">
+              <a:buFont typeface="Arial" panose="020B0604020202020204" pitchFamily="34" charset="0"/>
+              <a:buChar char="•"/>
+            </a:pPr>
+            <a:endParaRPr lang="en-US" dirty="0">
+              <a:solidFill>
+                <a:srgbClr val="3C4043"/>
+              </a:solidFill>
+              <a:latin typeface="Arial" panose="020B0604020202020204" pitchFamily="34" charset="0"/>
+            </a:endParaRPr>
+          </a:p>
+          <a:p>
+            <a:pPr fontAlgn="base">
+              <a:buFont typeface="Arial" panose="020B0604020202020204" pitchFamily="34" charset="0"/>
+              <a:buChar char="•"/>
+            </a:pPr>
+            <a:r>
+              <a:rPr lang="en-US" dirty="0">
+                <a:solidFill>
+                  <a:srgbClr val="3C4043"/>
+                </a:solidFill>
+                <a:latin typeface="Arial" panose="020B0604020202020204" pitchFamily="34" charset="0"/>
+              </a:rPr>
+              <a:t> </a:t>
+            </a:r>
+            <a:r>
+              <a:rPr lang="en-US" dirty="0" err="1">
+                <a:solidFill>
+                  <a:srgbClr val="3C4043"/>
+                </a:solidFill>
+                <a:latin typeface="Arial" panose="020B0604020202020204" pitchFamily="34" charset="0"/>
+              </a:rPr>
+              <a:t>used_pin_number</a:t>
+            </a:r>
+            <a:r>
+              <a:rPr lang="en-US" dirty="0">
+                <a:solidFill>
+                  <a:srgbClr val="3C4043"/>
+                </a:solidFill>
+                <a:latin typeface="Arial" panose="020B0604020202020204" pitchFamily="34" charset="0"/>
+              </a:rPr>
+              <a:t> - Is the transaction happened by using PIN number?</a:t>
+            </a:r>
+          </a:p>
+          <a:p>
+            <a:pPr fontAlgn="base">
+              <a:buFont typeface="Arial" panose="020B0604020202020204" pitchFamily="34" charset="0"/>
+              <a:buChar char="•"/>
+            </a:pPr>
+            <a:endParaRPr lang="en-US" dirty="0">
+              <a:solidFill>
+                <a:srgbClr val="3C4043"/>
+              </a:solidFill>
+              <a:latin typeface="Arial" panose="020B0604020202020204" pitchFamily="34" charset="0"/>
+            </a:endParaRPr>
+          </a:p>
+          <a:p>
+            <a:pPr fontAlgn="base">
+              <a:buFont typeface="Arial" panose="020B0604020202020204" pitchFamily="34" charset="0"/>
+              <a:buChar char="•"/>
+            </a:pPr>
+            <a:r>
+              <a:rPr lang="en-US" dirty="0">
+                <a:solidFill>
+                  <a:srgbClr val="3C4043"/>
+                </a:solidFill>
+                <a:latin typeface="Arial" panose="020B0604020202020204" pitchFamily="34" charset="0"/>
+              </a:rPr>
+              <a:t> </a:t>
+            </a:r>
+            <a:r>
+              <a:rPr lang="en-US" dirty="0" err="1">
+                <a:solidFill>
+                  <a:srgbClr val="3C4043"/>
+                </a:solidFill>
+                <a:latin typeface="Arial" panose="020B0604020202020204" pitchFamily="34" charset="0"/>
+              </a:rPr>
+              <a:t>online_order</a:t>
+            </a:r>
+            <a:r>
+              <a:rPr lang="en-US" dirty="0">
+                <a:solidFill>
+                  <a:srgbClr val="3C4043"/>
+                </a:solidFill>
+                <a:latin typeface="Arial" panose="020B0604020202020204" pitchFamily="34" charset="0"/>
+              </a:rPr>
+              <a:t> - Is the transaction an online order?</a:t>
+            </a:r>
+          </a:p>
+          <a:p>
+            <a:pPr fontAlgn="base">
+              <a:buFont typeface="Arial" panose="020B0604020202020204" pitchFamily="34" charset="0"/>
+              <a:buChar char="•"/>
+            </a:pPr>
+            <a:endParaRPr lang="en-US" dirty="0">
+              <a:solidFill>
+                <a:srgbClr val="3C4043"/>
+              </a:solidFill>
+              <a:latin typeface="Arial" panose="020B0604020202020204" pitchFamily="34" charset="0"/>
+            </a:endParaRPr>
+          </a:p>
+          <a:p>
+            <a:pPr fontAlgn="base">
+              <a:buFont typeface="Arial" panose="020B0604020202020204" pitchFamily="34" charset="0"/>
+              <a:buChar char="•"/>
+            </a:pPr>
+            <a:r>
+              <a:rPr lang="en-US" dirty="0">
+                <a:solidFill>
+                  <a:srgbClr val="3C4043"/>
+                </a:solidFill>
+                <a:latin typeface="Arial" panose="020B0604020202020204" pitchFamily="34" charset="0"/>
+              </a:rPr>
+              <a:t> fraud - Is the transaction fraudulent.</a:t>
+            </a:r>
+          </a:p>
+        </p:txBody>
+      </p:sp>
+    </p:spTree>
+    <p:extLst>
+      <p:ext uri="{BB962C8B-B14F-4D97-AF65-F5344CB8AC3E}">
+        <p14:creationId xmlns:p14="http://schemas.microsoft.com/office/powerpoint/2010/main" val="3221290430"/>
+      </p:ext>
+    </p:extLst>
+  </p:cSld>
+  <p:clrMapOvr>
+    <a:masterClrMapping/>
+  </p:clrMapOvr>
+</p:sld>
+</file>
+
+<file path=ppt/slides/slide7.xml><?xml version="1.0" encoding="utf-8"?>
+<p:sld xmlns:a="http://schemas.openxmlformats.org/drawingml/2006/main" xmlns:r="http://schemas.openxmlformats.org/officeDocument/2006/relationships" xmlns:p="http://schemas.openxmlformats.org/presentationml/2006/main">
+  <p:cSld>
+    <p:spTree>
+      <p:nvGrpSpPr>
+        <p:cNvPr id="1" name=""/>
+        <p:cNvGrpSpPr/>
+        <p:nvPr/>
+      </p:nvGrpSpPr>
+      <p:grpSpPr>
+        <a:xfrm>
+          <a:off x="0" y="0"/>
+          <a:ext cx="0" cy="0"/>
+          <a:chOff x="0" y="0"/>
+          <a:chExt cx="0" cy="0"/>
+        </a:xfrm>
+      </p:grpSpPr>
+      <p:sp>
+        <p:nvSpPr>
+          <p:cNvPr id="2" name="Shape 0"/>
+          <p:cNvSpPr/>
+          <p:nvPr/>
+        </p:nvSpPr>
+        <p:spPr>
+          <a:xfrm>
+            <a:off x="0" y="457200"/>
+            <a:ext cx="4019550" cy="233363"/>
+          </a:xfrm>
+          <a:prstGeom prst="rect">
+            <a:avLst/>
+          </a:prstGeom>
+          <a:solidFill>
+            <a:srgbClr val="A5DDFF"/>
+          </a:solidFill>
+          <a:ln/>
+        </p:spPr>
+      </p:sp>
+      <p:sp>
+        <p:nvSpPr>
+          <p:cNvPr id="3" name="Text 1"/>
+          <p:cNvSpPr/>
+          <p:nvPr/>
+        </p:nvSpPr>
+        <p:spPr>
+          <a:xfrm>
+            <a:off x="762000" y="138113"/>
+            <a:ext cx="8130540" cy="552450"/>
+          </a:xfrm>
+          <a:prstGeom prst="rect">
+            <a:avLst/>
+          </a:prstGeom>
+          <a:noFill/>
+          <a:ln/>
+        </p:spPr>
+        <p:txBody>
+          <a:bodyPr wrap="square" rtlCol="0" anchor="ctr"/>
+          <a:lstStyle/>
+          <a:p>
+            <a:pPr marL="0" indent="0">
+              <a:buNone/>
+            </a:pPr>
+            <a:r>
+              <a:rPr lang="en-US" sz="2625" b="1" dirty="0">
+                <a:solidFill>
+                  <a:srgbClr val="002A85"/>
+                </a:solidFill>
+                <a:latin typeface="Noto Sans SC" pitchFamily="34" charset="0"/>
+                <a:ea typeface="Noto Sans SC" pitchFamily="34" charset="-122"/>
+              </a:rPr>
+              <a:t>EDA</a:t>
+            </a:r>
+            <a:endParaRPr lang="en-US" sz="2625" dirty="0"/>
+          </a:p>
+        </p:txBody>
+      </p:sp>
+      <p:sp>
+        <p:nvSpPr>
+          <p:cNvPr id="4" name="Text 2"/>
+          <p:cNvSpPr/>
+          <p:nvPr/>
+        </p:nvSpPr>
+        <p:spPr>
+          <a:xfrm>
+            <a:off x="434289" y="1080290"/>
+            <a:ext cx="7715250" cy="3452813"/>
+          </a:xfrm>
+          <a:prstGeom prst="rect">
+            <a:avLst/>
+          </a:prstGeom>
+          <a:noFill/>
+          <a:ln/>
+        </p:spPr>
+        <p:txBody>
+          <a:bodyPr wrap="square" rtlCol="0" anchor="t"/>
+          <a:lstStyle/>
+          <a:p>
+            <a:pPr rtl="0">
+              <a:spcBef>
+                <a:spcPts val="0"/>
+              </a:spcBef>
+              <a:spcAft>
+                <a:spcPts val="1200"/>
+              </a:spcAft>
+            </a:pPr>
+            <a:r>
+              <a:rPr lang="en-US" sz="1800" b="1" i="0" u="none" strike="noStrike" dirty="0">
+                <a:solidFill>
+                  <a:srgbClr val="595959"/>
+                </a:solidFill>
+                <a:effectLst/>
+                <a:latin typeface="Arial" panose="020B0604020202020204" pitchFamily="34" charset="0"/>
+              </a:rPr>
+              <a:t>&gt; dim(data)</a:t>
+            </a:r>
+            <a:endParaRPr lang="en-US" sz="1600" b="0" dirty="0">
+              <a:effectLst/>
+            </a:endParaRPr>
+          </a:p>
+          <a:p>
+            <a:pPr rtl="0">
+              <a:spcBef>
+                <a:spcPts val="0"/>
+              </a:spcBef>
+              <a:spcAft>
+                <a:spcPts val="1200"/>
+              </a:spcAft>
+            </a:pPr>
+            <a:r>
+              <a:rPr lang="en-US" sz="1800" b="1" i="0" u="none" strike="noStrike" dirty="0">
+                <a:solidFill>
+                  <a:srgbClr val="595959"/>
+                </a:solidFill>
+                <a:effectLst/>
+                <a:latin typeface="Arial" panose="020B0604020202020204" pitchFamily="34" charset="0"/>
+              </a:rPr>
+              <a:t>[1] 1000000       8</a:t>
+            </a:r>
+            <a:endParaRPr lang="en-US" sz="1600" b="0" dirty="0">
+              <a:effectLst/>
+            </a:endParaRPr>
+          </a:p>
+          <a:p>
+            <a:pPr rtl="0">
+              <a:spcBef>
+                <a:spcPts val="0"/>
+              </a:spcBef>
+              <a:spcAft>
+                <a:spcPts val="1200"/>
+              </a:spcAft>
+            </a:pPr>
+            <a:br>
+              <a:rPr lang="en-US" sz="1600" b="0" dirty="0">
+                <a:effectLst/>
+              </a:rPr>
+            </a:br>
+            <a:r>
+              <a:rPr lang="en-US" sz="1800" b="1" i="0" u="none" strike="noStrike" dirty="0">
+                <a:solidFill>
+                  <a:srgbClr val="595959"/>
+                </a:solidFill>
+                <a:effectLst/>
+                <a:latin typeface="Arial" panose="020B0604020202020204" pitchFamily="34" charset="0"/>
+              </a:rPr>
+              <a:t>&gt; sum(</a:t>
+            </a:r>
+            <a:r>
+              <a:rPr lang="en-US" sz="1800" b="1" i="0" u="none" strike="noStrike" dirty="0" err="1">
+                <a:solidFill>
+                  <a:srgbClr val="595959"/>
+                </a:solidFill>
+                <a:effectLst/>
+                <a:latin typeface="Arial" panose="020B0604020202020204" pitchFamily="34" charset="0"/>
+              </a:rPr>
+              <a:t>is.na</a:t>
+            </a:r>
+            <a:r>
+              <a:rPr lang="en-US" sz="1800" b="1" i="0" u="none" strike="noStrike" dirty="0">
+                <a:solidFill>
+                  <a:srgbClr val="595959"/>
+                </a:solidFill>
+                <a:effectLst/>
+                <a:latin typeface="Arial" panose="020B0604020202020204" pitchFamily="34" charset="0"/>
+              </a:rPr>
+              <a:t>(data)) </a:t>
+            </a:r>
+            <a:endParaRPr lang="en-US" sz="1600" b="0" dirty="0">
+              <a:effectLst/>
+            </a:endParaRPr>
+          </a:p>
+          <a:p>
+            <a:pPr rtl="0">
+              <a:spcBef>
+                <a:spcPts val="0"/>
+              </a:spcBef>
+              <a:spcAft>
+                <a:spcPts val="1200"/>
+              </a:spcAft>
+            </a:pPr>
+            <a:r>
+              <a:rPr lang="en-US" sz="1800" b="1" i="0" u="none" strike="noStrike" dirty="0">
+                <a:solidFill>
+                  <a:srgbClr val="595959"/>
+                </a:solidFill>
+                <a:effectLst/>
+                <a:latin typeface="Arial" panose="020B0604020202020204" pitchFamily="34" charset="0"/>
+              </a:rPr>
+              <a:t>[1] 0</a:t>
+            </a:r>
+            <a:endParaRPr lang="en-US" sz="1600" b="0" dirty="0">
+              <a:effectLst/>
+            </a:endParaRPr>
+          </a:p>
+          <a:p>
+            <a:pPr rtl="0">
+              <a:spcBef>
+                <a:spcPts val="0"/>
+              </a:spcBef>
+              <a:spcAft>
+                <a:spcPts val="1200"/>
+              </a:spcAft>
+            </a:pPr>
+            <a:br>
+              <a:rPr lang="en-US" sz="1600" b="0" dirty="0">
+                <a:effectLst/>
+              </a:rPr>
+            </a:br>
+            <a:r>
+              <a:rPr lang="en-US" sz="1800" b="1" i="0" u="none" strike="noStrike" dirty="0">
+                <a:solidFill>
+                  <a:srgbClr val="595959"/>
+                </a:solidFill>
+                <a:effectLst/>
+                <a:latin typeface="Arial" panose="020B0604020202020204" pitchFamily="34" charset="0"/>
+              </a:rPr>
+              <a:t># distribution and outliers in each feature</a:t>
+            </a:r>
+            <a:endParaRPr lang="en-US" sz="1600" b="0" dirty="0">
+              <a:effectLst/>
+            </a:endParaRPr>
+          </a:p>
+          <a:p>
+            <a:br>
+              <a:rPr lang="en-US" sz="1600" b="0" dirty="0">
+                <a:effectLst/>
+              </a:rPr>
+            </a:br>
+            <a:endParaRPr lang="en-US" sz="1680" dirty="0"/>
+          </a:p>
+          <a:p>
+            <a:pPr marL="342900" indent="-342900" algn="l">
+              <a:lnSpc>
+                <a:spcPct val="150000"/>
+              </a:lnSpc>
+              <a:buSzPct val="100000"/>
+              <a:buChar char="•"/>
+            </a:pPr>
+            <a:endParaRPr lang="en-US" sz="1680" dirty="0"/>
+          </a:p>
+        </p:txBody>
+      </p:sp>
+      <p:pic>
+        <p:nvPicPr>
+          <p:cNvPr id="6" name="Picture 5" descr="A group of graphs showing different types of data&#10;&#10;Description automatically generated">
+            <a:extLst>
+              <a:ext uri="{FF2B5EF4-FFF2-40B4-BE49-F238E27FC236}">
+                <a16:creationId xmlns:a16="http://schemas.microsoft.com/office/drawing/2014/main" id="{C7B22C9A-26C8-B924-536A-0AA008B169FB}"/>
+              </a:ext>
+            </a:extLst>
+          </p:cNvPr>
+          <p:cNvPicPr>
+            <a:picLocks noChangeAspect="1"/>
+          </p:cNvPicPr>
+          <p:nvPr/>
+        </p:nvPicPr>
+        <p:blipFill>
+          <a:blip r:embed="rId3"/>
+          <a:stretch>
+            <a:fillRect/>
+          </a:stretch>
+        </p:blipFill>
+        <p:spPr>
+          <a:xfrm>
+            <a:off x="5286235" y="1865789"/>
+            <a:ext cx="3775387" cy="2915245"/>
+          </a:xfrm>
+          <a:prstGeom prst="rect">
+            <a:avLst/>
+          </a:prstGeom>
+        </p:spPr>
+      </p:pic>
+    </p:spTree>
+    <p:extLst>
+      <p:ext uri="{BB962C8B-B14F-4D97-AF65-F5344CB8AC3E}">
+        <p14:creationId xmlns:p14="http://schemas.microsoft.com/office/powerpoint/2010/main" val="728018339"/>
+      </p:ext>
+    </p:extLst>
+  </p:cSld>
+  <p:clrMapOvr>
+    <a:masterClrMapping/>
+  </p:clrMapOvr>
+</p:sld>
+</file>
+
+<file path=ppt/slides/slide8.xml><?xml version="1.0" encoding="utf-8"?>
+<p:sld xmlns:a="http://schemas.openxmlformats.org/drawingml/2006/main" xmlns:r="http://schemas.openxmlformats.org/officeDocument/2006/relationships" xmlns:p="http://schemas.openxmlformats.org/presentationml/2006/main">
+  <p:cSld>
+    <p:spTree>
+      <p:nvGrpSpPr>
+        <p:cNvPr id="1" name=""/>
+        <p:cNvGrpSpPr/>
+        <p:nvPr/>
+      </p:nvGrpSpPr>
+      <p:grpSpPr>
+        <a:xfrm>
+          <a:off x="0" y="0"/>
+          <a:ext cx="0" cy="0"/>
+          <a:chOff x="0" y="0"/>
+          <a:chExt cx="0" cy="0"/>
+        </a:xfrm>
+      </p:grpSpPr>
+      <p:sp>
+        <p:nvSpPr>
+          <p:cNvPr id="2" name="Shape 0"/>
+          <p:cNvSpPr/>
+          <p:nvPr/>
+        </p:nvSpPr>
+        <p:spPr>
+          <a:xfrm>
+            <a:off x="0" y="457200"/>
+            <a:ext cx="4019550" cy="233363"/>
+          </a:xfrm>
+          <a:prstGeom prst="rect">
+            <a:avLst/>
+          </a:prstGeom>
+          <a:solidFill>
+            <a:srgbClr val="A5DDFF"/>
+          </a:solidFill>
+          <a:ln/>
+        </p:spPr>
+      </p:sp>
+      <p:sp>
+        <p:nvSpPr>
+          <p:cNvPr id="3" name="Text 1"/>
+          <p:cNvSpPr/>
+          <p:nvPr/>
+        </p:nvSpPr>
+        <p:spPr>
+          <a:xfrm>
+            <a:off x="580768" y="180975"/>
+            <a:ext cx="8130540" cy="552450"/>
+          </a:xfrm>
+          <a:prstGeom prst="rect">
+            <a:avLst/>
+          </a:prstGeom>
+          <a:noFill/>
+          <a:ln/>
+        </p:spPr>
+        <p:txBody>
+          <a:bodyPr wrap="square" rtlCol="0" anchor="ctr"/>
+          <a:lstStyle/>
+          <a:p>
+            <a:pPr marL="0" indent="0">
+              <a:buNone/>
+            </a:pPr>
+            <a:r>
+              <a:rPr lang="en-US" sz="2625" b="1" dirty="0">
+                <a:solidFill>
+                  <a:srgbClr val="002A85"/>
+                </a:solidFill>
+                <a:latin typeface="Noto Sans SC" pitchFamily="34" charset="0"/>
+                <a:ea typeface="Noto Sans SC" pitchFamily="34" charset="-122"/>
+              </a:rPr>
+              <a:t>More on EDA</a:t>
+            </a:r>
+            <a:endParaRPr lang="en-US" sz="2625" dirty="0"/>
+          </a:p>
+        </p:txBody>
+      </p:sp>
+      <p:sp>
+        <p:nvSpPr>
+          <p:cNvPr id="4" name="Text 2"/>
+          <p:cNvSpPr/>
+          <p:nvPr/>
+        </p:nvSpPr>
+        <p:spPr>
+          <a:xfrm>
+            <a:off x="4709727" y="1392917"/>
+            <a:ext cx="4137711" cy="3452813"/>
+          </a:xfrm>
+          <a:prstGeom prst="rect">
+            <a:avLst/>
+          </a:prstGeom>
+          <a:noFill/>
+          <a:ln/>
+        </p:spPr>
+        <p:txBody>
+          <a:bodyPr wrap="square" rtlCol="0" anchor="t"/>
+          <a:lstStyle/>
+          <a:p>
+            <a:pPr rtl="0" fontAlgn="base">
+              <a:spcBef>
+                <a:spcPts val="0"/>
+              </a:spcBef>
+              <a:spcAft>
+                <a:spcPts val="0"/>
+              </a:spcAft>
+              <a:buFont typeface="Arial" panose="020B0604020202020204" pitchFamily="34" charset="0"/>
+              <a:buChar char="•"/>
+            </a:pPr>
+            <a:r>
+              <a:rPr lang="en-US" sz="1800" b="0" i="0" u="none" strike="noStrike" dirty="0">
+                <a:solidFill>
+                  <a:srgbClr val="595959"/>
+                </a:solidFill>
+                <a:effectLst/>
+                <a:latin typeface="Arial" panose="020B0604020202020204" pitchFamily="34" charset="0"/>
+              </a:rPr>
+              <a:t>Around 91% of the transactions are not fraud and 9% are fraud.</a:t>
+            </a:r>
+          </a:p>
+          <a:p>
+            <a:pPr rtl="0" fontAlgn="base">
+              <a:spcBef>
+                <a:spcPts val="0"/>
+              </a:spcBef>
+              <a:spcAft>
+                <a:spcPts val="0"/>
+              </a:spcAft>
+              <a:buFont typeface="Arial" panose="020B0604020202020204" pitchFamily="34" charset="0"/>
+              <a:buChar char="•"/>
+            </a:pPr>
+            <a:endParaRPr lang="en-US" sz="1800" b="0" i="0" u="none" strike="noStrike" dirty="0">
+              <a:solidFill>
+                <a:srgbClr val="595959"/>
+              </a:solidFill>
+              <a:effectLst/>
+              <a:latin typeface="Arial" panose="020B0604020202020204" pitchFamily="34" charset="0"/>
+            </a:endParaRPr>
+          </a:p>
+          <a:p>
+            <a:pPr rtl="0" fontAlgn="base">
+              <a:spcBef>
+                <a:spcPts val="0"/>
+              </a:spcBef>
+              <a:spcAft>
+                <a:spcPts val="1200"/>
+              </a:spcAft>
+              <a:buFont typeface="Arial" panose="020B0604020202020204" pitchFamily="34" charset="0"/>
+              <a:buChar char="•"/>
+            </a:pPr>
+            <a:r>
+              <a:rPr lang="en-US" sz="1800" b="0" i="0" u="none" strike="noStrike" dirty="0">
+                <a:solidFill>
+                  <a:srgbClr val="595959"/>
+                </a:solidFill>
+                <a:effectLst/>
+                <a:latin typeface="Arial" panose="020B0604020202020204" pitchFamily="34" charset="0"/>
+              </a:rPr>
+              <a:t>There imbalance suggests adapting performance metrics like "true positive rate", "precision" and "f1 score" instead of "</a:t>
+            </a:r>
+            <a:r>
+              <a:rPr lang="en-US" sz="1800" b="0" i="0" u="none" strike="noStrike" dirty="0" err="1">
+                <a:solidFill>
+                  <a:srgbClr val="595959"/>
+                </a:solidFill>
+                <a:effectLst/>
+                <a:latin typeface="Arial" panose="020B0604020202020204" pitchFamily="34" charset="0"/>
+              </a:rPr>
+              <a:t>accurary</a:t>
+            </a:r>
+            <a:r>
+              <a:rPr lang="en-US" sz="1800" b="0" i="0" u="none" strike="noStrike" dirty="0">
+                <a:solidFill>
+                  <a:srgbClr val="595959"/>
+                </a:solidFill>
+                <a:effectLst/>
+                <a:latin typeface="Arial" panose="020B0604020202020204" pitchFamily="34" charset="0"/>
+              </a:rPr>
+              <a:t>" to assess the ML model. </a:t>
+            </a:r>
+          </a:p>
+        </p:txBody>
+      </p:sp>
+      <p:pic>
+        <p:nvPicPr>
+          <p:cNvPr id="1028" name="Picture 4">
+            <a:extLst>
+              <a:ext uri="{FF2B5EF4-FFF2-40B4-BE49-F238E27FC236}">
+                <a16:creationId xmlns:a16="http://schemas.microsoft.com/office/drawing/2014/main" id="{ED817585-A7F5-B47F-98DB-3220B7E17D7A}"/>
+              </a:ext>
+            </a:extLst>
+          </p:cNvPr>
+          <p:cNvPicPr>
+            <a:picLocks noChangeAspect="1" noChangeArrowheads="1"/>
+          </p:cNvPicPr>
+          <p:nvPr/>
+        </p:nvPicPr>
+        <p:blipFill>
+          <a:blip r:embed="rId3">
+            <a:extLst>
+              <a:ext uri="{28A0092B-C50C-407E-A947-70E740481C1C}">
+                <a14:useLocalDpi xmlns:a14="http://schemas.microsoft.com/office/drawing/2010/main" val="0"/>
+              </a:ext>
+            </a:extLst>
+          </a:blip>
+          <a:srcRect/>
+          <a:stretch>
+            <a:fillRect/>
+          </a:stretch>
+        </p:blipFill>
+        <p:spPr bwMode="auto">
+          <a:xfrm>
+            <a:off x="618731" y="1367070"/>
+            <a:ext cx="3530823" cy="2705100"/>
+          </a:xfrm>
+          <a:prstGeom prst="rect">
+            <a:avLst/>
+          </a:prstGeom>
+          <a:noFill/>
+          <a:extLst>
+            <a:ext uri="{909E8E84-426E-40DD-AFC4-6F175D3DCCD1}">
+              <a14:hiddenFill xmlns:a14="http://schemas.microsoft.com/office/drawing/2010/main">
+                <a:solidFill>
+                  <a:srgbClr val="FFFFFF"/>
+                </a:solidFill>
+              </a14:hiddenFill>
+            </a:ext>
+          </a:extLst>
+        </p:spPr>
+      </p:pic>
+    </p:spTree>
+    <p:extLst>
+      <p:ext uri="{BB962C8B-B14F-4D97-AF65-F5344CB8AC3E}">
+        <p14:creationId xmlns:p14="http://schemas.microsoft.com/office/powerpoint/2010/main" val="2813478688"/>
+      </p:ext>
+    </p:extLst>
+  </p:cSld>
+  <p:clrMapOvr>
+    <a:masterClrMapping/>
+  </p:clrMapOvr>
+</p:sld>
+</file>
+
+<file path=ppt/slides/slide9.xml><?xml version="1.0" encoding="utf-8"?>
+<p:sld xmlns:a="http://schemas.openxmlformats.org/drawingml/2006/main" xmlns:r="http://schemas.openxmlformats.org/officeDocument/2006/relationships" xmlns:p="http://schemas.openxmlformats.org/presentationml/2006/main">
+  <p:cSld name="Slide 5">
+    <p:spTree>
+      <p:nvGrpSpPr>
+        <p:cNvPr id="1" name=""/>
+        <p:cNvGrpSpPr/>
+        <p:nvPr/>
+      </p:nvGrpSpPr>
+      <p:grpSpPr>
+        <a:xfrm>
+          <a:off x="0" y="0"/>
+          <a:ext cx="0" cy="0"/>
+          <a:chOff x="0" y="0"/>
+          <a:chExt cx="0" cy="0"/>
+        </a:xfrm>
+      </p:grpSpPr>
+      <p:sp>
+        <p:nvSpPr>
+          <p:cNvPr id="2" name="Shape 0"/>
+          <p:cNvSpPr/>
+          <p:nvPr/>
+        </p:nvSpPr>
+        <p:spPr>
+          <a:xfrm>
+            <a:off x="0" y="457200"/>
+            <a:ext cx="4019550" cy="233363"/>
+          </a:xfrm>
+          <a:prstGeom prst="rect">
+            <a:avLst/>
+          </a:prstGeom>
+          <a:solidFill>
+            <a:srgbClr val="A5DDFF"/>
+          </a:solidFill>
+          <a:ln/>
+        </p:spPr>
+        <p:txBody>
+          <a:bodyPr/>
+          <a:lstStyle/>
+          <a:p>
+            <a:endParaRPr lang="en-US"/>
+          </a:p>
+        </p:txBody>
+      </p:sp>
+      <p:sp>
+        <p:nvSpPr>
+          <p:cNvPr id="3" name="Text 1"/>
+          <p:cNvSpPr/>
+          <p:nvPr/>
+        </p:nvSpPr>
+        <p:spPr>
+          <a:xfrm>
+            <a:off x="762000" y="138113"/>
+            <a:ext cx="8130540" cy="552450"/>
+          </a:xfrm>
+          <a:prstGeom prst="rect">
+            <a:avLst/>
+          </a:prstGeom>
+          <a:noFill/>
+          <a:ln/>
+        </p:spPr>
+        <p:txBody>
+          <a:bodyPr wrap="square" rtlCol="0" anchor="ctr"/>
+          <a:lstStyle/>
+          <a:p>
+            <a:pPr marL="0" indent="0">
+              <a:buNone/>
+            </a:pPr>
+            <a:r>
+              <a:rPr lang="en-US" sz="2625" b="1" dirty="0">
+                <a:solidFill>
+                  <a:srgbClr val="002A85"/>
+                </a:solidFill>
+                <a:latin typeface="Noto Sans SC" pitchFamily="34" charset="0"/>
+                <a:ea typeface="Noto Sans SC" pitchFamily="34" charset="-122"/>
+              </a:rPr>
+              <a:t>Gradient boosting</a:t>
+            </a:r>
+            <a:endParaRPr lang="en-US" sz="2625" dirty="0"/>
+          </a:p>
+        </p:txBody>
+      </p:sp>
+      <p:sp>
+        <p:nvSpPr>
+          <p:cNvPr id="4" name="Text 2"/>
+          <p:cNvSpPr/>
+          <p:nvPr/>
+        </p:nvSpPr>
+        <p:spPr>
+          <a:xfrm>
+            <a:off x="762000" y="1304925"/>
+            <a:ext cx="7715250" cy="3452813"/>
+          </a:xfrm>
+          <a:prstGeom prst="rect">
+            <a:avLst/>
+          </a:prstGeom>
+          <a:noFill/>
+          <a:ln/>
+        </p:spPr>
+        <p:txBody>
+          <a:bodyPr wrap="square" rtlCol="0" anchor="t"/>
+          <a:lstStyle/>
+          <a:p>
+            <a:pPr marL="342900" indent="-342900" algn="l">
+              <a:lnSpc>
+                <a:spcPct val="150000"/>
+              </a:lnSpc>
+              <a:buSzPct val="100000"/>
+              <a:buChar char="•"/>
+            </a:pPr>
+            <a:r>
+              <a:rPr lang="en-US" sz="1680" dirty="0"/>
+              <a:t>In Gradient boosted decision tree(GBDT), the k-</a:t>
+            </a:r>
+            <a:r>
+              <a:rPr lang="en-US" sz="1680" dirty="0" err="1"/>
+              <a:t>th</a:t>
+            </a:r>
+            <a:r>
+              <a:rPr lang="en-US" sz="1680" dirty="0"/>
+              <a:t> tree is used to fit the negative derivative of the loss function with respect to the current model’s prediction.</a:t>
+            </a:r>
+          </a:p>
+          <a:p>
+            <a:pPr marL="342900" indent="-342900" algn="l">
+              <a:lnSpc>
+                <a:spcPct val="150000"/>
+              </a:lnSpc>
+              <a:buSzPct val="100000"/>
+              <a:buChar char="•"/>
+            </a:pPr>
+            <a:r>
+              <a:rPr lang="en-US" sz="1680" dirty="0"/>
+              <a:t>The current model’s prediction for each observation is the weighted sum of the first k-1 trees.</a:t>
+            </a:r>
+          </a:p>
+          <a:p>
+            <a:pPr marL="342900" indent="-342900" algn="l">
+              <a:lnSpc>
+                <a:spcPct val="150000"/>
+              </a:lnSpc>
+              <a:buSzPct val="100000"/>
+              <a:buChar char="•"/>
+            </a:pPr>
+            <a:r>
+              <a:rPr lang="en-US" sz="1680" dirty="0"/>
+              <a:t>If we use MSE as the loss function in a regression task, the derivative for each observation is simply the residual between true label value and predicted value.</a:t>
+            </a:r>
+          </a:p>
+          <a:p>
+            <a:pPr marL="342900" indent="-342900" algn="l">
+              <a:lnSpc>
+                <a:spcPct val="150000"/>
+              </a:lnSpc>
+              <a:buSzPct val="100000"/>
+              <a:buChar char="•"/>
+            </a:pPr>
+            <a:endParaRPr lang="en-US" sz="1680" dirty="0"/>
           </a:p>
         </p:txBody>
       </p:sp>

--- a/scripts/drafts/PRESENTATION.pptx
+++ b/scripts/drafts/PRESENTATION.pptx
@@ -19,9 +19,7 @@
     <p:sldId id="262" r:id="rId12"/>
     <p:sldId id="263" r:id="rId13"/>
     <p:sldId id="264" r:id="rId14"/>
-    <p:sldId id="265" r:id="rId15"/>
-    <p:sldId id="266" r:id="rId16"/>
-    <p:sldId id="275" r:id="rId17"/>
+    <p:sldId id="275" r:id="rId15"/>
   </p:sldIdLst>
   <p:sldSz cx="9144000" cy="5143500" type="screen16x9"/>
   <p:notesSz cx="5143500" cy="9144000"/>
@@ -397,162 +395,6 @@
 </file>
 
 <file path=ppt/notesSlides/notesSlide11.xml><?xml version="1.0" encoding="utf-8"?>
-<p:notes xmlns:a="http://schemas.openxmlformats.org/drawingml/2006/main" xmlns:r="http://schemas.openxmlformats.org/officeDocument/2006/relationships" xmlns:p="http://schemas.openxmlformats.org/presentationml/2006/main">
-  <p:cSld>
-    <p:spTree>
-      <p:nvGrpSpPr>
-        <p:cNvPr id="1" name=""/>
-        <p:cNvGrpSpPr/>
-        <p:nvPr/>
-      </p:nvGrpSpPr>
-      <p:grpSpPr>
-        <a:xfrm>
-          <a:off x="0" y="0"/>
-          <a:ext cx="0" cy="0"/>
-          <a:chOff x="0" y="0"/>
-          <a:chExt cx="0" cy="0"/>
-        </a:xfrm>
-      </p:grpSpPr>
-      <p:sp>
-        <p:nvSpPr>
-          <p:cNvPr id="2" name="Slide Image Placeholder 1"/>
-          <p:cNvSpPr>
-            <a:spLocks noGrp="1" noRot="1" noChangeAspect="1"/>
-          </p:cNvSpPr>
-          <p:nvPr>
-            <p:ph type="sldImg"/>
-          </p:nvPr>
-        </p:nvSpPr>
-        <p:spPr/>
-      </p:sp>
-      <p:sp>
-        <p:nvSpPr>
-          <p:cNvPr id="3" name="Notes Placeholder 2"/>
-          <p:cNvSpPr>
-            <a:spLocks noGrp="1"/>
-          </p:cNvSpPr>
-          <p:nvPr>
-            <p:ph type="body" idx="1"/>
-          </p:nvPr>
-        </p:nvSpPr>
-        <p:spPr/>
-        <p:txBody>
-          <a:bodyPr/>
-          <a:lstStyle/>
-          <a:p>
-            <a:endParaRPr lang="en-US" dirty="0"/>
-          </a:p>
-        </p:txBody>
-      </p:sp>
-      <p:sp>
-        <p:nvSpPr>
-          <p:cNvPr id="4" name="Slide Number Placeholder 3"/>
-          <p:cNvSpPr>
-            <a:spLocks noGrp="1"/>
-          </p:cNvSpPr>
-          <p:nvPr>
-            <p:ph type="sldNum" sz="quarter" idx="10"/>
-          </p:nvPr>
-        </p:nvSpPr>
-        <p:spPr/>
-        <p:txBody>
-          <a:bodyPr/>
-          <a:lstStyle/>
-          <a:p>
-            <a:fld id="{F7021451-1387-4CA6-816F-3879F97B5CBC}" type="slidenum">
-              <a:rPr lang="en-US"/>
-            </a:fld>
-            <a:endParaRPr lang="en-US"/>
-          </a:p>
-        </p:txBody>
-      </p:sp>
-    </p:spTree>
-  </p:cSld>
-  <p:clrMapOvr>
-    <a:masterClrMapping/>
-  </p:clrMapOvr>
-</p:notes>
-</file>
-
-<file path=ppt/notesSlides/notesSlide12.xml><?xml version="1.0" encoding="utf-8"?>
-<p:notes xmlns:a="http://schemas.openxmlformats.org/drawingml/2006/main" xmlns:r="http://schemas.openxmlformats.org/officeDocument/2006/relationships" xmlns:p="http://schemas.openxmlformats.org/presentationml/2006/main">
-  <p:cSld>
-    <p:spTree>
-      <p:nvGrpSpPr>
-        <p:cNvPr id="1" name=""/>
-        <p:cNvGrpSpPr/>
-        <p:nvPr/>
-      </p:nvGrpSpPr>
-      <p:grpSpPr>
-        <a:xfrm>
-          <a:off x="0" y="0"/>
-          <a:ext cx="0" cy="0"/>
-          <a:chOff x="0" y="0"/>
-          <a:chExt cx="0" cy="0"/>
-        </a:xfrm>
-      </p:grpSpPr>
-      <p:sp>
-        <p:nvSpPr>
-          <p:cNvPr id="2" name="Slide Image Placeholder 1"/>
-          <p:cNvSpPr>
-            <a:spLocks noGrp="1" noRot="1" noChangeAspect="1"/>
-          </p:cNvSpPr>
-          <p:nvPr>
-            <p:ph type="sldImg"/>
-          </p:nvPr>
-        </p:nvSpPr>
-        <p:spPr/>
-      </p:sp>
-      <p:sp>
-        <p:nvSpPr>
-          <p:cNvPr id="3" name="Notes Placeholder 2"/>
-          <p:cNvSpPr>
-            <a:spLocks noGrp="1"/>
-          </p:cNvSpPr>
-          <p:nvPr>
-            <p:ph type="body" idx="1"/>
-          </p:nvPr>
-        </p:nvSpPr>
-        <p:spPr/>
-        <p:txBody>
-          <a:bodyPr/>
-          <a:lstStyle/>
-          <a:p>
-            <a:endParaRPr lang="en-US" dirty="0"/>
-          </a:p>
-        </p:txBody>
-      </p:sp>
-      <p:sp>
-        <p:nvSpPr>
-          <p:cNvPr id="4" name="Slide Number Placeholder 3"/>
-          <p:cNvSpPr>
-            <a:spLocks noGrp="1"/>
-          </p:cNvSpPr>
-          <p:nvPr>
-            <p:ph type="sldNum" sz="quarter" idx="10"/>
-          </p:nvPr>
-        </p:nvSpPr>
-        <p:spPr/>
-        <p:txBody>
-          <a:bodyPr/>
-          <a:lstStyle/>
-          <a:p>
-            <a:fld id="{F7021451-1387-4CA6-816F-3879F97B5CBC}" type="slidenum">
-              <a:rPr lang="en-US"/>
-            </a:fld>
-            <a:endParaRPr lang="en-US"/>
-          </a:p>
-        </p:txBody>
-      </p:sp>
-    </p:spTree>
-  </p:cSld>
-  <p:clrMapOvr>
-    <a:masterClrMapping/>
-  </p:clrMapOvr>
-</p:notes>
-</file>
-
-<file path=ppt/notesSlides/notesSlide13.xml><?xml version="1.0" encoding="utf-8"?>
 <p:notes xmlns:a="http://schemas.openxmlformats.org/drawingml/2006/main" xmlns:r="http://schemas.openxmlformats.org/officeDocument/2006/relationships" xmlns:p="http://schemas.openxmlformats.org/presentationml/2006/main">
   <p:cSld>
     <p:spTree>
@@ -1901,8 +1743,8 @@
         </p:nvSpPr>
         <p:spPr>
           <a:xfrm>
-            <a:off x="2727753" y="2616185"/>
-            <a:ext cx="6142869" cy="447528"/>
+            <a:off x="4578350" y="2643505"/>
+            <a:ext cx="6553835" cy="1106805"/>
           </a:xfrm>
           <a:prstGeom prst="rect">
             <a:avLst/>
@@ -1926,15 +1768,17 @@
             </a:r>
             <a:r>
               <a:rPr lang="en-US" altLang="zh-CN" sz="2100" dirty="0"/>
-              <a:t>Lin, Amber Wang, </a:t>
-            </a:r>
-            <a:r>
-              <a:rPr lang="en-US" altLang="zh-CN" sz="2100" dirty="0" err="1"/>
-              <a:t>Niu</a:t>
-            </a:r>
+              <a:t>Lin, Amber Wang, Mu Niu,</a:t>
+            </a:r>
+            <a:endParaRPr lang="en-US" altLang="zh-CN" sz="2100" dirty="0"/>
+          </a:p>
+          <a:p>
+            <a:pPr marL="0" indent="0" algn="l">
+              <a:buNone/>
+            </a:pPr>
             <a:r>
               <a:rPr lang="en-US" altLang="zh-CN" sz="2100" dirty="0"/>
-              <a:t> Mu, </a:t>
+              <a:t> </a:t>
             </a:r>
             <a:r>
               <a:rPr lang="en-US" altLang="zh-CN" sz="2100" dirty="0" err="1"/>
@@ -2584,208 +2428,6 @@
 </file>
 
 <file path=ppt/slides/slide12.xml><?xml version="1.0" encoding="utf-8"?>
-<p:sld xmlns:a="http://schemas.openxmlformats.org/drawingml/2006/main" xmlns:r="http://schemas.openxmlformats.org/officeDocument/2006/relationships" xmlns:p="http://schemas.openxmlformats.org/presentationml/2006/main">
-  <p:cSld>
-    <p:spTree>
-      <p:nvGrpSpPr>
-        <p:cNvPr id="1" name=""/>
-        <p:cNvGrpSpPr/>
-        <p:nvPr/>
-      </p:nvGrpSpPr>
-      <p:grpSpPr>
-        <a:xfrm>
-          <a:off x="0" y="0"/>
-          <a:ext cx="0" cy="0"/>
-          <a:chOff x="0" y="0"/>
-          <a:chExt cx="0" cy="0"/>
-        </a:xfrm>
-      </p:grpSpPr>
-      <p:sp>
-        <p:nvSpPr>
-          <p:cNvPr id="2" name="Text 0"/>
-          <p:cNvSpPr/>
-          <p:nvPr/>
-        </p:nvSpPr>
-        <p:spPr>
-          <a:xfrm>
-            <a:off x="3571875" y="1038225"/>
-            <a:ext cx="1452563" cy="1243013"/>
-          </a:xfrm>
-          <a:prstGeom prst="rect">
-            <a:avLst/>
-          </a:prstGeom>
-          <a:noFill/>
-        </p:spPr>
-        <p:txBody>
-          <a:bodyPr wrap="square" rtlCol="0" anchor="t"/>
-          <a:lstStyle/>
-          <a:p>
-            <a:pPr marL="0" indent="0" algn="ctr">
-              <a:buNone/>
-            </a:pPr>
-            <a:r>
-              <a:rPr lang="en-US" sz="6300" b="1" dirty="0">
-                <a:solidFill>
-                  <a:srgbClr val="002A85"/>
-                </a:solidFill>
-                <a:latin typeface="Noto Sans SC" pitchFamily="34" charset="0"/>
-                <a:ea typeface="Noto Sans SC" pitchFamily="34" charset="-122"/>
-                <a:cs typeface="Noto Sans SC" pitchFamily="34" charset="-120"/>
-              </a:rPr>
-              <a:t>02</a:t>
-            </a:r>
-            <a:endParaRPr lang="en-US" sz="6300" dirty="0"/>
-          </a:p>
-        </p:txBody>
-      </p:sp>
-      <p:sp>
-        <p:nvSpPr>
-          <p:cNvPr id="3" name="Text 1"/>
-          <p:cNvSpPr/>
-          <p:nvPr/>
-        </p:nvSpPr>
-        <p:spPr>
-          <a:xfrm>
-            <a:off x="3790950" y="2281238"/>
-            <a:ext cx="3963353" cy="1509713"/>
-          </a:xfrm>
-          <a:prstGeom prst="rect">
-            <a:avLst/>
-          </a:prstGeom>
-          <a:noFill/>
-        </p:spPr>
-        <p:txBody>
-          <a:bodyPr wrap="square" rtlCol="0" anchor="t"/>
-          <a:lstStyle/>
-          <a:p>
-            <a:pPr marL="0" indent="0">
-              <a:buNone/>
-            </a:pPr>
-            <a:endParaRPr lang="en-US" sz="2415" dirty="0"/>
-          </a:p>
-        </p:txBody>
-      </p:sp>
-    </p:spTree>
-  </p:cSld>
-  <p:clrMapOvr>
-    <a:masterClrMapping/>
-  </p:clrMapOvr>
-</p:sld>
-</file>
-
-<file path=ppt/slides/slide13.xml><?xml version="1.0" encoding="utf-8"?>
-<p:sld xmlns:a="http://schemas.openxmlformats.org/drawingml/2006/main" xmlns:r="http://schemas.openxmlformats.org/officeDocument/2006/relationships" xmlns:p="http://schemas.openxmlformats.org/presentationml/2006/main">
-  <p:cSld>
-    <p:spTree>
-      <p:nvGrpSpPr>
-        <p:cNvPr id="1" name=""/>
-        <p:cNvGrpSpPr/>
-        <p:nvPr/>
-      </p:nvGrpSpPr>
-      <p:grpSpPr>
-        <a:xfrm>
-          <a:off x="0" y="0"/>
-          <a:ext cx="0" cy="0"/>
-          <a:chOff x="0" y="0"/>
-          <a:chExt cx="0" cy="0"/>
-        </a:xfrm>
-      </p:grpSpPr>
-      <p:sp>
-        <p:nvSpPr>
-          <p:cNvPr id="2" name="Shape 0"/>
-          <p:cNvSpPr/>
-          <p:nvPr/>
-        </p:nvSpPr>
-        <p:spPr>
-          <a:xfrm>
-            <a:off x="0" y="457200"/>
-            <a:ext cx="4019550" cy="233363"/>
-          </a:xfrm>
-          <a:prstGeom prst="rect">
-            <a:avLst/>
-          </a:prstGeom>
-          <a:solidFill>
-            <a:srgbClr val="A5DDFF"/>
-          </a:solidFill>
-        </p:spPr>
-      </p:sp>
-      <p:sp>
-        <p:nvSpPr>
-          <p:cNvPr id="3" name="Text 1"/>
-          <p:cNvSpPr/>
-          <p:nvPr/>
-        </p:nvSpPr>
-        <p:spPr>
-          <a:xfrm>
-            <a:off x="762000" y="138113"/>
-            <a:ext cx="8130540" cy="552450"/>
-          </a:xfrm>
-          <a:prstGeom prst="rect">
-            <a:avLst/>
-          </a:prstGeom>
-          <a:noFill/>
-        </p:spPr>
-        <p:txBody>
-          <a:bodyPr wrap="square" rtlCol="0" anchor="ctr"/>
-          <a:lstStyle/>
-          <a:p>
-            <a:pPr marL="0" indent="0">
-              <a:buNone/>
-            </a:pPr>
-            <a:r>
-              <a:rPr lang="en-US" sz="2625" b="1" dirty="0">
-                <a:solidFill>
-                  <a:srgbClr val="002A85"/>
-                </a:solidFill>
-                <a:latin typeface="Noto Sans SC" pitchFamily="34" charset="0"/>
-                <a:ea typeface="Noto Sans SC" pitchFamily="34" charset="-122"/>
-                <a:cs typeface="Noto Sans SC" pitchFamily="34" charset="-120"/>
-              </a:rPr>
-              <a:t>Card</a:t>
-            </a:r>
-            <a:endParaRPr lang="en-US" sz="2625" dirty="0"/>
-          </a:p>
-        </p:txBody>
-      </p:sp>
-      <p:sp>
-        <p:nvSpPr>
-          <p:cNvPr id="4" name="Text 2"/>
-          <p:cNvSpPr/>
-          <p:nvPr/>
-        </p:nvSpPr>
-        <p:spPr>
-          <a:xfrm>
-            <a:off x="762000" y="1304925"/>
-            <a:ext cx="7715250" cy="3452813"/>
-          </a:xfrm>
-          <a:prstGeom prst="rect">
-            <a:avLst/>
-          </a:prstGeom>
-          <a:noFill/>
-        </p:spPr>
-        <p:txBody>
-          <a:bodyPr wrap="square" rtlCol="0" anchor="t"/>
-          <a:lstStyle/>
-          <a:p>
-            <a:pPr algn="l">
-              <a:lnSpc>
-                <a:spcPct val="150000"/>
-              </a:lnSpc>
-              <a:buSzPct val="100000"/>
-            </a:pPr>
-            <a:endParaRPr lang="en-US" sz="1680" dirty="0"/>
-          </a:p>
-        </p:txBody>
-      </p:sp>
-    </p:spTree>
-  </p:cSld>
-  <p:clrMapOvr>
-    <a:masterClrMapping/>
-  </p:clrMapOvr>
-</p:sld>
-</file>
-
-<file path=ppt/slides/slide14.xml><?xml version="1.0" encoding="utf-8"?>
 <p:sld xmlns:a="http://schemas.openxmlformats.org/drawingml/2006/main" xmlns:r="http://schemas.openxmlformats.org/officeDocument/2006/relationships" xmlns:p="http://schemas.openxmlformats.org/presentationml/2006/main">
   <p:cSld>
     <p:spTree>

--- a/scripts/drafts/PRESENTATION.pptx
+++ b/scripts/drafts/PRESENTATION.pptx
@@ -1967,7 +1967,7 @@
                 <a:ea typeface="Noto Sans SC" pitchFamily="34" charset="-122"/>
                 <a:cs typeface="Noto Sans SC" pitchFamily="34" charset="-120"/>
               </a:rPr>
-              <a:t> in R</a:t>
+              <a:t> in R: Model Training</a:t>
             </a:r>
             <a:endParaRPr lang="en-US" sz="2625" dirty="0"/>
           </a:p>
@@ -2243,7 +2243,7 @@
                 <a:ea typeface="Noto Sans SC" pitchFamily="34" charset="-122"/>
                 <a:cs typeface="Noto Sans SC" pitchFamily="34" charset="-120"/>
               </a:rPr>
-              <a:t> in R</a:t>
+              <a:t> in R: Result</a:t>
             </a:r>
             <a:endParaRPr lang="en-US" sz="2680" dirty="0"/>
           </a:p>
@@ -4795,7 +4795,7 @@
                 <a:latin typeface="Noto Sans SC" pitchFamily="34" charset="0"/>
                 <a:ea typeface="Noto Sans SC" pitchFamily="34" charset="-122"/>
               </a:rPr>
-              <a:t> in R</a:t>
+              <a:t> in R: Preparation</a:t>
             </a:r>
             <a:endParaRPr lang="en-US" sz="2630" dirty="0"/>
           </a:p>
@@ -4809,7 +4809,7 @@
         </p:nvSpPr>
         <p:spPr>
           <a:xfrm>
-            <a:off x="431800" y="773430"/>
+            <a:off x="399415" y="669925"/>
             <a:ext cx="7715250" cy="3452813"/>
           </a:xfrm>
           <a:prstGeom prst="rect">
@@ -4828,7 +4828,7 @@
               <a:buSzPct val="100000"/>
             </a:pPr>
             <a:r>
-              <a:rPr lang="en-US" sz="1680" dirty="0">
+              <a:rPr lang="en-US" sz="1400" dirty="0">
                 <a:solidFill>
                   <a:srgbClr val="383838"/>
                 </a:solidFill>
@@ -4836,9 +4836,9 @@
                 <a:ea typeface="Noto Sans SC" pitchFamily="34" charset="-122"/>
                 <a:cs typeface="Noto Sans SC" pitchFamily="34" charset="-120"/>
               </a:rPr>
-              <a:t>Data Preparation:</a:t>
-            </a:r>
-            <a:endParaRPr lang="en-US" sz="1680" dirty="0">
+              <a:t>The first step involves installing and loading the 'xgboost' package in R. </a:t>
+            </a:r>
+            <a:endParaRPr lang="en-US" sz="1400" dirty="0">
               <a:solidFill>
                 <a:srgbClr val="383838"/>
               </a:solidFill>
@@ -4854,8 +4854,24 @@
               </a:lnSpc>
               <a:buSzPct val="100000"/>
             </a:pPr>
-            <a:r>
-              <a:rPr lang="en-US" sz="1680" dirty="0">
+            <a:endParaRPr lang="en-US" sz="1400" dirty="0">
+              <a:solidFill>
+                <a:srgbClr val="383838"/>
+              </a:solidFill>
+              <a:latin typeface="Noto Sans SC" pitchFamily="34" charset="0"/>
+              <a:ea typeface="Noto Sans SC" pitchFamily="34" charset="-122"/>
+              <a:cs typeface="Noto Sans SC" pitchFamily="34" charset="-120"/>
+            </a:endParaRPr>
+          </a:p>
+          <a:p>
+            <a:pPr algn="l">
+              <a:lnSpc>
+                <a:spcPct val="150000"/>
+              </a:lnSpc>
+              <a:buSzPct val="100000"/>
+            </a:pPr>
+            <a:r>
+              <a:rPr lang="en-US" sz="1400" dirty="0">
                 <a:solidFill>
                   <a:srgbClr val="383838"/>
                 </a:solidFill>
@@ -4863,9 +4879,9 @@
                 <a:ea typeface="Noto Sans SC" pitchFamily="34" charset="-122"/>
                 <a:cs typeface="Noto Sans SC" pitchFamily="34" charset="-120"/>
               </a:rPr>
-              <a:t>The first step involves installing and loading the 'xgboost' package in R. Subsequently, we split the data into 3 parts: training (60%), validation (20%), and testing (20%). These segments are then transformed into DMatrix objects, an efficient data structure for the xgboost algorithm, by using xgb.DMatrix() function.</a:t>
-            </a:r>
-            <a:endParaRPr lang="en-US" sz="1680" dirty="0">
+              <a:t>Subsequently, we split the data into 3 parts: training (60%), validation (20%), and testing (20%). </a:t>
+            </a:r>
+            <a:endParaRPr lang="en-US" sz="1400" dirty="0">
               <a:solidFill>
                 <a:srgbClr val="383838"/>
               </a:solidFill>
@@ -4881,7 +4897,50 @@
               </a:lnSpc>
               <a:buSzPct val="100000"/>
             </a:pPr>
-            <a:endParaRPr lang="en-US" sz="1680" dirty="0">
+            <a:endParaRPr lang="en-US" sz="1400" dirty="0">
+              <a:solidFill>
+                <a:srgbClr val="383838"/>
+              </a:solidFill>
+              <a:latin typeface="Noto Sans SC" pitchFamily="34" charset="0"/>
+              <a:ea typeface="Noto Sans SC" pitchFamily="34" charset="-122"/>
+              <a:cs typeface="Noto Sans SC" pitchFamily="34" charset="-120"/>
+            </a:endParaRPr>
+          </a:p>
+          <a:p>
+            <a:pPr algn="l">
+              <a:lnSpc>
+                <a:spcPct val="150000"/>
+              </a:lnSpc>
+              <a:buSzPct val="100000"/>
+            </a:pPr>
+            <a:r>
+              <a:rPr lang="en-US" sz="1400" dirty="0">
+                <a:solidFill>
+                  <a:srgbClr val="383838"/>
+                </a:solidFill>
+                <a:latin typeface="Noto Sans SC" pitchFamily="34" charset="0"/>
+                <a:ea typeface="Noto Sans SC" pitchFamily="34" charset="-122"/>
+                <a:cs typeface="Noto Sans SC" pitchFamily="34" charset="-120"/>
+              </a:rPr>
+              <a:t>These segments are then transformed into DMatrix objects, an efficient data structure for the xgboost algorithm, by using xgb.DMatrix() function.</a:t>
+            </a:r>
+            <a:endParaRPr lang="en-US" sz="1400" dirty="0">
+              <a:solidFill>
+                <a:srgbClr val="383838"/>
+              </a:solidFill>
+              <a:latin typeface="Noto Sans SC" pitchFamily="34" charset="0"/>
+              <a:ea typeface="Noto Sans SC" pitchFamily="34" charset="-122"/>
+              <a:cs typeface="Noto Sans SC" pitchFamily="34" charset="-120"/>
+            </a:endParaRPr>
+          </a:p>
+          <a:p>
+            <a:pPr algn="l">
+              <a:lnSpc>
+                <a:spcPct val="150000"/>
+              </a:lnSpc>
+              <a:buSzPct val="100000"/>
+            </a:pPr>
+            <a:endParaRPr lang="en-US" sz="1400" dirty="0">
               <a:solidFill>
                 <a:srgbClr val="383838"/>
               </a:solidFill>
@@ -4908,8 +4967,8 @@
         </p:blipFill>
         <p:spPr>
           <a:xfrm>
-            <a:off x="513715" y="3176270"/>
-            <a:ext cx="6217285" cy="1821180"/>
+            <a:off x="513715" y="3261360"/>
+            <a:ext cx="5927725" cy="1736090"/>
           </a:xfrm>
           <a:prstGeom prst="rect">
             <a:avLst/>

--- a/scripts/drafts/PRESENTATION.pptx
+++ b/scripts/drafts/PRESENTATION.pptx
@@ -2151,6 +2151,35 @@
             <a:r>
               <a:rPr lang="en-US" altLang="zh-CN" sz="1400"/>
               <a:t>early_stopping_rounds: Stop the training process if the model's accuracy on validation set hasn't improved for the specified number of rounds</a:t>
+            </a:r>
+            <a:endParaRPr lang="en-US" altLang="zh-CN" sz="1400"/>
+          </a:p>
+        </p:txBody>
+      </p:sp>
+      <p:sp>
+        <p:nvSpPr>
+          <p:cNvPr id="10" name="文本框 9"/>
+          <p:cNvSpPr txBox="1"/>
+          <p:nvPr/>
+        </p:nvSpPr>
+        <p:spPr>
+          <a:xfrm>
+            <a:off x="6790055" y="4445635"/>
+            <a:ext cx="1827530" cy="306705"/>
+          </a:xfrm>
+          <a:prstGeom prst="rect">
+            <a:avLst/>
+          </a:prstGeom>
+          <a:noFill/>
+        </p:spPr>
+        <p:txBody>
+          <a:bodyPr wrap="none" rtlCol="0">
+            <a:spAutoFit/>
+          </a:bodyPr>
+          <a:p>
+            <a:r>
+              <a:rPr lang="en-US" altLang="zh-CN" sz="1400"/>
+              <a:t>How watchlist works</a:t>
             </a:r>
             <a:endParaRPr lang="en-US" altLang="zh-CN" sz="1400"/>
           </a:p>

--- a/scripts/drafts/PRESENTATION.pptx
+++ b/scripts/drafts/PRESENTATION.pptx
@@ -5,21 +5,24 @@
     <p:sldMasterId id="2147483648" r:id="rId1"/>
   </p:sldMasterIdLst>
   <p:notesMasterIdLst>
-    <p:notesMasterId r:id="rId4"/>
+    <p:notesMasterId r:id="rId17"/>
   </p:notesMasterIdLst>
   <p:sldIdLst>
-    <p:sldId id="256" r:id="rId3"/>
-    <p:sldId id="257" r:id="rId5"/>
-    <p:sldId id="258" r:id="rId6"/>
-    <p:sldId id="259" r:id="rId7"/>
-    <p:sldId id="277" r:id="rId8"/>
-    <p:sldId id="278" r:id="rId9"/>
-    <p:sldId id="260" r:id="rId10"/>
-    <p:sldId id="261" r:id="rId11"/>
-    <p:sldId id="262" r:id="rId12"/>
-    <p:sldId id="263" r:id="rId13"/>
-    <p:sldId id="264" r:id="rId14"/>
-    <p:sldId id="275" r:id="rId15"/>
+    <p:sldId id="256" r:id="rId2"/>
+    <p:sldId id="257" r:id="rId3"/>
+    <p:sldId id="258" r:id="rId4"/>
+    <p:sldId id="259" r:id="rId5"/>
+    <p:sldId id="277" r:id="rId6"/>
+    <p:sldId id="278" r:id="rId7"/>
+    <p:sldId id="279" r:id="rId8"/>
+    <p:sldId id="280" r:id="rId9"/>
+    <p:sldId id="281" r:id="rId10"/>
+    <p:sldId id="260" r:id="rId11"/>
+    <p:sldId id="261" r:id="rId12"/>
+    <p:sldId id="262" r:id="rId13"/>
+    <p:sldId id="263" r:id="rId14"/>
+    <p:sldId id="264" r:id="rId15"/>
+    <p:sldId id="275" r:id="rId16"/>
   </p:sldIdLst>
   <p:sldSz cx="9144000" cy="5143500" type="screen16x9"/>
   <p:notesSz cx="5143500" cy="9144000"/>
@@ -115,6 +118,11 @@
       </a:defRPr>
     </a:lvl9pPr>
   </p:defaultTextStyle>
+  <p:extLst>
+    <p:ext uri="{EFAFB233-063F-42B5-8137-9DF3F51BA10A}">
+      <p15:sldGuideLst xmlns:p15="http://schemas.microsoft.com/office/powerpoint/2012/main"/>
+    </p:ext>
+  </p:extLst>
 </p:presentation>
 </file>
 
@@ -303,6 +311,7 @@
           <a:p>
             <a:fld id="{F7021451-1387-4CA6-816F-3879F97B5CBC}" type="slidenum">
               <a:rPr lang="en-US"/>
+              <a:t>1</a:t>
             </a:fld>
             <a:endParaRPr lang="en-US"/>
           </a:p>
@@ -381,6 +390,7 @@
           <a:p>
             <a:fld id="{F7021451-1387-4CA6-816F-3879F97B5CBC}" type="slidenum">
               <a:rPr lang="en-US"/>
+              <a:t>14</a:t>
             </a:fld>
             <a:endParaRPr lang="en-US"/>
           </a:p>
@@ -459,6 +469,7 @@
           <a:p>
             <a:fld id="{F7021451-1387-4CA6-816F-3879F97B5CBC}" type="slidenum">
               <a:rPr lang="en-US"/>
+              <a:t>15</a:t>
             </a:fld>
             <a:endParaRPr lang="en-US"/>
           </a:p>
@@ -537,6 +548,7 @@
           <a:p>
             <a:fld id="{F7021451-1387-4CA6-816F-3879F97B5CBC}" type="slidenum">
               <a:rPr lang="en-US"/>
+              <a:t>2</a:t>
             </a:fld>
             <a:endParaRPr lang="en-US"/>
           </a:p>
@@ -615,6 +627,7 @@
           <a:p>
             <a:fld id="{F7021451-1387-4CA6-816F-3879F97B5CBC}" type="slidenum">
               <a:rPr lang="en-US"/>
+              <a:t>3</a:t>
             </a:fld>
             <a:endParaRPr lang="en-US"/>
           </a:p>
@@ -693,6 +706,7 @@
           <a:p>
             <a:fld id="{F7021451-1387-4CA6-816F-3879F97B5CBC}" type="slidenum">
               <a:rPr lang="en-US"/>
+              <a:t>4</a:t>
             </a:fld>
             <a:endParaRPr lang="en-US"/>
           </a:p>
@@ -771,6 +785,7 @@
           <a:p>
             <a:fld id="{F7021451-1387-4CA6-816F-3879F97B5CBC}" type="slidenum">
               <a:rPr lang="en-US"/>
+              <a:t>5</a:t>
             </a:fld>
             <a:endParaRPr lang="en-US"/>
           </a:p>
@@ -849,6 +864,7 @@
           <a:p>
             <a:fld id="{F7021451-1387-4CA6-816F-3879F97B5CBC}" type="slidenum">
               <a:rPr lang="en-US"/>
+              <a:t>10</a:t>
             </a:fld>
             <a:endParaRPr lang="en-US"/>
           </a:p>
@@ -927,6 +943,7 @@
           <a:p>
             <a:fld id="{F7021451-1387-4CA6-816F-3879F97B5CBC}" type="slidenum">
               <a:rPr lang="en-US"/>
+              <a:t>11</a:t>
             </a:fld>
             <a:endParaRPr lang="en-US"/>
           </a:p>
@@ -1005,6 +1022,7 @@
           <a:p>
             <a:fld id="{F7021451-1387-4CA6-816F-3879F97B5CBC}" type="slidenum">
               <a:rPr lang="en-US"/>
+              <a:t>12</a:t>
             </a:fld>
             <a:endParaRPr lang="en-US"/>
           </a:p>
@@ -1083,6 +1101,7 @@
           <a:p>
             <a:fld id="{F7021451-1387-4CA6-816F-3879F97B5CBC}" type="slidenum">
               <a:rPr lang="en-US"/>
+              <a:t>13</a:t>
             </a:fld>
             <a:endParaRPr lang="en-US"/>
           </a:p>
@@ -1770,7 +1789,6 @@
               <a:rPr lang="en-US" altLang="zh-CN" sz="2100" dirty="0"/>
               <a:t>Lin, Amber Wang, Mu Niu,</a:t>
             </a:r>
-            <a:endParaRPr lang="en-US" altLang="zh-CN" sz="2100" dirty="0"/>
           </a:p>
           <a:p>
             <a:pPr marL="0" indent="0" algn="l">
@@ -1923,6 +1941,13 @@
             <a:srgbClr val="A5DDFF"/>
           </a:solidFill>
         </p:spPr>
+        <p:txBody>
+          <a:bodyPr/>
+          <a:lstStyle/>
+          <a:p>
+            <a:endParaRPr lang="en-US"/>
+          </a:p>
+        </p:txBody>
       </p:sp>
       <p:sp>
         <p:nvSpPr>
@@ -1948,26 +1973,14 @@
               <a:buNone/>
             </a:pPr>
             <a:r>
-              <a:rPr lang="en-US" sz="2625" b="1" dirty="0" err="1">
+              <a:rPr lang="en-US" sz="2625" b="1" dirty="0">
                 <a:solidFill>
                   <a:srgbClr val="002A85"/>
                 </a:solidFill>
                 <a:latin typeface="Noto Sans SC" pitchFamily="34" charset="0"/>
                 <a:ea typeface="Noto Sans SC" pitchFamily="34" charset="-122"/>
-                <a:cs typeface="Noto Sans SC" pitchFamily="34" charset="-120"/>
-              </a:rPr>
-              <a:t>XGBoost</a:t>
-            </a:r>
-            <a:r>
-              <a:rPr lang="en-US" sz="2625" b="1" dirty="0">
-                <a:solidFill>
-                  <a:srgbClr val="002A85"/>
-                </a:solidFill>
-                <a:latin typeface="Noto Sans SC" pitchFamily="34" charset="0"/>
-                <a:ea typeface="Noto Sans SC" pitchFamily="34" charset="-122"/>
-                <a:cs typeface="Noto Sans SC" pitchFamily="34" charset="-120"/>
-              </a:rPr>
-              <a:t> in R: Model Training</a:t>
+              </a:rPr>
+              <a:t>Gradient boosting</a:t>
             </a:r>
             <a:endParaRPr lang="en-US" sz="2625" dirty="0"/>
           </a:p>
@@ -1982,7 +1995,7 @@
         <p:spPr>
           <a:xfrm>
             <a:off x="762000" y="1304925"/>
-            <a:ext cx="5011420" cy="949325"/>
+            <a:ext cx="7715250" cy="3452813"/>
           </a:xfrm>
           <a:prstGeom prst="rect">
             <a:avLst/>
@@ -1993,195 +2006,61 @@
           <a:bodyPr wrap="square" rtlCol="0" anchor="t"/>
           <a:lstStyle/>
           <a:p>
-            <a:pPr algn="l">
+            <a:pPr marL="342900" indent="-342900" algn="l">
               <a:lnSpc>
                 <a:spcPct val="150000"/>
               </a:lnSpc>
               <a:buSzPct val="100000"/>
-            </a:pPr>
-            <a:endParaRPr lang="en-US" sz="1680" dirty="0">
-              <a:solidFill>
-                <a:srgbClr val="383838"/>
-              </a:solidFill>
-              <a:latin typeface="Noto Sans SC" pitchFamily="34" charset="0"/>
-              <a:ea typeface="Noto Sans SC" pitchFamily="34" charset="-122"/>
-            </a:endParaRPr>
-          </a:p>
-        </p:txBody>
-      </p:sp>
-      <p:pic>
-        <p:nvPicPr>
-          <p:cNvPr id="5" name="图片 4"/>
-          <p:cNvPicPr>
-            <a:picLocks noChangeAspect="1"/>
-          </p:cNvPicPr>
-          <p:nvPr/>
-        </p:nvPicPr>
-        <p:blipFill>
-          <a:blip r:embed="rId1"/>
-          <a:stretch>
-            <a:fillRect/>
-          </a:stretch>
-        </p:blipFill>
-        <p:spPr>
-          <a:xfrm>
-            <a:off x="137160" y="2974975"/>
-            <a:ext cx="6038215" cy="1838960"/>
-          </a:xfrm>
-          <a:prstGeom prst="rect">
-            <a:avLst/>
-          </a:prstGeom>
-        </p:spPr>
-      </p:pic>
-      <p:pic>
-        <p:nvPicPr>
-          <p:cNvPr id="8" name="图片 7"/>
-          <p:cNvPicPr>
-            <a:picLocks noChangeAspect="1"/>
-          </p:cNvPicPr>
-          <p:nvPr/>
-        </p:nvPicPr>
-        <p:blipFill>
-          <a:blip r:embed="rId2"/>
-          <a:stretch>
-            <a:fillRect/>
-          </a:stretch>
-        </p:blipFill>
-        <p:spPr>
-          <a:xfrm>
-            <a:off x="6323330" y="2974975"/>
-            <a:ext cx="2760980" cy="1368425"/>
-          </a:xfrm>
-          <a:prstGeom prst="rect">
-            <a:avLst/>
-          </a:prstGeom>
-        </p:spPr>
-      </p:pic>
-      <p:sp>
-        <p:nvSpPr>
-          <p:cNvPr id="9" name="文本框 8"/>
-          <p:cNvSpPr txBox="1"/>
-          <p:nvPr/>
-        </p:nvSpPr>
-        <p:spPr>
-          <a:xfrm>
-            <a:off x="137160" y="690880"/>
-            <a:ext cx="8696325" cy="2245360"/>
-          </a:xfrm>
-          <a:prstGeom prst="rect">
-            <a:avLst/>
-          </a:prstGeom>
-          <a:noFill/>
-        </p:spPr>
-        <p:txBody>
-          <a:bodyPr wrap="square" rtlCol="0">
-            <a:spAutoFit/>
-          </a:bodyPr>
-          <a:p>
-            <a:pPr marL="285750" indent="-285750">
-              <a:buFont typeface="Arial" panose="020B0604020202020204" pitchFamily="34" charset="0"/>
               <a:buChar char="•"/>
             </a:pPr>
             <a:r>
-              <a:rPr lang="en-US" altLang="zh-CN" sz="1400"/>
-              <a:t>objective: What’s your goal? In this case, we use ‘binary:logistic’ to predict the probability of having a fraud based on the predictor variables</a:t>
-            </a:r>
-            <a:endParaRPr lang="en-US" altLang="zh-CN" sz="1400"/>
-          </a:p>
-          <a:p>
-            <a:pPr marL="285750" indent="-285750">
-              <a:buFont typeface="Arial" panose="020B0604020202020204" pitchFamily="34" charset="0"/>
+              <a:rPr lang="en-US" sz="1680" dirty="0"/>
+              <a:t>In Gradient boosted decision tree(GBDT), the k-</a:t>
+            </a:r>
+            <a:r>
+              <a:rPr lang="en-US" sz="1680" dirty="0" err="1"/>
+              <a:t>th</a:t>
+            </a:r>
+            <a:r>
+              <a:rPr lang="en-US" sz="1680" dirty="0"/>
+              <a:t> tree is used to fit the negative derivative of the loss function with respect to the current model’s prediction.</a:t>
+            </a:r>
+          </a:p>
+          <a:p>
+            <a:pPr marL="342900" indent="-342900" algn="l">
+              <a:lnSpc>
+                <a:spcPct val="150000"/>
+              </a:lnSpc>
+              <a:buSzPct val="100000"/>
               <a:buChar char="•"/>
             </a:pPr>
             <a:r>
-              <a:rPr lang="en-US" altLang="zh-CN" sz="1400"/>
-              <a:t>eta: How fast to learn? default value 0.3</a:t>
-            </a:r>
-            <a:endParaRPr lang="en-US" altLang="zh-CN" sz="1400"/>
-          </a:p>
-          <a:p>
-            <a:pPr marL="285750" indent="-285750">
-              <a:buFont typeface="Arial" panose="020B0604020202020204" pitchFamily="34" charset="0"/>
+              <a:rPr lang="en-US" sz="1680" dirty="0"/>
+              <a:t>The current model’s prediction for each observation is the weighted sum of the first k-1 trees.</a:t>
+            </a:r>
+          </a:p>
+          <a:p>
+            <a:pPr marL="342900" indent="-342900" algn="l">
+              <a:lnSpc>
+                <a:spcPct val="150000"/>
+              </a:lnSpc>
+              <a:buSzPct val="100000"/>
               <a:buChar char="•"/>
             </a:pPr>
             <a:r>
-              <a:rPr lang="en-US" altLang="zh-CN" sz="1400"/>
-              <a:t>data: Training data in DMatrix structure</a:t>
-            </a:r>
-            <a:endParaRPr lang="en-US" altLang="zh-CN" sz="1400"/>
-          </a:p>
-          <a:p>
-            <a:pPr marL="285750" indent="-285750">
-              <a:buFont typeface="Arial" panose="020B0604020202020204" pitchFamily="34" charset="0"/>
+              <a:rPr lang="en-US" sz="1680" dirty="0"/>
+              <a:t>If we use MSE as the loss function in a regression task, the derivative for each observation is simply the residual between true label value and predicted value.</a:t>
+            </a:r>
+          </a:p>
+          <a:p>
+            <a:pPr marL="342900" indent="-342900" algn="l">
+              <a:lnSpc>
+                <a:spcPct val="150000"/>
+              </a:lnSpc>
+              <a:buSzPct val="100000"/>
               <a:buChar char="•"/>
             </a:pPr>
-            <a:r>
-              <a:rPr lang="en-US" altLang="zh-CN" sz="1400"/>
-              <a:t>max.depth: The size of each tree and a rule of thumb is to use 2 or 3 to prevent overfitting</a:t>
-            </a:r>
-            <a:endParaRPr lang="en-US" altLang="zh-CN" sz="1400"/>
-          </a:p>
-          <a:p>
-            <a:pPr marL="285750" indent="-285750">
-              <a:buFont typeface="Arial" panose="020B0604020202020204" pitchFamily="34" charset="0"/>
-              <a:buChar char="•"/>
-            </a:pPr>
-            <a:r>
-              <a:rPr lang="en-US" altLang="zh-CN" sz="1400"/>
-              <a:t>watchlist: Track model performance on training and validation data during the training process to prevent overfitting</a:t>
-            </a:r>
-            <a:endParaRPr lang="en-US" altLang="zh-CN" sz="1400"/>
-          </a:p>
-          <a:p>
-            <a:pPr marL="285750" indent="-285750">
-              <a:buFont typeface="Arial" panose="020B0604020202020204" pitchFamily="34" charset="0"/>
-              <a:buChar char="•"/>
-            </a:pPr>
-            <a:r>
-              <a:rPr lang="en-US" altLang="zh-CN" sz="1400"/>
-              <a:t>nrounds: number of boosting rounds</a:t>
-            </a:r>
-            <a:endParaRPr lang="en-US" altLang="zh-CN" sz="1400"/>
-          </a:p>
-          <a:p>
-            <a:pPr marL="285750" indent="-285750">
-              <a:buFont typeface="Arial" panose="020B0604020202020204" pitchFamily="34" charset="0"/>
-              <a:buChar char="•"/>
-            </a:pPr>
-            <a:r>
-              <a:rPr lang="en-US" altLang="zh-CN" sz="1400"/>
-              <a:t>early_stopping_rounds: Stop the training process if the model's accuracy on validation set hasn't improved for the specified number of rounds</a:t>
-            </a:r>
-            <a:endParaRPr lang="en-US" altLang="zh-CN" sz="1400"/>
-          </a:p>
-        </p:txBody>
-      </p:sp>
-      <p:sp>
-        <p:nvSpPr>
-          <p:cNvPr id="10" name="文本框 9"/>
-          <p:cNvSpPr txBox="1"/>
-          <p:nvPr/>
-        </p:nvSpPr>
-        <p:spPr>
-          <a:xfrm>
-            <a:off x="6790055" y="4445635"/>
-            <a:ext cx="1827530" cy="306705"/>
-          </a:xfrm>
-          <a:prstGeom prst="rect">
-            <a:avLst/>
-          </a:prstGeom>
-          <a:noFill/>
-        </p:spPr>
-        <p:txBody>
-          <a:bodyPr wrap="none" rtlCol="0">
-            <a:spAutoFit/>
-          </a:bodyPr>
-          <a:p>
-            <a:r>
-              <a:rPr lang="en-US" altLang="zh-CN" sz="1400"/>
-              <a:t>How watchlist works</a:t>
-            </a:r>
-            <a:endParaRPr lang="en-US" altLang="zh-CN" sz="1400"/>
+            <a:endParaRPr lang="en-US" sz="1680" dirty="0"/>
           </a:p>
         </p:txBody>
       </p:sp>
@@ -2228,6 +2107,13 @@
             <a:srgbClr val="A5DDFF"/>
           </a:solidFill>
         </p:spPr>
+        <p:txBody>
+          <a:bodyPr/>
+          <a:lstStyle/>
+          <a:p>
+            <a:endParaRPr lang="en-US"/>
+          </a:p>
+        </p:txBody>
       </p:sp>
       <p:sp>
         <p:nvSpPr>
@@ -2253,7 +2139,7 @@
               <a:buNone/>
             </a:pPr>
             <a:r>
-              <a:rPr lang="en-US" sz="2630" b="1" dirty="0" err="1">
+              <a:rPr lang="en-US" sz="2625" b="1" dirty="0" err="1">
                 <a:solidFill>
                   <a:srgbClr val="002A85"/>
                 </a:solidFill>
@@ -2263,1697 +2149,12 @@
               </a:rPr>
               <a:t>XGBoost</a:t>
             </a:r>
-            <a:r>
-              <a:rPr lang="en-US" sz="2680" b="1" dirty="0">
-                <a:solidFill>
-                  <a:srgbClr val="002A85"/>
-                </a:solidFill>
-                <a:latin typeface="Noto Sans SC" pitchFamily="34" charset="0"/>
-                <a:ea typeface="Noto Sans SC" pitchFamily="34" charset="-122"/>
-                <a:cs typeface="Noto Sans SC" pitchFamily="34" charset="-120"/>
-              </a:rPr>
-              <a:t> in R: Result</a:t>
-            </a:r>
-            <a:endParaRPr lang="en-US" sz="2680" dirty="0"/>
+            <a:endParaRPr lang="en-US" sz="2625" dirty="0"/>
           </a:p>
         </p:txBody>
       </p:sp>
-      <p:sp>
-        <p:nvSpPr>
-          <p:cNvPr id="4" name="Text 2"/>
-          <p:cNvSpPr/>
-          <p:nvPr/>
-        </p:nvSpPr>
-        <p:spPr>
-          <a:xfrm>
-            <a:off x="762000" y="589093"/>
-            <a:ext cx="7715250" cy="4010878"/>
-          </a:xfrm>
-          <a:prstGeom prst="rect">
-            <a:avLst/>
-          </a:prstGeom>
-          <a:noFill/>
-        </p:spPr>
-        <p:txBody>
-          <a:bodyPr wrap="square" rtlCol="0" anchor="t"/>
-          <a:lstStyle/>
-          <a:p>
-            <a:pPr algn="l">
-              <a:lnSpc>
-                <a:spcPct val="150000"/>
-              </a:lnSpc>
-              <a:buSzPct val="100000"/>
-            </a:pPr>
-            <a:endParaRPr lang="en-US" sz="1680" dirty="0">
-              <a:solidFill>
-                <a:srgbClr val="383838"/>
-              </a:solidFill>
-              <a:latin typeface="Noto Sans SC" pitchFamily="34" charset="0"/>
-              <a:ea typeface="Noto Sans SC" pitchFamily="34" charset="-122"/>
-            </a:endParaRPr>
-          </a:p>
-          <a:p>
-            <a:pPr algn="l">
-              <a:lnSpc>
-                <a:spcPct val="150000"/>
-              </a:lnSpc>
-              <a:buSzPct val="100000"/>
-            </a:pPr>
-            <a:endParaRPr lang="en-US" sz="1680" dirty="0"/>
-          </a:p>
-          <a:p>
-            <a:pPr algn="l">
-              <a:lnSpc>
-                <a:spcPct val="150000"/>
-              </a:lnSpc>
-              <a:buSzPct val="100000"/>
-            </a:pPr>
-            <a:endParaRPr lang="en-US" sz="1680" dirty="0"/>
-          </a:p>
-        </p:txBody>
-      </p:sp>
-      <p:sp>
-        <p:nvSpPr>
-          <p:cNvPr id="5" name="文本框 4"/>
-          <p:cNvSpPr txBox="1"/>
-          <p:nvPr/>
-        </p:nvSpPr>
-        <p:spPr>
-          <a:xfrm>
-            <a:off x="346075" y="800100"/>
-            <a:ext cx="8310245" cy="737235"/>
-          </a:xfrm>
-          <a:prstGeom prst="rect">
-            <a:avLst/>
-          </a:prstGeom>
-          <a:noFill/>
-        </p:spPr>
-        <p:txBody>
-          <a:bodyPr wrap="square" rtlCol="0">
-            <a:spAutoFit/>
-          </a:bodyPr>
-          <a:p>
-            <a:r>
-              <a:rPr lang="en-US" altLang="zh-CN" sz="1400"/>
-              <a:t>Our model stops boosting at #261 round, which means the model accuracy decreases in the next 50 rounds. So we know that overfitting occurs after that. Hence, we changed parameter nrounds to 261 and trained our final model. </a:t>
-            </a:r>
-            <a:endParaRPr lang="en-US" altLang="zh-CN" sz="1400"/>
-          </a:p>
-        </p:txBody>
-      </p:sp>
-      <p:pic>
-        <p:nvPicPr>
-          <p:cNvPr id="6" name="图片 5"/>
-          <p:cNvPicPr>
-            <a:picLocks noChangeAspect="1"/>
-          </p:cNvPicPr>
-          <p:nvPr/>
-        </p:nvPicPr>
-        <p:blipFill>
-          <a:blip r:embed="rId1"/>
-          <a:stretch>
-            <a:fillRect/>
-          </a:stretch>
-        </p:blipFill>
-        <p:spPr>
-          <a:xfrm>
-            <a:off x="3163570" y="1537970"/>
-            <a:ext cx="2404745" cy="2606675"/>
-          </a:xfrm>
-          <a:prstGeom prst="rect">
-            <a:avLst/>
-          </a:prstGeom>
-        </p:spPr>
-      </p:pic>
-      <p:pic>
-        <p:nvPicPr>
-          <p:cNvPr id="7" name="图片 6"/>
-          <p:cNvPicPr>
-            <a:picLocks noChangeAspect="1"/>
-          </p:cNvPicPr>
-          <p:nvPr/>
-        </p:nvPicPr>
-        <p:blipFill>
-          <a:blip r:embed="rId2"/>
-          <a:stretch>
-            <a:fillRect/>
-          </a:stretch>
-        </p:blipFill>
-        <p:spPr>
-          <a:xfrm>
-            <a:off x="5828665" y="1537970"/>
-            <a:ext cx="2404110" cy="2606040"/>
-          </a:xfrm>
-          <a:prstGeom prst="rect">
-            <a:avLst/>
-          </a:prstGeom>
-        </p:spPr>
-      </p:pic>
-      <p:sp>
-        <p:nvSpPr>
-          <p:cNvPr id="8" name="文本框 7"/>
-          <p:cNvSpPr txBox="1"/>
-          <p:nvPr/>
-        </p:nvSpPr>
-        <p:spPr>
-          <a:xfrm>
-            <a:off x="160655" y="1646555"/>
-            <a:ext cx="2742565" cy="3538220"/>
-          </a:xfrm>
-          <a:prstGeom prst="rect">
-            <a:avLst/>
-          </a:prstGeom>
-          <a:noFill/>
-        </p:spPr>
-        <p:txBody>
-          <a:bodyPr wrap="square" rtlCol="0">
-            <a:spAutoFit/>
-          </a:bodyPr>
-          <a:p>
-            <a:r>
-              <a:rPr lang="en-US" altLang="zh-CN" sz="1400"/>
-              <a:t>The first plot shows the 5 most important features identified by our final XGBoost model</a:t>
-            </a:r>
-            <a:endParaRPr lang="en-US" altLang="zh-CN" sz="1400"/>
-          </a:p>
-          <a:p>
-            <a:endParaRPr lang="en-US" altLang="zh-CN" sz="1400"/>
-          </a:p>
-          <a:p>
-            <a:r>
-              <a:rPr lang="en-US" altLang="zh-CN" sz="1400"/>
-              <a:t>The ROC-AUC plot illustrates the model's performance on the test set. The exceptionally high AUC score of 0.99988, suggests an almost perfect classification.  It’s likely that the nature of the simulated dataset leads to such unusual result since the simulated dataset is designed for practice purposes and thus may be simpler to classify.</a:t>
-            </a:r>
-            <a:endParaRPr lang="en-US" altLang="zh-CN" sz="1400"/>
-          </a:p>
-        </p:txBody>
-      </p:sp>
-    </p:spTree>
-  </p:cSld>
-  <p:clrMapOvr>
-    <a:masterClrMapping/>
-  </p:clrMapOvr>
-</p:sld>
-</file>
-
-<file path=ppt/slides/slide12.xml><?xml version="1.0" encoding="utf-8"?>
-<p:sld xmlns:a="http://schemas.openxmlformats.org/drawingml/2006/main" xmlns:r="http://schemas.openxmlformats.org/officeDocument/2006/relationships" xmlns:p="http://schemas.openxmlformats.org/presentationml/2006/main">
-  <p:cSld>
-    <p:spTree>
-      <p:nvGrpSpPr>
-        <p:cNvPr id="1" name=""/>
-        <p:cNvGrpSpPr/>
-        <p:nvPr/>
-      </p:nvGrpSpPr>
-      <p:grpSpPr>
-        <a:xfrm>
-          <a:off x="0" y="0"/>
-          <a:ext cx="0" cy="0"/>
-          <a:chOff x="0" y="0"/>
-          <a:chExt cx="0" cy="0"/>
-        </a:xfrm>
-      </p:grpSpPr>
-      <p:sp>
-        <p:nvSpPr>
-          <p:cNvPr id="2" name="Text 0"/>
-          <p:cNvSpPr/>
-          <p:nvPr/>
-        </p:nvSpPr>
-        <p:spPr>
-          <a:xfrm>
-            <a:off x="2871788" y="1838325"/>
-            <a:ext cx="3395663" cy="552450"/>
-          </a:xfrm>
-          <a:prstGeom prst="rect">
-            <a:avLst/>
-          </a:prstGeom>
-          <a:noFill/>
-        </p:spPr>
-        <p:txBody>
-          <a:bodyPr wrap="square" rtlCol="0" anchor="t"/>
-          <a:lstStyle/>
-          <a:p>
-            <a:pPr marL="0" indent="0" algn="ctr">
-              <a:buNone/>
-            </a:pPr>
-            <a:r>
-              <a:rPr lang="en-US" sz="2800" b="1" dirty="0">
-                <a:solidFill>
-                  <a:srgbClr val="002A85"/>
-                </a:solidFill>
-                <a:latin typeface="Noto Sans SC" pitchFamily="34" charset="0"/>
-                <a:ea typeface="Noto Sans SC" pitchFamily="34" charset="-122"/>
-                <a:cs typeface="Noto Sans SC" pitchFamily="34" charset="-120"/>
-              </a:rPr>
-              <a:t>THE END</a:t>
-            </a:r>
-            <a:endParaRPr lang="en-US" sz="2800" dirty="0"/>
-          </a:p>
-        </p:txBody>
-      </p:sp>
-      <p:sp>
-        <p:nvSpPr>
-          <p:cNvPr id="3" name="Text 1"/>
-          <p:cNvSpPr/>
-          <p:nvPr/>
-        </p:nvSpPr>
-        <p:spPr>
-          <a:xfrm>
-            <a:off x="2871788" y="2390775"/>
-            <a:ext cx="3395663" cy="1033463"/>
-          </a:xfrm>
-          <a:prstGeom prst="rect">
-            <a:avLst/>
-          </a:prstGeom>
-          <a:noFill/>
-        </p:spPr>
-        <p:txBody>
-          <a:bodyPr wrap="square" rtlCol="0" anchor="t"/>
-          <a:lstStyle/>
-          <a:p>
-            <a:pPr marL="0" indent="0" algn="ctr">
-              <a:buNone/>
-            </a:pPr>
-            <a:r>
-              <a:rPr lang="en-US" sz="5250" b="1" dirty="0">
-                <a:solidFill>
-                  <a:srgbClr val="002A85"/>
-                </a:solidFill>
-                <a:latin typeface="Noto Sans SC" pitchFamily="34" charset="0"/>
-                <a:ea typeface="Noto Sans SC" pitchFamily="34" charset="-122"/>
-                <a:cs typeface="Noto Sans SC" pitchFamily="34" charset="-120"/>
-              </a:rPr>
-              <a:t>THANKS</a:t>
-            </a:r>
-            <a:endParaRPr lang="en-US" sz="5250" dirty="0"/>
-          </a:p>
-        </p:txBody>
-      </p:sp>
-    </p:spTree>
-  </p:cSld>
-  <p:clrMapOvr>
-    <a:masterClrMapping/>
-  </p:clrMapOvr>
-</p:sld>
-</file>
-
-<file path=ppt/slides/slide2.xml><?xml version="1.0" encoding="utf-8"?>
-<p:sld xmlns:a="http://schemas.openxmlformats.org/drawingml/2006/main" xmlns:r="http://schemas.openxmlformats.org/officeDocument/2006/relationships" xmlns:p="http://schemas.openxmlformats.org/presentationml/2006/main">
-  <p:cSld>
-    <p:spTree>
-      <p:nvGrpSpPr>
-        <p:cNvPr id="1" name=""/>
-        <p:cNvGrpSpPr/>
-        <p:nvPr/>
-      </p:nvGrpSpPr>
-      <p:grpSpPr>
-        <a:xfrm>
-          <a:off x="0" y="0"/>
-          <a:ext cx="0" cy="0"/>
-          <a:chOff x="0" y="0"/>
-          <a:chExt cx="0" cy="0"/>
-        </a:xfrm>
-      </p:grpSpPr>
-      <p:sp>
-        <p:nvSpPr>
-          <p:cNvPr id="2" name="Text 0"/>
-          <p:cNvSpPr/>
-          <p:nvPr/>
-        </p:nvSpPr>
-        <p:spPr>
-          <a:xfrm>
-            <a:off x="1524000" y="361950"/>
-            <a:ext cx="3109913" cy="828675"/>
-          </a:xfrm>
-          <a:prstGeom prst="rect">
-            <a:avLst/>
-          </a:prstGeom>
-          <a:noFill/>
-        </p:spPr>
-        <p:txBody>
-          <a:bodyPr wrap="square" rtlCol="0" anchor="ctr"/>
-          <a:lstStyle/>
-          <a:p>
-            <a:pPr marL="0" indent="0" algn="ctr">
-              <a:buNone/>
-            </a:pPr>
-            <a:r>
-              <a:rPr lang="en-US" sz="4200" b="1" dirty="0">
-                <a:solidFill>
-                  <a:srgbClr val="002A85"/>
-                </a:solidFill>
-                <a:latin typeface="Noto Sans SC" pitchFamily="34" charset="0"/>
-                <a:ea typeface="Noto Sans SC" pitchFamily="34" charset="-122"/>
-                <a:cs typeface="Noto Sans SC" pitchFamily="34" charset="-120"/>
-              </a:rPr>
-              <a:t> CONTENTS </a:t>
-            </a:r>
-            <a:endParaRPr lang="en-US" sz="4200" dirty="0"/>
-          </a:p>
-        </p:txBody>
-      </p:sp>
-      <p:sp>
-        <p:nvSpPr>
-          <p:cNvPr id="3" name="Text 1"/>
-          <p:cNvSpPr/>
-          <p:nvPr/>
-        </p:nvSpPr>
-        <p:spPr>
-          <a:xfrm>
-            <a:off x="1819275" y="1619250"/>
-            <a:ext cx="6605587" cy="3105150"/>
-          </a:xfrm>
-          <a:prstGeom prst="rect">
-            <a:avLst/>
-          </a:prstGeom>
-          <a:noFill/>
-        </p:spPr>
-        <p:txBody>
-          <a:bodyPr wrap="square" rtlCol="0" anchor="t"/>
-          <a:lstStyle/>
-          <a:p>
-            <a:pPr marL="342900" indent="-342900">
-              <a:lnSpc>
-                <a:spcPct val="150000"/>
-              </a:lnSpc>
-              <a:buSzPct val="100000"/>
-              <a:buFontTx/>
-              <a:buChar char="•"/>
-            </a:pPr>
-            <a:r>
-              <a:rPr lang="en-US" sz="1750" dirty="0">
-                <a:solidFill>
-                  <a:srgbClr val="383838"/>
-                </a:solidFill>
-                <a:latin typeface="Noto Sans SC" pitchFamily="34" charset="0"/>
-                <a:ea typeface="Noto Sans SC" pitchFamily="34" charset="-122"/>
-                <a:cs typeface="Noto Sans SC" pitchFamily="34" charset="-120"/>
-              </a:rPr>
-              <a:t>C</a:t>
-            </a:r>
-            <a:r>
-              <a:rPr lang="en-US" altLang="zh-CN" sz="1750" dirty="0">
-                <a:solidFill>
-                  <a:srgbClr val="383838"/>
-                </a:solidFill>
-                <a:latin typeface="Noto Sans SC" pitchFamily="34" charset="0"/>
-                <a:ea typeface="Noto Sans SC" pitchFamily="34" charset="-122"/>
-                <a:cs typeface="Noto Sans SC" pitchFamily="34" charset="-120"/>
-              </a:rPr>
-              <a:t>ard </a:t>
-            </a:r>
-            <a:r>
-              <a:rPr lang="en-US" sz="1750" dirty="0">
-                <a:solidFill>
-                  <a:srgbClr val="383838"/>
-                </a:solidFill>
-                <a:latin typeface="Noto Sans SC" pitchFamily="34" charset="0"/>
-                <a:ea typeface="Noto Sans SC" pitchFamily="34" charset="-122"/>
-                <a:cs typeface="Noto Sans SC" pitchFamily="34" charset="-120"/>
-              </a:rPr>
-              <a:t>Transaction Fraud Dataset Introduction</a:t>
-            </a:r>
-            <a:endParaRPr lang="en-US" sz="1750" dirty="0"/>
-          </a:p>
-          <a:p>
-            <a:pPr marL="342900" indent="-342900" algn="l">
-              <a:lnSpc>
-                <a:spcPct val="150000"/>
-              </a:lnSpc>
-              <a:buSzPct val="100000"/>
-              <a:buChar char="•"/>
-            </a:pPr>
-            <a:r>
-              <a:rPr lang="en-US" sz="1750" dirty="0" err="1">
-                <a:solidFill>
-                  <a:srgbClr val="383838"/>
-                </a:solidFill>
-                <a:latin typeface="Noto Sans SC" pitchFamily="34" charset="0"/>
-                <a:ea typeface="Noto Sans SC" pitchFamily="34" charset="-122"/>
-                <a:cs typeface="Noto Sans SC" pitchFamily="34" charset="-120"/>
-              </a:rPr>
-              <a:t>XGBoost</a:t>
-            </a:r>
-            <a:r>
-              <a:rPr lang="en-US" sz="1750" dirty="0">
-                <a:solidFill>
-                  <a:srgbClr val="383838"/>
-                </a:solidFill>
-                <a:latin typeface="Noto Sans SC" pitchFamily="34" charset="0"/>
-                <a:ea typeface="Noto Sans SC" pitchFamily="34" charset="-122"/>
-                <a:cs typeface="Noto Sans SC" pitchFamily="34" charset="-120"/>
-              </a:rPr>
-              <a:t> introduction</a:t>
-            </a:r>
-            <a:endParaRPr lang="en-US" sz="1750" dirty="0">
-              <a:solidFill>
-                <a:srgbClr val="383838"/>
-              </a:solidFill>
-              <a:latin typeface="Noto Sans SC" pitchFamily="34" charset="0"/>
-              <a:ea typeface="Noto Sans SC" pitchFamily="34" charset="-122"/>
-              <a:cs typeface="Noto Sans SC" pitchFamily="34" charset="-120"/>
-            </a:endParaRPr>
-          </a:p>
-        </p:txBody>
-      </p:sp>
-    </p:spTree>
-  </p:cSld>
-  <p:clrMapOvr>
-    <a:masterClrMapping/>
-  </p:clrMapOvr>
-</p:sld>
-</file>
-
-<file path=ppt/slides/slide3.xml><?xml version="1.0" encoding="utf-8"?>
-<p:sld xmlns:a="http://schemas.openxmlformats.org/drawingml/2006/main" xmlns:r="http://schemas.openxmlformats.org/officeDocument/2006/relationships" xmlns:p="http://schemas.openxmlformats.org/presentationml/2006/main">
-  <p:cSld>
-    <p:spTree>
-      <p:nvGrpSpPr>
-        <p:cNvPr id="1" name=""/>
-        <p:cNvGrpSpPr/>
-        <p:nvPr/>
-      </p:nvGrpSpPr>
-      <p:grpSpPr>
-        <a:xfrm>
-          <a:off x="0" y="0"/>
-          <a:ext cx="0" cy="0"/>
-          <a:chOff x="0" y="0"/>
-          <a:chExt cx="0" cy="0"/>
-        </a:xfrm>
-      </p:grpSpPr>
-      <p:sp>
-        <p:nvSpPr>
-          <p:cNvPr id="2" name="Text 0"/>
-          <p:cNvSpPr/>
-          <p:nvPr/>
-        </p:nvSpPr>
-        <p:spPr>
-          <a:xfrm>
-            <a:off x="3571875" y="1038225"/>
-            <a:ext cx="1452563" cy="1243013"/>
-          </a:xfrm>
-          <a:prstGeom prst="rect">
-            <a:avLst/>
-          </a:prstGeom>
-          <a:noFill/>
-        </p:spPr>
-        <p:txBody>
-          <a:bodyPr wrap="square" rtlCol="0" anchor="t"/>
-          <a:lstStyle/>
-          <a:p>
-            <a:pPr marL="0" indent="0" algn="ctr">
-              <a:buNone/>
-            </a:pPr>
-            <a:r>
-              <a:rPr lang="en-US" sz="6300" b="1" dirty="0">
-                <a:solidFill>
-                  <a:srgbClr val="002A85"/>
-                </a:solidFill>
-                <a:latin typeface="Noto Sans SC" pitchFamily="34" charset="0"/>
-                <a:ea typeface="Noto Sans SC" pitchFamily="34" charset="-122"/>
-                <a:cs typeface="Noto Sans SC" pitchFamily="34" charset="-120"/>
-              </a:rPr>
-              <a:t>01</a:t>
-            </a:r>
-            <a:endParaRPr lang="en-US" sz="6300" dirty="0"/>
-          </a:p>
-        </p:txBody>
-      </p:sp>
-      <p:sp>
-        <p:nvSpPr>
-          <p:cNvPr id="3" name="Text 1"/>
-          <p:cNvSpPr/>
-          <p:nvPr/>
-        </p:nvSpPr>
-        <p:spPr>
-          <a:xfrm>
-            <a:off x="3790950" y="2281238"/>
-            <a:ext cx="3963353" cy="1509713"/>
-          </a:xfrm>
-          <a:prstGeom prst="rect">
-            <a:avLst/>
-          </a:prstGeom>
-          <a:noFill/>
-        </p:spPr>
-        <p:txBody>
-          <a:bodyPr wrap="square" rtlCol="0" anchor="t"/>
-          <a:lstStyle/>
-          <a:p>
-            <a:pPr marL="0" indent="0">
-              <a:buNone/>
-            </a:pPr>
-            <a:r>
-              <a:rPr lang="en-US" sz="3640" b="1" dirty="0">
-                <a:solidFill>
-                  <a:srgbClr val="002A85"/>
-                </a:solidFill>
-                <a:latin typeface="Noto Sans SC" pitchFamily="34" charset="0"/>
-                <a:ea typeface="Noto Sans SC" pitchFamily="34" charset="-122"/>
-                <a:cs typeface="Noto Sans SC" pitchFamily="34" charset="-120"/>
-              </a:rPr>
-              <a:t>Introduction to Dataset</a:t>
-            </a:r>
-            <a:endParaRPr lang="en-US" sz="3640" dirty="0"/>
-          </a:p>
-        </p:txBody>
-      </p:sp>
-    </p:spTree>
-  </p:cSld>
-  <p:clrMapOvr>
-    <a:masterClrMapping/>
-  </p:clrMapOvr>
-</p:sld>
-</file>
-
-<file path=ppt/slides/slide4.xml><?xml version="1.0" encoding="utf-8"?>
-<p:sld xmlns:a="http://schemas.openxmlformats.org/drawingml/2006/main" xmlns:r="http://schemas.openxmlformats.org/officeDocument/2006/relationships" xmlns:p="http://schemas.openxmlformats.org/presentationml/2006/main">
-  <p:cSld>
-    <p:spTree>
-      <p:nvGrpSpPr>
-        <p:cNvPr id="1" name=""/>
-        <p:cNvGrpSpPr/>
-        <p:nvPr/>
-      </p:nvGrpSpPr>
-      <p:grpSpPr>
-        <a:xfrm>
-          <a:off x="0" y="0"/>
-          <a:ext cx="0" cy="0"/>
-          <a:chOff x="0" y="0"/>
-          <a:chExt cx="0" cy="0"/>
-        </a:xfrm>
-      </p:grpSpPr>
-      <p:sp>
-        <p:nvSpPr>
-          <p:cNvPr id="2" name="Shape 0"/>
-          <p:cNvSpPr/>
-          <p:nvPr/>
-        </p:nvSpPr>
-        <p:spPr>
-          <a:xfrm>
-            <a:off x="0" y="457200"/>
-            <a:ext cx="4019550" cy="233363"/>
-          </a:xfrm>
-          <a:prstGeom prst="rect">
-            <a:avLst/>
-          </a:prstGeom>
-          <a:solidFill>
-            <a:srgbClr val="A5DDFF"/>
-          </a:solidFill>
-        </p:spPr>
-      </p:sp>
-      <p:sp>
-        <p:nvSpPr>
-          <p:cNvPr id="3" name="Text 1"/>
-          <p:cNvSpPr/>
-          <p:nvPr/>
-        </p:nvSpPr>
-        <p:spPr>
-          <a:xfrm>
-            <a:off x="762000" y="138113"/>
-            <a:ext cx="8130540" cy="552450"/>
-          </a:xfrm>
-          <a:prstGeom prst="rect">
-            <a:avLst/>
-          </a:prstGeom>
-          <a:noFill/>
-        </p:spPr>
-        <p:txBody>
-          <a:bodyPr wrap="square" rtlCol="0" anchor="ctr"/>
-          <a:lstStyle/>
-          <a:p>
-            <a:pPr marL="0" indent="0">
-              <a:buNone/>
-            </a:pPr>
-            <a:r>
-              <a:rPr lang="en-US" sz="2625" b="1" dirty="0">
-                <a:solidFill>
-                  <a:srgbClr val="002A85"/>
-                </a:solidFill>
-                <a:latin typeface="Noto Sans SC" pitchFamily="34" charset="0"/>
-                <a:ea typeface="Noto Sans SC" pitchFamily="34" charset="-122"/>
-              </a:rPr>
-              <a:t>Dataset Introduction</a:t>
-            </a:r>
-            <a:endParaRPr lang="en-US" sz="2625" dirty="0"/>
-          </a:p>
-        </p:txBody>
-      </p:sp>
-      <p:sp>
-        <p:nvSpPr>
-          <p:cNvPr id="4" name="Text 2"/>
-          <p:cNvSpPr/>
-          <p:nvPr/>
-        </p:nvSpPr>
-        <p:spPr>
-          <a:xfrm>
-            <a:off x="714375" y="759015"/>
-            <a:ext cx="7715250" cy="3452813"/>
-          </a:xfrm>
-          <a:prstGeom prst="rect">
-            <a:avLst/>
-          </a:prstGeom>
-          <a:noFill/>
-        </p:spPr>
-        <p:txBody>
-          <a:bodyPr wrap="square" rtlCol="0" anchor="t"/>
-          <a:lstStyle/>
-          <a:p>
-            <a:pPr marL="285750" indent="-285750">
-              <a:lnSpc>
-                <a:spcPct val="150000"/>
-              </a:lnSpc>
-              <a:buSzPct val="100000"/>
-              <a:buFont typeface="Arial" panose="020B0604020202020204" pitchFamily="34" charset="0"/>
-              <a:buChar char="•"/>
-            </a:pPr>
-            <a:r>
-              <a:rPr lang="en-US" sz="1680" dirty="0">
-                <a:solidFill>
-                  <a:srgbClr val="383838"/>
-                </a:solidFill>
-                <a:latin typeface="Noto Sans SC" pitchFamily="34" charset="0"/>
-                <a:ea typeface="Noto Sans SC" pitchFamily="34" charset="-122"/>
-              </a:rPr>
-              <a:t>Simulated credit card transaction fraud data on Kaggle  </a:t>
-            </a:r>
-            <a:endParaRPr lang="en-US" sz="1680" dirty="0">
-              <a:solidFill>
-                <a:srgbClr val="383838"/>
-              </a:solidFill>
-              <a:latin typeface="Noto Sans SC" pitchFamily="34" charset="0"/>
-              <a:ea typeface="Noto Sans SC" pitchFamily="34" charset="-122"/>
-            </a:endParaRPr>
-          </a:p>
-          <a:p>
-            <a:pPr marL="285750" indent="-285750">
-              <a:lnSpc>
-                <a:spcPct val="150000"/>
-              </a:lnSpc>
-              <a:buSzPct val="100000"/>
-              <a:buFont typeface="Arial" panose="020B0604020202020204" pitchFamily="34" charset="0"/>
-              <a:buChar char="•"/>
-            </a:pPr>
-            <a:r>
-              <a:rPr lang="en-US" sz="1600" dirty="0">
-                <a:hlinkClick r:id="rId1"/>
-              </a:rPr>
-              <a:t>Credit Card Fraud (kaggle.com)</a:t>
-            </a:r>
-            <a:endParaRPr lang="en-US" sz="1600" dirty="0"/>
-          </a:p>
-          <a:p>
-            <a:pPr marL="285750" indent="-285750">
-              <a:lnSpc>
-                <a:spcPct val="150000"/>
-              </a:lnSpc>
-              <a:buSzPct val="100000"/>
-              <a:buFont typeface="Arial" panose="020B0604020202020204" pitchFamily="34" charset="0"/>
-              <a:buChar char="•"/>
-            </a:pPr>
-            <a:r>
-              <a:rPr lang="en-US" sz="1680" dirty="0">
-                <a:solidFill>
-                  <a:srgbClr val="383838"/>
-                </a:solidFill>
-                <a:latin typeface="Noto Sans SC" pitchFamily="34" charset="0"/>
-                <a:ea typeface="Noto Sans SC" pitchFamily="34" charset="-122"/>
-              </a:rPr>
-              <a:t>Binary classification problem</a:t>
-            </a:r>
-            <a:r>
-              <a:rPr lang="en-US" sz="1600" dirty="0">
-                <a:solidFill>
-                  <a:srgbClr val="383838"/>
-                </a:solidFill>
-                <a:latin typeface="Noto Sans SC" pitchFamily="34" charset="0"/>
-                <a:ea typeface="Noto Sans SC" pitchFamily="34" charset="-122"/>
-              </a:rPr>
-              <a:t>, each transaction is either fraudulent or not.</a:t>
-            </a:r>
-            <a:endParaRPr lang="en-US" sz="1680" dirty="0">
-              <a:solidFill>
-                <a:srgbClr val="383838"/>
-              </a:solidFill>
-              <a:latin typeface="Noto Sans SC" pitchFamily="34" charset="0"/>
-              <a:ea typeface="Noto Sans SC" pitchFamily="34" charset="-122"/>
-            </a:endParaRPr>
-          </a:p>
-          <a:p>
-            <a:pPr marL="285750" indent="-285750">
-              <a:lnSpc>
-                <a:spcPct val="150000"/>
-              </a:lnSpc>
-              <a:buSzPct val="100000"/>
-              <a:buFont typeface="Arial" panose="020B0604020202020204" pitchFamily="34" charset="0"/>
-              <a:buChar char="•"/>
-            </a:pPr>
-            <a:r>
-              <a:rPr lang="en-US" sz="1680" dirty="0">
-                <a:solidFill>
-                  <a:srgbClr val="383838"/>
-                </a:solidFill>
-                <a:latin typeface="Noto Sans SC" pitchFamily="34" charset="0"/>
-                <a:ea typeface="Noto Sans SC" pitchFamily="34" charset="-122"/>
-              </a:rPr>
-              <a:t>1000000 transactions, only 87403 transactions are fraudulent. 8.74% fraud rate, very unbalanced data</a:t>
-            </a:r>
-            <a:endParaRPr lang="en-US" sz="1680" dirty="0">
-              <a:solidFill>
-                <a:srgbClr val="383838"/>
-              </a:solidFill>
-              <a:latin typeface="Noto Sans SC" pitchFamily="34" charset="0"/>
-              <a:ea typeface="Noto Sans SC" pitchFamily="34" charset="-122"/>
-            </a:endParaRPr>
-          </a:p>
-          <a:p>
-            <a:pPr marL="285750" indent="-285750">
-              <a:lnSpc>
-                <a:spcPct val="150000"/>
-              </a:lnSpc>
-              <a:buSzPct val="100000"/>
-              <a:buFont typeface="Arial" panose="020B0604020202020204" pitchFamily="34" charset="0"/>
-              <a:buChar char="•"/>
-            </a:pPr>
-            <a:r>
-              <a:rPr lang="en-US" sz="1680" dirty="0">
-                <a:solidFill>
-                  <a:srgbClr val="383838"/>
-                </a:solidFill>
-                <a:latin typeface="Noto Sans SC" pitchFamily="34" charset="0"/>
-                <a:ea typeface="Noto Sans SC" pitchFamily="34" charset="-122"/>
-              </a:rPr>
-              <a:t>We will try stratified sampling and </a:t>
-            </a:r>
-            <a:r>
-              <a:rPr lang="en-US" sz="1680" dirty="0" err="1">
-                <a:solidFill>
-                  <a:srgbClr val="383838"/>
-                </a:solidFill>
-                <a:latin typeface="Noto Sans SC" pitchFamily="34" charset="0"/>
-                <a:ea typeface="Noto Sans SC" pitchFamily="34" charset="-122"/>
-              </a:rPr>
-              <a:t>upsampling</a:t>
-            </a:r>
-            <a:r>
-              <a:rPr lang="en-US" sz="1680" dirty="0">
-                <a:solidFill>
-                  <a:srgbClr val="383838"/>
-                </a:solidFill>
-                <a:latin typeface="Noto Sans SC" pitchFamily="34" charset="0"/>
-                <a:ea typeface="Noto Sans SC" pitchFamily="34" charset="-122"/>
-              </a:rPr>
-              <a:t> when dividing the dataset</a:t>
-            </a:r>
-            <a:endParaRPr lang="en-US" sz="1680" dirty="0">
-              <a:solidFill>
-                <a:srgbClr val="383838"/>
-              </a:solidFill>
-              <a:latin typeface="Noto Sans SC" pitchFamily="34" charset="0"/>
-              <a:ea typeface="Noto Sans SC" pitchFamily="34" charset="-122"/>
-            </a:endParaRPr>
-          </a:p>
-          <a:p>
-            <a:pPr marL="342900" indent="-342900" algn="l">
-              <a:lnSpc>
-                <a:spcPct val="150000"/>
-              </a:lnSpc>
-              <a:buSzPct val="100000"/>
-              <a:buChar char="•"/>
-            </a:pPr>
-            <a:endParaRPr lang="en-US" sz="1680" dirty="0">
-              <a:solidFill>
-                <a:srgbClr val="383838"/>
-              </a:solidFill>
-              <a:latin typeface="Noto Sans SC" pitchFamily="34" charset="0"/>
-              <a:ea typeface="Noto Sans SC" pitchFamily="34" charset="-122"/>
-            </a:endParaRPr>
-          </a:p>
-          <a:p>
-            <a:pPr marL="342900" indent="-342900" algn="l">
-              <a:lnSpc>
-                <a:spcPct val="150000"/>
-              </a:lnSpc>
-              <a:buSzPct val="100000"/>
-              <a:buChar char="•"/>
-            </a:pPr>
-            <a:endParaRPr lang="en-US" sz="1680" dirty="0"/>
-          </a:p>
-          <a:p>
-            <a:pPr marL="342900" indent="-342900" algn="l">
-              <a:lnSpc>
-                <a:spcPct val="150000"/>
-              </a:lnSpc>
-              <a:buSzPct val="100000"/>
-              <a:buChar char="•"/>
-            </a:pPr>
-            <a:endParaRPr lang="en-US" sz="1680" dirty="0"/>
-          </a:p>
-        </p:txBody>
-      </p:sp>
-    </p:spTree>
-  </p:cSld>
-  <p:clrMapOvr>
-    <a:masterClrMapping/>
-  </p:clrMapOvr>
-</p:sld>
-</file>
-
-<file path=ppt/slides/slide5.xml><?xml version="1.0" encoding="utf-8"?>
-<p:sld xmlns:a="http://schemas.openxmlformats.org/drawingml/2006/main" xmlns:r="http://schemas.openxmlformats.org/officeDocument/2006/relationships" xmlns:p="http://schemas.openxmlformats.org/presentationml/2006/main">
-  <p:cSld>
-    <p:spTree>
-      <p:nvGrpSpPr>
-        <p:cNvPr id="1" name=""/>
-        <p:cNvGrpSpPr/>
-        <p:nvPr/>
-      </p:nvGrpSpPr>
-      <p:grpSpPr>
-        <a:xfrm>
-          <a:off x="0" y="0"/>
-          <a:ext cx="0" cy="0"/>
-          <a:chOff x="0" y="0"/>
-          <a:chExt cx="0" cy="0"/>
-        </a:xfrm>
-      </p:grpSpPr>
-      <p:sp>
-        <p:nvSpPr>
-          <p:cNvPr id="2" name="Shape 0"/>
-          <p:cNvSpPr/>
-          <p:nvPr/>
-        </p:nvSpPr>
-        <p:spPr>
-          <a:xfrm>
-            <a:off x="0" y="457200"/>
-            <a:ext cx="4019550" cy="233363"/>
-          </a:xfrm>
-          <a:prstGeom prst="rect">
-            <a:avLst/>
-          </a:prstGeom>
-          <a:solidFill>
-            <a:srgbClr val="A5DDFF"/>
-          </a:solidFill>
-        </p:spPr>
-      </p:sp>
-      <p:sp>
-        <p:nvSpPr>
-          <p:cNvPr id="3" name="Text 1"/>
-          <p:cNvSpPr/>
-          <p:nvPr/>
-        </p:nvSpPr>
-        <p:spPr>
-          <a:xfrm>
-            <a:off x="762000" y="138113"/>
-            <a:ext cx="8130540" cy="552450"/>
-          </a:xfrm>
-          <a:prstGeom prst="rect">
-            <a:avLst/>
-          </a:prstGeom>
-          <a:noFill/>
-        </p:spPr>
-        <p:txBody>
-          <a:bodyPr wrap="square" rtlCol="0" anchor="ctr"/>
-          <a:lstStyle/>
-          <a:p>
-            <a:pPr marL="0" indent="0">
-              <a:buNone/>
-            </a:pPr>
-            <a:r>
-              <a:rPr lang="en-US" sz="2625" b="1" dirty="0">
-                <a:solidFill>
-                  <a:srgbClr val="002A85"/>
-                </a:solidFill>
-                <a:latin typeface="Noto Sans SC" pitchFamily="34" charset="0"/>
-                <a:ea typeface="Noto Sans SC" pitchFamily="34" charset="-122"/>
-              </a:rPr>
-              <a:t>Dataset</a:t>
-            </a:r>
-            <a:r>
-              <a:rPr lang="zh-CN" altLang="en-US" sz="2625" b="1" dirty="0">
-                <a:solidFill>
-                  <a:srgbClr val="002A85"/>
-                </a:solidFill>
-                <a:latin typeface="Noto Sans SC" pitchFamily="34" charset="0"/>
-                <a:ea typeface="Noto Sans SC" pitchFamily="34" charset="-122"/>
-              </a:rPr>
-              <a:t> </a:t>
-            </a:r>
-            <a:r>
-              <a:rPr lang="en-US" altLang="zh-CN" sz="2625" b="1" dirty="0">
-                <a:solidFill>
-                  <a:srgbClr val="002A85"/>
-                </a:solidFill>
-                <a:latin typeface="Noto Sans SC" pitchFamily="34" charset="0"/>
-                <a:ea typeface="Noto Sans SC" pitchFamily="34" charset="-122"/>
-              </a:rPr>
-              <a:t>description</a:t>
-            </a:r>
-            <a:endParaRPr lang="en-US" sz="2625" dirty="0"/>
-          </a:p>
-        </p:txBody>
-      </p:sp>
-      <p:sp>
-        <p:nvSpPr>
-          <p:cNvPr id="4" name="Text 2"/>
-          <p:cNvSpPr/>
-          <p:nvPr/>
-        </p:nvSpPr>
-        <p:spPr>
-          <a:xfrm>
-            <a:off x="762000" y="2825749"/>
-            <a:ext cx="7929513" cy="1432874"/>
-          </a:xfrm>
-          <a:prstGeom prst="rect">
-            <a:avLst/>
-          </a:prstGeom>
-          <a:noFill/>
-        </p:spPr>
-        <p:txBody>
-          <a:bodyPr wrap="square" rtlCol="0" anchor="t"/>
-          <a:lstStyle/>
-          <a:p>
-            <a:pPr fontAlgn="base"/>
-            <a:r>
-              <a:rPr lang="en-US" dirty="0" err="1"/>
-              <a:t>dist_home</a:t>
-            </a:r>
-            <a:r>
-              <a:rPr lang="en-US" dirty="0"/>
-              <a:t>: the distance from home where the transaction happened</a:t>
-            </a:r>
-            <a:endParaRPr lang="en-US" dirty="0"/>
-          </a:p>
-          <a:p>
-            <a:pPr fontAlgn="base"/>
-            <a:endParaRPr lang="en-US" dirty="0"/>
-          </a:p>
-          <a:p>
-            <a:pPr fontAlgn="base"/>
-            <a:r>
-              <a:rPr lang="en-US" dirty="0" err="1"/>
-              <a:t>dist_last_transact</a:t>
-            </a:r>
-            <a:r>
-              <a:rPr lang="en-US" dirty="0"/>
-              <a:t>: the distance from last transaction happened</a:t>
-            </a:r>
-            <a:endParaRPr lang="en-US" dirty="0"/>
-          </a:p>
-          <a:p>
-            <a:pPr fontAlgn="base"/>
-            <a:endParaRPr lang="en-US" dirty="0"/>
-          </a:p>
-          <a:p>
-            <a:pPr fontAlgn="base"/>
-            <a:r>
-              <a:rPr lang="en-US" dirty="0" err="1"/>
-              <a:t>ratio_to_med_price</a:t>
-            </a:r>
-            <a:r>
-              <a:rPr lang="en-US" dirty="0"/>
-              <a:t>: ratio of transaction </a:t>
-            </a:r>
-            <a:r>
-              <a:rPr lang="en-US" dirty="0" err="1"/>
-              <a:t>prie</a:t>
-            </a:r>
-            <a:r>
-              <a:rPr lang="en-US" dirty="0"/>
-              <a:t> to median purchase price</a:t>
-            </a:r>
-            <a:endParaRPr lang="en-US" dirty="0"/>
-          </a:p>
-          <a:p>
-            <a:pPr fontAlgn="base"/>
-            <a:endParaRPr lang="en-US" dirty="0"/>
-          </a:p>
-          <a:p>
-            <a:pPr fontAlgn="base"/>
-            <a:r>
-              <a:rPr lang="en-US" dirty="0" err="1"/>
-              <a:t>repeat_retailer</a:t>
-            </a:r>
-            <a:r>
-              <a:rPr lang="en-US" dirty="0"/>
-              <a:t>: Is the transaction happened from same retailer</a:t>
-            </a:r>
-            <a:endParaRPr lang="en-US" dirty="0"/>
-          </a:p>
-          <a:p>
-            <a:pPr marL="342900" indent="-342900">
-              <a:lnSpc>
-                <a:spcPct val="150000"/>
-              </a:lnSpc>
-              <a:buSzPct val="100000"/>
-              <a:buFontTx/>
-              <a:buChar char="•"/>
-            </a:pPr>
-            <a:endParaRPr lang="en-US" sz="1600" b="0" i="0" dirty="0">
-              <a:solidFill>
-                <a:srgbClr val="3C4043"/>
-              </a:solidFill>
-              <a:effectLst/>
-              <a:latin typeface="Inter"/>
-            </a:endParaRPr>
-          </a:p>
-          <a:p>
-            <a:pPr marL="342900" indent="-342900" algn="l">
-              <a:lnSpc>
-                <a:spcPct val="150000"/>
-              </a:lnSpc>
-              <a:buSzPct val="100000"/>
-              <a:buChar char="•"/>
-            </a:pPr>
-            <a:endParaRPr lang="en-US" sz="1600" b="0" i="0" dirty="0">
-              <a:solidFill>
-                <a:srgbClr val="3C4043"/>
-              </a:solidFill>
-              <a:effectLst/>
-              <a:latin typeface="Inter"/>
-            </a:endParaRPr>
-          </a:p>
-          <a:p>
-            <a:pPr marL="342900" indent="-342900" algn="l">
-              <a:lnSpc>
-                <a:spcPct val="150000"/>
-              </a:lnSpc>
-              <a:buSzPct val="100000"/>
-              <a:buChar char="•"/>
-            </a:pPr>
-            <a:endParaRPr lang="en-US" sz="1680" dirty="0">
-              <a:solidFill>
-                <a:srgbClr val="383838"/>
-              </a:solidFill>
-              <a:latin typeface="Noto Sans SC" pitchFamily="34" charset="0"/>
-              <a:ea typeface="Noto Sans SC" pitchFamily="34" charset="-122"/>
-            </a:endParaRPr>
-          </a:p>
-          <a:p>
-            <a:pPr marL="342900" indent="-342900" algn="l">
-              <a:lnSpc>
-                <a:spcPct val="150000"/>
-              </a:lnSpc>
-              <a:buSzPct val="100000"/>
-              <a:buChar char="•"/>
-            </a:pPr>
-            <a:endParaRPr lang="en-US" sz="1680" dirty="0"/>
-          </a:p>
-          <a:p>
-            <a:pPr marL="342900" indent="-342900" algn="l">
-              <a:lnSpc>
-                <a:spcPct val="150000"/>
-              </a:lnSpc>
-              <a:buSzPct val="100000"/>
-              <a:buChar char="•"/>
-            </a:pPr>
-            <a:endParaRPr lang="en-US" sz="1680" dirty="0"/>
-          </a:p>
-        </p:txBody>
-      </p:sp>
-      <p:pic>
-        <p:nvPicPr>
-          <p:cNvPr id="10" name="Picture 9"/>
-          <p:cNvPicPr>
-            <a:picLocks noChangeAspect="1"/>
-          </p:cNvPicPr>
-          <p:nvPr/>
-        </p:nvPicPr>
-        <p:blipFill>
-          <a:blip r:embed="rId1"/>
-          <a:stretch>
-            <a:fillRect/>
-          </a:stretch>
-        </p:blipFill>
-        <p:spPr>
-          <a:xfrm>
-            <a:off x="0" y="1009650"/>
-            <a:ext cx="9144000" cy="1456841"/>
-          </a:xfrm>
-          <a:prstGeom prst="rect">
-            <a:avLst/>
-          </a:prstGeom>
-        </p:spPr>
-      </p:pic>
-    </p:spTree>
-  </p:cSld>
-  <p:clrMapOvr>
-    <a:masterClrMapping/>
-  </p:clrMapOvr>
-</p:sld>
-</file>
-
-<file path=ppt/slides/slide6.xml><?xml version="1.0" encoding="utf-8"?>
-<p:sld xmlns:a="http://schemas.openxmlformats.org/drawingml/2006/main" xmlns:r="http://schemas.openxmlformats.org/officeDocument/2006/relationships" xmlns:p="http://schemas.openxmlformats.org/presentationml/2006/main">
-  <p:cSld>
-    <p:spTree>
-      <p:nvGrpSpPr>
-        <p:cNvPr id="1" name=""/>
-        <p:cNvGrpSpPr/>
-        <p:nvPr/>
-      </p:nvGrpSpPr>
-      <p:grpSpPr>
-        <a:xfrm>
-          <a:off x="0" y="0"/>
-          <a:ext cx="0" cy="0"/>
-          <a:chOff x="0" y="0"/>
-          <a:chExt cx="0" cy="0"/>
-        </a:xfrm>
-      </p:grpSpPr>
-      <p:sp>
-        <p:nvSpPr>
-          <p:cNvPr id="3" name="TextBox 2"/>
-          <p:cNvSpPr txBox="1"/>
-          <p:nvPr/>
-        </p:nvSpPr>
-        <p:spPr>
-          <a:xfrm>
-            <a:off x="603315" y="235670"/>
-            <a:ext cx="4364611" cy="461665"/>
-          </a:xfrm>
-          <a:prstGeom prst="rect">
-            <a:avLst/>
-          </a:prstGeom>
-          <a:noFill/>
-        </p:spPr>
-        <p:txBody>
-          <a:bodyPr wrap="square" rtlCol="0">
-            <a:spAutoFit/>
-          </a:bodyPr>
-          <a:lstStyle/>
-          <a:p>
-            <a:r>
-              <a:rPr lang="en-US" sz="2400" b="1" dirty="0">
-                <a:solidFill>
-                  <a:srgbClr val="002A85"/>
-                </a:solidFill>
-                <a:latin typeface="Noto Sans SC" pitchFamily="34" charset="0"/>
-                <a:ea typeface="Noto Sans SC" pitchFamily="34" charset="-122"/>
-              </a:rPr>
-              <a:t>Dataset</a:t>
-            </a:r>
-            <a:r>
-              <a:rPr lang="zh-CN" altLang="en-US" sz="2400" b="1" dirty="0">
-                <a:solidFill>
-                  <a:srgbClr val="002A85"/>
-                </a:solidFill>
-                <a:latin typeface="Noto Sans SC" pitchFamily="34" charset="0"/>
-                <a:ea typeface="Noto Sans SC" pitchFamily="34" charset="-122"/>
-              </a:rPr>
-              <a:t> </a:t>
-            </a:r>
-            <a:r>
-              <a:rPr lang="en-US" altLang="zh-CN" sz="2400" b="1" dirty="0">
-                <a:solidFill>
-                  <a:srgbClr val="002A85"/>
-                </a:solidFill>
-                <a:latin typeface="Noto Sans SC" pitchFamily="34" charset="0"/>
-                <a:ea typeface="Noto Sans SC" pitchFamily="34" charset="-122"/>
-              </a:rPr>
-              <a:t>description (continue)</a:t>
-            </a:r>
-            <a:endParaRPr lang="en-US" sz="2400" dirty="0"/>
-          </a:p>
-        </p:txBody>
-      </p:sp>
-      <p:pic>
-        <p:nvPicPr>
-          <p:cNvPr id="6" name="Picture 5"/>
-          <p:cNvPicPr>
-            <a:picLocks noChangeAspect="1"/>
-          </p:cNvPicPr>
-          <p:nvPr/>
-        </p:nvPicPr>
-        <p:blipFill>
-          <a:blip r:embed="rId1"/>
-          <a:stretch>
-            <a:fillRect/>
-          </a:stretch>
-        </p:blipFill>
-        <p:spPr>
-          <a:xfrm>
-            <a:off x="0" y="1009650"/>
-            <a:ext cx="9144000" cy="1456841"/>
-          </a:xfrm>
-          <a:prstGeom prst="rect">
-            <a:avLst/>
-          </a:prstGeom>
-        </p:spPr>
-      </p:pic>
-      <p:sp>
-        <p:nvSpPr>
-          <p:cNvPr id="7" name="Rectangle 6"/>
-          <p:cNvSpPr/>
-          <p:nvPr/>
-        </p:nvSpPr>
-        <p:spPr>
-          <a:xfrm>
-            <a:off x="768285" y="2630744"/>
-            <a:ext cx="7876094" cy="2031325"/>
-          </a:xfrm>
-          <a:prstGeom prst="rect">
-            <a:avLst/>
-          </a:prstGeom>
-        </p:spPr>
-        <p:txBody>
-          <a:bodyPr wrap="square">
-            <a:spAutoFit/>
-          </a:bodyPr>
-          <a:lstStyle/>
-          <a:p>
-            <a:pPr fontAlgn="base">
-              <a:buFont typeface="Arial" panose="020B0604020202020204" pitchFamily="34" charset="0"/>
-              <a:buChar char="•"/>
-            </a:pPr>
-            <a:r>
-              <a:rPr lang="en-US" dirty="0">
-                <a:solidFill>
-                  <a:srgbClr val="3C4043"/>
-                </a:solidFill>
-                <a:latin typeface="Arial" panose="020B0604020202020204" pitchFamily="34" charset="0"/>
-              </a:rPr>
-              <a:t> </a:t>
-            </a:r>
-            <a:r>
-              <a:rPr lang="en-US" dirty="0" err="1">
-                <a:solidFill>
-                  <a:srgbClr val="3C4043"/>
-                </a:solidFill>
-                <a:latin typeface="Arial" panose="020B0604020202020204" pitchFamily="34" charset="0"/>
-              </a:rPr>
-              <a:t>used_chip</a:t>
-            </a:r>
-            <a:r>
-              <a:rPr lang="en-US" dirty="0">
-                <a:solidFill>
-                  <a:srgbClr val="3C4043"/>
-                </a:solidFill>
-                <a:latin typeface="Arial" panose="020B0604020202020204" pitchFamily="34" charset="0"/>
-              </a:rPr>
-              <a:t>: Is the transaction through credit card?</a:t>
-            </a:r>
-            <a:endParaRPr lang="en-US" dirty="0">
-              <a:solidFill>
-                <a:srgbClr val="3C4043"/>
-              </a:solidFill>
-              <a:latin typeface="Arial" panose="020B0604020202020204" pitchFamily="34" charset="0"/>
-            </a:endParaRPr>
-          </a:p>
-          <a:p>
-            <a:pPr fontAlgn="base">
-              <a:buFont typeface="Arial" panose="020B0604020202020204" pitchFamily="34" charset="0"/>
-              <a:buChar char="•"/>
-            </a:pPr>
-            <a:endParaRPr lang="en-US" dirty="0">
-              <a:solidFill>
-                <a:srgbClr val="3C4043"/>
-              </a:solidFill>
-              <a:latin typeface="Arial" panose="020B0604020202020204" pitchFamily="34" charset="0"/>
-            </a:endParaRPr>
-          </a:p>
-          <a:p>
-            <a:pPr fontAlgn="base">
-              <a:buFont typeface="Arial" panose="020B0604020202020204" pitchFamily="34" charset="0"/>
-              <a:buChar char="•"/>
-            </a:pPr>
-            <a:r>
-              <a:rPr lang="en-US" dirty="0">
-                <a:solidFill>
-                  <a:srgbClr val="3C4043"/>
-                </a:solidFill>
-                <a:latin typeface="Arial" panose="020B0604020202020204" pitchFamily="34" charset="0"/>
-              </a:rPr>
-              <a:t> </a:t>
-            </a:r>
-            <a:r>
-              <a:rPr lang="en-US" dirty="0" err="1">
-                <a:solidFill>
-                  <a:srgbClr val="3C4043"/>
-                </a:solidFill>
-                <a:latin typeface="Arial" panose="020B0604020202020204" pitchFamily="34" charset="0"/>
-              </a:rPr>
-              <a:t>used_pin_number</a:t>
-            </a:r>
-            <a:r>
-              <a:rPr lang="en-US" dirty="0">
-                <a:solidFill>
-                  <a:srgbClr val="3C4043"/>
-                </a:solidFill>
-                <a:latin typeface="Arial" panose="020B0604020202020204" pitchFamily="34" charset="0"/>
-              </a:rPr>
-              <a:t> - Is the transaction happened by using PIN number?</a:t>
-            </a:r>
-            <a:endParaRPr lang="en-US" dirty="0">
-              <a:solidFill>
-                <a:srgbClr val="3C4043"/>
-              </a:solidFill>
-              <a:latin typeface="Arial" panose="020B0604020202020204" pitchFamily="34" charset="0"/>
-            </a:endParaRPr>
-          </a:p>
-          <a:p>
-            <a:pPr fontAlgn="base">
-              <a:buFont typeface="Arial" panose="020B0604020202020204" pitchFamily="34" charset="0"/>
-              <a:buChar char="•"/>
-            </a:pPr>
-            <a:endParaRPr lang="en-US" dirty="0">
-              <a:solidFill>
-                <a:srgbClr val="3C4043"/>
-              </a:solidFill>
-              <a:latin typeface="Arial" panose="020B0604020202020204" pitchFamily="34" charset="0"/>
-            </a:endParaRPr>
-          </a:p>
-          <a:p>
-            <a:pPr fontAlgn="base">
-              <a:buFont typeface="Arial" panose="020B0604020202020204" pitchFamily="34" charset="0"/>
-              <a:buChar char="•"/>
-            </a:pPr>
-            <a:r>
-              <a:rPr lang="en-US" dirty="0">
-                <a:solidFill>
-                  <a:srgbClr val="3C4043"/>
-                </a:solidFill>
-                <a:latin typeface="Arial" panose="020B0604020202020204" pitchFamily="34" charset="0"/>
-              </a:rPr>
-              <a:t> </a:t>
-            </a:r>
-            <a:r>
-              <a:rPr lang="en-US" dirty="0" err="1">
-                <a:solidFill>
-                  <a:srgbClr val="3C4043"/>
-                </a:solidFill>
-                <a:latin typeface="Arial" panose="020B0604020202020204" pitchFamily="34" charset="0"/>
-              </a:rPr>
-              <a:t>online_order</a:t>
-            </a:r>
-            <a:r>
-              <a:rPr lang="en-US" dirty="0">
-                <a:solidFill>
-                  <a:srgbClr val="3C4043"/>
-                </a:solidFill>
-                <a:latin typeface="Arial" panose="020B0604020202020204" pitchFamily="34" charset="0"/>
-              </a:rPr>
-              <a:t> - Is the transaction an online order?</a:t>
-            </a:r>
-            <a:endParaRPr lang="en-US" dirty="0">
-              <a:solidFill>
-                <a:srgbClr val="3C4043"/>
-              </a:solidFill>
-              <a:latin typeface="Arial" panose="020B0604020202020204" pitchFamily="34" charset="0"/>
-            </a:endParaRPr>
-          </a:p>
-          <a:p>
-            <a:pPr fontAlgn="base">
-              <a:buFont typeface="Arial" panose="020B0604020202020204" pitchFamily="34" charset="0"/>
-              <a:buChar char="•"/>
-            </a:pPr>
-            <a:endParaRPr lang="en-US" dirty="0">
-              <a:solidFill>
-                <a:srgbClr val="3C4043"/>
-              </a:solidFill>
-              <a:latin typeface="Arial" panose="020B0604020202020204" pitchFamily="34" charset="0"/>
-            </a:endParaRPr>
-          </a:p>
-          <a:p>
-            <a:pPr fontAlgn="base">
-              <a:buFont typeface="Arial" panose="020B0604020202020204" pitchFamily="34" charset="0"/>
-              <a:buChar char="•"/>
-            </a:pPr>
-            <a:r>
-              <a:rPr lang="en-US" dirty="0">
-                <a:solidFill>
-                  <a:srgbClr val="3C4043"/>
-                </a:solidFill>
-                <a:latin typeface="Arial" panose="020B0604020202020204" pitchFamily="34" charset="0"/>
-              </a:rPr>
-              <a:t> fraud - Is the transaction fraudulent.</a:t>
-            </a:r>
-            <a:endParaRPr lang="en-US" dirty="0">
-              <a:solidFill>
-                <a:srgbClr val="3C4043"/>
-              </a:solidFill>
-              <a:latin typeface="Arial" panose="020B0604020202020204" pitchFamily="34" charset="0"/>
-            </a:endParaRPr>
-          </a:p>
-        </p:txBody>
-      </p:sp>
-    </p:spTree>
-  </p:cSld>
-  <p:clrMapOvr>
-    <a:masterClrMapping/>
-  </p:clrMapOvr>
-</p:sld>
-</file>
-
-<file path=ppt/slides/slide7.xml><?xml version="1.0" encoding="utf-8"?>
-<p:sld xmlns:a="http://schemas.openxmlformats.org/drawingml/2006/main" xmlns:r="http://schemas.openxmlformats.org/officeDocument/2006/relationships" xmlns:p="http://schemas.openxmlformats.org/presentationml/2006/main">
-  <p:cSld>
-    <p:spTree>
-      <p:nvGrpSpPr>
-        <p:cNvPr id="1" name=""/>
-        <p:cNvGrpSpPr/>
-        <p:nvPr/>
-      </p:nvGrpSpPr>
-      <p:grpSpPr>
-        <a:xfrm>
-          <a:off x="0" y="0"/>
-          <a:ext cx="0" cy="0"/>
-          <a:chOff x="0" y="0"/>
-          <a:chExt cx="0" cy="0"/>
-        </a:xfrm>
-      </p:grpSpPr>
-      <p:sp>
-        <p:nvSpPr>
-          <p:cNvPr id="2" name="Shape 0"/>
-          <p:cNvSpPr/>
-          <p:nvPr/>
-        </p:nvSpPr>
-        <p:spPr>
-          <a:xfrm>
-            <a:off x="0" y="457200"/>
-            <a:ext cx="4019550" cy="233363"/>
-          </a:xfrm>
-          <a:prstGeom prst="rect">
-            <a:avLst/>
-          </a:prstGeom>
-          <a:solidFill>
-            <a:srgbClr val="A5DDFF"/>
-          </a:solidFill>
-        </p:spPr>
-        <p:txBody>
-          <a:bodyPr/>
-          <a:lstStyle/>
-          <a:p>
-            <a:endParaRPr lang="en-US"/>
-          </a:p>
-        </p:txBody>
-      </p:sp>
-      <p:sp>
-        <p:nvSpPr>
-          <p:cNvPr id="3" name="Text 1"/>
-          <p:cNvSpPr/>
-          <p:nvPr/>
-        </p:nvSpPr>
-        <p:spPr>
-          <a:xfrm>
-            <a:off x="762000" y="138113"/>
-            <a:ext cx="8130540" cy="552450"/>
-          </a:xfrm>
-          <a:prstGeom prst="rect">
-            <a:avLst/>
-          </a:prstGeom>
-          <a:noFill/>
-        </p:spPr>
-        <p:txBody>
-          <a:bodyPr wrap="square" rtlCol="0" anchor="ctr"/>
-          <a:lstStyle/>
-          <a:p>
-            <a:pPr marL="0" indent="0">
-              <a:buNone/>
-            </a:pPr>
-            <a:r>
-              <a:rPr lang="en-US" sz="2625" b="1" dirty="0">
-                <a:solidFill>
-                  <a:srgbClr val="002A85"/>
-                </a:solidFill>
-                <a:latin typeface="Noto Sans SC" pitchFamily="34" charset="0"/>
-                <a:ea typeface="Noto Sans SC" pitchFamily="34" charset="-122"/>
-              </a:rPr>
-              <a:t>Gradient boosting</a:t>
-            </a:r>
-            <a:endParaRPr lang="en-US" sz="2625" dirty="0"/>
-          </a:p>
-        </p:txBody>
-      </p:sp>
-      <p:sp>
-        <p:nvSpPr>
-          <p:cNvPr id="4" name="Text 2"/>
-          <p:cNvSpPr/>
-          <p:nvPr/>
-        </p:nvSpPr>
-        <p:spPr>
-          <a:xfrm>
-            <a:off x="762000" y="1304925"/>
-            <a:ext cx="7715250" cy="3452813"/>
-          </a:xfrm>
-          <a:prstGeom prst="rect">
-            <a:avLst/>
-          </a:prstGeom>
-          <a:noFill/>
-        </p:spPr>
-        <p:txBody>
-          <a:bodyPr wrap="square" rtlCol="0" anchor="t"/>
-          <a:lstStyle/>
-          <a:p>
-            <a:pPr marL="342900" indent="-342900" algn="l">
-              <a:lnSpc>
-                <a:spcPct val="150000"/>
-              </a:lnSpc>
-              <a:buSzPct val="100000"/>
-              <a:buChar char="•"/>
-            </a:pPr>
-            <a:r>
-              <a:rPr lang="en-US" sz="1680" dirty="0"/>
-              <a:t>In Gradient boosted decision tree(GBDT), the k-</a:t>
-            </a:r>
-            <a:r>
-              <a:rPr lang="en-US" sz="1680" dirty="0" err="1"/>
-              <a:t>th</a:t>
-            </a:r>
-            <a:r>
-              <a:rPr lang="en-US" sz="1680" dirty="0"/>
-              <a:t> tree is used to fit the negative derivative of the loss function with respect to the current model’s prediction.</a:t>
-            </a:r>
-            <a:endParaRPr lang="en-US" sz="1680" dirty="0"/>
-          </a:p>
-          <a:p>
-            <a:pPr marL="342900" indent="-342900" algn="l">
-              <a:lnSpc>
-                <a:spcPct val="150000"/>
-              </a:lnSpc>
-              <a:buSzPct val="100000"/>
-              <a:buChar char="•"/>
-            </a:pPr>
-            <a:r>
-              <a:rPr lang="en-US" sz="1680" dirty="0"/>
-              <a:t>The current model’s prediction for each observation is the weighted sum of the first k-1 trees.</a:t>
-            </a:r>
-            <a:endParaRPr lang="en-US" sz="1680" dirty="0"/>
-          </a:p>
-          <a:p>
-            <a:pPr marL="342900" indent="-342900" algn="l">
-              <a:lnSpc>
-                <a:spcPct val="150000"/>
-              </a:lnSpc>
-              <a:buSzPct val="100000"/>
-              <a:buChar char="•"/>
-            </a:pPr>
-            <a:r>
-              <a:rPr lang="en-US" sz="1680" dirty="0"/>
-              <a:t>If we use MSE as the loss function in a regression task, the derivative for each observation is simply the residual between true label value and predicted value.</a:t>
-            </a:r>
-            <a:endParaRPr lang="en-US" sz="1680" dirty="0"/>
-          </a:p>
-          <a:p>
-            <a:pPr marL="342900" indent="-342900" algn="l">
-              <a:lnSpc>
-                <a:spcPct val="150000"/>
-              </a:lnSpc>
-              <a:buSzPct val="100000"/>
-              <a:buChar char="•"/>
-            </a:pPr>
-            <a:endParaRPr lang="en-US" sz="1680" dirty="0"/>
-          </a:p>
-        </p:txBody>
-      </p:sp>
-    </p:spTree>
-  </p:cSld>
-  <p:clrMapOvr>
-    <a:masterClrMapping/>
-  </p:clrMapOvr>
-</p:sld>
-</file>
-
-<file path=ppt/slides/slide8.xml><?xml version="1.0" encoding="utf-8"?>
-<p:sld xmlns:a="http://schemas.openxmlformats.org/drawingml/2006/main" xmlns:r="http://schemas.openxmlformats.org/officeDocument/2006/relationships" xmlns:p="http://schemas.openxmlformats.org/presentationml/2006/main">
-  <p:cSld>
-    <p:spTree>
-      <p:nvGrpSpPr>
-        <p:cNvPr id="1" name=""/>
-        <p:cNvGrpSpPr/>
-        <p:nvPr/>
-      </p:nvGrpSpPr>
-      <p:grpSpPr>
-        <a:xfrm>
-          <a:off x="0" y="0"/>
-          <a:ext cx="0" cy="0"/>
-          <a:chOff x="0" y="0"/>
-          <a:chExt cx="0" cy="0"/>
-        </a:xfrm>
-      </p:grpSpPr>
-      <p:sp>
-        <p:nvSpPr>
-          <p:cNvPr id="2" name="Shape 0"/>
-          <p:cNvSpPr/>
-          <p:nvPr/>
-        </p:nvSpPr>
-        <p:spPr>
-          <a:xfrm>
-            <a:off x="0" y="457200"/>
-            <a:ext cx="4019550" cy="233363"/>
-          </a:xfrm>
-          <a:prstGeom prst="rect">
-            <a:avLst/>
-          </a:prstGeom>
-          <a:solidFill>
-            <a:srgbClr val="A5DDFF"/>
-          </a:solidFill>
-        </p:spPr>
-        <p:txBody>
-          <a:bodyPr/>
-          <a:lstStyle/>
-          <a:p>
-            <a:endParaRPr lang="en-US"/>
-          </a:p>
-        </p:txBody>
-      </p:sp>
-      <p:sp>
-        <p:nvSpPr>
-          <p:cNvPr id="3" name="Text 1"/>
-          <p:cNvSpPr/>
-          <p:nvPr/>
-        </p:nvSpPr>
-        <p:spPr>
-          <a:xfrm>
-            <a:off x="762000" y="138113"/>
-            <a:ext cx="8130540" cy="552450"/>
-          </a:xfrm>
-          <a:prstGeom prst="rect">
-            <a:avLst/>
-          </a:prstGeom>
-          <a:noFill/>
-        </p:spPr>
-        <p:txBody>
-          <a:bodyPr wrap="square" rtlCol="0" anchor="ctr"/>
-          <a:lstStyle/>
-          <a:p>
-            <a:pPr marL="0" indent="0">
-              <a:buNone/>
-            </a:pPr>
-            <a:r>
-              <a:rPr lang="en-US" sz="2625" b="1" dirty="0" err="1">
-                <a:solidFill>
-                  <a:srgbClr val="002A85"/>
-                </a:solidFill>
-                <a:latin typeface="Noto Sans SC" pitchFamily="34" charset="0"/>
-                <a:ea typeface="Noto Sans SC" pitchFamily="34" charset="-122"/>
-                <a:cs typeface="Noto Sans SC" pitchFamily="34" charset="-120"/>
-              </a:rPr>
-              <a:t>XGBoost</a:t>
-            </a:r>
-            <a:endParaRPr lang="en-US" sz="2625" dirty="0"/>
-          </a:p>
-        </p:txBody>
-      </p:sp>
-      <mc:AlternateContent xmlns:mc="http://schemas.openxmlformats.org/markup-compatibility/2006">
-        <mc:Choice xmlns:a14="http://schemas.microsoft.com/office/drawing/2010/main" Requires="a14">
+      <mc:AlternateContent xmlns:mc="http://schemas.openxmlformats.org/markup-compatibility/2006" xmlns:a14="http://schemas.microsoft.com/office/drawing/2010/main">
+        <mc:Choice Requires="a14">
           <p:sp>
             <p:nvSpPr>
               <p:cNvPr id="4" name="Text 2"/>
@@ -4001,7 +2202,6 @@
                   <a:rPr lang="en-US" sz="1680" dirty="0"/>
                   <a:t>Advantages over GBDT:</a:t>
                 </a:r>
-                <a:endParaRPr lang="en-US" sz="1680" dirty="0"/>
               </a:p>
               <a:p>
                 <a:pPr marL="342900" indent="-342900" algn="l">
@@ -4048,13 +2248,7 @@
                           <a:rPr lang="en-US" sz="1680" b="0" i="1" smtClean="0">
                             <a:latin typeface="Cambria Math" panose="02040503050406030204" pitchFamily="18" charset="0"/>
                           </a:rPr>
-                          <m:t>=</m:t>
-                        </m:r>
-                        <m:r>
-                          <a:rPr lang="en-US" sz="1680" b="0" i="1" smtClean="0">
-                            <a:latin typeface="Cambria Math" panose="02040503050406030204" pitchFamily="18" charset="0"/>
-                          </a:rPr>
-                          <m:t>1</m:t>
+                          <m:t>=1</m:t>
                         </m:r>
                       </m:sub>
                       <m:sup>
@@ -4120,6 +2314,7 @@
                           <m:e>
                             <m:acc>
                               <m:accPr>
+                                <m:chr m:val="̂"/>
                                 <m:ctrlPr>
                                   <a:rPr lang="en-US" sz="1680" b="0" i="1" smtClean="0">
                                     <a:latin typeface="Cambria Math" panose="02040503050406030204" pitchFamily="18" charset="0"/>
@@ -4190,13 +2385,7 @@
                           <a:rPr lang="en-US" sz="1680" b="0" i="1" smtClean="0">
                             <a:latin typeface="Cambria Math" panose="02040503050406030204" pitchFamily="18" charset="0"/>
                           </a:rPr>
-                          <m:t>=</m:t>
-                        </m:r>
-                        <m:r>
-                          <a:rPr lang="en-US" sz="1680" b="0" i="1" smtClean="0">
-                            <a:latin typeface="Cambria Math" panose="02040503050406030204" pitchFamily="18" charset="0"/>
-                          </a:rPr>
-                          <m:t>1</m:t>
+                          <m:t>=1</m:t>
                         </m:r>
                       </m:sub>
                       <m:sup>
@@ -4275,7 +2464,6 @@
                   <a:rPr lang="en-US" sz="1680" dirty="0"/>
                   <a:t>Add a regularized term in the objective function to avoid overfitting</a:t>
                 </a:r>
-                <a:endParaRPr lang="en-US" sz="1680" dirty="0"/>
               </a:p>
               <a:p>
                 <a:pPr marL="342900" indent="-342900" algn="l">
@@ -4289,7 +2477,6 @@
                   <a:rPr lang="en-US" sz="1680" dirty="0"/>
                   <a:t>Use second-order Taylor expansion to approximate the objective function</a:t>
                 </a:r>
-                <a:endParaRPr lang="en-US" sz="1680" dirty="0"/>
               </a:p>
               <a:p>
                 <a:pPr marL="342900" indent="-342900" algn="l">
@@ -4328,13 +2515,7 @@
                           <a:rPr lang="en-US" sz="1680" b="0" i="1" smtClean="0">
                             <a:latin typeface="Cambria Math" panose="02040503050406030204" pitchFamily="18" charset="0"/>
                           </a:rPr>
-                          <m:t>=</m:t>
-                        </m:r>
-                        <m:r>
-                          <a:rPr lang="en-US" sz="1680" b="0" i="1" smtClean="0">
-                            <a:latin typeface="Cambria Math" panose="02040503050406030204" pitchFamily="18" charset="0"/>
-                          </a:rPr>
-                          <m:t>1</m:t>
+                          <m:t>=1</m:t>
                         </m:r>
                       </m:sub>
                       <m:sup>
@@ -4487,7 +2668,7 @@
                                   <a:rPr lang="en-US" sz="1680" b="0" i="1" smtClean="0">
                                     <a:latin typeface="Cambria Math" panose="02040503050406030204" pitchFamily="18" charset="0"/>
                                   </a:rPr>
-                                  <m:t>ℎ</m:t>
+                                  <m:t>h</m:t>
                                 </m:r>
                               </m:e>
                               <m:sub>
@@ -4644,7 +2825,6 @@
                   <a:rPr lang="en-US" sz="1680" dirty="0"/>
                   <a:t>Consistent form for every loss function</a:t>
                 </a:r>
-                <a:endParaRPr lang="en-US" sz="1680" dirty="0"/>
               </a:p>
               <a:p>
                 <a:pPr marL="342900" indent="-342900" algn="l">
@@ -4658,7 +2838,6 @@
                   <a:rPr lang="en-US" sz="1680" dirty="0"/>
                   <a:t>When building each single tree, use parallel computing to improve efficiency</a:t>
                 </a:r>
-                <a:endParaRPr lang="en-US" sz="1680" dirty="0"/>
               </a:p>
               <a:p>
                 <a:pPr marL="342900" indent="-342900" algn="l">
@@ -4688,12 +2867,11 @@
                   <a:rPr lang="en-US" sz="1680" dirty="0"/>
                   <a:t>random forest</a:t>
                 </a:r>
-                <a:endParaRPr lang="en-US" sz="1680" dirty="0"/>
               </a:p>
             </p:txBody>
           </p:sp>
         </mc:Choice>
-        <mc:Fallback>
+        <mc:Fallback xmlns="">
           <p:sp>
             <p:nvSpPr>
               <p:cNvPr id="4" name="Text 2"/>
@@ -4711,7 +2889,7 @@
                 <a:avLst/>
               </a:prstGeom>
               <a:blipFill rotWithShape="1">
-                <a:blip r:embed="rId1"/>
+                <a:blip r:embed="rId3"/>
                 <a:stretch>
                   <a:fillRect t="-5" b="-19848"/>
                 </a:stretch>
@@ -4740,6 +2918,2780 @@
 </p:sld>
 </file>
 
+<file path=ppt/slides/slide12.xml><?xml version="1.0" encoding="utf-8"?>
+<p:sld xmlns:a="http://schemas.openxmlformats.org/drawingml/2006/main" xmlns:r="http://schemas.openxmlformats.org/officeDocument/2006/relationships" xmlns:p="http://schemas.openxmlformats.org/presentationml/2006/main">
+  <p:cSld>
+    <p:spTree>
+      <p:nvGrpSpPr>
+        <p:cNvPr id="1" name=""/>
+        <p:cNvGrpSpPr/>
+        <p:nvPr/>
+      </p:nvGrpSpPr>
+      <p:grpSpPr>
+        <a:xfrm>
+          <a:off x="0" y="0"/>
+          <a:ext cx="0" cy="0"/>
+          <a:chOff x="0" y="0"/>
+          <a:chExt cx="0" cy="0"/>
+        </a:xfrm>
+      </p:grpSpPr>
+      <p:sp>
+        <p:nvSpPr>
+          <p:cNvPr id="2" name="Shape 0"/>
+          <p:cNvSpPr/>
+          <p:nvPr/>
+        </p:nvSpPr>
+        <p:spPr>
+          <a:xfrm>
+            <a:off x="0" y="457200"/>
+            <a:ext cx="4019550" cy="233363"/>
+          </a:xfrm>
+          <a:prstGeom prst="rect">
+            <a:avLst/>
+          </a:prstGeom>
+          <a:solidFill>
+            <a:srgbClr val="A5DDFF"/>
+          </a:solidFill>
+        </p:spPr>
+        <p:txBody>
+          <a:bodyPr/>
+          <a:lstStyle/>
+          <a:p>
+            <a:endParaRPr lang="en-US"/>
+          </a:p>
+        </p:txBody>
+      </p:sp>
+      <p:sp>
+        <p:nvSpPr>
+          <p:cNvPr id="3" name="Text 1"/>
+          <p:cNvSpPr/>
+          <p:nvPr/>
+        </p:nvSpPr>
+        <p:spPr>
+          <a:xfrm>
+            <a:off x="762000" y="117641"/>
+            <a:ext cx="8130540" cy="552450"/>
+          </a:xfrm>
+          <a:prstGeom prst="rect">
+            <a:avLst/>
+          </a:prstGeom>
+          <a:noFill/>
+        </p:spPr>
+        <p:txBody>
+          <a:bodyPr wrap="square" rtlCol="0" anchor="ctr"/>
+          <a:lstStyle/>
+          <a:p>
+            <a:pPr marL="0" indent="0">
+              <a:buNone/>
+            </a:pPr>
+            <a:r>
+              <a:rPr lang="en-US" sz="2630" b="1" dirty="0" err="1">
+                <a:solidFill>
+                  <a:srgbClr val="002A85"/>
+                </a:solidFill>
+                <a:latin typeface="Noto Sans SC" pitchFamily="34" charset="0"/>
+                <a:ea typeface="Noto Sans SC" pitchFamily="34" charset="-122"/>
+              </a:rPr>
+              <a:t>XGBoost</a:t>
+            </a:r>
+            <a:r>
+              <a:rPr lang="en-US" sz="2630" b="1" dirty="0">
+                <a:solidFill>
+                  <a:srgbClr val="002A85"/>
+                </a:solidFill>
+                <a:latin typeface="Noto Sans SC" pitchFamily="34" charset="0"/>
+                <a:ea typeface="Noto Sans SC" pitchFamily="34" charset="-122"/>
+              </a:rPr>
+              <a:t> in R: Preparation</a:t>
+            </a:r>
+            <a:endParaRPr lang="en-US" sz="2630" dirty="0"/>
+          </a:p>
+        </p:txBody>
+      </p:sp>
+      <p:sp>
+        <p:nvSpPr>
+          <p:cNvPr id="4" name="Text 2"/>
+          <p:cNvSpPr/>
+          <p:nvPr/>
+        </p:nvSpPr>
+        <p:spPr>
+          <a:xfrm>
+            <a:off x="399415" y="669925"/>
+            <a:ext cx="7715250" cy="3452813"/>
+          </a:xfrm>
+          <a:prstGeom prst="rect">
+            <a:avLst/>
+          </a:prstGeom>
+          <a:noFill/>
+        </p:spPr>
+        <p:txBody>
+          <a:bodyPr wrap="square" rtlCol="0" anchor="t"/>
+          <a:lstStyle/>
+          <a:p>
+            <a:pPr algn="l">
+              <a:lnSpc>
+                <a:spcPct val="150000"/>
+              </a:lnSpc>
+              <a:buSzPct val="100000"/>
+            </a:pPr>
+            <a:r>
+              <a:rPr lang="en-US" sz="1400" dirty="0">
+                <a:solidFill>
+                  <a:srgbClr val="383838"/>
+                </a:solidFill>
+                <a:latin typeface="Noto Sans SC" pitchFamily="34" charset="0"/>
+                <a:ea typeface="Noto Sans SC" pitchFamily="34" charset="-122"/>
+                <a:cs typeface="Noto Sans SC" pitchFamily="34" charset="-120"/>
+              </a:rPr>
+              <a:t>The first step involves installing and loading the 'xgboost' package in R. </a:t>
+            </a:r>
+          </a:p>
+          <a:p>
+            <a:pPr algn="l">
+              <a:lnSpc>
+                <a:spcPct val="150000"/>
+              </a:lnSpc>
+              <a:buSzPct val="100000"/>
+            </a:pPr>
+            <a:endParaRPr lang="en-US" sz="1400" dirty="0">
+              <a:solidFill>
+                <a:srgbClr val="383838"/>
+              </a:solidFill>
+              <a:latin typeface="Noto Sans SC" pitchFamily="34" charset="0"/>
+              <a:ea typeface="Noto Sans SC" pitchFamily="34" charset="-122"/>
+              <a:cs typeface="Noto Sans SC" pitchFamily="34" charset="-120"/>
+            </a:endParaRPr>
+          </a:p>
+          <a:p>
+            <a:pPr algn="l">
+              <a:lnSpc>
+                <a:spcPct val="150000"/>
+              </a:lnSpc>
+              <a:buSzPct val="100000"/>
+            </a:pPr>
+            <a:r>
+              <a:rPr lang="en-US" sz="1400" dirty="0">
+                <a:solidFill>
+                  <a:srgbClr val="383838"/>
+                </a:solidFill>
+                <a:latin typeface="Noto Sans SC" pitchFamily="34" charset="0"/>
+                <a:ea typeface="Noto Sans SC" pitchFamily="34" charset="-122"/>
+                <a:cs typeface="Noto Sans SC" pitchFamily="34" charset="-120"/>
+              </a:rPr>
+              <a:t>Subsequently, we split the data into 3 parts: training (60%), validation (20%), and testing (20%). </a:t>
+            </a:r>
+          </a:p>
+          <a:p>
+            <a:pPr algn="l">
+              <a:lnSpc>
+                <a:spcPct val="150000"/>
+              </a:lnSpc>
+              <a:buSzPct val="100000"/>
+            </a:pPr>
+            <a:endParaRPr lang="en-US" sz="1400" dirty="0">
+              <a:solidFill>
+                <a:srgbClr val="383838"/>
+              </a:solidFill>
+              <a:latin typeface="Noto Sans SC" pitchFamily="34" charset="0"/>
+              <a:ea typeface="Noto Sans SC" pitchFamily="34" charset="-122"/>
+              <a:cs typeface="Noto Sans SC" pitchFamily="34" charset="-120"/>
+            </a:endParaRPr>
+          </a:p>
+          <a:p>
+            <a:pPr algn="l">
+              <a:lnSpc>
+                <a:spcPct val="150000"/>
+              </a:lnSpc>
+              <a:buSzPct val="100000"/>
+            </a:pPr>
+            <a:r>
+              <a:rPr lang="en-US" sz="1400" dirty="0">
+                <a:solidFill>
+                  <a:srgbClr val="383838"/>
+                </a:solidFill>
+                <a:latin typeface="Noto Sans SC" pitchFamily="34" charset="0"/>
+                <a:ea typeface="Noto Sans SC" pitchFamily="34" charset="-122"/>
+                <a:cs typeface="Noto Sans SC" pitchFamily="34" charset="-120"/>
+              </a:rPr>
+              <a:t>These segments are then transformed into DMatrix objects, an efficient data structure for the xgboost algorithm, by using xgb.DMatrix() function.</a:t>
+            </a:r>
+          </a:p>
+          <a:p>
+            <a:pPr algn="l">
+              <a:lnSpc>
+                <a:spcPct val="150000"/>
+              </a:lnSpc>
+              <a:buSzPct val="100000"/>
+            </a:pPr>
+            <a:endParaRPr lang="en-US" sz="1400" dirty="0">
+              <a:solidFill>
+                <a:srgbClr val="383838"/>
+              </a:solidFill>
+              <a:latin typeface="Noto Sans SC" pitchFamily="34" charset="0"/>
+              <a:ea typeface="Noto Sans SC" pitchFamily="34" charset="-122"/>
+              <a:cs typeface="Noto Sans SC" pitchFamily="34" charset="-120"/>
+            </a:endParaRPr>
+          </a:p>
+        </p:txBody>
+      </p:sp>
+      <p:pic>
+        <p:nvPicPr>
+          <p:cNvPr id="7" name="图片 6"/>
+          <p:cNvPicPr>
+            <a:picLocks noChangeAspect="1"/>
+          </p:cNvPicPr>
+          <p:nvPr/>
+        </p:nvPicPr>
+        <p:blipFill>
+          <a:blip r:embed="rId3"/>
+          <a:stretch>
+            <a:fillRect/>
+          </a:stretch>
+        </p:blipFill>
+        <p:spPr>
+          <a:xfrm>
+            <a:off x="513715" y="3261360"/>
+            <a:ext cx="5927725" cy="1736090"/>
+          </a:xfrm>
+          <a:prstGeom prst="rect">
+            <a:avLst/>
+          </a:prstGeom>
+        </p:spPr>
+      </p:pic>
+    </p:spTree>
+  </p:cSld>
+  <p:clrMapOvr>
+    <a:masterClrMapping/>
+  </p:clrMapOvr>
+</p:sld>
+</file>
+
+<file path=ppt/slides/slide13.xml><?xml version="1.0" encoding="utf-8"?>
+<p:sld xmlns:a="http://schemas.openxmlformats.org/drawingml/2006/main" xmlns:r="http://schemas.openxmlformats.org/officeDocument/2006/relationships" xmlns:p="http://schemas.openxmlformats.org/presentationml/2006/main">
+  <p:cSld>
+    <p:spTree>
+      <p:nvGrpSpPr>
+        <p:cNvPr id="1" name=""/>
+        <p:cNvGrpSpPr/>
+        <p:nvPr/>
+      </p:nvGrpSpPr>
+      <p:grpSpPr>
+        <a:xfrm>
+          <a:off x="0" y="0"/>
+          <a:ext cx="0" cy="0"/>
+          <a:chOff x="0" y="0"/>
+          <a:chExt cx="0" cy="0"/>
+        </a:xfrm>
+      </p:grpSpPr>
+      <p:sp>
+        <p:nvSpPr>
+          <p:cNvPr id="2" name="Shape 0"/>
+          <p:cNvSpPr/>
+          <p:nvPr/>
+        </p:nvSpPr>
+        <p:spPr>
+          <a:xfrm>
+            <a:off x="0" y="457200"/>
+            <a:ext cx="4019550" cy="233363"/>
+          </a:xfrm>
+          <a:prstGeom prst="rect">
+            <a:avLst/>
+          </a:prstGeom>
+          <a:solidFill>
+            <a:srgbClr val="A5DDFF"/>
+          </a:solidFill>
+        </p:spPr>
+      </p:sp>
+      <p:sp>
+        <p:nvSpPr>
+          <p:cNvPr id="3" name="Text 1"/>
+          <p:cNvSpPr/>
+          <p:nvPr/>
+        </p:nvSpPr>
+        <p:spPr>
+          <a:xfrm>
+            <a:off x="762000" y="138113"/>
+            <a:ext cx="8130540" cy="552450"/>
+          </a:xfrm>
+          <a:prstGeom prst="rect">
+            <a:avLst/>
+          </a:prstGeom>
+          <a:noFill/>
+        </p:spPr>
+        <p:txBody>
+          <a:bodyPr wrap="square" rtlCol="0" anchor="ctr"/>
+          <a:lstStyle/>
+          <a:p>
+            <a:pPr marL="0" indent="0">
+              <a:buNone/>
+            </a:pPr>
+            <a:r>
+              <a:rPr lang="en-US" sz="2625" b="1" dirty="0" err="1">
+                <a:solidFill>
+                  <a:srgbClr val="002A85"/>
+                </a:solidFill>
+                <a:latin typeface="Noto Sans SC" pitchFamily="34" charset="0"/>
+                <a:ea typeface="Noto Sans SC" pitchFamily="34" charset="-122"/>
+                <a:cs typeface="Noto Sans SC" pitchFamily="34" charset="-120"/>
+              </a:rPr>
+              <a:t>XGBoost</a:t>
+            </a:r>
+            <a:r>
+              <a:rPr lang="en-US" sz="2625" b="1" dirty="0">
+                <a:solidFill>
+                  <a:srgbClr val="002A85"/>
+                </a:solidFill>
+                <a:latin typeface="Noto Sans SC" pitchFamily="34" charset="0"/>
+                <a:ea typeface="Noto Sans SC" pitchFamily="34" charset="-122"/>
+                <a:cs typeface="Noto Sans SC" pitchFamily="34" charset="-120"/>
+              </a:rPr>
+              <a:t> in R: Model Training</a:t>
+            </a:r>
+            <a:endParaRPr lang="en-US" sz="2625" dirty="0"/>
+          </a:p>
+        </p:txBody>
+      </p:sp>
+      <p:sp>
+        <p:nvSpPr>
+          <p:cNvPr id="4" name="Text 2"/>
+          <p:cNvSpPr/>
+          <p:nvPr/>
+        </p:nvSpPr>
+        <p:spPr>
+          <a:xfrm>
+            <a:off x="762000" y="1304925"/>
+            <a:ext cx="5011420" cy="949325"/>
+          </a:xfrm>
+          <a:prstGeom prst="rect">
+            <a:avLst/>
+          </a:prstGeom>
+          <a:noFill/>
+        </p:spPr>
+        <p:txBody>
+          <a:bodyPr wrap="square" rtlCol="0" anchor="t"/>
+          <a:lstStyle/>
+          <a:p>
+            <a:pPr algn="l">
+              <a:lnSpc>
+                <a:spcPct val="150000"/>
+              </a:lnSpc>
+              <a:buSzPct val="100000"/>
+            </a:pPr>
+            <a:endParaRPr lang="en-US" sz="1680" dirty="0">
+              <a:solidFill>
+                <a:srgbClr val="383838"/>
+              </a:solidFill>
+              <a:latin typeface="Noto Sans SC" pitchFamily="34" charset="0"/>
+              <a:ea typeface="Noto Sans SC" pitchFamily="34" charset="-122"/>
+            </a:endParaRPr>
+          </a:p>
+        </p:txBody>
+      </p:sp>
+      <p:pic>
+        <p:nvPicPr>
+          <p:cNvPr id="5" name="图片 4"/>
+          <p:cNvPicPr>
+            <a:picLocks noChangeAspect="1"/>
+          </p:cNvPicPr>
+          <p:nvPr/>
+        </p:nvPicPr>
+        <p:blipFill>
+          <a:blip r:embed="rId3"/>
+          <a:stretch>
+            <a:fillRect/>
+          </a:stretch>
+        </p:blipFill>
+        <p:spPr>
+          <a:xfrm>
+            <a:off x="137160" y="2974975"/>
+            <a:ext cx="6038215" cy="1838960"/>
+          </a:xfrm>
+          <a:prstGeom prst="rect">
+            <a:avLst/>
+          </a:prstGeom>
+        </p:spPr>
+      </p:pic>
+      <p:pic>
+        <p:nvPicPr>
+          <p:cNvPr id="8" name="图片 7"/>
+          <p:cNvPicPr>
+            <a:picLocks noChangeAspect="1"/>
+          </p:cNvPicPr>
+          <p:nvPr/>
+        </p:nvPicPr>
+        <p:blipFill>
+          <a:blip r:embed="rId4"/>
+          <a:stretch>
+            <a:fillRect/>
+          </a:stretch>
+        </p:blipFill>
+        <p:spPr>
+          <a:xfrm>
+            <a:off x="6323330" y="2974975"/>
+            <a:ext cx="2760980" cy="1368425"/>
+          </a:xfrm>
+          <a:prstGeom prst="rect">
+            <a:avLst/>
+          </a:prstGeom>
+        </p:spPr>
+      </p:pic>
+      <p:sp>
+        <p:nvSpPr>
+          <p:cNvPr id="9" name="文本框 8"/>
+          <p:cNvSpPr txBox="1"/>
+          <p:nvPr/>
+        </p:nvSpPr>
+        <p:spPr>
+          <a:xfrm>
+            <a:off x="137160" y="690880"/>
+            <a:ext cx="8696325" cy="2245360"/>
+          </a:xfrm>
+          <a:prstGeom prst="rect">
+            <a:avLst/>
+          </a:prstGeom>
+          <a:noFill/>
+        </p:spPr>
+        <p:txBody>
+          <a:bodyPr wrap="square" rtlCol="0">
+            <a:spAutoFit/>
+          </a:bodyPr>
+          <a:lstStyle/>
+          <a:p>
+            <a:pPr marL="285750" indent="-285750">
+              <a:buFont typeface="Arial" panose="020B0604020202020204" pitchFamily="34" charset="0"/>
+              <a:buChar char="•"/>
+            </a:pPr>
+            <a:r>
+              <a:rPr lang="en-US" altLang="zh-CN" sz="1400"/>
+              <a:t>objective: What’s your goal? In this case, we use ‘binary:logistic’ to predict the probability of having a fraud based on the predictor variables</a:t>
+            </a:r>
+          </a:p>
+          <a:p>
+            <a:pPr marL="285750" indent="-285750">
+              <a:buFont typeface="Arial" panose="020B0604020202020204" pitchFamily="34" charset="0"/>
+              <a:buChar char="•"/>
+            </a:pPr>
+            <a:r>
+              <a:rPr lang="en-US" altLang="zh-CN" sz="1400"/>
+              <a:t>eta: How fast to learn? default value 0.3</a:t>
+            </a:r>
+          </a:p>
+          <a:p>
+            <a:pPr marL="285750" indent="-285750">
+              <a:buFont typeface="Arial" panose="020B0604020202020204" pitchFamily="34" charset="0"/>
+              <a:buChar char="•"/>
+            </a:pPr>
+            <a:r>
+              <a:rPr lang="en-US" altLang="zh-CN" sz="1400"/>
+              <a:t>data: Training data in DMatrix structure</a:t>
+            </a:r>
+          </a:p>
+          <a:p>
+            <a:pPr marL="285750" indent="-285750">
+              <a:buFont typeface="Arial" panose="020B0604020202020204" pitchFamily="34" charset="0"/>
+              <a:buChar char="•"/>
+            </a:pPr>
+            <a:r>
+              <a:rPr lang="en-US" altLang="zh-CN" sz="1400"/>
+              <a:t>max.depth: The size of each tree and a rule of thumb is to use 2 or 3 to prevent overfitting</a:t>
+            </a:r>
+          </a:p>
+          <a:p>
+            <a:pPr marL="285750" indent="-285750">
+              <a:buFont typeface="Arial" panose="020B0604020202020204" pitchFamily="34" charset="0"/>
+              <a:buChar char="•"/>
+            </a:pPr>
+            <a:r>
+              <a:rPr lang="en-US" altLang="zh-CN" sz="1400"/>
+              <a:t>watchlist: Track model performance on training and validation data during the training process to prevent overfitting</a:t>
+            </a:r>
+          </a:p>
+          <a:p>
+            <a:pPr marL="285750" indent="-285750">
+              <a:buFont typeface="Arial" panose="020B0604020202020204" pitchFamily="34" charset="0"/>
+              <a:buChar char="•"/>
+            </a:pPr>
+            <a:r>
+              <a:rPr lang="en-US" altLang="zh-CN" sz="1400"/>
+              <a:t>nrounds: number of boosting rounds</a:t>
+            </a:r>
+          </a:p>
+          <a:p>
+            <a:pPr marL="285750" indent="-285750">
+              <a:buFont typeface="Arial" panose="020B0604020202020204" pitchFamily="34" charset="0"/>
+              <a:buChar char="•"/>
+            </a:pPr>
+            <a:r>
+              <a:rPr lang="en-US" altLang="zh-CN" sz="1400"/>
+              <a:t>early_stopping_rounds: Stop the training process if the model's accuracy on validation set hasn't improved for the specified number of rounds</a:t>
+            </a:r>
+          </a:p>
+        </p:txBody>
+      </p:sp>
+      <p:sp>
+        <p:nvSpPr>
+          <p:cNvPr id="10" name="文本框 9"/>
+          <p:cNvSpPr txBox="1"/>
+          <p:nvPr/>
+        </p:nvSpPr>
+        <p:spPr>
+          <a:xfrm>
+            <a:off x="6790055" y="4445635"/>
+            <a:ext cx="1827530" cy="306705"/>
+          </a:xfrm>
+          <a:prstGeom prst="rect">
+            <a:avLst/>
+          </a:prstGeom>
+          <a:noFill/>
+        </p:spPr>
+        <p:txBody>
+          <a:bodyPr wrap="none" rtlCol="0">
+            <a:spAutoFit/>
+          </a:bodyPr>
+          <a:lstStyle/>
+          <a:p>
+            <a:r>
+              <a:rPr lang="en-US" altLang="zh-CN" sz="1400"/>
+              <a:t>How watchlist works</a:t>
+            </a:r>
+          </a:p>
+        </p:txBody>
+      </p:sp>
+    </p:spTree>
+  </p:cSld>
+  <p:clrMapOvr>
+    <a:masterClrMapping/>
+  </p:clrMapOvr>
+</p:sld>
+</file>
+
+<file path=ppt/slides/slide14.xml><?xml version="1.0" encoding="utf-8"?>
+<p:sld xmlns:a="http://schemas.openxmlformats.org/drawingml/2006/main" xmlns:r="http://schemas.openxmlformats.org/officeDocument/2006/relationships" xmlns:p="http://schemas.openxmlformats.org/presentationml/2006/main">
+  <p:cSld>
+    <p:spTree>
+      <p:nvGrpSpPr>
+        <p:cNvPr id="1" name=""/>
+        <p:cNvGrpSpPr/>
+        <p:nvPr/>
+      </p:nvGrpSpPr>
+      <p:grpSpPr>
+        <a:xfrm>
+          <a:off x="0" y="0"/>
+          <a:ext cx="0" cy="0"/>
+          <a:chOff x="0" y="0"/>
+          <a:chExt cx="0" cy="0"/>
+        </a:xfrm>
+      </p:grpSpPr>
+      <p:sp>
+        <p:nvSpPr>
+          <p:cNvPr id="2" name="Shape 0"/>
+          <p:cNvSpPr/>
+          <p:nvPr/>
+        </p:nvSpPr>
+        <p:spPr>
+          <a:xfrm>
+            <a:off x="0" y="457200"/>
+            <a:ext cx="4019550" cy="233363"/>
+          </a:xfrm>
+          <a:prstGeom prst="rect">
+            <a:avLst/>
+          </a:prstGeom>
+          <a:solidFill>
+            <a:srgbClr val="A5DDFF"/>
+          </a:solidFill>
+        </p:spPr>
+      </p:sp>
+      <p:sp>
+        <p:nvSpPr>
+          <p:cNvPr id="3" name="Text 1"/>
+          <p:cNvSpPr/>
+          <p:nvPr/>
+        </p:nvSpPr>
+        <p:spPr>
+          <a:xfrm>
+            <a:off x="762000" y="138113"/>
+            <a:ext cx="8130540" cy="552450"/>
+          </a:xfrm>
+          <a:prstGeom prst="rect">
+            <a:avLst/>
+          </a:prstGeom>
+          <a:noFill/>
+        </p:spPr>
+        <p:txBody>
+          <a:bodyPr wrap="square" rtlCol="0" anchor="ctr"/>
+          <a:lstStyle/>
+          <a:p>
+            <a:pPr marL="0" indent="0">
+              <a:buNone/>
+            </a:pPr>
+            <a:r>
+              <a:rPr lang="en-US" sz="2630" b="1" dirty="0" err="1">
+                <a:solidFill>
+                  <a:srgbClr val="002A85"/>
+                </a:solidFill>
+                <a:latin typeface="Noto Sans SC" pitchFamily="34" charset="0"/>
+                <a:ea typeface="Noto Sans SC" pitchFamily="34" charset="-122"/>
+                <a:cs typeface="Noto Sans SC" pitchFamily="34" charset="-120"/>
+              </a:rPr>
+              <a:t>XGBoost</a:t>
+            </a:r>
+            <a:r>
+              <a:rPr lang="en-US" sz="2680" b="1" dirty="0">
+                <a:solidFill>
+                  <a:srgbClr val="002A85"/>
+                </a:solidFill>
+                <a:latin typeface="Noto Sans SC" pitchFamily="34" charset="0"/>
+                <a:ea typeface="Noto Sans SC" pitchFamily="34" charset="-122"/>
+                <a:cs typeface="Noto Sans SC" pitchFamily="34" charset="-120"/>
+              </a:rPr>
+              <a:t> in R: Result</a:t>
+            </a:r>
+            <a:endParaRPr lang="en-US" sz="2680" dirty="0"/>
+          </a:p>
+        </p:txBody>
+      </p:sp>
+      <p:sp>
+        <p:nvSpPr>
+          <p:cNvPr id="4" name="Text 2"/>
+          <p:cNvSpPr/>
+          <p:nvPr/>
+        </p:nvSpPr>
+        <p:spPr>
+          <a:xfrm>
+            <a:off x="762000" y="589093"/>
+            <a:ext cx="7715250" cy="4010878"/>
+          </a:xfrm>
+          <a:prstGeom prst="rect">
+            <a:avLst/>
+          </a:prstGeom>
+          <a:noFill/>
+        </p:spPr>
+        <p:txBody>
+          <a:bodyPr wrap="square" rtlCol="0" anchor="t"/>
+          <a:lstStyle/>
+          <a:p>
+            <a:pPr algn="l">
+              <a:lnSpc>
+                <a:spcPct val="150000"/>
+              </a:lnSpc>
+              <a:buSzPct val="100000"/>
+            </a:pPr>
+            <a:endParaRPr lang="en-US" sz="1680" dirty="0">
+              <a:solidFill>
+                <a:srgbClr val="383838"/>
+              </a:solidFill>
+              <a:latin typeface="Noto Sans SC" pitchFamily="34" charset="0"/>
+              <a:ea typeface="Noto Sans SC" pitchFamily="34" charset="-122"/>
+            </a:endParaRPr>
+          </a:p>
+          <a:p>
+            <a:pPr algn="l">
+              <a:lnSpc>
+                <a:spcPct val="150000"/>
+              </a:lnSpc>
+              <a:buSzPct val="100000"/>
+            </a:pPr>
+            <a:endParaRPr lang="en-US" sz="1680" dirty="0"/>
+          </a:p>
+          <a:p>
+            <a:pPr algn="l">
+              <a:lnSpc>
+                <a:spcPct val="150000"/>
+              </a:lnSpc>
+              <a:buSzPct val="100000"/>
+            </a:pPr>
+            <a:endParaRPr lang="en-US" sz="1680" dirty="0"/>
+          </a:p>
+        </p:txBody>
+      </p:sp>
+      <p:sp>
+        <p:nvSpPr>
+          <p:cNvPr id="5" name="文本框 4"/>
+          <p:cNvSpPr txBox="1"/>
+          <p:nvPr/>
+        </p:nvSpPr>
+        <p:spPr>
+          <a:xfrm>
+            <a:off x="346075" y="800100"/>
+            <a:ext cx="8310245" cy="737235"/>
+          </a:xfrm>
+          <a:prstGeom prst="rect">
+            <a:avLst/>
+          </a:prstGeom>
+          <a:noFill/>
+        </p:spPr>
+        <p:txBody>
+          <a:bodyPr wrap="square" rtlCol="0">
+            <a:spAutoFit/>
+          </a:bodyPr>
+          <a:lstStyle/>
+          <a:p>
+            <a:r>
+              <a:rPr lang="en-US" altLang="zh-CN" sz="1400"/>
+              <a:t>Our model stops boosting at #261 round, which means the model accuracy decreases in the next 50 rounds. So we know that overfitting occurs after that. Hence, we changed parameter nrounds to 261 and trained our final model. </a:t>
+            </a:r>
+          </a:p>
+        </p:txBody>
+      </p:sp>
+      <p:pic>
+        <p:nvPicPr>
+          <p:cNvPr id="6" name="图片 5"/>
+          <p:cNvPicPr>
+            <a:picLocks noChangeAspect="1"/>
+          </p:cNvPicPr>
+          <p:nvPr/>
+        </p:nvPicPr>
+        <p:blipFill>
+          <a:blip r:embed="rId3"/>
+          <a:stretch>
+            <a:fillRect/>
+          </a:stretch>
+        </p:blipFill>
+        <p:spPr>
+          <a:xfrm>
+            <a:off x="3163570" y="1537970"/>
+            <a:ext cx="2404745" cy="2606675"/>
+          </a:xfrm>
+          <a:prstGeom prst="rect">
+            <a:avLst/>
+          </a:prstGeom>
+        </p:spPr>
+      </p:pic>
+      <p:pic>
+        <p:nvPicPr>
+          <p:cNvPr id="7" name="图片 6"/>
+          <p:cNvPicPr>
+            <a:picLocks noChangeAspect="1"/>
+          </p:cNvPicPr>
+          <p:nvPr/>
+        </p:nvPicPr>
+        <p:blipFill>
+          <a:blip r:embed="rId4"/>
+          <a:stretch>
+            <a:fillRect/>
+          </a:stretch>
+        </p:blipFill>
+        <p:spPr>
+          <a:xfrm>
+            <a:off x="5828665" y="1537970"/>
+            <a:ext cx="2404110" cy="2606040"/>
+          </a:xfrm>
+          <a:prstGeom prst="rect">
+            <a:avLst/>
+          </a:prstGeom>
+        </p:spPr>
+      </p:pic>
+      <p:sp>
+        <p:nvSpPr>
+          <p:cNvPr id="8" name="文本框 7"/>
+          <p:cNvSpPr txBox="1"/>
+          <p:nvPr/>
+        </p:nvSpPr>
+        <p:spPr>
+          <a:xfrm>
+            <a:off x="160655" y="1646555"/>
+            <a:ext cx="2742565" cy="3538220"/>
+          </a:xfrm>
+          <a:prstGeom prst="rect">
+            <a:avLst/>
+          </a:prstGeom>
+          <a:noFill/>
+        </p:spPr>
+        <p:txBody>
+          <a:bodyPr wrap="square" rtlCol="0">
+            <a:spAutoFit/>
+          </a:bodyPr>
+          <a:lstStyle/>
+          <a:p>
+            <a:r>
+              <a:rPr lang="en-US" altLang="zh-CN" sz="1400"/>
+              <a:t>The first plot shows the 5 most important features identified by our final XGBoost model</a:t>
+            </a:r>
+          </a:p>
+          <a:p>
+            <a:endParaRPr lang="en-US" altLang="zh-CN" sz="1400"/>
+          </a:p>
+          <a:p>
+            <a:r>
+              <a:rPr lang="en-US" altLang="zh-CN" sz="1400"/>
+              <a:t>The ROC-AUC plot illustrates the model's performance on the test set. The exceptionally high AUC score of 0.99988, suggests an almost perfect classification.  It’s likely that the nature of the simulated dataset leads to such unusual result since the simulated dataset is designed for practice purposes and thus may be simpler to classify.</a:t>
+            </a:r>
+          </a:p>
+        </p:txBody>
+      </p:sp>
+    </p:spTree>
+  </p:cSld>
+  <p:clrMapOvr>
+    <a:masterClrMapping/>
+  </p:clrMapOvr>
+</p:sld>
+</file>
+
+<file path=ppt/slides/slide15.xml><?xml version="1.0" encoding="utf-8"?>
+<p:sld xmlns:a="http://schemas.openxmlformats.org/drawingml/2006/main" xmlns:r="http://schemas.openxmlformats.org/officeDocument/2006/relationships" xmlns:p="http://schemas.openxmlformats.org/presentationml/2006/main">
+  <p:cSld>
+    <p:spTree>
+      <p:nvGrpSpPr>
+        <p:cNvPr id="1" name=""/>
+        <p:cNvGrpSpPr/>
+        <p:nvPr/>
+      </p:nvGrpSpPr>
+      <p:grpSpPr>
+        <a:xfrm>
+          <a:off x="0" y="0"/>
+          <a:ext cx="0" cy="0"/>
+          <a:chOff x="0" y="0"/>
+          <a:chExt cx="0" cy="0"/>
+        </a:xfrm>
+      </p:grpSpPr>
+      <p:sp>
+        <p:nvSpPr>
+          <p:cNvPr id="2" name="Text 0"/>
+          <p:cNvSpPr/>
+          <p:nvPr/>
+        </p:nvSpPr>
+        <p:spPr>
+          <a:xfrm>
+            <a:off x="2871788" y="1838325"/>
+            <a:ext cx="3395663" cy="552450"/>
+          </a:xfrm>
+          <a:prstGeom prst="rect">
+            <a:avLst/>
+          </a:prstGeom>
+          <a:noFill/>
+        </p:spPr>
+        <p:txBody>
+          <a:bodyPr wrap="square" rtlCol="0" anchor="t"/>
+          <a:lstStyle/>
+          <a:p>
+            <a:pPr marL="0" indent="0" algn="ctr">
+              <a:buNone/>
+            </a:pPr>
+            <a:r>
+              <a:rPr lang="en-US" sz="2800" b="1" dirty="0">
+                <a:solidFill>
+                  <a:srgbClr val="002A85"/>
+                </a:solidFill>
+                <a:latin typeface="Noto Sans SC" pitchFamily="34" charset="0"/>
+                <a:ea typeface="Noto Sans SC" pitchFamily="34" charset="-122"/>
+                <a:cs typeface="Noto Sans SC" pitchFamily="34" charset="-120"/>
+              </a:rPr>
+              <a:t>THE END</a:t>
+            </a:r>
+            <a:endParaRPr lang="en-US" sz="2800" dirty="0"/>
+          </a:p>
+        </p:txBody>
+      </p:sp>
+      <p:sp>
+        <p:nvSpPr>
+          <p:cNvPr id="3" name="Text 1"/>
+          <p:cNvSpPr/>
+          <p:nvPr/>
+        </p:nvSpPr>
+        <p:spPr>
+          <a:xfrm>
+            <a:off x="2871788" y="2390775"/>
+            <a:ext cx="3395663" cy="1033463"/>
+          </a:xfrm>
+          <a:prstGeom prst="rect">
+            <a:avLst/>
+          </a:prstGeom>
+          <a:noFill/>
+        </p:spPr>
+        <p:txBody>
+          <a:bodyPr wrap="square" rtlCol="0" anchor="t"/>
+          <a:lstStyle/>
+          <a:p>
+            <a:pPr marL="0" indent="0" algn="ctr">
+              <a:buNone/>
+            </a:pPr>
+            <a:r>
+              <a:rPr lang="en-US" sz="5250" b="1" dirty="0">
+                <a:solidFill>
+                  <a:srgbClr val="002A85"/>
+                </a:solidFill>
+                <a:latin typeface="Noto Sans SC" pitchFamily="34" charset="0"/>
+                <a:ea typeface="Noto Sans SC" pitchFamily="34" charset="-122"/>
+                <a:cs typeface="Noto Sans SC" pitchFamily="34" charset="-120"/>
+              </a:rPr>
+              <a:t>THANKS</a:t>
+            </a:r>
+            <a:endParaRPr lang="en-US" sz="5250" dirty="0"/>
+          </a:p>
+        </p:txBody>
+      </p:sp>
+    </p:spTree>
+  </p:cSld>
+  <p:clrMapOvr>
+    <a:masterClrMapping/>
+  </p:clrMapOvr>
+</p:sld>
+</file>
+
+<file path=ppt/slides/slide2.xml><?xml version="1.0" encoding="utf-8"?>
+<p:sld xmlns:a="http://schemas.openxmlformats.org/drawingml/2006/main" xmlns:r="http://schemas.openxmlformats.org/officeDocument/2006/relationships" xmlns:p="http://schemas.openxmlformats.org/presentationml/2006/main">
+  <p:cSld>
+    <p:spTree>
+      <p:nvGrpSpPr>
+        <p:cNvPr id="1" name=""/>
+        <p:cNvGrpSpPr/>
+        <p:nvPr/>
+      </p:nvGrpSpPr>
+      <p:grpSpPr>
+        <a:xfrm>
+          <a:off x="0" y="0"/>
+          <a:ext cx="0" cy="0"/>
+          <a:chOff x="0" y="0"/>
+          <a:chExt cx="0" cy="0"/>
+        </a:xfrm>
+      </p:grpSpPr>
+      <p:sp>
+        <p:nvSpPr>
+          <p:cNvPr id="2" name="Text 0"/>
+          <p:cNvSpPr/>
+          <p:nvPr/>
+        </p:nvSpPr>
+        <p:spPr>
+          <a:xfrm>
+            <a:off x="1524000" y="361950"/>
+            <a:ext cx="3109913" cy="828675"/>
+          </a:xfrm>
+          <a:prstGeom prst="rect">
+            <a:avLst/>
+          </a:prstGeom>
+          <a:noFill/>
+        </p:spPr>
+        <p:txBody>
+          <a:bodyPr wrap="square" rtlCol="0" anchor="ctr"/>
+          <a:lstStyle/>
+          <a:p>
+            <a:pPr marL="0" indent="0" algn="ctr">
+              <a:buNone/>
+            </a:pPr>
+            <a:r>
+              <a:rPr lang="en-US" sz="4200" b="1" dirty="0">
+                <a:solidFill>
+                  <a:srgbClr val="002A85"/>
+                </a:solidFill>
+                <a:latin typeface="Noto Sans SC" pitchFamily="34" charset="0"/>
+                <a:ea typeface="Noto Sans SC" pitchFamily="34" charset="-122"/>
+                <a:cs typeface="Noto Sans SC" pitchFamily="34" charset="-120"/>
+              </a:rPr>
+              <a:t> CONTENTS </a:t>
+            </a:r>
+            <a:endParaRPr lang="en-US" sz="4200" dirty="0"/>
+          </a:p>
+        </p:txBody>
+      </p:sp>
+      <p:sp>
+        <p:nvSpPr>
+          <p:cNvPr id="3" name="Text 1"/>
+          <p:cNvSpPr/>
+          <p:nvPr/>
+        </p:nvSpPr>
+        <p:spPr>
+          <a:xfrm>
+            <a:off x="1819275" y="1619250"/>
+            <a:ext cx="6605587" cy="3105150"/>
+          </a:xfrm>
+          <a:prstGeom prst="rect">
+            <a:avLst/>
+          </a:prstGeom>
+          <a:noFill/>
+        </p:spPr>
+        <p:txBody>
+          <a:bodyPr wrap="square" rtlCol="0" anchor="t"/>
+          <a:lstStyle/>
+          <a:p>
+            <a:pPr marL="342900" indent="-342900">
+              <a:lnSpc>
+                <a:spcPct val="150000"/>
+              </a:lnSpc>
+              <a:buSzPct val="100000"/>
+              <a:buFontTx/>
+              <a:buChar char="•"/>
+            </a:pPr>
+            <a:r>
+              <a:rPr lang="en-US" sz="1750" dirty="0">
+                <a:solidFill>
+                  <a:srgbClr val="383838"/>
+                </a:solidFill>
+                <a:latin typeface="Noto Sans SC" pitchFamily="34" charset="0"/>
+                <a:ea typeface="Noto Sans SC" pitchFamily="34" charset="-122"/>
+                <a:cs typeface="Noto Sans SC" pitchFamily="34" charset="-120"/>
+              </a:rPr>
+              <a:t>C</a:t>
+            </a:r>
+            <a:r>
+              <a:rPr lang="en-US" altLang="zh-CN" sz="1750" dirty="0">
+                <a:solidFill>
+                  <a:srgbClr val="383838"/>
+                </a:solidFill>
+                <a:latin typeface="Noto Sans SC" pitchFamily="34" charset="0"/>
+                <a:ea typeface="Noto Sans SC" pitchFamily="34" charset="-122"/>
+                <a:cs typeface="Noto Sans SC" pitchFamily="34" charset="-120"/>
+              </a:rPr>
+              <a:t>ard </a:t>
+            </a:r>
+            <a:r>
+              <a:rPr lang="en-US" sz="1750" dirty="0">
+                <a:solidFill>
+                  <a:srgbClr val="383838"/>
+                </a:solidFill>
+                <a:latin typeface="Noto Sans SC" pitchFamily="34" charset="0"/>
+                <a:ea typeface="Noto Sans SC" pitchFamily="34" charset="-122"/>
+                <a:cs typeface="Noto Sans SC" pitchFamily="34" charset="-120"/>
+              </a:rPr>
+              <a:t>Transaction Fraud Dataset Introduction</a:t>
+            </a:r>
+            <a:endParaRPr lang="en-US" sz="1750" dirty="0"/>
+          </a:p>
+          <a:p>
+            <a:pPr marL="342900" indent="-342900" algn="l">
+              <a:lnSpc>
+                <a:spcPct val="150000"/>
+              </a:lnSpc>
+              <a:buSzPct val="100000"/>
+              <a:buChar char="•"/>
+            </a:pPr>
+            <a:r>
+              <a:rPr lang="en-US" sz="1750" dirty="0" err="1">
+                <a:solidFill>
+                  <a:srgbClr val="383838"/>
+                </a:solidFill>
+                <a:latin typeface="Noto Sans SC" pitchFamily="34" charset="0"/>
+                <a:ea typeface="Noto Sans SC" pitchFamily="34" charset="-122"/>
+                <a:cs typeface="Noto Sans SC" pitchFamily="34" charset="-120"/>
+              </a:rPr>
+              <a:t>XGBoost</a:t>
+            </a:r>
+            <a:r>
+              <a:rPr lang="en-US" sz="1750" dirty="0">
+                <a:solidFill>
+                  <a:srgbClr val="383838"/>
+                </a:solidFill>
+                <a:latin typeface="Noto Sans SC" pitchFamily="34" charset="0"/>
+                <a:ea typeface="Noto Sans SC" pitchFamily="34" charset="-122"/>
+                <a:cs typeface="Noto Sans SC" pitchFamily="34" charset="-120"/>
+              </a:rPr>
+              <a:t> introduction</a:t>
+            </a:r>
+          </a:p>
+        </p:txBody>
+      </p:sp>
+    </p:spTree>
+  </p:cSld>
+  <p:clrMapOvr>
+    <a:masterClrMapping/>
+  </p:clrMapOvr>
+</p:sld>
+</file>
+
+<file path=ppt/slides/slide3.xml><?xml version="1.0" encoding="utf-8"?>
+<p:sld xmlns:a="http://schemas.openxmlformats.org/drawingml/2006/main" xmlns:r="http://schemas.openxmlformats.org/officeDocument/2006/relationships" xmlns:p="http://schemas.openxmlformats.org/presentationml/2006/main">
+  <p:cSld>
+    <p:spTree>
+      <p:nvGrpSpPr>
+        <p:cNvPr id="1" name=""/>
+        <p:cNvGrpSpPr/>
+        <p:nvPr/>
+      </p:nvGrpSpPr>
+      <p:grpSpPr>
+        <a:xfrm>
+          <a:off x="0" y="0"/>
+          <a:ext cx="0" cy="0"/>
+          <a:chOff x="0" y="0"/>
+          <a:chExt cx="0" cy="0"/>
+        </a:xfrm>
+      </p:grpSpPr>
+      <p:sp>
+        <p:nvSpPr>
+          <p:cNvPr id="2" name="Text 0"/>
+          <p:cNvSpPr/>
+          <p:nvPr/>
+        </p:nvSpPr>
+        <p:spPr>
+          <a:xfrm>
+            <a:off x="3571875" y="1038225"/>
+            <a:ext cx="1452563" cy="1243013"/>
+          </a:xfrm>
+          <a:prstGeom prst="rect">
+            <a:avLst/>
+          </a:prstGeom>
+          <a:noFill/>
+        </p:spPr>
+        <p:txBody>
+          <a:bodyPr wrap="square" rtlCol="0" anchor="t"/>
+          <a:lstStyle/>
+          <a:p>
+            <a:pPr marL="0" indent="0" algn="ctr">
+              <a:buNone/>
+            </a:pPr>
+            <a:r>
+              <a:rPr lang="en-US" sz="6300" b="1" dirty="0">
+                <a:solidFill>
+                  <a:srgbClr val="002A85"/>
+                </a:solidFill>
+                <a:latin typeface="Noto Sans SC" pitchFamily="34" charset="0"/>
+                <a:ea typeface="Noto Sans SC" pitchFamily="34" charset="-122"/>
+                <a:cs typeface="Noto Sans SC" pitchFamily="34" charset="-120"/>
+              </a:rPr>
+              <a:t>01</a:t>
+            </a:r>
+            <a:endParaRPr lang="en-US" sz="6300" dirty="0"/>
+          </a:p>
+        </p:txBody>
+      </p:sp>
+      <p:sp>
+        <p:nvSpPr>
+          <p:cNvPr id="3" name="Text 1"/>
+          <p:cNvSpPr/>
+          <p:nvPr/>
+        </p:nvSpPr>
+        <p:spPr>
+          <a:xfrm>
+            <a:off x="3790950" y="2281238"/>
+            <a:ext cx="3963353" cy="1509713"/>
+          </a:xfrm>
+          <a:prstGeom prst="rect">
+            <a:avLst/>
+          </a:prstGeom>
+          <a:noFill/>
+        </p:spPr>
+        <p:txBody>
+          <a:bodyPr wrap="square" rtlCol="0" anchor="t"/>
+          <a:lstStyle/>
+          <a:p>
+            <a:pPr marL="0" indent="0">
+              <a:buNone/>
+            </a:pPr>
+            <a:r>
+              <a:rPr lang="en-US" sz="3640" b="1" dirty="0">
+                <a:solidFill>
+                  <a:srgbClr val="002A85"/>
+                </a:solidFill>
+                <a:latin typeface="Noto Sans SC" pitchFamily="34" charset="0"/>
+                <a:ea typeface="Noto Sans SC" pitchFamily="34" charset="-122"/>
+                <a:cs typeface="Noto Sans SC" pitchFamily="34" charset="-120"/>
+              </a:rPr>
+              <a:t>Introduction to Dataset</a:t>
+            </a:r>
+            <a:endParaRPr lang="en-US" sz="3640" dirty="0"/>
+          </a:p>
+        </p:txBody>
+      </p:sp>
+    </p:spTree>
+  </p:cSld>
+  <p:clrMapOvr>
+    <a:masterClrMapping/>
+  </p:clrMapOvr>
+</p:sld>
+</file>
+
+<file path=ppt/slides/slide4.xml><?xml version="1.0" encoding="utf-8"?>
+<p:sld xmlns:a="http://schemas.openxmlformats.org/drawingml/2006/main" xmlns:r="http://schemas.openxmlformats.org/officeDocument/2006/relationships" xmlns:p="http://schemas.openxmlformats.org/presentationml/2006/main">
+  <p:cSld>
+    <p:spTree>
+      <p:nvGrpSpPr>
+        <p:cNvPr id="1" name=""/>
+        <p:cNvGrpSpPr/>
+        <p:nvPr/>
+      </p:nvGrpSpPr>
+      <p:grpSpPr>
+        <a:xfrm>
+          <a:off x="0" y="0"/>
+          <a:ext cx="0" cy="0"/>
+          <a:chOff x="0" y="0"/>
+          <a:chExt cx="0" cy="0"/>
+        </a:xfrm>
+      </p:grpSpPr>
+      <p:sp>
+        <p:nvSpPr>
+          <p:cNvPr id="2" name="Shape 0"/>
+          <p:cNvSpPr/>
+          <p:nvPr/>
+        </p:nvSpPr>
+        <p:spPr>
+          <a:xfrm>
+            <a:off x="0" y="457200"/>
+            <a:ext cx="4019550" cy="233363"/>
+          </a:xfrm>
+          <a:prstGeom prst="rect">
+            <a:avLst/>
+          </a:prstGeom>
+          <a:solidFill>
+            <a:srgbClr val="A5DDFF"/>
+          </a:solidFill>
+        </p:spPr>
+      </p:sp>
+      <p:sp>
+        <p:nvSpPr>
+          <p:cNvPr id="3" name="Text 1"/>
+          <p:cNvSpPr/>
+          <p:nvPr/>
+        </p:nvSpPr>
+        <p:spPr>
+          <a:xfrm>
+            <a:off x="762000" y="138113"/>
+            <a:ext cx="8130540" cy="552450"/>
+          </a:xfrm>
+          <a:prstGeom prst="rect">
+            <a:avLst/>
+          </a:prstGeom>
+          <a:noFill/>
+        </p:spPr>
+        <p:txBody>
+          <a:bodyPr wrap="square" rtlCol="0" anchor="ctr"/>
+          <a:lstStyle/>
+          <a:p>
+            <a:pPr marL="0" indent="0">
+              <a:buNone/>
+            </a:pPr>
+            <a:r>
+              <a:rPr lang="en-US" sz="2625" b="1" dirty="0">
+                <a:solidFill>
+                  <a:srgbClr val="002A85"/>
+                </a:solidFill>
+                <a:latin typeface="Noto Sans SC" pitchFamily="34" charset="0"/>
+                <a:ea typeface="Noto Sans SC" pitchFamily="34" charset="-122"/>
+              </a:rPr>
+              <a:t>Dataset Introduction</a:t>
+            </a:r>
+            <a:endParaRPr lang="en-US" sz="2625" dirty="0"/>
+          </a:p>
+        </p:txBody>
+      </p:sp>
+      <p:sp>
+        <p:nvSpPr>
+          <p:cNvPr id="4" name="Text 2"/>
+          <p:cNvSpPr/>
+          <p:nvPr/>
+        </p:nvSpPr>
+        <p:spPr>
+          <a:xfrm>
+            <a:off x="714375" y="759015"/>
+            <a:ext cx="7715250" cy="3452813"/>
+          </a:xfrm>
+          <a:prstGeom prst="rect">
+            <a:avLst/>
+          </a:prstGeom>
+          <a:noFill/>
+        </p:spPr>
+        <p:txBody>
+          <a:bodyPr wrap="square" rtlCol="0" anchor="t"/>
+          <a:lstStyle/>
+          <a:p>
+            <a:pPr marL="285750" indent="-285750">
+              <a:lnSpc>
+                <a:spcPct val="150000"/>
+              </a:lnSpc>
+              <a:buSzPct val="100000"/>
+              <a:buFont typeface="Arial" panose="020B0604020202020204" pitchFamily="34" charset="0"/>
+              <a:buChar char="•"/>
+            </a:pPr>
+            <a:r>
+              <a:rPr lang="en-US" sz="1680" dirty="0">
+                <a:solidFill>
+                  <a:srgbClr val="383838"/>
+                </a:solidFill>
+                <a:latin typeface="Noto Sans SC" pitchFamily="34" charset="0"/>
+                <a:ea typeface="Noto Sans SC" pitchFamily="34" charset="-122"/>
+              </a:rPr>
+              <a:t>Simulated credit card transaction fraud data on Kaggle  </a:t>
+            </a:r>
+          </a:p>
+          <a:p>
+            <a:pPr marL="285750" indent="-285750">
+              <a:lnSpc>
+                <a:spcPct val="150000"/>
+              </a:lnSpc>
+              <a:buSzPct val="100000"/>
+              <a:buFont typeface="Arial" panose="020B0604020202020204" pitchFamily="34" charset="0"/>
+              <a:buChar char="•"/>
+            </a:pPr>
+            <a:r>
+              <a:rPr lang="en-US" sz="1600" dirty="0">
+                <a:hlinkClick r:id="rId3"/>
+              </a:rPr>
+              <a:t>Credit Card Fraud (kaggle.com)</a:t>
+            </a:r>
+            <a:endParaRPr lang="en-US" sz="1600" dirty="0"/>
+          </a:p>
+          <a:p>
+            <a:pPr marL="285750" indent="-285750">
+              <a:lnSpc>
+                <a:spcPct val="150000"/>
+              </a:lnSpc>
+              <a:buSzPct val="100000"/>
+              <a:buFont typeface="Arial" panose="020B0604020202020204" pitchFamily="34" charset="0"/>
+              <a:buChar char="•"/>
+            </a:pPr>
+            <a:r>
+              <a:rPr lang="en-US" sz="1680" dirty="0">
+                <a:solidFill>
+                  <a:srgbClr val="383838"/>
+                </a:solidFill>
+                <a:latin typeface="Noto Sans SC" pitchFamily="34" charset="0"/>
+                <a:ea typeface="Noto Sans SC" pitchFamily="34" charset="-122"/>
+              </a:rPr>
+              <a:t>Binary classification problem</a:t>
+            </a:r>
+            <a:r>
+              <a:rPr lang="en-US" sz="1600" dirty="0">
+                <a:solidFill>
+                  <a:srgbClr val="383838"/>
+                </a:solidFill>
+                <a:latin typeface="Noto Sans SC" pitchFamily="34" charset="0"/>
+                <a:ea typeface="Noto Sans SC" pitchFamily="34" charset="-122"/>
+              </a:rPr>
+              <a:t>, each transaction is either fraudulent or not.</a:t>
+            </a:r>
+            <a:endParaRPr lang="en-US" sz="1680" dirty="0">
+              <a:solidFill>
+                <a:srgbClr val="383838"/>
+              </a:solidFill>
+              <a:latin typeface="Noto Sans SC" pitchFamily="34" charset="0"/>
+              <a:ea typeface="Noto Sans SC" pitchFamily="34" charset="-122"/>
+            </a:endParaRPr>
+          </a:p>
+          <a:p>
+            <a:pPr marL="285750" indent="-285750">
+              <a:lnSpc>
+                <a:spcPct val="150000"/>
+              </a:lnSpc>
+              <a:buSzPct val="100000"/>
+              <a:buFont typeface="Arial" panose="020B0604020202020204" pitchFamily="34" charset="0"/>
+              <a:buChar char="•"/>
+            </a:pPr>
+            <a:r>
+              <a:rPr lang="en-US" sz="1680" dirty="0">
+                <a:solidFill>
+                  <a:srgbClr val="383838"/>
+                </a:solidFill>
+                <a:latin typeface="Noto Sans SC" pitchFamily="34" charset="0"/>
+                <a:ea typeface="Noto Sans SC" pitchFamily="34" charset="-122"/>
+              </a:rPr>
+              <a:t>1000000 transactions, only 87403 transactions are fraudulent. 8.74% fraud rate, very unbalanced data</a:t>
+            </a:r>
+          </a:p>
+          <a:p>
+            <a:pPr marL="285750" indent="-285750">
+              <a:lnSpc>
+                <a:spcPct val="150000"/>
+              </a:lnSpc>
+              <a:buSzPct val="100000"/>
+              <a:buFont typeface="Arial" panose="020B0604020202020204" pitchFamily="34" charset="0"/>
+              <a:buChar char="•"/>
+            </a:pPr>
+            <a:r>
+              <a:rPr lang="en-US" sz="1680" dirty="0">
+                <a:solidFill>
+                  <a:srgbClr val="383838"/>
+                </a:solidFill>
+                <a:latin typeface="Noto Sans SC" pitchFamily="34" charset="0"/>
+                <a:ea typeface="Noto Sans SC" pitchFamily="34" charset="-122"/>
+              </a:rPr>
+              <a:t>We will try stratified sampling and </a:t>
+            </a:r>
+            <a:r>
+              <a:rPr lang="en-US" sz="1680" dirty="0" err="1">
+                <a:solidFill>
+                  <a:srgbClr val="383838"/>
+                </a:solidFill>
+                <a:latin typeface="Noto Sans SC" pitchFamily="34" charset="0"/>
+                <a:ea typeface="Noto Sans SC" pitchFamily="34" charset="-122"/>
+              </a:rPr>
+              <a:t>upsampling</a:t>
+            </a:r>
+            <a:r>
+              <a:rPr lang="en-US" sz="1680" dirty="0">
+                <a:solidFill>
+                  <a:srgbClr val="383838"/>
+                </a:solidFill>
+                <a:latin typeface="Noto Sans SC" pitchFamily="34" charset="0"/>
+                <a:ea typeface="Noto Sans SC" pitchFamily="34" charset="-122"/>
+              </a:rPr>
+              <a:t> when dividing the dataset</a:t>
+            </a:r>
+          </a:p>
+          <a:p>
+            <a:pPr marL="342900" indent="-342900" algn="l">
+              <a:lnSpc>
+                <a:spcPct val="150000"/>
+              </a:lnSpc>
+              <a:buSzPct val="100000"/>
+              <a:buChar char="•"/>
+            </a:pPr>
+            <a:endParaRPr lang="en-US" sz="1680" dirty="0">
+              <a:solidFill>
+                <a:srgbClr val="383838"/>
+              </a:solidFill>
+              <a:latin typeface="Noto Sans SC" pitchFamily="34" charset="0"/>
+              <a:ea typeface="Noto Sans SC" pitchFamily="34" charset="-122"/>
+            </a:endParaRPr>
+          </a:p>
+          <a:p>
+            <a:pPr marL="342900" indent="-342900" algn="l">
+              <a:lnSpc>
+                <a:spcPct val="150000"/>
+              </a:lnSpc>
+              <a:buSzPct val="100000"/>
+              <a:buChar char="•"/>
+            </a:pPr>
+            <a:endParaRPr lang="en-US" sz="1680" dirty="0"/>
+          </a:p>
+          <a:p>
+            <a:pPr marL="342900" indent="-342900" algn="l">
+              <a:lnSpc>
+                <a:spcPct val="150000"/>
+              </a:lnSpc>
+              <a:buSzPct val="100000"/>
+              <a:buChar char="•"/>
+            </a:pPr>
+            <a:endParaRPr lang="en-US" sz="1680" dirty="0"/>
+          </a:p>
+        </p:txBody>
+      </p:sp>
+    </p:spTree>
+  </p:cSld>
+  <p:clrMapOvr>
+    <a:masterClrMapping/>
+  </p:clrMapOvr>
+</p:sld>
+</file>
+
+<file path=ppt/slides/slide5.xml><?xml version="1.0" encoding="utf-8"?>
+<p:sld xmlns:a="http://schemas.openxmlformats.org/drawingml/2006/main" xmlns:r="http://schemas.openxmlformats.org/officeDocument/2006/relationships" xmlns:p="http://schemas.openxmlformats.org/presentationml/2006/main">
+  <p:cSld>
+    <p:spTree>
+      <p:nvGrpSpPr>
+        <p:cNvPr id="1" name=""/>
+        <p:cNvGrpSpPr/>
+        <p:nvPr/>
+      </p:nvGrpSpPr>
+      <p:grpSpPr>
+        <a:xfrm>
+          <a:off x="0" y="0"/>
+          <a:ext cx="0" cy="0"/>
+          <a:chOff x="0" y="0"/>
+          <a:chExt cx="0" cy="0"/>
+        </a:xfrm>
+      </p:grpSpPr>
+      <p:sp>
+        <p:nvSpPr>
+          <p:cNvPr id="2" name="Shape 0"/>
+          <p:cNvSpPr/>
+          <p:nvPr/>
+        </p:nvSpPr>
+        <p:spPr>
+          <a:xfrm>
+            <a:off x="0" y="457200"/>
+            <a:ext cx="4019550" cy="233363"/>
+          </a:xfrm>
+          <a:prstGeom prst="rect">
+            <a:avLst/>
+          </a:prstGeom>
+          <a:solidFill>
+            <a:srgbClr val="A5DDFF"/>
+          </a:solidFill>
+        </p:spPr>
+      </p:sp>
+      <p:sp>
+        <p:nvSpPr>
+          <p:cNvPr id="3" name="Text 1"/>
+          <p:cNvSpPr/>
+          <p:nvPr/>
+        </p:nvSpPr>
+        <p:spPr>
+          <a:xfrm>
+            <a:off x="762000" y="138113"/>
+            <a:ext cx="8130540" cy="552450"/>
+          </a:xfrm>
+          <a:prstGeom prst="rect">
+            <a:avLst/>
+          </a:prstGeom>
+          <a:noFill/>
+        </p:spPr>
+        <p:txBody>
+          <a:bodyPr wrap="square" rtlCol="0" anchor="ctr"/>
+          <a:lstStyle/>
+          <a:p>
+            <a:pPr marL="0" indent="0">
+              <a:buNone/>
+            </a:pPr>
+            <a:r>
+              <a:rPr lang="en-US" sz="2625" b="1" dirty="0">
+                <a:solidFill>
+                  <a:srgbClr val="002A85"/>
+                </a:solidFill>
+                <a:latin typeface="Noto Sans SC" pitchFamily="34" charset="0"/>
+                <a:ea typeface="Noto Sans SC" pitchFamily="34" charset="-122"/>
+              </a:rPr>
+              <a:t>Dataset</a:t>
+            </a:r>
+            <a:r>
+              <a:rPr lang="zh-CN" altLang="en-US" sz="2625" b="1" dirty="0">
+                <a:solidFill>
+                  <a:srgbClr val="002A85"/>
+                </a:solidFill>
+                <a:latin typeface="Noto Sans SC" pitchFamily="34" charset="0"/>
+                <a:ea typeface="Noto Sans SC" pitchFamily="34" charset="-122"/>
+              </a:rPr>
+              <a:t> </a:t>
+            </a:r>
+            <a:r>
+              <a:rPr lang="en-US" altLang="zh-CN" sz="2625" b="1" dirty="0">
+                <a:solidFill>
+                  <a:srgbClr val="002A85"/>
+                </a:solidFill>
+                <a:latin typeface="Noto Sans SC" pitchFamily="34" charset="0"/>
+                <a:ea typeface="Noto Sans SC" pitchFamily="34" charset="-122"/>
+              </a:rPr>
+              <a:t>description</a:t>
+            </a:r>
+            <a:endParaRPr lang="en-US" sz="2625" dirty="0"/>
+          </a:p>
+        </p:txBody>
+      </p:sp>
+      <p:sp>
+        <p:nvSpPr>
+          <p:cNvPr id="4" name="Text 2"/>
+          <p:cNvSpPr/>
+          <p:nvPr/>
+        </p:nvSpPr>
+        <p:spPr>
+          <a:xfrm>
+            <a:off x="762000" y="2825749"/>
+            <a:ext cx="7929513" cy="1432874"/>
+          </a:xfrm>
+          <a:prstGeom prst="rect">
+            <a:avLst/>
+          </a:prstGeom>
+          <a:noFill/>
+        </p:spPr>
+        <p:txBody>
+          <a:bodyPr wrap="square" rtlCol="0" anchor="t"/>
+          <a:lstStyle/>
+          <a:p>
+            <a:pPr fontAlgn="base"/>
+            <a:r>
+              <a:rPr lang="en-US" dirty="0" err="1"/>
+              <a:t>dist_home</a:t>
+            </a:r>
+            <a:r>
+              <a:rPr lang="en-US" dirty="0"/>
+              <a:t>: the distance from home where the transaction happened</a:t>
+            </a:r>
+          </a:p>
+          <a:p>
+            <a:pPr fontAlgn="base"/>
+            <a:endParaRPr lang="en-US" dirty="0"/>
+          </a:p>
+          <a:p>
+            <a:pPr fontAlgn="base"/>
+            <a:r>
+              <a:rPr lang="en-US" dirty="0" err="1"/>
+              <a:t>dist_last_transact</a:t>
+            </a:r>
+            <a:r>
+              <a:rPr lang="en-US" dirty="0"/>
+              <a:t>: the distance from last transaction happened</a:t>
+            </a:r>
+          </a:p>
+          <a:p>
+            <a:pPr fontAlgn="base"/>
+            <a:endParaRPr lang="en-US" dirty="0"/>
+          </a:p>
+          <a:p>
+            <a:pPr fontAlgn="base"/>
+            <a:r>
+              <a:rPr lang="en-US" dirty="0" err="1"/>
+              <a:t>ratio_to_med_price</a:t>
+            </a:r>
+            <a:r>
+              <a:rPr lang="en-US" dirty="0"/>
+              <a:t>: ratio of transaction </a:t>
+            </a:r>
+            <a:r>
+              <a:rPr lang="en-US" dirty="0" err="1"/>
+              <a:t>prie</a:t>
+            </a:r>
+            <a:r>
+              <a:rPr lang="en-US" dirty="0"/>
+              <a:t> to median purchase price</a:t>
+            </a:r>
+          </a:p>
+          <a:p>
+            <a:pPr fontAlgn="base"/>
+            <a:endParaRPr lang="en-US" dirty="0"/>
+          </a:p>
+          <a:p>
+            <a:pPr fontAlgn="base"/>
+            <a:r>
+              <a:rPr lang="en-US" dirty="0" err="1"/>
+              <a:t>repeat_retailer</a:t>
+            </a:r>
+            <a:r>
+              <a:rPr lang="en-US" dirty="0"/>
+              <a:t>: Is the transaction happened from same retailer</a:t>
+            </a:r>
+          </a:p>
+          <a:p>
+            <a:pPr marL="342900" indent="-342900">
+              <a:lnSpc>
+                <a:spcPct val="150000"/>
+              </a:lnSpc>
+              <a:buSzPct val="100000"/>
+              <a:buFontTx/>
+              <a:buChar char="•"/>
+            </a:pPr>
+            <a:endParaRPr lang="en-US" sz="1600" b="0" i="0" dirty="0">
+              <a:solidFill>
+                <a:srgbClr val="3C4043"/>
+              </a:solidFill>
+              <a:effectLst/>
+              <a:latin typeface="Inter"/>
+            </a:endParaRPr>
+          </a:p>
+          <a:p>
+            <a:pPr marL="342900" indent="-342900" algn="l">
+              <a:lnSpc>
+                <a:spcPct val="150000"/>
+              </a:lnSpc>
+              <a:buSzPct val="100000"/>
+              <a:buChar char="•"/>
+            </a:pPr>
+            <a:endParaRPr lang="en-US" sz="1600" b="0" i="0" dirty="0">
+              <a:solidFill>
+                <a:srgbClr val="3C4043"/>
+              </a:solidFill>
+              <a:effectLst/>
+              <a:latin typeface="Inter"/>
+            </a:endParaRPr>
+          </a:p>
+          <a:p>
+            <a:pPr marL="342900" indent="-342900" algn="l">
+              <a:lnSpc>
+                <a:spcPct val="150000"/>
+              </a:lnSpc>
+              <a:buSzPct val="100000"/>
+              <a:buChar char="•"/>
+            </a:pPr>
+            <a:endParaRPr lang="en-US" sz="1680" dirty="0">
+              <a:solidFill>
+                <a:srgbClr val="383838"/>
+              </a:solidFill>
+              <a:latin typeface="Noto Sans SC" pitchFamily="34" charset="0"/>
+              <a:ea typeface="Noto Sans SC" pitchFamily="34" charset="-122"/>
+            </a:endParaRPr>
+          </a:p>
+          <a:p>
+            <a:pPr marL="342900" indent="-342900" algn="l">
+              <a:lnSpc>
+                <a:spcPct val="150000"/>
+              </a:lnSpc>
+              <a:buSzPct val="100000"/>
+              <a:buChar char="•"/>
+            </a:pPr>
+            <a:endParaRPr lang="en-US" sz="1680" dirty="0"/>
+          </a:p>
+          <a:p>
+            <a:pPr marL="342900" indent="-342900" algn="l">
+              <a:lnSpc>
+                <a:spcPct val="150000"/>
+              </a:lnSpc>
+              <a:buSzPct val="100000"/>
+              <a:buChar char="•"/>
+            </a:pPr>
+            <a:endParaRPr lang="en-US" sz="1680" dirty="0"/>
+          </a:p>
+        </p:txBody>
+      </p:sp>
+      <p:pic>
+        <p:nvPicPr>
+          <p:cNvPr id="10" name="Picture 9"/>
+          <p:cNvPicPr>
+            <a:picLocks noChangeAspect="1"/>
+          </p:cNvPicPr>
+          <p:nvPr/>
+        </p:nvPicPr>
+        <p:blipFill>
+          <a:blip r:embed="rId3"/>
+          <a:stretch>
+            <a:fillRect/>
+          </a:stretch>
+        </p:blipFill>
+        <p:spPr>
+          <a:xfrm>
+            <a:off x="0" y="1009650"/>
+            <a:ext cx="9144000" cy="1456841"/>
+          </a:xfrm>
+          <a:prstGeom prst="rect">
+            <a:avLst/>
+          </a:prstGeom>
+        </p:spPr>
+      </p:pic>
+    </p:spTree>
+  </p:cSld>
+  <p:clrMapOvr>
+    <a:masterClrMapping/>
+  </p:clrMapOvr>
+</p:sld>
+</file>
+
+<file path=ppt/slides/slide6.xml><?xml version="1.0" encoding="utf-8"?>
+<p:sld xmlns:a="http://schemas.openxmlformats.org/drawingml/2006/main" xmlns:r="http://schemas.openxmlformats.org/officeDocument/2006/relationships" xmlns:p="http://schemas.openxmlformats.org/presentationml/2006/main">
+  <p:cSld>
+    <p:spTree>
+      <p:nvGrpSpPr>
+        <p:cNvPr id="1" name=""/>
+        <p:cNvGrpSpPr/>
+        <p:nvPr/>
+      </p:nvGrpSpPr>
+      <p:grpSpPr>
+        <a:xfrm>
+          <a:off x="0" y="0"/>
+          <a:ext cx="0" cy="0"/>
+          <a:chOff x="0" y="0"/>
+          <a:chExt cx="0" cy="0"/>
+        </a:xfrm>
+      </p:grpSpPr>
+      <p:sp>
+        <p:nvSpPr>
+          <p:cNvPr id="3" name="TextBox 2"/>
+          <p:cNvSpPr txBox="1"/>
+          <p:nvPr/>
+        </p:nvSpPr>
+        <p:spPr>
+          <a:xfrm>
+            <a:off x="603315" y="235670"/>
+            <a:ext cx="4364611" cy="461665"/>
+          </a:xfrm>
+          <a:prstGeom prst="rect">
+            <a:avLst/>
+          </a:prstGeom>
+          <a:noFill/>
+        </p:spPr>
+        <p:txBody>
+          <a:bodyPr wrap="square" rtlCol="0">
+            <a:spAutoFit/>
+          </a:bodyPr>
+          <a:lstStyle/>
+          <a:p>
+            <a:r>
+              <a:rPr lang="en-US" sz="2400" b="1" dirty="0">
+                <a:solidFill>
+                  <a:srgbClr val="002A85"/>
+                </a:solidFill>
+                <a:latin typeface="Noto Sans SC" pitchFamily="34" charset="0"/>
+                <a:ea typeface="Noto Sans SC" pitchFamily="34" charset="-122"/>
+              </a:rPr>
+              <a:t>Dataset</a:t>
+            </a:r>
+            <a:r>
+              <a:rPr lang="zh-CN" altLang="en-US" sz="2400" b="1" dirty="0">
+                <a:solidFill>
+                  <a:srgbClr val="002A85"/>
+                </a:solidFill>
+                <a:latin typeface="Noto Sans SC" pitchFamily="34" charset="0"/>
+                <a:ea typeface="Noto Sans SC" pitchFamily="34" charset="-122"/>
+              </a:rPr>
+              <a:t> </a:t>
+            </a:r>
+            <a:r>
+              <a:rPr lang="en-US" altLang="zh-CN" sz="2400" b="1" dirty="0">
+                <a:solidFill>
+                  <a:srgbClr val="002A85"/>
+                </a:solidFill>
+                <a:latin typeface="Noto Sans SC" pitchFamily="34" charset="0"/>
+                <a:ea typeface="Noto Sans SC" pitchFamily="34" charset="-122"/>
+              </a:rPr>
+              <a:t>description (continue)</a:t>
+            </a:r>
+            <a:endParaRPr lang="en-US" sz="2400" dirty="0"/>
+          </a:p>
+        </p:txBody>
+      </p:sp>
+      <p:pic>
+        <p:nvPicPr>
+          <p:cNvPr id="6" name="Picture 5"/>
+          <p:cNvPicPr>
+            <a:picLocks noChangeAspect="1"/>
+          </p:cNvPicPr>
+          <p:nvPr/>
+        </p:nvPicPr>
+        <p:blipFill>
+          <a:blip r:embed="rId2"/>
+          <a:stretch>
+            <a:fillRect/>
+          </a:stretch>
+        </p:blipFill>
+        <p:spPr>
+          <a:xfrm>
+            <a:off x="0" y="1009650"/>
+            <a:ext cx="9144000" cy="1456841"/>
+          </a:xfrm>
+          <a:prstGeom prst="rect">
+            <a:avLst/>
+          </a:prstGeom>
+        </p:spPr>
+      </p:pic>
+      <p:sp>
+        <p:nvSpPr>
+          <p:cNvPr id="7" name="Rectangle 6"/>
+          <p:cNvSpPr/>
+          <p:nvPr/>
+        </p:nvSpPr>
+        <p:spPr>
+          <a:xfrm>
+            <a:off x="768285" y="2630744"/>
+            <a:ext cx="7876094" cy="2031325"/>
+          </a:xfrm>
+          <a:prstGeom prst="rect">
+            <a:avLst/>
+          </a:prstGeom>
+        </p:spPr>
+        <p:txBody>
+          <a:bodyPr wrap="square">
+            <a:spAutoFit/>
+          </a:bodyPr>
+          <a:lstStyle/>
+          <a:p>
+            <a:pPr fontAlgn="base">
+              <a:buFont typeface="Arial" panose="020B0604020202020204" pitchFamily="34" charset="0"/>
+              <a:buChar char="•"/>
+            </a:pPr>
+            <a:r>
+              <a:rPr lang="en-US" dirty="0">
+                <a:solidFill>
+                  <a:srgbClr val="3C4043"/>
+                </a:solidFill>
+                <a:latin typeface="Arial" panose="020B0604020202020204" pitchFamily="34" charset="0"/>
+              </a:rPr>
+              <a:t> </a:t>
+            </a:r>
+            <a:r>
+              <a:rPr lang="en-US" dirty="0" err="1">
+                <a:solidFill>
+                  <a:srgbClr val="3C4043"/>
+                </a:solidFill>
+                <a:latin typeface="Arial" panose="020B0604020202020204" pitchFamily="34" charset="0"/>
+              </a:rPr>
+              <a:t>used_chip</a:t>
+            </a:r>
+            <a:r>
+              <a:rPr lang="en-US" dirty="0">
+                <a:solidFill>
+                  <a:srgbClr val="3C4043"/>
+                </a:solidFill>
+                <a:latin typeface="Arial" panose="020B0604020202020204" pitchFamily="34" charset="0"/>
+              </a:rPr>
+              <a:t>: Is the transaction through credit card?</a:t>
+            </a:r>
+          </a:p>
+          <a:p>
+            <a:pPr fontAlgn="base">
+              <a:buFont typeface="Arial" panose="020B0604020202020204" pitchFamily="34" charset="0"/>
+              <a:buChar char="•"/>
+            </a:pPr>
+            <a:endParaRPr lang="en-US" dirty="0">
+              <a:solidFill>
+                <a:srgbClr val="3C4043"/>
+              </a:solidFill>
+              <a:latin typeface="Arial" panose="020B0604020202020204" pitchFamily="34" charset="0"/>
+            </a:endParaRPr>
+          </a:p>
+          <a:p>
+            <a:pPr fontAlgn="base">
+              <a:buFont typeface="Arial" panose="020B0604020202020204" pitchFamily="34" charset="0"/>
+              <a:buChar char="•"/>
+            </a:pPr>
+            <a:r>
+              <a:rPr lang="en-US" dirty="0">
+                <a:solidFill>
+                  <a:srgbClr val="3C4043"/>
+                </a:solidFill>
+                <a:latin typeface="Arial" panose="020B0604020202020204" pitchFamily="34" charset="0"/>
+              </a:rPr>
+              <a:t> </a:t>
+            </a:r>
+            <a:r>
+              <a:rPr lang="en-US" dirty="0" err="1">
+                <a:solidFill>
+                  <a:srgbClr val="3C4043"/>
+                </a:solidFill>
+                <a:latin typeface="Arial" panose="020B0604020202020204" pitchFamily="34" charset="0"/>
+              </a:rPr>
+              <a:t>used_pin_number</a:t>
+            </a:r>
+            <a:r>
+              <a:rPr lang="en-US" dirty="0">
+                <a:solidFill>
+                  <a:srgbClr val="3C4043"/>
+                </a:solidFill>
+                <a:latin typeface="Arial" panose="020B0604020202020204" pitchFamily="34" charset="0"/>
+              </a:rPr>
+              <a:t> - Is the transaction happened by using PIN number?</a:t>
+            </a:r>
+          </a:p>
+          <a:p>
+            <a:pPr fontAlgn="base">
+              <a:buFont typeface="Arial" panose="020B0604020202020204" pitchFamily="34" charset="0"/>
+              <a:buChar char="•"/>
+            </a:pPr>
+            <a:endParaRPr lang="en-US" dirty="0">
+              <a:solidFill>
+                <a:srgbClr val="3C4043"/>
+              </a:solidFill>
+              <a:latin typeface="Arial" panose="020B0604020202020204" pitchFamily="34" charset="0"/>
+            </a:endParaRPr>
+          </a:p>
+          <a:p>
+            <a:pPr fontAlgn="base">
+              <a:buFont typeface="Arial" panose="020B0604020202020204" pitchFamily="34" charset="0"/>
+              <a:buChar char="•"/>
+            </a:pPr>
+            <a:r>
+              <a:rPr lang="en-US" dirty="0">
+                <a:solidFill>
+                  <a:srgbClr val="3C4043"/>
+                </a:solidFill>
+                <a:latin typeface="Arial" panose="020B0604020202020204" pitchFamily="34" charset="0"/>
+              </a:rPr>
+              <a:t> </a:t>
+            </a:r>
+            <a:r>
+              <a:rPr lang="en-US" dirty="0" err="1">
+                <a:solidFill>
+                  <a:srgbClr val="3C4043"/>
+                </a:solidFill>
+                <a:latin typeface="Arial" panose="020B0604020202020204" pitchFamily="34" charset="0"/>
+              </a:rPr>
+              <a:t>online_order</a:t>
+            </a:r>
+            <a:r>
+              <a:rPr lang="en-US" dirty="0">
+                <a:solidFill>
+                  <a:srgbClr val="3C4043"/>
+                </a:solidFill>
+                <a:latin typeface="Arial" panose="020B0604020202020204" pitchFamily="34" charset="0"/>
+              </a:rPr>
+              <a:t> - Is the transaction an online order?</a:t>
+            </a:r>
+          </a:p>
+          <a:p>
+            <a:pPr fontAlgn="base">
+              <a:buFont typeface="Arial" panose="020B0604020202020204" pitchFamily="34" charset="0"/>
+              <a:buChar char="•"/>
+            </a:pPr>
+            <a:endParaRPr lang="en-US" dirty="0">
+              <a:solidFill>
+                <a:srgbClr val="3C4043"/>
+              </a:solidFill>
+              <a:latin typeface="Arial" panose="020B0604020202020204" pitchFamily="34" charset="0"/>
+            </a:endParaRPr>
+          </a:p>
+          <a:p>
+            <a:pPr fontAlgn="base">
+              <a:buFont typeface="Arial" panose="020B0604020202020204" pitchFamily="34" charset="0"/>
+              <a:buChar char="•"/>
+            </a:pPr>
+            <a:r>
+              <a:rPr lang="en-US" dirty="0">
+                <a:solidFill>
+                  <a:srgbClr val="3C4043"/>
+                </a:solidFill>
+                <a:latin typeface="Arial" panose="020B0604020202020204" pitchFamily="34" charset="0"/>
+              </a:rPr>
+              <a:t> fraud - Is the transaction fraudulent.</a:t>
+            </a:r>
+          </a:p>
+        </p:txBody>
+      </p:sp>
+    </p:spTree>
+  </p:cSld>
+  <p:clrMapOvr>
+    <a:masterClrMapping/>
+  </p:clrMapOvr>
+</p:sld>
+</file>
+
+<file path=ppt/slides/slide7.xml><?xml version="1.0" encoding="utf-8"?>
+<p:sld xmlns:a="http://schemas.openxmlformats.org/drawingml/2006/main" xmlns:r="http://schemas.openxmlformats.org/officeDocument/2006/relationships" xmlns:p="http://schemas.openxmlformats.org/presentationml/2006/main">
+  <p:cSld>
+    <p:spTree>
+      <p:nvGrpSpPr>
+        <p:cNvPr id="1" name=""/>
+        <p:cNvGrpSpPr/>
+        <p:nvPr/>
+      </p:nvGrpSpPr>
+      <p:grpSpPr>
+        <a:xfrm>
+          <a:off x="0" y="0"/>
+          <a:ext cx="0" cy="0"/>
+          <a:chOff x="0" y="0"/>
+          <a:chExt cx="0" cy="0"/>
+        </a:xfrm>
+      </p:grpSpPr>
+      <p:sp>
+        <p:nvSpPr>
+          <p:cNvPr id="3" name="TextBox 2"/>
+          <p:cNvSpPr txBox="1"/>
+          <p:nvPr/>
+        </p:nvSpPr>
+        <p:spPr>
+          <a:xfrm>
+            <a:off x="603315" y="235670"/>
+            <a:ext cx="4364611" cy="461665"/>
+          </a:xfrm>
+          <a:prstGeom prst="rect">
+            <a:avLst/>
+          </a:prstGeom>
+          <a:noFill/>
+        </p:spPr>
+        <p:txBody>
+          <a:bodyPr wrap="square" rtlCol="0">
+            <a:spAutoFit/>
+          </a:bodyPr>
+          <a:lstStyle/>
+          <a:p>
+            <a:r>
+              <a:rPr lang="en-US" sz="2400" b="1" dirty="0">
+                <a:solidFill>
+                  <a:srgbClr val="002A85"/>
+                </a:solidFill>
+                <a:latin typeface="Noto Sans SC" pitchFamily="34" charset="0"/>
+                <a:ea typeface="Noto Sans SC" pitchFamily="34" charset="-122"/>
+              </a:rPr>
+              <a:t>EDA</a:t>
+            </a:r>
+            <a:endParaRPr lang="en-US" sz="2400" dirty="0"/>
+          </a:p>
+        </p:txBody>
+      </p:sp>
+      <p:sp>
+        <p:nvSpPr>
+          <p:cNvPr id="7" name="Rectangle 6"/>
+          <p:cNvSpPr/>
+          <p:nvPr/>
+        </p:nvSpPr>
+        <p:spPr>
+          <a:xfrm>
+            <a:off x="603315" y="1234738"/>
+            <a:ext cx="4932512" cy="4770537"/>
+          </a:xfrm>
+          <a:prstGeom prst="rect">
+            <a:avLst/>
+          </a:prstGeom>
+        </p:spPr>
+        <p:txBody>
+          <a:bodyPr wrap="square">
+            <a:spAutoFit/>
+          </a:bodyPr>
+          <a:lstStyle/>
+          <a:p>
+            <a:pPr rtl="0">
+              <a:spcBef>
+                <a:spcPts val="0"/>
+              </a:spcBef>
+              <a:spcAft>
+                <a:spcPts val="1200"/>
+              </a:spcAft>
+            </a:pPr>
+            <a:r>
+              <a:rPr lang="en-US" sz="1800" b="1" i="0" u="none" strike="noStrike" dirty="0">
+                <a:solidFill>
+                  <a:srgbClr val="595959"/>
+                </a:solidFill>
+                <a:effectLst/>
+                <a:latin typeface="Arial" panose="020B0604020202020204" pitchFamily="34" charset="0"/>
+              </a:rPr>
+              <a:t>&gt; dim(data)</a:t>
+            </a:r>
+            <a:endParaRPr lang="en-US" b="0" dirty="0">
+              <a:effectLst/>
+            </a:endParaRPr>
+          </a:p>
+          <a:p>
+            <a:pPr rtl="0">
+              <a:spcBef>
+                <a:spcPts val="0"/>
+              </a:spcBef>
+              <a:spcAft>
+                <a:spcPts val="1200"/>
+              </a:spcAft>
+            </a:pPr>
+            <a:r>
+              <a:rPr lang="en-US" sz="1800" b="1" i="0" u="none" strike="noStrike" dirty="0">
+                <a:solidFill>
+                  <a:srgbClr val="595959"/>
+                </a:solidFill>
+                <a:effectLst/>
+                <a:latin typeface="Arial" panose="020B0604020202020204" pitchFamily="34" charset="0"/>
+              </a:rPr>
+              <a:t>[1] 1000000       8</a:t>
+            </a:r>
+            <a:endParaRPr lang="en-US" b="0" dirty="0">
+              <a:effectLst/>
+            </a:endParaRPr>
+          </a:p>
+          <a:p>
+            <a:pPr rtl="0">
+              <a:spcBef>
+                <a:spcPts val="0"/>
+              </a:spcBef>
+              <a:spcAft>
+                <a:spcPts val="1200"/>
+              </a:spcAft>
+            </a:pPr>
+            <a:br>
+              <a:rPr lang="en-US" b="0" dirty="0">
+                <a:effectLst/>
+              </a:rPr>
+            </a:br>
+            <a:r>
+              <a:rPr lang="en-US" sz="1800" b="1" i="0" u="none" strike="noStrike" dirty="0">
+                <a:solidFill>
+                  <a:srgbClr val="595959"/>
+                </a:solidFill>
+                <a:effectLst/>
+                <a:latin typeface="Arial" panose="020B0604020202020204" pitchFamily="34" charset="0"/>
+              </a:rPr>
+              <a:t>&gt; sum(</a:t>
+            </a:r>
+            <a:r>
+              <a:rPr lang="en-US" sz="1800" b="1" i="0" u="none" strike="noStrike" dirty="0" err="1">
+                <a:solidFill>
+                  <a:srgbClr val="595959"/>
+                </a:solidFill>
+                <a:effectLst/>
+                <a:latin typeface="Arial" panose="020B0604020202020204" pitchFamily="34" charset="0"/>
+              </a:rPr>
+              <a:t>is.na</a:t>
+            </a:r>
+            <a:r>
+              <a:rPr lang="en-US" sz="1800" b="1" i="0" u="none" strike="noStrike" dirty="0">
+                <a:solidFill>
+                  <a:srgbClr val="595959"/>
+                </a:solidFill>
+                <a:effectLst/>
+                <a:latin typeface="Arial" panose="020B0604020202020204" pitchFamily="34" charset="0"/>
+              </a:rPr>
+              <a:t>(data)) </a:t>
+            </a:r>
+            <a:endParaRPr lang="en-US" b="0" dirty="0">
+              <a:effectLst/>
+            </a:endParaRPr>
+          </a:p>
+          <a:p>
+            <a:pPr rtl="0">
+              <a:spcBef>
+                <a:spcPts val="0"/>
+              </a:spcBef>
+              <a:spcAft>
+                <a:spcPts val="1200"/>
+              </a:spcAft>
+            </a:pPr>
+            <a:r>
+              <a:rPr lang="en-US" sz="1800" b="1" i="0" u="none" strike="noStrike" dirty="0">
+                <a:solidFill>
+                  <a:srgbClr val="595959"/>
+                </a:solidFill>
+                <a:effectLst/>
+                <a:latin typeface="Arial" panose="020B0604020202020204" pitchFamily="34" charset="0"/>
+              </a:rPr>
+              <a:t>[1] 0</a:t>
+            </a:r>
+            <a:endParaRPr lang="en-US" b="0" dirty="0">
+              <a:effectLst/>
+            </a:endParaRPr>
+          </a:p>
+          <a:p>
+            <a:pPr rtl="0">
+              <a:spcBef>
+                <a:spcPts val="0"/>
+              </a:spcBef>
+              <a:spcAft>
+                <a:spcPts val="1200"/>
+              </a:spcAft>
+            </a:pPr>
+            <a:endParaRPr lang="en-US" b="0" dirty="0">
+              <a:effectLst/>
+            </a:endParaRPr>
+          </a:p>
+          <a:p>
+            <a:pPr rtl="0">
+              <a:spcBef>
+                <a:spcPts val="0"/>
+              </a:spcBef>
+              <a:spcAft>
+                <a:spcPts val="1200"/>
+              </a:spcAft>
+            </a:pPr>
+            <a:endParaRPr lang="en-US" b="0" dirty="0">
+              <a:effectLst/>
+            </a:endParaRPr>
+          </a:p>
+          <a:p>
+            <a:pPr rtl="0">
+              <a:spcBef>
+                <a:spcPts val="0"/>
+              </a:spcBef>
+              <a:spcAft>
+                <a:spcPts val="1200"/>
+              </a:spcAft>
+            </a:pPr>
+            <a:br>
+              <a:rPr lang="en-US" b="0" dirty="0">
+                <a:effectLst/>
+              </a:rPr>
+            </a:br>
+            <a:r>
+              <a:rPr lang="en-US" sz="1800" b="1" i="0" u="none" strike="noStrike" dirty="0">
+                <a:solidFill>
+                  <a:srgbClr val="595959"/>
+                </a:solidFill>
+                <a:effectLst/>
+                <a:latin typeface="Arial" panose="020B0604020202020204" pitchFamily="34" charset="0"/>
+              </a:rPr>
+              <a:t># distribution and outliers in each feature</a:t>
+            </a:r>
+            <a:endParaRPr lang="en-US" b="0" dirty="0">
+              <a:effectLst/>
+            </a:endParaRPr>
+          </a:p>
+          <a:p>
+            <a:br>
+              <a:rPr lang="en-US" b="0" dirty="0">
+                <a:effectLst/>
+              </a:rPr>
+            </a:br>
+            <a:br>
+              <a:rPr lang="en-US" b="0" dirty="0">
+                <a:effectLst/>
+              </a:rPr>
+            </a:br>
+            <a:br>
+              <a:rPr lang="en-US" b="0" dirty="0">
+                <a:effectLst/>
+              </a:rPr>
+            </a:br>
+            <a:endParaRPr lang="en-US" dirty="0">
+              <a:solidFill>
+                <a:srgbClr val="3C4043"/>
+              </a:solidFill>
+              <a:latin typeface="Arial" panose="020B0604020202020204" pitchFamily="34" charset="0"/>
+            </a:endParaRPr>
+          </a:p>
+        </p:txBody>
+      </p:sp>
+      <p:pic>
+        <p:nvPicPr>
+          <p:cNvPr id="1026" name="Picture 2">
+            <a:extLst>
+              <a:ext uri="{FF2B5EF4-FFF2-40B4-BE49-F238E27FC236}">
+                <a16:creationId xmlns:a16="http://schemas.microsoft.com/office/drawing/2014/main" id="{79F6E56A-6F17-DAD7-B7A8-F469498FA9E3}"/>
+              </a:ext>
+            </a:extLst>
+          </p:cNvPr>
+          <p:cNvPicPr>
+            <a:picLocks noChangeAspect="1" noChangeArrowheads="1"/>
+          </p:cNvPicPr>
+          <p:nvPr/>
+        </p:nvPicPr>
+        <p:blipFill>
+          <a:blip r:embed="rId2">
+            <a:extLst>
+              <a:ext uri="{28A0092B-C50C-407E-A947-70E740481C1C}">
+                <a14:useLocalDpi xmlns:a14="http://schemas.microsoft.com/office/drawing/2010/main" val="0"/>
+              </a:ext>
+            </a:extLst>
+          </a:blip>
+          <a:srcRect/>
+          <a:stretch>
+            <a:fillRect/>
+          </a:stretch>
+        </p:blipFill>
+        <p:spPr bwMode="auto">
+          <a:xfrm>
+            <a:off x="4503608" y="974268"/>
+            <a:ext cx="4417970" cy="3411397"/>
+          </a:xfrm>
+          <a:prstGeom prst="rect">
+            <a:avLst/>
+          </a:prstGeom>
+          <a:noFill/>
+          <a:extLst>
+            <a:ext uri="{909E8E84-426E-40DD-AFC4-6F175D3DCCD1}">
+              <a14:hiddenFill xmlns:a14="http://schemas.microsoft.com/office/drawing/2010/main">
+                <a:solidFill>
+                  <a:srgbClr val="FFFFFF"/>
+                </a:solidFill>
+              </a14:hiddenFill>
+            </a:ext>
+          </a:extLst>
+        </p:spPr>
+      </p:pic>
+    </p:spTree>
+    <p:extLst>
+      <p:ext uri="{BB962C8B-B14F-4D97-AF65-F5344CB8AC3E}">
+        <p14:creationId xmlns:p14="http://schemas.microsoft.com/office/powerpoint/2010/main" val="402541817"/>
+      </p:ext>
+    </p:extLst>
+  </p:cSld>
+  <p:clrMapOvr>
+    <a:masterClrMapping/>
+  </p:clrMapOvr>
+</p:sld>
+</file>
+
+<file path=ppt/slides/slide8.xml><?xml version="1.0" encoding="utf-8"?>
+<p:sld xmlns:a="http://schemas.openxmlformats.org/drawingml/2006/main" xmlns:r="http://schemas.openxmlformats.org/officeDocument/2006/relationships" xmlns:p="http://schemas.openxmlformats.org/presentationml/2006/main">
+  <p:cSld>
+    <p:spTree>
+      <p:nvGrpSpPr>
+        <p:cNvPr id="1" name=""/>
+        <p:cNvGrpSpPr/>
+        <p:nvPr/>
+      </p:nvGrpSpPr>
+      <p:grpSpPr>
+        <a:xfrm>
+          <a:off x="0" y="0"/>
+          <a:ext cx="0" cy="0"/>
+          <a:chOff x="0" y="0"/>
+          <a:chExt cx="0" cy="0"/>
+        </a:xfrm>
+      </p:grpSpPr>
+      <p:sp>
+        <p:nvSpPr>
+          <p:cNvPr id="3" name="TextBox 2"/>
+          <p:cNvSpPr txBox="1"/>
+          <p:nvPr/>
+        </p:nvSpPr>
+        <p:spPr>
+          <a:xfrm>
+            <a:off x="603315" y="235670"/>
+            <a:ext cx="4364611" cy="461665"/>
+          </a:xfrm>
+          <a:prstGeom prst="rect">
+            <a:avLst/>
+          </a:prstGeom>
+          <a:noFill/>
+        </p:spPr>
+        <p:txBody>
+          <a:bodyPr wrap="square" rtlCol="0">
+            <a:spAutoFit/>
+          </a:bodyPr>
+          <a:lstStyle/>
+          <a:p>
+            <a:r>
+              <a:rPr lang="en-US" sz="2400" b="1" dirty="0">
+                <a:solidFill>
+                  <a:srgbClr val="002A85"/>
+                </a:solidFill>
+                <a:latin typeface="Noto Sans SC" pitchFamily="34" charset="0"/>
+                <a:ea typeface="Noto Sans SC" pitchFamily="34" charset="-122"/>
+              </a:rPr>
+              <a:t>EDA</a:t>
+            </a:r>
+            <a:r>
+              <a:rPr lang="zh-CN" altLang="en-US" sz="2400" b="1" dirty="0">
+                <a:solidFill>
+                  <a:srgbClr val="002A85"/>
+                </a:solidFill>
+                <a:latin typeface="Noto Sans SC" pitchFamily="34" charset="0"/>
+                <a:ea typeface="Noto Sans SC" pitchFamily="34" charset="-122"/>
+              </a:rPr>
+              <a:t>：</a:t>
+            </a:r>
+            <a:r>
+              <a:rPr lang="en-US" altLang="zh-CN" sz="2400" b="1" dirty="0">
+                <a:solidFill>
+                  <a:srgbClr val="002A85"/>
+                </a:solidFill>
+                <a:latin typeface="Noto Sans SC" pitchFamily="34" charset="0"/>
+                <a:ea typeface="Noto Sans SC" pitchFamily="34" charset="-122"/>
+              </a:rPr>
+              <a:t>Correlation</a:t>
+            </a:r>
+            <a:endParaRPr lang="en-US" sz="2400" dirty="0"/>
+          </a:p>
+        </p:txBody>
+      </p:sp>
+      <p:sp>
+        <p:nvSpPr>
+          <p:cNvPr id="7" name="Rectangle 6"/>
+          <p:cNvSpPr/>
+          <p:nvPr/>
+        </p:nvSpPr>
+        <p:spPr>
+          <a:xfrm>
+            <a:off x="4967926" y="1068513"/>
+            <a:ext cx="3863036" cy="4324261"/>
+          </a:xfrm>
+          <a:prstGeom prst="rect">
+            <a:avLst/>
+          </a:prstGeom>
+        </p:spPr>
+        <p:txBody>
+          <a:bodyPr wrap="square">
+            <a:spAutoFit/>
+          </a:bodyPr>
+          <a:lstStyle/>
+          <a:p>
+            <a:pPr rtl="0">
+              <a:spcBef>
+                <a:spcPts val="0"/>
+              </a:spcBef>
+              <a:spcAft>
+                <a:spcPts val="1200"/>
+              </a:spcAft>
+            </a:pPr>
+            <a:r>
+              <a:rPr lang="en-US" sz="1500" i="0" u="none" strike="noStrike" dirty="0">
+                <a:solidFill>
+                  <a:srgbClr val="595959"/>
+                </a:solidFill>
+                <a:effectLst/>
+                <a:latin typeface="Arial" panose="020B0604020202020204" pitchFamily="34" charset="0"/>
+              </a:rPr>
+              <a:t>There is a </a:t>
+            </a:r>
+            <a:r>
+              <a:rPr lang="en-US" sz="1500" b="1" i="0" u="none" strike="noStrike" dirty="0">
+                <a:solidFill>
+                  <a:srgbClr val="595959"/>
+                </a:solidFill>
+                <a:effectLst/>
+                <a:latin typeface="Arial" panose="020B0604020202020204" pitchFamily="34" charset="0"/>
+              </a:rPr>
+              <a:t>positive</a:t>
+            </a:r>
+            <a:r>
+              <a:rPr lang="en-US" sz="1500" i="0" u="none" strike="noStrike" dirty="0">
+                <a:solidFill>
+                  <a:srgbClr val="595959"/>
+                </a:solidFill>
+                <a:effectLst/>
+                <a:latin typeface="Arial" panose="020B0604020202020204" pitchFamily="34" charset="0"/>
+              </a:rPr>
+              <a:t> correlation with respect to the response variable "fraud" in the variables:</a:t>
+            </a:r>
+            <a:endParaRPr lang="en-US" sz="1500" dirty="0">
+              <a:effectLst/>
+            </a:endParaRPr>
+          </a:p>
+          <a:p>
+            <a:pPr rtl="0" fontAlgn="base">
+              <a:spcBef>
+                <a:spcPts val="0"/>
+              </a:spcBef>
+              <a:spcAft>
+                <a:spcPts val="0"/>
+              </a:spcAft>
+              <a:buFont typeface="Arial" panose="020B0604020202020204" pitchFamily="34" charset="0"/>
+              <a:buChar char="•"/>
+            </a:pPr>
+            <a:r>
+              <a:rPr lang="zh-CN" altLang="en-US" sz="1500" i="0" u="none" strike="noStrike" dirty="0">
+                <a:solidFill>
+                  <a:srgbClr val="595959"/>
+                </a:solidFill>
+                <a:effectLst/>
+                <a:latin typeface="Arial" panose="020B0604020202020204" pitchFamily="34" charset="0"/>
+              </a:rPr>
+              <a:t>  </a:t>
+            </a:r>
+            <a:r>
+              <a:rPr lang="en-US" sz="1500" i="0" u="none" strike="noStrike" dirty="0" err="1">
+                <a:solidFill>
+                  <a:srgbClr val="595959"/>
+                </a:solidFill>
+                <a:effectLst/>
+                <a:latin typeface="Arial" panose="020B0604020202020204" pitchFamily="34" charset="0"/>
+              </a:rPr>
+              <a:t>ratio_to_median_purchase_price</a:t>
+            </a:r>
+            <a:endParaRPr lang="en-US" sz="1500" i="0" u="none" strike="noStrike" dirty="0">
+              <a:solidFill>
+                <a:srgbClr val="595959"/>
+              </a:solidFill>
+              <a:effectLst/>
+              <a:latin typeface="Arial" panose="020B0604020202020204" pitchFamily="34" charset="0"/>
+            </a:endParaRPr>
+          </a:p>
+          <a:p>
+            <a:pPr rtl="0" fontAlgn="base">
+              <a:spcBef>
+                <a:spcPts val="0"/>
+              </a:spcBef>
+              <a:spcAft>
+                <a:spcPts val="0"/>
+              </a:spcAft>
+              <a:buFont typeface="Arial" panose="020B0604020202020204" pitchFamily="34" charset="0"/>
+              <a:buChar char="•"/>
+            </a:pPr>
+            <a:r>
+              <a:rPr lang="zh-CN" altLang="en-US" sz="1500" i="0" u="none" strike="noStrike" dirty="0">
+                <a:solidFill>
+                  <a:srgbClr val="595959"/>
+                </a:solidFill>
+                <a:effectLst/>
+                <a:latin typeface="Arial" panose="020B0604020202020204" pitchFamily="34" charset="0"/>
+              </a:rPr>
+              <a:t>  </a:t>
+            </a:r>
+            <a:r>
+              <a:rPr lang="en-US" sz="1500" i="0" u="none" strike="noStrike" dirty="0" err="1">
+                <a:solidFill>
+                  <a:srgbClr val="595959"/>
+                </a:solidFill>
+                <a:effectLst/>
+                <a:latin typeface="Arial" panose="020B0604020202020204" pitchFamily="34" charset="0"/>
+              </a:rPr>
+              <a:t>distance_from_home</a:t>
+            </a:r>
+            <a:endParaRPr lang="en-US" sz="1500" i="0" u="none" strike="noStrike" dirty="0">
+              <a:solidFill>
+                <a:srgbClr val="595959"/>
+              </a:solidFill>
+              <a:effectLst/>
+              <a:latin typeface="Arial" panose="020B0604020202020204" pitchFamily="34" charset="0"/>
+            </a:endParaRPr>
+          </a:p>
+          <a:p>
+            <a:pPr rtl="0" fontAlgn="base">
+              <a:spcBef>
+                <a:spcPts val="0"/>
+              </a:spcBef>
+              <a:spcAft>
+                <a:spcPts val="1200"/>
+              </a:spcAft>
+              <a:buFont typeface="Arial" panose="020B0604020202020204" pitchFamily="34" charset="0"/>
+              <a:buChar char="•"/>
+            </a:pPr>
+            <a:r>
+              <a:rPr lang="zh-CN" altLang="en-US" sz="1500" i="0" u="none" strike="noStrike" dirty="0">
+                <a:solidFill>
+                  <a:srgbClr val="595959"/>
+                </a:solidFill>
+                <a:effectLst/>
+                <a:latin typeface="Arial" panose="020B0604020202020204" pitchFamily="34" charset="0"/>
+              </a:rPr>
+              <a:t>  </a:t>
+            </a:r>
+            <a:r>
+              <a:rPr lang="en-US" sz="1500" i="0" u="none" strike="noStrike" dirty="0" err="1">
+                <a:solidFill>
+                  <a:srgbClr val="595959"/>
+                </a:solidFill>
+                <a:effectLst/>
+                <a:latin typeface="Arial" panose="020B0604020202020204" pitchFamily="34" charset="0"/>
+              </a:rPr>
+              <a:t>online_order</a:t>
+            </a:r>
+            <a:endParaRPr lang="en-US" sz="1500" i="0" u="none" strike="noStrike" dirty="0">
+              <a:solidFill>
+                <a:srgbClr val="595959"/>
+              </a:solidFill>
+              <a:effectLst/>
+              <a:latin typeface="Arial" panose="020B0604020202020204" pitchFamily="34" charset="0"/>
+            </a:endParaRPr>
+          </a:p>
+          <a:p>
+            <a:pPr rtl="0" fontAlgn="base">
+              <a:spcBef>
+                <a:spcPts val="0"/>
+              </a:spcBef>
+              <a:spcAft>
+                <a:spcPts val="1200"/>
+              </a:spcAft>
+            </a:pPr>
+            <a:endParaRPr lang="en-US" sz="1500" i="0" u="none" strike="noStrike" dirty="0">
+              <a:solidFill>
+                <a:srgbClr val="595959"/>
+              </a:solidFill>
+              <a:effectLst/>
+              <a:latin typeface="Arial" panose="020B0604020202020204" pitchFamily="34" charset="0"/>
+            </a:endParaRPr>
+          </a:p>
+          <a:p>
+            <a:pPr rtl="0">
+              <a:spcBef>
+                <a:spcPts val="0"/>
+              </a:spcBef>
+              <a:spcAft>
+                <a:spcPts val="1200"/>
+              </a:spcAft>
+            </a:pPr>
+            <a:r>
+              <a:rPr lang="en-US" sz="1500" i="0" u="none" strike="noStrike" dirty="0">
+                <a:solidFill>
+                  <a:srgbClr val="595959"/>
+                </a:solidFill>
+                <a:effectLst/>
+                <a:latin typeface="Arial" panose="020B0604020202020204" pitchFamily="34" charset="0"/>
+              </a:rPr>
+              <a:t>And a </a:t>
+            </a:r>
+            <a:r>
+              <a:rPr lang="en-US" sz="1500" b="1" i="0" u="none" strike="noStrike" dirty="0">
+                <a:solidFill>
+                  <a:srgbClr val="595959"/>
+                </a:solidFill>
+                <a:effectLst/>
+                <a:latin typeface="Arial" panose="020B0604020202020204" pitchFamily="34" charset="0"/>
+              </a:rPr>
+              <a:t>negative</a:t>
+            </a:r>
+            <a:r>
+              <a:rPr lang="en-US" sz="1500" i="0" u="none" strike="noStrike" dirty="0">
+                <a:solidFill>
+                  <a:srgbClr val="595959"/>
+                </a:solidFill>
+                <a:effectLst/>
+                <a:latin typeface="Arial" panose="020B0604020202020204" pitchFamily="34" charset="0"/>
+              </a:rPr>
+              <a:t> relationship with:</a:t>
+            </a:r>
+            <a:endParaRPr lang="en-US" sz="1500" dirty="0">
+              <a:effectLst/>
+            </a:endParaRPr>
+          </a:p>
+          <a:p>
+            <a:pPr rtl="0" fontAlgn="base">
+              <a:spcBef>
+                <a:spcPts val="0"/>
+              </a:spcBef>
+              <a:spcAft>
+                <a:spcPts val="1200"/>
+              </a:spcAft>
+              <a:buFont typeface="Arial" panose="020B0604020202020204" pitchFamily="34" charset="0"/>
+              <a:buChar char="•"/>
+            </a:pPr>
+            <a:r>
+              <a:rPr lang="zh-CN" altLang="en-US" sz="1500" i="0" u="none" strike="noStrike" dirty="0">
+                <a:solidFill>
+                  <a:srgbClr val="595959"/>
+                </a:solidFill>
+                <a:effectLst/>
+                <a:latin typeface="Arial" panose="020B0604020202020204" pitchFamily="34" charset="0"/>
+              </a:rPr>
+              <a:t>  </a:t>
+            </a:r>
+            <a:r>
+              <a:rPr lang="en-US" sz="1500" i="0" u="none" strike="noStrike" dirty="0" err="1">
+                <a:solidFill>
+                  <a:srgbClr val="595959"/>
+                </a:solidFill>
+                <a:effectLst/>
+                <a:latin typeface="Arial" panose="020B0604020202020204" pitchFamily="34" charset="0"/>
+              </a:rPr>
+              <a:t>used_pin_number</a:t>
+            </a:r>
+            <a:endParaRPr lang="en-US" sz="1500" i="0" u="none" strike="noStrike" dirty="0">
+              <a:solidFill>
+                <a:srgbClr val="595959"/>
+              </a:solidFill>
+              <a:effectLst/>
+              <a:latin typeface="Arial" panose="020B0604020202020204" pitchFamily="34" charset="0"/>
+            </a:endParaRPr>
+          </a:p>
+          <a:p>
+            <a:br>
+              <a:rPr lang="en-US" sz="1500" b="0" dirty="0">
+                <a:effectLst/>
+              </a:rPr>
+            </a:br>
+            <a:br>
+              <a:rPr lang="en-US" sz="1500" b="0" dirty="0">
+                <a:effectLst/>
+              </a:rPr>
+            </a:br>
+            <a:br>
+              <a:rPr lang="en-US" sz="1500" b="0" dirty="0">
+                <a:effectLst/>
+              </a:rPr>
+            </a:br>
+            <a:br>
+              <a:rPr lang="en-US" sz="1500" b="0" dirty="0">
+                <a:effectLst/>
+              </a:rPr>
+            </a:br>
+            <a:br>
+              <a:rPr lang="en-US" sz="1500" b="0" dirty="0">
+                <a:effectLst/>
+              </a:rPr>
+            </a:br>
+            <a:endParaRPr lang="en-US" sz="1500" dirty="0">
+              <a:solidFill>
+                <a:srgbClr val="3C4043"/>
+              </a:solidFill>
+              <a:latin typeface="Arial" panose="020B0604020202020204" pitchFamily="34" charset="0"/>
+            </a:endParaRPr>
+          </a:p>
+        </p:txBody>
+      </p:sp>
+      <p:pic>
+        <p:nvPicPr>
+          <p:cNvPr id="2050" name="Picture 2">
+            <a:extLst>
+              <a:ext uri="{FF2B5EF4-FFF2-40B4-BE49-F238E27FC236}">
+                <a16:creationId xmlns:a16="http://schemas.microsoft.com/office/drawing/2014/main" id="{8BA15633-F560-671F-8BE3-A711F12A5091}"/>
+              </a:ext>
+            </a:extLst>
+          </p:cNvPr>
+          <p:cNvPicPr>
+            <a:picLocks noChangeAspect="1" noChangeArrowheads="1"/>
+          </p:cNvPicPr>
+          <p:nvPr/>
+        </p:nvPicPr>
+        <p:blipFill>
+          <a:blip r:embed="rId2">
+            <a:extLst>
+              <a:ext uri="{28A0092B-C50C-407E-A947-70E740481C1C}">
+                <a14:useLocalDpi xmlns:a14="http://schemas.microsoft.com/office/drawing/2010/main" val="0"/>
+              </a:ext>
+            </a:extLst>
+          </a:blip>
+          <a:srcRect/>
+          <a:stretch>
+            <a:fillRect/>
+          </a:stretch>
+        </p:blipFill>
+        <p:spPr bwMode="auto">
+          <a:xfrm>
+            <a:off x="445588" y="1382160"/>
+            <a:ext cx="4221127" cy="3093520"/>
+          </a:xfrm>
+          <a:prstGeom prst="rect">
+            <a:avLst/>
+          </a:prstGeom>
+          <a:noFill/>
+          <a:extLst>
+            <a:ext uri="{909E8E84-426E-40DD-AFC4-6F175D3DCCD1}">
+              <a14:hiddenFill xmlns:a14="http://schemas.microsoft.com/office/drawing/2010/main">
+                <a:solidFill>
+                  <a:srgbClr val="FFFFFF"/>
+                </a:solidFill>
+              </a14:hiddenFill>
+            </a:ext>
+          </a:extLst>
+        </p:spPr>
+      </p:pic>
+    </p:spTree>
+    <p:extLst>
+      <p:ext uri="{BB962C8B-B14F-4D97-AF65-F5344CB8AC3E}">
+        <p14:creationId xmlns:p14="http://schemas.microsoft.com/office/powerpoint/2010/main" val="3766032279"/>
+      </p:ext>
+    </p:extLst>
+  </p:cSld>
+  <p:clrMapOvr>
+    <a:masterClrMapping/>
+  </p:clrMapOvr>
+</p:sld>
+</file>
+
 <file path=ppt/slides/slide9.xml><?xml version="1.0" encoding="utf-8"?>
 <p:sld xmlns:a="http://schemas.openxmlformats.org/drawingml/2006/main" xmlns:r="http://schemas.openxmlformats.org/officeDocument/2006/relationships" xmlns:p="http://schemas.openxmlformats.org/presentationml/2006/main">
   <p:cSld>
@@ -4759,40 +5711,14 @@
       </p:grpSpPr>
       <p:sp>
         <p:nvSpPr>
-          <p:cNvPr id="2" name="Shape 0"/>
-          <p:cNvSpPr/>
+          <p:cNvPr id="3" name="TextBox 2"/>
+          <p:cNvSpPr txBox="1"/>
           <p:nvPr/>
         </p:nvSpPr>
         <p:spPr>
           <a:xfrm>
-            <a:off x="0" y="457200"/>
-            <a:ext cx="4019550" cy="233363"/>
-          </a:xfrm>
-          <a:prstGeom prst="rect">
-            <a:avLst/>
-          </a:prstGeom>
-          <a:solidFill>
-            <a:srgbClr val="A5DDFF"/>
-          </a:solidFill>
-        </p:spPr>
-        <p:txBody>
-          <a:bodyPr/>
-          <a:lstStyle/>
-          <a:p>
-            <a:endParaRPr lang="en-US"/>
-          </a:p>
-        </p:txBody>
-      </p:sp>
-      <p:sp>
-        <p:nvSpPr>
-          <p:cNvPr id="3" name="Text 1"/>
-          <p:cNvSpPr/>
-          <p:nvPr/>
-        </p:nvSpPr>
-        <p:spPr>
-          <a:xfrm>
-            <a:off x="762000" y="117641"/>
-            <a:ext cx="8130540" cy="552450"/>
+            <a:off x="603315" y="235670"/>
+            <a:ext cx="4364611" cy="461665"/>
           </a:xfrm>
           <a:prstGeom prst="rect">
             <a:avLst/>
@@ -4800,211 +5726,240 @@
           <a:noFill/>
         </p:spPr>
         <p:txBody>
-          <a:bodyPr wrap="square" rtlCol="0" anchor="ctr"/>
+          <a:bodyPr wrap="square" rtlCol="0">
+            <a:spAutoFit/>
+          </a:bodyPr>
           <a:lstStyle/>
           <a:p>
-            <a:pPr marL="0" indent="0">
-              <a:buNone/>
-            </a:pPr>
-            <a:r>
-              <a:rPr lang="en-US" sz="2630" b="1" dirty="0" err="1">
+            <a:r>
+              <a:rPr lang="en-US" sz="2400" b="1" dirty="0">
                 <a:solidFill>
                   <a:srgbClr val="002A85"/>
                 </a:solidFill>
                 <a:latin typeface="Noto Sans SC" pitchFamily="34" charset="0"/>
                 <a:ea typeface="Noto Sans SC" pitchFamily="34" charset="-122"/>
               </a:rPr>
-              <a:t>XGBoost</a:t>
-            </a:r>
-            <a:r>
-              <a:rPr lang="en-US" sz="2630" b="1" dirty="0">
+              <a:t>EDA</a:t>
+            </a:r>
+            <a:r>
+              <a:rPr lang="zh-CN" altLang="en-US" sz="2400" b="1" dirty="0">
                 <a:solidFill>
                   <a:srgbClr val="002A85"/>
                 </a:solidFill>
                 <a:latin typeface="Noto Sans SC" pitchFamily="34" charset="0"/>
                 <a:ea typeface="Noto Sans SC" pitchFamily="34" charset="-122"/>
               </a:rPr>
-              <a:t> in R: Preparation</a:t>
-            </a:r>
-            <a:endParaRPr lang="en-US" sz="2630" dirty="0"/>
+              <a:t>：</a:t>
+            </a:r>
+            <a:r>
+              <a:rPr lang="en-US" altLang="zh-CN" sz="2400" b="1" dirty="0">
+                <a:solidFill>
+                  <a:srgbClr val="002A85"/>
+                </a:solidFill>
+                <a:latin typeface="Noto Sans SC" pitchFamily="34" charset="0"/>
+                <a:ea typeface="Noto Sans SC" pitchFamily="34" charset="-122"/>
+              </a:rPr>
+              <a:t>Imbalance</a:t>
+            </a:r>
+            <a:endParaRPr lang="en-US" sz="2400" dirty="0"/>
           </a:p>
         </p:txBody>
       </p:sp>
       <p:sp>
         <p:nvSpPr>
-          <p:cNvPr id="4" name="Text 2"/>
+          <p:cNvPr id="7" name="Rectangle 6"/>
           <p:cNvSpPr/>
           <p:nvPr/>
         </p:nvSpPr>
         <p:spPr>
           <a:xfrm>
-            <a:off x="399415" y="669925"/>
-            <a:ext cx="7715250" cy="3452813"/>
+            <a:off x="5354595" y="1151825"/>
+            <a:ext cx="3421590" cy="3170099"/>
+          </a:xfrm>
+          <a:prstGeom prst="rect">
+            <a:avLst/>
+          </a:prstGeom>
+        </p:spPr>
+        <p:txBody>
+          <a:bodyPr wrap="square">
+            <a:spAutoFit/>
+          </a:bodyPr>
+          <a:lstStyle/>
+          <a:p>
+            <a:pPr rtl="0" fontAlgn="base">
+              <a:spcBef>
+                <a:spcPts val="0"/>
+              </a:spcBef>
+              <a:spcAft>
+                <a:spcPts val="1200"/>
+              </a:spcAft>
+              <a:buFont typeface="Arial" panose="020B0604020202020204" pitchFamily="34" charset="0"/>
+              <a:buChar char="•"/>
+            </a:pPr>
+            <a:r>
+              <a:rPr lang="zh-CN" altLang="en-US" sz="1800" b="0" i="0" u="none" strike="noStrike" dirty="0">
+                <a:solidFill>
+                  <a:srgbClr val="595959"/>
+                </a:solidFill>
+                <a:effectLst/>
+                <a:latin typeface="Arial" panose="020B0604020202020204" pitchFamily="34" charset="0"/>
+              </a:rPr>
+              <a:t> </a:t>
+            </a:r>
+            <a:r>
+              <a:rPr lang="en-US" sz="1800" b="0" i="0" u="none" strike="noStrike" dirty="0">
+                <a:solidFill>
+                  <a:srgbClr val="595959"/>
+                </a:solidFill>
+                <a:effectLst/>
+                <a:latin typeface="Arial" panose="020B0604020202020204" pitchFamily="34" charset="0"/>
+              </a:rPr>
+              <a:t>Around 91% of the transactions are not fraud and 9% are fraud.</a:t>
+            </a:r>
+          </a:p>
+          <a:p>
+            <a:pPr rtl="0" fontAlgn="base">
+              <a:spcBef>
+                <a:spcPts val="0"/>
+              </a:spcBef>
+              <a:spcAft>
+                <a:spcPts val="1200"/>
+              </a:spcAft>
+            </a:pPr>
+            <a:endParaRPr lang="en-US" sz="1800" b="0" i="0" u="none" strike="noStrike" dirty="0">
+              <a:solidFill>
+                <a:srgbClr val="595959"/>
+              </a:solidFill>
+              <a:effectLst/>
+              <a:latin typeface="Arial" panose="020B0604020202020204" pitchFamily="34" charset="0"/>
+            </a:endParaRPr>
+          </a:p>
+          <a:p>
+            <a:pPr rtl="0" fontAlgn="base">
+              <a:spcBef>
+                <a:spcPts val="0"/>
+              </a:spcBef>
+              <a:spcAft>
+                <a:spcPts val="1200"/>
+              </a:spcAft>
+              <a:buFont typeface="Arial" panose="020B0604020202020204" pitchFamily="34" charset="0"/>
+              <a:buChar char="•"/>
+            </a:pPr>
+            <a:r>
+              <a:rPr lang="zh-CN" altLang="en-US" sz="1800" i="0" u="none" strike="noStrike" dirty="0">
+                <a:solidFill>
+                  <a:srgbClr val="595959"/>
+                </a:solidFill>
+                <a:latin typeface="Arial" panose="020B0604020202020204" pitchFamily="34" charset="0"/>
+              </a:rPr>
+              <a:t> </a:t>
+            </a:r>
+            <a:r>
+              <a:rPr lang="en-US" sz="1800" b="0" i="0" u="none" strike="noStrike" dirty="0">
+                <a:solidFill>
+                  <a:srgbClr val="595959"/>
+                </a:solidFill>
+                <a:effectLst/>
+                <a:latin typeface="Arial" panose="020B0604020202020204" pitchFamily="34" charset="0"/>
+              </a:rPr>
+              <a:t>There imbalance suggests adapting performance metrics like </a:t>
+            </a:r>
+            <a:r>
+              <a:rPr lang="en-US" sz="1800" b="1" i="0" u="none" strike="noStrike" dirty="0">
+                <a:solidFill>
+                  <a:srgbClr val="595959"/>
+                </a:solidFill>
+                <a:effectLst/>
+                <a:latin typeface="Arial" panose="020B0604020202020204" pitchFamily="34" charset="0"/>
+              </a:rPr>
+              <a:t>"true positive rate", "precision" </a:t>
+            </a:r>
+            <a:r>
+              <a:rPr lang="en-US" sz="1800" b="0" i="0" u="none" strike="noStrike" dirty="0">
+                <a:solidFill>
+                  <a:srgbClr val="595959"/>
+                </a:solidFill>
+                <a:effectLst/>
+                <a:latin typeface="Arial" panose="020B0604020202020204" pitchFamily="34" charset="0"/>
+              </a:rPr>
+              <a:t>instead of "</a:t>
+            </a:r>
+            <a:r>
+              <a:rPr lang="en-US" sz="1800" b="0" i="0" u="none" strike="noStrike" dirty="0" err="1">
+                <a:solidFill>
+                  <a:srgbClr val="595959"/>
+                </a:solidFill>
+                <a:effectLst/>
+                <a:latin typeface="Arial" panose="020B0604020202020204" pitchFamily="34" charset="0"/>
+              </a:rPr>
+              <a:t>accurary</a:t>
+            </a:r>
+            <a:r>
+              <a:rPr lang="en-US" sz="1800" b="0" i="0" u="none" strike="noStrike" dirty="0">
+                <a:solidFill>
+                  <a:srgbClr val="595959"/>
+                </a:solidFill>
+                <a:effectLst/>
+                <a:latin typeface="Arial" panose="020B0604020202020204" pitchFamily="34" charset="0"/>
+              </a:rPr>
+              <a:t>" to assess the ML model. </a:t>
+            </a:r>
+          </a:p>
+        </p:txBody>
+      </p:sp>
+      <p:pic>
+        <p:nvPicPr>
+          <p:cNvPr id="3074" name="Picture 2">
+            <a:extLst>
+              <a:ext uri="{FF2B5EF4-FFF2-40B4-BE49-F238E27FC236}">
+                <a16:creationId xmlns:a16="http://schemas.microsoft.com/office/drawing/2014/main" id="{84A8714C-D83C-D7E5-141C-04FFEC1A09A2}"/>
+              </a:ext>
+            </a:extLst>
+          </p:cNvPr>
+          <p:cNvPicPr>
+            <a:picLocks noChangeAspect="1" noChangeArrowheads="1"/>
+          </p:cNvPicPr>
+          <p:nvPr/>
+        </p:nvPicPr>
+        <p:blipFill>
+          <a:blip r:embed="rId2">
+            <a:extLst>
+              <a:ext uri="{28A0092B-C50C-407E-A947-70E740481C1C}">
+                <a14:useLocalDpi xmlns:a14="http://schemas.microsoft.com/office/drawing/2010/main" val="0"/>
+              </a:ext>
+            </a:extLst>
+          </a:blip>
+          <a:srcRect/>
+          <a:stretch>
+            <a:fillRect/>
+          </a:stretch>
+        </p:blipFill>
+        <p:spPr bwMode="auto">
+          <a:xfrm>
+            <a:off x="508784" y="1151825"/>
+            <a:ext cx="4459142" cy="3416321"/>
           </a:xfrm>
           <a:prstGeom prst="rect">
             <a:avLst/>
           </a:prstGeom>
           <a:noFill/>
-        </p:spPr>
-        <p:txBody>
-          <a:bodyPr wrap="square" rtlCol="0" anchor="t"/>
-          <a:lstStyle/>
-          <a:p>
-            <a:pPr algn="l">
-              <a:lnSpc>
-                <a:spcPct val="150000"/>
-              </a:lnSpc>
-              <a:buSzPct val="100000"/>
-            </a:pPr>
-            <a:r>
-              <a:rPr lang="en-US" sz="1400" dirty="0">
-                <a:solidFill>
-                  <a:srgbClr val="383838"/>
-                </a:solidFill>
-                <a:latin typeface="Noto Sans SC" pitchFamily="34" charset="0"/>
-                <a:ea typeface="Noto Sans SC" pitchFamily="34" charset="-122"/>
-                <a:cs typeface="Noto Sans SC" pitchFamily="34" charset="-120"/>
-              </a:rPr>
-              <a:t>The first step involves installing and loading the 'xgboost' package in R. </a:t>
-            </a:r>
-            <a:endParaRPr lang="en-US" sz="1400" dirty="0">
-              <a:solidFill>
-                <a:srgbClr val="383838"/>
-              </a:solidFill>
-              <a:latin typeface="Noto Sans SC" pitchFamily="34" charset="0"/>
-              <a:ea typeface="Noto Sans SC" pitchFamily="34" charset="-122"/>
-              <a:cs typeface="Noto Sans SC" pitchFamily="34" charset="-120"/>
-            </a:endParaRPr>
-          </a:p>
-          <a:p>
-            <a:pPr algn="l">
-              <a:lnSpc>
-                <a:spcPct val="150000"/>
-              </a:lnSpc>
-              <a:buSzPct val="100000"/>
-            </a:pPr>
-            <a:endParaRPr lang="en-US" sz="1400" dirty="0">
-              <a:solidFill>
-                <a:srgbClr val="383838"/>
-              </a:solidFill>
-              <a:latin typeface="Noto Sans SC" pitchFamily="34" charset="0"/>
-              <a:ea typeface="Noto Sans SC" pitchFamily="34" charset="-122"/>
-              <a:cs typeface="Noto Sans SC" pitchFamily="34" charset="-120"/>
-            </a:endParaRPr>
-          </a:p>
-          <a:p>
-            <a:pPr algn="l">
-              <a:lnSpc>
-                <a:spcPct val="150000"/>
-              </a:lnSpc>
-              <a:buSzPct val="100000"/>
-            </a:pPr>
-            <a:r>
-              <a:rPr lang="en-US" sz="1400" dirty="0">
-                <a:solidFill>
-                  <a:srgbClr val="383838"/>
-                </a:solidFill>
-                <a:latin typeface="Noto Sans SC" pitchFamily="34" charset="0"/>
-                <a:ea typeface="Noto Sans SC" pitchFamily="34" charset="-122"/>
-                <a:cs typeface="Noto Sans SC" pitchFamily="34" charset="-120"/>
-              </a:rPr>
-              <a:t>Subsequently, we split the data into 3 parts: training (60%), validation (20%), and testing (20%). </a:t>
-            </a:r>
-            <a:endParaRPr lang="en-US" sz="1400" dirty="0">
-              <a:solidFill>
-                <a:srgbClr val="383838"/>
-              </a:solidFill>
-              <a:latin typeface="Noto Sans SC" pitchFamily="34" charset="0"/>
-              <a:ea typeface="Noto Sans SC" pitchFamily="34" charset="-122"/>
-              <a:cs typeface="Noto Sans SC" pitchFamily="34" charset="-120"/>
-            </a:endParaRPr>
-          </a:p>
-          <a:p>
-            <a:pPr algn="l">
-              <a:lnSpc>
-                <a:spcPct val="150000"/>
-              </a:lnSpc>
-              <a:buSzPct val="100000"/>
-            </a:pPr>
-            <a:endParaRPr lang="en-US" sz="1400" dirty="0">
-              <a:solidFill>
-                <a:srgbClr val="383838"/>
-              </a:solidFill>
-              <a:latin typeface="Noto Sans SC" pitchFamily="34" charset="0"/>
-              <a:ea typeface="Noto Sans SC" pitchFamily="34" charset="-122"/>
-              <a:cs typeface="Noto Sans SC" pitchFamily="34" charset="-120"/>
-            </a:endParaRPr>
-          </a:p>
-          <a:p>
-            <a:pPr algn="l">
-              <a:lnSpc>
-                <a:spcPct val="150000"/>
-              </a:lnSpc>
-              <a:buSzPct val="100000"/>
-            </a:pPr>
-            <a:r>
-              <a:rPr lang="en-US" sz="1400" dirty="0">
-                <a:solidFill>
-                  <a:srgbClr val="383838"/>
-                </a:solidFill>
-                <a:latin typeface="Noto Sans SC" pitchFamily="34" charset="0"/>
-                <a:ea typeface="Noto Sans SC" pitchFamily="34" charset="-122"/>
-                <a:cs typeface="Noto Sans SC" pitchFamily="34" charset="-120"/>
-              </a:rPr>
-              <a:t>These segments are then transformed into DMatrix objects, an efficient data structure for the xgboost algorithm, by using xgb.DMatrix() function.</a:t>
-            </a:r>
-            <a:endParaRPr lang="en-US" sz="1400" dirty="0">
-              <a:solidFill>
-                <a:srgbClr val="383838"/>
-              </a:solidFill>
-              <a:latin typeface="Noto Sans SC" pitchFamily="34" charset="0"/>
-              <a:ea typeface="Noto Sans SC" pitchFamily="34" charset="-122"/>
-              <a:cs typeface="Noto Sans SC" pitchFamily="34" charset="-120"/>
-            </a:endParaRPr>
-          </a:p>
-          <a:p>
-            <a:pPr algn="l">
-              <a:lnSpc>
-                <a:spcPct val="150000"/>
-              </a:lnSpc>
-              <a:buSzPct val="100000"/>
-            </a:pPr>
-            <a:endParaRPr lang="en-US" sz="1400" dirty="0">
-              <a:solidFill>
-                <a:srgbClr val="383838"/>
-              </a:solidFill>
-              <a:latin typeface="Noto Sans SC" pitchFamily="34" charset="0"/>
-              <a:ea typeface="Noto Sans SC" pitchFamily="34" charset="-122"/>
-              <a:cs typeface="Noto Sans SC" pitchFamily="34" charset="-120"/>
-            </a:endParaRPr>
-          </a:p>
-        </p:txBody>
-      </p:sp>
-      <p:pic>
-        <p:nvPicPr>
-          <p:cNvPr id="7" name="图片 6"/>
-          <p:cNvPicPr>
-            <a:picLocks noChangeAspect="1"/>
-          </p:cNvPicPr>
-          <p:nvPr/>
-        </p:nvPicPr>
-        <p:blipFill>
-          <a:blip r:embed="rId1"/>
-          <a:stretch>
-            <a:fillRect/>
-          </a:stretch>
-        </p:blipFill>
-        <p:spPr>
-          <a:xfrm>
-            <a:off x="513715" y="3261360"/>
-            <a:ext cx="5927725" cy="1736090"/>
-          </a:xfrm>
-          <a:prstGeom prst="rect">
-            <a:avLst/>
-          </a:prstGeom>
+          <a:extLst>
+            <a:ext uri="{909E8E84-426E-40DD-AFC4-6F175D3DCCD1}">
+              <a14:hiddenFill xmlns:a14="http://schemas.microsoft.com/office/drawing/2010/main">
+                <a:solidFill>
+                  <a:srgbClr val="FFFFFF"/>
+                </a:solidFill>
+              </a14:hiddenFill>
+            </a:ext>
+          </a:extLst>
         </p:spPr>
       </p:pic>
     </p:spTree>
+    <p:extLst>
+      <p:ext uri="{BB962C8B-B14F-4D97-AF65-F5344CB8AC3E}">
+        <p14:creationId xmlns:p14="http://schemas.microsoft.com/office/powerpoint/2010/main" val="3442478098"/>
+      </p:ext>
+    </p:extLst>
   </p:cSld>
   <p:clrMapOvr>
     <a:masterClrMapping/>
@@ -5263,6 +6218,8 @@
       </a:bgFillStyleLst>
     </a:fmtScheme>
   </a:themeElements>
+  <a:objectDefaults/>
+  <a:extraClrSchemeLst/>
   <a:extLst>
     <a:ext uri="{05A4C25C-085E-4340-85A3-A5531E510DB2}">
       <thm15:themeFamily xmlns:thm15="http://schemas.microsoft.com/office/thememl/2012/main" name="Office Theme" id="{62F939B6-93AF-4DB8-9C6B-D6C7DFDC589F}" vid="{4A3C46E8-61CC-4603-A589-7422A47A8E4A}"/>
@@ -5522,6 +6479,8 @@
       </a:bgFillStyleLst>
     </a:fmtScheme>
   </a:themeElements>
+  <a:objectDefaults/>
+  <a:extraClrSchemeLst/>
   <a:extLst>
     <a:ext uri="{05A4C25C-085E-4340-85A3-A5531E510DB2}">
       <thm15:themeFamily xmlns:thm15="http://schemas.microsoft.com/office/thememl/2012/main" name="Office Theme" id="{62F939B6-93AF-4DB8-9C6B-D6C7DFDC589F}" vid="{4A3C46E8-61CC-4603-A589-7422A47A8E4A}"/>

--- a/scripts/drafts/PRESENTATION.pptx
+++ b/scripts/drafts/PRESENTATION.pptx
@@ -5,24 +5,24 @@
     <p:sldMasterId id="2147483648" r:id="rId1"/>
   </p:sldMasterIdLst>
   <p:notesMasterIdLst>
-    <p:notesMasterId r:id="rId17"/>
+    <p:notesMasterId r:id="rId4"/>
   </p:notesMasterIdLst>
   <p:sldIdLst>
-    <p:sldId id="256" r:id="rId2"/>
-    <p:sldId id="257" r:id="rId3"/>
-    <p:sldId id="258" r:id="rId4"/>
-    <p:sldId id="259" r:id="rId5"/>
-    <p:sldId id="277" r:id="rId6"/>
-    <p:sldId id="278" r:id="rId7"/>
-    <p:sldId id="279" r:id="rId8"/>
-    <p:sldId id="280" r:id="rId9"/>
-    <p:sldId id="281" r:id="rId10"/>
-    <p:sldId id="260" r:id="rId11"/>
-    <p:sldId id="261" r:id="rId12"/>
-    <p:sldId id="262" r:id="rId13"/>
-    <p:sldId id="263" r:id="rId14"/>
-    <p:sldId id="264" r:id="rId15"/>
-    <p:sldId id="275" r:id="rId16"/>
+    <p:sldId id="256" r:id="rId3"/>
+    <p:sldId id="257" r:id="rId5"/>
+    <p:sldId id="258" r:id="rId6"/>
+    <p:sldId id="259" r:id="rId7"/>
+    <p:sldId id="277" r:id="rId8"/>
+    <p:sldId id="278" r:id="rId9"/>
+    <p:sldId id="279" r:id="rId10"/>
+    <p:sldId id="280" r:id="rId11"/>
+    <p:sldId id="281" r:id="rId12"/>
+    <p:sldId id="260" r:id="rId13"/>
+    <p:sldId id="261" r:id="rId14"/>
+    <p:sldId id="262" r:id="rId15"/>
+    <p:sldId id="263" r:id="rId16"/>
+    <p:sldId id="264" r:id="rId17"/>
+    <p:sldId id="275" r:id="rId18"/>
   </p:sldIdLst>
   <p:sldSz cx="9144000" cy="5143500" type="screen16x9"/>
   <p:notesSz cx="5143500" cy="9144000"/>
@@ -118,11 +118,6 @@
       </a:defRPr>
     </a:lvl9pPr>
   </p:defaultTextStyle>
-  <p:extLst>
-    <p:ext uri="{EFAFB233-063F-42B5-8137-9DF3F51BA10A}">
-      <p15:sldGuideLst xmlns:p15="http://schemas.microsoft.com/office/powerpoint/2012/main"/>
-    </p:ext>
-  </p:extLst>
 </p:presentation>
 </file>
 
@@ -311,7 +306,6 @@
           <a:p>
             <a:fld id="{F7021451-1387-4CA6-816F-3879F97B5CBC}" type="slidenum">
               <a:rPr lang="en-US"/>
-              <a:t>1</a:t>
             </a:fld>
             <a:endParaRPr lang="en-US"/>
           </a:p>
@@ -390,7 +384,6 @@
           <a:p>
             <a:fld id="{F7021451-1387-4CA6-816F-3879F97B5CBC}" type="slidenum">
               <a:rPr lang="en-US"/>
-              <a:t>14</a:t>
             </a:fld>
             <a:endParaRPr lang="en-US"/>
           </a:p>
@@ -469,7 +462,6 @@
           <a:p>
             <a:fld id="{F7021451-1387-4CA6-816F-3879F97B5CBC}" type="slidenum">
               <a:rPr lang="en-US"/>
-              <a:t>15</a:t>
             </a:fld>
             <a:endParaRPr lang="en-US"/>
           </a:p>
@@ -548,7 +540,6 @@
           <a:p>
             <a:fld id="{F7021451-1387-4CA6-816F-3879F97B5CBC}" type="slidenum">
               <a:rPr lang="en-US"/>
-              <a:t>2</a:t>
             </a:fld>
             <a:endParaRPr lang="en-US"/>
           </a:p>
@@ -627,7 +618,6 @@
           <a:p>
             <a:fld id="{F7021451-1387-4CA6-816F-3879F97B5CBC}" type="slidenum">
               <a:rPr lang="en-US"/>
-              <a:t>3</a:t>
             </a:fld>
             <a:endParaRPr lang="en-US"/>
           </a:p>
@@ -706,7 +696,6 @@
           <a:p>
             <a:fld id="{F7021451-1387-4CA6-816F-3879F97B5CBC}" type="slidenum">
               <a:rPr lang="en-US"/>
-              <a:t>4</a:t>
             </a:fld>
             <a:endParaRPr lang="en-US"/>
           </a:p>
@@ -785,7 +774,6 @@
           <a:p>
             <a:fld id="{F7021451-1387-4CA6-816F-3879F97B5CBC}" type="slidenum">
               <a:rPr lang="en-US"/>
-              <a:t>5</a:t>
             </a:fld>
             <a:endParaRPr lang="en-US"/>
           </a:p>
@@ -864,7 +852,6 @@
           <a:p>
             <a:fld id="{F7021451-1387-4CA6-816F-3879F97B5CBC}" type="slidenum">
               <a:rPr lang="en-US"/>
-              <a:t>10</a:t>
             </a:fld>
             <a:endParaRPr lang="en-US"/>
           </a:p>
@@ -943,7 +930,6 @@
           <a:p>
             <a:fld id="{F7021451-1387-4CA6-816F-3879F97B5CBC}" type="slidenum">
               <a:rPr lang="en-US"/>
-              <a:t>11</a:t>
             </a:fld>
             <a:endParaRPr lang="en-US"/>
           </a:p>
@@ -1022,7 +1008,6 @@
           <a:p>
             <a:fld id="{F7021451-1387-4CA6-816F-3879F97B5CBC}" type="slidenum">
               <a:rPr lang="en-US"/>
-              <a:t>12</a:t>
             </a:fld>
             <a:endParaRPr lang="en-US"/>
           </a:p>
@@ -1101,7 +1086,6 @@
           <a:p>
             <a:fld id="{F7021451-1387-4CA6-816F-3879F97B5CBC}" type="slidenum">
               <a:rPr lang="en-US"/>
-              <a:t>13</a:t>
             </a:fld>
             <a:endParaRPr lang="en-US"/>
           </a:p>
@@ -1789,6 +1773,7 @@
               <a:rPr lang="en-US" altLang="zh-CN" sz="2100" dirty="0"/>
               <a:t>Lin, Amber Wang, Mu Niu,</a:t>
             </a:r>
+            <a:endParaRPr lang="en-US" altLang="zh-CN" sz="2100" dirty="0"/>
           </a:p>
           <a:p>
             <a:pPr marL="0" indent="0" algn="l">
@@ -2025,6 +2010,7 @@
               <a:rPr lang="en-US" sz="1680" dirty="0"/>
               <a:t> tree is used to fit the negative derivative of the loss function with respect to the current model’s prediction.</a:t>
             </a:r>
+            <a:endParaRPr lang="en-US" sz="1680" dirty="0"/>
           </a:p>
           <a:p>
             <a:pPr marL="342900" indent="-342900" algn="l">
@@ -2038,6 +2024,7 @@
               <a:rPr lang="en-US" sz="1680" dirty="0"/>
               <a:t>The current model’s prediction for each observation is the weighted sum of the first k-1 trees.</a:t>
             </a:r>
+            <a:endParaRPr lang="en-US" sz="1680" dirty="0"/>
           </a:p>
           <a:p>
             <a:pPr marL="342900" indent="-342900" algn="l">
@@ -2051,6 +2038,7 @@
               <a:rPr lang="en-US" sz="1680" dirty="0"/>
               <a:t>If we use MSE as the loss function in a regression task, the derivative for each observation is simply the residual between true label value and predicted value.</a:t>
             </a:r>
+            <a:endParaRPr lang="en-US" sz="1680" dirty="0"/>
           </a:p>
           <a:p>
             <a:pPr marL="342900" indent="-342900" algn="l">
@@ -2153,8 +2141,8 @@
           </a:p>
         </p:txBody>
       </p:sp>
-      <mc:AlternateContent xmlns:mc="http://schemas.openxmlformats.org/markup-compatibility/2006" xmlns:a14="http://schemas.microsoft.com/office/drawing/2010/main">
-        <mc:Choice Requires="a14">
+      <mc:AlternateContent xmlns:mc="http://schemas.openxmlformats.org/markup-compatibility/2006">
+        <mc:Choice xmlns:a14="http://schemas.microsoft.com/office/drawing/2010/main" Requires="a14">
           <p:sp>
             <p:nvSpPr>
               <p:cNvPr id="4" name="Text 2"/>
@@ -2202,6 +2190,7 @@
                   <a:rPr lang="en-US" sz="1680" dirty="0"/>
                   <a:t>Advantages over GBDT:</a:t>
                 </a:r>
+                <a:endParaRPr lang="en-US" sz="1680" dirty="0"/>
               </a:p>
               <a:p>
                 <a:pPr marL="342900" indent="-342900" algn="l">
@@ -2248,7 +2237,13 @@
                           <a:rPr lang="en-US" sz="1680" b="0" i="1" smtClean="0">
                             <a:latin typeface="Cambria Math" panose="02040503050406030204" pitchFamily="18" charset="0"/>
                           </a:rPr>
-                          <m:t>=1</m:t>
+                          <m:t>=</m:t>
+                        </m:r>
+                        <m:r>
+                          <a:rPr lang="en-US" sz="1680" b="0" i="1" smtClean="0">
+                            <a:latin typeface="Cambria Math" panose="02040503050406030204" pitchFamily="18" charset="0"/>
+                          </a:rPr>
+                          <m:t>1</m:t>
                         </m:r>
                       </m:sub>
                       <m:sup>
@@ -2314,7 +2309,6 @@
                           <m:e>
                             <m:acc>
                               <m:accPr>
-                                <m:chr m:val="̂"/>
                                 <m:ctrlPr>
                                   <a:rPr lang="en-US" sz="1680" b="0" i="1" smtClean="0">
                                     <a:latin typeface="Cambria Math" panose="02040503050406030204" pitchFamily="18" charset="0"/>
@@ -2385,7 +2379,13 @@
                           <a:rPr lang="en-US" sz="1680" b="0" i="1" smtClean="0">
                             <a:latin typeface="Cambria Math" panose="02040503050406030204" pitchFamily="18" charset="0"/>
                           </a:rPr>
-                          <m:t>=1</m:t>
+                          <m:t>=</m:t>
+                        </m:r>
+                        <m:r>
+                          <a:rPr lang="en-US" sz="1680" b="0" i="1" smtClean="0">
+                            <a:latin typeface="Cambria Math" panose="02040503050406030204" pitchFamily="18" charset="0"/>
+                          </a:rPr>
+                          <m:t>1</m:t>
                         </m:r>
                       </m:sub>
                       <m:sup>
@@ -2464,6 +2464,7 @@
                   <a:rPr lang="en-US" sz="1680" dirty="0"/>
                   <a:t>Add a regularized term in the objective function to avoid overfitting</a:t>
                 </a:r>
+                <a:endParaRPr lang="en-US" sz="1680" dirty="0"/>
               </a:p>
               <a:p>
                 <a:pPr marL="342900" indent="-342900" algn="l">
@@ -2477,6 +2478,7 @@
                   <a:rPr lang="en-US" sz="1680" dirty="0"/>
                   <a:t>Use second-order Taylor expansion to approximate the objective function</a:t>
                 </a:r>
+                <a:endParaRPr lang="en-US" sz="1680" dirty="0"/>
               </a:p>
               <a:p>
                 <a:pPr marL="342900" indent="-342900" algn="l">
@@ -2515,7 +2517,13 @@
                           <a:rPr lang="en-US" sz="1680" b="0" i="1" smtClean="0">
                             <a:latin typeface="Cambria Math" panose="02040503050406030204" pitchFamily="18" charset="0"/>
                           </a:rPr>
-                          <m:t>=1</m:t>
+                          <m:t>=</m:t>
+                        </m:r>
+                        <m:r>
+                          <a:rPr lang="en-US" sz="1680" b="0" i="1" smtClean="0">
+                            <a:latin typeface="Cambria Math" panose="02040503050406030204" pitchFamily="18" charset="0"/>
+                          </a:rPr>
+                          <m:t>1</m:t>
                         </m:r>
                       </m:sub>
                       <m:sup>
@@ -2668,7 +2676,7 @@
                                   <a:rPr lang="en-US" sz="1680" b="0" i="1" smtClean="0">
                                     <a:latin typeface="Cambria Math" panose="02040503050406030204" pitchFamily="18" charset="0"/>
                                   </a:rPr>
-                                  <m:t>h</m:t>
+                                  <m:t>ℎ</m:t>
                                 </m:r>
                               </m:e>
                               <m:sub>
@@ -2825,6 +2833,7 @@
                   <a:rPr lang="en-US" sz="1680" dirty="0"/>
                   <a:t>Consistent form for every loss function</a:t>
                 </a:r>
+                <a:endParaRPr lang="en-US" sz="1680" dirty="0"/>
               </a:p>
               <a:p>
                 <a:pPr marL="342900" indent="-342900" algn="l">
@@ -2838,6 +2847,7 @@
                   <a:rPr lang="en-US" sz="1680" dirty="0"/>
                   <a:t>When building each single tree, use parallel computing to improve efficiency</a:t>
                 </a:r>
+                <a:endParaRPr lang="en-US" sz="1680" dirty="0"/>
               </a:p>
               <a:p>
                 <a:pPr marL="342900" indent="-342900" algn="l">
@@ -2867,11 +2877,12 @@
                   <a:rPr lang="en-US" sz="1680" dirty="0"/>
                   <a:t>random forest</a:t>
                 </a:r>
+                <a:endParaRPr lang="en-US" sz="1680" dirty="0"/>
               </a:p>
             </p:txBody>
           </p:sp>
         </mc:Choice>
-        <mc:Fallback xmlns="">
+        <mc:Fallback>
           <p:sp>
             <p:nvSpPr>
               <p:cNvPr id="4" name="Text 2"/>
@@ -2889,7 +2900,7 @@
                 <a:avLst/>
               </a:prstGeom>
               <a:blipFill rotWithShape="1">
-                <a:blip r:embed="rId3"/>
+                <a:blip r:embed="rId1"/>
                 <a:stretch>
                   <a:fillRect t="-5" b="-19848"/>
                 </a:stretch>
@@ -3045,14 +3056,6 @@
               </a:rPr>
               <a:t>The first step involves installing and loading the 'xgboost' package in R. </a:t>
             </a:r>
-          </a:p>
-          <a:p>
-            <a:pPr algn="l">
-              <a:lnSpc>
-                <a:spcPct val="150000"/>
-              </a:lnSpc>
-              <a:buSzPct val="100000"/>
-            </a:pPr>
             <a:endParaRPr lang="en-US" sz="1400" dirty="0">
               <a:solidFill>
                 <a:srgbClr val="383838"/>
@@ -3069,25 +3072,6 @@
               </a:lnSpc>
               <a:buSzPct val="100000"/>
             </a:pPr>
-            <a:r>
-              <a:rPr lang="en-US" sz="1400" dirty="0">
-                <a:solidFill>
-                  <a:srgbClr val="383838"/>
-                </a:solidFill>
-                <a:latin typeface="Noto Sans SC" pitchFamily="34" charset="0"/>
-                <a:ea typeface="Noto Sans SC" pitchFamily="34" charset="-122"/>
-                <a:cs typeface="Noto Sans SC" pitchFamily="34" charset="-120"/>
-              </a:rPr>
-              <a:t>Subsequently, we split the data into 3 parts: training (60%), validation (20%), and testing (20%). </a:t>
-            </a:r>
-          </a:p>
-          <a:p>
-            <a:pPr algn="l">
-              <a:lnSpc>
-                <a:spcPct val="150000"/>
-              </a:lnSpc>
-              <a:buSzPct val="100000"/>
-            </a:pPr>
             <a:endParaRPr lang="en-US" sz="1400" dirty="0">
               <a:solidFill>
                 <a:srgbClr val="383838"/>
@@ -3113,8 +3097,59 @@
                 <a:ea typeface="Noto Sans SC" pitchFamily="34" charset="-122"/>
                 <a:cs typeface="Noto Sans SC" pitchFamily="34" charset="-120"/>
               </a:rPr>
+              <a:t>Subsequently, we split the data into 3 parts: training (60%), validation (20%), and testing (20%). </a:t>
+            </a:r>
+            <a:endParaRPr lang="en-US" sz="1400" dirty="0">
+              <a:solidFill>
+                <a:srgbClr val="383838"/>
+              </a:solidFill>
+              <a:latin typeface="Noto Sans SC" pitchFamily="34" charset="0"/>
+              <a:ea typeface="Noto Sans SC" pitchFamily="34" charset="-122"/>
+              <a:cs typeface="Noto Sans SC" pitchFamily="34" charset="-120"/>
+            </a:endParaRPr>
+          </a:p>
+          <a:p>
+            <a:pPr algn="l">
+              <a:lnSpc>
+                <a:spcPct val="150000"/>
+              </a:lnSpc>
+              <a:buSzPct val="100000"/>
+            </a:pPr>
+            <a:endParaRPr lang="en-US" sz="1400" dirty="0">
+              <a:solidFill>
+                <a:srgbClr val="383838"/>
+              </a:solidFill>
+              <a:latin typeface="Noto Sans SC" pitchFamily="34" charset="0"/>
+              <a:ea typeface="Noto Sans SC" pitchFamily="34" charset="-122"/>
+              <a:cs typeface="Noto Sans SC" pitchFamily="34" charset="-120"/>
+            </a:endParaRPr>
+          </a:p>
+          <a:p>
+            <a:pPr algn="l">
+              <a:lnSpc>
+                <a:spcPct val="150000"/>
+              </a:lnSpc>
+              <a:buSzPct val="100000"/>
+            </a:pPr>
+            <a:r>
+              <a:rPr lang="en-US" sz="1400" dirty="0">
+                <a:solidFill>
+                  <a:srgbClr val="383838"/>
+                </a:solidFill>
+                <a:latin typeface="Noto Sans SC" pitchFamily="34" charset="0"/>
+                <a:ea typeface="Noto Sans SC" pitchFamily="34" charset="-122"/>
+                <a:cs typeface="Noto Sans SC" pitchFamily="34" charset="-120"/>
+              </a:rPr>
               <a:t>These segments are then transformed into DMatrix objects, an efficient data structure for the xgboost algorithm, by using xgb.DMatrix() function.</a:t>
             </a:r>
+            <a:endParaRPr lang="en-US" sz="1400" dirty="0">
+              <a:solidFill>
+                <a:srgbClr val="383838"/>
+              </a:solidFill>
+              <a:latin typeface="Noto Sans SC" pitchFamily="34" charset="0"/>
+              <a:ea typeface="Noto Sans SC" pitchFamily="34" charset="-122"/>
+              <a:cs typeface="Noto Sans SC" pitchFamily="34" charset="-120"/>
+            </a:endParaRPr>
           </a:p>
           <a:p>
             <a:pPr algn="l">
@@ -3143,7 +3178,7 @@
           <p:nvPr/>
         </p:nvPicPr>
         <p:blipFill>
-          <a:blip r:embed="rId3"/>
+          <a:blip r:embed="rId1"/>
           <a:stretch>
             <a:fillRect/>
           </a:stretch>
@@ -3296,7 +3331,7 @@
           <p:nvPr/>
         </p:nvPicPr>
         <p:blipFill>
-          <a:blip r:embed="rId3"/>
+          <a:blip r:embed="rId1"/>
           <a:stretch>
             <a:fillRect/>
           </a:stretch>
@@ -3320,7 +3355,7 @@
           <p:nvPr/>
         </p:nvPicPr>
         <p:blipFill>
-          <a:blip r:embed="rId4"/>
+          <a:blip r:embed="rId2"/>
           <a:stretch>
             <a:fillRect/>
           </a:stretch>
@@ -3365,6 +3400,7 @@
               <a:rPr lang="en-US" altLang="zh-CN" sz="1400"/>
               <a:t>objective: What’s your goal? In this case, we use ‘binary:logistic’ to predict the probability of having a fraud based on the predictor variables</a:t>
             </a:r>
+            <a:endParaRPr lang="en-US" altLang="zh-CN" sz="1400"/>
           </a:p>
           <a:p>
             <a:pPr marL="285750" indent="-285750">
@@ -3375,6 +3411,7 @@
               <a:rPr lang="en-US" altLang="zh-CN" sz="1400"/>
               <a:t>eta: How fast to learn? default value 0.3</a:t>
             </a:r>
+            <a:endParaRPr lang="en-US" altLang="zh-CN" sz="1400"/>
           </a:p>
           <a:p>
             <a:pPr marL="285750" indent="-285750">
@@ -3385,6 +3422,7 @@
               <a:rPr lang="en-US" altLang="zh-CN" sz="1400"/>
               <a:t>data: Training data in DMatrix structure</a:t>
             </a:r>
+            <a:endParaRPr lang="en-US" altLang="zh-CN" sz="1400"/>
           </a:p>
           <a:p>
             <a:pPr marL="285750" indent="-285750">
@@ -3395,6 +3433,7 @@
               <a:rPr lang="en-US" altLang="zh-CN" sz="1400"/>
               <a:t>max.depth: The size of each tree and a rule of thumb is to use 2 or 3 to prevent overfitting</a:t>
             </a:r>
+            <a:endParaRPr lang="en-US" altLang="zh-CN" sz="1400"/>
           </a:p>
           <a:p>
             <a:pPr marL="285750" indent="-285750">
@@ -3405,6 +3444,7 @@
               <a:rPr lang="en-US" altLang="zh-CN" sz="1400"/>
               <a:t>watchlist: Track model performance on training and validation data during the training process to prevent overfitting</a:t>
             </a:r>
+            <a:endParaRPr lang="en-US" altLang="zh-CN" sz="1400"/>
           </a:p>
           <a:p>
             <a:pPr marL="285750" indent="-285750">
@@ -3415,6 +3455,7 @@
               <a:rPr lang="en-US" altLang="zh-CN" sz="1400"/>
               <a:t>nrounds: number of boosting rounds</a:t>
             </a:r>
+            <a:endParaRPr lang="en-US" altLang="zh-CN" sz="1400"/>
           </a:p>
           <a:p>
             <a:pPr marL="285750" indent="-285750">
@@ -3425,6 +3466,7 @@
               <a:rPr lang="en-US" altLang="zh-CN" sz="1400"/>
               <a:t>early_stopping_rounds: Stop the training process if the model's accuracy on validation set hasn't improved for the specified number of rounds</a:t>
             </a:r>
+            <a:endParaRPr lang="en-US" altLang="zh-CN" sz="1400"/>
           </a:p>
         </p:txBody>
       </p:sp>
@@ -3454,6 +3496,7 @@
               <a:rPr lang="en-US" altLang="zh-CN" sz="1400"/>
               <a:t>How watchlist works</a:t>
             </a:r>
+            <a:endParaRPr lang="en-US" altLang="zh-CN" sz="1400"/>
           </a:p>
         </p:txBody>
       </p:sp>
@@ -3630,6 +3673,7 @@
               <a:rPr lang="en-US" altLang="zh-CN" sz="1400"/>
               <a:t>Our model stops boosting at #261 round, which means the model accuracy decreases in the next 50 rounds. So we know that overfitting occurs after that. Hence, we changed parameter nrounds to 261 and trained our final model. </a:t>
             </a:r>
+            <a:endParaRPr lang="en-US" altLang="zh-CN" sz="1400"/>
           </a:p>
         </p:txBody>
       </p:sp>
@@ -3642,7 +3686,7 @@
           <p:nvPr/>
         </p:nvPicPr>
         <p:blipFill>
-          <a:blip r:embed="rId3"/>
+          <a:blip r:embed="rId1"/>
           <a:stretch>
             <a:fillRect/>
           </a:stretch>
@@ -3666,7 +3710,7 @@
           <p:nvPr/>
         </p:nvPicPr>
         <p:blipFill>
-          <a:blip r:embed="rId4"/>
+          <a:blip r:embed="rId2"/>
           <a:stretch>
             <a:fillRect/>
           </a:stretch>
@@ -3690,7 +3734,7 @@
         <p:spPr>
           <a:xfrm>
             <a:off x="160655" y="1646555"/>
-            <a:ext cx="2742565" cy="3538220"/>
+            <a:ext cx="2742565" cy="2891790"/>
           </a:xfrm>
           <a:prstGeom prst="rect">
             <a:avLst/>
@@ -3707,15 +3751,17 @@
               <a:rPr lang="en-US" altLang="zh-CN" sz="1400"/>
               <a:t>The first plot shows the 5 most important features identified by our final XGBoost model</a:t>
             </a:r>
-          </a:p>
-          <a:p>
             <a:endParaRPr lang="en-US" altLang="zh-CN" sz="1400"/>
           </a:p>
           <a:p>
+            <a:endParaRPr lang="en-US" altLang="zh-CN" sz="1400"/>
+          </a:p>
+          <a:p>
             <a:r>
               <a:rPr lang="en-US" altLang="zh-CN" sz="1400"/>
-              <a:t>The ROC-AUC plot illustrates the model's performance on the test set. The exceptionally high AUC score of 0.99988, suggests an almost perfect classification.  It’s likely that the nature of the simulated dataset leads to such unusual result since the simulated dataset is designed for practice purposes and thus may be simpler to classify.</a:t>
-            </a:r>
+              <a:t>The plot on the right shows a very high AUC score of 0.99988, which means the model is almost a perfect classifier. Such an unusual result is probably because the simulated dataset is designed for practice purposes, so it is easier to classify.</a:t>
+            </a:r>
+            <a:endParaRPr lang="en-US" altLang="zh-CN" sz="1400"/>
           </a:p>
         </p:txBody>
       </p:sp>
@@ -3976,6 +4022,14 @@
               </a:rPr>
               <a:t> introduction</a:t>
             </a:r>
+            <a:endParaRPr lang="en-US" sz="1750" dirty="0">
+              <a:solidFill>
+                <a:srgbClr val="383838"/>
+              </a:solidFill>
+              <a:latin typeface="Noto Sans SC" pitchFamily="34" charset="0"/>
+              <a:ea typeface="Noto Sans SC" pitchFamily="34" charset="-122"/>
+              <a:cs typeface="Noto Sans SC" pitchFamily="34" charset="-120"/>
+            </a:endParaRPr>
           </a:p>
         </p:txBody>
       </p:sp>
@@ -4199,6 +4253,13 @@
               </a:rPr>
               <a:t>Simulated credit card transaction fraud data on Kaggle  </a:t>
             </a:r>
+            <a:endParaRPr lang="en-US" sz="1680" dirty="0">
+              <a:solidFill>
+                <a:srgbClr val="383838"/>
+              </a:solidFill>
+              <a:latin typeface="Noto Sans SC" pitchFamily="34" charset="0"/>
+              <a:ea typeface="Noto Sans SC" pitchFamily="34" charset="-122"/>
+            </a:endParaRPr>
           </a:p>
           <a:p>
             <a:pPr marL="285750" indent="-285750">
@@ -4211,7 +4272,7 @@
             </a:pPr>
             <a:r>
               <a:rPr lang="en-US" sz="1600" dirty="0">
-                <a:hlinkClick r:id="rId3"/>
+                <a:hlinkClick r:id="rId1"/>
               </a:rPr>
               <a:t>Credit Card Fraud (kaggle.com)</a:t>
             </a:r>
@@ -4273,6 +4334,13 @@
               </a:rPr>
               <a:t>1000000 transactions, only 87403 transactions are fraudulent. 8.74% fraud rate, very unbalanced data</a:t>
             </a:r>
+            <a:endParaRPr lang="en-US" sz="1680" dirty="0">
+              <a:solidFill>
+                <a:srgbClr val="383838"/>
+              </a:solidFill>
+              <a:latin typeface="Noto Sans SC" pitchFamily="34" charset="0"/>
+              <a:ea typeface="Noto Sans SC" pitchFamily="34" charset="-122"/>
+            </a:endParaRPr>
           </a:p>
           <a:p>
             <a:pPr marL="285750" indent="-285750">
@@ -4313,6 +4381,13 @@
               </a:rPr>
               <a:t> when dividing the dataset</a:t>
             </a:r>
+            <a:endParaRPr lang="en-US" sz="1680" dirty="0">
+              <a:solidFill>
+                <a:srgbClr val="383838"/>
+              </a:solidFill>
+              <a:latin typeface="Noto Sans SC" pitchFamily="34" charset="0"/>
+              <a:ea typeface="Noto Sans SC" pitchFamily="34" charset="-122"/>
+            </a:endParaRPr>
           </a:p>
           <a:p>
             <a:pPr marL="342900" indent="-342900" algn="l">
@@ -4482,6 +4557,7 @@
               <a:rPr lang="en-US" dirty="0"/>
               <a:t>: the distance from home where the transaction happened</a:t>
             </a:r>
+            <a:endParaRPr lang="en-US" dirty="0"/>
           </a:p>
           <a:p>
             <a:pPr fontAlgn="base"/>
@@ -4497,6 +4573,7 @@
               <a:rPr lang="en-US" dirty="0"/>
               <a:t>: the distance from last transaction happened</a:t>
             </a:r>
+            <a:endParaRPr lang="en-US" dirty="0"/>
           </a:p>
           <a:p>
             <a:pPr fontAlgn="base"/>
@@ -4520,6 +4597,7 @@
               <a:rPr lang="en-US" dirty="0"/>
               <a:t> to median purchase price</a:t>
             </a:r>
+            <a:endParaRPr lang="en-US" dirty="0"/>
           </a:p>
           <a:p>
             <a:pPr fontAlgn="base"/>
@@ -4535,6 +4613,7 @@
               <a:rPr lang="en-US" dirty="0"/>
               <a:t>: Is the transaction happened from same retailer</a:t>
             </a:r>
+            <a:endParaRPr lang="en-US" dirty="0"/>
           </a:p>
           <a:p>
             <a:pPr marL="342900" indent="-342900">
@@ -4616,7 +4695,7 @@
           <p:nvPr/>
         </p:nvPicPr>
         <p:blipFill>
-          <a:blip r:embed="rId3"/>
+          <a:blip r:embed="rId1"/>
           <a:stretch>
             <a:fillRect/>
           </a:stretch>
@@ -4721,7 +4800,7 @@
           <p:nvPr/>
         </p:nvPicPr>
         <p:blipFill>
-          <a:blip r:embed="rId2"/>
+          <a:blip r:embed="rId1"/>
           <a:stretch>
             <a:fillRect/>
           </a:stretch>
@@ -4788,12 +4867,6 @@
               </a:rPr>
               <a:t>: Is the transaction through credit card?</a:t>
             </a:r>
-          </a:p>
-          <a:p>
-            <a:pPr fontAlgn="base">
-              <a:buFont typeface="Arial" panose="020B0604020202020204" pitchFamily="34" charset="0"/>
-              <a:buChar char="•"/>
-            </a:pPr>
             <a:endParaRPr lang="en-US" dirty="0">
               <a:solidFill>
                 <a:srgbClr val="3C4043"/>
@@ -4806,39 +4879,6 @@
               <a:buFont typeface="Arial" panose="020B0604020202020204" pitchFamily="34" charset="0"/>
               <a:buChar char="•"/>
             </a:pPr>
-            <a:r>
-              <a:rPr lang="en-US" dirty="0">
-                <a:solidFill>
-                  <a:srgbClr val="3C4043"/>
-                </a:solidFill>
-                <a:latin typeface="Arial" panose="020B0604020202020204" pitchFamily="34" charset="0"/>
-              </a:rPr>
-              <a:t> </a:t>
-            </a:r>
-            <a:r>
-              <a:rPr lang="en-US" dirty="0" err="1">
-                <a:solidFill>
-                  <a:srgbClr val="3C4043"/>
-                </a:solidFill>
-                <a:latin typeface="Arial" panose="020B0604020202020204" pitchFamily="34" charset="0"/>
-              </a:rPr>
-              <a:t>used_pin_number</a:t>
-            </a:r>
-            <a:r>
-              <a:rPr lang="en-US" dirty="0">
-                <a:solidFill>
-                  <a:srgbClr val="3C4043"/>
-                </a:solidFill>
-                <a:latin typeface="Arial" panose="020B0604020202020204" pitchFamily="34" charset="0"/>
-              </a:rPr>
-              <a:t> - Is the transaction happened by using PIN number?</a:t>
-            </a:r>
-          </a:p>
-          <a:p>
-            <a:pPr fontAlgn="base">
-              <a:buFont typeface="Arial" panose="020B0604020202020204" pitchFamily="34" charset="0"/>
-              <a:buChar char="•"/>
-            </a:pPr>
             <a:endParaRPr lang="en-US" dirty="0">
               <a:solidFill>
                 <a:srgbClr val="3C4043"/>
@@ -4867,7 +4907,7 @@
                 </a:solidFill>
                 <a:latin typeface="Arial" panose="020B0604020202020204" pitchFamily="34" charset="0"/>
               </a:rPr>
-              <a:t>online_order</a:t>
+              <a:t>used_pin_number</a:t>
             </a:r>
             <a:r>
               <a:rPr lang="en-US" dirty="0">
@@ -4876,14 +4916,8 @@
                 </a:solidFill>
                 <a:latin typeface="Arial" panose="020B0604020202020204" pitchFamily="34" charset="0"/>
               </a:rPr>
-              <a:t> - Is the transaction an online order?</a:t>
-            </a:r>
-          </a:p>
-          <a:p>
-            <a:pPr fontAlgn="base">
-              <a:buFont typeface="Arial" panose="020B0604020202020204" pitchFamily="34" charset="0"/>
-              <a:buChar char="•"/>
-            </a:pPr>
+              <a:t> - Is the transaction happened by using PIN number?</a:t>
+            </a:r>
             <a:endParaRPr lang="en-US" dirty="0">
               <a:solidFill>
                 <a:srgbClr val="3C4043"/>
@@ -4896,6 +4930,18 @@
               <a:buFont typeface="Arial" panose="020B0604020202020204" pitchFamily="34" charset="0"/>
               <a:buChar char="•"/>
             </a:pPr>
+            <a:endParaRPr lang="en-US" dirty="0">
+              <a:solidFill>
+                <a:srgbClr val="3C4043"/>
+              </a:solidFill>
+              <a:latin typeface="Arial" panose="020B0604020202020204" pitchFamily="34" charset="0"/>
+            </a:endParaRPr>
+          </a:p>
+          <a:p>
+            <a:pPr fontAlgn="base">
+              <a:buFont typeface="Arial" panose="020B0604020202020204" pitchFamily="34" charset="0"/>
+              <a:buChar char="•"/>
+            </a:pPr>
             <a:r>
               <a:rPr lang="en-US" dirty="0">
                 <a:solidFill>
@@ -4903,8 +4949,65 @@
                 </a:solidFill>
                 <a:latin typeface="Arial" panose="020B0604020202020204" pitchFamily="34" charset="0"/>
               </a:rPr>
+              <a:t> </a:t>
+            </a:r>
+            <a:r>
+              <a:rPr lang="en-US" dirty="0" err="1">
+                <a:solidFill>
+                  <a:srgbClr val="3C4043"/>
+                </a:solidFill>
+                <a:latin typeface="Arial" panose="020B0604020202020204" pitchFamily="34" charset="0"/>
+              </a:rPr>
+              <a:t>online_order</a:t>
+            </a:r>
+            <a:r>
+              <a:rPr lang="en-US" dirty="0">
+                <a:solidFill>
+                  <a:srgbClr val="3C4043"/>
+                </a:solidFill>
+                <a:latin typeface="Arial" panose="020B0604020202020204" pitchFamily="34" charset="0"/>
+              </a:rPr>
+              <a:t> - Is the transaction an online order?</a:t>
+            </a:r>
+            <a:endParaRPr lang="en-US" dirty="0">
+              <a:solidFill>
+                <a:srgbClr val="3C4043"/>
+              </a:solidFill>
+              <a:latin typeface="Arial" panose="020B0604020202020204" pitchFamily="34" charset="0"/>
+            </a:endParaRPr>
+          </a:p>
+          <a:p>
+            <a:pPr fontAlgn="base">
+              <a:buFont typeface="Arial" panose="020B0604020202020204" pitchFamily="34" charset="0"/>
+              <a:buChar char="•"/>
+            </a:pPr>
+            <a:endParaRPr lang="en-US" dirty="0">
+              <a:solidFill>
+                <a:srgbClr val="3C4043"/>
+              </a:solidFill>
+              <a:latin typeface="Arial" panose="020B0604020202020204" pitchFamily="34" charset="0"/>
+            </a:endParaRPr>
+          </a:p>
+          <a:p>
+            <a:pPr fontAlgn="base">
+              <a:buFont typeface="Arial" panose="020B0604020202020204" pitchFamily="34" charset="0"/>
+              <a:buChar char="•"/>
+            </a:pPr>
+            <a:r>
+              <a:rPr lang="en-US" dirty="0">
+                <a:solidFill>
+                  <a:srgbClr val="3C4043"/>
+                </a:solidFill>
+                <a:latin typeface="Arial" panose="020B0604020202020204" pitchFamily="34" charset="0"/>
+              </a:rPr>
               <a:t> fraud - Is the transaction fraudulent.</a:t>
             </a:r>
+            <a:endParaRPr lang="en-US" dirty="0">
+              <a:solidFill>
+                <a:srgbClr val="3C4043"/>
+              </a:solidFill>
+              <a:latin typeface="Arial" panose="020B0604020202020204" pitchFamily="34" charset="0"/>
+            </a:endParaRPr>
           </a:p>
         </p:txBody>
       </p:sp>
@@ -5187,20 +5290,14 @@
       </p:sp>
       <p:pic>
         <p:nvPicPr>
-          <p:cNvPr id="1026" name="Picture 2">
-            <a:extLst>
-              <a:ext uri="{FF2B5EF4-FFF2-40B4-BE49-F238E27FC236}">
-                <a16:creationId xmlns:a16="http://schemas.microsoft.com/office/drawing/2014/main" id="{79F6E56A-6F17-DAD7-B7A8-F469498FA9E3}"/>
-              </a:ext>
-            </a:extLst>
-          </p:cNvPr>
+          <p:cNvPr id="1026" name="Picture 2"/>
           <p:cNvPicPr>
             <a:picLocks noChangeAspect="1" noChangeArrowheads="1"/>
           </p:cNvPicPr>
           <p:nvPr/>
         </p:nvPicPr>
         <p:blipFill>
-          <a:blip r:embed="rId2">
+          <a:blip r:embed="rId1">
             <a:extLst>
               <a:ext uri="{28A0092B-C50C-407E-A947-70E740481C1C}">
                 <a14:useLocalDpi xmlns:a14="http://schemas.microsoft.com/office/drawing/2010/main" val="0"/>
@@ -5233,11 +5330,6 @@
         </p:spPr>
       </p:pic>
     </p:spTree>
-    <p:extLst>
-      <p:ext uri="{BB962C8B-B14F-4D97-AF65-F5344CB8AC3E}">
-        <p14:creationId xmlns:p14="http://schemas.microsoft.com/office/powerpoint/2010/main" val="402541817"/>
-      </p:ext>
-    </p:extLst>
   </p:cSld>
   <p:clrMapOvr>
     <a:masterClrMapping/>
@@ -5634,20 +5726,14 @@
       </p:sp>
       <p:pic>
         <p:nvPicPr>
-          <p:cNvPr id="2050" name="Picture 2">
-            <a:extLst>
-              <a:ext uri="{FF2B5EF4-FFF2-40B4-BE49-F238E27FC236}">
-                <a16:creationId xmlns:a16="http://schemas.microsoft.com/office/drawing/2014/main" id="{8BA15633-F560-671F-8BE3-A711F12A5091}"/>
-              </a:ext>
-            </a:extLst>
-          </p:cNvPr>
+          <p:cNvPr id="2050" name="Picture 2"/>
           <p:cNvPicPr>
             <a:picLocks noChangeAspect="1" noChangeArrowheads="1"/>
           </p:cNvPicPr>
           <p:nvPr/>
         </p:nvPicPr>
         <p:blipFill>
-          <a:blip r:embed="rId2">
+          <a:blip r:embed="rId1">
             <a:extLst>
               <a:ext uri="{28A0092B-C50C-407E-A947-70E740481C1C}">
                 <a14:useLocalDpi xmlns:a14="http://schemas.microsoft.com/office/drawing/2010/main" val="0"/>
@@ -5680,11 +5766,6 @@
         </p:spPr>
       </p:pic>
     </p:spTree>
-    <p:extLst>
-      <p:ext uri="{BB962C8B-B14F-4D97-AF65-F5344CB8AC3E}">
-        <p14:creationId xmlns:p14="http://schemas.microsoft.com/office/powerpoint/2010/main" val="3766032279"/>
-      </p:ext>
-    </p:extLst>
   </p:cSld>
   <p:clrMapOvr>
     <a:masterClrMapping/>
@@ -5816,6 +5897,13 @@
               </a:rPr>
               <a:t>Around 91% of the transactions are not fraud and 9% are fraud.</a:t>
             </a:r>
+            <a:endParaRPr lang="en-US" sz="1800" b="0" i="0" u="none" strike="noStrike" dirty="0">
+              <a:solidFill>
+                <a:srgbClr val="595959"/>
+              </a:solidFill>
+              <a:effectLst/>
+              <a:latin typeface="Arial" panose="020B0604020202020204" pitchFamily="34" charset="0"/>
+            </a:endParaRPr>
           </a:p>
           <a:p>
             <a:pPr rtl="0" fontAlgn="base">
@@ -5904,25 +5992,26 @@
               </a:rPr>
               <a:t>" to assess the ML model. </a:t>
             </a:r>
+            <a:endParaRPr lang="en-US" sz="1800" b="0" i="0" u="none" strike="noStrike" dirty="0">
+              <a:solidFill>
+                <a:srgbClr val="595959"/>
+              </a:solidFill>
+              <a:effectLst/>
+              <a:latin typeface="Arial" panose="020B0604020202020204" pitchFamily="34" charset="0"/>
+            </a:endParaRPr>
           </a:p>
         </p:txBody>
       </p:sp>
       <p:pic>
         <p:nvPicPr>
-          <p:cNvPr id="3074" name="Picture 2">
-            <a:extLst>
-              <a:ext uri="{FF2B5EF4-FFF2-40B4-BE49-F238E27FC236}">
-                <a16:creationId xmlns:a16="http://schemas.microsoft.com/office/drawing/2014/main" id="{84A8714C-D83C-D7E5-141C-04FFEC1A09A2}"/>
-              </a:ext>
-            </a:extLst>
-          </p:cNvPr>
+          <p:cNvPr id="3074" name="Picture 2"/>
           <p:cNvPicPr>
             <a:picLocks noChangeAspect="1" noChangeArrowheads="1"/>
           </p:cNvPicPr>
           <p:nvPr/>
         </p:nvPicPr>
         <p:blipFill>
-          <a:blip r:embed="rId2">
+          <a:blip r:embed="rId1">
             <a:extLst>
               <a:ext uri="{28A0092B-C50C-407E-A947-70E740481C1C}">
                 <a14:useLocalDpi xmlns:a14="http://schemas.microsoft.com/office/drawing/2010/main" val="0"/>
@@ -5955,11 +6044,6 @@
         </p:spPr>
       </p:pic>
     </p:spTree>
-    <p:extLst>
-      <p:ext uri="{BB962C8B-B14F-4D97-AF65-F5344CB8AC3E}">
-        <p14:creationId xmlns:p14="http://schemas.microsoft.com/office/powerpoint/2010/main" val="3442478098"/>
-      </p:ext>
-    </p:extLst>
   </p:cSld>
   <p:clrMapOvr>
     <a:masterClrMapping/>
@@ -6218,8 +6302,6 @@
       </a:bgFillStyleLst>
     </a:fmtScheme>
   </a:themeElements>
-  <a:objectDefaults/>
-  <a:extraClrSchemeLst/>
   <a:extLst>
     <a:ext uri="{05A4C25C-085E-4340-85A3-A5531E510DB2}">
       <thm15:themeFamily xmlns:thm15="http://schemas.microsoft.com/office/thememl/2012/main" name="Office Theme" id="{62F939B6-93AF-4DB8-9C6B-D6C7DFDC589F}" vid="{4A3C46E8-61CC-4603-A589-7422A47A8E4A}"/>
@@ -6479,8 +6561,6 @@
       </a:bgFillStyleLst>
     </a:fmtScheme>
   </a:themeElements>
-  <a:objectDefaults/>
-  <a:extraClrSchemeLst/>
   <a:extLst>
     <a:ext uri="{05A4C25C-085E-4340-85A3-A5531E510DB2}">
       <thm15:themeFamily xmlns:thm15="http://schemas.microsoft.com/office/thememl/2012/main" name="Office Theme" id="{62F939B6-93AF-4DB8-9C6B-D6C7DFDC589F}" vid="{4A3C46E8-61CC-4603-A589-7422A47A8E4A}"/>

--- a/scripts/drafts/PRESENTATION.pptx
+++ b/scripts/drafts/PRESENTATION.pptx
@@ -5,22 +5,23 @@
     <p:sldMasterId id="2147483648" r:id="rId1"/>
   </p:sldMasterIdLst>
   <p:notesMasterIdLst>
-    <p:notesMasterId r:id="rId4"/>
+    <p:notesMasterId r:id="rId16"/>
   </p:notesMasterIdLst>
   <p:sldIdLst>
-    <p:sldId id="256" r:id="rId3"/>
-    <p:sldId id="259" r:id="rId5"/>
-    <p:sldId id="277" r:id="rId6"/>
-    <p:sldId id="278" r:id="rId7"/>
-    <p:sldId id="279" r:id="rId8"/>
-    <p:sldId id="280" r:id="rId9"/>
-    <p:sldId id="281" r:id="rId10"/>
-    <p:sldId id="260" r:id="rId11"/>
-    <p:sldId id="261" r:id="rId12"/>
-    <p:sldId id="262" r:id="rId13"/>
-    <p:sldId id="263" r:id="rId14"/>
-    <p:sldId id="264" r:id="rId15"/>
-    <p:sldId id="275" r:id="rId16"/>
+    <p:sldId id="256" r:id="rId2"/>
+    <p:sldId id="259" r:id="rId3"/>
+    <p:sldId id="277" r:id="rId4"/>
+    <p:sldId id="278" r:id="rId5"/>
+    <p:sldId id="279" r:id="rId6"/>
+    <p:sldId id="280" r:id="rId7"/>
+    <p:sldId id="281" r:id="rId8"/>
+    <p:sldId id="260" r:id="rId9"/>
+    <p:sldId id="261" r:id="rId10"/>
+    <p:sldId id="262" r:id="rId11"/>
+    <p:sldId id="263" r:id="rId12"/>
+    <p:sldId id="264" r:id="rId13"/>
+    <p:sldId id="283" r:id="rId14"/>
+    <p:sldId id="275" r:id="rId15"/>
   </p:sldIdLst>
   <p:sldSz cx="9144000" cy="5143500" type="screen16x9"/>
   <p:notesSz cx="5143500" cy="9144000"/>
@@ -116,6 +117,11 @@
       </a:defRPr>
     </a:lvl9pPr>
   </p:defaultTextStyle>
+  <p:extLst>
+    <p:ext uri="{EFAFB233-063F-42B5-8137-9DF3F51BA10A}">
+      <p15:sldGuideLst xmlns:p15="http://schemas.microsoft.com/office/powerpoint/2012/main"/>
+    </p:ext>
+  </p:extLst>
 </p:presentation>
 </file>
 
@@ -304,6 +310,86 @@
           <a:p>
             <a:fld id="{F7021451-1387-4CA6-816F-3879F97B5CBC}" type="slidenum">
               <a:rPr lang="en-US"/>
+              <a:t>1</a:t>
+            </a:fld>
+            <a:endParaRPr lang="en-US"/>
+          </a:p>
+        </p:txBody>
+      </p:sp>
+    </p:spTree>
+  </p:cSld>
+  <p:clrMapOvr>
+    <a:masterClrMapping/>
+  </p:clrMapOvr>
+</p:notes>
+</file>
+
+<file path=ppt/notesSlides/notesSlide10.xml><?xml version="1.0" encoding="utf-8"?>
+<p:notes xmlns:a="http://schemas.openxmlformats.org/drawingml/2006/main" xmlns:r="http://schemas.openxmlformats.org/officeDocument/2006/relationships" xmlns:p="http://schemas.openxmlformats.org/presentationml/2006/main">
+  <p:cSld>
+    <p:spTree>
+      <p:nvGrpSpPr>
+        <p:cNvPr id="1" name=""/>
+        <p:cNvGrpSpPr/>
+        <p:nvPr/>
+      </p:nvGrpSpPr>
+      <p:grpSpPr>
+        <a:xfrm>
+          <a:off x="0" y="0"/>
+          <a:ext cx="0" cy="0"/>
+          <a:chOff x="0" y="0"/>
+          <a:chExt cx="0" cy="0"/>
+        </a:xfrm>
+      </p:grpSpPr>
+      <p:sp>
+        <p:nvSpPr>
+          <p:cNvPr id="2" name="Slide Image Placeholder 1"/>
+          <p:cNvSpPr>
+            <a:spLocks noGrp="1" noRot="1" noChangeAspect="1"/>
+          </p:cNvSpPr>
+          <p:nvPr>
+            <p:ph type="sldImg"/>
+          </p:nvPr>
+        </p:nvSpPr>
+        <p:spPr/>
+      </p:sp>
+      <p:sp>
+        <p:nvSpPr>
+          <p:cNvPr id="3" name="Notes Placeholder 2"/>
+          <p:cNvSpPr>
+            <a:spLocks noGrp="1"/>
+          </p:cNvSpPr>
+          <p:nvPr>
+            <p:ph type="body" idx="1"/>
+          </p:nvPr>
+        </p:nvSpPr>
+        <p:spPr/>
+        <p:txBody>
+          <a:bodyPr/>
+          <a:lstStyle/>
+          <a:p>
+            <a:endParaRPr lang="en-US" dirty="0"/>
+          </a:p>
+        </p:txBody>
+      </p:sp>
+      <p:sp>
+        <p:nvSpPr>
+          <p:cNvPr id="4" name="Slide Number Placeholder 3"/>
+          <p:cNvSpPr>
+            <a:spLocks noGrp="1"/>
+          </p:cNvSpPr>
+          <p:nvPr>
+            <p:ph type="sldNum" sz="quarter" idx="10"/>
+          </p:nvPr>
+        </p:nvSpPr>
+        <p:spPr/>
+        <p:txBody>
+          <a:bodyPr/>
+          <a:lstStyle/>
+          <a:p>
+            <a:fld id="{F7021451-1387-4CA6-816F-3879F97B5CBC}" type="slidenum">
+              <a:rPr lang="en-US"/>
+              <a:t>14</a:t>
             </a:fld>
             <a:endParaRPr lang="en-US"/>
           </a:p>
@@ -382,6 +468,7 @@
           <a:p>
             <a:fld id="{F7021451-1387-4CA6-816F-3879F97B5CBC}" type="slidenum">
               <a:rPr lang="en-US"/>
+              <a:t>2</a:t>
             </a:fld>
             <a:endParaRPr lang="en-US"/>
           </a:p>
@@ -460,6 +547,7 @@
           <a:p>
             <a:fld id="{F7021451-1387-4CA6-816F-3879F97B5CBC}" type="slidenum">
               <a:rPr lang="en-US"/>
+              <a:t>3</a:t>
             </a:fld>
             <a:endParaRPr lang="en-US"/>
           </a:p>
@@ -538,6 +626,7 @@
           <a:p>
             <a:fld id="{F7021451-1387-4CA6-816F-3879F97B5CBC}" type="slidenum">
               <a:rPr lang="en-US"/>
+              <a:t>8</a:t>
             </a:fld>
             <a:endParaRPr lang="en-US"/>
           </a:p>
@@ -616,6 +705,7 @@
           <a:p>
             <a:fld id="{F7021451-1387-4CA6-816F-3879F97B5CBC}" type="slidenum">
               <a:rPr lang="en-US"/>
+              <a:t>9</a:t>
             </a:fld>
             <a:endParaRPr lang="en-US"/>
           </a:p>
@@ -694,6 +784,7 @@
           <a:p>
             <a:fld id="{F7021451-1387-4CA6-816F-3879F97B5CBC}" type="slidenum">
               <a:rPr lang="en-US"/>
+              <a:t>10</a:t>
             </a:fld>
             <a:endParaRPr lang="en-US"/>
           </a:p>
@@ -772,6 +863,7 @@
           <a:p>
             <a:fld id="{F7021451-1387-4CA6-816F-3879F97B5CBC}" type="slidenum">
               <a:rPr lang="en-US"/>
+              <a:t>11</a:t>
             </a:fld>
             <a:endParaRPr lang="en-US"/>
           </a:p>
@@ -850,6 +942,7 @@
           <a:p>
             <a:fld id="{F7021451-1387-4CA6-816F-3879F97B5CBC}" type="slidenum">
               <a:rPr lang="en-US"/>
+              <a:t>12</a:t>
             </a:fld>
             <a:endParaRPr lang="en-US"/>
           </a:p>
@@ -928,12 +1021,18 @@
           <a:p>
             <a:fld id="{F7021451-1387-4CA6-816F-3879F97B5CBC}" type="slidenum">
               <a:rPr lang="en-US"/>
+              <a:t>13</a:t>
             </a:fld>
             <a:endParaRPr lang="en-US"/>
           </a:p>
         </p:txBody>
       </p:sp>
     </p:spTree>
+    <p:extLst>
+      <p:ext uri="{BB962C8B-B14F-4D97-AF65-F5344CB8AC3E}">
+        <p14:creationId xmlns:p14="http://schemas.microsoft.com/office/powerpoint/2010/main" val="2727290514"/>
+      </p:ext>
+    </p:extLst>
   </p:cSld>
   <p:clrMapOvr>
     <a:masterClrMapping/>
@@ -1615,7 +1714,6 @@
               <a:rPr lang="en-US" altLang="zh-CN" sz="2100" dirty="0"/>
               <a:t>Lin, Amber Wang, Mu Niu,</a:t>
             </a:r>
-            <a:endParaRPr lang="en-US" altLang="zh-CN" sz="2100" dirty="0"/>
           </a:p>
           <a:p>
             <a:pPr marL="0" indent="0" algn="l">
@@ -1860,6 +1958,14 @@
               </a:rPr>
               <a:t>The first step involves installing and loading the 'xgboost' package in R. </a:t>
             </a:r>
+          </a:p>
+          <a:p>
+            <a:pPr algn="l">
+              <a:lnSpc>
+                <a:spcPct val="150000"/>
+              </a:lnSpc>
+              <a:buSzPct val="100000"/>
+            </a:pPr>
             <a:endParaRPr lang="en-US" sz="1400" dirty="0">
               <a:solidFill>
                 <a:srgbClr val="383838"/>
@@ -1876,6 +1982,25 @@
               </a:lnSpc>
               <a:buSzPct val="100000"/>
             </a:pPr>
+            <a:r>
+              <a:rPr lang="en-US" sz="1400" dirty="0">
+                <a:solidFill>
+                  <a:srgbClr val="383838"/>
+                </a:solidFill>
+                <a:latin typeface="Noto Sans SC" pitchFamily="34" charset="0"/>
+                <a:ea typeface="Noto Sans SC" pitchFamily="34" charset="-122"/>
+                <a:cs typeface="Noto Sans SC" pitchFamily="34" charset="-120"/>
+              </a:rPr>
+              <a:t>Subsequently, we split the data into 3 parts: training (60%), validation (20%), and testing (20%). </a:t>
+            </a:r>
+          </a:p>
+          <a:p>
+            <a:pPr algn="l">
+              <a:lnSpc>
+                <a:spcPct val="150000"/>
+              </a:lnSpc>
+              <a:buSzPct val="100000"/>
+            </a:pPr>
             <a:endParaRPr lang="en-US" sz="1400" dirty="0">
               <a:solidFill>
                 <a:srgbClr val="383838"/>
@@ -1901,59 +2026,8 @@
                 <a:ea typeface="Noto Sans SC" pitchFamily="34" charset="-122"/>
                 <a:cs typeface="Noto Sans SC" pitchFamily="34" charset="-120"/>
               </a:rPr>
-              <a:t>Subsequently, we split the data into 3 parts: training (60%), validation (20%), and testing (20%). </a:t>
-            </a:r>
-            <a:endParaRPr lang="en-US" sz="1400" dirty="0">
-              <a:solidFill>
-                <a:srgbClr val="383838"/>
-              </a:solidFill>
-              <a:latin typeface="Noto Sans SC" pitchFamily="34" charset="0"/>
-              <a:ea typeface="Noto Sans SC" pitchFamily="34" charset="-122"/>
-              <a:cs typeface="Noto Sans SC" pitchFamily="34" charset="-120"/>
-            </a:endParaRPr>
-          </a:p>
-          <a:p>
-            <a:pPr algn="l">
-              <a:lnSpc>
-                <a:spcPct val="150000"/>
-              </a:lnSpc>
-              <a:buSzPct val="100000"/>
-            </a:pPr>
-            <a:endParaRPr lang="en-US" sz="1400" dirty="0">
-              <a:solidFill>
-                <a:srgbClr val="383838"/>
-              </a:solidFill>
-              <a:latin typeface="Noto Sans SC" pitchFamily="34" charset="0"/>
-              <a:ea typeface="Noto Sans SC" pitchFamily="34" charset="-122"/>
-              <a:cs typeface="Noto Sans SC" pitchFamily="34" charset="-120"/>
-            </a:endParaRPr>
-          </a:p>
-          <a:p>
-            <a:pPr algn="l">
-              <a:lnSpc>
-                <a:spcPct val="150000"/>
-              </a:lnSpc>
-              <a:buSzPct val="100000"/>
-            </a:pPr>
-            <a:r>
-              <a:rPr lang="en-US" sz="1400" dirty="0">
-                <a:solidFill>
-                  <a:srgbClr val="383838"/>
-                </a:solidFill>
-                <a:latin typeface="Noto Sans SC" pitchFamily="34" charset="0"/>
-                <a:ea typeface="Noto Sans SC" pitchFamily="34" charset="-122"/>
-                <a:cs typeface="Noto Sans SC" pitchFamily="34" charset="-120"/>
-              </a:rPr>
               <a:t>These segments are then transformed into DMatrix objects, an efficient data structure for the xgboost algorithm, by using xgb.DMatrix() function.</a:t>
             </a:r>
-            <a:endParaRPr lang="en-US" sz="1400" dirty="0">
-              <a:solidFill>
-                <a:srgbClr val="383838"/>
-              </a:solidFill>
-              <a:latin typeface="Noto Sans SC" pitchFamily="34" charset="0"/>
-              <a:ea typeface="Noto Sans SC" pitchFamily="34" charset="-122"/>
-              <a:cs typeface="Noto Sans SC" pitchFamily="34" charset="-120"/>
-            </a:endParaRPr>
           </a:p>
           <a:p>
             <a:pPr algn="l">
@@ -1982,7 +2056,7 @@
           <p:nvPr/>
         </p:nvPicPr>
         <p:blipFill>
-          <a:blip r:embed="rId1"/>
+          <a:blip r:embed="rId3"/>
           <a:stretch>
             <a:fillRect/>
           </a:stretch>
@@ -2135,7 +2209,7 @@
           <p:nvPr/>
         </p:nvPicPr>
         <p:blipFill>
-          <a:blip r:embed="rId1"/>
+          <a:blip r:embed="rId3"/>
           <a:stretch>
             <a:fillRect/>
           </a:stretch>
@@ -2159,7 +2233,7 @@
           <p:nvPr/>
         </p:nvPicPr>
         <p:blipFill>
-          <a:blip r:embed="rId2"/>
+          <a:blip r:embed="rId4"/>
           <a:stretch>
             <a:fillRect/>
           </a:stretch>
@@ -2204,7 +2278,6 @@
               <a:rPr lang="en-US" altLang="zh-CN" sz="1400"/>
               <a:t>objective: What’s your goal? In this case, we use ‘binary:logistic’ to predict the probability of having a fraud based on the predictor variables</a:t>
             </a:r>
-            <a:endParaRPr lang="en-US" altLang="zh-CN" sz="1400"/>
           </a:p>
           <a:p>
             <a:pPr marL="285750" indent="-285750">
@@ -2215,7 +2288,6 @@
               <a:rPr lang="en-US" altLang="zh-CN" sz="1400"/>
               <a:t>eta: How fast to learn? default value 0.3</a:t>
             </a:r>
-            <a:endParaRPr lang="en-US" altLang="zh-CN" sz="1400"/>
           </a:p>
           <a:p>
             <a:pPr marL="285750" indent="-285750">
@@ -2226,7 +2298,6 @@
               <a:rPr lang="en-US" altLang="zh-CN" sz="1400"/>
               <a:t>data: Training data in DMatrix structure</a:t>
             </a:r>
-            <a:endParaRPr lang="en-US" altLang="zh-CN" sz="1400"/>
           </a:p>
           <a:p>
             <a:pPr marL="285750" indent="-285750">
@@ -2237,7 +2308,6 @@
               <a:rPr lang="en-US" altLang="zh-CN" sz="1400"/>
               <a:t>max.depth: The size of each tree and a rule of thumb is to use 2 or 3 to prevent overfitting</a:t>
             </a:r>
-            <a:endParaRPr lang="en-US" altLang="zh-CN" sz="1400"/>
           </a:p>
           <a:p>
             <a:pPr marL="285750" indent="-285750">
@@ -2248,7 +2318,6 @@
               <a:rPr lang="en-US" altLang="zh-CN" sz="1400"/>
               <a:t>watchlist: Track model performance on training and validation data during the training process to prevent overfitting</a:t>
             </a:r>
-            <a:endParaRPr lang="en-US" altLang="zh-CN" sz="1400"/>
           </a:p>
           <a:p>
             <a:pPr marL="285750" indent="-285750">
@@ -2259,7 +2328,6 @@
               <a:rPr lang="en-US" altLang="zh-CN" sz="1400"/>
               <a:t>nrounds: number of boosting rounds</a:t>
             </a:r>
-            <a:endParaRPr lang="en-US" altLang="zh-CN" sz="1400"/>
           </a:p>
           <a:p>
             <a:pPr marL="285750" indent="-285750">
@@ -2270,7 +2338,6 @@
               <a:rPr lang="en-US" altLang="zh-CN" sz="1400"/>
               <a:t>early_stopping_rounds: Stop the training process if the model's accuracy on validation set hasn't improved for the specified number of rounds</a:t>
             </a:r>
-            <a:endParaRPr lang="en-US" altLang="zh-CN" sz="1400"/>
           </a:p>
         </p:txBody>
       </p:sp>
@@ -2300,7 +2367,6 @@
               <a:rPr lang="en-US" altLang="zh-CN" sz="1400"/>
               <a:t>How watchlist works</a:t>
             </a:r>
-            <a:endParaRPr lang="en-US" altLang="zh-CN" sz="1400"/>
           </a:p>
         </p:txBody>
       </p:sp>
@@ -2477,7 +2543,6 @@
               <a:rPr lang="en-US" altLang="zh-CN" sz="1400"/>
               <a:t>Our model stops boosting at #261 round, which means the model accuracy decreases in the next 50 rounds. So we know that overfitting occurs after that. Hence, we changed parameter nrounds to 261 and trained our final model. </a:t>
             </a:r>
-            <a:endParaRPr lang="en-US" altLang="zh-CN" sz="1400"/>
           </a:p>
         </p:txBody>
       </p:sp>
@@ -2490,7 +2555,7 @@
           <p:nvPr/>
         </p:nvPicPr>
         <p:blipFill>
-          <a:blip r:embed="rId1"/>
+          <a:blip r:embed="rId3"/>
           <a:stretch>
             <a:fillRect/>
           </a:stretch>
@@ -2514,7 +2579,7 @@
           <p:nvPr/>
         </p:nvPicPr>
         <p:blipFill>
-          <a:blip r:embed="rId2"/>
+          <a:blip r:embed="rId4"/>
           <a:stretch>
             <a:fillRect/>
           </a:stretch>
@@ -2555,7 +2620,6 @@
               <a:rPr lang="en-US" altLang="zh-CN" sz="1400"/>
               <a:t>The first plot shows the 5 most important features identified by our final XGBoost model</a:t>
             </a:r>
-            <a:endParaRPr lang="en-US" altLang="zh-CN" sz="1400"/>
           </a:p>
           <a:p>
             <a:endParaRPr lang="en-US" altLang="zh-CN" sz="1400"/>
@@ -2565,7 +2629,6 @@
               <a:rPr lang="en-US" altLang="zh-CN" sz="1400"/>
               <a:t>The plot on the right shows a very high AUC score of 0.99988, which means the model is almost a perfect classifier. Such an unusual result is probably because the simulated dataset is designed for practice purposes, so it is easier to classify.</a:t>
             </a:r>
-            <a:endParaRPr lang="en-US" altLang="zh-CN" sz="1400"/>
           </a:p>
         </p:txBody>
       </p:sp>
@@ -2596,6 +2659,302 @@
       </p:grpSpPr>
       <p:sp>
         <p:nvSpPr>
+          <p:cNvPr id="2" name="Shape 0"/>
+          <p:cNvSpPr/>
+          <p:nvPr/>
+        </p:nvSpPr>
+        <p:spPr>
+          <a:xfrm>
+            <a:off x="0" y="457200"/>
+            <a:ext cx="4019550" cy="233363"/>
+          </a:xfrm>
+          <a:prstGeom prst="rect">
+            <a:avLst/>
+          </a:prstGeom>
+          <a:solidFill>
+            <a:srgbClr val="A5DDFF"/>
+          </a:solidFill>
+        </p:spPr>
+      </p:sp>
+      <p:sp>
+        <p:nvSpPr>
+          <p:cNvPr id="3" name="Text 1"/>
+          <p:cNvSpPr/>
+          <p:nvPr/>
+        </p:nvSpPr>
+        <p:spPr>
+          <a:xfrm>
+            <a:off x="762000" y="138113"/>
+            <a:ext cx="8130540" cy="552450"/>
+          </a:xfrm>
+          <a:prstGeom prst="rect">
+            <a:avLst/>
+          </a:prstGeom>
+          <a:noFill/>
+        </p:spPr>
+        <p:txBody>
+          <a:bodyPr wrap="square" rtlCol="0" anchor="ctr"/>
+          <a:lstStyle/>
+          <a:p>
+            <a:pPr marL="0" indent="0">
+              <a:buNone/>
+            </a:pPr>
+            <a:r>
+              <a:rPr lang="en-US" sz="2630" b="1" dirty="0">
+                <a:solidFill>
+                  <a:srgbClr val="002A85"/>
+                </a:solidFill>
+                <a:latin typeface="Noto Sans SC" pitchFamily="34" charset="0"/>
+                <a:ea typeface="Noto Sans SC" pitchFamily="34" charset="-122"/>
+                <a:cs typeface="Noto Sans SC" pitchFamily="34" charset="-120"/>
+              </a:rPr>
+              <a:t>Reference</a:t>
+            </a:r>
+            <a:endParaRPr lang="en-US" sz="2680" dirty="0"/>
+          </a:p>
+        </p:txBody>
+      </p:sp>
+      <p:sp>
+        <p:nvSpPr>
+          <p:cNvPr id="4" name="Text 2"/>
+          <p:cNvSpPr/>
+          <p:nvPr/>
+        </p:nvSpPr>
+        <p:spPr>
+          <a:xfrm>
+            <a:off x="762000" y="589093"/>
+            <a:ext cx="7715250" cy="4010878"/>
+          </a:xfrm>
+          <a:prstGeom prst="rect">
+            <a:avLst/>
+          </a:prstGeom>
+          <a:noFill/>
+        </p:spPr>
+        <p:txBody>
+          <a:bodyPr wrap="square" rtlCol="0" anchor="t"/>
+          <a:lstStyle/>
+          <a:p>
+            <a:pPr algn="l">
+              <a:lnSpc>
+                <a:spcPct val="150000"/>
+              </a:lnSpc>
+              <a:buSzPct val="100000"/>
+            </a:pPr>
+            <a:endParaRPr lang="en-US" sz="1680" dirty="0">
+              <a:solidFill>
+                <a:srgbClr val="383838"/>
+              </a:solidFill>
+              <a:latin typeface="Noto Sans SC" pitchFamily="34" charset="0"/>
+              <a:ea typeface="Noto Sans SC" pitchFamily="34" charset="-122"/>
+            </a:endParaRPr>
+          </a:p>
+          <a:p>
+            <a:pPr algn="l">
+              <a:lnSpc>
+                <a:spcPct val="150000"/>
+              </a:lnSpc>
+              <a:buSzPct val="100000"/>
+            </a:pPr>
+            <a:endParaRPr lang="en-US" sz="1680" dirty="0"/>
+          </a:p>
+          <a:p>
+            <a:pPr algn="l">
+              <a:lnSpc>
+                <a:spcPct val="150000"/>
+              </a:lnSpc>
+              <a:buSzPct val="100000"/>
+            </a:pPr>
+            <a:endParaRPr lang="en-US" sz="1680" dirty="0"/>
+          </a:p>
+        </p:txBody>
+      </p:sp>
+      <p:sp>
+        <p:nvSpPr>
+          <p:cNvPr id="5" name="文本框 4"/>
+          <p:cNvSpPr txBox="1"/>
+          <p:nvPr/>
+        </p:nvSpPr>
+        <p:spPr>
+          <a:xfrm>
+            <a:off x="666750" y="1141543"/>
+            <a:ext cx="8310245" cy="1384995"/>
+          </a:xfrm>
+          <a:prstGeom prst="rect">
+            <a:avLst/>
+          </a:prstGeom>
+          <a:noFill/>
+        </p:spPr>
+        <p:txBody>
+          <a:bodyPr wrap="square" rtlCol="0">
+            <a:spAutoFit/>
+          </a:bodyPr>
+          <a:lstStyle/>
+          <a:p>
+            <a:pPr rtl="0">
+              <a:spcBef>
+                <a:spcPts val="0"/>
+              </a:spcBef>
+              <a:spcAft>
+                <a:spcPts val="1200"/>
+              </a:spcAft>
+            </a:pPr>
+            <a:r>
+              <a:rPr lang="en-US" sz="1800" b="0" i="0" u="none" strike="noStrike" dirty="0">
+                <a:solidFill>
+                  <a:srgbClr val="000000"/>
+                </a:solidFill>
+                <a:effectLst/>
+                <a:latin typeface="Arial" panose="020B0604020202020204" pitchFamily="34" charset="0"/>
+              </a:rPr>
+              <a:t>"</a:t>
+            </a:r>
+            <a:r>
+              <a:rPr lang="en-US" sz="1800" b="0" i="0" u="none" strike="noStrike" dirty="0" err="1">
+                <a:solidFill>
+                  <a:srgbClr val="000000"/>
+                </a:solidFill>
+                <a:effectLst/>
+                <a:latin typeface="Arial" panose="020B0604020202020204" pitchFamily="34" charset="0"/>
+              </a:rPr>
+              <a:t>XGBoost</a:t>
+            </a:r>
+            <a:r>
+              <a:rPr lang="en-US" sz="1800" b="0" i="0" u="none" strike="noStrike" dirty="0">
+                <a:solidFill>
+                  <a:srgbClr val="000000"/>
+                </a:solidFill>
+                <a:effectLst/>
+                <a:latin typeface="Arial" panose="020B0604020202020204" pitchFamily="34" charset="0"/>
+              </a:rPr>
+              <a:t> Documentation." GitHub, </a:t>
+            </a:r>
+            <a:endParaRPr lang="en-US" sz="1400" b="0" dirty="0">
+              <a:effectLst/>
+            </a:endParaRPr>
+          </a:p>
+          <a:p>
+            <a:pPr rtl="0">
+              <a:spcBef>
+                <a:spcPts val="0"/>
+              </a:spcBef>
+              <a:spcAft>
+                <a:spcPts val="1200"/>
+              </a:spcAft>
+            </a:pPr>
+            <a:r>
+              <a:rPr lang="en-US" sz="1800" b="0" i="0" u="none" strike="noStrike" dirty="0">
+                <a:solidFill>
+                  <a:srgbClr val="000000"/>
+                </a:solidFill>
+                <a:effectLst/>
+                <a:latin typeface="Arial" panose="020B0604020202020204" pitchFamily="34" charset="0"/>
+              </a:rPr>
+              <a:t>https://</a:t>
+            </a:r>
+            <a:r>
+              <a:rPr lang="en-US" sz="1800" b="0" i="0" u="none" strike="noStrike" dirty="0" err="1">
+                <a:solidFill>
+                  <a:srgbClr val="000000"/>
+                </a:solidFill>
+                <a:effectLst/>
+                <a:latin typeface="Arial" panose="020B0604020202020204" pitchFamily="34" charset="0"/>
+              </a:rPr>
+              <a:t>github.com</a:t>
+            </a:r>
+            <a:r>
+              <a:rPr lang="en-US" sz="1800" b="0" i="0" u="none" strike="noStrike" dirty="0">
+                <a:solidFill>
+                  <a:srgbClr val="000000"/>
+                </a:solidFill>
+                <a:effectLst/>
+                <a:latin typeface="Arial" panose="020B0604020202020204" pitchFamily="34" charset="0"/>
+              </a:rPr>
+              <a:t>/</a:t>
+            </a:r>
+            <a:r>
+              <a:rPr lang="en-US" sz="1800" b="0" i="0" u="none" strike="noStrike" dirty="0" err="1">
+                <a:solidFill>
+                  <a:srgbClr val="000000"/>
+                </a:solidFill>
+                <a:effectLst/>
+                <a:latin typeface="Arial" panose="020B0604020202020204" pitchFamily="34" charset="0"/>
+              </a:rPr>
+              <a:t>dmlc</a:t>
+            </a:r>
+            <a:r>
+              <a:rPr lang="en-US" sz="1800" b="0" i="0" u="none" strike="noStrike" dirty="0">
+                <a:solidFill>
+                  <a:srgbClr val="000000"/>
+                </a:solidFill>
+                <a:effectLst/>
+                <a:latin typeface="Arial" panose="020B0604020202020204" pitchFamily="34" charset="0"/>
+              </a:rPr>
+              <a:t>/</a:t>
+            </a:r>
+            <a:r>
+              <a:rPr lang="en-US" sz="1800" b="0" i="0" u="none" strike="noStrike" dirty="0" err="1">
+                <a:solidFill>
+                  <a:srgbClr val="000000"/>
+                </a:solidFill>
+                <a:effectLst/>
+                <a:latin typeface="Arial" panose="020B0604020202020204" pitchFamily="34" charset="0"/>
+              </a:rPr>
+              <a:t>xgboost</a:t>
+            </a:r>
+            <a:r>
+              <a:rPr lang="en-US" sz="1800" b="0" i="0" u="none" strike="noStrike" dirty="0">
+                <a:solidFill>
+                  <a:srgbClr val="000000"/>
+                </a:solidFill>
+                <a:effectLst/>
+                <a:latin typeface="Arial" panose="020B0604020202020204" pitchFamily="34" charset="0"/>
+              </a:rPr>
+              <a:t>(Accessed Dec 5, 2023).</a:t>
+            </a:r>
+            <a:endParaRPr lang="en-US" sz="1400" b="0" dirty="0">
+              <a:effectLst/>
+            </a:endParaRPr>
+          </a:p>
+          <a:p>
+            <a:br>
+              <a:rPr lang="en-US" sz="1400" dirty="0"/>
+            </a:br>
+            <a:endParaRPr lang="en-US" altLang="zh-CN" sz="1400" dirty="0"/>
+          </a:p>
+        </p:txBody>
+      </p:sp>
+    </p:spTree>
+    <p:extLst>
+      <p:ext uri="{BB962C8B-B14F-4D97-AF65-F5344CB8AC3E}">
+        <p14:creationId xmlns:p14="http://schemas.microsoft.com/office/powerpoint/2010/main" val="1303414577"/>
+      </p:ext>
+    </p:extLst>
+  </p:cSld>
+  <p:clrMapOvr>
+    <a:masterClrMapping/>
+  </p:clrMapOvr>
+</p:sld>
+</file>
+
+<file path=ppt/slides/slide14.xml><?xml version="1.0" encoding="utf-8"?>
+<p:sld xmlns:a="http://schemas.openxmlformats.org/drawingml/2006/main" xmlns:r="http://schemas.openxmlformats.org/officeDocument/2006/relationships" xmlns:p="http://schemas.openxmlformats.org/presentationml/2006/main">
+  <p:cSld>
+    <p:spTree>
+      <p:nvGrpSpPr>
+        <p:cNvPr id="1" name=""/>
+        <p:cNvGrpSpPr/>
+        <p:nvPr/>
+      </p:nvGrpSpPr>
+      <p:grpSpPr>
+        <a:xfrm>
+          <a:off x="0" y="0"/>
+          <a:ext cx="0" cy="0"/>
+          <a:chOff x="0" y="0"/>
+          <a:chExt cx="0" cy="0"/>
+        </a:xfrm>
+      </p:grpSpPr>
+      <p:sp>
+        <p:nvSpPr>
           <p:cNvPr id="2" name="Text 0"/>
           <p:cNvSpPr/>
           <p:nvPr/>
@@ -2789,6 +3148,53 @@
               </a:rPr>
               <a:t>Simulated credit card transaction fraud data on Kaggle  </a:t>
             </a:r>
+          </a:p>
+          <a:p>
+            <a:pPr marL="285750" indent="-285750">
+              <a:lnSpc>
+                <a:spcPct val="150000"/>
+              </a:lnSpc>
+              <a:buSzPct val="100000"/>
+              <a:buFont typeface="Arial" panose="020B0604020202020204" pitchFamily="34" charset="0"/>
+              <a:buChar char="•"/>
+            </a:pPr>
+            <a:r>
+              <a:rPr lang="en-US" sz="1600" dirty="0">
+                <a:hlinkClick r:id="rId3"/>
+              </a:rPr>
+              <a:t>Credit Card Fraud (kaggle.com)</a:t>
+            </a:r>
+            <a:endParaRPr lang="en-US" sz="1600" dirty="0"/>
+          </a:p>
+          <a:p>
+            <a:pPr marL="285750" indent="-285750">
+              <a:lnSpc>
+                <a:spcPct val="150000"/>
+              </a:lnSpc>
+              <a:buSzPct val="100000"/>
+              <a:buFont typeface="Arial" panose="020B0604020202020204" pitchFamily="34" charset="0"/>
+              <a:buChar char="•"/>
+            </a:pPr>
+            <a:r>
+              <a:rPr lang="en-US" sz="1680" dirty="0">
+                <a:solidFill>
+                  <a:srgbClr val="383838"/>
+                </a:solidFill>
+                <a:latin typeface="Noto Sans SC" pitchFamily="34" charset="0"/>
+                <a:ea typeface="Noto Sans SC" pitchFamily="34" charset="-122"/>
+              </a:rPr>
+              <a:t>Binary classification problem</a:t>
+            </a:r>
+            <a:r>
+              <a:rPr lang="en-US" sz="1600" dirty="0">
+                <a:solidFill>
+                  <a:srgbClr val="383838"/>
+                </a:solidFill>
+                <a:latin typeface="Noto Sans SC" pitchFamily="34" charset="0"/>
+                <a:ea typeface="Noto Sans SC" pitchFamily="34" charset="-122"/>
+              </a:rPr>
+              <a:t>, each transaction is either fraudulent or not.</a:t>
+            </a:r>
             <a:endParaRPr lang="en-US" sz="1680" dirty="0">
               <a:solidFill>
                 <a:srgbClr val="383838"/>
@@ -2807,12 +3213,15 @@
               <a:buChar char="•"/>
             </a:pPr>
             <a:r>
-              <a:rPr lang="en-US" sz="1600" dirty="0">
-                <a:hlinkClick r:id="rId1"/>
-              </a:rPr>
-              <a:t>Credit Card Fraud (kaggle.com)</a:t>
-            </a:r>
-            <a:endParaRPr lang="en-US" sz="1600" dirty="0"/>
+              <a:rPr lang="en-US" sz="1680" dirty="0">
+                <a:solidFill>
+                  <a:srgbClr val="383838"/>
+                </a:solidFill>
+                <a:latin typeface="Noto Sans SC" pitchFamily="34" charset="0"/>
+                <a:ea typeface="Noto Sans SC" pitchFamily="34" charset="-122"/>
+              </a:rPr>
+              <a:t>1000000 transactions, only 87403 transactions are fraudulent. 8.74% fraud rate, very unbalanced data</a:t>
+            </a:r>
           </a:p>
           <a:p>
             <a:pPr marL="285750" indent="-285750">
@@ -2831,79 +3240,8 @@
                 <a:latin typeface="Noto Sans SC" pitchFamily="34" charset="0"/>
                 <a:ea typeface="Noto Sans SC" pitchFamily="34" charset="-122"/>
               </a:rPr>
-              <a:t>Binary classification problem</a:t>
-            </a:r>
-            <a:r>
-              <a:rPr lang="en-US" sz="1600" dirty="0">
-                <a:solidFill>
-                  <a:srgbClr val="383838"/>
-                </a:solidFill>
-                <a:latin typeface="Noto Sans SC" pitchFamily="34" charset="0"/>
-                <a:ea typeface="Noto Sans SC" pitchFamily="34" charset="-122"/>
-              </a:rPr>
-              <a:t>, each transaction is either fraudulent or not.</a:t>
-            </a:r>
-            <a:endParaRPr lang="en-US" sz="1680" dirty="0">
-              <a:solidFill>
-                <a:srgbClr val="383838"/>
-              </a:solidFill>
-              <a:latin typeface="Noto Sans SC" pitchFamily="34" charset="0"/>
-              <a:ea typeface="Noto Sans SC" pitchFamily="34" charset="-122"/>
-            </a:endParaRPr>
-          </a:p>
-          <a:p>
-            <a:pPr marL="285750" indent="-285750">
-              <a:lnSpc>
-                <a:spcPct val="150000"/>
-              </a:lnSpc>
-              <a:buSzPct val="100000"/>
-              <a:buFont typeface="Arial" panose="020B0604020202020204" pitchFamily="34" charset="0"/>
-              <a:buChar char="•"/>
-            </a:pPr>
-            <a:r>
-              <a:rPr lang="en-US" sz="1680" dirty="0">
-                <a:solidFill>
-                  <a:srgbClr val="383838"/>
-                </a:solidFill>
-                <a:latin typeface="Noto Sans SC" pitchFamily="34" charset="0"/>
-                <a:ea typeface="Noto Sans SC" pitchFamily="34" charset="-122"/>
-              </a:rPr>
-              <a:t>1000000 transactions, only 87403 transactions are fraudulent. 8.74% fraud rate, very unbalanced data</a:t>
-            </a:r>
-            <a:endParaRPr lang="en-US" sz="1680" dirty="0">
-              <a:solidFill>
-                <a:srgbClr val="383838"/>
-              </a:solidFill>
-              <a:latin typeface="Noto Sans SC" pitchFamily="34" charset="0"/>
-              <a:ea typeface="Noto Sans SC" pitchFamily="34" charset="-122"/>
-            </a:endParaRPr>
-          </a:p>
-          <a:p>
-            <a:pPr marL="285750" indent="-285750">
-              <a:lnSpc>
-                <a:spcPct val="150000"/>
-              </a:lnSpc>
-              <a:buSzPct val="100000"/>
-              <a:buFont typeface="Arial" panose="020B0604020202020204" pitchFamily="34" charset="0"/>
-              <a:buChar char="•"/>
-            </a:pPr>
-            <a:r>
-              <a:rPr lang="en-US" sz="1680" dirty="0">
-                <a:solidFill>
-                  <a:srgbClr val="383838"/>
-                </a:solidFill>
-                <a:latin typeface="Noto Sans SC" pitchFamily="34" charset="0"/>
-                <a:ea typeface="Noto Sans SC" pitchFamily="34" charset="-122"/>
-              </a:rPr>
               <a:t>We will apply stratification when dividing the dataset</a:t>
             </a:r>
-            <a:endParaRPr lang="en-US" sz="1680" dirty="0">
-              <a:solidFill>
-                <a:srgbClr val="383838"/>
-              </a:solidFill>
-              <a:latin typeface="Noto Sans SC" pitchFamily="34" charset="0"/>
-              <a:ea typeface="Noto Sans SC" pitchFamily="34" charset="-122"/>
-            </a:endParaRPr>
           </a:p>
           <a:p>
             <a:pPr marL="342900" indent="-342900" algn="l">
@@ -3073,7 +3411,6 @@
               <a:rPr lang="en-US" dirty="0"/>
               <a:t>: the distance from home where the transaction happened</a:t>
             </a:r>
-            <a:endParaRPr lang="en-US" dirty="0"/>
           </a:p>
           <a:p>
             <a:pPr fontAlgn="base"/>
@@ -3089,7 +3426,6 @@
               <a:rPr lang="en-US" dirty="0"/>
               <a:t>: the distance from last transaction happened</a:t>
             </a:r>
-            <a:endParaRPr lang="en-US" dirty="0"/>
           </a:p>
           <a:p>
             <a:pPr fontAlgn="base"/>
@@ -3113,7 +3449,6 @@
               <a:rPr lang="en-US" dirty="0"/>
               <a:t> to median purchase price</a:t>
             </a:r>
-            <a:endParaRPr lang="en-US" dirty="0"/>
           </a:p>
           <a:p>
             <a:pPr fontAlgn="base"/>
@@ -3129,7 +3464,6 @@
               <a:rPr lang="en-US" dirty="0"/>
               <a:t>: Is the transaction happened from same retailer</a:t>
             </a:r>
-            <a:endParaRPr lang="en-US" dirty="0"/>
           </a:p>
           <a:p>
             <a:pPr marL="342900" indent="-342900">
@@ -3211,7 +3545,7 @@
           <p:nvPr/>
         </p:nvPicPr>
         <p:blipFill>
-          <a:blip r:embed="rId1"/>
+          <a:blip r:embed="rId3"/>
           <a:stretch>
             <a:fillRect/>
           </a:stretch>
@@ -3316,7 +3650,7 @@
           <p:nvPr/>
         </p:nvPicPr>
         <p:blipFill>
-          <a:blip r:embed="rId1"/>
+          <a:blip r:embed="rId2"/>
           <a:stretch>
             <a:fillRect/>
           </a:stretch>
@@ -3383,6 +3717,12 @@
               </a:rPr>
               <a:t>: Is the transaction through credit card chip?</a:t>
             </a:r>
+          </a:p>
+          <a:p>
+            <a:pPr fontAlgn="base">
+              <a:buFont typeface="Arial" panose="020B0604020202020204" pitchFamily="34" charset="0"/>
+              <a:buChar char="•"/>
+            </a:pPr>
             <a:endParaRPr lang="en-US" dirty="0">
               <a:solidFill>
                 <a:srgbClr val="3C4043"/>
@@ -3395,6 +3735,39 @@
               <a:buFont typeface="Arial" panose="020B0604020202020204" pitchFamily="34" charset="0"/>
               <a:buChar char="•"/>
             </a:pPr>
+            <a:r>
+              <a:rPr lang="en-US" dirty="0">
+                <a:solidFill>
+                  <a:srgbClr val="3C4043"/>
+                </a:solidFill>
+                <a:latin typeface="Arial" panose="020B0604020202020204" pitchFamily="34" charset="0"/>
+              </a:rPr>
+              <a:t> </a:t>
+            </a:r>
+            <a:r>
+              <a:rPr lang="en-US" dirty="0" err="1">
+                <a:solidFill>
+                  <a:srgbClr val="3C4043"/>
+                </a:solidFill>
+                <a:latin typeface="Arial" panose="020B0604020202020204" pitchFamily="34" charset="0"/>
+              </a:rPr>
+              <a:t>used_pin_number</a:t>
+            </a:r>
+            <a:r>
+              <a:rPr lang="en-US" dirty="0">
+                <a:solidFill>
+                  <a:srgbClr val="3C4043"/>
+                </a:solidFill>
+                <a:latin typeface="Arial" panose="020B0604020202020204" pitchFamily="34" charset="0"/>
+              </a:rPr>
+              <a:t> - Is the transaction happened by using PIN number?</a:t>
+            </a:r>
+          </a:p>
+          <a:p>
+            <a:pPr fontAlgn="base">
+              <a:buFont typeface="Arial" panose="020B0604020202020204" pitchFamily="34" charset="0"/>
+              <a:buChar char="•"/>
+            </a:pPr>
             <a:endParaRPr lang="en-US" dirty="0">
               <a:solidFill>
                 <a:srgbClr val="3C4043"/>
@@ -3423,7 +3796,7 @@
                 </a:solidFill>
                 <a:latin typeface="Arial" panose="020B0604020202020204" pitchFamily="34" charset="0"/>
               </a:rPr>
-              <a:t>used_pin_number</a:t>
+              <a:t>online_order</a:t>
             </a:r>
             <a:r>
               <a:rPr lang="en-US" dirty="0">
@@ -3432,8 +3805,14 @@
                 </a:solidFill>
                 <a:latin typeface="Arial" panose="020B0604020202020204" pitchFamily="34" charset="0"/>
               </a:rPr>
-              <a:t> - Is the transaction happened by using PIN number?</a:t>
-            </a:r>
+              <a:t> - Is the transaction an online order?</a:t>
+            </a:r>
+          </a:p>
+          <a:p>
+            <a:pPr fontAlgn="base">
+              <a:buFont typeface="Arial" panose="020B0604020202020204" pitchFamily="34" charset="0"/>
+              <a:buChar char="•"/>
+            </a:pPr>
             <a:endParaRPr lang="en-US" dirty="0">
               <a:solidFill>
                 <a:srgbClr val="3C4043"/>
@@ -3446,18 +3825,6 @@
               <a:buFont typeface="Arial" panose="020B0604020202020204" pitchFamily="34" charset="0"/>
               <a:buChar char="•"/>
             </a:pPr>
-            <a:endParaRPr lang="en-US" dirty="0">
-              <a:solidFill>
-                <a:srgbClr val="3C4043"/>
-              </a:solidFill>
-              <a:latin typeface="Arial" panose="020B0604020202020204" pitchFamily="34" charset="0"/>
-            </a:endParaRPr>
-          </a:p>
-          <a:p>
-            <a:pPr fontAlgn="base">
-              <a:buFont typeface="Arial" panose="020B0604020202020204" pitchFamily="34" charset="0"/>
-              <a:buChar char="•"/>
-            </a:pPr>
             <a:r>
               <a:rPr lang="en-US" dirty="0">
                 <a:solidFill>
@@ -3465,65 +3832,8 @@
                 </a:solidFill>
                 <a:latin typeface="Arial" panose="020B0604020202020204" pitchFamily="34" charset="0"/>
               </a:rPr>
-              <a:t> </a:t>
-            </a:r>
-            <a:r>
-              <a:rPr lang="en-US" dirty="0" err="1">
-                <a:solidFill>
-                  <a:srgbClr val="3C4043"/>
-                </a:solidFill>
-                <a:latin typeface="Arial" panose="020B0604020202020204" pitchFamily="34" charset="0"/>
-              </a:rPr>
-              <a:t>online_order</a:t>
-            </a:r>
-            <a:r>
-              <a:rPr lang="en-US" dirty="0">
-                <a:solidFill>
-                  <a:srgbClr val="3C4043"/>
-                </a:solidFill>
-                <a:latin typeface="Arial" panose="020B0604020202020204" pitchFamily="34" charset="0"/>
-              </a:rPr>
-              <a:t> - Is the transaction an online order?</a:t>
-            </a:r>
-            <a:endParaRPr lang="en-US" dirty="0">
-              <a:solidFill>
-                <a:srgbClr val="3C4043"/>
-              </a:solidFill>
-              <a:latin typeface="Arial" panose="020B0604020202020204" pitchFamily="34" charset="0"/>
-            </a:endParaRPr>
-          </a:p>
-          <a:p>
-            <a:pPr fontAlgn="base">
-              <a:buFont typeface="Arial" panose="020B0604020202020204" pitchFamily="34" charset="0"/>
-              <a:buChar char="•"/>
-            </a:pPr>
-            <a:endParaRPr lang="en-US" dirty="0">
-              <a:solidFill>
-                <a:srgbClr val="3C4043"/>
-              </a:solidFill>
-              <a:latin typeface="Arial" panose="020B0604020202020204" pitchFamily="34" charset="0"/>
-            </a:endParaRPr>
-          </a:p>
-          <a:p>
-            <a:pPr fontAlgn="base">
-              <a:buFont typeface="Arial" panose="020B0604020202020204" pitchFamily="34" charset="0"/>
-              <a:buChar char="•"/>
-            </a:pPr>
-            <a:r>
-              <a:rPr lang="en-US" dirty="0">
-                <a:solidFill>
-                  <a:srgbClr val="3C4043"/>
-                </a:solidFill>
-                <a:latin typeface="Arial" panose="020B0604020202020204" pitchFamily="34" charset="0"/>
-              </a:rPr>
               <a:t> fraud - Is the transaction fraudulent.</a:t>
             </a:r>
-            <a:endParaRPr lang="en-US" dirty="0">
-              <a:solidFill>
-                <a:srgbClr val="3C4043"/>
-              </a:solidFill>
-              <a:latin typeface="Arial" panose="020B0604020202020204" pitchFamily="34" charset="0"/>
-            </a:endParaRPr>
           </a:p>
         </p:txBody>
       </p:sp>
@@ -3813,7 +4123,7 @@
           <p:nvPr/>
         </p:nvPicPr>
         <p:blipFill>
-          <a:blip r:embed="rId1">
+          <a:blip r:embed="rId2">
             <a:extLst>
               <a:ext uri="{28A0092B-C50C-407E-A947-70E740481C1C}">
                 <a14:useLocalDpi xmlns:a14="http://schemas.microsoft.com/office/drawing/2010/main" val="0"/>
@@ -4249,7 +4559,7 @@
           <p:nvPr/>
         </p:nvPicPr>
         <p:blipFill>
-          <a:blip r:embed="rId1">
+          <a:blip r:embed="rId2">
             <a:extLst>
               <a:ext uri="{28A0092B-C50C-407E-A947-70E740481C1C}">
                 <a14:useLocalDpi xmlns:a14="http://schemas.microsoft.com/office/drawing/2010/main" val="0"/>
@@ -4413,13 +4723,6 @@
               </a:rPr>
               <a:t>Around 91% of the transactions are not fraud and 9% are fraud.</a:t>
             </a:r>
-            <a:endParaRPr lang="en-US" sz="1800" b="0" i="0" u="none" strike="noStrike" dirty="0">
-              <a:solidFill>
-                <a:srgbClr val="595959"/>
-              </a:solidFill>
-              <a:effectLst/>
-              <a:latin typeface="Arial" panose="020B0604020202020204" pitchFamily="34" charset="0"/>
-            </a:endParaRPr>
           </a:p>
           <a:p>
             <a:pPr rtl="0" fontAlgn="base">
@@ -4508,13 +4811,6 @@
               </a:rPr>
               <a:t>" to assess the ML model. </a:t>
             </a:r>
-            <a:endParaRPr lang="en-US" sz="1800" b="0" i="0" u="none" strike="noStrike" dirty="0">
-              <a:solidFill>
-                <a:srgbClr val="595959"/>
-              </a:solidFill>
-              <a:effectLst/>
-              <a:latin typeface="Arial" panose="020B0604020202020204" pitchFamily="34" charset="0"/>
-            </a:endParaRPr>
           </a:p>
         </p:txBody>
       </p:sp>
@@ -4527,7 +4823,7 @@
           <p:nvPr/>
         </p:nvPicPr>
         <p:blipFill>
-          <a:blip r:embed="rId1">
+          <a:blip r:embed="rId2">
             <a:extLst>
               <a:ext uri="{28A0092B-C50C-407E-A947-70E740481C1C}">
                 <a14:useLocalDpi xmlns:a14="http://schemas.microsoft.com/office/drawing/2010/main" val="0"/>
@@ -4686,7 +4982,6 @@
               <a:rPr lang="en-US" sz="1680" dirty="0"/>
               <a:t> tree is used to fit the negative derivative of the loss function with respect to the current model’s prediction.</a:t>
             </a:r>
-            <a:endParaRPr lang="en-US" sz="1680" dirty="0"/>
           </a:p>
           <a:p>
             <a:pPr marL="342900" indent="-342900" algn="l">
@@ -4700,7 +4995,6 @@
               <a:rPr lang="en-US" sz="1680" dirty="0"/>
               <a:t>The current model’s prediction for each observation is the weighted sum of the first k-1 trees.</a:t>
             </a:r>
-            <a:endParaRPr lang="en-US" sz="1680" dirty="0"/>
           </a:p>
           <a:p>
             <a:pPr marL="342900" indent="-342900" algn="l">
@@ -4714,7 +5008,6 @@
               <a:rPr lang="en-US" sz="1680" dirty="0"/>
               <a:t>If we use MSE as the loss function in a regression task, the derivative for each observation is simply the residual between true label value and predicted value.</a:t>
             </a:r>
-            <a:endParaRPr lang="en-US" sz="1680" dirty="0"/>
           </a:p>
           <a:p>
             <a:pPr marL="342900" indent="-342900" algn="l">
@@ -4817,8 +5110,8 @@
           </a:p>
         </p:txBody>
       </p:sp>
-      <mc:AlternateContent xmlns:mc="http://schemas.openxmlformats.org/markup-compatibility/2006">
-        <mc:Choice xmlns:a14="http://schemas.microsoft.com/office/drawing/2010/main" Requires="a14">
+      <mc:AlternateContent xmlns:mc="http://schemas.openxmlformats.org/markup-compatibility/2006" xmlns:a14="http://schemas.microsoft.com/office/drawing/2010/main">
+        <mc:Choice Requires="a14">
           <p:sp>
             <p:nvSpPr>
               <p:cNvPr id="4" name="Text 2"/>
@@ -4866,7 +5159,6 @@
                   <a:rPr lang="en-US" sz="1680" dirty="0"/>
                   <a:t>Advantages over GBDT:</a:t>
                 </a:r>
-                <a:endParaRPr lang="en-US" sz="1680" dirty="0"/>
               </a:p>
               <a:p>
                 <a:pPr marL="342900" indent="-342900" algn="l">
@@ -4913,13 +5205,7 @@
                           <a:rPr lang="en-US" sz="1680" b="0" i="1" smtClean="0">
                             <a:latin typeface="Cambria Math" panose="02040503050406030204" pitchFamily="18" charset="0"/>
                           </a:rPr>
-                          <m:t>=</m:t>
-                        </m:r>
-                        <m:r>
-                          <a:rPr lang="en-US" sz="1680" b="0" i="1" smtClean="0">
-                            <a:latin typeface="Cambria Math" panose="02040503050406030204" pitchFamily="18" charset="0"/>
-                          </a:rPr>
-                          <m:t>1</m:t>
+                          <m:t>=1</m:t>
                         </m:r>
                       </m:sub>
                       <m:sup>
@@ -4985,6 +5271,7 @@
                           <m:e>
                             <m:acc>
                               <m:accPr>
+                                <m:chr m:val="̂"/>
                                 <m:ctrlPr>
                                   <a:rPr lang="en-US" sz="1680" b="0" i="1" smtClean="0">
                                     <a:latin typeface="Cambria Math" panose="02040503050406030204" pitchFamily="18" charset="0"/>
@@ -5055,13 +5342,7 @@
                           <a:rPr lang="en-US" sz="1680" b="0" i="1" smtClean="0">
                             <a:latin typeface="Cambria Math" panose="02040503050406030204" pitchFamily="18" charset="0"/>
                           </a:rPr>
-                          <m:t>=</m:t>
-                        </m:r>
-                        <m:r>
-                          <a:rPr lang="en-US" sz="1680" b="0" i="1" smtClean="0">
-                            <a:latin typeface="Cambria Math" panose="02040503050406030204" pitchFamily="18" charset="0"/>
-                          </a:rPr>
-                          <m:t>1</m:t>
+                          <m:t>=1</m:t>
                         </m:r>
                       </m:sub>
                       <m:sup>
@@ -5140,7 +5421,6 @@
                   <a:rPr lang="en-US" sz="1680" dirty="0"/>
                   <a:t>Add a regularized term in the objective function to avoid overfitting</a:t>
                 </a:r>
-                <a:endParaRPr lang="en-US" sz="1680" dirty="0"/>
               </a:p>
               <a:p>
                 <a:pPr marL="342900" indent="-342900" algn="l">
@@ -5154,7 +5434,6 @@
                   <a:rPr lang="en-US" sz="1680" dirty="0"/>
                   <a:t>Use second-order Taylor expansion to approximate the objective function</a:t>
                 </a:r>
-                <a:endParaRPr lang="en-US" sz="1680" dirty="0"/>
               </a:p>
               <a:p>
                 <a:pPr marL="342900" indent="-342900" algn="l">
@@ -5193,13 +5472,7 @@
                           <a:rPr lang="en-US" sz="1680" b="0" i="1" smtClean="0">
                             <a:latin typeface="Cambria Math" panose="02040503050406030204" pitchFamily="18" charset="0"/>
                           </a:rPr>
-                          <m:t>=</m:t>
-                        </m:r>
-                        <m:r>
-                          <a:rPr lang="en-US" sz="1680" b="0" i="1" smtClean="0">
-                            <a:latin typeface="Cambria Math" panose="02040503050406030204" pitchFamily="18" charset="0"/>
-                          </a:rPr>
-                          <m:t>1</m:t>
+                          <m:t>=1</m:t>
                         </m:r>
                       </m:sub>
                       <m:sup>
@@ -5352,7 +5625,7 @@
                                   <a:rPr lang="en-US" sz="1680" b="0" i="1" smtClean="0">
                                     <a:latin typeface="Cambria Math" panose="02040503050406030204" pitchFamily="18" charset="0"/>
                                   </a:rPr>
-                                  <m:t>ℎ</m:t>
+                                  <m:t>h</m:t>
                                 </m:r>
                               </m:e>
                               <m:sub>
@@ -5509,7 +5782,6 @@
                   <a:rPr lang="en-US" sz="1680" dirty="0"/>
                   <a:t>Consistent form for every loss function</a:t>
                 </a:r>
-                <a:endParaRPr lang="en-US" sz="1680" dirty="0"/>
               </a:p>
               <a:p>
                 <a:pPr marL="342900" indent="-342900" algn="l">
@@ -5523,7 +5795,6 @@
                   <a:rPr lang="en-US" sz="1680" dirty="0"/>
                   <a:t>When building each single tree, use parallel computing to improve efficiency</a:t>
                 </a:r>
-                <a:endParaRPr lang="en-US" sz="1680" dirty="0"/>
               </a:p>
               <a:p>
                 <a:pPr marL="342900" indent="-342900" algn="l">
@@ -5553,12 +5824,11 @@
                   <a:rPr lang="en-US" sz="1680" dirty="0"/>
                   <a:t>random forest</a:t>
                 </a:r>
-                <a:endParaRPr lang="en-US" sz="1680" dirty="0"/>
               </a:p>
             </p:txBody>
           </p:sp>
         </mc:Choice>
-        <mc:Fallback>
+        <mc:Fallback xmlns="">
           <p:sp>
             <p:nvSpPr>
               <p:cNvPr id="4" name="Text 2"/>
@@ -5576,7 +5846,7 @@
                 <a:avLst/>
               </a:prstGeom>
               <a:blipFill rotWithShape="1">
-                <a:blip r:embed="rId1"/>
+                <a:blip r:embed="rId3"/>
                 <a:stretch>
                   <a:fillRect t="-5" b="-19848"/>
                 </a:stretch>
@@ -5856,6 +6126,8 @@
       </a:bgFillStyleLst>
     </a:fmtScheme>
   </a:themeElements>
+  <a:objectDefaults/>
+  <a:extraClrSchemeLst/>
   <a:extLst>
     <a:ext uri="{05A4C25C-085E-4340-85A3-A5531E510DB2}">
       <thm15:themeFamily xmlns:thm15="http://schemas.microsoft.com/office/thememl/2012/main" name="Office Theme" id="{62F939B6-93AF-4DB8-9C6B-D6C7DFDC589F}" vid="{4A3C46E8-61CC-4603-A589-7422A47A8E4A}"/>
@@ -6115,6 +6387,8 @@
       </a:bgFillStyleLst>
     </a:fmtScheme>
   </a:themeElements>
+  <a:objectDefaults/>
+  <a:extraClrSchemeLst/>
   <a:extLst>
     <a:ext uri="{05A4C25C-085E-4340-85A3-A5531E510DB2}">
       <thm15:themeFamily xmlns:thm15="http://schemas.microsoft.com/office/thememl/2012/main" name="Office Theme" id="{62F939B6-93AF-4DB8-9C6B-D6C7DFDC589F}" vid="{4A3C46E8-61CC-4603-A589-7422A47A8E4A}"/>

--- a/scripts/drafts/PRESENTATION.pptx
+++ b/scripts/drafts/PRESENTATION.pptx
@@ -5,7 +5,7 @@
     <p:sldMasterId id="2147483648" r:id="rId1"/>
   </p:sldMasterIdLst>
   <p:notesMasterIdLst>
-    <p:notesMasterId r:id="rId16"/>
+    <p:notesMasterId r:id="rId20"/>
   </p:notesMasterIdLst>
   <p:sldIdLst>
     <p:sldId id="256" r:id="rId2"/>
@@ -15,13 +15,17 @@
     <p:sldId id="279" r:id="rId6"/>
     <p:sldId id="280" r:id="rId7"/>
     <p:sldId id="281" r:id="rId8"/>
-    <p:sldId id="260" r:id="rId9"/>
-    <p:sldId id="261" r:id="rId10"/>
-    <p:sldId id="262" r:id="rId11"/>
-    <p:sldId id="263" r:id="rId12"/>
-    <p:sldId id="264" r:id="rId13"/>
-    <p:sldId id="283" r:id="rId14"/>
-    <p:sldId id="275" r:id="rId15"/>
+    <p:sldId id="285" r:id="rId9"/>
+    <p:sldId id="284" r:id="rId10"/>
+    <p:sldId id="287" r:id="rId11"/>
+    <p:sldId id="288" r:id="rId12"/>
+    <p:sldId id="260" r:id="rId13"/>
+    <p:sldId id="261" r:id="rId14"/>
+    <p:sldId id="262" r:id="rId15"/>
+    <p:sldId id="263" r:id="rId16"/>
+    <p:sldId id="264" r:id="rId17"/>
+    <p:sldId id="283" r:id="rId18"/>
+    <p:sldId id="275" r:id="rId19"/>
   </p:sldIdLst>
   <p:sldSz cx="9144000" cy="5143500" type="screen16x9"/>
   <p:notesSz cx="5143500" cy="9144000"/>
@@ -389,7 +393,91 @@
           <a:p>
             <a:fld id="{F7021451-1387-4CA6-816F-3879F97B5CBC}" type="slidenum">
               <a:rPr lang="en-US"/>
-              <a:t>14</a:t>
+              <a:t>17</a:t>
+            </a:fld>
+            <a:endParaRPr lang="en-US"/>
+          </a:p>
+        </p:txBody>
+      </p:sp>
+    </p:spTree>
+    <p:extLst>
+      <p:ext uri="{BB962C8B-B14F-4D97-AF65-F5344CB8AC3E}">
+        <p14:creationId xmlns:p14="http://schemas.microsoft.com/office/powerpoint/2010/main" val="2727290514"/>
+      </p:ext>
+    </p:extLst>
+  </p:cSld>
+  <p:clrMapOvr>
+    <a:masterClrMapping/>
+  </p:clrMapOvr>
+</p:notes>
+</file>
+
+<file path=ppt/notesSlides/notesSlide11.xml><?xml version="1.0" encoding="utf-8"?>
+<p:notes xmlns:a="http://schemas.openxmlformats.org/drawingml/2006/main" xmlns:r="http://schemas.openxmlformats.org/officeDocument/2006/relationships" xmlns:p="http://schemas.openxmlformats.org/presentationml/2006/main">
+  <p:cSld>
+    <p:spTree>
+      <p:nvGrpSpPr>
+        <p:cNvPr id="1" name=""/>
+        <p:cNvGrpSpPr/>
+        <p:nvPr/>
+      </p:nvGrpSpPr>
+      <p:grpSpPr>
+        <a:xfrm>
+          <a:off x="0" y="0"/>
+          <a:ext cx="0" cy="0"/>
+          <a:chOff x="0" y="0"/>
+          <a:chExt cx="0" cy="0"/>
+        </a:xfrm>
+      </p:grpSpPr>
+      <p:sp>
+        <p:nvSpPr>
+          <p:cNvPr id="2" name="Slide Image Placeholder 1"/>
+          <p:cNvSpPr>
+            <a:spLocks noGrp="1" noRot="1" noChangeAspect="1"/>
+          </p:cNvSpPr>
+          <p:nvPr>
+            <p:ph type="sldImg"/>
+          </p:nvPr>
+        </p:nvSpPr>
+        <p:spPr/>
+      </p:sp>
+      <p:sp>
+        <p:nvSpPr>
+          <p:cNvPr id="3" name="Notes Placeholder 2"/>
+          <p:cNvSpPr>
+            <a:spLocks noGrp="1"/>
+          </p:cNvSpPr>
+          <p:nvPr>
+            <p:ph type="body" idx="1"/>
+          </p:nvPr>
+        </p:nvSpPr>
+        <p:spPr/>
+        <p:txBody>
+          <a:bodyPr/>
+          <a:lstStyle/>
+          <a:p>
+            <a:endParaRPr lang="en-US" dirty="0"/>
+          </a:p>
+        </p:txBody>
+      </p:sp>
+      <p:sp>
+        <p:nvSpPr>
+          <p:cNvPr id="4" name="Slide Number Placeholder 3"/>
+          <p:cNvSpPr>
+            <a:spLocks noGrp="1"/>
+          </p:cNvSpPr>
+          <p:nvPr>
+            <p:ph type="sldNum" sz="quarter" idx="10"/>
+          </p:nvPr>
+        </p:nvSpPr>
+        <p:spPr/>
+        <p:txBody>
+          <a:bodyPr/>
+          <a:lstStyle/>
+          <a:p>
+            <a:fld id="{F7021451-1387-4CA6-816F-3879F97B5CBC}" type="slidenum">
+              <a:rPr lang="en-US"/>
+              <a:t>18</a:t>
             </a:fld>
             <a:endParaRPr lang="en-US"/>
           </a:p>
@@ -633,6 +721,11 @@
         </p:txBody>
       </p:sp>
     </p:spTree>
+    <p:extLst>
+      <p:ext uri="{BB962C8B-B14F-4D97-AF65-F5344CB8AC3E}">
+        <p14:creationId xmlns:p14="http://schemas.microsoft.com/office/powerpoint/2010/main" val="3209392937"/>
+      </p:ext>
+    </p:extLst>
   </p:cSld>
   <p:clrMapOvr>
     <a:masterClrMapping/>
@@ -705,7 +798,7 @@
           <a:p>
             <a:fld id="{F7021451-1387-4CA6-816F-3879F97B5CBC}" type="slidenum">
               <a:rPr lang="en-US"/>
-              <a:t>9</a:t>
+              <a:t>12</a:t>
             </a:fld>
             <a:endParaRPr lang="en-US"/>
           </a:p>
@@ -784,7 +877,7 @@
           <a:p>
             <a:fld id="{F7021451-1387-4CA6-816F-3879F97B5CBC}" type="slidenum">
               <a:rPr lang="en-US"/>
-              <a:t>10</a:t>
+              <a:t>13</a:t>
             </a:fld>
             <a:endParaRPr lang="en-US"/>
           </a:p>
@@ -863,7 +956,7 @@
           <a:p>
             <a:fld id="{F7021451-1387-4CA6-816F-3879F97B5CBC}" type="slidenum">
               <a:rPr lang="en-US"/>
-              <a:t>11</a:t>
+              <a:t>14</a:t>
             </a:fld>
             <a:endParaRPr lang="en-US"/>
           </a:p>
@@ -942,7 +1035,7 @@
           <a:p>
             <a:fld id="{F7021451-1387-4CA6-816F-3879F97B5CBC}" type="slidenum">
               <a:rPr lang="en-US"/>
-              <a:t>12</a:t>
+              <a:t>15</a:t>
             </a:fld>
             <a:endParaRPr lang="en-US"/>
           </a:p>
@@ -1021,18 +1114,13 @@
           <a:p>
             <a:fld id="{F7021451-1387-4CA6-816F-3879F97B5CBC}" type="slidenum">
               <a:rPr lang="en-US"/>
-              <a:t>13</a:t>
+              <a:t>16</a:t>
             </a:fld>
             <a:endParaRPr lang="en-US"/>
           </a:p>
         </p:txBody>
       </p:sp>
     </p:spTree>
-    <p:extLst>
-      <p:ext uri="{BB962C8B-B14F-4D97-AF65-F5344CB8AC3E}">
-        <p14:creationId xmlns:p14="http://schemas.microsoft.com/office/powerpoint/2010/main" val="2727290514"/>
-      </p:ext>
-    </p:extLst>
   </p:cSld>
   <p:clrMapOvr>
     <a:masterClrMapping/>
@@ -1850,7 +1938,13 @@
       </p:grpSpPr>
       <p:sp>
         <p:nvSpPr>
-          <p:cNvPr id="2" name="Shape 0"/>
+          <p:cNvPr id="3" name="Shape 0">
+            <a:extLst>
+              <a:ext uri="{FF2B5EF4-FFF2-40B4-BE49-F238E27FC236}">
+                <a16:creationId xmlns:a16="http://schemas.microsoft.com/office/drawing/2014/main" id="{8A9FF6CD-77CB-5E31-9C11-311F5D352726}"/>
+              </a:ext>
+            </a:extLst>
+          </p:cNvPr>
           <p:cNvSpPr/>
           <p:nvPr/>
         </p:nvSpPr>
@@ -1870,20 +1964,26 @@
           <a:bodyPr/>
           <a:lstStyle/>
           <a:p>
-            <a:endParaRPr lang="en-US"/>
-          </a:p>
-        </p:txBody>
-      </p:sp>
-      <p:sp>
-        <p:nvSpPr>
-          <p:cNvPr id="3" name="Text 1"/>
+            <a:endParaRPr lang="zh-CN" altLang="en-US"/>
+          </a:p>
+        </p:txBody>
+      </p:sp>
+      <p:sp>
+        <p:nvSpPr>
+          <p:cNvPr id="2" name="Text 1">
+            <a:extLst>
+              <a:ext uri="{FF2B5EF4-FFF2-40B4-BE49-F238E27FC236}">
+                <a16:creationId xmlns:a16="http://schemas.microsoft.com/office/drawing/2014/main" id="{CF005106-40E7-D1EE-755A-4F1A4270C2A5}"/>
+              </a:ext>
+            </a:extLst>
+          </p:cNvPr>
           <p:cNvSpPr/>
           <p:nvPr/>
         </p:nvSpPr>
         <p:spPr>
           <a:xfrm>
-            <a:off x="762000" y="117641"/>
-            <a:ext cx="8130540" cy="552450"/>
+            <a:off x="762000" y="138113"/>
+            <a:ext cx="5821680" cy="552450"/>
           </a:xfrm>
           <a:prstGeom prst="rect">
             <a:avLst/>
@@ -1898,39 +1998,35 @@
               <a:buNone/>
             </a:pPr>
             <a:r>
-              <a:rPr lang="en-US" sz="2630" b="1" dirty="0" err="1">
+              <a:rPr lang="en-US" sz="2400" b="1" dirty="0">
                 <a:solidFill>
                   <a:srgbClr val="002A85"/>
                 </a:solidFill>
                 <a:latin typeface="Noto Sans SC" pitchFamily="34" charset="0"/>
                 <a:ea typeface="Noto Sans SC" pitchFamily="34" charset="-122"/>
-              </a:rPr>
-              <a:t>XGBoost</a:t>
-            </a:r>
-            <a:r>
-              <a:rPr lang="en-US" sz="2630" b="1" dirty="0">
-                <a:solidFill>
-                  <a:srgbClr val="002A85"/>
-                </a:solidFill>
-                <a:latin typeface="Noto Sans SC" pitchFamily="34" charset="0"/>
-                <a:ea typeface="Noto Sans SC" pitchFamily="34" charset="-122"/>
-              </a:rPr>
-              <a:t> in R: Preparation</a:t>
-            </a:r>
-            <a:endParaRPr lang="en-US" sz="2630" dirty="0"/>
-          </a:p>
-        </p:txBody>
-      </p:sp>
-      <p:sp>
-        <p:nvSpPr>
-          <p:cNvPr id="4" name="Text 2"/>
-          <p:cNvSpPr/>
+                <a:cs typeface="Noto Sans SC" pitchFamily="34" charset="-120"/>
+              </a:rPr>
+              <a:t>Evaluate SMOTE on metric</a:t>
+            </a:r>
+          </a:p>
+        </p:txBody>
+      </p:sp>
+      <p:sp>
+        <p:nvSpPr>
+          <p:cNvPr id="4" name="文本框 3">
+            <a:extLst>
+              <a:ext uri="{FF2B5EF4-FFF2-40B4-BE49-F238E27FC236}">
+                <a16:creationId xmlns:a16="http://schemas.microsoft.com/office/drawing/2014/main" id="{CBDF8BD8-22CA-A3A4-2B48-4A7BBB32EA13}"/>
+              </a:ext>
+            </a:extLst>
+          </p:cNvPr>
+          <p:cNvSpPr txBox="1"/>
           <p:nvPr/>
         </p:nvSpPr>
         <p:spPr>
           <a:xfrm>
-            <a:off x="399415" y="669925"/>
-            <a:ext cx="7715250" cy="3452813"/>
+            <a:off x="666749" y="886464"/>
+            <a:ext cx="7715251" cy="3785652"/>
           </a:xfrm>
           <a:prstGeom prst="rect">
             <a:avLst/>
@@ -1938,140 +2034,144 @@
           <a:noFill/>
         </p:spPr>
         <p:txBody>
-          <a:bodyPr wrap="square" rtlCol="0" anchor="t"/>
-          <a:lstStyle/>
-          <a:p>
-            <a:pPr algn="l">
-              <a:lnSpc>
-                <a:spcPct val="150000"/>
-              </a:lnSpc>
-              <a:buSzPct val="100000"/>
-            </a:pPr>
-            <a:r>
-              <a:rPr lang="en-US" sz="1400" dirty="0">
-                <a:solidFill>
-                  <a:srgbClr val="383838"/>
-                </a:solidFill>
-                <a:latin typeface="Noto Sans SC" pitchFamily="34" charset="0"/>
-                <a:ea typeface="Noto Sans SC" pitchFamily="34" charset="-122"/>
-                <a:cs typeface="Noto Sans SC" pitchFamily="34" charset="-120"/>
-              </a:rPr>
-              <a:t>The first step involves installing and loading the 'xgboost' package in R. </a:t>
-            </a:r>
-          </a:p>
-          <a:p>
-            <a:pPr algn="l">
-              <a:lnSpc>
-                <a:spcPct val="150000"/>
-              </a:lnSpc>
-              <a:buSzPct val="100000"/>
-            </a:pPr>
-            <a:endParaRPr lang="en-US" sz="1400" dirty="0">
-              <a:solidFill>
-                <a:srgbClr val="383838"/>
-              </a:solidFill>
-              <a:latin typeface="Noto Sans SC" pitchFamily="34" charset="0"/>
-              <a:ea typeface="Noto Sans SC" pitchFamily="34" charset="-122"/>
-              <a:cs typeface="Noto Sans SC" pitchFamily="34" charset="-120"/>
-            </a:endParaRPr>
-          </a:p>
-          <a:p>
-            <a:pPr algn="l">
-              <a:lnSpc>
-                <a:spcPct val="150000"/>
-              </a:lnSpc>
-              <a:buSzPct val="100000"/>
-            </a:pPr>
-            <a:r>
-              <a:rPr lang="en-US" sz="1400" dirty="0">
-                <a:solidFill>
-                  <a:srgbClr val="383838"/>
-                </a:solidFill>
-                <a:latin typeface="Noto Sans SC" pitchFamily="34" charset="0"/>
-                <a:ea typeface="Noto Sans SC" pitchFamily="34" charset="-122"/>
-                <a:cs typeface="Noto Sans SC" pitchFamily="34" charset="-120"/>
-              </a:rPr>
-              <a:t>Subsequently, we split the data into 3 parts: training (60%), validation (20%), and testing (20%). </a:t>
-            </a:r>
-          </a:p>
-          <a:p>
-            <a:pPr algn="l">
-              <a:lnSpc>
-                <a:spcPct val="150000"/>
-              </a:lnSpc>
-              <a:buSzPct val="100000"/>
-            </a:pPr>
-            <a:endParaRPr lang="en-US" sz="1400" dirty="0">
-              <a:solidFill>
-                <a:srgbClr val="383838"/>
-              </a:solidFill>
-              <a:latin typeface="Noto Sans SC" pitchFamily="34" charset="0"/>
-              <a:ea typeface="Noto Sans SC" pitchFamily="34" charset="-122"/>
-              <a:cs typeface="Noto Sans SC" pitchFamily="34" charset="-120"/>
-            </a:endParaRPr>
-          </a:p>
-          <a:p>
-            <a:pPr algn="l">
-              <a:lnSpc>
-                <a:spcPct val="150000"/>
-              </a:lnSpc>
-              <a:buSzPct val="100000"/>
-            </a:pPr>
-            <a:r>
-              <a:rPr lang="en-US" sz="1400" dirty="0">
-                <a:solidFill>
-                  <a:srgbClr val="383838"/>
-                </a:solidFill>
-                <a:latin typeface="Noto Sans SC" pitchFamily="34" charset="0"/>
-                <a:ea typeface="Noto Sans SC" pitchFamily="34" charset="-122"/>
-                <a:cs typeface="Noto Sans SC" pitchFamily="34" charset="-120"/>
-              </a:rPr>
-              <a:t>These segments are then transformed into DMatrix objects, an efficient data structure for the xgboost algorithm, by using xgb.DMatrix() function.</a:t>
-            </a:r>
-          </a:p>
-          <a:p>
-            <a:pPr algn="l">
-              <a:lnSpc>
-                <a:spcPct val="150000"/>
-              </a:lnSpc>
-              <a:buSzPct val="100000"/>
-            </a:pPr>
-            <a:endParaRPr lang="en-US" sz="1400" dirty="0">
-              <a:solidFill>
-                <a:srgbClr val="383838"/>
-              </a:solidFill>
-              <a:latin typeface="Noto Sans SC" pitchFamily="34" charset="0"/>
-              <a:ea typeface="Noto Sans SC" pitchFamily="34" charset="-122"/>
-              <a:cs typeface="Noto Sans SC" pitchFamily="34" charset="-120"/>
-            </a:endParaRPr>
-          </a:p>
-        </p:txBody>
-      </p:sp>
-      <p:pic>
-        <p:nvPicPr>
-          <p:cNvPr id="7" name="图片 6"/>
-          <p:cNvPicPr>
-            <a:picLocks noChangeAspect="1"/>
-          </p:cNvPicPr>
-          <p:nvPr/>
-        </p:nvPicPr>
-        <p:blipFill>
-          <a:blip r:embed="rId3"/>
-          <a:stretch>
-            <a:fillRect/>
-          </a:stretch>
-        </p:blipFill>
-        <p:spPr>
-          <a:xfrm>
-            <a:off x="513715" y="3261360"/>
-            <a:ext cx="5927725" cy="1736090"/>
-          </a:xfrm>
-          <a:prstGeom prst="rect">
-            <a:avLst/>
-          </a:prstGeom>
-        </p:spPr>
-      </p:pic>
+          <a:bodyPr wrap="square" rtlCol="0">
+            <a:spAutoFit/>
+          </a:bodyPr>
+          <a:lstStyle/>
+          <a:p>
+            <a:r>
+              <a:rPr lang="en-US" altLang="zh-CN" sz="1600" dirty="0"/>
+              <a:t>Given the imbalanced nature of the dataset, traditional accuracy might not be an ideal metric. Instead, use metrics like</a:t>
+            </a:r>
+            <a:r>
+              <a:rPr lang="en-US" altLang="zh-CN" sz="1600" i="1" dirty="0"/>
+              <a:t> F1-score, Precision, and AUC-PR </a:t>
+            </a:r>
+            <a:r>
+              <a:rPr lang="en-US" altLang="zh-CN" sz="1600" dirty="0"/>
+              <a:t>(Area Under the Precision-Recall Curve), which provide a more nuanced view of the model's performance on minority class prediction.</a:t>
+            </a:r>
+          </a:p>
+          <a:p>
+            <a:endParaRPr lang="en-US" altLang="zh-CN" sz="1600" dirty="0"/>
+          </a:p>
+          <a:p>
+            <a:endParaRPr lang="en-US" altLang="zh-CN" sz="1600" dirty="0"/>
+          </a:p>
+          <a:p>
+            <a:r>
+              <a:rPr lang="en-US" altLang="zh-CN" sz="1600" dirty="0" err="1"/>
+              <a:t>conf_matrix</a:t>
+            </a:r>
+            <a:r>
+              <a:rPr lang="en-US" altLang="zh-CN" sz="1600" dirty="0"/>
+              <a:t> &lt;- </a:t>
+            </a:r>
+            <a:r>
+              <a:rPr lang="en-US" altLang="zh-CN" sz="1600" dirty="0" err="1"/>
+              <a:t>confusionMatrix</a:t>
+            </a:r>
+            <a:r>
+              <a:rPr lang="en-US" altLang="zh-CN" sz="1600" dirty="0"/>
+              <a:t>(factor(</a:t>
+            </a:r>
+            <a:r>
+              <a:rPr lang="en-US" altLang="zh-CN" sz="1600" dirty="0" err="1"/>
+              <a:t>predicted_class</a:t>
+            </a:r>
+            <a:r>
+              <a:rPr lang="en-US" altLang="zh-CN" sz="1600" dirty="0"/>
+              <a:t>), factor(</a:t>
+            </a:r>
+            <a:r>
+              <a:rPr lang="en-US" altLang="zh-CN" sz="1600" dirty="0" err="1"/>
+              <a:t>test_data$fraud</a:t>
+            </a:r>
+            <a:r>
+              <a:rPr lang="en-US" altLang="zh-CN" sz="1600" dirty="0"/>
+              <a:t>)) </a:t>
+            </a:r>
+          </a:p>
+          <a:p>
+            <a:r>
+              <a:rPr lang="en-US" altLang="zh-CN" sz="1600" dirty="0"/>
+              <a:t>precision &lt;- </a:t>
+            </a:r>
+            <a:r>
+              <a:rPr lang="en-US" altLang="zh-CN" sz="1600" dirty="0" err="1"/>
+              <a:t>conf_matrix$byClass</a:t>
+            </a:r>
+            <a:r>
+              <a:rPr lang="en-US" altLang="zh-CN" sz="1600" dirty="0"/>
+              <a:t>['Pos Pred Value’] </a:t>
+            </a:r>
+          </a:p>
+          <a:p>
+            <a:r>
+              <a:rPr lang="en-US" altLang="zh-CN" sz="1600" dirty="0"/>
+              <a:t>recall &lt;- </a:t>
+            </a:r>
+            <a:r>
+              <a:rPr lang="en-US" altLang="zh-CN" sz="1600" dirty="0" err="1"/>
+              <a:t>conf_matrix$byClass</a:t>
+            </a:r>
+            <a:r>
+              <a:rPr lang="en-US" altLang="zh-CN" sz="1600" dirty="0"/>
+              <a:t>['Sensitivity’] </a:t>
+            </a:r>
+          </a:p>
+          <a:p>
+            <a:r>
+              <a:rPr lang="en-US" altLang="zh-CN" sz="1600" dirty="0"/>
+              <a:t>f1_score &lt;- 2 * (precision * recall) / (precision + recall) </a:t>
+            </a:r>
+          </a:p>
+          <a:p>
+            <a:r>
+              <a:rPr lang="en-US" altLang="zh-CN" sz="1600" dirty="0" err="1"/>
+              <a:t>auc_pr</a:t>
+            </a:r>
+            <a:r>
+              <a:rPr lang="en-US" altLang="zh-CN" sz="1600" dirty="0"/>
+              <a:t> &lt;- </a:t>
+            </a:r>
+            <a:r>
+              <a:rPr lang="en-US" altLang="zh-CN" sz="1600" dirty="0" err="1"/>
+              <a:t>auc</a:t>
+            </a:r>
+            <a:r>
+              <a:rPr lang="en-US" altLang="zh-CN" sz="1600" dirty="0"/>
+              <a:t> (roc(</a:t>
+            </a:r>
+            <a:r>
+              <a:rPr lang="en-US" altLang="zh-CN" sz="1600" dirty="0" err="1"/>
+              <a:t>test_data$fraud</a:t>
+            </a:r>
+            <a:r>
+              <a:rPr lang="en-US" altLang="zh-CN" sz="1600" dirty="0"/>
+              <a:t>, predictions))</a:t>
+            </a:r>
+          </a:p>
+          <a:p>
+            <a:endParaRPr lang="en-US" altLang="zh-CN" sz="1600" dirty="0"/>
+          </a:p>
+          <a:p>
+            <a:endParaRPr lang="en-US" altLang="zh-CN" sz="1600" i="1" dirty="0"/>
+          </a:p>
+          <a:p>
+            <a:endParaRPr lang="en-US" altLang="zh-CN" sz="1600" b="1" i="1" dirty="0"/>
+          </a:p>
+          <a:p>
+            <a:endParaRPr lang="en-US" altLang="zh-CN" sz="1600" b="1" i="1" dirty="0"/>
+          </a:p>
+        </p:txBody>
+      </p:sp>
     </p:spTree>
+    <p:extLst>
+      <p:ext uri="{BB962C8B-B14F-4D97-AF65-F5344CB8AC3E}">
+        <p14:creationId xmlns:p14="http://schemas.microsoft.com/office/powerpoint/2010/main" val="2490608774"/>
+      </p:ext>
+    </p:extLst>
   </p:cSld>
   <p:clrMapOvr>
     <a:masterClrMapping/>
@@ -2098,7 +2198,13 @@
       </p:grpSpPr>
       <p:sp>
         <p:nvSpPr>
-          <p:cNvPr id="2" name="Shape 0"/>
+          <p:cNvPr id="2" name="Shape 0">
+            <a:extLst>
+              <a:ext uri="{FF2B5EF4-FFF2-40B4-BE49-F238E27FC236}">
+                <a16:creationId xmlns:a16="http://schemas.microsoft.com/office/drawing/2014/main" id="{B55DC7C5-C517-FDC2-E82C-6ACE3F472088}"/>
+              </a:ext>
+            </a:extLst>
+          </p:cNvPr>
           <p:cNvSpPr/>
           <p:nvPr/>
         </p:nvSpPr>
@@ -2114,17 +2220,30 @@
             <a:srgbClr val="A5DDFF"/>
           </a:solidFill>
         </p:spPr>
-      </p:sp>
-      <p:sp>
-        <p:nvSpPr>
-          <p:cNvPr id="3" name="Text 1"/>
+        <p:txBody>
+          <a:bodyPr/>
+          <a:lstStyle/>
+          <a:p>
+            <a:endParaRPr lang="zh-CN" altLang="en-US"/>
+          </a:p>
+        </p:txBody>
+      </p:sp>
+      <p:sp>
+        <p:nvSpPr>
+          <p:cNvPr id="3" name="Text 1">
+            <a:extLst>
+              <a:ext uri="{FF2B5EF4-FFF2-40B4-BE49-F238E27FC236}">
+                <a16:creationId xmlns:a16="http://schemas.microsoft.com/office/drawing/2014/main" id="{E9561F73-03AA-8E2C-8D28-5D80689554C2}"/>
+              </a:ext>
+            </a:extLst>
+          </p:cNvPr>
           <p:cNvSpPr/>
           <p:nvPr/>
         </p:nvSpPr>
         <p:spPr>
           <a:xfrm>
             <a:off x="762000" y="138113"/>
-            <a:ext cx="8130540" cy="552450"/>
+            <a:ext cx="5821680" cy="552450"/>
           </a:xfrm>
           <a:prstGeom prst="rect">
             <a:avLst/>
@@ -2139,7 +2258,7 @@
               <a:buNone/>
             </a:pPr>
             <a:r>
-              <a:rPr lang="en-US" sz="2625" b="1" dirty="0" err="1">
+              <a:rPr lang="en-US" sz="2400" b="1" dirty="0">
                 <a:solidFill>
                   <a:srgbClr val="002A85"/>
                 </a:solidFill>
@@ -2147,33 +2266,57 @@
                 <a:ea typeface="Noto Sans SC" pitchFamily="34" charset="-122"/>
                 <a:cs typeface="Noto Sans SC" pitchFamily="34" charset="-120"/>
               </a:rPr>
-              <a:t>XGBoost</a:t>
-            </a:r>
-            <a:r>
-              <a:rPr lang="en-US" sz="2625" b="1" dirty="0">
-                <a:solidFill>
-                  <a:srgbClr val="002A85"/>
-                </a:solidFill>
-                <a:latin typeface="Noto Sans SC" pitchFamily="34" charset="0"/>
-                <a:ea typeface="Noto Sans SC" pitchFamily="34" charset="-122"/>
-                <a:cs typeface="Noto Sans SC" pitchFamily="34" charset="-120"/>
-              </a:rPr>
-              <a:t> in R: Model Training</a:t>
-            </a:r>
-            <a:endParaRPr lang="en-US" sz="2625" dirty="0"/>
-          </a:p>
-        </p:txBody>
-      </p:sp>
-      <p:sp>
-        <p:nvSpPr>
-          <p:cNvPr id="4" name="Text 2"/>
-          <p:cNvSpPr/>
+              <a:t>Experiment Performance of SMOTE</a:t>
+            </a:r>
+          </a:p>
+        </p:txBody>
+      </p:sp>
+      <p:pic>
+        <p:nvPicPr>
+          <p:cNvPr id="14" name="图片 13" descr="图示&#10;&#10;描述已自动生成">
+            <a:extLst>
+              <a:ext uri="{FF2B5EF4-FFF2-40B4-BE49-F238E27FC236}">
+                <a16:creationId xmlns:a16="http://schemas.microsoft.com/office/drawing/2014/main" id="{B983EF15-1DC7-DA2F-24A1-CF0245797344}"/>
+              </a:ext>
+            </a:extLst>
+          </p:cNvPr>
+          <p:cNvPicPr>
+            <a:picLocks noChangeAspect="1"/>
+          </p:cNvPicPr>
           <p:nvPr/>
-        </p:nvSpPr>
+        </p:nvPicPr>
+        <p:blipFill>
+          <a:blip r:embed="rId2"/>
+          <a:stretch>
+            <a:fillRect/>
+          </a:stretch>
+        </p:blipFill>
         <p:spPr>
           <a:xfrm>
-            <a:off x="762000" y="1304925"/>
-            <a:ext cx="5011420" cy="949325"/>
+            <a:off x="427383" y="654602"/>
+            <a:ext cx="3366673" cy="4488898"/>
+          </a:xfrm>
+          <a:prstGeom prst="rect">
+            <a:avLst/>
+          </a:prstGeom>
+        </p:spPr>
+      </p:pic>
+      <p:sp>
+        <p:nvSpPr>
+          <p:cNvPr id="16" name="文本框 15">
+            <a:extLst>
+              <a:ext uri="{FF2B5EF4-FFF2-40B4-BE49-F238E27FC236}">
+                <a16:creationId xmlns:a16="http://schemas.microsoft.com/office/drawing/2014/main" id="{E6F44E00-C3EF-2FBF-D721-528B55D10ACE}"/>
+              </a:ext>
+            </a:extLst>
+          </p:cNvPr>
+          <p:cNvSpPr txBox="1"/>
+          <p:nvPr/>
+        </p:nvSpPr>
+        <p:spPr>
+          <a:xfrm>
+            <a:off x="4019550" y="794572"/>
+            <a:ext cx="4875972" cy="4185761"/>
           </a:xfrm>
           <a:prstGeom prst="rect">
             <a:avLst/>
@@ -2181,196 +2324,77 @@
           <a:noFill/>
         </p:spPr>
         <p:txBody>
-          <a:bodyPr wrap="square" rtlCol="0" anchor="t"/>
-          <a:lstStyle/>
-          <a:p>
-            <a:pPr algn="l">
-              <a:lnSpc>
-                <a:spcPct val="150000"/>
-              </a:lnSpc>
-              <a:buSzPct val="100000"/>
-            </a:pPr>
-            <a:endParaRPr lang="en-US" sz="1680" dirty="0">
-              <a:solidFill>
-                <a:srgbClr val="383838"/>
-              </a:solidFill>
-              <a:latin typeface="Noto Sans SC" pitchFamily="34" charset="0"/>
-              <a:ea typeface="Noto Sans SC" pitchFamily="34" charset="-122"/>
-            </a:endParaRPr>
-          </a:p>
-        </p:txBody>
-      </p:sp>
-      <p:pic>
-        <p:nvPicPr>
-          <p:cNvPr id="5" name="图片 4"/>
-          <p:cNvPicPr>
-            <a:picLocks noChangeAspect="1"/>
-          </p:cNvPicPr>
-          <p:nvPr/>
-        </p:nvPicPr>
-        <p:blipFill>
-          <a:blip r:embed="rId3"/>
-          <a:stretch>
-            <a:fillRect/>
-          </a:stretch>
-        </p:blipFill>
-        <p:spPr>
-          <a:xfrm>
-            <a:off x="137160" y="2974975"/>
-            <a:ext cx="6038215" cy="1838960"/>
-          </a:xfrm>
-          <a:prstGeom prst="rect">
-            <a:avLst/>
-          </a:prstGeom>
-        </p:spPr>
-      </p:pic>
-      <p:pic>
-        <p:nvPicPr>
-          <p:cNvPr id="8" name="图片 7"/>
-          <p:cNvPicPr>
-            <a:picLocks noChangeAspect="1"/>
-          </p:cNvPicPr>
-          <p:nvPr/>
-        </p:nvPicPr>
-        <p:blipFill>
-          <a:blip r:embed="rId4"/>
-          <a:stretch>
-            <a:fillRect/>
-          </a:stretch>
-        </p:blipFill>
-        <p:spPr>
-          <a:xfrm>
-            <a:off x="6323330" y="2974975"/>
-            <a:ext cx="2760980" cy="1368425"/>
-          </a:xfrm>
-          <a:prstGeom prst="rect">
-            <a:avLst/>
-          </a:prstGeom>
-        </p:spPr>
-      </p:pic>
-      <p:sp>
-        <p:nvSpPr>
-          <p:cNvPr id="9" name="文本框 8"/>
-          <p:cNvSpPr txBox="1"/>
-          <p:nvPr/>
-        </p:nvSpPr>
-        <p:spPr>
-          <a:xfrm>
-            <a:off x="137160" y="690880"/>
-            <a:ext cx="8696325" cy="2245360"/>
-          </a:xfrm>
-          <a:prstGeom prst="rect">
-            <a:avLst/>
-          </a:prstGeom>
-          <a:noFill/>
-        </p:spPr>
-        <p:txBody>
-          <a:bodyPr wrap="square" rtlCol="0">
+          <a:bodyPr wrap="square">
             <a:spAutoFit/>
           </a:bodyPr>
           <a:lstStyle/>
           <a:p>
-            <a:pPr marL="285750" indent="-285750">
-              <a:buFont typeface="Arial" panose="020B0604020202020204" pitchFamily="34" charset="0"/>
-              <a:buChar char="•"/>
-            </a:pPr>
-            <a:r>
-              <a:rPr lang="en-US" altLang="zh-CN" sz="1400"/>
-              <a:t>objective: What’s your goal? In this case, we use ‘binary:logistic’ to predict the probability of having a fraud based on the predictor variables</a:t>
-            </a:r>
-          </a:p>
-          <a:p>
-            <a:pPr marL="285750" indent="-285750">
-              <a:buFont typeface="Arial" panose="020B0604020202020204" pitchFamily="34" charset="0"/>
-              <a:buChar char="•"/>
-            </a:pPr>
-            <a:r>
-              <a:rPr lang="en-US" altLang="zh-CN" sz="1400"/>
-              <a:t>eta: How fast to learn? default value 0.3</a:t>
-            </a:r>
-          </a:p>
-          <a:p>
-            <a:pPr marL="285750" indent="-285750">
-              <a:buFont typeface="Arial" panose="020B0604020202020204" pitchFamily="34" charset="0"/>
-              <a:buChar char="•"/>
-            </a:pPr>
-            <a:r>
-              <a:rPr lang="en-US" altLang="zh-CN" sz="1400"/>
-              <a:t>data: Training data in DMatrix structure</a:t>
-            </a:r>
-          </a:p>
-          <a:p>
-            <a:pPr marL="285750" indent="-285750">
-              <a:buFont typeface="Arial" panose="020B0604020202020204" pitchFamily="34" charset="0"/>
-              <a:buChar char="•"/>
-            </a:pPr>
-            <a:r>
-              <a:rPr lang="en-US" altLang="zh-CN" sz="1400"/>
-              <a:t>max.depth: The size of each tree and a rule of thumb is to use 2 or 3 to prevent overfitting</a:t>
-            </a:r>
-          </a:p>
-          <a:p>
-            <a:pPr marL="285750" indent="-285750">
-              <a:buFont typeface="Arial" panose="020B0604020202020204" pitchFamily="34" charset="0"/>
-              <a:buChar char="•"/>
-            </a:pPr>
-            <a:r>
-              <a:rPr lang="en-US" altLang="zh-CN" sz="1400"/>
-              <a:t>watchlist: Track model performance on training and validation data during the training process to prevent overfitting</a:t>
-            </a:r>
-          </a:p>
-          <a:p>
-            <a:pPr marL="285750" indent="-285750">
-              <a:buFont typeface="Arial" panose="020B0604020202020204" pitchFamily="34" charset="0"/>
-              <a:buChar char="•"/>
-            </a:pPr>
-            <a:r>
-              <a:rPr lang="en-US" altLang="zh-CN" sz="1400"/>
-              <a:t>nrounds: number of boosting rounds</a:t>
-            </a:r>
-          </a:p>
-          <a:p>
-            <a:pPr marL="285750" indent="-285750">
-              <a:buFont typeface="Arial" panose="020B0604020202020204" pitchFamily="34" charset="0"/>
-              <a:buChar char="•"/>
-            </a:pPr>
-            <a:r>
-              <a:rPr lang="en-US" altLang="zh-CN" sz="1400"/>
-              <a:t>early_stopping_rounds: Stop the training process if the model's accuracy on validation set hasn't improved for the specified number of rounds</a:t>
-            </a:r>
-          </a:p>
-        </p:txBody>
-      </p:sp>
-      <p:sp>
-        <p:nvSpPr>
-          <p:cNvPr id="10" name="文本框 9"/>
-          <p:cNvSpPr txBox="1"/>
-          <p:nvPr/>
-        </p:nvSpPr>
-        <p:spPr>
-          <a:xfrm>
-            <a:off x="6790055" y="4445635"/>
-            <a:ext cx="1827530" cy="306705"/>
-          </a:xfrm>
-          <a:prstGeom prst="rect">
-            <a:avLst/>
-          </a:prstGeom>
-          <a:noFill/>
-        </p:spPr>
-        <p:txBody>
-          <a:bodyPr wrap="none" rtlCol="0">
-            <a:spAutoFit/>
-          </a:bodyPr>
-          <a:lstStyle/>
-          <a:p>
-            <a:r>
-              <a:rPr lang="en-US" altLang="zh-CN" sz="1400"/>
-              <a:t>How watchlist works</a:t>
-            </a:r>
+            <a:r>
+              <a:rPr lang="en" altLang="zh-CN" sz="1400" dirty="0"/>
+              <a:t>After importing the dataset, we standardize the data, ensuring that all variables contribute equally to the analysis</a:t>
+            </a:r>
+            <a:r>
+              <a:rPr lang="en-US" altLang="zh-CN" sz="1400" dirty="0"/>
+              <a:t>, </a:t>
+            </a:r>
+            <a:r>
+              <a:rPr lang="en" altLang="zh-CN" sz="1400" dirty="0"/>
+              <a:t>scaling the features so they falls in a range of [0,1].</a:t>
+            </a:r>
+          </a:p>
+          <a:p>
+            <a:endParaRPr lang="en" altLang="zh-CN" sz="1400" dirty="0"/>
+          </a:p>
+          <a:p>
+            <a:r>
+              <a:rPr lang="en" altLang="zh-CN" sz="1400" dirty="0"/>
+              <a:t>The standardized data is then split into two sets: one for training the model (Train Set) and one for testing its performance (Test Set).</a:t>
+            </a:r>
+          </a:p>
+          <a:p>
+            <a:endParaRPr lang="en" altLang="zh-CN" sz="1400" dirty="0"/>
+          </a:p>
+          <a:p>
+            <a:r>
+              <a:rPr lang="en" altLang="zh-CN" sz="1400" dirty="0"/>
+              <a:t>On the training set, the Synthetic Minority Over-sampling Technique (SMOTE) is applied.  And the </a:t>
+            </a:r>
+            <a:r>
+              <a:rPr lang="en" altLang="zh-CN" sz="1400" dirty="0" err="1"/>
+              <a:t>XGBoost</a:t>
+            </a:r>
+            <a:r>
+              <a:rPr lang="en" altLang="zh-CN" sz="1400" dirty="0"/>
+              <a:t> algorithm is trained on the SMOTE-processed training data and raw training set as a comparison.</a:t>
+            </a:r>
+          </a:p>
+          <a:p>
+            <a:endParaRPr lang="en" altLang="zh-CN" sz="1400" dirty="0"/>
+          </a:p>
+          <a:p>
+            <a:r>
+              <a:rPr lang="en" altLang="zh-CN" sz="1400" dirty="0"/>
+              <a:t>Then we will evaluation of whether the raw is sufficient for classification, or if SMOTE should be considered for comparison.</a:t>
+            </a:r>
+          </a:p>
+          <a:p>
+            <a:endParaRPr lang="en" altLang="zh-CN" sz="1400" dirty="0"/>
+          </a:p>
+          <a:p>
+            <a:r>
+              <a:rPr lang="en" altLang="zh-CN" sz="1400" dirty="0"/>
+              <a:t>A metric analysis is performed, which involves computing performance metrics such as accuracy, precision, F1-score, and AUC-PR to evaluate the model's performance.</a:t>
+            </a:r>
+            <a:endParaRPr lang="zh-CN" altLang="en-US" sz="1400" dirty="0"/>
           </a:p>
         </p:txBody>
       </p:sp>
     </p:spTree>
+    <p:extLst>
+      <p:ext uri="{BB962C8B-B14F-4D97-AF65-F5344CB8AC3E}">
+        <p14:creationId xmlns:p14="http://schemas.microsoft.com/office/powerpoint/2010/main" val="568066507"/>
+      </p:ext>
+    </p:extLst>
   </p:cSld>
   <p:clrMapOvr>
     <a:masterClrMapping/>
@@ -2413,6 +2437,13 @@
             <a:srgbClr val="A5DDFF"/>
           </a:solidFill>
         </p:spPr>
+        <p:txBody>
+          <a:bodyPr/>
+          <a:lstStyle/>
+          <a:p>
+            <a:endParaRPr lang="en-US"/>
+          </a:p>
+        </p:txBody>
       </p:sp>
       <p:sp>
         <p:nvSpPr>
@@ -2438,2498 +2469,6 @@
               <a:buNone/>
             </a:pPr>
             <a:r>
-              <a:rPr lang="en-US" sz="2630" b="1" dirty="0" err="1">
-                <a:solidFill>
-                  <a:srgbClr val="002A85"/>
-                </a:solidFill>
-                <a:latin typeface="Noto Sans SC" pitchFamily="34" charset="0"/>
-                <a:ea typeface="Noto Sans SC" pitchFamily="34" charset="-122"/>
-                <a:cs typeface="Noto Sans SC" pitchFamily="34" charset="-120"/>
-              </a:rPr>
-              <a:t>XGBoost</a:t>
-            </a:r>
-            <a:r>
-              <a:rPr lang="en-US" sz="2680" b="1" dirty="0">
-                <a:solidFill>
-                  <a:srgbClr val="002A85"/>
-                </a:solidFill>
-                <a:latin typeface="Noto Sans SC" pitchFamily="34" charset="0"/>
-                <a:ea typeface="Noto Sans SC" pitchFamily="34" charset="-122"/>
-                <a:cs typeface="Noto Sans SC" pitchFamily="34" charset="-120"/>
-              </a:rPr>
-              <a:t> in R: Result</a:t>
-            </a:r>
-            <a:endParaRPr lang="en-US" sz="2680" dirty="0"/>
-          </a:p>
-        </p:txBody>
-      </p:sp>
-      <p:sp>
-        <p:nvSpPr>
-          <p:cNvPr id="4" name="Text 2"/>
-          <p:cNvSpPr/>
-          <p:nvPr/>
-        </p:nvSpPr>
-        <p:spPr>
-          <a:xfrm>
-            <a:off x="762000" y="589093"/>
-            <a:ext cx="7715250" cy="4010878"/>
-          </a:xfrm>
-          <a:prstGeom prst="rect">
-            <a:avLst/>
-          </a:prstGeom>
-          <a:noFill/>
-        </p:spPr>
-        <p:txBody>
-          <a:bodyPr wrap="square" rtlCol="0" anchor="t"/>
-          <a:lstStyle/>
-          <a:p>
-            <a:pPr algn="l">
-              <a:lnSpc>
-                <a:spcPct val="150000"/>
-              </a:lnSpc>
-              <a:buSzPct val="100000"/>
-            </a:pPr>
-            <a:endParaRPr lang="en-US" sz="1680" dirty="0">
-              <a:solidFill>
-                <a:srgbClr val="383838"/>
-              </a:solidFill>
-              <a:latin typeface="Noto Sans SC" pitchFamily="34" charset="0"/>
-              <a:ea typeface="Noto Sans SC" pitchFamily="34" charset="-122"/>
-            </a:endParaRPr>
-          </a:p>
-          <a:p>
-            <a:pPr algn="l">
-              <a:lnSpc>
-                <a:spcPct val="150000"/>
-              </a:lnSpc>
-              <a:buSzPct val="100000"/>
-            </a:pPr>
-            <a:endParaRPr lang="en-US" sz="1680" dirty="0"/>
-          </a:p>
-          <a:p>
-            <a:pPr algn="l">
-              <a:lnSpc>
-                <a:spcPct val="150000"/>
-              </a:lnSpc>
-              <a:buSzPct val="100000"/>
-            </a:pPr>
-            <a:endParaRPr lang="en-US" sz="1680" dirty="0"/>
-          </a:p>
-        </p:txBody>
-      </p:sp>
-      <p:sp>
-        <p:nvSpPr>
-          <p:cNvPr id="5" name="文本框 4"/>
-          <p:cNvSpPr txBox="1"/>
-          <p:nvPr/>
-        </p:nvSpPr>
-        <p:spPr>
-          <a:xfrm>
-            <a:off x="346075" y="800100"/>
-            <a:ext cx="8310245" cy="737235"/>
-          </a:xfrm>
-          <a:prstGeom prst="rect">
-            <a:avLst/>
-          </a:prstGeom>
-          <a:noFill/>
-        </p:spPr>
-        <p:txBody>
-          <a:bodyPr wrap="square" rtlCol="0">
-            <a:spAutoFit/>
-          </a:bodyPr>
-          <a:lstStyle/>
-          <a:p>
-            <a:r>
-              <a:rPr lang="en-US" altLang="zh-CN" sz="1400"/>
-              <a:t>Our model stops boosting at #261 round, which means the model accuracy decreases in the next 50 rounds. So we know that overfitting occurs after that. Hence, we changed parameter nrounds to 261 and trained our final model. </a:t>
-            </a:r>
-          </a:p>
-        </p:txBody>
-      </p:sp>
-      <p:pic>
-        <p:nvPicPr>
-          <p:cNvPr id="6" name="图片 5"/>
-          <p:cNvPicPr>
-            <a:picLocks noChangeAspect="1"/>
-          </p:cNvPicPr>
-          <p:nvPr/>
-        </p:nvPicPr>
-        <p:blipFill>
-          <a:blip r:embed="rId3"/>
-          <a:stretch>
-            <a:fillRect/>
-          </a:stretch>
-        </p:blipFill>
-        <p:spPr>
-          <a:xfrm>
-            <a:off x="3163570" y="1537970"/>
-            <a:ext cx="2404745" cy="2606675"/>
-          </a:xfrm>
-          <a:prstGeom prst="rect">
-            <a:avLst/>
-          </a:prstGeom>
-        </p:spPr>
-      </p:pic>
-      <p:pic>
-        <p:nvPicPr>
-          <p:cNvPr id="7" name="图片 6"/>
-          <p:cNvPicPr>
-            <a:picLocks noChangeAspect="1"/>
-          </p:cNvPicPr>
-          <p:nvPr/>
-        </p:nvPicPr>
-        <p:blipFill>
-          <a:blip r:embed="rId4"/>
-          <a:stretch>
-            <a:fillRect/>
-          </a:stretch>
-        </p:blipFill>
-        <p:spPr>
-          <a:xfrm>
-            <a:off x="5828665" y="1537970"/>
-            <a:ext cx="2404110" cy="2606040"/>
-          </a:xfrm>
-          <a:prstGeom prst="rect">
-            <a:avLst/>
-          </a:prstGeom>
-        </p:spPr>
-      </p:pic>
-      <p:sp>
-        <p:nvSpPr>
-          <p:cNvPr id="8" name="文本框 7"/>
-          <p:cNvSpPr txBox="1"/>
-          <p:nvPr/>
-        </p:nvSpPr>
-        <p:spPr>
-          <a:xfrm>
-            <a:off x="160655" y="1646555"/>
-            <a:ext cx="2742565" cy="2891790"/>
-          </a:xfrm>
-          <a:prstGeom prst="rect">
-            <a:avLst/>
-          </a:prstGeom>
-          <a:noFill/>
-        </p:spPr>
-        <p:txBody>
-          <a:bodyPr wrap="square" rtlCol="0">
-            <a:spAutoFit/>
-          </a:bodyPr>
-          <a:lstStyle/>
-          <a:p>
-            <a:r>
-              <a:rPr lang="en-US" altLang="zh-CN" sz="1400"/>
-              <a:t>The first plot shows the 5 most important features identified by our final XGBoost model</a:t>
-            </a:r>
-          </a:p>
-          <a:p>
-            <a:endParaRPr lang="en-US" altLang="zh-CN" sz="1400"/>
-          </a:p>
-          <a:p>
-            <a:r>
-              <a:rPr lang="en-US" altLang="zh-CN" sz="1400"/>
-              <a:t>The plot on the right shows a very high AUC score of 0.99988, which means the model is almost a perfect classifier. Such an unusual result is probably because the simulated dataset is designed for practice purposes, so it is easier to classify.</a:t>
-            </a:r>
-          </a:p>
-        </p:txBody>
-      </p:sp>
-    </p:spTree>
-  </p:cSld>
-  <p:clrMapOvr>
-    <a:masterClrMapping/>
-  </p:clrMapOvr>
-</p:sld>
-</file>
-
-<file path=ppt/slides/slide13.xml><?xml version="1.0" encoding="utf-8"?>
-<p:sld xmlns:a="http://schemas.openxmlformats.org/drawingml/2006/main" xmlns:r="http://schemas.openxmlformats.org/officeDocument/2006/relationships" xmlns:p="http://schemas.openxmlformats.org/presentationml/2006/main">
-  <p:cSld>
-    <p:spTree>
-      <p:nvGrpSpPr>
-        <p:cNvPr id="1" name=""/>
-        <p:cNvGrpSpPr/>
-        <p:nvPr/>
-      </p:nvGrpSpPr>
-      <p:grpSpPr>
-        <a:xfrm>
-          <a:off x="0" y="0"/>
-          <a:ext cx="0" cy="0"/>
-          <a:chOff x="0" y="0"/>
-          <a:chExt cx="0" cy="0"/>
-        </a:xfrm>
-      </p:grpSpPr>
-      <p:sp>
-        <p:nvSpPr>
-          <p:cNvPr id="2" name="Shape 0"/>
-          <p:cNvSpPr/>
-          <p:nvPr/>
-        </p:nvSpPr>
-        <p:spPr>
-          <a:xfrm>
-            <a:off x="0" y="457200"/>
-            <a:ext cx="4019550" cy="233363"/>
-          </a:xfrm>
-          <a:prstGeom prst="rect">
-            <a:avLst/>
-          </a:prstGeom>
-          <a:solidFill>
-            <a:srgbClr val="A5DDFF"/>
-          </a:solidFill>
-        </p:spPr>
-      </p:sp>
-      <p:sp>
-        <p:nvSpPr>
-          <p:cNvPr id="3" name="Text 1"/>
-          <p:cNvSpPr/>
-          <p:nvPr/>
-        </p:nvSpPr>
-        <p:spPr>
-          <a:xfrm>
-            <a:off x="762000" y="138113"/>
-            <a:ext cx="8130540" cy="552450"/>
-          </a:xfrm>
-          <a:prstGeom prst="rect">
-            <a:avLst/>
-          </a:prstGeom>
-          <a:noFill/>
-        </p:spPr>
-        <p:txBody>
-          <a:bodyPr wrap="square" rtlCol="0" anchor="ctr"/>
-          <a:lstStyle/>
-          <a:p>
-            <a:pPr marL="0" indent="0">
-              <a:buNone/>
-            </a:pPr>
-            <a:r>
-              <a:rPr lang="en-US" sz="2630" b="1" dirty="0">
-                <a:solidFill>
-                  <a:srgbClr val="002A85"/>
-                </a:solidFill>
-                <a:latin typeface="Noto Sans SC" pitchFamily="34" charset="0"/>
-                <a:ea typeface="Noto Sans SC" pitchFamily="34" charset="-122"/>
-                <a:cs typeface="Noto Sans SC" pitchFamily="34" charset="-120"/>
-              </a:rPr>
-              <a:t>Reference</a:t>
-            </a:r>
-            <a:endParaRPr lang="en-US" sz="2680" dirty="0"/>
-          </a:p>
-        </p:txBody>
-      </p:sp>
-      <p:sp>
-        <p:nvSpPr>
-          <p:cNvPr id="4" name="Text 2"/>
-          <p:cNvSpPr/>
-          <p:nvPr/>
-        </p:nvSpPr>
-        <p:spPr>
-          <a:xfrm>
-            <a:off x="762000" y="589093"/>
-            <a:ext cx="7715250" cy="4010878"/>
-          </a:xfrm>
-          <a:prstGeom prst="rect">
-            <a:avLst/>
-          </a:prstGeom>
-          <a:noFill/>
-        </p:spPr>
-        <p:txBody>
-          <a:bodyPr wrap="square" rtlCol="0" anchor="t"/>
-          <a:lstStyle/>
-          <a:p>
-            <a:pPr algn="l">
-              <a:lnSpc>
-                <a:spcPct val="150000"/>
-              </a:lnSpc>
-              <a:buSzPct val="100000"/>
-            </a:pPr>
-            <a:endParaRPr lang="en-US" sz="1680" dirty="0">
-              <a:solidFill>
-                <a:srgbClr val="383838"/>
-              </a:solidFill>
-              <a:latin typeface="Noto Sans SC" pitchFamily="34" charset="0"/>
-              <a:ea typeface="Noto Sans SC" pitchFamily="34" charset="-122"/>
-            </a:endParaRPr>
-          </a:p>
-          <a:p>
-            <a:pPr algn="l">
-              <a:lnSpc>
-                <a:spcPct val="150000"/>
-              </a:lnSpc>
-              <a:buSzPct val="100000"/>
-            </a:pPr>
-            <a:endParaRPr lang="en-US" sz="1680" dirty="0"/>
-          </a:p>
-          <a:p>
-            <a:pPr algn="l">
-              <a:lnSpc>
-                <a:spcPct val="150000"/>
-              </a:lnSpc>
-              <a:buSzPct val="100000"/>
-            </a:pPr>
-            <a:endParaRPr lang="en-US" sz="1680" dirty="0"/>
-          </a:p>
-        </p:txBody>
-      </p:sp>
-      <p:sp>
-        <p:nvSpPr>
-          <p:cNvPr id="5" name="文本框 4"/>
-          <p:cNvSpPr txBox="1"/>
-          <p:nvPr/>
-        </p:nvSpPr>
-        <p:spPr>
-          <a:xfrm>
-            <a:off x="666750" y="1141543"/>
-            <a:ext cx="8310245" cy="1384995"/>
-          </a:xfrm>
-          <a:prstGeom prst="rect">
-            <a:avLst/>
-          </a:prstGeom>
-          <a:noFill/>
-        </p:spPr>
-        <p:txBody>
-          <a:bodyPr wrap="square" rtlCol="0">
-            <a:spAutoFit/>
-          </a:bodyPr>
-          <a:lstStyle/>
-          <a:p>
-            <a:pPr rtl="0">
-              <a:spcBef>
-                <a:spcPts val="0"/>
-              </a:spcBef>
-              <a:spcAft>
-                <a:spcPts val="1200"/>
-              </a:spcAft>
-            </a:pPr>
-            <a:r>
-              <a:rPr lang="en-US" sz="1800" b="0" i="0" u="none" strike="noStrike" dirty="0">
-                <a:solidFill>
-                  <a:srgbClr val="000000"/>
-                </a:solidFill>
-                <a:effectLst/>
-                <a:latin typeface="Arial" panose="020B0604020202020204" pitchFamily="34" charset="0"/>
-              </a:rPr>
-              <a:t>"</a:t>
-            </a:r>
-            <a:r>
-              <a:rPr lang="en-US" sz="1800" b="0" i="0" u="none" strike="noStrike" dirty="0" err="1">
-                <a:solidFill>
-                  <a:srgbClr val="000000"/>
-                </a:solidFill>
-                <a:effectLst/>
-                <a:latin typeface="Arial" panose="020B0604020202020204" pitchFamily="34" charset="0"/>
-              </a:rPr>
-              <a:t>XGBoost</a:t>
-            </a:r>
-            <a:r>
-              <a:rPr lang="en-US" sz="1800" b="0" i="0" u="none" strike="noStrike" dirty="0">
-                <a:solidFill>
-                  <a:srgbClr val="000000"/>
-                </a:solidFill>
-                <a:effectLst/>
-                <a:latin typeface="Arial" panose="020B0604020202020204" pitchFamily="34" charset="0"/>
-              </a:rPr>
-              <a:t> Documentation." GitHub, </a:t>
-            </a:r>
-            <a:endParaRPr lang="en-US" sz="1400" b="0" dirty="0">
-              <a:effectLst/>
-            </a:endParaRPr>
-          </a:p>
-          <a:p>
-            <a:pPr rtl="0">
-              <a:spcBef>
-                <a:spcPts val="0"/>
-              </a:spcBef>
-              <a:spcAft>
-                <a:spcPts val="1200"/>
-              </a:spcAft>
-            </a:pPr>
-            <a:r>
-              <a:rPr lang="en-US" sz="1800" b="0" i="0" u="none" strike="noStrike" dirty="0">
-                <a:solidFill>
-                  <a:srgbClr val="000000"/>
-                </a:solidFill>
-                <a:effectLst/>
-                <a:latin typeface="Arial" panose="020B0604020202020204" pitchFamily="34" charset="0"/>
-              </a:rPr>
-              <a:t>https://</a:t>
-            </a:r>
-            <a:r>
-              <a:rPr lang="en-US" sz="1800" b="0" i="0" u="none" strike="noStrike" dirty="0" err="1">
-                <a:solidFill>
-                  <a:srgbClr val="000000"/>
-                </a:solidFill>
-                <a:effectLst/>
-                <a:latin typeface="Arial" panose="020B0604020202020204" pitchFamily="34" charset="0"/>
-              </a:rPr>
-              <a:t>github.com</a:t>
-            </a:r>
-            <a:r>
-              <a:rPr lang="en-US" sz="1800" b="0" i="0" u="none" strike="noStrike" dirty="0">
-                <a:solidFill>
-                  <a:srgbClr val="000000"/>
-                </a:solidFill>
-                <a:effectLst/>
-                <a:latin typeface="Arial" panose="020B0604020202020204" pitchFamily="34" charset="0"/>
-              </a:rPr>
-              <a:t>/</a:t>
-            </a:r>
-            <a:r>
-              <a:rPr lang="en-US" sz="1800" b="0" i="0" u="none" strike="noStrike" dirty="0" err="1">
-                <a:solidFill>
-                  <a:srgbClr val="000000"/>
-                </a:solidFill>
-                <a:effectLst/>
-                <a:latin typeface="Arial" panose="020B0604020202020204" pitchFamily="34" charset="0"/>
-              </a:rPr>
-              <a:t>dmlc</a:t>
-            </a:r>
-            <a:r>
-              <a:rPr lang="en-US" sz="1800" b="0" i="0" u="none" strike="noStrike" dirty="0">
-                <a:solidFill>
-                  <a:srgbClr val="000000"/>
-                </a:solidFill>
-                <a:effectLst/>
-                <a:latin typeface="Arial" panose="020B0604020202020204" pitchFamily="34" charset="0"/>
-              </a:rPr>
-              <a:t>/</a:t>
-            </a:r>
-            <a:r>
-              <a:rPr lang="en-US" sz="1800" b="0" i="0" u="none" strike="noStrike" dirty="0" err="1">
-                <a:solidFill>
-                  <a:srgbClr val="000000"/>
-                </a:solidFill>
-                <a:effectLst/>
-                <a:latin typeface="Arial" panose="020B0604020202020204" pitchFamily="34" charset="0"/>
-              </a:rPr>
-              <a:t>xgboost</a:t>
-            </a:r>
-            <a:r>
-              <a:rPr lang="en-US" sz="1800" b="0" i="0" u="none" strike="noStrike" dirty="0">
-                <a:solidFill>
-                  <a:srgbClr val="000000"/>
-                </a:solidFill>
-                <a:effectLst/>
-                <a:latin typeface="Arial" panose="020B0604020202020204" pitchFamily="34" charset="0"/>
-              </a:rPr>
-              <a:t>(Accessed Dec 5, 2023).</a:t>
-            </a:r>
-            <a:endParaRPr lang="en-US" sz="1400" b="0" dirty="0">
-              <a:effectLst/>
-            </a:endParaRPr>
-          </a:p>
-          <a:p>
-            <a:br>
-              <a:rPr lang="en-US" sz="1400" dirty="0"/>
-            </a:br>
-            <a:endParaRPr lang="en-US" altLang="zh-CN" sz="1400" dirty="0"/>
-          </a:p>
-        </p:txBody>
-      </p:sp>
-    </p:spTree>
-    <p:extLst>
-      <p:ext uri="{BB962C8B-B14F-4D97-AF65-F5344CB8AC3E}">
-        <p14:creationId xmlns:p14="http://schemas.microsoft.com/office/powerpoint/2010/main" val="1303414577"/>
-      </p:ext>
-    </p:extLst>
-  </p:cSld>
-  <p:clrMapOvr>
-    <a:masterClrMapping/>
-  </p:clrMapOvr>
-</p:sld>
-</file>
-
-<file path=ppt/slides/slide14.xml><?xml version="1.0" encoding="utf-8"?>
-<p:sld xmlns:a="http://schemas.openxmlformats.org/drawingml/2006/main" xmlns:r="http://schemas.openxmlformats.org/officeDocument/2006/relationships" xmlns:p="http://schemas.openxmlformats.org/presentationml/2006/main">
-  <p:cSld>
-    <p:spTree>
-      <p:nvGrpSpPr>
-        <p:cNvPr id="1" name=""/>
-        <p:cNvGrpSpPr/>
-        <p:nvPr/>
-      </p:nvGrpSpPr>
-      <p:grpSpPr>
-        <a:xfrm>
-          <a:off x="0" y="0"/>
-          <a:ext cx="0" cy="0"/>
-          <a:chOff x="0" y="0"/>
-          <a:chExt cx="0" cy="0"/>
-        </a:xfrm>
-      </p:grpSpPr>
-      <p:sp>
-        <p:nvSpPr>
-          <p:cNvPr id="2" name="Text 0"/>
-          <p:cNvSpPr/>
-          <p:nvPr/>
-        </p:nvSpPr>
-        <p:spPr>
-          <a:xfrm>
-            <a:off x="2871788" y="1838325"/>
-            <a:ext cx="3395663" cy="552450"/>
-          </a:xfrm>
-          <a:prstGeom prst="rect">
-            <a:avLst/>
-          </a:prstGeom>
-          <a:noFill/>
-        </p:spPr>
-        <p:txBody>
-          <a:bodyPr wrap="square" rtlCol="0" anchor="t"/>
-          <a:lstStyle/>
-          <a:p>
-            <a:pPr marL="0" indent="0" algn="ctr">
-              <a:buNone/>
-            </a:pPr>
-            <a:r>
-              <a:rPr lang="en-US" sz="2800" b="1" dirty="0">
-                <a:solidFill>
-                  <a:srgbClr val="002A85"/>
-                </a:solidFill>
-                <a:latin typeface="Noto Sans SC" pitchFamily="34" charset="0"/>
-                <a:ea typeface="Noto Sans SC" pitchFamily="34" charset="-122"/>
-                <a:cs typeface="Noto Sans SC" pitchFamily="34" charset="-120"/>
-              </a:rPr>
-              <a:t>THE END</a:t>
-            </a:r>
-            <a:endParaRPr lang="en-US" sz="2800" dirty="0"/>
-          </a:p>
-        </p:txBody>
-      </p:sp>
-      <p:sp>
-        <p:nvSpPr>
-          <p:cNvPr id="3" name="Text 1"/>
-          <p:cNvSpPr/>
-          <p:nvPr/>
-        </p:nvSpPr>
-        <p:spPr>
-          <a:xfrm>
-            <a:off x="2871788" y="2390775"/>
-            <a:ext cx="3395663" cy="1033463"/>
-          </a:xfrm>
-          <a:prstGeom prst="rect">
-            <a:avLst/>
-          </a:prstGeom>
-          <a:noFill/>
-        </p:spPr>
-        <p:txBody>
-          <a:bodyPr wrap="square" rtlCol="0" anchor="t"/>
-          <a:lstStyle/>
-          <a:p>
-            <a:pPr marL="0" indent="0" algn="ctr">
-              <a:buNone/>
-            </a:pPr>
-            <a:r>
-              <a:rPr lang="en-US" sz="5250" b="1" dirty="0">
-                <a:solidFill>
-                  <a:srgbClr val="002A85"/>
-                </a:solidFill>
-                <a:latin typeface="Noto Sans SC" pitchFamily="34" charset="0"/>
-                <a:ea typeface="Noto Sans SC" pitchFamily="34" charset="-122"/>
-                <a:cs typeface="Noto Sans SC" pitchFamily="34" charset="-120"/>
-              </a:rPr>
-              <a:t>THANKS</a:t>
-            </a:r>
-            <a:endParaRPr lang="en-US" sz="5250" dirty="0"/>
-          </a:p>
-        </p:txBody>
-      </p:sp>
-    </p:spTree>
-  </p:cSld>
-  <p:clrMapOvr>
-    <a:masterClrMapping/>
-  </p:clrMapOvr>
-</p:sld>
-</file>
-
-<file path=ppt/slides/slide2.xml><?xml version="1.0" encoding="utf-8"?>
-<p:sld xmlns:a="http://schemas.openxmlformats.org/drawingml/2006/main" xmlns:r="http://schemas.openxmlformats.org/officeDocument/2006/relationships" xmlns:p="http://schemas.openxmlformats.org/presentationml/2006/main">
-  <p:cSld>
-    <p:spTree>
-      <p:nvGrpSpPr>
-        <p:cNvPr id="1" name=""/>
-        <p:cNvGrpSpPr/>
-        <p:nvPr/>
-      </p:nvGrpSpPr>
-      <p:grpSpPr>
-        <a:xfrm>
-          <a:off x="0" y="0"/>
-          <a:ext cx="0" cy="0"/>
-          <a:chOff x="0" y="0"/>
-          <a:chExt cx="0" cy="0"/>
-        </a:xfrm>
-      </p:grpSpPr>
-      <p:sp>
-        <p:nvSpPr>
-          <p:cNvPr id="2" name="Shape 0"/>
-          <p:cNvSpPr/>
-          <p:nvPr/>
-        </p:nvSpPr>
-        <p:spPr>
-          <a:xfrm>
-            <a:off x="0" y="457200"/>
-            <a:ext cx="4019550" cy="233363"/>
-          </a:xfrm>
-          <a:prstGeom prst="rect">
-            <a:avLst/>
-          </a:prstGeom>
-          <a:solidFill>
-            <a:srgbClr val="A5DDFF"/>
-          </a:solidFill>
-        </p:spPr>
-      </p:sp>
-      <p:sp>
-        <p:nvSpPr>
-          <p:cNvPr id="3" name="Text 1"/>
-          <p:cNvSpPr/>
-          <p:nvPr/>
-        </p:nvSpPr>
-        <p:spPr>
-          <a:xfrm>
-            <a:off x="762000" y="138113"/>
-            <a:ext cx="8130540" cy="552450"/>
-          </a:xfrm>
-          <a:prstGeom prst="rect">
-            <a:avLst/>
-          </a:prstGeom>
-          <a:noFill/>
-        </p:spPr>
-        <p:txBody>
-          <a:bodyPr wrap="square" rtlCol="0" anchor="ctr"/>
-          <a:lstStyle/>
-          <a:p>
-            <a:pPr marL="0" indent="0">
-              <a:buNone/>
-            </a:pPr>
-            <a:r>
-              <a:rPr lang="en-US" sz="2625" b="1" dirty="0">
-                <a:solidFill>
-                  <a:srgbClr val="002A85"/>
-                </a:solidFill>
-                <a:latin typeface="Noto Sans SC" pitchFamily="34" charset="0"/>
-                <a:ea typeface="Noto Sans SC" pitchFamily="34" charset="-122"/>
-              </a:rPr>
-              <a:t>Dataset Introduction</a:t>
-            </a:r>
-            <a:endParaRPr lang="en-US" sz="2625" dirty="0"/>
-          </a:p>
-        </p:txBody>
-      </p:sp>
-      <p:sp>
-        <p:nvSpPr>
-          <p:cNvPr id="4" name="Text 2"/>
-          <p:cNvSpPr/>
-          <p:nvPr/>
-        </p:nvSpPr>
-        <p:spPr>
-          <a:xfrm>
-            <a:off x="714375" y="759015"/>
-            <a:ext cx="7715250" cy="3452813"/>
-          </a:xfrm>
-          <a:prstGeom prst="rect">
-            <a:avLst/>
-          </a:prstGeom>
-          <a:noFill/>
-        </p:spPr>
-        <p:txBody>
-          <a:bodyPr wrap="square" rtlCol="0" anchor="t"/>
-          <a:lstStyle/>
-          <a:p>
-            <a:pPr marL="285750" indent="-285750">
-              <a:lnSpc>
-                <a:spcPct val="150000"/>
-              </a:lnSpc>
-              <a:buSzPct val="100000"/>
-              <a:buFont typeface="Arial" panose="020B0604020202020204" pitchFamily="34" charset="0"/>
-              <a:buChar char="•"/>
-            </a:pPr>
-            <a:r>
-              <a:rPr lang="en-US" sz="1680" dirty="0">
-                <a:solidFill>
-                  <a:srgbClr val="383838"/>
-                </a:solidFill>
-                <a:latin typeface="Noto Sans SC" pitchFamily="34" charset="0"/>
-                <a:ea typeface="Noto Sans SC" pitchFamily="34" charset="-122"/>
-              </a:rPr>
-              <a:t>Simulated credit card transaction fraud data on Kaggle  </a:t>
-            </a:r>
-          </a:p>
-          <a:p>
-            <a:pPr marL="285750" indent="-285750">
-              <a:lnSpc>
-                <a:spcPct val="150000"/>
-              </a:lnSpc>
-              <a:buSzPct val="100000"/>
-              <a:buFont typeface="Arial" panose="020B0604020202020204" pitchFamily="34" charset="0"/>
-              <a:buChar char="•"/>
-            </a:pPr>
-            <a:r>
-              <a:rPr lang="en-US" sz="1600" dirty="0">
-                <a:hlinkClick r:id="rId3"/>
-              </a:rPr>
-              <a:t>Credit Card Fraud (kaggle.com)</a:t>
-            </a:r>
-            <a:endParaRPr lang="en-US" sz="1600" dirty="0"/>
-          </a:p>
-          <a:p>
-            <a:pPr marL="285750" indent="-285750">
-              <a:lnSpc>
-                <a:spcPct val="150000"/>
-              </a:lnSpc>
-              <a:buSzPct val="100000"/>
-              <a:buFont typeface="Arial" panose="020B0604020202020204" pitchFamily="34" charset="0"/>
-              <a:buChar char="•"/>
-            </a:pPr>
-            <a:r>
-              <a:rPr lang="en-US" sz="1680" dirty="0">
-                <a:solidFill>
-                  <a:srgbClr val="383838"/>
-                </a:solidFill>
-                <a:latin typeface="Noto Sans SC" pitchFamily="34" charset="0"/>
-                <a:ea typeface="Noto Sans SC" pitchFamily="34" charset="-122"/>
-              </a:rPr>
-              <a:t>Binary classification problem</a:t>
-            </a:r>
-            <a:r>
-              <a:rPr lang="en-US" sz="1600" dirty="0">
-                <a:solidFill>
-                  <a:srgbClr val="383838"/>
-                </a:solidFill>
-                <a:latin typeface="Noto Sans SC" pitchFamily="34" charset="0"/>
-                <a:ea typeface="Noto Sans SC" pitchFamily="34" charset="-122"/>
-              </a:rPr>
-              <a:t>, each transaction is either fraudulent or not.</a:t>
-            </a:r>
-            <a:endParaRPr lang="en-US" sz="1680" dirty="0">
-              <a:solidFill>
-                <a:srgbClr val="383838"/>
-              </a:solidFill>
-              <a:latin typeface="Noto Sans SC" pitchFamily="34" charset="0"/>
-              <a:ea typeface="Noto Sans SC" pitchFamily="34" charset="-122"/>
-            </a:endParaRPr>
-          </a:p>
-          <a:p>
-            <a:pPr marL="285750" indent="-285750">
-              <a:lnSpc>
-                <a:spcPct val="150000"/>
-              </a:lnSpc>
-              <a:buSzPct val="100000"/>
-              <a:buFont typeface="Arial" panose="020B0604020202020204" pitchFamily="34" charset="0"/>
-              <a:buChar char="•"/>
-            </a:pPr>
-            <a:r>
-              <a:rPr lang="en-US" sz="1680" dirty="0">
-                <a:solidFill>
-                  <a:srgbClr val="383838"/>
-                </a:solidFill>
-                <a:latin typeface="Noto Sans SC" pitchFamily="34" charset="0"/>
-                <a:ea typeface="Noto Sans SC" pitchFamily="34" charset="-122"/>
-              </a:rPr>
-              <a:t>1000000 transactions, only 87403 transactions are fraudulent. 8.74% fraud rate, very unbalanced data</a:t>
-            </a:r>
-          </a:p>
-          <a:p>
-            <a:pPr marL="285750" indent="-285750">
-              <a:lnSpc>
-                <a:spcPct val="150000"/>
-              </a:lnSpc>
-              <a:buSzPct val="100000"/>
-              <a:buFont typeface="Arial" panose="020B0604020202020204" pitchFamily="34" charset="0"/>
-              <a:buChar char="•"/>
-            </a:pPr>
-            <a:r>
-              <a:rPr lang="en-US" sz="1680" dirty="0">
-                <a:solidFill>
-                  <a:srgbClr val="383838"/>
-                </a:solidFill>
-                <a:latin typeface="Noto Sans SC" pitchFamily="34" charset="0"/>
-                <a:ea typeface="Noto Sans SC" pitchFamily="34" charset="-122"/>
-              </a:rPr>
-              <a:t>We will apply stratification when dividing the dataset</a:t>
-            </a:r>
-          </a:p>
-          <a:p>
-            <a:pPr marL="342900" indent="-342900" algn="l">
-              <a:lnSpc>
-                <a:spcPct val="150000"/>
-              </a:lnSpc>
-              <a:buSzPct val="100000"/>
-              <a:buChar char="•"/>
-            </a:pPr>
-            <a:endParaRPr lang="en-US" sz="1680" dirty="0">
-              <a:solidFill>
-                <a:srgbClr val="383838"/>
-              </a:solidFill>
-              <a:latin typeface="Noto Sans SC" pitchFamily="34" charset="0"/>
-              <a:ea typeface="Noto Sans SC" pitchFamily="34" charset="-122"/>
-            </a:endParaRPr>
-          </a:p>
-          <a:p>
-            <a:pPr marL="342900" indent="-342900" algn="l">
-              <a:lnSpc>
-                <a:spcPct val="150000"/>
-              </a:lnSpc>
-              <a:buSzPct val="100000"/>
-              <a:buChar char="•"/>
-            </a:pPr>
-            <a:endParaRPr lang="en-US" sz="1680" dirty="0"/>
-          </a:p>
-          <a:p>
-            <a:pPr marL="342900" indent="-342900" algn="l">
-              <a:lnSpc>
-                <a:spcPct val="150000"/>
-              </a:lnSpc>
-              <a:buSzPct val="100000"/>
-              <a:buChar char="•"/>
-            </a:pPr>
-            <a:endParaRPr lang="en-US" sz="1680" dirty="0"/>
-          </a:p>
-        </p:txBody>
-      </p:sp>
-    </p:spTree>
-  </p:cSld>
-  <p:clrMapOvr>
-    <a:masterClrMapping/>
-  </p:clrMapOvr>
-</p:sld>
-</file>
-
-<file path=ppt/slides/slide3.xml><?xml version="1.0" encoding="utf-8"?>
-<p:sld xmlns:a="http://schemas.openxmlformats.org/drawingml/2006/main" xmlns:r="http://schemas.openxmlformats.org/officeDocument/2006/relationships" xmlns:p="http://schemas.openxmlformats.org/presentationml/2006/main">
-  <p:cSld>
-    <p:spTree>
-      <p:nvGrpSpPr>
-        <p:cNvPr id="1" name=""/>
-        <p:cNvGrpSpPr/>
-        <p:nvPr/>
-      </p:nvGrpSpPr>
-      <p:grpSpPr>
-        <a:xfrm>
-          <a:off x="0" y="0"/>
-          <a:ext cx="0" cy="0"/>
-          <a:chOff x="0" y="0"/>
-          <a:chExt cx="0" cy="0"/>
-        </a:xfrm>
-      </p:grpSpPr>
-      <p:sp>
-        <p:nvSpPr>
-          <p:cNvPr id="2" name="Shape 0"/>
-          <p:cNvSpPr/>
-          <p:nvPr/>
-        </p:nvSpPr>
-        <p:spPr>
-          <a:xfrm>
-            <a:off x="0" y="457200"/>
-            <a:ext cx="4019550" cy="233363"/>
-          </a:xfrm>
-          <a:prstGeom prst="rect">
-            <a:avLst/>
-          </a:prstGeom>
-          <a:solidFill>
-            <a:srgbClr val="A5DDFF"/>
-          </a:solidFill>
-        </p:spPr>
-      </p:sp>
-      <p:sp>
-        <p:nvSpPr>
-          <p:cNvPr id="3" name="Text 1"/>
-          <p:cNvSpPr/>
-          <p:nvPr/>
-        </p:nvSpPr>
-        <p:spPr>
-          <a:xfrm>
-            <a:off x="762000" y="138113"/>
-            <a:ext cx="8130540" cy="552450"/>
-          </a:xfrm>
-          <a:prstGeom prst="rect">
-            <a:avLst/>
-          </a:prstGeom>
-          <a:noFill/>
-        </p:spPr>
-        <p:txBody>
-          <a:bodyPr wrap="square" rtlCol="0" anchor="ctr"/>
-          <a:lstStyle/>
-          <a:p>
-            <a:pPr marL="0" indent="0">
-              <a:buNone/>
-            </a:pPr>
-            <a:r>
-              <a:rPr lang="en-US" sz="2625" b="1" dirty="0">
-                <a:solidFill>
-                  <a:srgbClr val="002A85"/>
-                </a:solidFill>
-                <a:latin typeface="Noto Sans SC" pitchFamily="34" charset="0"/>
-                <a:ea typeface="Noto Sans SC" pitchFamily="34" charset="-122"/>
-              </a:rPr>
-              <a:t>Dataset</a:t>
-            </a:r>
-            <a:r>
-              <a:rPr lang="zh-CN" altLang="en-US" sz="2625" b="1" dirty="0">
-                <a:solidFill>
-                  <a:srgbClr val="002A85"/>
-                </a:solidFill>
-                <a:latin typeface="Noto Sans SC" pitchFamily="34" charset="0"/>
-                <a:ea typeface="Noto Sans SC" pitchFamily="34" charset="-122"/>
-              </a:rPr>
-              <a:t> </a:t>
-            </a:r>
-            <a:r>
-              <a:rPr lang="en-US" altLang="zh-CN" sz="2625" b="1" dirty="0">
-                <a:solidFill>
-                  <a:srgbClr val="002A85"/>
-                </a:solidFill>
-                <a:latin typeface="Noto Sans SC" pitchFamily="34" charset="0"/>
-                <a:ea typeface="Noto Sans SC" pitchFamily="34" charset="-122"/>
-              </a:rPr>
-              <a:t>description</a:t>
-            </a:r>
-            <a:endParaRPr lang="en-US" sz="2625" dirty="0"/>
-          </a:p>
-        </p:txBody>
-      </p:sp>
-      <p:sp>
-        <p:nvSpPr>
-          <p:cNvPr id="4" name="Text 2"/>
-          <p:cNvSpPr/>
-          <p:nvPr/>
-        </p:nvSpPr>
-        <p:spPr>
-          <a:xfrm>
-            <a:off x="762000" y="2825749"/>
-            <a:ext cx="7929513" cy="1432874"/>
-          </a:xfrm>
-          <a:prstGeom prst="rect">
-            <a:avLst/>
-          </a:prstGeom>
-          <a:noFill/>
-        </p:spPr>
-        <p:txBody>
-          <a:bodyPr wrap="square" rtlCol="0" anchor="t"/>
-          <a:lstStyle/>
-          <a:p>
-            <a:pPr fontAlgn="base"/>
-            <a:r>
-              <a:rPr lang="en-US" dirty="0" err="1"/>
-              <a:t>dist_home</a:t>
-            </a:r>
-            <a:r>
-              <a:rPr lang="en-US" dirty="0"/>
-              <a:t>: the distance from home where the transaction happened</a:t>
-            </a:r>
-          </a:p>
-          <a:p>
-            <a:pPr fontAlgn="base"/>
-            <a:endParaRPr lang="en-US" dirty="0"/>
-          </a:p>
-          <a:p>
-            <a:pPr fontAlgn="base"/>
-            <a:r>
-              <a:rPr lang="en-US" dirty="0" err="1"/>
-              <a:t>dist_last_transact</a:t>
-            </a:r>
-            <a:r>
-              <a:rPr lang="en-US" dirty="0"/>
-              <a:t>: the distance from last transaction happened</a:t>
-            </a:r>
-          </a:p>
-          <a:p>
-            <a:pPr fontAlgn="base"/>
-            <a:endParaRPr lang="en-US" dirty="0"/>
-          </a:p>
-          <a:p>
-            <a:pPr fontAlgn="base"/>
-            <a:r>
-              <a:rPr lang="en-US" dirty="0" err="1"/>
-              <a:t>ratio_to_med_price</a:t>
-            </a:r>
-            <a:r>
-              <a:rPr lang="en-US" dirty="0"/>
-              <a:t>: ratio of transaction </a:t>
-            </a:r>
-            <a:r>
-              <a:rPr lang="en-US" dirty="0" err="1"/>
-              <a:t>price</a:t>
-            </a:r>
-            <a:r>
-              <a:rPr lang="en-US" dirty="0"/>
-              <a:t> to median purchase price</a:t>
-            </a:r>
-          </a:p>
-          <a:p>
-            <a:pPr fontAlgn="base"/>
-            <a:endParaRPr lang="en-US" dirty="0"/>
-          </a:p>
-          <a:p>
-            <a:pPr fontAlgn="base"/>
-            <a:r>
-              <a:rPr lang="en-US" dirty="0" err="1"/>
-              <a:t>repeat_retailer</a:t>
-            </a:r>
-            <a:r>
-              <a:rPr lang="en-US" dirty="0"/>
-              <a:t>: Is the transaction happened from same retailer</a:t>
-            </a:r>
-          </a:p>
-          <a:p>
-            <a:pPr marL="342900" indent="-342900">
-              <a:lnSpc>
-                <a:spcPct val="150000"/>
-              </a:lnSpc>
-              <a:buSzPct val="100000"/>
-              <a:buFontTx/>
-              <a:buChar char="•"/>
-            </a:pPr>
-            <a:endParaRPr lang="en-US" sz="1600" b="0" i="0" dirty="0">
-              <a:solidFill>
-                <a:srgbClr val="3C4043"/>
-              </a:solidFill>
-              <a:effectLst/>
-              <a:latin typeface="Inter"/>
-            </a:endParaRPr>
-          </a:p>
-          <a:p>
-            <a:pPr marL="342900" indent="-342900" algn="l">
-              <a:lnSpc>
-                <a:spcPct val="150000"/>
-              </a:lnSpc>
-              <a:buSzPct val="100000"/>
-              <a:buChar char="•"/>
-            </a:pPr>
-            <a:endParaRPr lang="en-US" sz="1600" b="0" i="0" dirty="0">
-              <a:solidFill>
-                <a:srgbClr val="3C4043"/>
-              </a:solidFill>
-              <a:effectLst/>
-              <a:latin typeface="Inter"/>
-            </a:endParaRPr>
-          </a:p>
-          <a:p>
-            <a:pPr marL="342900" indent="-342900" algn="l">
-              <a:lnSpc>
-                <a:spcPct val="150000"/>
-              </a:lnSpc>
-              <a:buSzPct val="100000"/>
-              <a:buChar char="•"/>
-            </a:pPr>
-            <a:endParaRPr lang="en-US" sz="1680" dirty="0">
-              <a:solidFill>
-                <a:srgbClr val="383838"/>
-              </a:solidFill>
-              <a:latin typeface="Noto Sans SC" pitchFamily="34" charset="0"/>
-              <a:ea typeface="Noto Sans SC" pitchFamily="34" charset="-122"/>
-            </a:endParaRPr>
-          </a:p>
-          <a:p>
-            <a:pPr marL="342900" indent="-342900" algn="l">
-              <a:lnSpc>
-                <a:spcPct val="150000"/>
-              </a:lnSpc>
-              <a:buSzPct val="100000"/>
-              <a:buChar char="•"/>
-            </a:pPr>
-            <a:endParaRPr lang="en-US" sz="1680" dirty="0"/>
-          </a:p>
-          <a:p>
-            <a:pPr marL="342900" indent="-342900" algn="l">
-              <a:lnSpc>
-                <a:spcPct val="150000"/>
-              </a:lnSpc>
-              <a:buSzPct val="100000"/>
-              <a:buChar char="•"/>
-            </a:pPr>
-            <a:endParaRPr lang="en-US" sz="1680" dirty="0"/>
-          </a:p>
-        </p:txBody>
-      </p:sp>
-      <p:pic>
-        <p:nvPicPr>
-          <p:cNvPr id="10" name="Picture 9"/>
-          <p:cNvPicPr>
-            <a:picLocks noChangeAspect="1"/>
-          </p:cNvPicPr>
-          <p:nvPr/>
-        </p:nvPicPr>
-        <p:blipFill>
-          <a:blip r:embed="rId3"/>
-          <a:stretch>
-            <a:fillRect/>
-          </a:stretch>
-        </p:blipFill>
-        <p:spPr>
-          <a:xfrm>
-            <a:off x="0" y="1009650"/>
-            <a:ext cx="9144000" cy="1456841"/>
-          </a:xfrm>
-          <a:prstGeom prst="rect">
-            <a:avLst/>
-          </a:prstGeom>
-        </p:spPr>
-      </p:pic>
-    </p:spTree>
-  </p:cSld>
-  <p:clrMapOvr>
-    <a:masterClrMapping/>
-  </p:clrMapOvr>
-</p:sld>
-</file>
-
-<file path=ppt/slides/slide4.xml><?xml version="1.0" encoding="utf-8"?>
-<p:sld xmlns:a="http://schemas.openxmlformats.org/drawingml/2006/main" xmlns:r="http://schemas.openxmlformats.org/officeDocument/2006/relationships" xmlns:p="http://schemas.openxmlformats.org/presentationml/2006/main">
-  <p:cSld>
-    <p:spTree>
-      <p:nvGrpSpPr>
-        <p:cNvPr id="1" name=""/>
-        <p:cNvGrpSpPr/>
-        <p:nvPr/>
-      </p:nvGrpSpPr>
-      <p:grpSpPr>
-        <a:xfrm>
-          <a:off x="0" y="0"/>
-          <a:ext cx="0" cy="0"/>
-          <a:chOff x="0" y="0"/>
-          <a:chExt cx="0" cy="0"/>
-        </a:xfrm>
-      </p:grpSpPr>
-      <p:sp>
-        <p:nvSpPr>
-          <p:cNvPr id="3" name="TextBox 2"/>
-          <p:cNvSpPr txBox="1"/>
-          <p:nvPr/>
-        </p:nvSpPr>
-        <p:spPr>
-          <a:xfrm>
-            <a:off x="603315" y="235670"/>
-            <a:ext cx="4364611" cy="461665"/>
-          </a:xfrm>
-          <a:prstGeom prst="rect">
-            <a:avLst/>
-          </a:prstGeom>
-          <a:noFill/>
-        </p:spPr>
-        <p:txBody>
-          <a:bodyPr wrap="square" rtlCol="0">
-            <a:spAutoFit/>
-          </a:bodyPr>
-          <a:lstStyle/>
-          <a:p>
-            <a:r>
-              <a:rPr lang="en-US" sz="2400" b="1" dirty="0">
-                <a:solidFill>
-                  <a:srgbClr val="002A85"/>
-                </a:solidFill>
-                <a:latin typeface="Noto Sans SC" pitchFamily="34" charset="0"/>
-                <a:ea typeface="Noto Sans SC" pitchFamily="34" charset="-122"/>
-              </a:rPr>
-              <a:t>Dataset</a:t>
-            </a:r>
-            <a:r>
-              <a:rPr lang="zh-CN" altLang="en-US" sz="2400" b="1" dirty="0">
-                <a:solidFill>
-                  <a:srgbClr val="002A85"/>
-                </a:solidFill>
-                <a:latin typeface="Noto Sans SC" pitchFamily="34" charset="0"/>
-                <a:ea typeface="Noto Sans SC" pitchFamily="34" charset="-122"/>
-              </a:rPr>
-              <a:t> </a:t>
-            </a:r>
-            <a:r>
-              <a:rPr lang="en-US" altLang="zh-CN" sz="2400" b="1" dirty="0">
-                <a:solidFill>
-                  <a:srgbClr val="002A85"/>
-                </a:solidFill>
-                <a:latin typeface="Noto Sans SC" pitchFamily="34" charset="0"/>
-                <a:ea typeface="Noto Sans SC" pitchFamily="34" charset="-122"/>
-              </a:rPr>
-              <a:t>description (continue)</a:t>
-            </a:r>
-            <a:endParaRPr lang="en-US" sz="2400" dirty="0"/>
-          </a:p>
-        </p:txBody>
-      </p:sp>
-      <p:pic>
-        <p:nvPicPr>
-          <p:cNvPr id="6" name="Picture 5"/>
-          <p:cNvPicPr>
-            <a:picLocks noChangeAspect="1"/>
-          </p:cNvPicPr>
-          <p:nvPr/>
-        </p:nvPicPr>
-        <p:blipFill>
-          <a:blip r:embed="rId2"/>
-          <a:stretch>
-            <a:fillRect/>
-          </a:stretch>
-        </p:blipFill>
-        <p:spPr>
-          <a:xfrm>
-            <a:off x="0" y="1009650"/>
-            <a:ext cx="9144000" cy="1456841"/>
-          </a:xfrm>
-          <a:prstGeom prst="rect">
-            <a:avLst/>
-          </a:prstGeom>
-        </p:spPr>
-      </p:pic>
-      <p:sp>
-        <p:nvSpPr>
-          <p:cNvPr id="7" name="Rectangle 6"/>
-          <p:cNvSpPr/>
-          <p:nvPr/>
-        </p:nvSpPr>
-        <p:spPr>
-          <a:xfrm>
-            <a:off x="768285" y="2630744"/>
-            <a:ext cx="7876094" cy="2030095"/>
-          </a:xfrm>
-          <a:prstGeom prst="rect">
-            <a:avLst/>
-          </a:prstGeom>
-        </p:spPr>
-        <p:txBody>
-          <a:bodyPr wrap="square">
-            <a:spAutoFit/>
-          </a:bodyPr>
-          <a:lstStyle/>
-          <a:p>
-            <a:pPr fontAlgn="base">
-              <a:buFont typeface="Arial" panose="020B0604020202020204" pitchFamily="34" charset="0"/>
-              <a:buChar char="•"/>
-            </a:pPr>
-            <a:r>
-              <a:rPr lang="en-US" dirty="0">
-                <a:solidFill>
-                  <a:srgbClr val="3C4043"/>
-                </a:solidFill>
-                <a:latin typeface="Arial" panose="020B0604020202020204" pitchFamily="34" charset="0"/>
-              </a:rPr>
-              <a:t> </a:t>
-            </a:r>
-            <a:r>
-              <a:rPr lang="en-US" dirty="0" err="1">
-                <a:solidFill>
-                  <a:srgbClr val="3C4043"/>
-                </a:solidFill>
-                <a:latin typeface="Arial" panose="020B0604020202020204" pitchFamily="34" charset="0"/>
-              </a:rPr>
-              <a:t>used_chip</a:t>
-            </a:r>
-            <a:r>
-              <a:rPr lang="en-US" dirty="0">
-                <a:solidFill>
-                  <a:srgbClr val="3C4043"/>
-                </a:solidFill>
-                <a:latin typeface="Arial" panose="020B0604020202020204" pitchFamily="34" charset="0"/>
-              </a:rPr>
-              <a:t>: Is the transaction through credit card chip?</a:t>
-            </a:r>
-          </a:p>
-          <a:p>
-            <a:pPr fontAlgn="base">
-              <a:buFont typeface="Arial" panose="020B0604020202020204" pitchFamily="34" charset="0"/>
-              <a:buChar char="•"/>
-            </a:pPr>
-            <a:endParaRPr lang="en-US" dirty="0">
-              <a:solidFill>
-                <a:srgbClr val="3C4043"/>
-              </a:solidFill>
-              <a:latin typeface="Arial" panose="020B0604020202020204" pitchFamily="34" charset="0"/>
-            </a:endParaRPr>
-          </a:p>
-          <a:p>
-            <a:pPr fontAlgn="base">
-              <a:buFont typeface="Arial" panose="020B0604020202020204" pitchFamily="34" charset="0"/>
-              <a:buChar char="•"/>
-            </a:pPr>
-            <a:r>
-              <a:rPr lang="en-US" dirty="0">
-                <a:solidFill>
-                  <a:srgbClr val="3C4043"/>
-                </a:solidFill>
-                <a:latin typeface="Arial" panose="020B0604020202020204" pitchFamily="34" charset="0"/>
-              </a:rPr>
-              <a:t> </a:t>
-            </a:r>
-            <a:r>
-              <a:rPr lang="en-US" dirty="0" err="1">
-                <a:solidFill>
-                  <a:srgbClr val="3C4043"/>
-                </a:solidFill>
-                <a:latin typeface="Arial" panose="020B0604020202020204" pitchFamily="34" charset="0"/>
-              </a:rPr>
-              <a:t>used_pin_number</a:t>
-            </a:r>
-            <a:r>
-              <a:rPr lang="en-US" dirty="0">
-                <a:solidFill>
-                  <a:srgbClr val="3C4043"/>
-                </a:solidFill>
-                <a:latin typeface="Arial" panose="020B0604020202020204" pitchFamily="34" charset="0"/>
-              </a:rPr>
-              <a:t> - Is the transaction happened by using PIN number?</a:t>
-            </a:r>
-          </a:p>
-          <a:p>
-            <a:pPr fontAlgn="base">
-              <a:buFont typeface="Arial" panose="020B0604020202020204" pitchFamily="34" charset="0"/>
-              <a:buChar char="•"/>
-            </a:pPr>
-            <a:endParaRPr lang="en-US" dirty="0">
-              <a:solidFill>
-                <a:srgbClr val="3C4043"/>
-              </a:solidFill>
-              <a:latin typeface="Arial" panose="020B0604020202020204" pitchFamily="34" charset="0"/>
-            </a:endParaRPr>
-          </a:p>
-          <a:p>
-            <a:pPr fontAlgn="base">
-              <a:buFont typeface="Arial" panose="020B0604020202020204" pitchFamily="34" charset="0"/>
-              <a:buChar char="•"/>
-            </a:pPr>
-            <a:r>
-              <a:rPr lang="en-US" dirty="0">
-                <a:solidFill>
-                  <a:srgbClr val="3C4043"/>
-                </a:solidFill>
-                <a:latin typeface="Arial" panose="020B0604020202020204" pitchFamily="34" charset="0"/>
-              </a:rPr>
-              <a:t> </a:t>
-            </a:r>
-            <a:r>
-              <a:rPr lang="en-US" dirty="0" err="1">
-                <a:solidFill>
-                  <a:srgbClr val="3C4043"/>
-                </a:solidFill>
-                <a:latin typeface="Arial" panose="020B0604020202020204" pitchFamily="34" charset="0"/>
-              </a:rPr>
-              <a:t>online_order</a:t>
-            </a:r>
-            <a:r>
-              <a:rPr lang="en-US" dirty="0">
-                <a:solidFill>
-                  <a:srgbClr val="3C4043"/>
-                </a:solidFill>
-                <a:latin typeface="Arial" panose="020B0604020202020204" pitchFamily="34" charset="0"/>
-              </a:rPr>
-              <a:t> - Is the transaction an online order?</a:t>
-            </a:r>
-          </a:p>
-          <a:p>
-            <a:pPr fontAlgn="base">
-              <a:buFont typeface="Arial" panose="020B0604020202020204" pitchFamily="34" charset="0"/>
-              <a:buChar char="•"/>
-            </a:pPr>
-            <a:endParaRPr lang="en-US" dirty="0">
-              <a:solidFill>
-                <a:srgbClr val="3C4043"/>
-              </a:solidFill>
-              <a:latin typeface="Arial" panose="020B0604020202020204" pitchFamily="34" charset="0"/>
-            </a:endParaRPr>
-          </a:p>
-          <a:p>
-            <a:pPr fontAlgn="base">
-              <a:buFont typeface="Arial" panose="020B0604020202020204" pitchFamily="34" charset="0"/>
-              <a:buChar char="•"/>
-            </a:pPr>
-            <a:r>
-              <a:rPr lang="en-US" dirty="0">
-                <a:solidFill>
-                  <a:srgbClr val="3C4043"/>
-                </a:solidFill>
-                <a:latin typeface="Arial" panose="020B0604020202020204" pitchFamily="34" charset="0"/>
-              </a:rPr>
-              <a:t> fraud - Is the transaction fraudulent.</a:t>
-            </a:r>
-          </a:p>
-        </p:txBody>
-      </p:sp>
-    </p:spTree>
-  </p:cSld>
-  <p:clrMapOvr>
-    <a:masterClrMapping/>
-  </p:clrMapOvr>
-</p:sld>
-</file>
-
-<file path=ppt/slides/slide5.xml><?xml version="1.0" encoding="utf-8"?>
-<p:sld xmlns:a="http://schemas.openxmlformats.org/drawingml/2006/main" xmlns:r="http://schemas.openxmlformats.org/officeDocument/2006/relationships" xmlns:p="http://schemas.openxmlformats.org/presentationml/2006/main">
-  <p:cSld>
-    <p:spTree>
-      <p:nvGrpSpPr>
-        <p:cNvPr id="1" name=""/>
-        <p:cNvGrpSpPr/>
-        <p:nvPr/>
-      </p:nvGrpSpPr>
-      <p:grpSpPr>
-        <a:xfrm>
-          <a:off x="0" y="0"/>
-          <a:ext cx="0" cy="0"/>
-          <a:chOff x="0" y="0"/>
-          <a:chExt cx="0" cy="0"/>
-        </a:xfrm>
-      </p:grpSpPr>
-      <p:sp>
-        <p:nvSpPr>
-          <p:cNvPr id="3" name="TextBox 2"/>
-          <p:cNvSpPr txBox="1"/>
-          <p:nvPr/>
-        </p:nvSpPr>
-        <p:spPr>
-          <a:xfrm>
-            <a:off x="603315" y="235670"/>
-            <a:ext cx="4364611" cy="461665"/>
-          </a:xfrm>
-          <a:prstGeom prst="rect">
-            <a:avLst/>
-          </a:prstGeom>
-          <a:noFill/>
-        </p:spPr>
-        <p:txBody>
-          <a:bodyPr wrap="square" rtlCol="0">
-            <a:spAutoFit/>
-          </a:bodyPr>
-          <a:lstStyle/>
-          <a:p>
-            <a:r>
-              <a:rPr lang="en-US" sz="2400" b="1" dirty="0">
-                <a:solidFill>
-                  <a:srgbClr val="002A85"/>
-                </a:solidFill>
-                <a:latin typeface="Noto Sans SC" pitchFamily="34" charset="0"/>
-                <a:ea typeface="Noto Sans SC" pitchFamily="34" charset="-122"/>
-              </a:rPr>
-              <a:t>EDA</a:t>
-            </a:r>
-            <a:endParaRPr lang="en-US" sz="2400" dirty="0"/>
-          </a:p>
-        </p:txBody>
-      </p:sp>
-      <p:sp>
-        <p:nvSpPr>
-          <p:cNvPr id="7" name="Rectangle 6"/>
-          <p:cNvSpPr/>
-          <p:nvPr/>
-        </p:nvSpPr>
-        <p:spPr>
-          <a:xfrm>
-            <a:off x="603315" y="1234738"/>
-            <a:ext cx="4932512" cy="4770537"/>
-          </a:xfrm>
-          <a:prstGeom prst="rect">
-            <a:avLst/>
-          </a:prstGeom>
-        </p:spPr>
-        <p:txBody>
-          <a:bodyPr wrap="square">
-            <a:spAutoFit/>
-          </a:bodyPr>
-          <a:lstStyle/>
-          <a:p>
-            <a:pPr rtl="0">
-              <a:spcBef>
-                <a:spcPts val="0"/>
-              </a:spcBef>
-              <a:spcAft>
-                <a:spcPts val="1200"/>
-              </a:spcAft>
-            </a:pPr>
-            <a:r>
-              <a:rPr lang="en-US" sz="1800" b="1" i="0" u="none" strike="noStrike" dirty="0">
-                <a:solidFill>
-                  <a:srgbClr val="595959"/>
-                </a:solidFill>
-                <a:effectLst/>
-                <a:latin typeface="Arial" panose="020B0604020202020204" pitchFamily="34" charset="0"/>
-              </a:rPr>
-              <a:t>&gt; dim(data)</a:t>
-            </a:r>
-            <a:endParaRPr lang="en-US" b="0" dirty="0">
-              <a:effectLst/>
-            </a:endParaRPr>
-          </a:p>
-          <a:p>
-            <a:pPr rtl="0">
-              <a:spcBef>
-                <a:spcPts val="0"/>
-              </a:spcBef>
-              <a:spcAft>
-                <a:spcPts val="1200"/>
-              </a:spcAft>
-            </a:pPr>
-            <a:r>
-              <a:rPr lang="en-US" sz="1800" b="1" i="0" u="none" strike="noStrike" dirty="0">
-                <a:solidFill>
-                  <a:srgbClr val="595959"/>
-                </a:solidFill>
-                <a:effectLst/>
-                <a:latin typeface="Arial" panose="020B0604020202020204" pitchFamily="34" charset="0"/>
-              </a:rPr>
-              <a:t>[1] 1000000       8</a:t>
-            </a:r>
-            <a:endParaRPr lang="en-US" b="0" dirty="0">
-              <a:effectLst/>
-            </a:endParaRPr>
-          </a:p>
-          <a:p>
-            <a:pPr rtl="0">
-              <a:spcBef>
-                <a:spcPts val="0"/>
-              </a:spcBef>
-              <a:spcAft>
-                <a:spcPts val="1200"/>
-              </a:spcAft>
-            </a:pPr>
-            <a:br>
-              <a:rPr lang="en-US" b="0" dirty="0">
-                <a:effectLst/>
-              </a:rPr>
-            </a:br>
-            <a:r>
-              <a:rPr lang="en-US" sz="1800" b="1" i="0" u="none" strike="noStrike" dirty="0">
-                <a:solidFill>
-                  <a:srgbClr val="595959"/>
-                </a:solidFill>
-                <a:effectLst/>
-                <a:latin typeface="Arial" panose="020B0604020202020204" pitchFamily="34" charset="0"/>
-              </a:rPr>
-              <a:t>&gt; sum(</a:t>
-            </a:r>
-            <a:r>
-              <a:rPr lang="en-US" sz="1800" b="1" i="0" u="none" strike="noStrike" dirty="0" err="1">
-                <a:solidFill>
-                  <a:srgbClr val="595959"/>
-                </a:solidFill>
-                <a:effectLst/>
-                <a:latin typeface="Arial" panose="020B0604020202020204" pitchFamily="34" charset="0"/>
-              </a:rPr>
-              <a:t>is.na</a:t>
-            </a:r>
-            <a:r>
-              <a:rPr lang="en-US" sz="1800" b="1" i="0" u="none" strike="noStrike" dirty="0">
-                <a:solidFill>
-                  <a:srgbClr val="595959"/>
-                </a:solidFill>
-                <a:effectLst/>
-                <a:latin typeface="Arial" panose="020B0604020202020204" pitchFamily="34" charset="0"/>
-              </a:rPr>
-              <a:t>(data)) </a:t>
-            </a:r>
-            <a:endParaRPr lang="en-US" b="0" dirty="0">
-              <a:effectLst/>
-            </a:endParaRPr>
-          </a:p>
-          <a:p>
-            <a:pPr rtl="0">
-              <a:spcBef>
-                <a:spcPts val="0"/>
-              </a:spcBef>
-              <a:spcAft>
-                <a:spcPts val="1200"/>
-              </a:spcAft>
-            </a:pPr>
-            <a:r>
-              <a:rPr lang="en-US" sz="1800" b="1" i="0" u="none" strike="noStrike" dirty="0">
-                <a:solidFill>
-                  <a:srgbClr val="595959"/>
-                </a:solidFill>
-                <a:effectLst/>
-                <a:latin typeface="Arial" panose="020B0604020202020204" pitchFamily="34" charset="0"/>
-              </a:rPr>
-              <a:t>[1] 0</a:t>
-            </a:r>
-            <a:endParaRPr lang="en-US" b="0" dirty="0">
-              <a:effectLst/>
-            </a:endParaRPr>
-          </a:p>
-          <a:p>
-            <a:pPr rtl="0">
-              <a:spcBef>
-                <a:spcPts val="0"/>
-              </a:spcBef>
-              <a:spcAft>
-                <a:spcPts val="1200"/>
-              </a:spcAft>
-            </a:pPr>
-            <a:endParaRPr lang="en-US" b="0" dirty="0">
-              <a:effectLst/>
-            </a:endParaRPr>
-          </a:p>
-          <a:p>
-            <a:pPr rtl="0">
-              <a:spcBef>
-                <a:spcPts val="0"/>
-              </a:spcBef>
-              <a:spcAft>
-                <a:spcPts val="1200"/>
-              </a:spcAft>
-            </a:pPr>
-            <a:endParaRPr lang="en-US" b="0" dirty="0">
-              <a:effectLst/>
-            </a:endParaRPr>
-          </a:p>
-          <a:p>
-            <a:pPr rtl="0">
-              <a:spcBef>
-                <a:spcPts val="0"/>
-              </a:spcBef>
-              <a:spcAft>
-                <a:spcPts val="1200"/>
-              </a:spcAft>
-            </a:pPr>
-            <a:br>
-              <a:rPr lang="en-US" b="0" dirty="0">
-                <a:effectLst/>
-              </a:rPr>
-            </a:br>
-            <a:r>
-              <a:rPr lang="en-US" sz="1800" b="1" i="0" u="none" strike="noStrike" dirty="0">
-                <a:solidFill>
-                  <a:srgbClr val="595959"/>
-                </a:solidFill>
-                <a:effectLst/>
-                <a:latin typeface="Arial" panose="020B0604020202020204" pitchFamily="34" charset="0"/>
-              </a:rPr>
-              <a:t># distribution and outliers in each feature</a:t>
-            </a:r>
-            <a:endParaRPr lang="en-US" b="0" dirty="0">
-              <a:effectLst/>
-            </a:endParaRPr>
-          </a:p>
-          <a:p>
-            <a:br>
-              <a:rPr lang="en-US" b="0" dirty="0">
-                <a:effectLst/>
-              </a:rPr>
-            </a:br>
-            <a:br>
-              <a:rPr lang="en-US" b="0" dirty="0">
-                <a:effectLst/>
-              </a:rPr>
-            </a:br>
-            <a:br>
-              <a:rPr lang="en-US" b="0" dirty="0">
-                <a:effectLst/>
-              </a:rPr>
-            </a:br>
-            <a:endParaRPr lang="en-US" dirty="0">
-              <a:solidFill>
-                <a:srgbClr val="3C4043"/>
-              </a:solidFill>
-              <a:latin typeface="Arial" panose="020B0604020202020204" pitchFamily="34" charset="0"/>
-            </a:endParaRPr>
-          </a:p>
-        </p:txBody>
-      </p:sp>
-      <p:pic>
-        <p:nvPicPr>
-          <p:cNvPr id="1026" name="Picture 2"/>
-          <p:cNvPicPr>
-            <a:picLocks noChangeAspect="1" noChangeArrowheads="1"/>
-          </p:cNvPicPr>
-          <p:nvPr/>
-        </p:nvPicPr>
-        <p:blipFill>
-          <a:blip r:embed="rId2">
-            <a:extLst>
-              <a:ext uri="{28A0092B-C50C-407E-A947-70E740481C1C}">
-                <a14:useLocalDpi xmlns:a14="http://schemas.microsoft.com/office/drawing/2010/main" val="0"/>
-              </a:ext>
-            </a:extLst>
-          </a:blip>
-          <a:srcRect/>
-          <a:stretch>
-            <a:fillRect/>
-          </a:stretch>
-        </p:blipFill>
-        <p:spPr bwMode="auto">
-          <a:xfrm>
-            <a:off x="4503608" y="974268"/>
-            <a:ext cx="4417970" cy="3411397"/>
-          </a:xfrm>
-          <a:prstGeom prst="rect">
-            <a:avLst/>
-          </a:prstGeom>
-          <a:noFill/>
-          <a:extLst>
-            <a:ext uri="{909E8E84-426E-40DD-AFC4-6F175D3DCCD1}">
-              <a14:hiddenFill xmlns:a14="http://schemas.microsoft.com/office/drawing/2010/main">
-                <a:solidFill>
-                  <a:srgbClr val="FFFFFF"/>
-                </a:solidFill>
-              </a14:hiddenFill>
-            </a:ext>
-          </a:extLst>
-        </p:spPr>
-      </p:pic>
-    </p:spTree>
-  </p:cSld>
-  <p:clrMapOvr>
-    <a:masterClrMapping/>
-  </p:clrMapOvr>
-</p:sld>
-</file>
-
-<file path=ppt/slides/slide6.xml><?xml version="1.0" encoding="utf-8"?>
-<p:sld xmlns:a="http://schemas.openxmlformats.org/drawingml/2006/main" xmlns:r="http://schemas.openxmlformats.org/officeDocument/2006/relationships" xmlns:p="http://schemas.openxmlformats.org/presentationml/2006/main">
-  <p:cSld>
-    <p:spTree>
-      <p:nvGrpSpPr>
-        <p:cNvPr id="1" name=""/>
-        <p:cNvGrpSpPr/>
-        <p:nvPr/>
-      </p:nvGrpSpPr>
-      <p:grpSpPr>
-        <a:xfrm>
-          <a:off x="0" y="0"/>
-          <a:ext cx="0" cy="0"/>
-          <a:chOff x="0" y="0"/>
-          <a:chExt cx="0" cy="0"/>
-        </a:xfrm>
-      </p:grpSpPr>
-      <p:sp>
-        <p:nvSpPr>
-          <p:cNvPr id="3" name="TextBox 2"/>
-          <p:cNvSpPr txBox="1"/>
-          <p:nvPr/>
-        </p:nvSpPr>
-        <p:spPr>
-          <a:xfrm>
-            <a:off x="603315" y="235670"/>
-            <a:ext cx="4364611" cy="461665"/>
-          </a:xfrm>
-          <a:prstGeom prst="rect">
-            <a:avLst/>
-          </a:prstGeom>
-          <a:noFill/>
-        </p:spPr>
-        <p:txBody>
-          <a:bodyPr wrap="square" rtlCol="0">
-            <a:spAutoFit/>
-          </a:bodyPr>
-          <a:lstStyle/>
-          <a:p>
-            <a:r>
-              <a:rPr lang="en-US" sz="2400" b="1" dirty="0">
-                <a:solidFill>
-                  <a:srgbClr val="002A85"/>
-                </a:solidFill>
-                <a:latin typeface="Noto Sans SC" pitchFamily="34" charset="0"/>
-                <a:ea typeface="Noto Sans SC" pitchFamily="34" charset="-122"/>
-              </a:rPr>
-              <a:t>EDA</a:t>
-            </a:r>
-            <a:r>
-              <a:rPr lang="zh-CN" altLang="en-US" sz="2400" b="1" dirty="0">
-                <a:solidFill>
-                  <a:srgbClr val="002A85"/>
-                </a:solidFill>
-                <a:latin typeface="Noto Sans SC" pitchFamily="34" charset="0"/>
-                <a:ea typeface="Noto Sans SC" pitchFamily="34" charset="-122"/>
-              </a:rPr>
-              <a:t>：</a:t>
-            </a:r>
-            <a:r>
-              <a:rPr lang="en-US" altLang="zh-CN" sz="2400" b="1" dirty="0">
-                <a:solidFill>
-                  <a:srgbClr val="002A85"/>
-                </a:solidFill>
-                <a:latin typeface="Noto Sans SC" pitchFamily="34" charset="0"/>
-                <a:ea typeface="Noto Sans SC" pitchFamily="34" charset="-122"/>
-              </a:rPr>
-              <a:t>Correlation</a:t>
-            </a:r>
-            <a:endParaRPr lang="en-US" sz="2400" dirty="0"/>
-          </a:p>
-        </p:txBody>
-      </p:sp>
-      <p:sp>
-        <p:nvSpPr>
-          <p:cNvPr id="7" name="Rectangle 6"/>
-          <p:cNvSpPr/>
-          <p:nvPr/>
-        </p:nvSpPr>
-        <p:spPr>
-          <a:xfrm>
-            <a:off x="4967926" y="1068513"/>
-            <a:ext cx="3863036" cy="4324261"/>
-          </a:xfrm>
-          <a:prstGeom prst="rect">
-            <a:avLst/>
-          </a:prstGeom>
-        </p:spPr>
-        <p:txBody>
-          <a:bodyPr wrap="square">
-            <a:spAutoFit/>
-          </a:bodyPr>
-          <a:lstStyle/>
-          <a:p>
-            <a:pPr rtl="0">
-              <a:spcBef>
-                <a:spcPts val="0"/>
-              </a:spcBef>
-              <a:spcAft>
-                <a:spcPts val="1200"/>
-              </a:spcAft>
-            </a:pPr>
-            <a:r>
-              <a:rPr lang="en-US" sz="1500" i="0" u="none" strike="noStrike" dirty="0">
-                <a:solidFill>
-                  <a:srgbClr val="595959"/>
-                </a:solidFill>
-                <a:effectLst/>
-                <a:latin typeface="Arial" panose="020B0604020202020204" pitchFamily="34" charset="0"/>
-              </a:rPr>
-              <a:t>There is a </a:t>
-            </a:r>
-            <a:r>
-              <a:rPr lang="en-US" sz="1500" b="1" i="0" u="none" strike="noStrike" dirty="0">
-                <a:solidFill>
-                  <a:srgbClr val="595959"/>
-                </a:solidFill>
-                <a:effectLst/>
-                <a:latin typeface="Arial" panose="020B0604020202020204" pitchFamily="34" charset="0"/>
-              </a:rPr>
-              <a:t>positive</a:t>
-            </a:r>
-            <a:r>
-              <a:rPr lang="en-US" sz="1500" i="0" u="none" strike="noStrike" dirty="0">
-                <a:solidFill>
-                  <a:srgbClr val="595959"/>
-                </a:solidFill>
-                <a:effectLst/>
-                <a:latin typeface="Arial" panose="020B0604020202020204" pitchFamily="34" charset="0"/>
-              </a:rPr>
-              <a:t> correlation with respect to the response variable "fraud" in the variables:</a:t>
-            </a:r>
-            <a:endParaRPr lang="en-US" sz="1500" dirty="0">
-              <a:effectLst/>
-            </a:endParaRPr>
-          </a:p>
-          <a:p>
-            <a:pPr rtl="0" fontAlgn="base">
-              <a:spcBef>
-                <a:spcPts val="0"/>
-              </a:spcBef>
-              <a:spcAft>
-                <a:spcPts val="0"/>
-              </a:spcAft>
-              <a:buFont typeface="Arial" panose="020B0604020202020204" pitchFamily="34" charset="0"/>
-              <a:buChar char="•"/>
-            </a:pPr>
-            <a:r>
-              <a:rPr lang="zh-CN" altLang="en-US" sz="1500" i="0" u="none" strike="noStrike" dirty="0">
-                <a:solidFill>
-                  <a:srgbClr val="595959"/>
-                </a:solidFill>
-                <a:effectLst/>
-                <a:latin typeface="Arial" panose="020B0604020202020204" pitchFamily="34" charset="0"/>
-              </a:rPr>
-              <a:t>  </a:t>
-            </a:r>
-            <a:r>
-              <a:rPr lang="en-US" sz="1500" i="0" u="none" strike="noStrike" dirty="0" err="1">
-                <a:solidFill>
-                  <a:srgbClr val="595959"/>
-                </a:solidFill>
-                <a:effectLst/>
-                <a:latin typeface="Arial" panose="020B0604020202020204" pitchFamily="34" charset="0"/>
-              </a:rPr>
-              <a:t>ratio_to_median_purchase_price</a:t>
-            </a:r>
-            <a:endParaRPr lang="en-US" sz="1500" i="0" u="none" strike="noStrike" dirty="0">
-              <a:solidFill>
-                <a:srgbClr val="595959"/>
-              </a:solidFill>
-              <a:effectLst/>
-              <a:latin typeface="Arial" panose="020B0604020202020204" pitchFamily="34" charset="0"/>
-            </a:endParaRPr>
-          </a:p>
-          <a:p>
-            <a:pPr rtl="0" fontAlgn="base">
-              <a:spcBef>
-                <a:spcPts val="0"/>
-              </a:spcBef>
-              <a:spcAft>
-                <a:spcPts val="0"/>
-              </a:spcAft>
-              <a:buFont typeface="Arial" panose="020B0604020202020204" pitchFamily="34" charset="0"/>
-              <a:buChar char="•"/>
-            </a:pPr>
-            <a:r>
-              <a:rPr lang="zh-CN" altLang="en-US" sz="1500" i="0" u="none" strike="noStrike" dirty="0">
-                <a:solidFill>
-                  <a:srgbClr val="595959"/>
-                </a:solidFill>
-                <a:effectLst/>
-                <a:latin typeface="Arial" panose="020B0604020202020204" pitchFamily="34" charset="0"/>
-              </a:rPr>
-              <a:t>  </a:t>
-            </a:r>
-            <a:r>
-              <a:rPr lang="en-US" sz="1500" i="0" u="none" strike="noStrike" dirty="0" err="1">
-                <a:solidFill>
-                  <a:srgbClr val="595959"/>
-                </a:solidFill>
-                <a:effectLst/>
-                <a:latin typeface="Arial" panose="020B0604020202020204" pitchFamily="34" charset="0"/>
-              </a:rPr>
-              <a:t>distance_from_home</a:t>
-            </a:r>
-            <a:endParaRPr lang="en-US" sz="1500" i="0" u="none" strike="noStrike" dirty="0">
-              <a:solidFill>
-                <a:srgbClr val="595959"/>
-              </a:solidFill>
-              <a:effectLst/>
-              <a:latin typeface="Arial" panose="020B0604020202020204" pitchFamily="34" charset="0"/>
-            </a:endParaRPr>
-          </a:p>
-          <a:p>
-            <a:pPr rtl="0" fontAlgn="base">
-              <a:spcBef>
-                <a:spcPts val="0"/>
-              </a:spcBef>
-              <a:spcAft>
-                <a:spcPts val="1200"/>
-              </a:spcAft>
-              <a:buFont typeface="Arial" panose="020B0604020202020204" pitchFamily="34" charset="0"/>
-              <a:buChar char="•"/>
-            </a:pPr>
-            <a:r>
-              <a:rPr lang="zh-CN" altLang="en-US" sz="1500" i="0" u="none" strike="noStrike" dirty="0">
-                <a:solidFill>
-                  <a:srgbClr val="595959"/>
-                </a:solidFill>
-                <a:effectLst/>
-                <a:latin typeface="Arial" panose="020B0604020202020204" pitchFamily="34" charset="0"/>
-              </a:rPr>
-              <a:t>  </a:t>
-            </a:r>
-            <a:r>
-              <a:rPr lang="en-US" sz="1500" i="0" u="none" strike="noStrike" dirty="0" err="1">
-                <a:solidFill>
-                  <a:srgbClr val="595959"/>
-                </a:solidFill>
-                <a:effectLst/>
-                <a:latin typeface="Arial" panose="020B0604020202020204" pitchFamily="34" charset="0"/>
-              </a:rPr>
-              <a:t>online_order</a:t>
-            </a:r>
-            <a:endParaRPr lang="en-US" sz="1500" i="0" u="none" strike="noStrike" dirty="0">
-              <a:solidFill>
-                <a:srgbClr val="595959"/>
-              </a:solidFill>
-              <a:effectLst/>
-              <a:latin typeface="Arial" panose="020B0604020202020204" pitchFamily="34" charset="0"/>
-            </a:endParaRPr>
-          </a:p>
-          <a:p>
-            <a:pPr rtl="0" fontAlgn="base">
-              <a:spcBef>
-                <a:spcPts val="0"/>
-              </a:spcBef>
-              <a:spcAft>
-                <a:spcPts val="1200"/>
-              </a:spcAft>
-            </a:pPr>
-            <a:endParaRPr lang="en-US" sz="1500" i="0" u="none" strike="noStrike" dirty="0">
-              <a:solidFill>
-                <a:srgbClr val="595959"/>
-              </a:solidFill>
-              <a:effectLst/>
-              <a:latin typeface="Arial" panose="020B0604020202020204" pitchFamily="34" charset="0"/>
-            </a:endParaRPr>
-          </a:p>
-          <a:p>
-            <a:pPr rtl="0">
-              <a:spcBef>
-                <a:spcPts val="0"/>
-              </a:spcBef>
-              <a:spcAft>
-                <a:spcPts val="1200"/>
-              </a:spcAft>
-            </a:pPr>
-            <a:r>
-              <a:rPr lang="en-US" sz="1500" i="0" u="none" strike="noStrike" dirty="0">
-                <a:solidFill>
-                  <a:srgbClr val="595959"/>
-                </a:solidFill>
-                <a:effectLst/>
-                <a:latin typeface="Arial" panose="020B0604020202020204" pitchFamily="34" charset="0"/>
-              </a:rPr>
-              <a:t>And a </a:t>
-            </a:r>
-            <a:r>
-              <a:rPr lang="en-US" sz="1500" b="1" i="0" u="none" strike="noStrike" dirty="0">
-                <a:solidFill>
-                  <a:srgbClr val="595959"/>
-                </a:solidFill>
-                <a:effectLst/>
-                <a:latin typeface="Arial" panose="020B0604020202020204" pitchFamily="34" charset="0"/>
-              </a:rPr>
-              <a:t>negative</a:t>
-            </a:r>
-            <a:r>
-              <a:rPr lang="en-US" sz="1500" i="0" u="none" strike="noStrike" dirty="0">
-                <a:solidFill>
-                  <a:srgbClr val="595959"/>
-                </a:solidFill>
-                <a:effectLst/>
-                <a:latin typeface="Arial" panose="020B0604020202020204" pitchFamily="34" charset="0"/>
-              </a:rPr>
-              <a:t> relationship with:</a:t>
-            </a:r>
-            <a:endParaRPr lang="en-US" sz="1500" dirty="0">
-              <a:effectLst/>
-            </a:endParaRPr>
-          </a:p>
-          <a:p>
-            <a:pPr rtl="0" fontAlgn="base">
-              <a:spcBef>
-                <a:spcPts val="0"/>
-              </a:spcBef>
-              <a:spcAft>
-                <a:spcPts val="1200"/>
-              </a:spcAft>
-              <a:buFont typeface="Arial" panose="020B0604020202020204" pitchFamily="34" charset="0"/>
-              <a:buChar char="•"/>
-            </a:pPr>
-            <a:r>
-              <a:rPr lang="zh-CN" altLang="en-US" sz="1500" i="0" u="none" strike="noStrike" dirty="0">
-                <a:solidFill>
-                  <a:srgbClr val="595959"/>
-                </a:solidFill>
-                <a:effectLst/>
-                <a:latin typeface="Arial" panose="020B0604020202020204" pitchFamily="34" charset="0"/>
-              </a:rPr>
-              <a:t>  </a:t>
-            </a:r>
-            <a:r>
-              <a:rPr lang="en-US" sz="1500" i="0" u="none" strike="noStrike" dirty="0" err="1">
-                <a:solidFill>
-                  <a:srgbClr val="595959"/>
-                </a:solidFill>
-                <a:effectLst/>
-                <a:latin typeface="Arial" panose="020B0604020202020204" pitchFamily="34" charset="0"/>
-              </a:rPr>
-              <a:t>used_pin_number</a:t>
-            </a:r>
-            <a:endParaRPr lang="en-US" sz="1500" i="0" u="none" strike="noStrike" dirty="0">
-              <a:solidFill>
-                <a:srgbClr val="595959"/>
-              </a:solidFill>
-              <a:effectLst/>
-              <a:latin typeface="Arial" panose="020B0604020202020204" pitchFamily="34" charset="0"/>
-            </a:endParaRPr>
-          </a:p>
-          <a:p>
-            <a:br>
-              <a:rPr lang="en-US" sz="1500" b="0" dirty="0">
-                <a:effectLst/>
-              </a:rPr>
-            </a:br>
-            <a:br>
-              <a:rPr lang="en-US" sz="1500" b="0" dirty="0">
-                <a:effectLst/>
-              </a:rPr>
-            </a:br>
-            <a:br>
-              <a:rPr lang="en-US" sz="1500" b="0" dirty="0">
-                <a:effectLst/>
-              </a:rPr>
-            </a:br>
-            <a:br>
-              <a:rPr lang="en-US" sz="1500" b="0" dirty="0">
-                <a:effectLst/>
-              </a:rPr>
-            </a:br>
-            <a:br>
-              <a:rPr lang="en-US" sz="1500" b="0" dirty="0">
-                <a:effectLst/>
-              </a:rPr>
-            </a:br>
-            <a:endParaRPr lang="en-US" sz="1500" dirty="0">
-              <a:solidFill>
-                <a:srgbClr val="3C4043"/>
-              </a:solidFill>
-              <a:latin typeface="Arial" panose="020B0604020202020204" pitchFamily="34" charset="0"/>
-            </a:endParaRPr>
-          </a:p>
-        </p:txBody>
-      </p:sp>
-      <p:pic>
-        <p:nvPicPr>
-          <p:cNvPr id="2050" name="Picture 2"/>
-          <p:cNvPicPr>
-            <a:picLocks noChangeAspect="1" noChangeArrowheads="1"/>
-          </p:cNvPicPr>
-          <p:nvPr/>
-        </p:nvPicPr>
-        <p:blipFill>
-          <a:blip r:embed="rId2">
-            <a:extLst>
-              <a:ext uri="{28A0092B-C50C-407E-A947-70E740481C1C}">
-                <a14:useLocalDpi xmlns:a14="http://schemas.microsoft.com/office/drawing/2010/main" val="0"/>
-              </a:ext>
-            </a:extLst>
-          </a:blip>
-          <a:srcRect/>
-          <a:stretch>
-            <a:fillRect/>
-          </a:stretch>
-        </p:blipFill>
-        <p:spPr bwMode="auto">
-          <a:xfrm>
-            <a:off x="445588" y="1382160"/>
-            <a:ext cx="4221127" cy="3093520"/>
-          </a:xfrm>
-          <a:prstGeom prst="rect">
-            <a:avLst/>
-          </a:prstGeom>
-          <a:noFill/>
-          <a:extLst>
-            <a:ext uri="{909E8E84-426E-40DD-AFC4-6F175D3DCCD1}">
-              <a14:hiddenFill xmlns:a14="http://schemas.microsoft.com/office/drawing/2010/main">
-                <a:solidFill>
-                  <a:srgbClr val="FFFFFF"/>
-                </a:solidFill>
-              </a14:hiddenFill>
-            </a:ext>
-          </a:extLst>
-        </p:spPr>
-      </p:pic>
-    </p:spTree>
-  </p:cSld>
-  <p:clrMapOvr>
-    <a:masterClrMapping/>
-  </p:clrMapOvr>
-</p:sld>
-</file>
-
-<file path=ppt/slides/slide7.xml><?xml version="1.0" encoding="utf-8"?>
-<p:sld xmlns:a="http://schemas.openxmlformats.org/drawingml/2006/main" xmlns:r="http://schemas.openxmlformats.org/officeDocument/2006/relationships" xmlns:p="http://schemas.openxmlformats.org/presentationml/2006/main">
-  <p:cSld>
-    <p:spTree>
-      <p:nvGrpSpPr>
-        <p:cNvPr id="1" name=""/>
-        <p:cNvGrpSpPr/>
-        <p:nvPr/>
-      </p:nvGrpSpPr>
-      <p:grpSpPr>
-        <a:xfrm>
-          <a:off x="0" y="0"/>
-          <a:ext cx="0" cy="0"/>
-          <a:chOff x="0" y="0"/>
-          <a:chExt cx="0" cy="0"/>
-        </a:xfrm>
-      </p:grpSpPr>
-      <p:sp>
-        <p:nvSpPr>
-          <p:cNvPr id="3" name="TextBox 2"/>
-          <p:cNvSpPr txBox="1"/>
-          <p:nvPr/>
-        </p:nvSpPr>
-        <p:spPr>
-          <a:xfrm>
-            <a:off x="603315" y="235670"/>
-            <a:ext cx="4364611" cy="461665"/>
-          </a:xfrm>
-          <a:prstGeom prst="rect">
-            <a:avLst/>
-          </a:prstGeom>
-          <a:noFill/>
-        </p:spPr>
-        <p:txBody>
-          <a:bodyPr wrap="square" rtlCol="0">
-            <a:spAutoFit/>
-          </a:bodyPr>
-          <a:lstStyle/>
-          <a:p>
-            <a:r>
-              <a:rPr lang="en-US" sz="2400" b="1" dirty="0">
-                <a:solidFill>
-                  <a:srgbClr val="002A85"/>
-                </a:solidFill>
-                <a:latin typeface="Noto Sans SC" pitchFamily="34" charset="0"/>
-                <a:ea typeface="Noto Sans SC" pitchFamily="34" charset="-122"/>
-              </a:rPr>
-              <a:t>EDA</a:t>
-            </a:r>
-            <a:r>
-              <a:rPr lang="zh-CN" altLang="en-US" sz="2400" b="1" dirty="0">
-                <a:solidFill>
-                  <a:srgbClr val="002A85"/>
-                </a:solidFill>
-                <a:latin typeface="Noto Sans SC" pitchFamily="34" charset="0"/>
-                <a:ea typeface="Noto Sans SC" pitchFamily="34" charset="-122"/>
-              </a:rPr>
-              <a:t>：</a:t>
-            </a:r>
-            <a:r>
-              <a:rPr lang="en-US" altLang="zh-CN" sz="2400" b="1" dirty="0">
-                <a:solidFill>
-                  <a:srgbClr val="002A85"/>
-                </a:solidFill>
-                <a:latin typeface="Noto Sans SC" pitchFamily="34" charset="0"/>
-                <a:ea typeface="Noto Sans SC" pitchFamily="34" charset="-122"/>
-              </a:rPr>
-              <a:t>Imbalance</a:t>
-            </a:r>
-            <a:endParaRPr lang="en-US" sz="2400" dirty="0"/>
-          </a:p>
-        </p:txBody>
-      </p:sp>
-      <p:sp>
-        <p:nvSpPr>
-          <p:cNvPr id="7" name="Rectangle 6"/>
-          <p:cNvSpPr/>
-          <p:nvPr/>
-        </p:nvSpPr>
-        <p:spPr>
-          <a:xfrm>
-            <a:off x="5354595" y="1151825"/>
-            <a:ext cx="3421590" cy="3170099"/>
-          </a:xfrm>
-          <a:prstGeom prst="rect">
-            <a:avLst/>
-          </a:prstGeom>
-        </p:spPr>
-        <p:txBody>
-          <a:bodyPr wrap="square">
-            <a:spAutoFit/>
-          </a:bodyPr>
-          <a:lstStyle/>
-          <a:p>
-            <a:pPr rtl="0" fontAlgn="base">
-              <a:spcBef>
-                <a:spcPts val="0"/>
-              </a:spcBef>
-              <a:spcAft>
-                <a:spcPts val="1200"/>
-              </a:spcAft>
-              <a:buFont typeface="Arial" panose="020B0604020202020204" pitchFamily="34" charset="0"/>
-              <a:buChar char="•"/>
-            </a:pPr>
-            <a:r>
-              <a:rPr lang="zh-CN" altLang="en-US" sz="1800" b="0" i="0" u="none" strike="noStrike" dirty="0">
-                <a:solidFill>
-                  <a:srgbClr val="595959"/>
-                </a:solidFill>
-                <a:effectLst/>
-                <a:latin typeface="Arial" panose="020B0604020202020204" pitchFamily="34" charset="0"/>
-              </a:rPr>
-              <a:t> </a:t>
-            </a:r>
-            <a:r>
-              <a:rPr lang="en-US" sz="1800" b="0" i="0" u="none" strike="noStrike" dirty="0">
-                <a:solidFill>
-                  <a:srgbClr val="595959"/>
-                </a:solidFill>
-                <a:effectLst/>
-                <a:latin typeface="Arial" panose="020B0604020202020204" pitchFamily="34" charset="0"/>
-              </a:rPr>
-              <a:t>Around 91% of the transactions are not fraud and 9% are fraud.</a:t>
-            </a:r>
-          </a:p>
-          <a:p>
-            <a:pPr rtl="0" fontAlgn="base">
-              <a:spcBef>
-                <a:spcPts val="0"/>
-              </a:spcBef>
-              <a:spcAft>
-                <a:spcPts val="1200"/>
-              </a:spcAft>
-            </a:pPr>
-            <a:endParaRPr lang="en-US" sz="1800" b="0" i="0" u="none" strike="noStrike" dirty="0">
-              <a:solidFill>
-                <a:srgbClr val="595959"/>
-              </a:solidFill>
-              <a:effectLst/>
-              <a:latin typeface="Arial" panose="020B0604020202020204" pitchFamily="34" charset="0"/>
-            </a:endParaRPr>
-          </a:p>
-          <a:p>
-            <a:pPr rtl="0" fontAlgn="base">
-              <a:spcBef>
-                <a:spcPts val="0"/>
-              </a:spcBef>
-              <a:spcAft>
-                <a:spcPts val="1200"/>
-              </a:spcAft>
-              <a:buFont typeface="Arial" panose="020B0604020202020204" pitchFamily="34" charset="0"/>
-              <a:buChar char="•"/>
-            </a:pPr>
-            <a:r>
-              <a:rPr lang="zh-CN" altLang="en-US" sz="1800" i="0" u="none" strike="noStrike" dirty="0">
-                <a:solidFill>
-                  <a:srgbClr val="595959"/>
-                </a:solidFill>
-                <a:latin typeface="Arial" panose="020B0604020202020204" pitchFamily="34" charset="0"/>
-              </a:rPr>
-              <a:t> </a:t>
-            </a:r>
-            <a:r>
-              <a:rPr lang="en-US" sz="1800" b="0" i="0" u="none" strike="noStrike" dirty="0">
-                <a:solidFill>
-                  <a:srgbClr val="595959"/>
-                </a:solidFill>
-                <a:effectLst/>
-                <a:latin typeface="Arial" panose="020B0604020202020204" pitchFamily="34" charset="0"/>
-              </a:rPr>
-              <a:t>There imbalance suggests adapting performance metrics like </a:t>
-            </a:r>
-            <a:r>
-              <a:rPr lang="en-US" sz="1800" b="1" i="0" u="none" strike="noStrike" dirty="0">
-                <a:solidFill>
-                  <a:srgbClr val="595959"/>
-                </a:solidFill>
-                <a:effectLst/>
-                <a:latin typeface="Arial" panose="020B0604020202020204" pitchFamily="34" charset="0"/>
-              </a:rPr>
-              <a:t>"true positive rate", "precision" </a:t>
-            </a:r>
-            <a:r>
-              <a:rPr lang="en-US" sz="1800" b="0" i="0" u="none" strike="noStrike" dirty="0">
-                <a:solidFill>
-                  <a:srgbClr val="595959"/>
-                </a:solidFill>
-                <a:effectLst/>
-                <a:latin typeface="Arial" panose="020B0604020202020204" pitchFamily="34" charset="0"/>
-              </a:rPr>
-              <a:t>instead of "</a:t>
-            </a:r>
-            <a:r>
-              <a:rPr lang="en-US" sz="1800" b="0" i="0" u="none" strike="noStrike" dirty="0" err="1">
-                <a:solidFill>
-                  <a:srgbClr val="595959"/>
-                </a:solidFill>
-                <a:effectLst/>
-                <a:latin typeface="Arial" panose="020B0604020202020204" pitchFamily="34" charset="0"/>
-              </a:rPr>
-              <a:t>accurary</a:t>
-            </a:r>
-            <a:r>
-              <a:rPr lang="en-US" sz="1800" b="0" i="0" u="none" strike="noStrike" dirty="0">
-                <a:solidFill>
-                  <a:srgbClr val="595959"/>
-                </a:solidFill>
-                <a:effectLst/>
-                <a:latin typeface="Arial" panose="020B0604020202020204" pitchFamily="34" charset="0"/>
-              </a:rPr>
-              <a:t>" to assess the ML model. </a:t>
-            </a:r>
-          </a:p>
-        </p:txBody>
-      </p:sp>
-      <p:pic>
-        <p:nvPicPr>
-          <p:cNvPr id="3074" name="Picture 2"/>
-          <p:cNvPicPr>
-            <a:picLocks noChangeAspect="1" noChangeArrowheads="1"/>
-          </p:cNvPicPr>
-          <p:nvPr/>
-        </p:nvPicPr>
-        <p:blipFill>
-          <a:blip r:embed="rId2">
-            <a:extLst>
-              <a:ext uri="{28A0092B-C50C-407E-A947-70E740481C1C}">
-                <a14:useLocalDpi xmlns:a14="http://schemas.microsoft.com/office/drawing/2010/main" val="0"/>
-              </a:ext>
-            </a:extLst>
-          </a:blip>
-          <a:srcRect/>
-          <a:stretch>
-            <a:fillRect/>
-          </a:stretch>
-        </p:blipFill>
-        <p:spPr bwMode="auto">
-          <a:xfrm>
-            <a:off x="508784" y="1151825"/>
-            <a:ext cx="4459142" cy="3416321"/>
-          </a:xfrm>
-          <a:prstGeom prst="rect">
-            <a:avLst/>
-          </a:prstGeom>
-          <a:noFill/>
-          <a:extLst>
-            <a:ext uri="{909E8E84-426E-40DD-AFC4-6F175D3DCCD1}">
-              <a14:hiddenFill xmlns:a14="http://schemas.microsoft.com/office/drawing/2010/main">
-                <a:solidFill>
-                  <a:srgbClr val="FFFFFF"/>
-                </a:solidFill>
-              </a14:hiddenFill>
-            </a:ext>
-          </a:extLst>
-        </p:spPr>
-      </p:pic>
-    </p:spTree>
-  </p:cSld>
-  <p:clrMapOvr>
-    <a:masterClrMapping/>
-  </p:clrMapOvr>
-</p:sld>
-</file>
-
-<file path=ppt/slides/slide8.xml><?xml version="1.0" encoding="utf-8"?>
-<p:sld xmlns:a="http://schemas.openxmlformats.org/drawingml/2006/main" xmlns:r="http://schemas.openxmlformats.org/officeDocument/2006/relationships" xmlns:p="http://schemas.openxmlformats.org/presentationml/2006/main">
-  <p:cSld>
-    <p:spTree>
-      <p:nvGrpSpPr>
-        <p:cNvPr id="1" name=""/>
-        <p:cNvGrpSpPr/>
-        <p:nvPr/>
-      </p:nvGrpSpPr>
-      <p:grpSpPr>
-        <a:xfrm>
-          <a:off x="0" y="0"/>
-          <a:ext cx="0" cy="0"/>
-          <a:chOff x="0" y="0"/>
-          <a:chExt cx="0" cy="0"/>
-        </a:xfrm>
-      </p:grpSpPr>
-      <p:sp>
-        <p:nvSpPr>
-          <p:cNvPr id="2" name="Shape 0"/>
-          <p:cNvSpPr/>
-          <p:nvPr/>
-        </p:nvSpPr>
-        <p:spPr>
-          <a:xfrm>
-            <a:off x="0" y="457200"/>
-            <a:ext cx="4019550" cy="233363"/>
-          </a:xfrm>
-          <a:prstGeom prst="rect">
-            <a:avLst/>
-          </a:prstGeom>
-          <a:solidFill>
-            <a:srgbClr val="A5DDFF"/>
-          </a:solidFill>
-        </p:spPr>
-        <p:txBody>
-          <a:bodyPr/>
-          <a:lstStyle/>
-          <a:p>
-            <a:endParaRPr lang="en-US"/>
-          </a:p>
-        </p:txBody>
-      </p:sp>
-      <p:sp>
-        <p:nvSpPr>
-          <p:cNvPr id="3" name="Text 1"/>
-          <p:cNvSpPr/>
-          <p:nvPr/>
-        </p:nvSpPr>
-        <p:spPr>
-          <a:xfrm>
-            <a:off x="762000" y="138113"/>
-            <a:ext cx="8130540" cy="552450"/>
-          </a:xfrm>
-          <a:prstGeom prst="rect">
-            <a:avLst/>
-          </a:prstGeom>
-          <a:noFill/>
-        </p:spPr>
-        <p:txBody>
-          <a:bodyPr wrap="square" rtlCol="0" anchor="ctr"/>
-          <a:lstStyle/>
-          <a:p>
-            <a:pPr marL="0" indent="0">
-              <a:buNone/>
-            </a:pPr>
-            <a:r>
               <a:rPr lang="en-US" sz="2625" b="1" dirty="0">
                 <a:solidFill>
                   <a:srgbClr val="002A85"/>
@@ -5029,7 +2568,7 @@
 </p:sld>
 </file>
 
-<file path=ppt/slides/slide9.xml><?xml version="1.0" encoding="utf-8"?>
+<file path=ppt/slides/slide13.xml><?xml version="1.0" encoding="utf-8"?>
 <p:sld xmlns:a="http://schemas.openxmlformats.org/drawingml/2006/main" xmlns:r="http://schemas.openxmlformats.org/officeDocument/2006/relationships" xmlns:p="http://schemas.openxmlformats.org/presentationml/2006/main">
   <p:cSld>
     <p:spTree>
@@ -5806,23 +3345,15 @@
                 </a:pPr>
                 <a:r>
                   <a:rPr lang="en-US" sz="1680" dirty="0"/>
-                  <a:t>Support column subsampling </a:t>
+                  <a:t>Support column subsampling similar </a:t>
                 </a:r>
                 <a:r>
-                  <a:rPr lang="en-US" sz="1680"/>
-                  <a:t>similar </a:t>
-                </a:r>
-                <a:r>
-                  <a:rPr lang="en-US" altLang="zh-CN" sz="1680"/>
+                  <a:rPr lang="en-US" altLang="zh-CN" sz="1680" dirty="0"/>
                   <a:t>in</a:t>
                 </a:r>
                 <a:r>
-                  <a:rPr lang="en-US" sz="1680"/>
-                  <a:t> </a:t>
-                </a:r>
-                <a:r>
                   <a:rPr lang="en-US" sz="1680" dirty="0"/>
-                  <a:t>random forest</a:t>
+                  <a:t> random forest</a:t>
                 </a:r>
               </a:p>
             </p:txBody>
@@ -5868,6 +3399,3619 @@
         </mc:Fallback>
       </mc:AlternateContent>
     </p:spTree>
+  </p:cSld>
+  <p:clrMapOvr>
+    <a:masterClrMapping/>
+  </p:clrMapOvr>
+</p:sld>
+</file>
+
+<file path=ppt/slides/slide14.xml><?xml version="1.0" encoding="utf-8"?>
+<p:sld xmlns:a="http://schemas.openxmlformats.org/drawingml/2006/main" xmlns:r="http://schemas.openxmlformats.org/officeDocument/2006/relationships" xmlns:p="http://schemas.openxmlformats.org/presentationml/2006/main">
+  <p:cSld>
+    <p:spTree>
+      <p:nvGrpSpPr>
+        <p:cNvPr id="1" name=""/>
+        <p:cNvGrpSpPr/>
+        <p:nvPr/>
+      </p:nvGrpSpPr>
+      <p:grpSpPr>
+        <a:xfrm>
+          <a:off x="0" y="0"/>
+          <a:ext cx="0" cy="0"/>
+          <a:chOff x="0" y="0"/>
+          <a:chExt cx="0" cy="0"/>
+        </a:xfrm>
+      </p:grpSpPr>
+      <p:sp>
+        <p:nvSpPr>
+          <p:cNvPr id="2" name="Shape 0"/>
+          <p:cNvSpPr/>
+          <p:nvPr/>
+        </p:nvSpPr>
+        <p:spPr>
+          <a:xfrm>
+            <a:off x="0" y="457200"/>
+            <a:ext cx="4019550" cy="233363"/>
+          </a:xfrm>
+          <a:prstGeom prst="rect">
+            <a:avLst/>
+          </a:prstGeom>
+          <a:solidFill>
+            <a:srgbClr val="A5DDFF"/>
+          </a:solidFill>
+        </p:spPr>
+        <p:txBody>
+          <a:bodyPr/>
+          <a:lstStyle/>
+          <a:p>
+            <a:endParaRPr lang="en-US"/>
+          </a:p>
+        </p:txBody>
+      </p:sp>
+      <p:sp>
+        <p:nvSpPr>
+          <p:cNvPr id="3" name="Text 1"/>
+          <p:cNvSpPr/>
+          <p:nvPr/>
+        </p:nvSpPr>
+        <p:spPr>
+          <a:xfrm>
+            <a:off x="762000" y="117641"/>
+            <a:ext cx="8130540" cy="552450"/>
+          </a:xfrm>
+          <a:prstGeom prst="rect">
+            <a:avLst/>
+          </a:prstGeom>
+          <a:noFill/>
+        </p:spPr>
+        <p:txBody>
+          <a:bodyPr wrap="square" rtlCol="0" anchor="ctr"/>
+          <a:lstStyle/>
+          <a:p>
+            <a:pPr marL="0" indent="0">
+              <a:buNone/>
+            </a:pPr>
+            <a:r>
+              <a:rPr lang="en-US" sz="2630" b="1" dirty="0" err="1">
+                <a:solidFill>
+                  <a:srgbClr val="002A85"/>
+                </a:solidFill>
+                <a:latin typeface="Noto Sans SC" pitchFamily="34" charset="0"/>
+                <a:ea typeface="Noto Sans SC" pitchFamily="34" charset="-122"/>
+              </a:rPr>
+              <a:t>XGBoost</a:t>
+            </a:r>
+            <a:r>
+              <a:rPr lang="en-US" sz="2630" b="1" dirty="0">
+                <a:solidFill>
+                  <a:srgbClr val="002A85"/>
+                </a:solidFill>
+                <a:latin typeface="Noto Sans SC" pitchFamily="34" charset="0"/>
+                <a:ea typeface="Noto Sans SC" pitchFamily="34" charset="-122"/>
+              </a:rPr>
+              <a:t> in R: Preparation</a:t>
+            </a:r>
+            <a:endParaRPr lang="en-US" sz="2630" dirty="0"/>
+          </a:p>
+        </p:txBody>
+      </p:sp>
+      <p:sp>
+        <p:nvSpPr>
+          <p:cNvPr id="4" name="Text 2"/>
+          <p:cNvSpPr/>
+          <p:nvPr/>
+        </p:nvSpPr>
+        <p:spPr>
+          <a:xfrm>
+            <a:off x="399415" y="669925"/>
+            <a:ext cx="7715250" cy="3452813"/>
+          </a:xfrm>
+          <a:prstGeom prst="rect">
+            <a:avLst/>
+          </a:prstGeom>
+          <a:noFill/>
+        </p:spPr>
+        <p:txBody>
+          <a:bodyPr wrap="square" rtlCol="0" anchor="t"/>
+          <a:lstStyle/>
+          <a:p>
+            <a:pPr algn="l">
+              <a:lnSpc>
+                <a:spcPct val="150000"/>
+              </a:lnSpc>
+              <a:buSzPct val="100000"/>
+            </a:pPr>
+            <a:r>
+              <a:rPr lang="en-US" sz="1400" dirty="0">
+                <a:solidFill>
+                  <a:srgbClr val="383838"/>
+                </a:solidFill>
+                <a:latin typeface="Noto Sans SC" pitchFamily="34" charset="0"/>
+                <a:ea typeface="Noto Sans SC" pitchFamily="34" charset="-122"/>
+                <a:cs typeface="Noto Sans SC" pitchFamily="34" charset="-120"/>
+              </a:rPr>
+              <a:t>The first step involves installing and loading the 'xgboost' package in R. </a:t>
+            </a:r>
+          </a:p>
+          <a:p>
+            <a:pPr algn="l">
+              <a:lnSpc>
+                <a:spcPct val="150000"/>
+              </a:lnSpc>
+              <a:buSzPct val="100000"/>
+            </a:pPr>
+            <a:endParaRPr lang="en-US" sz="1400" dirty="0">
+              <a:solidFill>
+                <a:srgbClr val="383838"/>
+              </a:solidFill>
+              <a:latin typeface="Noto Sans SC" pitchFamily="34" charset="0"/>
+              <a:ea typeface="Noto Sans SC" pitchFamily="34" charset="-122"/>
+              <a:cs typeface="Noto Sans SC" pitchFamily="34" charset="-120"/>
+            </a:endParaRPr>
+          </a:p>
+          <a:p>
+            <a:pPr algn="l">
+              <a:lnSpc>
+                <a:spcPct val="150000"/>
+              </a:lnSpc>
+              <a:buSzPct val="100000"/>
+            </a:pPr>
+            <a:r>
+              <a:rPr lang="en-US" sz="1400" dirty="0">
+                <a:solidFill>
+                  <a:srgbClr val="383838"/>
+                </a:solidFill>
+                <a:latin typeface="Noto Sans SC" pitchFamily="34" charset="0"/>
+                <a:ea typeface="Noto Sans SC" pitchFamily="34" charset="-122"/>
+                <a:cs typeface="Noto Sans SC" pitchFamily="34" charset="-120"/>
+              </a:rPr>
+              <a:t>Subsequently, we split the data into 3 parts: training (60%), validation (20%), and testing (20%). </a:t>
+            </a:r>
+          </a:p>
+          <a:p>
+            <a:pPr algn="l">
+              <a:lnSpc>
+                <a:spcPct val="150000"/>
+              </a:lnSpc>
+              <a:buSzPct val="100000"/>
+            </a:pPr>
+            <a:endParaRPr lang="en-US" sz="1400" dirty="0">
+              <a:solidFill>
+                <a:srgbClr val="383838"/>
+              </a:solidFill>
+              <a:latin typeface="Noto Sans SC" pitchFamily="34" charset="0"/>
+              <a:ea typeface="Noto Sans SC" pitchFamily="34" charset="-122"/>
+              <a:cs typeface="Noto Sans SC" pitchFamily="34" charset="-120"/>
+            </a:endParaRPr>
+          </a:p>
+          <a:p>
+            <a:pPr algn="l">
+              <a:lnSpc>
+                <a:spcPct val="150000"/>
+              </a:lnSpc>
+              <a:buSzPct val="100000"/>
+            </a:pPr>
+            <a:r>
+              <a:rPr lang="en-US" sz="1400" dirty="0">
+                <a:solidFill>
+                  <a:srgbClr val="383838"/>
+                </a:solidFill>
+                <a:latin typeface="Noto Sans SC" pitchFamily="34" charset="0"/>
+                <a:ea typeface="Noto Sans SC" pitchFamily="34" charset="-122"/>
+                <a:cs typeface="Noto Sans SC" pitchFamily="34" charset="-120"/>
+              </a:rPr>
+              <a:t>These segments are then transformed into DMatrix objects, an efficient data structure for the xgboost algorithm, by using xgb.DMatrix() function.</a:t>
+            </a:r>
+          </a:p>
+          <a:p>
+            <a:pPr algn="l">
+              <a:lnSpc>
+                <a:spcPct val="150000"/>
+              </a:lnSpc>
+              <a:buSzPct val="100000"/>
+            </a:pPr>
+            <a:endParaRPr lang="en-US" sz="1400" dirty="0">
+              <a:solidFill>
+                <a:srgbClr val="383838"/>
+              </a:solidFill>
+              <a:latin typeface="Noto Sans SC" pitchFamily="34" charset="0"/>
+              <a:ea typeface="Noto Sans SC" pitchFamily="34" charset="-122"/>
+              <a:cs typeface="Noto Sans SC" pitchFamily="34" charset="-120"/>
+            </a:endParaRPr>
+          </a:p>
+        </p:txBody>
+      </p:sp>
+      <p:pic>
+        <p:nvPicPr>
+          <p:cNvPr id="7" name="图片 6"/>
+          <p:cNvPicPr>
+            <a:picLocks noChangeAspect="1"/>
+          </p:cNvPicPr>
+          <p:nvPr/>
+        </p:nvPicPr>
+        <p:blipFill>
+          <a:blip r:embed="rId3"/>
+          <a:stretch>
+            <a:fillRect/>
+          </a:stretch>
+        </p:blipFill>
+        <p:spPr>
+          <a:xfrm>
+            <a:off x="513715" y="3261360"/>
+            <a:ext cx="5927725" cy="1736090"/>
+          </a:xfrm>
+          <a:prstGeom prst="rect">
+            <a:avLst/>
+          </a:prstGeom>
+        </p:spPr>
+      </p:pic>
+    </p:spTree>
+  </p:cSld>
+  <p:clrMapOvr>
+    <a:masterClrMapping/>
+  </p:clrMapOvr>
+</p:sld>
+</file>
+
+<file path=ppt/slides/slide15.xml><?xml version="1.0" encoding="utf-8"?>
+<p:sld xmlns:a="http://schemas.openxmlformats.org/drawingml/2006/main" xmlns:r="http://schemas.openxmlformats.org/officeDocument/2006/relationships" xmlns:p="http://schemas.openxmlformats.org/presentationml/2006/main">
+  <p:cSld>
+    <p:spTree>
+      <p:nvGrpSpPr>
+        <p:cNvPr id="1" name=""/>
+        <p:cNvGrpSpPr/>
+        <p:nvPr/>
+      </p:nvGrpSpPr>
+      <p:grpSpPr>
+        <a:xfrm>
+          <a:off x="0" y="0"/>
+          <a:ext cx="0" cy="0"/>
+          <a:chOff x="0" y="0"/>
+          <a:chExt cx="0" cy="0"/>
+        </a:xfrm>
+      </p:grpSpPr>
+      <p:sp>
+        <p:nvSpPr>
+          <p:cNvPr id="2" name="Shape 0"/>
+          <p:cNvSpPr/>
+          <p:nvPr/>
+        </p:nvSpPr>
+        <p:spPr>
+          <a:xfrm>
+            <a:off x="0" y="457200"/>
+            <a:ext cx="4019550" cy="233363"/>
+          </a:xfrm>
+          <a:prstGeom prst="rect">
+            <a:avLst/>
+          </a:prstGeom>
+          <a:solidFill>
+            <a:srgbClr val="A5DDFF"/>
+          </a:solidFill>
+        </p:spPr>
+        <p:txBody>
+          <a:bodyPr/>
+          <a:lstStyle/>
+          <a:p>
+            <a:endParaRPr lang="zh-CN" altLang="en-US"/>
+          </a:p>
+        </p:txBody>
+      </p:sp>
+      <p:sp>
+        <p:nvSpPr>
+          <p:cNvPr id="3" name="Text 1"/>
+          <p:cNvSpPr/>
+          <p:nvPr/>
+        </p:nvSpPr>
+        <p:spPr>
+          <a:xfrm>
+            <a:off x="762000" y="138113"/>
+            <a:ext cx="8130540" cy="552450"/>
+          </a:xfrm>
+          <a:prstGeom prst="rect">
+            <a:avLst/>
+          </a:prstGeom>
+          <a:noFill/>
+        </p:spPr>
+        <p:txBody>
+          <a:bodyPr wrap="square" rtlCol="0" anchor="ctr"/>
+          <a:lstStyle/>
+          <a:p>
+            <a:pPr marL="0" indent="0">
+              <a:buNone/>
+            </a:pPr>
+            <a:r>
+              <a:rPr lang="en-US" sz="2625" b="1" dirty="0" err="1">
+                <a:solidFill>
+                  <a:srgbClr val="002A85"/>
+                </a:solidFill>
+                <a:latin typeface="Noto Sans SC" pitchFamily="34" charset="0"/>
+                <a:ea typeface="Noto Sans SC" pitchFamily="34" charset="-122"/>
+                <a:cs typeface="Noto Sans SC" pitchFamily="34" charset="-120"/>
+              </a:rPr>
+              <a:t>XGBoost</a:t>
+            </a:r>
+            <a:r>
+              <a:rPr lang="en-US" sz="2625" b="1" dirty="0">
+                <a:solidFill>
+                  <a:srgbClr val="002A85"/>
+                </a:solidFill>
+                <a:latin typeface="Noto Sans SC" pitchFamily="34" charset="0"/>
+                <a:ea typeface="Noto Sans SC" pitchFamily="34" charset="-122"/>
+                <a:cs typeface="Noto Sans SC" pitchFamily="34" charset="-120"/>
+              </a:rPr>
+              <a:t> in R: Model Training</a:t>
+            </a:r>
+            <a:endParaRPr lang="en-US" sz="2625" dirty="0"/>
+          </a:p>
+        </p:txBody>
+      </p:sp>
+      <p:sp>
+        <p:nvSpPr>
+          <p:cNvPr id="4" name="Text 2"/>
+          <p:cNvSpPr/>
+          <p:nvPr/>
+        </p:nvSpPr>
+        <p:spPr>
+          <a:xfrm>
+            <a:off x="762000" y="1304925"/>
+            <a:ext cx="5011420" cy="949325"/>
+          </a:xfrm>
+          <a:prstGeom prst="rect">
+            <a:avLst/>
+          </a:prstGeom>
+          <a:noFill/>
+        </p:spPr>
+        <p:txBody>
+          <a:bodyPr wrap="square" rtlCol="0" anchor="t"/>
+          <a:lstStyle/>
+          <a:p>
+            <a:pPr algn="l">
+              <a:lnSpc>
+                <a:spcPct val="150000"/>
+              </a:lnSpc>
+              <a:buSzPct val="100000"/>
+            </a:pPr>
+            <a:endParaRPr lang="en-US" sz="1680" dirty="0">
+              <a:solidFill>
+                <a:srgbClr val="383838"/>
+              </a:solidFill>
+              <a:latin typeface="Noto Sans SC" pitchFamily="34" charset="0"/>
+              <a:ea typeface="Noto Sans SC" pitchFamily="34" charset="-122"/>
+            </a:endParaRPr>
+          </a:p>
+        </p:txBody>
+      </p:sp>
+      <p:pic>
+        <p:nvPicPr>
+          <p:cNvPr id="5" name="图片 4"/>
+          <p:cNvPicPr>
+            <a:picLocks noChangeAspect="1"/>
+          </p:cNvPicPr>
+          <p:nvPr/>
+        </p:nvPicPr>
+        <p:blipFill>
+          <a:blip r:embed="rId3"/>
+          <a:stretch>
+            <a:fillRect/>
+          </a:stretch>
+        </p:blipFill>
+        <p:spPr>
+          <a:xfrm>
+            <a:off x="137160" y="2974975"/>
+            <a:ext cx="6038215" cy="1838960"/>
+          </a:xfrm>
+          <a:prstGeom prst="rect">
+            <a:avLst/>
+          </a:prstGeom>
+        </p:spPr>
+      </p:pic>
+      <p:pic>
+        <p:nvPicPr>
+          <p:cNvPr id="8" name="图片 7"/>
+          <p:cNvPicPr>
+            <a:picLocks noChangeAspect="1"/>
+          </p:cNvPicPr>
+          <p:nvPr/>
+        </p:nvPicPr>
+        <p:blipFill>
+          <a:blip r:embed="rId4"/>
+          <a:stretch>
+            <a:fillRect/>
+          </a:stretch>
+        </p:blipFill>
+        <p:spPr>
+          <a:xfrm>
+            <a:off x="6323330" y="2974975"/>
+            <a:ext cx="2760980" cy="1368425"/>
+          </a:xfrm>
+          <a:prstGeom prst="rect">
+            <a:avLst/>
+          </a:prstGeom>
+        </p:spPr>
+      </p:pic>
+      <p:sp>
+        <p:nvSpPr>
+          <p:cNvPr id="9" name="文本框 8"/>
+          <p:cNvSpPr txBox="1"/>
+          <p:nvPr/>
+        </p:nvSpPr>
+        <p:spPr>
+          <a:xfrm>
+            <a:off x="137160" y="690880"/>
+            <a:ext cx="8696325" cy="2245360"/>
+          </a:xfrm>
+          <a:prstGeom prst="rect">
+            <a:avLst/>
+          </a:prstGeom>
+          <a:noFill/>
+        </p:spPr>
+        <p:txBody>
+          <a:bodyPr wrap="square" rtlCol="0">
+            <a:spAutoFit/>
+          </a:bodyPr>
+          <a:lstStyle/>
+          <a:p>
+            <a:pPr marL="285750" indent="-285750">
+              <a:buFont typeface="Arial" panose="020B0604020202020204" pitchFamily="34" charset="0"/>
+              <a:buChar char="•"/>
+            </a:pPr>
+            <a:r>
+              <a:rPr lang="en-US" altLang="zh-CN" sz="1400"/>
+              <a:t>objective: What’s your goal? In this case, we use ‘binary:logistic’ to predict the probability of having a fraud based on the predictor variables</a:t>
+            </a:r>
+          </a:p>
+          <a:p>
+            <a:pPr marL="285750" indent="-285750">
+              <a:buFont typeface="Arial" panose="020B0604020202020204" pitchFamily="34" charset="0"/>
+              <a:buChar char="•"/>
+            </a:pPr>
+            <a:r>
+              <a:rPr lang="en-US" altLang="zh-CN" sz="1400"/>
+              <a:t>eta: How fast to learn? default value 0.3</a:t>
+            </a:r>
+          </a:p>
+          <a:p>
+            <a:pPr marL="285750" indent="-285750">
+              <a:buFont typeface="Arial" panose="020B0604020202020204" pitchFamily="34" charset="0"/>
+              <a:buChar char="•"/>
+            </a:pPr>
+            <a:r>
+              <a:rPr lang="en-US" altLang="zh-CN" sz="1400"/>
+              <a:t>data: Training data in DMatrix structure</a:t>
+            </a:r>
+          </a:p>
+          <a:p>
+            <a:pPr marL="285750" indent="-285750">
+              <a:buFont typeface="Arial" panose="020B0604020202020204" pitchFamily="34" charset="0"/>
+              <a:buChar char="•"/>
+            </a:pPr>
+            <a:r>
+              <a:rPr lang="en-US" altLang="zh-CN" sz="1400"/>
+              <a:t>max.depth: The size of each tree and a rule of thumb is to use 2 or 3 to prevent overfitting</a:t>
+            </a:r>
+          </a:p>
+          <a:p>
+            <a:pPr marL="285750" indent="-285750">
+              <a:buFont typeface="Arial" panose="020B0604020202020204" pitchFamily="34" charset="0"/>
+              <a:buChar char="•"/>
+            </a:pPr>
+            <a:r>
+              <a:rPr lang="en-US" altLang="zh-CN" sz="1400"/>
+              <a:t>watchlist: Track model performance on training and validation data during the training process to prevent overfitting</a:t>
+            </a:r>
+          </a:p>
+          <a:p>
+            <a:pPr marL="285750" indent="-285750">
+              <a:buFont typeface="Arial" panose="020B0604020202020204" pitchFamily="34" charset="0"/>
+              <a:buChar char="•"/>
+            </a:pPr>
+            <a:r>
+              <a:rPr lang="en-US" altLang="zh-CN" sz="1400"/>
+              <a:t>nrounds: number of boosting rounds</a:t>
+            </a:r>
+          </a:p>
+          <a:p>
+            <a:pPr marL="285750" indent="-285750">
+              <a:buFont typeface="Arial" panose="020B0604020202020204" pitchFamily="34" charset="0"/>
+              <a:buChar char="•"/>
+            </a:pPr>
+            <a:r>
+              <a:rPr lang="en-US" altLang="zh-CN" sz="1400"/>
+              <a:t>early_stopping_rounds: Stop the training process if the model's accuracy on validation set hasn't improved for the specified number of rounds</a:t>
+            </a:r>
+          </a:p>
+        </p:txBody>
+      </p:sp>
+      <p:sp>
+        <p:nvSpPr>
+          <p:cNvPr id="10" name="文本框 9"/>
+          <p:cNvSpPr txBox="1"/>
+          <p:nvPr/>
+        </p:nvSpPr>
+        <p:spPr>
+          <a:xfrm>
+            <a:off x="6790055" y="4445635"/>
+            <a:ext cx="1827530" cy="306705"/>
+          </a:xfrm>
+          <a:prstGeom prst="rect">
+            <a:avLst/>
+          </a:prstGeom>
+          <a:noFill/>
+        </p:spPr>
+        <p:txBody>
+          <a:bodyPr wrap="none" rtlCol="0">
+            <a:spAutoFit/>
+          </a:bodyPr>
+          <a:lstStyle/>
+          <a:p>
+            <a:r>
+              <a:rPr lang="en-US" altLang="zh-CN" sz="1400"/>
+              <a:t>How watchlist works</a:t>
+            </a:r>
+          </a:p>
+        </p:txBody>
+      </p:sp>
+    </p:spTree>
+  </p:cSld>
+  <p:clrMapOvr>
+    <a:masterClrMapping/>
+  </p:clrMapOvr>
+</p:sld>
+</file>
+
+<file path=ppt/slides/slide16.xml><?xml version="1.0" encoding="utf-8"?>
+<p:sld xmlns:a="http://schemas.openxmlformats.org/drawingml/2006/main" xmlns:r="http://schemas.openxmlformats.org/officeDocument/2006/relationships" xmlns:p="http://schemas.openxmlformats.org/presentationml/2006/main">
+  <p:cSld>
+    <p:spTree>
+      <p:nvGrpSpPr>
+        <p:cNvPr id="1" name=""/>
+        <p:cNvGrpSpPr/>
+        <p:nvPr/>
+      </p:nvGrpSpPr>
+      <p:grpSpPr>
+        <a:xfrm>
+          <a:off x="0" y="0"/>
+          <a:ext cx="0" cy="0"/>
+          <a:chOff x="0" y="0"/>
+          <a:chExt cx="0" cy="0"/>
+        </a:xfrm>
+      </p:grpSpPr>
+      <p:sp>
+        <p:nvSpPr>
+          <p:cNvPr id="2" name="Shape 0"/>
+          <p:cNvSpPr/>
+          <p:nvPr/>
+        </p:nvSpPr>
+        <p:spPr>
+          <a:xfrm>
+            <a:off x="0" y="457200"/>
+            <a:ext cx="4019550" cy="233363"/>
+          </a:xfrm>
+          <a:prstGeom prst="rect">
+            <a:avLst/>
+          </a:prstGeom>
+          <a:solidFill>
+            <a:srgbClr val="A5DDFF"/>
+          </a:solidFill>
+        </p:spPr>
+        <p:txBody>
+          <a:bodyPr/>
+          <a:lstStyle/>
+          <a:p>
+            <a:endParaRPr lang="zh-CN" altLang="en-US"/>
+          </a:p>
+        </p:txBody>
+      </p:sp>
+      <p:sp>
+        <p:nvSpPr>
+          <p:cNvPr id="3" name="Text 1"/>
+          <p:cNvSpPr/>
+          <p:nvPr/>
+        </p:nvSpPr>
+        <p:spPr>
+          <a:xfrm>
+            <a:off x="762000" y="138113"/>
+            <a:ext cx="8130540" cy="552450"/>
+          </a:xfrm>
+          <a:prstGeom prst="rect">
+            <a:avLst/>
+          </a:prstGeom>
+          <a:noFill/>
+        </p:spPr>
+        <p:txBody>
+          <a:bodyPr wrap="square" rtlCol="0" anchor="ctr"/>
+          <a:lstStyle/>
+          <a:p>
+            <a:pPr marL="0" indent="0">
+              <a:buNone/>
+            </a:pPr>
+            <a:r>
+              <a:rPr lang="en-US" sz="2630" b="1" dirty="0" err="1">
+                <a:solidFill>
+                  <a:srgbClr val="002A85"/>
+                </a:solidFill>
+                <a:latin typeface="Noto Sans SC" pitchFamily="34" charset="0"/>
+                <a:ea typeface="Noto Sans SC" pitchFamily="34" charset="-122"/>
+                <a:cs typeface="Noto Sans SC" pitchFamily="34" charset="-120"/>
+              </a:rPr>
+              <a:t>XGBoost</a:t>
+            </a:r>
+            <a:r>
+              <a:rPr lang="en-US" sz="2680" b="1" dirty="0">
+                <a:solidFill>
+                  <a:srgbClr val="002A85"/>
+                </a:solidFill>
+                <a:latin typeface="Noto Sans SC" pitchFamily="34" charset="0"/>
+                <a:ea typeface="Noto Sans SC" pitchFamily="34" charset="-122"/>
+                <a:cs typeface="Noto Sans SC" pitchFamily="34" charset="-120"/>
+              </a:rPr>
+              <a:t> in R: Result</a:t>
+            </a:r>
+            <a:endParaRPr lang="en-US" sz="2680" dirty="0"/>
+          </a:p>
+        </p:txBody>
+      </p:sp>
+      <p:sp>
+        <p:nvSpPr>
+          <p:cNvPr id="4" name="Text 2"/>
+          <p:cNvSpPr/>
+          <p:nvPr/>
+        </p:nvSpPr>
+        <p:spPr>
+          <a:xfrm>
+            <a:off x="762000" y="589093"/>
+            <a:ext cx="7715250" cy="4010878"/>
+          </a:xfrm>
+          <a:prstGeom prst="rect">
+            <a:avLst/>
+          </a:prstGeom>
+          <a:noFill/>
+        </p:spPr>
+        <p:txBody>
+          <a:bodyPr wrap="square" rtlCol="0" anchor="t"/>
+          <a:lstStyle/>
+          <a:p>
+            <a:pPr algn="l">
+              <a:lnSpc>
+                <a:spcPct val="150000"/>
+              </a:lnSpc>
+              <a:buSzPct val="100000"/>
+            </a:pPr>
+            <a:endParaRPr lang="en-US" sz="1680" dirty="0">
+              <a:solidFill>
+                <a:srgbClr val="383838"/>
+              </a:solidFill>
+              <a:latin typeface="Noto Sans SC" pitchFamily="34" charset="0"/>
+              <a:ea typeface="Noto Sans SC" pitchFamily="34" charset="-122"/>
+            </a:endParaRPr>
+          </a:p>
+          <a:p>
+            <a:pPr algn="l">
+              <a:lnSpc>
+                <a:spcPct val="150000"/>
+              </a:lnSpc>
+              <a:buSzPct val="100000"/>
+            </a:pPr>
+            <a:endParaRPr lang="en-US" sz="1680" dirty="0"/>
+          </a:p>
+          <a:p>
+            <a:pPr algn="l">
+              <a:lnSpc>
+                <a:spcPct val="150000"/>
+              </a:lnSpc>
+              <a:buSzPct val="100000"/>
+            </a:pPr>
+            <a:endParaRPr lang="en-US" sz="1680" dirty="0"/>
+          </a:p>
+        </p:txBody>
+      </p:sp>
+      <p:sp>
+        <p:nvSpPr>
+          <p:cNvPr id="5" name="文本框 4"/>
+          <p:cNvSpPr txBox="1"/>
+          <p:nvPr/>
+        </p:nvSpPr>
+        <p:spPr>
+          <a:xfrm>
+            <a:off x="346075" y="800100"/>
+            <a:ext cx="8310245" cy="737235"/>
+          </a:xfrm>
+          <a:prstGeom prst="rect">
+            <a:avLst/>
+          </a:prstGeom>
+          <a:noFill/>
+        </p:spPr>
+        <p:txBody>
+          <a:bodyPr wrap="square" rtlCol="0">
+            <a:spAutoFit/>
+          </a:bodyPr>
+          <a:lstStyle/>
+          <a:p>
+            <a:r>
+              <a:rPr lang="en-US" altLang="zh-CN" sz="1400"/>
+              <a:t>Our model stops boosting at #261 round, which means the model accuracy decreases in the next 50 rounds. So we know that overfitting occurs after that. Hence, we changed parameter nrounds to 261 and trained our final model. </a:t>
+            </a:r>
+          </a:p>
+        </p:txBody>
+      </p:sp>
+      <p:pic>
+        <p:nvPicPr>
+          <p:cNvPr id="6" name="图片 5"/>
+          <p:cNvPicPr>
+            <a:picLocks noChangeAspect="1"/>
+          </p:cNvPicPr>
+          <p:nvPr/>
+        </p:nvPicPr>
+        <p:blipFill>
+          <a:blip r:embed="rId3"/>
+          <a:stretch>
+            <a:fillRect/>
+          </a:stretch>
+        </p:blipFill>
+        <p:spPr>
+          <a:xfrm>
+            <a:off x="3163570" y="1537970"/>
+            <a:ext cx="2404745" cy="2606675"/>
+          </a:xfrm>
+          <a:prstGeom prst="rect">
+            <a:avLst/>
+          </a:prstGeom>
+        </p:spPr>
+      </p:pic>
+      <p:pic>
+        <p:nvPicPr>
+          <p:cNvPr id="7" name="图片 6"/>
+          <p:cNvPicPr>
+            <a:picLocks noChangeAspect="1"/>
+          </p:cNvPicPr>
+          <p:nvPr/>
+        </p:nvPicPr>
+        <p:blipFill>
+          <a:blip r:embed="rId4"/>
+          <a:stretch>
+            <a:fillRect/>
+          </a:stretch>
+        </p:blipFill>
+        <p:spPr>
+          <a:xfrm>
+            <a:off x="5828665" y="1537970"/>
+            <a:ext cx="2404110" cy="2606040"/>
+          </a:xfrm>
+          <a:prstGeom prst="rect">
+            <a:avLst/>
+          </a:prstGeom>
+        </p:spPr>
+      </p:pic>
+      <p:sp>
+        <p:nvSpPr>
+          <p:cNvPr id="8" name="文本框 7"/>
+          <p:cNvSpPr txBox="1"/>
+          <p:nvPr/>
+        </p:nvSpPr>
+        <p:spPr>
+          <a:xfrm>
+            <a:off x="160655" y="1646555"/>
+            <a:ext cx="2742565" cy="2891790"/>
+          </a:xfrm>
+          <a:prstGeom prst="rect">
+            <a:avLst/>
+          </a:prstGeom>
+          <a:noFill/>
+        </p:spPr>
+        <p:txBody>
+          <a:bodyPr wrap="square" rtlCol="0">
+            <a:spAutoFit/>
+          </a:bodyPr>
+          <a:lstStyle/>
+          <a:p>
+            <a:r>
+              <a:rPr lang="en-US" altLang="zh-CN" sz="1400"/>
+              <a:t>The first plot shows the 5 most important features identified by our final XGBoost model</a:t>
+            </a:r>
+          </a:p>
+          <a:p>
+            <a:endParaRPr lang="en-US" altLang="zh-CN" sz="1400"/>
+          </a:p>
+          <a:p>
+            <a:r>
+              <a:rPr lang="en-US" altLang="zh-CN" sz="1400"/>
+              <a:t>The plot on the right shows a very high AUC score of 0.99988, which means the model is almost a perfect classifier. Such an unusual result is probably because the simulated dataset is designed for practice purposes, so it is easier to classify.</a:t>
+            </a:r>
+          </a:p>
+        </p:txBody>
+      </p:sp>
+    </p:spTree>
+  </p:cSld>
+  <p:clrMapOvr>
+    <a:masterClrMapping/>
+  </p:clrMapOvr>
+</p:sld>
+</file>
+
+<file path=ppt/slides/slide17.xml><?xml version="1.0" encoding="utf-8"?>
+<p:sld xmlns:a="http://schemas.openxmlformats.org/drawingml/2006/main" xmlns:r="http://schemas.openxmlformats.org/officeDocument/2006/relationships" xmlns:p="http://schemas.openxmlformats.org/presentationml/2006/main">
+  <p:cSld>
+    <p:spTree>
+      <p:nvGrpSpPr>
+        <p:cNvPr id="1" name=""/>
+        <p:cNvGrpSpPr/>
+        <p:nvPr/>
+      </p:nvGrpSpPr>
+      <p:grpSpPr>
+        <a:xfrm>
+          <a:off x="0" y="0"/>
+          <a:ext cx="0" cy="0"/>
+          <a:chOff x="0" y="0"/>
+          <a:chExt cx="0" cy="0"/>
+        </a:xfrm>
+      </p:grpSpPr>
+      <p:sp>
+        <p:nvSpPr>
+          <p:cNvPr id="2" name="Shape 0"/>
+          <p:cNvSpPr/>
+          <p:nvPr/>
+        </p:nvSpPr>
+        <p:spPr>
+          <a:xfrm>
+            <a:off x="0" y="457200"/>
+            <a:ext cx="4019550" cy="233363"/>
+          </a:xfrm>
+          <a:prstGeom prst="rect">
+            <a:avLst/>
+          </a:prstGeom>
+          <a:solidFill>
+            <a:srgbClr val="A5DDFF"/>
+          </a:solidFill>
+        </p:spPr>
+        <p:txBody>
+          <a:bodyPr/>
+          <a:lstStyle/>
+          <a:p>
+            <a:endParaRPr lang="zh-CN" altLang="en-US"/>
+          </a:p>
+        </p:txBody>
+      </p:sp>
+      <p:sp>
+        <p:nvSpPr>
+          <p:cNvPr id="3" name="Text 1"/>
+          <p:cNvSpPr/>
+          <p:nvPr/>
+        </p:nvSpPr>
+        <p:spPr>
+          <a:xfrm>
+            <a:off x="762000" y="138113"/>
+            <a:ext cx="8130540" cy="552450"/>
+          </a:xfrm>
+          <a:prstGeom prst="rect">
+            <a:avLst/>
+          </a:prstGeom>
+          <a:noFill/>
+        </p:spPr>
+        <p:txBody>
+          <a:bodyPr wrap="square" rtlCol="0" anchor="ctr"/>
+          <a:lstStyle/>
+          <a:p>
+            <a:pPr marL="0" indent="0">
+              <a:buNone/>
+            </a:pPr>
+            <a:r>
+              <a:rPr lang="en-US" sz="2630" b="1" dirty="0">
+                <a:solidFill>
+                  <a:srgbClr val="002A85"/>
+                </a:solidFill>
+                <a:latin typeface="Noto Sans SC" pitchFamily="34" charset="0"/>
+                <a:ea typeface="Noto Sans SC" pitchFamily="34" charset="-122"/>
+                <a:cs typeface="Noto Sans SC" pitchFamily="34" charset="-120"/>
+              </a:rPr>
+              <a:t>Reference</a:t>
+            </a:r>
+            <a:endParaRPr lang="en-US" sz="2680" dirty="0"/>
+          </a:p>
+        </p:txBody>
+      </p:sp>
+      <p:sp>
+        <p:nvSpPr>
+          <p:cNvPr id="4" name="Text 2"/>
+          <p:cNvSpPr/>
+          <p:nvPr/>
+        </p:nvSpPr>
+        <p:spPr>
+          <a:xfrm>
+            <a:off x="762000" y="589093"/>
+            <a:ext cx="7715250" cy="4010878"/>
+          </a:xfrm>
+          <a:prstGeom prst="rect">
+            <a:avLst/>
+          </a:prstGeom>
+          <a:noFill/>
+        </p:spPr>
+        <p:txBody>
+          <a:bodyPr wrap="square" rtlCol="0" anchor="t"/>
+          <a:lstStyle/>
+          <a:p>
+            <a:pPr algn="l">
+              <a:lnSpc>
+                <a:spcPct val="150000"/>
+              </a:lnSpc>
+              <a:buSzPct val="100000"/>
+            </a:pPr>
+            <a:endParaRPr lang="en-US" sz="1680" dirty="0">
+              <a:solidFill>
+                <a:srgbClr val="383838"/>
+              </a:solidFill>
+              <a:latin typeface="Noto Sans SC" pitchFamily="34" charset="0"/>
+              <a:ea typeface="Noto Sans SC" pitchFamily="34" charset="-122"/>
+            </a:endParaRPr>
+          </a:p>
+          <a:p>
+            <a:pPr algn="l">
+              <a:lnSpc>
+                <a:spcPct val="150000"/>
+              </a:lnSpc>
+              <a:buSzPct val="100000"/>
+            </a:pPr>
+            <a:endParaRPr lang="en-US" sz="1680" dirty="0"/>
+          </a:p>
+          <a:p>
+            <a:pPr algn="l">
+              <a:lnSpc>
+                <a:spcPct val="150000"/>
+              </a:lnSpc>
+              <a:buSzPct val="100000"/>
+            </a:pPr>
+            <a:endParaRPr lang="en-US" sz="1680" dirty="0"/>
+          </a:p>
+        </p:txBody>
+      </p:sp>
+      <p:sp>
+        <p:nvSpPr>
+          <p:cNvPr id="5" name="文本框 4"/>
+          <p:cNvSpPr txBox="1"/>
+          <p:nvPr/>
+        </p:nvSpPr>
+        <p:spPr>
+          <a:xfrm>
+            <a:off x="666750" y="1141543"/>
+            <a:ext cx="8310245" cy="1384995"/>
+          </a:xfrm>
+          <a:prstGeom prst="rect">
+            <a:avLst/>
+          </a:prstGeom>
+          <a:noFill/>
+        </p:spPr>
+        <p:txBody>
+          <a:bodyPr wrap="square" rtlCol="0">
+            <a:spAutoFit/>
+          </a:bodyPr>
+          <a:lstStyle/>
+          <a:p>
+            <a:pPr rtl="0">
+              <a:spcBef>
+                <a:spcPts val="0"/>
+              </a:spcBef>
+              <a:spcAft>
+                <a:spcPts val="1200"/>
+              </a:spcAft>
+            </a:pPr>
+            <a:r>
+              <a:rPr lang="en-US" sz="1800" b="0" i="0" u="none" strike="noStrike" dirty="0">
+                <a:solidFill>
+                  <a:srgbClr val="000000"/>
+                </a:solidFill>
+                <a:effectLst/>
+                <a:latin typeface="Arial" panose="020B0604020202020204" pitchFamily="34" charset="0"/>
+              </a:rPr>
+              <a:t>"</a:t>
+            </a:r>
+            <a:r>
+              <a:rPr lang="en-US" sz="1800" b="0" i="0" u="none" strike="noStrike" dirty="0" err="1">
+                <a:solidFill>
+                  <a:srgbClr val="000000"/>
+                </a:solidFill>
+                <a:effectLst/>
+                <a:latin typeface="Arial" panose="020B0604020202020204" pitchFamily="34" charset="0"/>
+              </a:rPr>
+              <a:t>XGBoost</a:t>
+            </a:r>
+            <a:r>
+              <a:rPr lang="en-US" sz="1800" b="0" i="0" u="none" strike="noStrike" dirty="0">
+                <a:solidFill>
+                  <a:srgbClr val="000000"/>
+                </a:solidFill>
+                <a:effectLst/>
+                <a:latin typeface="Arial" panose="020B0604020202020204" pitchFamily="34" charset="0"/>
+              </a:rPr>
+              <a:t> Documentation." GitHub, </a:t>
+            </a:r>
+            <a:endParaRPr lang="en-US" sz="1400" b="0" dirty="0">
+              <a:effectLst/>
+            </a:endParaRPr>
+          </a:p>
+          <a:p>
+            <a:pPr rtl="0">
+              <a:spcBef>
+                <a:spcPts val="0"/>
+              </a:spcBef>
+              <a:spcAft>
+                <a:spcPts val="1200"/>
+              </a:spcAft>
+            </a:pPr>
+            <a:r>
+              <a:rPr lang="en-US" sz="1800" b="0" i="0" u="none" strike="noStrike" dirty="0">
+                <a:solidFill>
+                  <a:srgbClr val="000000"/>
+                </a:solidFill>
+                <a:effectLst/>
+                <a:latin typeface="Arial" panose="020B0604020202020204" pitchFamily="34" charset="0"/>
+              </a:rPr>
+              <a:t>https://</a:t>
+            </a:r>
+            <a:r>
+              <a:rPr lang="en-US" sz="1800" b="0" i="0" u="none" strike="noStrike" dirty="0" err="1">
+                <a:solidFill>
+                  <a:srgbClr val="000000"/>
+                </a:solidFill>
+                <a:effectLst/>
+                <a:latin typeface="Arial" panose="020B0604020202020204" pitchFamily="34" charset="0"/>
+              </a:rPr>
+              <a:t>github.com</a:t>
+            </a:r>
+            <a:r>
+              <a:rPr lang="en-US" sz="1800" b="0" i="0" u="none" strike="noStrike" dirty="0">
+                <a:solidFill>
+                  <a:srgbClr val="000000"/>
+                </a:solidFill>
+                <a:effectLst/>
+                <a:latin typeface="Arial" panose="020B0604020202020204" pitchFamily="34" charset="0"/>
+              </a:rPr>
+              <a:t>/</a:t>
+            </a:r>
+            <a:r>
+              <a:rPr lang="en-US" sz="1800" b="0" i="0" u="none" strike="noStrike" dirty="0" err="1">
+                <a:solidFill>
+                  <a:srgbClr val="000000"/>
+                </a:solidFill>
+                <a:effectLst/>
+                <a:latin typeface="Arial" panose="020B0604020202020204" pitchFamily="34" charset="0"/>
+              </a:rPr>
+              <a:t>dmlc</a:t>
+            </a:r>
+            <a:r>
+              <a:rPr lang="en-US" sz="1800" b="0" i="0" u="none" strike="noStrike" dirty="0">
+                <a:solidFill>
+                  <a:srgbClr val="000000"/>
+                </a:solidFill>
+                <a:effectLst/>
+                <a:latin typeface="Arial" panose="020B0604020202020204" pitchFamily="34" charset="0"/>
+              </a:rPr>
+              <a:t>/</a:t>
+            </a:r>
+            <a:r>
+              <a:rPr lang="en-US" sz="1800" b="0" i="0" u="none" strike="noStrike" dirty="0" err="1">
+                <a:solidFill>
+                  <a:srgbClr val="000000"/>
+                </a:solidFill>
+                <a:effectLst/>
+                <a:latin typeface="Arial" panose="020B0604020202020204" pitchFamily="34" charset="0"/>
+              </a:rPr>
+              <a:t>xgboost</a:t>
+            </a:r>
+            <a:r>
+              <a:rPr lang="en-US" sz="1800" b="0" i="0" u="none" strike="noStrike" dirty="0">
+                <a:solidFill>
+                  <a:srgbClr val="000000"/>
+                </a:solidFill>
+                <a:effectLst/>
+                <a:latin typeface="Arial" panose="020B0604020202020204" pitchFamily="34" charset="0"/>
+              </a:rPr>
+              <a:t>(Accessed Dec 5, 2023).</a:t>
+            </a:r>
+            <a:endParaRPr lang="en-US" sz="1400" b="0" dirty="0">
+              <a:effectLst/>
+            </a:endParaRPr>
+          </a:p>
+          <a:p>
+            <a:br>
+              <a:rPr lang="en-US" sz="1400" dirty="0"/>
+            </a:br>
+            <a:endParaRPr lang="en-US" altLang="zh-CN" sz="1400" dirty="0"/>
+          </a:p>
+        </p:txBody>
+      </p:sp>
+    </p:spTree>
+    <p:extLst>
+      <p:ext uri="{BB962C8B-B14F-4D97-AF65-F5344CB8AC3E}">
+        <p14:creationId xmlns:p14="http://schemas.microsoft.com/office/powerpoint/2010/main" val="1303414577"/>
+      </p:ext>
+    </p:extLst>
+  </p:cSld>
+  <p:clrMapOvr>
+    <a:masterClrMapping/>
+  </p:clrMapOvr>
+</p:sld>
+</file>
+
+<file path=ppt/slides/slide18.xml><?xml version="1.0" encoding="utf-8"?>
+<p:sld xmlns:a="http://schemas.openxmlformats.org/drawingml/2006/main" xmlns:r="http://schemas.openxmlformats.org/officeDocument/2006/relationships" xmlns:p="http://schemas.openxmlformats.org/presentationml/2006/main">
+  <p:cSld>
+    <p:spTree>
+      <p:nvGrpSpPr>
+        <p:cNvPr id="1" name=""/>
+        <p:cNvGrpSpPr/>
+        <p:nvPr/>
+      </p:nvGrpSpPr>
+      <p:grpSpPr>
+        <a:xfrm>
+          <a:off x="0" y="0"/>
+          <a:ext cx="0" cy="0"/>
+          <a:chOff x="0" y="0"/>
+          <a:chExt cx="0" cy="0"/>
+        </a:xfrm>
+      </p:grpSpPr>
+      <p:sp>
+        <p:nvSpPr>
+          <p:cNvPr id="2" name="Text 0"/>
+          <p:cNvSpPr/>
+          <p:nvPr/>
+        </p:nvSpPr>
+        <p:spPr>
+          <a:xfrm>
+            <a:off x="2871788" y="1838325"/>
+            <a:ext cx="3395663" cy="552450"/>
+          </a:xfrm>
+          <a:prstGeom prst="rect">
+            <a:avLst/>
+          </a:prstGeom>
+          <a:noFill/>
+        </p:spPr>
+        <p:txBody>
+          <a:bodyPr wrap="square" rtlCol="0" anchor="t"/>
+          <a:lstStyle/>
+          <a:p>
+            <a:pPr marL="0" indent="0" algn="ctr">
+              <a:buNone/>
+            </a:pPr>
+            <a:r>
+              <a:rPr lang="en-US" sz="2800" b="1" dirty="0">
+                <a:solidFill>
+                  <a:srgbClr val="002A85"/>
+                </a:solidFill>
+                <a:latin typeface="Noto Sans SC" pitchFamily="34" charset="0"/>
+                <a:ea typeface="Noto Sans SC" pitchFamily="34" charset="-122"/>
+                <a:cs typeface="Noto Sans SC" pitchFamily="34" charset="-120"/>
+              </a:rPr>
+              <a:t>THE END</a:t>
+            </a:r>
+            <a:endParaRPr lang="en-US" sz="2800" dirty="0"/>
+          </a:p>
+        </p:txBody>
+      </p:sp>
+      <p:sp>
+        <p:nvSpPr>
+          <p:cNvPr id="3" name="Text 1"/>
+          <p:cNvSpPr/>
+          <p:nvPr/>
+        </p:nvSpPr>
+        <p:spPr>
+          <a:xfrm>
+            <a:off x="2871788" y="2390775"/>
+            <a:ext cx="3395663" cy="1033463"/>
+          </a:xfrm>
+          <a:prstGeom prst="rect">
+            <a:avLst/>
+          </a:prstGeom>
+          <a:noFill/>
+        </p:spPr>
+        <p:txBody>
+          <a:bodyPr wrap="square" rtlCol="0" anchor="t"/>
+          <a:lstStyle/>
+          <a:p>
+            <a:pPr marL="0" indent="0" algn="ctr">
+              <a:buNone/>
+            </a:pPr>
+            <a:r>
+              <a:rPr lang="en-US" sz="5250" b="1" dirty="0">
+                <a:solidFill>
+                  <a:srgbClr val="002A85"/>
+                </a:solidFill>
+                <a:latin typeface="Noto Sans SC" pitchFamily="34" charset="0"/>
+                <a:ea typeface="Noto Sans SC" pitchFamily="34" charset="-122"/>
+                <a:cs typeface="Noto Sans SC" pitchFamily="34" charset="-120"/>
+              </a:rPr>
+              <a:t>THANKS</a:t>
+            </a:r>
+            <a:endParaRPr lang="en-US" sz="5250" dirty="0"/>
+          </a:p>
+        </p:txBody>
+      </p:sp>
+    </p:spTree>
+  </p:cSld>
+  <p:clrMapOvr>
+    <a:masterClrMapping/>
+  </p:clrMapOvr>
+</p:sld>
+</file>
+
+<file path=ppt/slides/slide2.xml><?xml version="1.0" encoding="utf-8"?>
+<p:sld xmlns:a="http://schemas.openxmlformats.org/drawingml/2006/main" xmlns:r="http://schemas.openxmlformats.org/officeDocument/2006/relationships" xmlns:p="http://schemas.openxmlformats.org/presentationml/2006/main">
+  <p:cSld>
+    <p:spTree>
+      <p:nvGrpSpPr>
+        <p:cNvPr id="1" name=""/>
+        <p:cNvGrpSpPr/>
+        <p:nvPr/>
+      </p:nvGrpSpPr>
+      <p:grpSpPr>
+        <a:xfrm>
+          <a:off x="0" y="0"/>
+          <a:ext cx="0" cy="0"/>
+          <a:chOff x="0" y="0"/>
+          <a:chExt cx="0" cy="0"/>
+        </a:xfrm>
+      </p:grpSpPr>
+      <p:sp>
+        <p:nvSpPr>
+          <p:cNvPr id="2" name="Shape 0"/>
+          <p:cNvSpPr/>
+          <p:nvPr/>
+        </p:nvSpPr>
+        <p:spPr>
+          <a:xfrm>
+            <a:off x="0" y="457200"/>
+            <a:ext cx="4019550" cy="233363"/>
+          </a:xfrm>
+          <a:prstGeom prst="rect">
+            <a:avLst/>
+          </a:prstGeom>
+          <a:solidFill>
+            <a:srgbClr val="A5DDFF"/>
+          </a:solidFill>
+        </p:spPr>
+        <p:txBody>
+          <a:bodyPr/>
+          <a:lstStyle/>
+          <a:p>
+            <a:endParaRPr lang="zh-CN" altLang="en-US"/>
+          </a:p>
+        </p:txBody>
+      </p:sp>
+      <p:sp>
+        <p:nvSpPr>
+          <p:cNvPr id="3" name="Text 1"/>
+          <p:cNvSpPr/>
+          <p:nvPr/>
+        </p:nvSpPr>
+        <p:spPr>
+          <a:xfrm>
+            <a:off x="762000" y="138113"/>
+            <a:ext cx="8130540" cy="552450"/>
+          </a:xfrm>
+          <a:prstGeom prst="rect">
+            <a:avLst/>
+          </a:prstGeom>
+          <a:noFill/>
+        </p:spPr>
+        <p:txBody>
+          <a:bodyPr wrap="square" rtlCol="0" anchor="ctr"/>
+          <a:lstStyle/>
+          <a:p>
+            <a:pPr marL="0" indent="0">
+              <a:buNone/>
+            </a:pPr>
+            <a:r>
+              <a:rPr lang="en-US" sz="2625" b="1" dirty="0">
+                <a:solidFill>
+                  <a:srgbClr val="002A85"/>
+                </a:solidFill>
+                <a:latin typeface="Noto Sans SC" pitchFamily="34" charset="0"/>
+                <a:ea typeface="Noto Sans SC" pitchFamily="34" charset="-122"/>
+              </a:rPr>
+              <a:t>Dataset Introduction</a:t>
+            </a:r>
+            <a:endParaRPr lang="en-US" sz="2625" dirty="0"/>
+          </a:p>
+        </p:txBody>
+      </p:sp>
+      <p:sp>
+        <p:nvSpPr>
+          <p:cNvPr id="4" name="Text 2"/>
+          <p:cNvSpPr/>
+          <p:nvPr/>
+        </p:nvSpPr>
+        <p:spPr>
+          <a:xfrm>
+            <a:off x="714375" y="759015"/>
+            <a:ext cx="7715250" cy="3452813"/>
+          </a:xfrm>
+          <a:prstGeom prst="rect">
+            <a:avLst/>
+          </a:prstGeom>
+          <a:noFill/>
+        </p:spPr>
+        <p:txBody>
+          <a:bodyPr wrap="square" rtlCol="0" anchor="t"/>
+          <a:lstStyle/>
+          <a:p>
+            <a:pPr marL="285750" indent="-285750">
+              <a:lnSpc>
+                <a:spcPct val="150000"/>
+              </a:lnSpc>
+              <a:buSzPct val="100000"/>
+              <a:buFont typeface="Arial" panose="020B0604020202020204" pitchFamily="34" charset="0"/>
+              <a:buChar char="•"/>
+            </a:pPr>
+            <a:r>
+              <a:rPr lang="en-US" sz="1680" dirty="0">
+                <a:solidFill>
+                  <a:srgbClr val="383838"/>
+                </a:solidFill>
+                <a:latin typeface="Noto Sans SC" pitchFamily="34" charset="0"/>
+                <a:ea typeface="Noto Sans SC" pitchFamily="34" charset="-122"/>
+              </a:rPr>
+              <a:t>Simulated credit card transaction fraud data on Kaggle  </a:t>
+            </a:r>
+          </a:p>
+          <a:p>
+            <a:pPr marL="285750" indent="-285750">
+              <a:lnSpc>
+                <a:spcPct val="150000"/>
+              </a:lnSpc>
+              <a:buSzPct val="100000"/>
+              <a:buFont typeface="Arial" panose="020B0604020202020204" pitchFamily="34" charset="0"/>
+              <a:buChar char="•"/>
+            </a:pPr>
+            <a:r>
+              <a:rPr lang="en-US" sz="1600" dirty="0">
+                <a:hlinkClick r:id="rId3"/>
+              </a:rPr>
+              <a:t>Credit Card Fraud (kaggle.com)</a:t>
+            </a:r>
+            <a:endParaRPr lang="en-US" sz="1600" dirty="0"/>
+          </a:p>
+          <a:p>
+            <a:pPr marL="285750" indent="-285750">
+              <a:lnSpc>
+                <a:spcPct val="150000"/>
+              </a:lnSpc>
+              <a:buSzPct val="100000"/>
+              <a:buFont typeface="Arial" panose="020B0604020202020204" pitchFamily="34" charset="0"/>
+              <a:buChar char="•"/>
+            </a:pPr>
+            <a:r>
+              <a:rPr lang="en-US" sz="1680" dirty="0">
+                <a:solidFill>
+                  <a:srgbClr val="383838"/>
+                </a:solidFill>
+                <a:latin typeface="Noto Sans SC" pitchFamily="34" charset="0"/>
+                <a:ea typeface="Noto Sans SC" pitchFamily="34" charset="-122"/>
+              </a:rPr>
+              <a:t>Binary classification problem</a:t>
+            </a:r>
+            <a:r>
+              <a:rPr lang="en-US" sz="1600" dirty="0">
+                <a:solidFill>
+                  <a:srgbClr val="383838"/>
+                </a:solidFill>
+                <a:latin typeface="Noto Sans SC" pitchFamily="34" charset="0"/>
+                <a:ea typeface="Noto Sans SC" pitchFamily="34" charset="-122"/>
+              </a:rPr>
+              <a:t>, each transaction is either fraudulent or not.</a:t>
+            </a:r>
+            <a:endParaRPr lang="en-US" sz="1680" dirty="0">
+              <a:solidFill>
+                <a:srgbClr val="383838"/>
+              </a:solidFill>
+              <a:latin typeface="Noto Sans SC" pitchFamily="34" charset="0"/>
+              <a:ea typeface="Noto Sans SC" pitchFamily="34" charset="-122"/>
+            </a:endParaRPr>
+          </a:p>
+          <a:p>
+            <a:pPr marL="285750" indent="-285750">
+              <a:lnSpc>
+                <a:spcPct val="150000"/>
+              </a:lnSpc>
+              <a:buSzPct val="100000"/>
+              <a:buFont typeface="Arial" panose="020B0604020202020204" pitchFamily="34" charset="0"/>
+              <a:buChar char="•"/>
+            </a:pPr>
+            <a:r>
+              <a:rPr lang="en-US" sz="1680" dirty="0">
+                <a:solidFill>
+                  <a:srgbClr val="383838"/>
+                </a:solidFill>
+                <a:latin typeface="Noto Sans SC" pitchFamily="34" charset="0"/>
+                <a:ea typeface="Noto Sans SC" pitchFamily="34" charset="-122"/>
+              </a:rPr>
+              <a:t>1000000 transactions, only 87403 transactions are fraudulent. 8.74% fraud rate, very unbalanced data</a:t>
+            </a:r>
+          </a:p>
+          <a:p>
+            <a:pPr marL="285750" indent="-285750">
+              <a:lnSpc>
+                <a:spcPct val="150000"/>
+              </a:lnSpc>
+              <a:buSzPct val="100000"/>
+              <a:buFont typeface="Arial" panose="020B0604020202020204" pitchFamily="34" charset="0"/>
+              <a:buChar char="•"/>
+            </a:pPr>
+            <a:r>
+              <a:rPr lang="en-US" sz="1680" dirty="0">
+                <a:solidFill>
+                  <a:srgbClr val="383838"/>
+                </a:solidFill>
+                <a:latin typeface="Noto Sans SC" pitchFamily="34" charset="0"/>
+                <a:ea typeface="Noto Sans SC" pitchFamily="34" charset="-122"/>
+              </a:rPr>
+              <a:t>We will apply stratification when dividing the dataset</a:t>
+            </a:r>
+          </a:p>
+          <a:p>
+            <a:pPr marL="342900" indent="-342900" algn="l">
+              <a:lnSpc>
+                <a:spcPct val="150000"/>
+              </a:lnSpc>
+              <a:buSzPct val="100000"/>
+              <a:buChar char="•"/>
+            </a:pPr>
+            <a:endParaRPr lang="en-US" sz="1680" dirty="0">
+              <a:solidFill>
+                <a:srgbClr val="383838"/>
+              </a:solidFill>
+              <a:latin typeface="Noto Sans SC" pitchFamily="34" charset="0"/>
+              <a:ea typeface="Noto Sans SC" pitchFamily="34" charset="-122"/>
+            </a:endParaRPr>
+          </a:p>
+          <a:p>
+            <a:pPr marL="342900" indent="-342900" algn="l">
+              <a:lnSpc>
+                <a:spcPct val="150000"/>
+              </a:lnSpc>
+              <a:buSzPct val="100000"/>
+              <a:buChar char="•"/>
+            </a:pPr>
+            <a:endParaRPr lang="en-US" sz="1680" dirty="0"/>
+          </a:p>
+          <a:p>
+            <a:pPr marL="342900" indent="-342900" algn="l">
+              <a:lnSpc>
+                <a:spcPct val="150000"/>
+              </a:lnSpc>
+              <a:buSzPct val="100000"/>
+              <a:buChar char="•"/>
+            </a:pPr>
+            <a:endParaRPr lang="en-US" sz="1680" dirty="0"/>
+          </a:p>
+        </p:txBody>
+      </p:sp>
+    </p:spTree>
+  </p:cSld>
+  <p:clrMapOvr>
+    <a:masterClrMapping/>
+  </p:clrMapOvr>
+</p:sld>
+</file>
+
+<file path=ppt/slides/slide3.xml><?xml version="1.0" encoding="utf-8"?>
+<p:sld xmlns:a="http://schemas.openxmlformats.org/drawingml/2006/main" xmlns:r="http://schemas.openxmlformats.org/officeDocument/2006/relationships" xmlns:p="http://schemas.openxmlformats.org/presentationml/2006/main">
+  <p:cSld>
+    <p:spTree>
+      <p:nvGrpSpPr>
+        <p:cNvPr id="1" name=""/>
+        <p:cNvGrpSpPr/>
+        <p:nvPr/>
+      </p:nvGrpSpPr>
+      <p:grpSpPr>
+        <a:xfrm>
+          <a:off x="0" y="0"/>
+          <a:ext cx="0" cy="0"/>
+          <a:chOff x="0" y="0"/>
+          <a:chExt cx="0" cy="0"/>
+        </a:xfrm>
+      </p:grpSpPr>
+      <p:sp>
+        <p:nvSpPr>
+          <p:cNvPr id="2" name="Shape 0"/>
+          <p:cNvSpPr/>
+          <p:nvPr/>
+        </p:nvSpPr>
+        <p:spPr>
+          <a:xfrm>
+            <a:off x="0" y="457200"/>
+            <a:ext cx="4019550" cy="233363"/>
+          </a:xfrm>
+          <a:prstGeom prst="rect">
+            <a:avLst/>
+          </a:prstGeom>
+          <a:solidFill>
+            <a:srgbClr val="A5DDFF"/>
+          </a:solidFill>
+        </p:spPr>
+        <p:txBody>
+          <a:bodyPr/>
+          <a:lstStyle/>
+          <a:p>
+            <a:endParaRPr lang="zh-CN" altLang="en-US"/>
+          </a:p>
+        </p:txBody>
+      </p:sp>
+      <p:sp>
+        <p:nvSpPr>
+          <p:cNvPr id="3" name="Text 1"/>
+          <p:cNvSpPr/>
+          <p:nvPr/>
+        </p:nvSpPr>
+        <p:spPr>
+          <a:xfrm>
+            <a:off x="762000" y="138113"/>
+            <a:ext cx="8130540" cy="552450"/>
+          </a:xfrm>
+          <a:prstGeom prst="rect">
+            <a:avLst/>
+          </a:prstGeom>
+          <a:noFill/>
+        </p:spPr>
+        <p:txBody>
+          <a:bodyPr wrap="square" rtlCol="0" anchor="ctr"/>
+          <a:lstStyle/>
+          <a:p>
+            <a:pPr marL="0" indent="0">
+              <a:buNone/>
+            </a:pPr>
+            <a:r>
+              <a:rPr lang="en-US" sz="2625" b="1" dirty="0">
+                <a:solidFill>
+                  <a:srgbClr val="002A85"/>
+                </a:solidFill>
+                <a:latin typeface="Noto Sans SC" pitchFamily="34" charset="0"/>
+                <a:ea typeface="Noto Sans SC" pitchFamily="34" charset="-122"/>
+              </a:rPr>
+              <a:t>Dataset</a:t>
+            </a:r>
+            <a:r>
+              <a:rPr lang="zh-CN" altLang="en-US" sz="2625" b="1" dirty="0">
+                <a:solidFill>
+                  <a:srgbClr val="002A85"/>
+                </a:solidFill>
+                <a:latin typeface="Noto Sans SC" pitchFamily="34" charset="0"/>
+                <a:ea typeface="Noto Sans SC" pitchFamily="34" charset="-122"/>
+              </a:rPr>
+              <a:t> </a:t>
+            </a:r>
+            <a:r>
+              <a:rPr lang="en-US" altLang="zh-CN" sz="2625" b="1" dirty="0">
+                <a:solidFill>
+                  <a:srgbClr val="002A85"/>
+                </a:solidFill>
+                <a:latin typeface="Noto Sans SC" pitchFamily="34" charset="0"/>
+                <a:ea typeface="Noto Sans SC" pitchFamily="34" charset="-122"/>
+              </a:rPr>
+              <a:t>description</a:t>
+            </a:r>
+            <a:endParaRPr lang="en-US" sz="2625" dirty="0"/>
+          </a:p>
+        </p:txBody>
+      </p:sp>
+      <p:sp>
+        <p:nvSpPr>
+          <p:cNvPr id="4" name="Text 2"/>
+          <p:cNvSpPr/>
+          <p:nvPr/>
+        </p:nvSpPr>
+        <p:spPr>
+          <a:xfrm>
+            <a:off x="762000" y="2825749"/>
+            <a:ext cx="7929513" cy="1432874"/>
+          </a:xfrm>
+          <a:prstGeom prst="rect">
+            <a:avLst/>
+          </a:prstGeom>
+          <a:noFill/>
+        </p:spPr>
+        <p:txBody>
+          <a:bodyPr wrap="square" rtlCol="0" anchor="t"/>
+          <a:lstStyle/>
+          <a:p>
+            <a:pPr fontAlgn="base"/>
+            <a:r>
+              <a:rPr lang="en-US" dirty="0" err="1"/>
+              <a:t>dist_home</a:t>
+            </a:r>
+            <a:r>
+              <a:rPr lang="en-US" dirty="0"/>
+              <a:t>: the distance from home where the transaction happened</a:t>
+            </a:r>
+          </a:p>
+          <a:p>
+            <a:pPr fontAlgn="base"/>
+            <a:endParaRPr lang="en-US" dirty="0"/>
+          </a:p>
+          <a:p>
+            <a:pPr fontAlgn="base"/>
+            <a:r>
+              <a:rPr lang="en-US" dirty="0" err="1"/>
+              <a:t>dist_last_transact</a:t>
+            </a:r>
+            <a:r>
+              <a:rPr lang="en-US" dirty="0"/>
+              <a:t>: the distance from last transaction happened</a:t>
+            </a:r>
+          </a:p>
+          <a:p>
+            <a:pPr fontAlgn="base"/>
+            <a:endParaRPr lang="en-US" dirty="0"/>
+          </a:p>
+          <a:p>
+            <a:pPr fontAlgn="base"/>
+            <a:r>
+              <a:rPr lang="en-US" dirty="0" err="1"/>
+              <a:t>ratio_to_med_price</a:t>
+            </a:r>
+            <a:r>
+              <a:rPr lang="en-US" dirty="0"/>
+              <a:t>: ratio of transaction </a:t>
+            </a:r>
+            <a:r>
+              <a:rPr lang="en-US" dirty="0" err="1"/>
+              <a:t>price</a:t>
+            </a:r>
+            <a:r>
+              <a:rPr lang="en-US" dirty="0"/>
+              <a:t> to median purchase price</a:t>
+            </a:r>
+          </a:p>
+          <a:p>
+            <a:pPr fontAlgn="base"/>
+            <a:endParaRPr lang="en-US" dirty="0"/>
+          </a:p>
+          <a:p>
+            <a:pPr fontAlgn="base"/>
+            <a:r>
+              <a:rPr lang="en-US" dirty="0" err="1"/>
+              <a:t>repeat_retailer</a:t>
+            </a:r>
+            <a:r>
+              <a:rPr lang="en-US" dirty="0"/>
+              <a:t>: Is the transaction happened from same retailer</a:t>
+            </a:r>
+          </a:p>
+          <a:p>
+            <a:pPr marL="342900" indent="-342900">
+              <a:lnSpc>
+                <a:spcPct val="150000"/>
+              </a:lnSpc>
+              <a:buSzPct val="100000"/>
+              <a:buFontTx/>
+              <a:buChar char="•"/>
+            </a:pPr>
+            <a:endParaRPr lang="en-US" sz="1600" b="0" i="0" dirty="0">
+              <a:solidFill>
+                <a:srgbClr val="3C4043"/>
+              </a:solidFill>
+              <a:effectLst/>
+              <a:latin typeface="Inter"/>
+            </a:endParaRPr>
+          </a:p>
+          <a:p>
+            <a:pPr marL="342900" indent="-342900" algn="l">
+              <a:lnSpc>
+                <a:spcPct val="150000"/>
+              </a:lnSpc>
+              <a:buSzPct val="100000"/>
+              <a:buChar char="•"/>
+            </a:pPr>
+            <a:endParaRPr lang="en-US" sz="1600" b="0" i="0" dirty="0">
+              <a:solidFill>
+                <a:srgbClr val="3C4043"/>
+              </a:solidFill>
+              <a:effectLst/>
+              <a:latin typeface="Inter"/>
+            </a:endParaRPr>
+          </a:p>
+          <a:p>
+            <a:pPr marL="342900" indent="-342900" algn="l">
+              <a:lnSpc>
+                <a:spcPct val="150000"/>
+              </a:lnSpc>
+              <a:buSzPct val="100000"/>
+              <a:buChar char="•"/>
+            </a:pPr>
+            <a:endParaRPr lang="en-US" sz="1680" dirty="0">
+              <a:solidFill>
+                <a:srgbClr val="383838"/>
+              </a:solidFill>
+              <a:latin typeface="Noto Sans SC" pitchFamily="34" charset="0"/>
+              <a:ea typeface="Noto Sans SC" pitchFamily="34" charset="-122"/>
+            </a:endParaRPr>
+          </a:p>
+          <a:p>
+            <a:pPr marL="342900" indent="-342900" algn="l">
+              <a:lnSpc>
+                <a:spcPct val="150000"/>
+              </a:lnSpc>
+              <a:buSzPct val="100000"/>
+              <a:buChar char="•"/>
+            </a:pPr>
+            <a:endParaRPr lang="en-US" sz="1680" dirty="0"/>
+          </a:p>
+          <a:p>
+            <a:pPr marL="342900" indent="-342900" algn="l">
+              <a:lnSpc>
+                <a:spcPct val="150000"/>
+              </a:lnSpc>
+              <a:buSzPct val="100000"/>
+              <a:buChar char="•"/>
+            </a:pPr>
+            <a:endParaRPr lang="en-US" sz="1680" dirty="0"/>
+          </a:p>
+        </p:txBody>
+      </p:sp>
+      <p:pic>
+        <p:nvPicPr>
+          <p:cNvPr id="10" name="Picture 9"/>
+          <p:cNvPicPr>
+            <a:picLocks noChangeAspect="1"/>
+          </p:cNvPicPr>
+          <p:nvPr/>
+        </p:nvPicPr>
+        <p:blipFill>
+          <a:blip r:embed="rId3"/>
+          <a:stretch>
+            <a:fillRect/>
+          </a:stretch>
+        </p:blipFill>
+        <p:spPr>
+          <a:xfrm>
+            <a:off x="0" y="1009650"/>
+            <a:ext cx="9144000" cy="1456841"/>
+          </a:xfrm>
+          <a:prstGeom prst="rect">
+            <a:avLst/>
+          </a:prstGeom>
+        </p:spPr>
+      </p:pic>
+    </p:spTree>
+  </p:cSld>
+  <p:clrMapOvr>
+    <a:masterClrMapping/>
+  </p:clrMapOvr>
+</p:sld>
+</file>
+
+<file path=ppt/slides/slide4.xml><?xml version="1.0" encoding="utf-8"?>
+<p:sld xmlns:a="http://schemas.openxmlformats.org/drawingml/2006/main" xmlns:r="http://schemas.openxmlformats.org/officeDocument/2006/relationships" xmlns:p="http://schemas.openxmlformats.org/presentationml/2006/main">
+  <p:cSld>
+    <p:spTree>
+      <p:nvGrpSpPr>
+        <p:cNvPr id="1" name=""/>
+        <p:cNvGrpSpPr/>
+        <p:nvPr/>
+      </p:nvGrpSpPr>
+      <p:grpSpPr>
+        <a:xfrm>
+          <a:off x="0" y="0"/>
+          <a:ext cx="0" cy="0"/>
+          <a:chOff x="0" y="0"/>
+          <a:chExt cx="0" cy="0"/>
+        </a:xfrm>
+      </p:grpSpPr>
+      <p:sp>
+        <p:nvSpPr>
+          <p:cNvPr id="3" name="TextBox 2"/>
+          <p:cNvSpPr txBox="1"/>
+          <p:nvPr/>
+        </p:nvSpPr>
+        <p:spPr>
+          <a:xfrm>
+            <a:off x="603315" y="235670"/>
+            <a:ext cx="4364611" cy="461665"/>
+          </a:xfrm>
+          <a:prstGeom prst="rect">
+            <a:avLst/>
+          </a:prstGeom>
+          <a:noFill/>
+        </p:spPr>
+        <p:txBody>
+          <a:bodyPr wrap="square" rtlCol="0">
+            <a:spAutoFit/>
+          </a:bodyPr>
+          <a:lstStyle/>
+          <a:p>
+            <a:r>
+              <a:rPr lang="en-US" sz="2400" b="1" dirty="0">
+                <a:solidFill>
+                  <a:srgbClr val="002A85"/>
+                </a:solidFill>
+                <a:latin typeface="Noto Sans SC" pitchFamily="34" charset="0"/>
+                <a:ea typeface="Noto Sans SC" pitchFamily="34" charset="-122"/>
+              </a:rPr>
+              <a:t>Dataset</a:t>
+            </a:r>
+            <a:r>
+              <a:rPr lang="zh-CN" altLang="en-US" sz="2400" b="1" dirty="0">
+                <a:solidFill>
+                  <a:srgbClr val="002A85"/>
+                </a:solidFill>
+                <a:latin typeface="Noto Sans SC" pitchFamily="34" charset="0"/>
+                <a:ea typeface="Noto Sans SC" pitchFamily="34" charset="-122"/>
+              </a:rPr>
+              <a:t> </a:t>
+            </a:r>
+            <a:r>
+              <a:rPr lang="en-US" altLang="zh-CN" sz="2400" b="1" dirty="0">
+                <a:solidFill>
+                  <a:srgbClr val="002A85"/>
+                </a:solidFill>
+                <a:latin typeface="Noto Sans SC" pitchFamily="34" charset="0"/>
+                <a:ea typeface="Noto Sans SC" pitchFamily="34" charset="-122"/>
+              </a:rPr>
+              <a:t>description (continue)</a:t>
+            </a:r>
+            <a:endParaRPr lang="en-US" sz="2400" dirty="0"/>
+          </a:p>
+        </p:txBody>
+      </p:sp>
+      <p:pic>
+        <p:nvPicPr>
+          <p:cNvPr id="6" name="Picture 5"/>
+          <p:cNvPicPr>
+            <a:picLocks noChangeAspect="1"/>
+          </p:cNvPicPr>
+          <p:nvPr/>
+        </p:nvPicPr>
+        <p:blipFill>
+          <a:blip r:embed="rId2"/>
+          <a:stretch>
+            <a:fillRect/>
+          </a:stretch>
+        </p:blipFill>
+        <p:spPr>
+          <a:xfrm>
+            <a:off x="0" y="1009650"/>
+            <a:ext cx="9144000" cy="1456841"/>
+          </a:xfrm>
+          <a:prstGeom prst="rect">
+            <a:avLst/>
+          </a:prstGeom>
+        </p:spPr>
+      </p:pic>
+      <p:sp>
+        <p:nvSpPr>
+          <p:cNvPr id="7" name="Rectangle 6"/>
+          <p:cNvSpPr/>
+          <p:nvPr/>
+        </p:nvSpPr>
+        <p:spPr>
+          <a:xfrm>
+            <a:off x="768285" y="2630744"/>
+            <a:ext cx="7876094" cy="2030095"/>
+          </a:xfrm>
+          <a:prstGeom prst="rect">
+            <a:avLst/>
+          </a:prstGeom>
+        </p:spPr>
+        <p:txBody>
+          <a:bodyPr wrap="square">
+            <a:spAutoFit/>
+          </a:bodyPr>
+          <a:lstStyle/>
+          <a:p>
+            <a:pPr fontAlgn="base">
+              <a:buFont typeface="Arial" panose="020B0604020202020204" pitchFamily="34" charset="0"/>
+              <a:buChar char="•"/>
+            </a:pPr>
+            <a:r>
+              <a:rPr lang="en-US" dirty="0">
+                <a:solidFill>
+                  <a:srgbClr val="3C4043"/>
+                </a:solidFill>
+                <a:latin typeface="Arial" panose="020B0604020202020204" pitchFamily="34" charset="0"/>
+              </a:rPr>
+              <a:t> </a:t>
+            </a:r>
+            <a:r>
+              <a:rPr lang="en-US" dirty="0" err="1">
+                <a:solidFill>
+                  <a:srgbClr val="3C4043"/>
+                </a:solidFill>
+                <a:latin typeface="Arial" panose="020B0604020202020204" pitchFamily="34" charset="0"/>
+              </a:rPr>
+              <a:t>used_chip</a:t>
+            </a:r>
+            <a:r>
+              <a:rPr lang="en-US" dirty="0">
+                <a:solidFill>
+                  <a:srgbClr val="3C4043"/>
+                </a:solidFill>
+                <a:latin typeface="Arial" panose="020B0604020202020204" pitchFamily="34" charset="0"/>
+              </a:rPr>
+              <a:t>: Is the transaction through credit card chip?</a:t>
+            </a:r>
+          </a:p>
+          <a:p>
+            <a:pPr fontAlgn="base">
+              <a:buFont typeface="Arial" panose="020B0604020202020204" pitchFamily="34" charset="0"/>
+              <a:buChar char="•"/>
+            </a:pPr>
+            <a:endParaRPr lang="en-US" dirty="0">
+              <a:solidFill>
+                <a:srgbClr val="3C4043"/>
+              </a:solidFill>
+              <a:latin typeface="Arial" panose="020B0604020202020204" pitchFamily="34" charset="0"/>
+            </a:endParaRPr>
+          </a:p>
+          <a:p>
+            <a:pPr fontAlgn="base">
+              <a:buFont typeface="Arial" panose="020B0604020202020204" pitchFamily="34" charset="0"/>
+              <a:buChar char="•"/>
+            </a:pPr>
+            <a:r>
+              <a:rPr lang="en-US" dirty="0">
+                <a:solidFill>
+                  <a:srgbClr val="3C4043"/>
+                </a:solidFill>
+                <a:latin typeface="Arial" panose="020B0604020202020204" pitchFamily="34" charset="0"/>
+              </a:rPr>
+              <a:t> </a:t>
+            </a:r>
+            <a:r>
+              <a:rPr lang="en-US" dirty="0" err="1">
+                <a:solidFill>
+                  <a:srgbClr val="3C4043"/>
+                </a:solidFill>
+                <a:latin typeface="Arial" panose="020B0604020202020204" pitchFamily="34" charset="0"/>
+              </a:rPr>
+              <a:t>used_pin_number</a:t>
+            </a:r>
+            <a:r>
+              <a:rPr lang="en-US" dirty="0">
+                <a:solidFill>
+                  <a:srgbClr val="3C4043"/>
+                </a:solidFill>
+                <a:latin typeface="Arial" panose="020B0604020202020204" pitchFamily="34" charset="0"/>
+              </a:rPr>
+              <a:t> - Is the transaction happened by using PIN number?</a:t>
+            </a:r>
+          </a:p>
+          <a:p>
+            <a:pPr fontAlgn="base">
+              <a:buFont typeface="Arial" panose="020B0604020202020204" pitchFamily="34" charset="0"/>
+              <a:buChar char="•"/>
+            </a:pPr>
+            <a:endParaRPr lang="en-US" dirty="0">
+              <a:solidFill>
+                <a:srgbClr val="3C4043"/>
+              </a:solidFill>
+              <a:latin typeface="Arial" panose="020B0604020202020204" pitchFamily="34" charset="0"/>
+            </a:endParaRPr>
+          </a:p>
+          <a:p>
+            <a:pPr fontAlgn="base">
+              <a:buFont typeface="Arial" panose="020B0604020202020204" pitchFamily="34" charset="0"/>
+              <a:buChar char="•"/>
+            </a:pPr>
+            <a:r>
+              <a:rPr lang="en-US" dirty="0">
+                <a:solidFill>
+                  <a:srgbClr val="3C4043"/>
+                </a:solidFill>
+                <a:latin typeface="Arial" panose="020B0604020202020204" pitchFamily="34" charset="0"/>
+              </a:rPr>
+              <a:t> </a:t>
+            </a:r>
+            <a:r>
+              <a:rPr lang="en-US" dirty="0" err="1">
+                <a:solidFill>
+                  <a:srgbClr val="3C4043"/>
+                </a:solidFill>
+                <a:latin typeface="Arial" panose="020B0604020202020204" pitchFamily="34" charset="0"/>
+              </a:rPr>
+              <a:t>online_order</a:t>
+            </a:r>
+            <a:r>
+              <a:rPr lang="en-US" dirty="0">
+                <a:solidFill>
+                  <a:srgbClr val="3C4043"/>
+                </a:solidFill>
+                <a:latin typeface="Arial" panose="020B0604020202020204" pitchFamily="34" charset="0"/>
+              </a:rPr>
+              <a:t> - Is the transaction an online order?</a:t>
+            </a:r>
+          </a:p>
+          <a:p>
+            <a:pPr fontAlgn="base">
+              <a:buFont typeface="Arial" panose="020B0604020202020204" pitchFamily="34" charset="0"/>
+              <a:buChar char="•"/>
+            </a:pPr>
+            <a:endParaRPr lang="en-US" dirty="0">
+              <a:solidFill>
+                <a:srgbClr val="3C4043"/>
+              </a:solidFill>
+              <a:latin typeface="Arial" panose="020B0604020202020204" pitchFamily="34" charset="0"/>
+            </a:endParaRPr>
+          </a:p>
+          <a:p>
+            <a:pPr fontAlgn="base">
+              <a:buFont typeface="Arial" panose="020B0604020202020204" pitchFamily="34" charset="0"/>
+              <a:buChar char="•"/>
+            </a:pPr>
+            <a:r>
+              <a:rPr lang="en-US" dirty="0">
+                <a:solidFill>
+                  <a:srgbClr val="3C4043"/>
+                </a:solidFill>
+                <a:latin typeface="Arial" panose="020B0604020202020204" pitchFamily="34" charset="0"/>
+              </a:rPr>
+              <a:t> fraud - Is the transaction fraudulent.</a:t>
+            </a:r>
+          </a:p>
+        </p:txBody>
+      </p:sp>
+    </p:spTree>
+  </p:cSld>
+  <p:clrMapOvr>
+    <a:masterClrMapping/>
+  </p:clrMapOvr>
+</p:sld>
+</file>
+
+<file path=ppt/slides/slide5.xml><?xml version="1.0" encoding="utf-8"?>
+<p:sld xmlns:a="http://schemas.openxmlformats.org/drawingml/2006/main" xmlns:r="http://schemas.openxmlformats.org/officeDocument/2006/relationships" xmlns:p="http://schemas.openxmlformats.org/presentationml/2006/main">
+  <p:cSld>
+    <p:spTree>
+      <p:nvGrpSpPr>
+        <p:cNvPr id="1" name=""/>
+        <p:cNvGrpSpPr/>
+        <p:nvPr/>
+      </p:nvGrpSpPr>
+      <p:grpSpPr>
+        <a:xfrm>
+          <a:off x="0" y="0"/>
+          <a:ext cx="0" cy="0"/>
+          <a:chOff x="0" y="0"/>
+          <a:chExt cx="0" cy="0"/>
+        </a:xfrm>
+      </p:grpSpPr>
+      <p:sp>
+        <p:nvSpPr>
+          <p:cNvPr id="3" name="TextBox 2"/>
+          <p:cNvSpPr txBox="1"/>
+          <p:nvPr/>
+        </p:nvSpPr>
+        <p:spPr>
+          <a:xfrm>
+            <a:off x="603315" y="235670"/>
+            <a:ext cx="4364611" cy="461665"/>
+          </a:xfrm>
+          <a:prstGeom prst="rect">
+            <a:avLst/>
+          </a:prstGeom>
+          <a:noFill/>
+        </p:spPr>
+        <p:txBody>
+          <a:bodyPr wrap="square" rtlCol="0">
+            <a:spAutoFit/>
+          </a:bodyPr>
+          <a:lstStyle/>
+          <a:p>
+            <a:r>
+              <a:rPr lang="en-US" sz="2400" b="1" dirty="0">
+                <a:solidFill>
+                  <a:srgbClr val="002A85"/>
+                </a:solidFill>
+                <a:latin typeface="Noto Sans SC" pitchFamily="34" charset="0"/>
+                <a:ea typeface="Noto Sans SC" pitchFamily="34" charset="-122"/>
+              </a:rPr>
+              <a:t>EDA</a:t>
+            </a:r>
+            <a:endParaRPr lang="en-US" sz="2400" dirty="0"/>
+          </a:p>
+        </p:txBody>
+      </p:sp>
+      <p:sp>
+        <p:nvSpPr>
+          <p:cNvPr id="7" name="Rectangle 6"/>
+          <p:cNvSpPr/>
+          <p:nvPr/>
+        </p:nvSpPr>
+        <p:spPr>
+          <a:xfrm>
+            <a:off x="603315" y="1234738"/>
+            <a:ext cx="4932512" cy="4770537"/>
+          </a:xfrm>
+          <a:prstGeom prst="rect">
+            <a:avLst/>
+          </a:prstGeom>
+        </p:spPr>
+        <p:txBody>
+          <a:bodyPr wrap="square">
+            <a:spAutoFit/>
+          </a:bodyPr>
+          <a:lstStyle/>
+          <a:p>
+            <a:pPr rtl="0">
+              <a:spcBef>
+                <a:spcPts val="0"/>
+              </a:spcBef>
+              <a:spcAft>
+                <a:spcPts val="1200"/>
+              </a:spcAft>
+            </a:pPr>
+            <a:r>
+              <a:rPr lang="en-US" sz="1800" b="1" i="0" u="none" strike="noStrike" dirty="0">
+                <a:solidFill>
+                  <a:srgbClr val="595959"/>
+                </a:solidFill>
+                <a:effectLst/>
+                <a:latin typeface="Arial" panose="020B0604020202020204" pitchFamily="34" charset="0"/>
+              </a:rPr>
+              <a:t>&gt; dim(data)</a:t>
+            </a:r>
+            <a:endParaRPr lang="en-US" b="0" dirty="0">
+              <a:effectLst/>
+            </a:endParaRPr>
+          </a:p>
+          <a:p>
+            <a:pPr rtl="0">
+              <a:spcBef>
+                <a:spcPts val="0"/>
+              </a:spcBef>
+              <a:spcAft>
+                <a:spcPts val="1200"/>
+              </a:spcAft>
+            </a:pPr>
+            <a:r>
+              <a:rPr lang="en-US" sz="1800" b="1" i="0" u="none" strike="noStrike" dirty="0">
+                <a:solidFill>
+                  <a:srgbClr val="595959"/>
+                </a:solidFill>
+                <a:effectLst/>
+                <a:latin typeface="Arial" panose="020B0604020202020204" pitchFamily="34" charset="0"/>
+              </a:rPr>
+              <a:t>[1] 1000000       8</a:t>
+            </a:r>
+            <a:endParaRPr lang="en-US" b="0" dirty="0">
+              <a:effectLst/>
+            </a:endParaRPr>
+          </a:p>
+          <a:p>
+            <a:pPr rtl="0">
+              <a:spcBef>
+                <a:spcPts val="0"/>
+              </a:spcBef>
+              <a:spcAft>
+                <a:spcPts val="1200"/>
+              </a:spcAft>
+            </a:pPr>
+            <a:br>
+              <a:rPr lang="en-US" b="0" dirty="0">
+                <a:effectLst/>
+              </a:rPr>
+            </a:br>
+            <a:r>
+              <a:rPr lang="en-US" sz="1800" b="1" i="0" u="none" strike="noStrike" dirty="0">
+                <a:solidFill>
+                  <a:srgbClr val="595959"/>
+                </a:solidFill>
+                <a:effectLst/>
+                <a:latin typeface="Arial" panose="020B0604020202020204" pitchFamily="34" charset="0"/>
+              </a:rPr>
+              <a:t>&gt; sum(</a:t>
+            </a:r>
+            <a:r>
+              <a:rPr lang="en-US" sz="1800" b="1" i="0" u="none" strike="noStrike" dirty="0" err="1">
+                <a:solidFill>
+                  <a:srgbClr val="595959"/>
+                </a:solidFill>
+                <a:effectLst/>
+                <a:latin typeface="Arial" panose="020B0604020202020204" pitchFamily="34" charset="0"/>
+              </a:rPr>
+              <a:t>is.na</a:t>
+            </a:r>
+            <a:r>
+              <a:rPr lang="en-US" sz="1800" b="1" i="0" u="none" strike="noStrike" dirty="0">
+                <a:solidFill>
+                  <a:srgbClr val="595959"/>
+                </a:solidFill>
+                <a:effectLst/>
+                <a:latin typeface="Arial" panose="020B0604020202020204" pitchFamily="34" charset="0"/>
+              </a:rPr>
+              <a:t>(data)) </a:t>
+            </a:r>
+            <a:endParaRPr lang="en-US" b="0" dirty="0">
+              <a:effectLst/>
+            </a:endParaRPr>
+          </a:p>
+          <a:p>
+            <a:pPr rtl="0">
+              <a:spcBef>
+                <a:spcPts val="0"/>
+              </a:spcBef>
+              <a:spcAft>
+                <a:spcPts val="1200"/>
+              </a:spcAft>
+            </a:pPr>
+            <a:r>
+              <a:rPr lang="en-US" sz="1800" b="1" i="0" u="none" strike="noStrike" dirty="0">
+                <a:solidFill>
+                  <a:srgbClr val="595959"/>
+                </a:solidFill>
+                <a:effectLst/>
+                <a:latin typeface="Arial" panose="020B0604020202020204" pitchFamily="34" charset="0"/>
+              </a:rPr>
+              <a:t>[1] 0</a:t>
+            </a:r>
+            <a:endParaRPr lang="en-US" b="0" dirty="0">
+              <a:effectLst/>
+            </a:endParaRPr>
+          </a:p>
+          <a:p>
+            <a:pPr rtl="0">
+              <a:spcBef>
+                <a:spcPts val="0"/>
+              </a:spcBef>
+              <a:spcAft>
+                <a:spcPts val="1200"/>
+              </a:spcAft>
+            </a:pPr>
+            <a:endParaRPr lang="en-US" b="0" dirty="0">
+              <a:effectLst/>
+            </a:endParaRPr>
+          </a:p>
+          <a:p>
+            <a:pPr rtl="0">
+              <a:spcBef>
+                <a:spcPts val="0"/>
+              </a:spcBef>
+              <a:spcAft>
+                <a:spcPts val="1200"/>
+              </a:spcAft>
+            </a:pPr>
+            <a:endParaRPr lang="en-US" b="0" dirty="0">
+              <a:effectLst/>
+            </a:endParaRPr>
+          </a:p>
+          <a:p>
+            <a:pPr rtl="0">
+              <a:spcBef>
+                <a:spcPts val="0"/>
+              </a:spcBef>
+              <a:spcAft>
+                <a:spcPts val="1200"/>
+              </a:spcAft>
+            </a:pPr>
+            <a:br>
+              <a:rPr lang="en-US" b="0" dirty="0">
+                <a:effectLst/>
+              </a:rPr>
+            </a:br>
+            <a:r>
+              <a:rPr lang="en-US" sz="1800" b="1" i="0" u="none" strike="noStrike" dirty="0">
+                <a:solidFill>
+                  <a:srgbClr val="595959"/>
+                </a:solidFill>
+                <a:effectLst/>
+                <a:latin typeface="Arial" panose="020B0604020202020204" pitchFamily="34" charset="0"/>
+              </a:rPr>
+              <a:t># distribution and outliers in each feature</a:t>
+            </a:r>
+            <a:endParaRPr lang="en-US" b="0" dirty="0">
+              <a:effectLst/>
+            </a:endParaRPr>
+          </a:p>
+          <a:p>
+            <a:br>
+              <a:rPr lang="en-US" b="0" dirty="0">
+                <a:effectLst/>
+              </a:rPr>
+            </a:br>
+            <a:br>
+              <a:rPr lang="en-US" b="0" dirty="0">
+                <a:effectLst/>
+              </a:rPr>
+            </a:br>
+            <a:br>
+              <a:rPr lang="en-US" b="0" dirty="0">
+                <a:effectLst/>
+              </a:rPr>
+            </a:br>
+            <a:endParaRPr lang="en-US" dirty="0">
+              <a:solidFill>
+                <a:srgbClr val="3C4043"/>
+              </a:solidFill>
+              <a:latin typeface="Arial" panose="020B0604020202020204" pitchFamily="34" charset="0"/>
+            </a:endParaRPr>
+          </a:p>
+        </p:txBody>
+      </p:sp>
+      <p:pic>
+        <p:nvPicPr>
+          <p:cNvPr id="1026" name="Picture 2"/>
+          <p:cNvPicPr>
+            <a:picLocks noChangeAspect="1" noChangeArrowheads="1"/>
+          </p:cNvPicPr>
+          <p:nvPr/>
+        </p:nvPicPr>
+        <p:blipFill>
+          <a:blip r:embed="rId2">
+            <a:extLst>
+              <a:ext uri="{28A0092B-C50C-407E-A947-70E740481C1C}">
+                <a14:useLocalDpi xmlns:a14="http://schemas.microsoft.com/office/drawing/2010/main" val="0"/>
+              </a:ext>
+            </a:extLst>
+          </a:blip>
+          <a:srcRect/>
+          <a:stretch>
+            <a:fillRect/>
+          </a:stretch>
+        </p:blipFill>
+        <p:spPr bwMode="auto">
+          <a:xfrm>
+            <a:off x="4503608" y="974268"/>
+            <a:ext cx="4417970" cy="3411397"/>
+          </a:xfrm>
+          <a:prstGeom prst="rect">
+            <a:avLst/>
+          </a:prstGeom>
+          <a:noFill/>
+          <a:extLst>
+            <a:ext uri="{909E8E84-426E-40DD-AFC4-6F175D3DCCD1}">
+              <a14:hiddenFill xmlns:a14="http://schemas.microsoft.com/office/drawing/2010/main">
+                <a:solidFill>
+                  <a:srgbClr val="FFFFFF"/>
+                </a:solidFill>
+              </a14:hiddenFill>
+            </a:ext>
+          </a:extLst>
+        </p:spPr>
+      </p:pic>
+    </p:spTree>
+  </p:cSld>
+  <p:clrMapOvr>
+    <a:masterClrMapping/>
+  </p:clrMapOvr>
+</p:sld>
+</file>
+
+<file path=ppt/slides/slide6.xml><?xml version="1.0" encoding="utf-8"?>
+<p:sld xmlns:a="http://schemas.openxmlformats.org/drawingml/2006/main" xmlns:r="http://schemas.openxmlformats.org/officeDocument/2006/relationships" xmlns:p="http://schemas.openxmlformats.org/presentationml/2006/main">
+  <p:cSld>
+    <p:spTree>
+      <p:nvGrpSpPr>
+        <p:cNvPr id="1" name=""/>
+        <p:cNvGrpSpPr/>
+        <p:nvPr/>
+      </p:nvGrpSpPr>
+      <p:grpSpPr>
+        <a:xfrm>
+          <a:off x="0" y="0"/>
+          <a:ext cx="0" cy="0"/>
+          <a:chOff x="0" y="0"/>
+          <a:chExt cx="0" cy="0"/>
+        </a:xfrm>
+      </p:grpSpPr>
+      <p:sp>
+        <p:nvSpPr>
+          <p:cNvPr id="3" name="TextBox 2"/>
+          <p:cNvSpPr txBox="1"/>
+          <p:nvPr/>
+        </p:nvSpPr>
+        <p:spPr>
+          <a:xfrm>
+            <a:off x="603315" y="235670"/>
+            <a:ext cx="4364611" cy="461665"/>
+          </a:xfrm>
+          <a:prstGeom prst="rect">
+            <a:avLst/>
+          </a:prstGeom>
+          <a:noFill/>
+        </p:spPr>
+        <p:txBody>
+          <a:bodyPr wrap="square" rtlCol="0">
+            <a:spAutoFit/>
+          </a:bodyPr>
+          <a:lstStyle/>
+          <a:p>
+            <a:r>
+              <a:rPr lang="en-US" sz="2400" b="1" dirty="0">
+                <a:solidFill>
+                  <a:srgbClr val="002A85"/>
+                </a:solidFill>
+                <a:latin typeface="Noto Sans SC" pitchFamily="34" charset="0"/>
+                <a:ea typeface="Noto Sans SC" pitchFamily="34" charset="-122"/>
+              </a:rPr>
+              <a:t>EDA</a:t>
+            </a:r>
+            <a:r>
+              <a:rPr lang="zh-CN" altLang="en-US" sz="2400" b="1" dirty="0">
+                <a:solidFill>
+                  <a:srgbClr val="002A85"/>
+                </a:solidFill>
+                <a:latin typeface="Noto Sans SC" pitchFamily="34" charset="0"/>
+                <a:ea typeface="Noto Sans SC" pitchFamily="34" charset="-122"/>
+              </a:rPr>
+              <a:t>：</a:t>
+            </a:r>
+            <a:r>
+              <a:rPr lang="en-US" altLang="zh-CN" sz="2400" b="1" dirty="0">
+                <a:solidFill>
+                  <a:srgbClr val="002A85"/>
+                </a:solidFill>
+                <a:latin typeface="Noto Sans SC" pitchFamily="34" charset="0"/>
+                <a:ea typeface="Noto Sans SC" pitchFamily="34" charset="-122"/>
+              </a:rPr>
+              <a:t>Correlation</a:t>
+            </a:r>
+            <a:endParaRPr lang="en-US" sz="2400" dirty="0"/>
+          </a:p>
+        </p:txBody>
+      </p:sp>
+      <p:sp>
+        <p:nvSpPr>
+          <p:cNvPr id="7" name="Rectangle 6"/>
+          <p:cNvSpPr/>
+          <p:nvPr/>
+        </p:nvSpPr>
+        <p:spPr>
+          <a:xfrm>
+            <a:off x="4967926" y="1068513"/>
+            <a:ext cx="3863036" cy="4324261"/>
+          </a:xfrm>
+          <a:prstGeom prst="rect">
+            <a:avLst/>
+          </a:prstGeom>
+        </p:spPr>
+        <p:txBody>
+          <a:bodyPr wrap="square">
+            <a:spAutoFit/>
+          </a:bodyPr>
+          <a:lstStyle/>
+          <a:p>
+            <a:pPr rtl="0">
+              <a:spcBef>
+                <a:spcPts val="0"/>
+              </a:spcBef>
+              <a:spcAft>
+                <a:spcPts val="1200"/>
+              </a:spcAft>
+            </a:pPr>
+            <a:r>
+              <a:rPr lang="en-US" sz="1500" i="0" u="none" strike="noStrike" dirty="0">
+                <a:solidFill>
+                  <a:srgbClr val="595959"/>
+                </a:solidFill>
+                <a:effectLst/>
+                <a:latin typeface="Arial" panose="020B0604020202020204" pitchFamily="34" charset="0"/>
+              </a:rPr>
+              <a:t>There is a </a:t>
+            </a:r>
+            <a:r>
+              <a:rPr lang="en-US" sz="1500" b="1" i="0" u="none" strike="noStrike" dirty="0">
+                <a:solidFill>
+                  <a:srgbClr val="595959"/>
+                </a:solidFill>
+                <a:effectLst/>
+                <a:latin typeface="Arial" panose="020B0604020202020204" pitchFamily="34" charset="0"/>
+              </a:rPr>
+              <a:t>positive</a:t>
+            </a:r>
+            <a:r>
+              <a:rPr lang="en-US" sz="1500" i="0" u="none" strike="noStrike" dirty="0">
+                <a:solidFill>
+                  <a:srgbClr val="595959"/>
+                </a:solidFill>
+                <a:effectLst/>
+                <a:latin typeface="Arial" panose="020B0604020202020204" pitchFamily="34" charset="0"/>
+              </a:rPr>
+              <a:t> correlation with respect to the response variable "fraud" in the variables:</a:t>
+            </a:r>
+            <a:endParaRPr lang="en-US" sz="1500" dirty="0">
+              <a:effectLst/>
+            </a:endParaRPr>
+          </a:p>
+          <a:p>
+            <a:pPr rtl="0" fontAlgn="base">
+              <a:spcBef>
+                <a:spcPts val="0"/>
+              </a:spcBef>
+              <a:spcAft>
+                <a:spcPts val="0"/>
+              </a:spcAft>
+              <a:buFont typeface="Arial" panose="020B0604020202020204" pitchFamily="34" charset="0"/>
+              <a:buChar char="•"/>
+            </a:pPr>
+            <a:r>
+              <a:rPr lang="zh-CN" altLang="en-US" sz="1500" i="0" u="none" strike="noStrike" dirty="0">
+                <a:solidFill>
+                  <a:srgbClr val="595959"/>
+                </a:solidFill>
+                <a:effectLst/>
+                <a:latin typeface="Arial" panose="020B0604020202020204" pitchFamily="34" charset="0"/>
+              </a:rPr>
+              <a:t>  </a:t>
+            </a:r>
+            <a:r>
+              <a:rPr lang="en-US" sz="1500" i="0" u="none" strike="noStrike" dirty="0" err="1">
+                <a:solidFill>
+                  <a:srgbClr val="595959"/>
+                </a:solidFill>
+                <a:effectLst/>
+                <a:latin typeface="Arial" panose="020B0604020202020204" pitchFamily="34" charset="0"/>
+              </a:rPr>
+              <a:t>ratio_to_median_purchase_price</a:t>
+            </a:r>
+            <a:endParaRPr lang="en-US" sz="1500" i="0" u="none" strike="noStrike" dirty="0">
+              <a:solidFill>
+                <a:srgbClr val="595959"/>
+              </a:solidFill>
+              <a:effectLst/>
+              <a:latin typeface="Arial" panose="020B0604020202020204" pitchFamily="34" charset="0"/>
+            </a:endParaRPr>
+          </a:p>
+          <a:p>
+            <a:pPr rtl="0" fontAlgn="base">
+              <a:spcBef>
+                <a:spcPts val="0"/>
+              </a:spcBef>
+              <a:spcAft>
+                <a:spcPts val="0"/>
+              </a:spcAft>
+              <a:buFont typeface="Arial" panose="020B0604020202020204" pitchFamily="34" charset="0"/>
+              <a:buChar char="•"/>
+            </a:pPr>
+            <a:r>
+              <a:rPr lang="zh-CN" altLang="en-US" sz="1500" i="0" u="none" strike="noStrike" dirty="0">
+                <a:solidFill>
+                  <a:srgbClr val="595959"/>
+                </a:solidFill>
+                <a:effectLst/>
+                <a:latin typeface="Arial" panose="020B0604020202020204" pitchFamily="34" charset="0"/>
+              </a:rPr>
+              <a:t>  </a:t>
+            </a:r>
+            <a:r>
+              <a:rPr lang="en-US" sz="1500" i="0" u="none" strike="noStrike" dirty="0" err="1">
+                <a:solidFill>
+                  <a:srgbClr val="595959"/>
+                </a:solidFill>
+                <a:effectLst/>
+                <a:latin typeface="Arial" panose="020B0604020202020204" pitchFamily="34" charset="0"/>
+              </a:rPr>
+              <a:t>distance_from_home</a:t>
+            </a:r>
+            <a:endParaRPr lang="en-US" sz="1500" i="0" u="none" strike="noStrike" dirty="0">
+              <a:solidFill>
+                <a:srgbClr val="595959"/>
+              </a:solidFill>
+              <a:effectLst/>
+              <a:latin typeface="Arial" panose="020B0604020202020204" pitchFamily="34" charset="0"/>
+            </a:endParaRPr>
+          </a:p>
+          <a:p>
+            <a:pPr rtl="0" fontAlgn="base">
+              <a:spcBef>
+                <a:spcPts val="0"/>
+              </a:spcBef>
+              <a:spcAft>
+                <a:spcPts val="1200"/>
+              </a:spcAft>
+              <a:buFont typeface="Arial" panose="020B0604020202020204" pitchFamily="34" charset="0"/>
+              <a:buChar char="•"/>
+            </a:pPr>
+            <a:r>
+              <a:rPr lang="zh-CN" altLang="en-US" sz="1500" i="0" u="none" strike="noStrike" dirty="0">
+                <a:solidFill>
+                  <a:srgbClr val="595959"/>
+                </a:solidFill>
+                <a:effectLst/>
+                <a:latin typeface="Arial" panose="020B0604020202020204" pitchFamily="34" charset="0"/>
+              </a:rPr>
+              <a:t>  </a:t>
+            </a:r>
+            <a:r>
+              <a:rPr lang="en-US" sz="1500" i="0" u="none" strike="noStrike" dirty="0" err="1">
+                <a:solidFill>
+                  <a:srgbClr val="595959"/>
+                </a:solidFill>
+                <a:effectLst/>
+                <a:latin typeface="Arial" panose="020B0604020202020204" pitchFamily="34" charset="0"/>
+              </a:rPr>
+              <a:t>online_order</a:t>
+            </a:r>
+            <a:endParaRPr lang="en-US" sz="1500" i="0" u="none" strike="noStrike" dirty="0">
+              <a:solidFill>
+                <a:srgbClr val="595959"/>
+              </a:solidFill>
+              <a:effectLst/>
+              <a:latin typeface="Arial" panose="020B0604020202020204" pitchFamily="34" charset="0"/>
+            </a:endParaRPr>
+          </a:p>
+          <a:p>
+            <a:pPr rtl="0" fontAlgn="base">
+              <a:spcBef>
+                <a:spcPts val="0"/>
+              </a:spcBef>
+              <a:spcAft>
+                <a:spcPts val="1200"/>
+              </a:spcAft>
+            </a:pPr>
+            <a:endParaRPr lang="en-US" sz="1500" i="0" u="none" strike="noStrike" dirty="0">
+              <a:solidFill>
+                <a:srgbClr val="595959"/>
+              </a:solidFill>
+              <a:effectLst/>
+              <a:latin typeface="Arial" panose="020B0604020202020204" pitchFamily="34" charset="0"/>
+            </a:endParaRPr>
+          </a:p>
+          <a:p>
+            <a:pPr rtl="0">
+              <a:spcBef>
+                <a:spcPts val="0"/>
+              </a:spcBef>
+              <a:spcAft>
+                <a:spcPts val="1200"/>
+              </a:spcAft>
+            </a:pPr>
+            <a:r>
+              <a:rPr lang="en-US" sz="1500" i="0" u="none" strike="noStrike" dirty="0">
+                <a:solidFill>
+                  <a:srgbClr val="595959"/>
+                </a:solidFill>
+                <a:effectLst/>
+                <a:latin typeface="Arial" panose="020B0604020202020204" pitchFamily="34" charset="0"/>
+              </a:rPr>
+              <a:t>And a </a:t>
+            </a:r>
+            <a:r>
+              <a:rPr lang="en-US" sz="1500" b="1" i="0" u="none" strike="noStrike" dirty="0">
+                <a:solidFill>
+                  <a:srgbClr val="595959"/>
+                </a:solidFill>
+                <a:effectLst/>
+                <a:latin typeface="Arial" panose="020B0604020202020204" pitchFamily="34" charset="0"/>
+              </a:rPr>
+              <a:t>negative</a:t>
+            </a:r>
+            <a:r>
+              <a:rPr lang="en-US" sz="1500" i="0" u="none" strike="noStrike" dirty="0">
+                <a:solidFill>
+                  <a:srgbClr val="595959"/>
+                </a:solidFill>
+                <a:effectLst/>
+                <a:latin typeface="Arial" panose="020B0604020202020204" pitchFamily="34" charset="0"/>
+              </a:rPr>
+              <a:t> relationship with:</a:t>
+            </a:r>
+            <a:endParaRPr lang="en-US" sz="1500" dirty="0">
+              <a:effectLst/>
+            </a:endParaRPr>
+          </a:p>
+          <a:p>
+            <a:pPr rtl="0" fontAlgn="base">
+              <a:spcBef>
+                <a:spcPts val="0"/>
+              </a:spcBef>
+              <a:spcAft>
+                <a:spcPts val="1200"/>
+              </a:spcAft>
+              <a:buFont typeface="Arial" panose="020B0604020202020204" pitchFamily="34" charset="0"/>
+              <a:buChar char="•"/>
+            </a:pPr>
+            <a:r>
+              <a:rPr lang="zh-CN" altLang="en-US" sz="1500" i="0" u="none" strike="noStrike" dirty="0">
+                <a:solidFill>
+                  <a:srgbClr val="595959"/>
+                </a:solidFill>
+                <a:effectLst/>
+                <a:latin typeface="Arial" panose="020B0604020202020204" pitchFamily="34" charset="0"/>
+              </a:rPr>
+              <a:t>  </a:t>
+            </a:r>
+            <a:r>
+              <a:rPr lang="en-US" sz="1500" i="0" u="none" strike="noStrike" dirty="0" err="1">
+                <a:solidFill>
+                  <a:srgbClr val="595959"/>
+                </a:solidFill>
+                <a:effectLst/>
+                <a:latin typeface="Arial" panose="020B0604020202020204" pitchFamily="34" charset="0"/>
+              </a:rPr>
+              <a:t>used_pin_number</a:t>
+            </a:r>
+            <a:endParaRPr lang="en-US" sz="1500" i="0" u="none" strike="noStrike" dirty="0">
+              <a:solidFill>
+                <a:srgbClr val="595959"/>
+              </a:solidFill>
+              <a:effectLst/>
+              <a:latin typeface="Arial" panose="020B0604020202020204" pitchFamily="34" charset="0"/>
+            </a:endParaRPr>
+          </a:p>
+          <a:p>
+            <a:br>
+              <a:rPr lang="en-US" sz="1500" b="0" dirty="0">
+                <a:effectLst/>
+              </a:rPr>
+            </a:br>
+            <a:br>
+              <a:rPr lang="en-US" sz="1500" b="0" dirty="0">
+                <a:effectLst/>
+              </a:rPr>
+            </a:br>
+            <a:br>
+              <a:rPr lang="en-US" sz="1500" b="0" dirty="0">
+                <a:effectLst/>
+              </a:rPr>
+            </a:br>
+            <a:br>
+              <a:rPr lang="en-US" sz="1500" b="0" dirty="0">
+                <a:effectLst/>
+              </a:rPr>
+            </a:br>
+            <a:br>
+              <a:rPr lang="en-US" sz="1500" b="0" dirty="0">
+                <a:effectLst/>
+              </a:rPr>
+            </a:br>
+            <a:endParaRPr lang="en-US" sz="1500" dirty="0">
+              <a:solidFill>
+                <a:srgbClr val="3C4043"/>
+              </a:solidFill>
+              <a:latin typeface="Arial" panose="020B0604020202020204" pitchFamily="34" charset="0"/>
+            </a:endParaRPr>
+          </a:p>
+        </p:txBody>
+      </p:sp>
+      <p:pic>
+        <p:nvPicPr>
+          <p:cNvPr id="2050" name="Picture 2"/>
+          <p:cNvPicPr>
+            <a:picLocks noChangeAspect="1" noChangeArrowheads="1"/>
+          </p:cNvPicPr>
+          <p:nvPr/>
+        </p:nvPicPr>
+        <p:blipFill>
+          <a:blip r:embed="rId2">
+            <a:extLst>
+              <a:ext uri="{28A0092B-C50C-407E-A947-70E740481C1C}">
+                <a14:useLocalDpi xmlns:a14="http://schemas.microsoft.com/office/drawing/2010/main" val="0"/>
+              </a:ext>
+            </a:extLst>
+          </a:blip>
+          <a:srcRect/>
+          <a:stretch>
+            <a:fillRect/>
+          </a:stretch>
+        </p:blipFill>
+        <p:spPr bwMode="auto">
+          <a:xfrm>
+            <a:off x="445588" y="1382160"/>
+            <a:ext cx="4221127" cy="3093520"/>
+          </a:xfrm>
+          <a:prstGeom prst="rect">
+            <a:avLst/>
+          </a:prstGeom>
+          <a:noFill/>
+          <a:extLst>
+            <a:ext uri="{909E8E84-426E-40DD-AFC4-6F175D3DCCD1}">
+              <a14:hiddenFill xmlns:a14="http://schemas.microsoft.com/office/drawing/2010/main">
+                <a:solidFill>
+                  <a:srgbClr val="FFFFFF"/>
+                </a:solidFill>
+              </a14:hiddenFill>
+            </a:ext>
+          </a:extLst>
+        </p:spPr>
+      </p:pic>
+    </p:spTree>
+  </p:cSld>
+  <p:clrMapOvr>
+    <a:masterClrMapping/>
+  </p:clrMapOvr>
+</p:sld>
+</file>
+
+<file path=ppt/slides/slide7.xml><?xml version="1.0" encoding="utf-8"?>
+<p:sld xmlns:a="http://schemas.openxmlformats.org/drawingml/2006/main" xmlns:r="http://schemas.openxmlformats.org/officeDocument/2006/relationships" xmlns:p="http://schemas.openxmlformats.org/presentationml/2006/main">
+  <p:cSld>
+    <p:spTree>
+      <p:nvGrpSpPr>
+        <p:cNvPr id="1" name=""/>
+        <p:cNvGrpSpPr/>
+        <p:nvPr/>
+      </p:nvGrpSpPr>
+      <p:grpSpPr>
+        <a:xfrm>
+          <a:off x="0" y="0"/>
+          <a:ext cx="0" cy="0"/>
+          <a:chOff x="0" y="0"/>
+          <a:chExt cx="0" cy="0"/>
+        </a:xfrm>
+      </p:grpSpPr>
+      <p:sp>
+        <p:nvSpPr>
+          <p:cNvPr id="3" name="TextBox 2"/>
+          <p:cNvSpPr txBox="1"/>
+          <p:nvPr/>
+        </p:nvSpPr>
+        <p:spPr>
+          <a:xfrm>
+            <a:off x="603315" y="235670"/>
+            <a:ext cx="4364611" cy="461665"/>
+          </a:xfrm>
+          <a:prstGeom prst="rect">
+            <a:avLst/>
+          </a:prstGeom>
+          <a:noFill/>
+        </p:spPr>
+        <p:txBody>
+          <a:bodyPr wrap="square" rtlCol="0">
+            <a:spAutoFit/>
+          </a:bodyPr>
+          <a:lstStyle/>
+          <a:p>
+            <a:r>
+              <a:rPr lang="en-US" sz="2400" b="1" dirty="0">
+                <a:solidFill>
+                  <a:srgbClr val="002A85"/>
+                </a:solidFill>
+                <a:latin typeface="Noto Sans SC" pitchFamily="34" charset="0"/>
+                <a:ea typeface="Noto Sans SC" pitchFamily="34" charset="-122"/>
+              </a:rPr>
+              <a:t>EDA</a:t>
+            </a:r>
+            <a:r>
+              <a:rPr lang="zh-CN" altLang="en-US" sz="2400" b="1" dirty="0">
+                <a:solidFill>
+                  <a:srgbClr val="002A85"/>
+                </a:solidFill>
+                <a:latin typeface="Noto Sans SC" pitchFamily="34" charset="0"/>
+                <a:ea typeface="Noto Sans SC" pitchFamily="34" charset="-122"/>
+              </a:rPr>
+              <a:t>：</a:t>
+            </a:r>
+            <a:r>
+              <a:rPr lang="en-US" altLang="zh-CN" sz="2400" b="1" dirty="0">
+                <a:solidFill>
+                  <a:srgbClr val="002A85"/>
+                </a:solidFill>
+                <a:latin typeface="Noto Sans SC" pitchFamily="34" charset="0"/>
+                <a:ea typeface="Noto Sans SC" pitchFamily="34" charset="-122"/>
+              </a:rPr>
+              <a:t>Imbalance</a:t>
+            </a:r>
+            <a:endParaRPr lang="en-US" sz="2400" dirty="0"/>
+          </a:p>
+        </p:txBody>
+      </p:sp>
+      <p:sp>
+        <p:nvSpPr>
+          <p:cNvPr id="7" name="Rectangle 6"/>
+          <p:cNvSpPr/>
+          <p:nvPr/>
+        </p:nvSpPr>
+        <p:spPr>
+          <a:xfrm>
+            <a:off x="5354595" y="1151825"/>
+            <a:ext cx="3421590" cy="3170099"/>
+          </a:xfrm>
+          <a:prstGeom prst="rect">
+            <a:avLst/>
+          </a:prstGeom>
+        </p:spPr>
+        <p:txBody>
+          <a:bodyPr wrap="square">
+            <a:spAutoFit/>
+          </a:bodyPr>
+          <a:lstStyle/>
+          <a:p>
+            <a:pPr rtl="0" fontAlgn="base">
+              <a:spcBef>
+                <a:spcPts val="0"/>
+              </a:spcBef>
+              <a:spcAft>
+                <a:spcPts val="1200"/>
+              </a:spcAft>
+              <a:buFont typeface="Arial" panose="020B0604020202020204" pitchFamily="34" charset="0"/>
+              <a:buChar char="•"/>
+            </a:pPr>
+            <a:r>
+              <a:rPr lang="zh-CN" altLang="en-US" sz="1800" b="0" i="0" u="none" strike="noStrike" dirty="0">
+                <a:solidFill>
+                  <a:srgbClr val="595959"/>
+                </a:solidFill>
+                <a:effectLst/>
+                <a:latin typeface="Arial" panose="020B0604020202020204" pitchFamily="34" charset="0"/>
+              </a:rPr>
+              <a:t> </a:t>
+            </a:r>
+            <a:r>
+              <a:rPr lang="en-US" sz="1800" b="0" i="0" u="none" strike="noStrike" dirty="0">
+                <a:solidFill>
+                  <a:srgbClr val="595959"/>
+                </a:solidFill>
+                <a:effectLst/>
+                <a:latin typeface="Arial" panose="020B0604020202020204" pitchFamily="34" charset="0"/>
+              </a:rPr>
+              <a:t>Around 91% of the transactions are not fraud and 9% are fraud.</a:t>
+            </a:r>
+          </a:p>
+          <a:p>
+            <a:pPr rtl="0" fontAlgn="base">
+              <a:spcBef>
+                <a:spcPts val="0"/>
+              </a:spcBef>
+              <a:spcAft>
+                <a:spcPts val="1200"/>
+              </a:spcAft>
+            </a:pPr>
+            <a:endParaRPr lang="en-US" sz="1800" b="0" i="0" u="none" strike="noStrike" dirty="0">
+              <a:solidFill>
+                <a:srgbClr val="595959"/>
+              </a:solidFill>
+              <a:effectLst/>
+              <a:latin typeface="Arial" panose="020B0604020202020204" pitchFamily="34" charset="0"/>
+            </a:endParaRPr>
+          </a:p>
+          <a:p>
+            <a:pPr rtl="0" fontAlgn="base">
+              <a:spcBef>
+                <a:spcPts val="0"/>
+              </a:spcBef>
+              <a:spcAft>
+                <a:spcPts val="1200"/>
+              </a:spcAft>
+              <a:buFont typeface="Arial" panose="020B0604020202020204" pitchFamily="34" charset="0"/>
+              <a:buChar char="•"/>
+            </a:pPr>
+            <a:r>
+              <a:rPr lang="zh-CN" altLang="en-US" sz="1800" i="0" u="none" strike="noStrike" dirty="0">
+                <a:solidFill>
+                  <a:srgbClr val="595959"/>
+                </a:solidFill>
+                <a:latin typeface="Arial" panose="020B0604020202020204" pitchFamily="34" charset="0"/>
+              </a:rPr>
+              <a:t> </a:t>
+            </a:r>
+            <a:r>
+              <a:rPr lang="en-US" sz="1800" b="0" i="0" u="none" strike="noStrike" dirty="0">
+                <a:solidFill>
+                  <a:srgbClr val="595959"/>
+                </a:solidFill>
+                <a:effectLst/>
+                <a:latin typeface="Arial" panose="020B0604020202020204" pitchFamily="34" charset="0"/>
+              </a:rPr>
+              <a:t>There imbalance suggests adapting performance metrics like </a:t>
+            </a:r>
+            <a:r>
+              <a:rPr lang="en-US" sz="1800" b="1" i="0" u="none" strike="noStrike" dirty="0">
+                <a:solidFill>
+                  <a:srgbClr val="595959"/>
+                </a:solidFill>
+                <a:effectLst/>
+                <a:latin typeface="Arial" panose="020B0604020202020204" pitchFamily="34" charset="0"/>
+              </a:rPr>
+              <a:t>"true positive rate", "precision" </a:t>
+            </a:r>
+            <a:r>
+              <a:rPr lang="en-US" sz="1800" b="0" i="0" u="none" strike="noStrike" dirty="0">
+                <a:solidFill>
+                  <a:srgbClr val="595959"/>
+                </a:solidFill>
+                <a:effectLst/>
+                <a:latin typeface="Arial" panose="020B0604020202020204" pitchFamily="34" charset="0"/>
+              </a:rPr>
+              <a:t>instead of "</a:t>
+            </a:r>
+            <a:r>
+              <a:rPr lang="en-US" sz="1800" b="0" i="0" u="none" strike="noStrike" dirty="0" err="1">
+                <a:solidFill>
+                  <a:srgbClr val="595959"/>
+                </a:solidFill>
+                <a:effectLst/>
+                <a:latin typeface="Arial" panose="020B0604020202020204" pitchFamily="34" charset="0"/>
+              </a:rPr>
+              <a:t>accurary</a:t>
+            </a:r>
+            <a:r>
+              <a:rPr lang="en-US" sz="1800" b="0" i="0" u="none" strike="noStrike" dirty="0">
+                <a:solidFill>
+                  <a:srgbClr val="595959"/>
+                </a:solidFill>
+                <a:effectLst/>
+                <a:latin typeface="Arial" panose="020B0604020202020204" pitchFamily="34" charset="0"/>
+              </a:rPr>
+              <a:t>" to assess the ML model. </a:t>
+            </a:r>
+          </a:p>
+        </p:txBody>
+      </p:sp>
+      <p:pic>
+        <p:nvPicPr>
+          <p:cNvPr id="3074" name="Picture 2"/>
+          <p:cNvPicPr>
+            <a:picLocks noChangeAspect="1" noChangeArrowheads="1"/>
+          </p:cNvPicPr>
+          <p:nvPr/>
+        </p:nvPicPr>
+        <p:blipFill>
+          <a:blip r:embed="rId2">
+            <a:extLst>
+              <a:ext uri="{28A0092B-C50C-407E-A947-70E740481C1C}">
+                <a14:useLocalDpi xmlns:a14="http://schemas.microsoft.com/office/drawing/2010/main" val="0"/>
+              </a:ext>
+            </a:extLst>
+          </a:blip>
+          <a:srcRect/>
+          <a:stretch>
+            <a:fillRect/>
+          </a:stretch>
+        </p:blipFill>
+        <p:spPr bwMode="auto">
+          <a:xfrm>
+            <a:off x="508784" y="1151825"/>
+            <a:ext cx="4459142" cy="3416321"/>
+          </a:xfrm>
+          <a:prstGeom prst="rect">
+            <a:avLst/>
+          </a:prstGeom>
+          <a:noFill/>
+          <a:extLst>
+            <a:ext uri="{909E8E84-426E-40DD-AFC4-6F175D3DCCD1}">
+              <a14:hiddenFill xmlns:a14="http://schemas.microsoft.com/office/drawing/2010/main">
+                <a:solidFill>
+                  <a:srgbClr val="FFFFFF"/>
+                </a:solidFill>
+              </a14:hiddenFill>
+            </a:ext>
+          </a:extLst>
+        </p:spPr>
+      </p:pic>
+    </p:spTree>
+  </p:cSld>
+  <p:clrMapOvr>
+    <a:masterClrMapping/>
+  </p:clrMapOvr>
+</p:sld>
+</file>
+
+<file path=ppt/slides/slide8.xml><?xml version="1.0" encoding="utf-8"?>
+<p:sld xmlns:a="http://schemas.openxmlformats.org/drawingml/2006/main" xmlns:r="http://schemas.openxmlformats.org/officeDocument/2006/relationships" xmlns:p="http://schemas.openxmlformats.org/presentationml/2006/main">
+  <p:cSld>
+    <p:spTree>
+      <p:nvGrpSpPr>
+        <p:cNvPr id="1" name=""/>
+        <p:cNvGrpSpPr/>
+        <p:nvPr/>
+      </p:nvGrpSpPr>
+      <p:grpSpPr>
+        <a:xfrm>
+          <a:off x="0" y="0"/>
+          <a:ext cx="0" cy="0"/>
+          <a:chOff x="0" y="0"/>
+          <a:chExt cx="0" cy="0"/>
+        </a:xfrm>
+      </p:grpSpPr>
+      <p:sp>
+        <p:nvSpPr>
+          <p:cNvPr id="2" name="Shape 0"/>
+          <p:cNvSpPr/>
+          <p:nvPr/>
+        </p:nvSpPr>
+        <p:spPr>
+          <a:xfrm>
+            <a:off x="0" y="457200"/>
+            <a:ext cx="4019550" cy="233363"/>
+          </a:xfrm>
+          <a:prstGeom prst="rect">
+            <a:avLst/>
+          </a:prstGeom>
+          <a:solidFill>
+            <a:srgbClr val="A5DDFF"/>
+          </a:solidFill>
+        </p:spPr>
+        <p:txBody>
+          <a:bodyPr/>
+          <a:lstStyle/>
+          <a:p>
+            <a:endParaRPr lang="zh-CN" altLang="en-US"/>
+          </a:p>
+        </p:txBody>
+      </p:sp>
+      <p:sp>
+        <p:nvSpPr>
+          <p:cNvPr id="3" name="Text 1"/>
+          <p:cNvSpPr/>
+          <p:nvPr/>
+        </p:nvSpPr>
+        <p:spPr>
+          <a:xfrm>
+            <a:off x="762000" y="138113"/>
+            <a:ext cx="8130540" cy="552450"/>
+          </a:xfrm>
+          <a:prstGeom prst="rect">
+            <a:avLst/>
+          </a:prstGeom>
+          <a:noFill/>
+        </p:spPr>
+        <p:txBody>
+          <a:bodyPr wrap="square" rtlCol="0" anchor="ctr"/>
+          <a:lstStyle/>
+          <a:p>
+            <a:pPr marL="0" indent="0">
+              <a:buNone/>
+            </a:pPr>
+            <a:r>
+              <a:rPr lang="en-US" sz="2630" b="1" dirty="0">
+                <a:solidFill>
+                  <a:srgbClr val="002A85"/>
+                </a:solidFill>
+                <a:latin typeface="Noto Sans SC" pitchFamily="34" charset="0"/>
+                <a:ea typeface="Noto Sans SC" pitchFamily="34" charset="-122"/>
+                <a:cs typeface="Noto Sans SC" pitchFamily="34" charset="-120"/>
+              </a:rPr>
+              <a:t>Techniques for Balancing Data</a:t>
+            </a:r>
+          </a:p>
+        </p:txBody>
+      </p:sp>
+      <p:sp>
+        <p:nvSpPr>
+          <p:cNvPr id="4" name="Text 2"/>
+          <p:cNvSpPr/>
+          <p:nvPr/>
+        </p:nvSpPr>
+        <p:spPr>
+          <a:xfrm>
+            <a:off x="762000" y="589093"/>
+            <a:ext cx="7715250" cy="4010878"/>
+          </a:xfrm>
+          <a:prstGeom prst="rect">
+            <a:avLst/>
+          </a:prstGeom>
+          <a:noFill/>
+        </p:spPr>
+        <p:txBody>
+          <a:bodyPr wrap="square" rtlCol="0" anchor="t"/>
+          <a:lstStyle/>
+          <a:p>
+            <a:pPr algn="l">
+              <a:lnSpc>
+                <a:spcPct val="150000"/>
+              </a:lnSpc>
+              <a:buSzPct val="100000"/>
+            </a:pPr>
+            <a:endParaRPr lang="en-US" sz="1680" dirty="0">
+              <a:solidFill>
+                <a:srgbClr val="383838"/>
+              </a:solidFill>
+              <a:latin typeface="Noto Sans SC" pitchFamily="34" charset="0"/>
+              <a:ea typeface="Noto Sans SC" pitchFamily="34" charset="-122"/>
+            </a:endParaRPr>
+          </a:p>
+          <a:p>
+            <a:pPr algn="l">
+              <a:lnSpc>
+                <a:spcPct val="150000"/>
+              </a:lnSpc>
+              <a:buSzPct val="100000"/>
+            </a:pPr>
+            <a:endParaRPr lang="en-US" sz="1680" dirty="0"/>
+          </a:p>
+          <a:p>
+            <a:pPr algn="l">
+              <a:lnSpc>
+                <a:spcPct val="150000"/>
+              </a:lnSpc>
+              <a:buSzPct val="100000"/>
+            </a:pPr>
+            <a:endParaRPr lang="en-US" sz="1680" dirty="0"/>
+          </a:p>
+        </p:txBody>
+      </p:sp>
+      <p:sp>
+        <p:nvSpPr>
+          <p:cNvPr id="5" name="文本框 4"/>
+          <p:cNvSpPr txBox="1"/>
+          <p:nvPr/>
+        </p:nvSpPr>
+        <p:spPr>
+          <a:xfrm>
+            <a:off x="666749" y="886464"/>
+            <a:ext cx="7715251" cy="3539430"/>
+          </a:xfrm>
+          <a:prstGeom prst="rect">
+            <a:avLst/>
+          </a:prstGeom>
+          <a:noFill/>
+        </p:spPr>
+        <p:txBody>
+          <a:bodyPr wrap="square" rtlCol="0">
+            <a:spAutoFit/>
+          </a:bodyPr>
+          <a:lstStyle/>
+          <a:p>
+            <a:r>
+              <a:rPr lang="en-US" altLang="zh-CN" sz="1600" b="1" dirty="0"/>
+              <a:t>Stratified Sampling: </a:t>
+            </a:r>
+            <a:r>
+              <a:rPr lang="en-US" altLang="zh-CN" sz="1600" dirty="0"/>
+              <a:t>Stratified sampling is used to ensure that each subset of your data (training, validation, and test sets) has a similar proportion of fraudulent and non-fraudulent transactions as in the original dataset.</a:t>
+            </a:r>
+          </a:p>
+          <a:p>
+            <a:endParaRPr lang="en-US" altLang="zh-CN" sz="1600" dirty="0"/>
+          </a:p>
+          <a:p>
+            <a:r>
+              <a:rPr lang="en-US" altLang="zh-CN" sz="1600" dirty="0"/>
+              <a:t>In the Credit-card-fraud dataset, where 8.74% of 1,000,000 transactions are fraudulent, stratified sampling will maintain this ratio in each data split to avoid bias towards the majority class.</a:t>
+            </a:r>
+          </a:p>
+          <a:p>
+            <a:endParaRPr lang="en-US" altLang="zh-CN" sz="1600" dirty="0"/>
+          </a:p>
+          <a:p>
+            <a:r>
+              <a:rPr lang="en-US" altLang="zh-CN" sz="1600" b="1" dirty="0"/>
+              <a:t>Over Sampling: </a:t>
+            </a:r>
+            <a:r>
+              <a:rPr lang="en-US" altLang="zh-CN" sz="1600" dirty="0"/>
+              <a:t>Over Sampling is a technique to balance an imbalanced dataset by increasing the number of instances in the underrepresented class, which is the fraudulent transactions. We are going to apply Over Sampling in the following approach:</a:t>
+            </a:r>
+          </a:p>
+          <a:p>
+            <a:endParaRPr lang="en-US" altLang="zh-CN" sz="1600" dirty="0"/>
+          </a:p>
+          <a:p>
+            <a:pPr marL="742950" lvl="1" indent="-285750">
+              <a:buFont typeface="Arial" panose="020B0604020202020204" pitchFamily="34" charset="0"/>
+              <a:buChar char="•"/>
+            </a:pPr>
+            <a:r>
+              <a:rPr lang="en-US" altLang="zh-CN" sz="1600" dirty="0"/>
+              <a:t>Duplicate existing data</a:t>
+            </a:r>
+          </a:p>
+          <a:p>
+            <a:pPr marL="742950" lvl="1" indent="-285750">
+              <a:buFont typeface="Arial" panose="020B0604020202020204" pitchFamily="34" charset="0"/>
+              <a:buChar char="•"/>
+            </a:pPr>
+            <a:r>
+              <a:rPr lang="en-US" altLang="zh-CN" sz="1600" dirty="0"/>
+              <a:t>Synthetic Minority Over-sampling Technique (SMOTE)</a:t>
+            </a:r>
+          </a:p>
+        </p:txBody>
+      </p:sp>
+    </p:spTree>
+    <p:extLst>
+      <p:ext uri="{BB962C8B-B14F-4D97-AF65-F5344CB8AC3E}">
+        <p14:creationId xmlns:p14="http://schemas.microsoft.com/office/powerpoint/2010/main" val="1150127706"/>
+      </p:ext>
+    </p:extLst>
+  </p:cSld>
+  <p:clrMapOvr>
+    <a:masterClrMapping/>
+  </p:clrMapOvr>
+</p:sld>
+</file>
+
+<file path=ppt/slides/slide9.xml><?xml version="1.0" encoding="utf-8"?>
+<p:sld xmlns:a="http://schemas.openxmlformats.org/drawingml/2006/main" xmlns:r="http://schemas.openxmlformats.org/officeDocument/2006/relationships" xmlns:p="http://schemas.openxmlformats.org/presentationml/2006/main">
+  <p:cSld>
+    <p:spTree>
+      <p:nvGrpSpPr>
+        <p:cNvPr id="1" name=""/>
+        <p:cNvGrpSpPr/>
+        <p:nvPr/>
+      </p:nvGrpSpPr>
+      <p:grpSpPr>
+        <a:xfrm>
+          <a:off x="0" y="0"/>
+          <a:ext cx="0" cy="0"/>
+          <a:chOff x="0" y="0"/>
+          <a:chExt cx="0" cy="0"/>
+        </a:xfrm>
+      </p:grpSpPr>
+      <p:sp>
+        <p:nvSpPr>
+          <p:cNvPr id="3" name="Shape 0">
+            <a:extLst>
+              <a:ext uri="{FF2B5EF4-FFF2-40B4-BE49-F238E27FC236}">
+                <a16:creationId xmlns:a16="http://schemas.microsoft.com/office/drawing/2014/main" id="{8A9FF6CD-77CB-5E31-9C11-311F5D352726}"/>
+              </a:ext>
+            </a:extLst>
+          </p:cNvPr>
+          <p:cNvSpPr/>
+          <p:nvPr/>
+        </p:nvSpPr>
+        <p:spPr>
+          <a:xfrm>
+            <a:off x="0" y="457200"/>
+            <a:ext cx="4019550" cy="233363"/>
+          </a:xfrm>
+          <a:prstGeom prst="rect">
+            <a:avLst/>
+          </a:prstGeom>
+          <a:solidFill>
+            <a:srgbClr val="A5DDFF"/>
+          </a:solidFill>
+        </p:spPr>
+        <p:txBody>
+          <a:bodyPr/>
+          <a:lstStyle/>
+          <a:p>
+            <a:endParaRPr lang="zh-CN" altLang="en-US"/>
+          </a:p>
+        </p:txBody>
+      </p:sp>
+      <p:sp>
+        <p:nvSpPr>
+          <p:cNvPr id="2" name="Text 1">
+            <a:extLst>
+              <a:ext uri="{FF2B5EF4-FFF2-40B4-BE49-F238E27FC236}">
+                <a16:creationId xmlns:a16="http://schemas.microsoft.com/office/drawing/2014/main" id="{CF005106-40E7-D1EE-755A-4F1A4270C2A5}"/>
+              </a:ext>
+            </a:extLst>
+          </p:cNvPr>
+          <p:cNvSpPr/>
+          <p:nvPr/>
+        </p:nvSpPr>
+        <p:spPr>
+          <a:xfrm>
+            <a:off x="762000" y="138113"/>
+            <a:ext cx="6653784" cy="552450"/>
+          </a:xfrm>
+          <a:prstGeom prst="rect">
+            <a:avLst/>
+          </a:prstGeom>
+          <a:noFill/>
+        </p:spPr>
+        <p:txBody>
+          <a:bodyPr wrap="square" rtlCol="0" anchor="ctr"/>
+          <a:lstStyle/>
+          <a:p>
+            <a:pPr marL="0" indent="0">
+              <a:buNone/>
+            </a:pPr>
+            <a:r>
+              <a:rPr lang="en-US" sz="2400" b="1" dirty="0">
+                <a:solidFill>
+                  <a:srgbClr val="002A85"/>
+                </a:solidFill>
+                <a:latin typeface="Noto Sans SC" pitchFamily="34" charset="0"/>
+                <a:ea typeface="Noto Sans SC" pitchFamily="34" charset="-122"/>
+                <a:cs typeface="Noto Sans SC" pitchFamily="34" charset="-120"/>
+              </a:rPr>
+              <a:t>Synthetic Minority Over-sampling Technique</a:t>
+            </a:r>
+          </a:p>
+        </p:txBody>
+      </p:sp>
+      <p:sp>
+        <p:nvSpPr>
+          <p:cNvPr id="4" name="文本框 3">
+            <a:extLst>
+              <a:ext uri="{FF2B5EF4-FFF2-40B4-BE49-F238E27FC236}">
+                <a16:creationId xmlns:a16="http://schemas.microsoft.com/office/drawing/2014/main" id="{CBDF8BD8-22CA-A3A4-2B48-4A7BBB32EA13}"/>
+              </a:ext>
+            </a:extLst>
+          </p:cNvPr>
+          <p:cNvSpPr txBox="1"/>
+          <p:nvPr/>
+        </p:nvSpPr>
+        <p:spPr>
+          <a:xfrm>
+            <a:off x="666749" y="886464"/>
+            <a:ext cx="7715251" cy="4524315"/>
+          </a:xfrm>
+          <a:prstGeom prst="rect">
+            <a:avLst/>
+          </a:prstGeom>
+          <a:noFill/>
+        </p:spPr>
+        <p:txBody>
+          <a:bodyPr wrap="square" rtlCol="0">
+            <a:spAutoFit/>
+          </a:bodyPr>
+          <a:lstStyle/>
+          <a:p>
+            <a:r>
+              <a:rPr lang="en-US" altLang="zh-CN" sz="1600" b="1" dirty="0"/>
+              <a:t>SMOTE </a:t>
+            </a:r>
+            <a:r>
+              <a:rPr lang="en-US" altLang="zh-CN" sz="1600" dirty="0"/>
+              <a:t>is an advanced over-sampling technique used to create synthetic samples for the minority class in an imbalanced dataset. It works by selecting samples that are close in the feature space, drawing a line between the samples in the space and drawing a new sample at a point along that line.</a:t>
+            </a:r>
+          </a:p>
+          <a:p>
+            <a:endParaRPr lang="en-US" altLang="zh-CN" sz="1600" dirty="0"/>
+          </a:p>
+          <a:p>
+            <a:r>
+              <a:rPr lang="en-US" altLang="zh-CN" sz="1600" dirty="0"/>
+              <a:t>This approach helps us in creating plausible and diverse synthetic samples, rather than just duplicating existing ones.</a:t>
+            </a:r>
+          </a:p>
+          <a:p>
+            <a:endParaRPr lang="en-US" altLang="zh-CN" sz="1600" dirty="0"/>
+          </a:p>
+          <a:p>
+            <a:r>
+              <a:rPr lang="en-US" altLang="zh-CN" sz="1600" dirty="0"/>
+              <a:t>In R, </a:t>
+            </a:r>
+            <a:r>
+              <a:rPr lang="en-US" altLang="zh-CN" sz="1600" b="1" dirty="0"/>
+              <a:t>SMOTE </a:t>
+            </a:r>
+            <a:r>
+              <a:rPr lang="en-US" altLang="zh-CN" sz="1600" dirty="0"/>
+              <a:t>can be applied through package </a:t>
+            </a:r>
+            <a:r>
+              <a:rPr lang="en-US" altLang="zh-CN" sz="1600" i="1" dirty="0" err="1"/>
+              <a:t>DMwR</a:t>
+            </a:r>
+            <a:r>
+              <a:rPr lang="en-US" altLang="zh-CN" sz="1600" i="1" dirty="0"/>
+              <a:t> </a:t>
+            </a:r>
+            <a:r>
+              <a:rPr lang="en-US" altLang="zh-CN" sz="1600" dirty="0"/>
+              <a:t>with the following code:</a:t>
+            </a:r>
+          </a:p>
+          <a:p>
+            <a:endParaRPr lang="en-US" altLang="zh-CN" sz="1600" dirty="0"/>
+          </a:p>
+          <a:p>
+            <a:pPr algn="ctr"/>
+            <a:r>
+              <a:rPr lang="en" altLang="zh-CN" sz="1600" b="0" i="0" dirty="0" err="1">
+                <a:effectLst/>
+                <a:latin typeface="Söhne Mono"/>
+              </a:rPr>
+              <a:t>data_smote</a:t>
+            </a:r>
+            <a:r>
+              <a:rPr lang="en" altLang="zh-CN" sz="1600" b="0" i="0" dirty="0">
+                <a:effectLst/>
+                <a:latin typeface="Söhne Mono"/>
+              </a:rPr>
+              <a:t> &lt;- SMOTE(</a:t>
+            </a:r>
+            <a:r>
+              <a:rPr lang="en" altLang="zh-CN" sz="1600" b="0" i="0" dirty="0">
+                <a:solidFill>
+                  <a:schemeClr val="accent1">
+                    <a:lumMod val="75000"/>
+                  </a:schemeClr>
+                </a:solidFill>
+                <a:effectLst/>
+                <a:latin typeface="Söhne Mono"/>
+              </a:rPr>
+              <a:t>fraud</a:t>
+            </a:r>
+            <a:r>
+              <a:rPr lang="en" altLang="zh-CN" sz="1600" b="0" i="0" dirty="0">
+                <a:effectLst/>
+                <a:latin typeface="Söhne Mono"/>
+              </a:rPr>
+              <a:t> ~ ., data = data, </a:t>
+            </a:r>
+            <a:r>
+              <a:rPr lang="en" altLang="zh-CN" sz="1600" b="0" i="0" dirty="0" err="1">
+                <a:solidFill>
+                  <a:schemeClr val="accent2"/>
+                </a:solidFill>
+                <a:effectLst/>
+                <a:latin typeface="Söhne Mono"/>
+              </a:rPr>
+              <a:t>perc.over</a:t>
+            </a:r>
+            <a:r>
+              <a:rPr lang="en" altLang="zh-CN" sz="1600" b="0" i="0" dirty="0">
+                <a:solidFill>
+                  <a:schemeClr val="accent2"/>
+                </a:solidFill>
+                <a:effectLst/>
+                <a:latin typeface="Söhne Mono"/>
+              </a:rPr>
+              <a:t> = 100</a:t>
+            </a:r>
+            <a:r>
+              <a:rPr lang="en" altLang="zh-CN" sz="1600" b="0" i="0" dirty="0">
+                <a:effectLst/>
+                <a:latin typeface="Söhne Mono"/>
+              </a:rPr>
+              <a:t>, </a:t>
+            </a:r>
+            <a:r>
+              <a:rPr lang="en" altLang="zh-CN" sz="1600" b="0" i="0" dirty="0">
+                <a:solidFill>
+                  <a:schemeClr val="accent6"/>
+                </a:solidFill>
+                <a:effectLst/>
+                <a:latin typeface="Söhne Mono"/>
+              </a:rPr>
+              <a:t>k = 5</a:t>
+            </a:r>
+            <a:r>
+              <a:rPr lang="en" altLang="zh-CN" sz="1600" b="0" i="0" dirty="0">
+                <a:effectLst/>
+                <a:latin typeface="Söhne Mono"/>
+              </a:rPr>
+              <a:t>)</a:t>
+            </a:r>
+          </a:p>
+          <a:p>
+            <a:pPr algn="ctr"/>
+            <a:endParaRPr lang="en" altLang="zh-CN" sz="1600" dirty="0">
+              <a:latin typeface="Söhne Mono"/>
+            </a:endParaRPr>
+          </a:p>
+          <a:p>
+            <a:r>
+              <a:rPr lang="en-US" altLang="zh-CN" sz="1600" dirty="0"/>
+              <a:t>The </a:t>
+            </a:r>
+            <a:r>
+              <a:rPr lang="en-US" altLang="zh-CN" sz="1600" dirty="0" err="1">
+                <a:solidFill>
+                  <a:schemeClr val="accent2"/>
+                </a:solidFill>
+              </a:rPr>
+              <a:t>perc.over</a:t>
+            </a:r>
+            <a:r>
+              <a:rPr lang="en-US" altLang="zh-CN" sz="1600" dirty="0">
+                <a:solidFill>
+                  <a:schemeClr val="accent2"/>
+                </a:solidFill>
+              </a:rPr>
+              <a:t> </a:t>
+            </a:r>
+            <a:r>
+              <a:rPr lang="en-US" altLang="zh-CN" sz="1600" dirty="0"/>
+              <a:t>parameter controls the amount of oversampling, and </a:t>
+            </a:r>
+            <a:r>
+              <a:rPr lang="en-US" altLang="zh-CN" sz="1600" dirty="0">
+                <a:solidFill>
+                  <a:schemeClr val="accent6"/>
+                </a:solidFill>
+              </a:rPr>
+              <a:t>k</a:t>
+            </a:r>
+            <a:r>
+              <a:rPr lang="en-US" altLang="zh-CN" sz="1600" dirty="0"/>
+              <a:t> is the number of nearest neighbors to consider.</a:t>
+            </a:r>
+          </a:p>
+          <a:p>
+            <a:endParaRPr lang="en-US" altLang="zh-CN" sz="1600" i="1" dirty="0"/>
+          </a:p>
+          <a:p>
+            <a:endParaRPr lang="en-US" altLang="zh-CN" sz="1600" i="1" dirty="0"/>
+          </a:p>
+          <a:p>
+            <a:endParaRPr lang="en-US" altLang="zh-CN" sz="1600" b="1" i="1" dirty="0"/>
+          </a:p>
+          <a:p>
+            <a:endParaRPr lang="en-US" altLang="zh-CN" sz="1600" b="1" i="1" dirty="0"/>
+          </a:p>
+        </p:txBody>
+      </p:sp>
+    </p:spTree>
+    <p:extLst>
+      <p:ext uri="{BB962C8B-B14F-4D97-AF65-F5344CB8AC3E}">
+        <p14:creationId xmlns:p14="http://schemas.microsoft.com/office/powerpoint/2010/main" val="984226688"/>
+      </p:ext>
+    </p:extLst>
   </p:cSld>
   <p:clrMapOvr>
     <a:masterClrMapping/>

--- a/scripts/drafts/PRESENTATION.pptx
+++ b/scripts/drafts/PRESENTATION.pptx
@@ -1775,8 +1775,8 @@
         </p:nvSpPr>
         <p:spPr>
           <a:xfrm>
-            <a:off x="4546600" y="2853055"/>
-            <a:ext cx="6553835" cy="1106805"/>
+            <a:off x="3620951" y="2571750"/>
+            <a:ext cx="5009321" cy="400159"/>
           </a:xfrm>
           <a:prstGeom prst="rect">
             <a:avLst/>
@@ -1791,123 +1791,72 @@
               <a:buNone/>
             </a:pPr>
             <a:r>
-              <a:rPr lang="en-US" sz="2100" dirty="0"/>
+              <a:rPr lang="en-US" altLang="zh-CN" sz="2100" dirty="0">
+                <a:solidFill>
+                  <a:srgbClr val="0070C0"/>
+                </a:solidFill>
+                <a:latin typeface="Calibri" panose="020F0502020204030204" pitchFamily="34" charset="0"/>
+                <a:cs typeface="Calibri" panose="020F0502020204030204" pitchFamily="34" charset="0"/>
+              </a:rPr>
+              <a:t>Amber W., </a:t>
+            </a:r>
+            <a:r>
+              <a:rPr lang="en-US" sz="2100" dirty="0">
+                <a:solidFill>
+                  <a:srgbClr val="0070C0"/>
+                </a:solidFill>
+                <a:latin typeface="Calibri" panose="020F0502020204030204" pitchFamily="34" charset="0"/>
+                <a:cs typeface="Calibri" panose="020F0502020204030204" pitchFamily="34" charset="0"/>
+              </a:rPr>
               <a:t>David</a:t>
             </a:r>
             <a:r>
-              <a:rPr lang="zh-CN" altLang="en-US" sz="2100" dirty="0"/>
+              <a:rPr lang="zh-CN" altLang="en-US" sz="2100" dirty="0">
+                <a:solidFill>
+                  <a:srgbClr val="0070C0"/>
+                </a:solidFill>
+                <a:latin typeface="Calibri" panose="020F0502020204030204" pitchFamily="34" charset="0"/>
+                <a:cs typeface="Calibri" panose="020F0502020204030204" pitchFamily="34" charset="0"/>
+              </a:rPr>
               <a:t> </a:t>
             </a:r>
             <a:r>
-              <a:rPr lang="en-US" altLang="zh-CN" sz="2100" dirty="0"/>
-              <a:t>Lin, Amber Wang, Mu Niu,</a:t>
-            </a:r>
-          </a:p>
-          <a:p>
-            <a:pPr marL="0" indent="0" algn="l">
-              <a:buNone/>
-            </a:pPr>
-            <a:r>
-              <a:rPr lang="en-US" altLang="zh-CN" sz="2100" dirty="0"/>
-              <a:t> </a:t>
-            </a:r>
-            <a:r>
-              <a:rPr lang="en-US" altLang="zh-CN" sz="2100" dirty="0" err="1"/>
-              <a:t>Qifei</a:t>
-            </a:r>
-            <a:r>
-              <a:rPr lang="en-US" altLang="zh-CN" sz="2100" dirty="0"/>
-              <a:t> Cui, </a:t>
-            </a:r>
-            <a:r>
-              <a:rPr lang="en-US" altLang="zh-CN" sz="2100" dirty="0" err="1"/>
+              <a:rPr lang="en-US" altLang="zh-CN" sz="2100" dirty="0">
+                <a:solidFill>
+                  <a:srgbClr val="0070C0"/>
+                </a:solidFill>
+                <a:latin typeface="Calibri" panose="020F0502020204030204" pitchFamily="34" charset="0"/>
+                <a:cs typeface="Calibri" panose="020F0502020204030204" pitchFamily="34" charset="0"/>
+              </a:rPr>
+              <a:t>L., Mu N., Qifei C., </a:t>
+            </a:r>
+            <a:r>
+              <a:rPr lang="en-US" altLang="zh-CN" sz="2100" dirty="0" err="1">
+                <a:solidFill>
+                  <a:srgbClr val="0070C0"/>
+                </a:solidFill>
+                <a:latin typeface="Calibri" panose="020F0502020204030204" pitchFamily="34" charset="0"/>
+                <a:cs typeface="Calibri" panose="020F0502020204030204" pitchFamily="34" charset="0"/>
+              </a:rPr>
               <a:t>Yixin</a:t>
             </a:r>
             <a:r>
-              <a:rPr lang="en-US" altLang="zh-CN" sz="2100" dirty="0"/>
-              <a:t> </a:t>
-            </a:r>
-            <a:r>
-              <a:rPr lang="en-US" altLang="zh-CN" sz="2100" dirty="0" err="1"/>
-              <a:t>Xue</a:t>
-            </a:r>
-            <a:endParaRPr lang="en-US" sz="2100" dirty="0"/>
-          </a:p>
-        </p:txBody>
-      </p:sp>
-      <p:sp>
-        <p:nvSpPr>
-          <p:cNvPr id="4" name="Text 2"/>
-          <p:cNvSpPr/>
-          <p:nvPr/>
-        </p:nvSpPr>
-        <p:spPr>
-          <a:xfrm>
-            <a:off x="6219825" y="4576763"/>
-            <a:ext cx="1219200" cy="138113"/>
-          </a:xfrm>
-          <a:prstGeom prst="rect">
-            <a:avLst/>
-          </a:prstGeom>
-          <a:noFill/>
-        </p:spPr>
-        <p:txBody>
-          <a:bodyPr wrap="square" rtlCol="0" anchor="t"/>
-          <a:lstStyle/>
-          <a:p>
-            <a:pPr marL="0" indent="0" algn="ctr">
-              <a:buNone/>
-            </a:pPr>
-            <a:r>
-              <a:rPr lang="en-US" sz="700" dirty="0">
+              <a:rPr lang="en-US" altLang="zh-CN" sz="2100" dirty="0">
                 <a:solidFill>
-                  <a:srgbClr val="FFFFFF"/>
+                  <a:srgbClr val="0070C0"/>
                 </a:solidFill>
-                <a:latin typeface="Noto Sans SC" pitchFamily="34" charset="0"/>
-                <a:ea typeface="Noto Sans SC" pitchFamily="34" charset="-122"/>
-                <a:cs typeface="Noto Sans SC" pitchFamily="34" charset="-120"/>
-              </a:rPr>
-              <a:t>MindShow.fun</a:t>
-            </a:r>
-            <a:endParaRPr lang="en-US" sz="700" dirty="0"/>
-          </a:p>
-        </p:txBody>
-      </p:sp>
-      <p:sp>
-        <p:nvSpPr>
-          <p:cNvPr id="5" name="Text 3"/>
-          <p:cNvSpPr/>
-          <p:nvPr/>
-        </p:nvSpPr>
-        <p:spPr>
-          <a:xfrm>
-            <a:off x="7610475" y="4576763"/>
-            <a:ext cx="1052513" cy="138113"/>
-          </a:xfrm>
-          <a:prstGeom prst="rect">
-            <a:avLst/>
-          </a:prstGeom>
-          <a:noFill/>
-        </p:spPr>
-        <p:txBody>
-          <a:bodyPr wrap="square" rtlCol="0" anchor="t"/>
-          <a:lstStyle/>
-          <a:p>
-            <a:pPr marL="0" indent="0" algn="ctr">
-              <a:buNone/>
-            </a:pPr>
-            <a:r>
-              <a:rPr lang="en-US" sz="700" dirty="0">
-                <a:solidFill>
-                  <a:srgbClr val="FFFFFF"/>
-                </a:solidFill>
-                <a:latin typeface="Noto Sans SC" pitchFamily="34" charset="0"/>
-                <a:ea typeface="Noto Sans SC" pitchFamily="34" charset="-122"/>
-                <a:cs typeface="Noto Sans SC" pitchFamily="34" charset="-120"/>
-              </a:rPr>
-              <a:t>2023-12-04</a:t>
-            </a:r>
-            <a:endParaRPr lang="en-US" sz="700" dirty="0"/>
+                <a:latin typeface="Calibri" panose="020F0502020204030204" pitchFamily="34" charset="0"/>
+                <a:cs typeface="Calibri" panose="020F0502020204030204" pitchFamily="34" charset="0"/>
+              </a:rPr>
+              <a:t> X.</a:t>
+            </a:r>
+            <a:endParaRPr lang="en-US" sz="2100" dirty="0">
+              <a:solidFill>
+                <a:srgbClr val="0070C0"/>
+              </a:solidFill>
+              <a:latin typeface="Calibri" panose="020F0502020204030204" pitchFamily="34" charset="0"/>
+              <a:cs typeface="Calibri" panose="020F0502020204030204" pitchFamily="34" charset="0"/>
+            </a:endParaRPr>
           </a:p>
         </p:txBody>
       </p:sp>
@@ -2490,7 +2439,7 @@
         </p:nvSpPr>
         <p:spPr>
           <a:xfrm>
-            <a:off x="762000" y="1304925"/>
+            <a:off x="762000" y="1233487"/>
             <a:ext cx="7715250" cy="3452813"/>
           </a:xfrm>
           <a:prstGeom prst="rect">
@@ -2510,15 +2459,24 @@
               <a:buChar char="•"/>
             </a:pPr>
             <a:r>
-              <a:rPr lang="en-US" sz="1680" dirty="0"/>
+              <a:rPr lang="en-US" dirty="0">
+                <a:latin typeface="Calibri" panose="020F0502020204030204" pitchFamily="34" charset="0"/>
+                <a:cs typeface="Calibri" panose="020F0502020204030204" pitchFamily="34" charset="0"/>
+              </a:rPr>
               <a:t>In Gradient boosted decision tree(GBDT), the k-</a:t>
             </a:r>
             <a:r>
-              <a:rPr lang="en-US" sz="1680" dirty="0" err="1"/>
+              <a:rPr lang="en-US" dirty="0" err="1">
+                <a:latin typeface="Calibri" panose="020F0502020204030204" pitchFamily="34" charset="0"/>
+                <a:cs typeface="Calibri" panose="020F0502020204030204" pitchFamily="34" charset="0"/>
+              </a:rPr>
               <a:t>th</a:t>
             </a:r>
             <a:r>
-              <a:rPr lang="en-US" sz="1680" dirty="0"/>
+              <a:rPr lang="en-US" dirty="0">
+                <a:latin typeface="Calibri" panose="020F0502020204030204" pitchFamily="34" charset="0"/>
+                <a:cs typeface="Calibri" panose="020F0502020204030204" pitchFamily="34" charset="0"/>
+              </a:rPr>
               <a:t> tree is used to fit the negative derivative of the loss function with respect to the current model’s prediction.</a:t>
             </a:r>
           </a:p>
@@ -2531,7 +2489,10 @@
               <a:buChar char="•"/>
             </a:pPr>
             <a:r>
-              <a:rPr lang="en-US" sz="1680" dirty="0"/>
+              <a:rPr lang="en-US" dirty="0">
+                <a:latin typeface="Calibri" panose="020F0502020204030204" pitchFamily="34" charset="0"/>
+                <a:cs typeface="Calibri" panose="020F0502020204030204" pitchFamily="34" charset="0"/>
+              </a:rPr>
               <a:t>The current model’s prediction for each observation is the weighted sum of the first k-1 trees.</a:t>
             </a:r>
           </a:p>
@@ -2544,7 +2505,10 @@
               <a:buChar char="•"/>
             </a:pPr>
             <a:r>
-              <a:rPr lang="en-US" sz="1680" dirty="0"/>
+              <a:rPr lang="en-US" dirty="0">
+                <a:latin typeface="Calibri" panose="020F0502020204030204" pitchFamily="34" charset="0"/>
+                <a:cs typeface="Calibri" panose="020F0502020204030204" pitchFamily="34" charset="0"/>
+              </a:rPr>
               <a:t>If we use MSE as the loss function in a regression task, the derivative for each observation is simply the residual between true label value and predicted value.</a:t>
             </a:r>
           </a:p>
@@ -2556,7 +2520,10 @@
               <a:buSzPct val="100000"/>
               <a:buChar char="•"/>
             </a:pPr>
-            <a:endParaRPr lang="en-US" sz="1680" dirty="0"/>
+            <a:endParaRPr lang="en-US" dirty="0">
+              <a:latin typeface="Calibri" panose="020F0502020204030204" pitchFamily="34" charset="0"/>
+              <a:cs typeface="Calibri" panose="020F0502020204030204" pitchFamily="34" charset="0"/>
+            </a:endParaRPr>
           </a:p>
         </p:txBody>
       </p:sp>
@@ -2649,8 +2616,8 @@
           </a:p>
         </p:txBody>
       </p:sp>
-      <mc:AlternateContent xmlns:mc="http://schemas.openxmlformats.org/markup-compatibility/2006" xmlns:a14="http://schemas.microsoft.com/office/drawing/2010/main">
-        <mc:Choice Requires="a14">
+      <mc:AlternateContent xmlns:mc="http://schemas.openxmlformats.org/markup-compatibility/2006">
+        <mc:Choice xmlns:a14="http://schemas.microsoft.com/office/drawing/2010/main" Requires="a14">
           <p:sp>
             <p:nvSpPr>
               <p:cNvPr id="4" name="Text 2"/>
@@ -2678,13 +2645,18 @@
                   <a:buSzPct val="100000"/>
                 </a:pPr>
                 <a:r>
-                  <a:rPr lang="en-US" sz="1680" dirty="0"/>
+                  <a:rPr lang="en-US" sz="1680" dirty="0">
+                    <a:latin typeface="Calibri" panose="020F0502020204030204" pitchFamily="34" charset="0"/>
+                    <a:cs typeface="Calibri" panose="020F0502020204030204" pitchFamily="34" charset="0"/>
+                  </a:rPr>
                   <a:t>An efficient and scalable implementation of GBDT</a:t>
                 </a:r>
                 <a:endParaRPr lang="en-US" sz="1680" dirty="0">
                   <a:solidFill>
                     <a:srgbClr val="404040"/>
                   </a:solidFill>
+                  <a:latin typeface="Calibri" panose="020F0502020204030204" pitchFamily="34" charset="0"/>
+                  <a:cs typeface="Calibri" panose="020F0502020204030204" pitchFamily="34" charset="0"/>
                 </a:endParaRPr>
               </a:p>
               <a:p>
@@ -2695,7 +2667,10 @@
                   <a:buSzPct val="100000"/>
                 </a:pPr>
                 <a:r>
-                  <a:rPr lang="en-US" sz="1680" dirty="0"/>
+                  <a:rPr lang="en-US" sz="1680" dirty="0">
+                    <a:latin typeface="Calibri" panose="020F0502020204030204" pitchFamily="34" charset="0"/>
+                    <a:cs typeface="Calibri" panose="020F0502020204030204" pitchFamily="34" charset="0"/>
+                  </a:rPr>
                   <a:t>Advantages over GBDT:</a:t>
                 </a:r>
               </a:p>
@@ -2708,15 +2683,24 @@
                   <a:buChar char="•"/>
                 </a:pPr>
                 <a:r>
-                  <a:rPr lang="en-US" sz="1680" dirty="0"/>
+                  <a:rPr lang="en-US" sz="1680" dirty="0">
+                    <a:latin typeface="Calibri" panose="020F0502020204030204" pitchFamily="34" charset="0"/>
+                    <a:cs typeface="Calibri" panose="020F0502020204030204" pitchFamily="34" charset="0"/>
+                  </a:rPr>
                   <a:t>Objective function for t-</a:t>
                 </a:r>
                 <a:r>
-                  <a:rPr lang="en-US" sz="1680" dirty="0" err="1"/>
+                  <a:rPr lang="en-US" sz="1680" dirty="0" err="1">
+                    <a:latin typeface="Calibri" panose="020F0502020204030204" pitchFamily="34" charset="0"/>
+                    <a:cs typeface="Calibri" panose="020F0502020204030204" pitchFamily="34" charset="0"/>
+                  </a:rPr>
                   <a:t>th</a:t>
                 </a:r>
                 <a:r>
-                  <a:rPr lang="en-US" sz="1680" dirty="0"/>
+                  <a:rPr lang="en-US" sz="1680" dirty="0">
+                    <a:latin typeface="Calibri" panose="020F0502020204030204" pitchFamily="34" charset="0"/>
+                    <a:cs typeface="Calibri" panose="020F0502020204030204" pitchFamily="34" charset="0"/>
+                  </a:rPr>
                   <a:t> tree is </a:t>
                 </a:r>
                 <a14:m>
@@ -2946,7 +2930,10 @@
                     </m:nary>
                   </m:oMath>
                 </a14:m>
-                <a:endParaRPr lang="en-US" sz="1680" b="0" dirty="0"/>
+                <a:endParaRPr lang="en-US" sz="1680" b="0" dirty="0">
+                  <a:latin typeface="Calibri" panose="020F0502020204030204" pitchFamily="34" charset="0"/>
+                  <a:cs typeface="Calibri" panose="020F0502020204030204" pitchFamily="34" charset="0"/>
+                </a:endParaRPr>
               </a:p>
               <a:p>
                 <a:pPr marL="342900" indent="-342900" algn="l">
@@ -2957,7 +2944,10 @@
                   <a:buChar char="•"/>
                 </a:pPr>
                 <a:r>
-                  <a:rPr lang="en-US" sz="1680" dirty="0"/>
+                  <a:rPr lang="en-US" sz="1680" dirty="0">
+                    <a:latin typeface="Calibri" panose="020F0502020204030204" pitchFamily="34" charset="0"/>
+                    <a:cs typeface="Calibri" panose="020F0502020204030204" pitchFamily="34" charset="0"/>
+                  </a:rPr>
                   <a:t>Add a regularized term in the objective function to avoid overfitting</a:t>
                 </a:r>
               </a:p>
@@ -2970,7 +2960,10 @@
                   <a:buChar char="•"/>
                 </a:pPr>
                 <a:r>
-                  <a:rPr lang="en-US" sz="1680" dirty="0"/>
+                  <a:rPr lang="en-US" sz="1680" dirty="0">
+                    <a:latin typeface="Calibri" panose="020F0502020204030204" pitchFamily="34" charset="0"/>
+                    <a:cs typeface="Calibri" panose="020F0502020204030204" pitchFamily="34" charset="0"/>
+                  </a:rPr>
                   <a:t>Use second-order Taylor expansion to approximate the objective function</a:t>
                 </a:r>
               </a:p>
@@ -2983,7 +2976,10 @@
                   <a:buChar char="•"/>
                 </a:pPr>
                 <a:r>
-                  <a:rPr lang="en-US" sz="1680" dirty="0"/>
+                  <a:rPr lang="en-US" sz="1680" dirty="0">
+                    <a:latin typeface="Calibri" panose="020F0502020204030204" pitchFamily="34" charset="0"/>
+                    <a:cs typeface="Calibri" panose="020F0502020204030204" pitchFamily="34" charset="0"/>
+                  </a:rPr>
                   <a:t>The objective goal of step t will be </a:t>
                 </a:r>
                 <a14:m>
@@ -3307,7 +3303,10 @@
                     </m:nary>
                   </m:oMath>
                 </a14:m>
-                <a:endParaRPr lang="en-US" sz="1680" dirty="0"/>
+                <a:endParaRPr lang="en-US" sz="1680" dirty="0">
+                  <a:latin typeface="Calibri" panose="020F0502020204030204" pitchFamily="34" charset="0"/>
+                  <a:cs typeface="Calibri" panose="020F0502020204030204" pitchFamily="34" charset="0"/>
+                </a:endParaRPr>
               </a:p>
               <a:p>
                 <a:pPr marL="342900" indent="-342900" algn="l">
@@ -3318,7 +3317,10 @@
                   <a:buChar char="•"/>
                 </a:pPr>
                 <a:r>
-                  <a:rPr lang="en-US" sz="1680" dirty="0"/>
+                  <a:rPr lang="en-US" sz="1680" dirty="0">
+                    <a:latin typeface="Calibri" panose="020F0502020204030204" pitchFamily="34" charset="0"/>
+                    <a:cs typeface="Calibri" panose="020F0502020204030204" pitchFamily="34" charset="0"/>
+                  </a:rPr>
                   <a:t>Consistent form for every loss function</a:t>
                 </a:r>
               </a:p>
@@ -3331,7 +3333,10 @@
                   <a:buChar char="•"/>
                 </a:pPr>
                 <a:r>
-                  <a:rPr lang="en-US" sz="1680" dirty="0"/>
+                  <a:rPr lang="en-US" sz="1680" dirty="0">
+                    <a:latin typeface="Calibri" panose="020F0502020204030204" pitchFamily="34" charset="0"/>
+                    <a:cs typeface="Calibri" panose="020F0502020204030204" pitchFamily="34" charset="0"/>
+                  </a:rPr>
                   <a:t>When building each single tree, use parallel computing to improve efficiency</a:t>
                 </a:r>
               </a:p>
@@ -3344,22 +3349,31 @@
                   <a:buChar char="•"/>
                 </a:pPr>
                 <a:r>
-                  <a:rPr lang="en-US" sz="1680" dirty="0"/>
+                  <a:rPr lang="en-US" sz="1680" dirty="0">
+                    <a:latin typeface="Calibri" panose="020F0502020204030204" pitchFamily="34" charset="0"/>
+                    <a:cs typeface="Calibri" panose="020F0502020204030204" pitchFamily="34" charset="0"/>
+                  </a:rPr>
                   <a:t>Support column subsampling similar </a:t>
                 </a:r>
                 <a:r>
-                  <a:rPr lang="en-US" altLang="zh-CN" sz="1680" dirty="0"/>
+                  <a:rPr lang="en-US" altLang="zh-CN" sz="1680" dirty="0">
+                    <a:latin typeface="Calibri" panose="020F0502020204030204" pitchFamily="34" charset="0"/>
+                    <a:cs typeface="Calibri" panose="020F0502020204030204" pitchFamily="34" charset="0"/>
+                  </a:rPr>
                   <a:t>in</a:t>
                 </a:r>
                 <a:r>
-                  <a:rPr lang="en-US" sz="1680" dirty="0"/>
+                  <a:rPr lang="en-US" sz="1680" dirty="0">
+                    <a:latin typeface="Calibri" panose="020F0502020204030204" pitchFamily="34" charset="0"/>
+                    <a:cs typeface="Calibri" panose="020F0502020204030204" pitchFamily="34" charset="0"/>
+                  </a:rPr>
                   <a:t> random forest</a:t>
                 </a:r>
               </a:p>
             </p:txBody>
           </p:sp>
         </mc:Choice>
-        <mc:Fallback xmlns="">
+        <mc:Fallback>
           <p:sp>
             <p:nvSpPr>
               <p:cNvPr id="4" name="Text 2"/>
@@ -3376,10 +3390,10 @@
               <a:prstGeom prst="rect">
                 <a:avLst/>
               </a:prstGeom>
-              <a:blipFill rotWithShape="1">
+              <a:blipFill>
                 <a:blip r:embed="rId3"/>
                 <a:stretch>
-                  <a:fillRect t="-5" b="-19848"/>
+                  <a:fillRect l="-658" b="-10256"/>
                 </a:stretch>
               </a:blipFill>
             </p:spPr>
@@ -3504,7 +3518,7 @@
         </p:nvSpPr>
         <p:spPr>
           <a:xfrm>
-            <a:off x="399415" y="669925"/>
+            <a:off x="714375" y="845343"/>
             <a:ext cx="7715250" cy="3452813"/>
           </a:xfrm>
           <a:prstGeom prst="rect">
@@ -3523,13 +3537,10 @@
               <a:buSzPct val="100000"/>
             </a:pPr>
             <a:r>
-              <a:rPr lang="en-US" sz="1400" dirty="0">
-                <a:solidFill>
-                  <a:srgbClr val="383838"/>
-                </a:solidFill>
-                <a:latin typeface="Noto Sans SC" pitchFamily="34" charset="0"/>
+              <a:rPr lang="en-US" sz="1600" dirty="0">
+                <a:latin typeface="Calibri" panose="020F0502020204030204" pitchFamily="34" charset="0"/>
                 <a:ea typeface="Noto Sans SC" pitchFamily="34" charset="-122"/>
-                <a:cs typeface="Noto Sans SC" pitchFamily="34" charset="-120"/>
+                <a:cs typeface="Calibri" panose="020F0502020204030204" pitchFamily="34" charset="0"/>
               </a:rPr>
               <a:t>The first step involves installing and loading the 'xgboost' package in R. </a:t>
             </a:r>
@@ -3541,14 +3552,14 @@
               </a:lnSpc>
               <a:buSzPct val="100000"/>
             </a:pPr>
-            <a:endParaRPr lang="en-US" sz="1400" dirty="0">
-              <a:solidFill>
-                <a:srgbClr val="383838"/>
-              </a:solidFill>
-              <a:latin typeface="Noto Sans SC" pitchFamily="34" charset="0"/>
-              <a:ea typeface="Noto Sans SC" pitchFamily="34" charset="-122"/>
-              <a:cs typeface="Noto Sans SC" pitchFamily="34" charset="-120"/>
-            </a:endParaRPr>
+            <a:r>
+              <a:rPr lang="en-US" sz="1600" dirty="0">
+                <a:latin typeface="Calibri" panose="020F0502020204030204" pitchFamily="34" charset="0"/>
+                <a:ea typeface="Noto Sans SC" pitchFamily="34" charset="-122"/>
+                <a:cs typeface="Calibri" panose="020F0502020204030204" pitchFamily="34" charset="0"/>
+              </a:rPr>
+              <a:t>Subsequently, we split the data into 3 parts: training (60%), validation (20%), and testing (20%). </a:t>
+            </a:r>
           </a:p>
           <a:p>
             <a:pPr algn="l">
@@ -3558,15 +3569,12 @@
               <a:buSzPct val="100000"/>
             </a:pPr>
             <a:r>
-              <a:rPr lang="en-US" sz="1400" dirty="0">
-                <a:solidFill>
-                  <a:srgbClr val="383838"/>
-                </a:solidFill>
-                <a:latin typeface="Noto Sans SC" pitchFamily="34" charset="0"/>
+              <a:rPr lang="en-US" sz="1600" dirty="0">
+                <a:latin typeface="Calibri" panose="020F0502020204030204" pitchFamily="34" charset="0"/>
                 <a:ea typeface="Noto Sans SC" pitchFamily="34" charset="-122"/>
-                <a:cs typeface="Noto Sans SC" pitchFamily="34" charset="-120"/>
-              </a:rPr>
-              <a:t>Subsequently, we split the data into 3 parts: training (60%), validation (20%), and testing (20%). </a:t>
+                <a:cs typeface="Calibri" panose="020F0502020204030204" pitchFamily="34" charset="0"/>
+              </a:rPr>
+              <a:t>These segments are then transformed into DMatrix objects, an efficient data structure for the xgboost algorithm, by using xgb.DMatrix() function.</a:t>
             </a:r>
           </a:p>
           <a:p>
@@ -3576,48 +3584,10 @@
               </a:lnSpc>
               <a:buSzPct val="100000"/>
             </a:pPr>
-            <a:endParaRPr lang="en-US" sz="1400" dirty="0">
-              <a:solidFill>
-                <a:srgbClr val="383838"/>
-              </a:solidFill>
-              <a:latin typeface="Noto Sans SC" pitchFamily="34" charset="0"/>
+            <a:endParaRPr lang="en-US" sz="1600" dirty="0">
+              <a:latin typeface="Calibri" panose="020F0502020204030204" pitchFamily="34" charset="0"/>
               <a:ea typeface="Noto Sans SC" pitchFamily="34" charset="-122"/>
-              <a:cs typeface="Noto Sans SC" pitchFamily="34" charset="-120"/>
-            </a:endParaRPr>
-          </a:p>
-          <a:p>
-            <a:pPr algn="l">
-              <a:lnSpc>
-                <a:spcPct val="150000"/>
-              </a:lnSpc>
-              <a:buSzPct val="100000"/>
-            </a:pPr>
-            <a:r>
-              <a:rPr lang="en-US" sz="1400" dirty="0">
-                <a:solidFill>
-                  <a:srgbClr val="383838"/>
-                </a:solidFill>
-                <a:latin typeface="Noto Sans SC" pitchFamily="34" charset="0"/>
-                <a:ea typeface="Noto Sans SC" pitchFamily="34" charset="-122"/>
-                <a:cs typeface="Noto Sans SC" pitchFamily="34" charset="-120"/>
-              </a:rPr>
-              <a:t>These segments are then transformed into DMatrix objects, an efficient data structure for the xgboost algorithm, by using xgb.DMatrix() function.</a:t>
-            </a:r>
-          </a:p>
-          <a:p>
-            <a:pPr algn="l">
-              <a:lnSpc>
-                <a:spcPct val="150000"/>
-              </a:lnSpc>
-              <a:buSzPct val="100000"/>
-            </a:pPr>
-            <a:endParaRPr lang="en-US" sz="1400" dirty="0">
-              <a:solidFill>
-                <a:srgbClr val="383838"/>
-              </a:solidFill>
-              <a:latin typeface="Noto Sans SC" pitchFamily="34" charset="0"/>
-              <a:ea typeface="Noto Sans SC" pitchFamily="34" charset="-122"/>
-              <a:cs typeface="Noto Sans SC" pitchFamily="34" charset="-120"/>
+              <a:cs typeface="Calibri" panose="020F0502020204030204" pitchFamily="34" charset="0"/>
             </a:endParaRPr>
           </a:p>
         </p:txBody>
@@ -3638,7 +3608,7 @@
         </p:blipFill>
         <p:spPr>
           <a:xfrm>
-            <a:off x="513715" y="3261360"/>
+            <a:off x="762000" y="3055910"/>
             <a:ext cx="5927725" cy="1736090"/>
           </a:xfrm>
           <a:prstGeom prst="rect">
@@ -3857,8 +3827,16 @@
               <a:buChar char="•"/>
             </a:pPr>
             <a:r>
-              <a:rPr lang="en-US" altLang="zh-CN" sz="1400"/>
-              <a:t>objective: What’s your goal? In this case, we use ‘binary:logistic’ to predict the probability of having a fraud based on the predictor variables</a:t>
+              <a:rPr lang="en-US" altLang="zh-CN" sz="1400" dirty="0"/>
+              <a:t>objective: What’s your goal? In this case, we use ‘</a:t>
+            </a:r>
+            <a:r>
+              <a:rPr lang="en-US" altLang="zh-CN" sz="1400" dirty="0" err="1"/>
+              <a:t>binary:logistic</a:t>
+            </a:r>
+            <a:r>
+              <a:rPr lang="en-US" altLang="zh-CN" sz="1400" dirty="0"/>
+              <a:t>’ to predict the probability of having a fraud based on the predictor variables</a:t>
             </a:r>
           </a:p>
           <a:p>
@@ -3867,7 +3845,7 @@
               <a:buChar char="•"/>
             </a:pPr>
             <a:r>
-              <a:rPr lang="en-US" altLang="zh-CN" sz="1400"/>
+              <a:rPr lang="en-US" altLang="zh-CN" sz="1400" dirty="0"/>
               <a:t>eta: How fast to learn? default value 0.3</a:t>
             </a:r>
           </a:p>
@@ -3877,8 +3855,16 @@
               <a:buChar char="•"/>
             </a:pPr>
             <a:r>
-              <a:rPr lang="en-US" altLang="zh-CN" sz="1400"/>
-              <a:t>data: Training data in DMatrix structure</a:t>
+              <a:rPr lang="en-US" altLang="zh-CN" sz="1400" dirty="0"/>
+              <a:t>data: Training data in </a:t>
+            </a:r>
+            <a:r>
+              <a:rPr lang="en-US" altLang="zh-CN" sz="1400" dirty="0" err="1"/>
+              <a:t>DMatrix</a:t>
+            </a:r>
+            <a:r>
+              <a:rPr lang="en-US" altLang="zh-CN" sz="1400" dirty="0"/>
+              <a:t> structure</a:t>
             </a:r>
           </a:p>
           <a:p>
@@ -3887,8 +3873,12 @@
               <a:buChar char="•"/>
             </a:pPr>
             <a:r>
-              <a:rPr lang="en-US" altLang="zh-CN" sz="1400"/>
-              <a:t>max.depth: The size of each tree and a rule of thumb is to use 2 or 3 to prevent overfitting</a:t>
+              <a:rPr lang="en-US" altLang="zh-CN" sz="1400" dirty="0" err="1"/>
+              <a:t>max.depth</a:t>
+            </a:r>
+            <a:r>
+              <a:rPr lang="en-US" altLang="zh-CN" sz="1400" dirty="0"/>
+              <a:t>: The size of each tree and a rule of thumb is to use 2 or 3 to prevent overfitting</a:t>
             </a:r>
           </a:p>
           <a:p>
@@ -3897,7 +3887,7 @@
               <a:buChar char="•"/>
             </a:pPr>
             <a:r>
-              <a:rPr lang="en-US" altLang="zh-CN" sz="1400"/>
+              <a:rPr lang="en-US" altLang="zh-CN" sz="1400" dirty="0"/>
               <a:t>watchlist: Track model performance on training and validation data during the training process to prevent overfitting</a:t>
             </a:r>
           </a:p>
@@ -3907,8 +3897,12 @@
               <a:buChar char="•"/>
             </a:pPr>
             <a:r>
-              <a:rPr lang="en-US" altLang="zh-CN" sz="1400"/>
-              <a:t>nrounds: number of boosting rounds</a:t>
+              <a:rPr lang="en-US" altLang="zh-CN" sz="1400" dirty="0" err="1"/>
+              <a:t>nrounds</a:t>
+            </a:r>
+            <a:r>
+              <a:rPr lang="en-US" altLang="zh-CN" sz="1400" dirty="0"/>
+              <a:t>: number of boosting rounds</a:t>
             </a:r>
           </a:p>
           <a:p>
@@ -3917,8 +3911,12 @@
               <a:buChar char="•"/>
             </a:pPr>
             <a:r>
-              <a:rPr lang="en-US" altLang="zh-CN" sz="1400"/>
-              <a:t>early_stopping_rounds: Stop the training process if the model's accuracy on validation set hasn't improved for the specified number of rounds</a:t>
+              <a:rPr lang="en-US" altLang="zh-CN" sz="1400" dirty="0" err="1"/>
+              <a:t>early_stopping_rounds</a:t>
+            </a:r>
+            <a:r>
+              <a:rPr lang="en-US" altLang="zh-CN" sz="1400" dirty="0"/>
+              <a:t>: Stop the training process if the model's accuracy on validation set hasn't improved for the specified number of rounds</a:t>
             </a:r>
           </a:p>
         </p:txBody>
@@ -4372,8 +4370,8 @@
         </p:nvSpPr>
         <p:spPr>
           <a:xfrm>
-            <a:off x="666750" y="1141543"/>
-            <a:ext cx="8310245" cy="1384995"/>
+            <a:off x="666750" y="931787"/>
+            <a:ext cx="8310245" cy="2287806"/>
           </a:xfrm>
           <a:prstGeom prst="rect">
             <a:avLst/>
@@ -4386,136 +4384,277 @@
           </a:bodyPr>
           <a:lstStyle/>
           <a:p>
-            <a:pPr rtl="0">
-              <a:spcBef>
-                <a:spcPts val="0"/>
-              </a:spcBef>
+            <a:pPr marL="457200" indent="-457200">
               <a:spcAft>
-                <a:spcPts val="1200"/>
+                <a:spcPts val="1000"/>
               </a:spcAft>
             </a:pPr>
             <a:r>
-              <a:rPr lang="en-US" sz="1800" b="0" i="0" u="none" strike="noStrike" dirty="0">
-                <a:solidFill>
-                  <a:srgbClr val="000000"/>
-                </a:solidFill>
+              <a:rPr lang="en-US" altLang="zh-CN" sz="1800" dirty="0">
                 <a:effectLst/>
-                <a:latin typeface="Arial" panose="020B0604020202020204" pitchFamily="34" charset="0"/>
-              </a:rPr>
-              <a:t>"</a:t>
-            </a:r>
-            <a:r>
-              <a:rPr lang="en-US" sz="1800" b="0" i="0" u="none" strike="noStrike" dirty="0" err="1">
-                <a:solidFill>
-                  <a:srgbClr val="000000"/>
-                </a:solidFill>
+                <a:latin typeface="Calibri" panose="020F0502020204030204" pitchFamily="34" charset="0"/>
+                <a:ea typeface="宋体" panose="02010600030101010101" pitchFamily="2" charset="-122"/>
+                <a:cs typeface="Calibri" panose="020F0502020204030204" pitchFamily="34" charset="0"/>
+              </a:rPr>
+              <a:t>He, Shen, et al. “An Effective Cost-Sensitive </a:t>
+            </a:r>
+            <a:r>
+              <a:rPr lang="en-US" altLang="zh-CN" sz="1800" dirty="0" err="1">
                 <a:effectLst/>
-                <a:latin typeface="Arial" panose="020B0604020202020204" pitchFamily="34" charset="0"/>
+                <a:latin typeface="Calibri" panose="020F0502020204030204" pitchFamily="34" charset="0"/>
+                <a:ea typeface="宋体" panose="02010600030101010101" pitchFamily="2" charset="-122"/>
+                <a:cs typeface="Calibri" panose="020F0502020204030204" pitchFamily="34" charset="0"/>
               </a:rPr>
               <a:t>XGBoost</a:t>
             </a:r>
             <a:r>
-              <a:rPr lang="en-US" sz="1800" b="0" i="0" u="none" strike="noStrike" dirty="0">
-                <a:solidFill>
-                  <a:srgbClr val="000000"/>
-                </a:solidFill>
+              <a:rPr lang="en-US" altLang="zh-CN" sz="1800" dirty="0">
                 <a:effectLst/>
-                <a:latin typeface="Arial" panose="020B0604020202020204" pitchFamily="34" charset="0"/>
-              </a:rPr>
-              <a:t> Documentation." GitHub, </a:t>
-            </a:r>
-            <a:endParaRPr lang="en-US" sz="1400" b="0" dirty="0">
+                <a:latin typeface="Calibri" panose="020F0502020204030204" pitchFamily="34" charset="0"/>
+                <a:ea typeface="宋体" panose="02010600030101010101" pitchFamily="2" charset="-122"/>
+                <a:cs typeface="Calibri" panose="020F0502020204030204" pitchFamily="34" charset="0"/>
+              </a:rPr>
+              <a:t> Method for Malicious </a:t>
+            </a:r>
+            <a:r>
+              <a:rPr lang="en-US" altLang="zh-CN" sz="1800" dirty="0" err="1">
+                <a:effectLst/>
+                <a:latin typeface="Calibri" panose="020F0502020204030204" pitchFamily="34" charset="0"/>
+                <a:ea typeface="宋体" panose="02010600030101010101" pitchFamily="2" charset="-122"/>
+                <a:cs typeface="Calibri" panose="020F0502020204030204" pitchFamily="34" charset="0"/>
+              </a:rPr>
+              <a:t>Urls</a:t>
+            </a:r>
+            <a:r>
+              <a:rPr lang="en-US" altLang="zh-CN" sz="1800" dirty="0">
+                <a:effectLst/>
+                <a:latin typeface="Calibri" panose="020F0502020204030204" pitchFamily="34" charset="0"/>
+                <a:ea typeface="宋体" panose="02010600030101010101" pitchFamily="2" charset="-122"/>
+                <a:cs typeface="Calibri" panose="020F0502020204030204" pitchFamily="34" charset="0"/>
+              </a:rPr>
+              <a:t> Detection in Imbalanced Dataset.” </a:t>
+            </a:r>
+            <a:r>
+              <a:rPr lang="en-US" altLang="zh-CN" sz="1800" i="1" dirty="0">
+                <a:effectLst/>
+                <a:latin typeface="Calibri" panose="020F0502020204030204" pitchFamily="34" charset="0"/>
+                <a:ea typeface="宋体" panose="02010600030101010101" pitchFamily="2" charset="-122"/>
+                <a:cs typeface="Calibri" panose="020F0502020204030204" pitchFamily="34" charset="0"/>
+              </a:rPr>
+              <a:t>IEEE Access</a:t>
+            </a:r>
+            <a:r>
+              <a:rPr lang="en-US" altLang="zh-CN" sz="1800" dirty="0">
+                <a:effectLst/>
+                <a:latin typeface="Calibri" panose="020F0502020204030204" pitchFamily="34" charset="0"/>
+                <a:ea typeface="宋体" panose="02010600030101010101" pitchFamily="2" charset="-122"/>
+                <a:cs typeface="Calibri" panose="020F0502020204030204" pitchFamily="34" charset="0"/>
+              </a:rPr>
+              <a:t>, vol. 9, 2021, pp. 93089–93096, doi:10.1109/access.2021.3093094. </a:t>
+            </a:r>
+            <a:endParaRPr lang="zh-CN" altLang="zh-CN" sz="1800" dirty="0">
               <a:effectLst/>
+              <a:latin typeface="Calibri" panose="020F0502020204030204" pitchFamily="34" charset="0"/>
+              <a:ea typeface="宋体" panose="02010600030101010101" pitchFamily="2" charset="-122"/>
+              <a:cs typeface="Calibri" panose="020F0502020204030204" pitchFamily="34" charset="0"/>
             </a:endParaRPr>
           </a:p>
           <a:p>
-            <a:pPr rtl="0">
-              <a:spcBef>
-                <a:spcPts val="0"/>
-              </a:spcBef>
+            <a:pPr marL="457200" indent="-457200">
               <a:spcAft>
-                <a:spcPts val="1200"/>
+                <a:spcPts val="1000"/>
               </a:spcAft>
             </a:pPr>
             <a:r>
-              <a:rPr lang="en-US" sz="1800" b="0" i="0" u="none" strike="noStrike" dirty="0">
-                <a:solidFill>
-                  <a:srgbClr val="000000"/>
-                </a:solidFill>
+              <a:rPr lang="en-US" altLang="zh-CN" sz="1800" dirty="0">
                 <a:effectLst/>
-                <a:latin typeface="Arial" panose="020B0604020202020204" pitchFamily="34" charset="0"/>
-              </a:rPr>
-              <a:t>https://</a:t>
-            </a:r>
-            <a:r>
-              <a:rPr lang="en-US" sz="1800" b="0" i="0" u="none" strike="noStrike" dirty="0" err="1">
-                <a:solidFill>
-                  <a:srgbClr val="000000"/>
-                </a:solidFill>
+                <a:latin typeface="Calibri" panose="020F0502020204030204" pitchFamily="34" charset="0"/>
+                <a:ea typeface="宋体" panose="02010600030101010101" pitchFamily="2" charset="-122"/>
+                <a:cs typeface="Calibri" panose="020F0502020204030204" pitchFamily="34" charset="0"/>
+              </a:rPr>
+              <a:t>ULB, Machine Learning Group -. “Credit Card Fraud Detection.” </a:t>
+            </a:r>
+            <a:r>
+              <a:rPr lang="en-US" altLang="zh-CN" sz="1800" i="1" dirty="0">
                 <a:effectLst/>
-                <a:latin typeface="Arial" panose="020B0604020202020204" pitchFamily="34" charset="0"/>
-              </a:rPr>
-              <a:t>github.com</a:t>
-            </a:r>
-            <a:r>
-              <a:rPr lang="en-US" sz="1800" b="0" i="0" u="none" strike="noStrike" dirty="0">
-                <a:solidFill>
-                  <a:srgbClr val="000000"/>
-                </a:solidFill>
+                <a:latin typeface="Calibri" panose="020F0502020204030204" pitchFamily="34" charset="0"/>
+                <a:ea typeface="宋体" panose="02010600030101010101" pitchFamily="2" charset="-122"/>
+                <a:cs typeface="Calibri" panose="020F0502020204030204" pitchFamily="34" charset="0"/>
+              </a:rPr>
+              <a:t>Kaggle</a:t>
+            </a:r>
+            <a:r>
+              <a:rPr lang="en-US" altLang="zh-CN" sz="1800" dirty="0">
                 <a:effectLst/>
-                <a:latin typeface="Arial" panose="020B0604020202020204" pitchFamily="34" charset="0"/>
+                <a:latin typeface="Calibri" panose="020F0502020204030204" pitchFamily="34" charset="0"/>
+                <a:ea typeface="宋体" panose="02010600030101010101" pitchFamily="2" charset="-122"/>
+                <a:cs typeface="Calibri" panose="020F0502020204030204" pitchFamily="34" charset="0"/>
+              </a:rPr>
+              <a:t>, 23 Mar. 2018, </a:t>
+            </a:r>
+            <a:r>
+              <a:rPr lang="en-US" altLang="zh-CN" sz="1800" dirty="0" err="1">
+                <a:effectLst/>
+                <a:latin typeface="Calibri" panose="020F0502020204030204" pitchFamily="34" charset="0"/>
+                <a:ea typeface="宋体" panose="02010600030101010101" pitchFamily="2" charset="-122"/>
+                <a:cs typeface="Calibri" panose="020F0502020204030204" pitchFamily="34" charset="0"/>
+              </a:rPr>
+              <a:t>www.kaggle.com</a:t>
+            </a:r>
+            <a:r>
+              <a:rPr lang="en-US" altLang="zh-CN" sz="1800" dirty="0">
+                <a:effectLst/>
+                <a:latin typeface="Calibri" panose="020F0502020204030204" pitchFamily="34" charset="0"/>
+                <a:ea typeface="宋体" panose="02010600030101010101" pitchFamily="2" charset="-122"/>
+                <a:cs typeface="Calibri" panose="020F0502020204030204" pitchFamily="34" charset="0"/>
+              </a:rPr>
+              <a:t>/datasets/</a:t>
+            </a:r>
+            <a:r>
+              <a:rPr lang="en-US" altLang="zh-CN" sz="1800" dirty="0" err="1">
+                <a:effectLst/>
+                <a:latin typeface="Calibri" panose="020F0502020204030204" pitchFamily="34" charset="0"/>
+                <a:ea typeface="宋体" panose="02010600030101010101" pitchFamily="2" charset="-122"/>
+                <a:cs typeface="Calibri" panose="020F0502020204030204" pitchFamily="34" charset="0"/>
+              </a:rPr>
+              <a:t>mlg-ulb</a:t>
+            </a:r>
+            <a:r>
+              <a:rPr lang="en-US" altLang="zh-CN" sz="1800" dirty="0">
+                <a:effectLst/>
+                <a:latin typeface="Calibri" panose="020F0502020204030204" pitchFamily="34" charset="0"/>
+                <a:ea typeface="宋体" panose="02010600030101010101" pitchFamily="2" charset="-122"/>
+                <a:cs typeface="Calibri" panose="020F0502020204030204" pitchFamily="34" charset="0"/>
               </a:rPr>
               <a:t>/</a:t>
             </a:r>
             <a:r>
-              <a:rPr lang="en-US" sz="1800" b="0" i="0" u="none" strike="noStrike" dirty="0" err="1">
-                <a:solidFill>
-                  <a:srgbClr val="000000"/>
-                </a:solidFill>
+              <a:rPr lang="en-US" altLang="zh-CN" sz="1800" dirty="0" err="1">
                 <a:effectLst/>
-                <a:latin typeface="Arial" panose="020B0604020202020204" pitchFamily="34" charset="0"/>
-              </a:rPr>
-              <a:t>dmlc</a:t>
-            </a:r>
-            <a:r>
-              <a:rPr lang="en-US" sz="1800" b="0" i="0" u="none" strike="noStrike" dirty="0">
-                <a:solidFill>
-                  <a:srgbClr val="000000"/>
-                </a:solidFill>
+                <a:latin typeface="Calibri" panose="020F0502020204030204" pitchFamily="34" charset="0"/>
+                <a:ea typeface="宋体" panose="02010600030101010101" pitchFamily="2" charset="-122"/>
+                <a:cs typeface="Calibri" panose="020F0502020204030204" pitchFamily="34" charset="0"/>
+              </a:rPr>
+              <a:t>creditcardfraud</a:t>
+            </a:r>
+            <a:r>
+              <a:rPr lang="en-US" altLang="zh-CN" sz="1800" dirty="0">
                 <a:effectLst/>
-                <a:latin typeface="Arial" panose="020B0604020202020204" pitchFamily="34" charset="0"/>
-              </a:rPr>
-              <a:t>/</a:t>
-            </a:r>
-            <a:r>
-              <a:rPr lang="en-US" sz="1800" b="0" i="0" u="none" strike="noStrike" dirty="0" err="1">
-                <a:solidFill>
-                  <a:srgbClr val="000000"/>
-                </a:solidFill>
+                <a:latin typeface="Calibri" panose="020F0502020204030204" pitchFamily="34" charset="0"/>
+                <a:ea typeface="宋体" panose="02010600030101010101" pitchFamily="2" charset="-122"/>
+                <a:cs typeface="Calibri" panose="020F0502020204030204" pitchFamily="34" charset="0"/>
+              </a:rPr>
+              <a:t>. Accessed 06 Dec. 2023. </a:t>
+            </a:r>
+            <a:endParaRPr lang="zh-CN" altLang="zh-CN" sz="1800" dirty="0">
+              <a:effectLst/>
+              <a:latin typeface="Calibri" panose="020F0502020204030204" pitchFamily="34" charset="0"/>
+              <a:ea typeface="宋体" panose="02010600030101010101" pitchFamily="2" charset="-122"/>
+              <a:cs typeface="Calibri" panose="020F0502020204030204" pitchFamily="34" charset="0"/>
+            </a:endParaRPr>
+          </a:p>
+          <a:p>
+            <a:pPr marL="457200" indent="-457200">
+              <a:spcAft>
+                <a:spcPts val="1000"/>
+              </a:spcAft>
+            </a:pPr>
+            <a:r>
+              <a:rPr lang="en-US" altLang="zh-CN" sz="1800" dirty="0">
                 <a:effectLst/>
-                <a:latin typeface="Arial" panose="020B0604020202020204" pitchFamily="34" charset="0"/>
-              </a:rPr>
-              <a:t>xgboost</a:t>
-            </a:r>
-            <a:r>
-              <a:rPr lang="en-US" sz="1800" b="0" i="0" u="none" strike="noStrike" dirty="0">
-                <a:solidFill>
-                  <a:srgbClr val="000000"/>
-                </a:solidFill>
+                <a:latin typeface="Calibri" panose="020F0502020204030204" pitchFamily="34" charset="0"/>
+                <a:ea typeface="宋体" panose="02010600030101010101" pitchFamily="2" charset="-122"/>
+                <a:cs typeface="Calibri" panose="020F0502020204030204" pitchFamily="34" charset="0"/>
+              </a:rPr>
+              <a:t>“</a:t>
+            </a:r>
+            <a:r>
+              <a:rPr lang="en-US" altLang="zh-CN" sz="1800" dirty="0" err="1">
                 <a:effectLst/>
-                <a:latin typeface="Arial" panose="020B0604020202020204" pitchFamily="34" charset="0"/>
-              </a:rPr>
-              <a:t>(Accessed Dec 5, 2023).</a:t>
-            </a:r>
-            <a:endParaRPr lang="en-US" sz="1400" b="0" dirty="0">
+                <a:latin typeface="Calibri" panose="020F0502020204030204" pitchFamily="34" charset="0"/>
+                <a:ea typeface="宋体" panose="02010600030101010101" pitchFamily="2" charset="-122"/>
+                <a:cs typeface="Calibri" panose="020F0502020204030204" pitchFamily="34" charset="0"/>
+              </a:rPr>
+              <a:t>XGBoost</a:t>
+            </a:r>
+            <a:r>
+              <a:rPr lang="en-US" altLang="zh-CN" sz="1800" dirty="0">
+                <a:effectLst/>
+                <a:latin typeface="Calibri" panose="020F0502020204030204" pitchFamily="34" charset="0"/>
+                <a:ea typeface="宋体" panose="02010600030101010101" pitchFamily="2" charset="-122"/>
+                <a:cs typeface="Calibri" panose="020F0502020204030204" pitchFamily="34" charset="0"/>
+              </a:rPr>
+              <a:t> Documentation.” </a:t>
+            </a:r>
+            <a:r>
+              <a:rPr lang="en-US" altLang="zh-CN" sz="1800" i="1" dirty="0" err="1">
+                <a:effectLst/>
+                <a:latin typeface="Calibri" panose="020F0502020204030204" pitchFamily="34" charset="0"/>
+                <a:ea typeface="宋体" panose="02010600030101010101" pitchFamily="2" charset="-122"/>
+                <a:cs typeface="Calibri" panose="020F0502020204030204" pitchFamily="34" charset="0"/>
+              </a:rPr>
+              <a:t>XGBoost</a:t>
+            </a:r>
+            <a:r>
+              <a:rPr lang="en-US" altLang="zh-CN" sz="1800" i="1" dirty="0">
+                <a:effectLst/>
+                <a:latin typeface="Calibri" panose="020F0502020204030204" pitchFamily="34" charset="0"/>
+                <a:ea typeface="宋体" panose="02010600030101010101" pitchFamily="2" charset="-122"/>
+                <a:cs typeface="Calibri" panose="020F0502020204030204" pitchFamily="34" charset="0"/>
+              </a:rPr>
+              <a:t> Documentation - </a:t>
+            </a:r>
+            <a:r>
+              <a:rPr lang="en-US" altLang="zh-CN" sz="1800" i="1" dirty="0" err="1">
+                <a:effectLst/>
+                <a:latin typeface="Calibri" panose="020F0502020204030204" pitchFamily="34" charset="0"/>
+                <a:ea typeface="宋体" panose="02010600030101010101" pitchFamily="2" charset="-122"/>
+                <a:cs typeface="Calibri" panose="020F0502020204030204" pitchFamily="34" charset="0"/>
+              </a:rPr>
+              <a:t>Xgboost</a:t>
+            </a:r>
+            <a:r>
+              <a:rPr lang="en-US" altLang="zh-CN" sz="1800" i="1" dirty="0">
+                <a:effectLst/>
+                <a:latin typeface="Calibri" panose="020F0502020204030204" pitchFamily="34" charset="0"/>
+                <a:ea typeface="宋体" panose="02010600030101010101" pitchFamily="2" charset="-122"/>
+                <a:cs typeface="Calibri" panose="020F0502020204030204" pitchFamily="34" charset="0"/>
+              </a:rPr>
+              <a:t> 2.0.2 Documentation</a:t>
+            </a:r>
+            <a:r>
+              <a:rPr lang="en-US" altLang="zh-CN" sz="1800" dirty="0">
+                <a:effectLst/>
+                <a:latin typeface="Calibri" panose="020F0502020204030204" pitchFamily="34" charset="0"/>
+                <a:ea typeface="宋体" panose="02010600030101010101" pitchFamily="2" charset="-122"/>
+                <a:cs typeface="Calibri" panose="020F0502020204030204" pitchFamily="34" charset="0"/>
+              </a:rPr>
+              <a:t>, </a:t>
+            </a:r>
+            <a:r>
+              <a:rPr lang="en-US" altLang="zh-CN" sz="1800" dirty="0" err="1">
+                <a:effectLst/>
+                <a:latin typeface="Calibri" panose="020F0502020204030204" pitchFamily="34" charset="0"/>
+                <a:ea typeface="宋体" panose="02010600030101010101" pitchFamily="2" charset="-122"/>
+                <a:cs typeface="Calibri" panose="020F0502020204030204" pitchFamily="34" charset="0"/>
+              </a:rPr>
+              <a:t>xgboost.readthedocs.io</a:t>
+            </a:r>
+            <a:r>
+              <a:rPr lang="en-US" altLang="zh-CN" sz="1800" dirty="0">
+                <a:effectLst/>
+                <a:latin typeface="Calibri" panose="020F0502020204030204" pitchFamily="34" charset="0"/>
+                <a:ea typeface="宋体" panose="02010600030101010101" pitchFamily="2" charset="-122"/>
+                <a:cs typeface="Calibri" panose="020F0502020204030204" pitchFamily="34" charset="0"/>
+              </a:rPr>
+              <a:t>/. </a:t>
+            </a:r>
+            <a:endParaRPr lang="zh-CN" altLang="zh-CN" sz="1800" dirty="0">
               <a:effectLst/>
+              <a:latin typeface="Calibri" panose="020F0502020204030204" pitchFamily="34" charset="0"/>
+              <a:ea typeface="宋体" panose="02010600030101010101" pitchFamily="2" charset="-122"/>
+              <a:cs typeface="Calibri" panose="020F0502020204030204" pitchFamily="34" charset="0"/>
             </a:endParaRPr>
-          </a:p>
-          <a:p>
-            <a:br>
-              <a:rPr lang="en-US" sz="1400" dirty="0"/>
-            </a:br>
-            <a:endParaRPr lang="en-US" altLang="zh-CN" sz="1400" dirty="0"/>
           </a:p>
         </p:txBody>
       </p:sp>
@@ -4721,7 +4860,7 @@
         </p:nvSpPr>
         <p:spPr>
           <a:xfrm>
-            <a:off x="714375" y="759015"/>
+            <a:off x="714375" y="845343"/>
             <a:ext cx="7715250" cy="3452813"/>
           </a:xfrm>
           <a:prstGeom prst="rect">
@@ -4742,12 +4881,10 @@
               <a:buChar char="•"/>
             </a:pPr>
             <a:r>
-              <a:rPr lang="en-US" sz="1680" dirty="0">
-                <a:solidFill>
-                  <a:srgbClr val="383838"/>
-                </a:solidFill>
-                <a:latin typeface="Noto Sans SC" pitchFamily="34" charset="0"/>
+              <a:rPr lang="en-US" dirty="0">
+                <a:latin typeface="Calibri" panose="020F0502020204030204" pitchFamily="34" charset="0"/>
                 <a:ea typeface="Noto Sans SC" pitchFamily="34" charset="-122"/>
+                <a:cs typeface="Calibri" panose="020F0502020204030204" pitchFamily="34" charset="0"/>
               </a:rPr>
               <a:t>Simulated credit card transaction fraud data on Kaggle  </a:t>
             </a:r>
@@ -4762,12 +4899,29 @@
               <a:buChar char="•"/>
             </a:pPr>
             <a:r>
-              <a:rPr lang="en-US" sz="1600" dirty="0">
-                <a:hlinkClick r:id="rId3"/>
+              <a:rPr lang="en-US" dirty="0">
+                <a:solidFill>
+                  <a:schemeClr val="accent1"/>
+                </a:solidFill>
+                <a:latin typeface="Calibri" panose="020F0502020204030204" pitchFamily="34" charset="0"/>
+                <a:cs typeface="Calibri" panose="020F0502020204030204" pitchFamily="34" charset="0"/>
+                <a:hlinkClick r:id="rId3">
+                  <a:extLst>
+                    <a:ext uri="{A12FA001-AC4F-418D-AE19-62706E023703}">
+                      <ahyp:hlinkClr xmlns:ahyp="http://schemas.microsoft.com/office/drawing/2018/hyperlinkcolor" val="tx"/>
+                    </a:ext>
+                  </a:extLst>
+                </a:hlinkClick>
               </a:rPr>
               <a:t>Credit Card Fraud (kaggle.com)</a:t>
             </a:r>
-            <a:endParaRPr lang="en-US" sz="1600" dirty="0"/>
+            <a:endParaRPr lang="en-US" dirty="0">
+              <a:solidFill>
+                <a:schemeClr val="accent1"/>
+              </a:solidFill>
+              <a:latin typeface="Calibri" panose="020F0502020204030204" pitchFamily="34" charset="0"/>
+              <a:cs typeface="Calibri" panose="020F0502020204030204" pitchFamily="34" charset="0"/>
+            </a:endParaRPr>
           </a:p>
           <a:p>
             <a:pPr marL="285750" indent="-285750">
@@ -4779,32 +4933,13 @@
               <a:buChar char="•"/>
             </a:pPr>
             <a:r>
-              <a:rPr lang="en-US" sz="1680" dirty="0">
-                <a:solidFill>
-                  <a:srgbClr val="383838"/>
-                </a:solidFill>
-                <a:latin typeface="Noto Sans SC" pitchFamily="34" charset="0"/>
+              <a:rPr lang="en-US" dirty="0">
+                <a:latin typeface="Calibri" panose="020F0502020204030204" pitchFamily="34" charset="0"/>
                 <a:ea typeface="Noto Sans SC" pitchFamily="34" charset="-122"/>
-              </a:rPr>
-              <a:t>Binary classification problem</a:t>
-            </a:r>
-            <a:r>
-              <a:rPr lang="en-US" sz="1600" dirty="0">
-                <a:solidFill>
-                  <a:srgbClr val="383838"/>
-                </a:solidFill>
-                <a:latin typeface="Noto Sans SC" pitchFamily="34" charset="0"/>
-                <a:ea typeface="Noto Sans SC" pitchFamily="34" charset="-122"/>
-              </a:rPr>
-              <a:t>, each transaction is either fraudulent or not.</a:t>
-            </a:r>
-            <a:endParaRPr lang="en-US" sz="1680" dirty="0">
-              <a:solidFill>
-                <a:srgbClr val="383838"/>
-              </a:solidFill>
-              <a:latin typeface="Noto Sans SC" pitchFamily="34" charset="0"/>
-              <a:ea typeface="Noto Sans SC" pitchFamily="34" charset="-122"/>
-            </a:endParaRPr>
+                <a:cs typeface="Calibri" panose="020F0502020204030204" pitchFamily="34" charset="0"/>
+              </a:rPr>
+              <a:t>Binary classification problem, each transaction is either fraudulent or not.</a:t>
+            </a:r>
           </a:p>
           <a:p>
             <a:pPr marL="285750" indent="-285750">
@@ -4816,12 +4951,10 @@
               <a:buChar char="•"/>
             </a:pPr>
             <a:r>
-              <a:rPr lang="en-US" sz="1680" dirty="0">
-                <a:solidFill>
-                  <a:srgbClr val="383838"/>
-                </a:solidFill>
-                <a:latin typeface="Noto Sans SC" pitchFamily="34" charset="0"/>
+              <a:rPr lang="en-US" dirty="0">
+                <a:latin typeface="Calibri" panose="020F0502020204030204" pitchFamily="34" charset="0"/>
                 <a:ea typeface="Noto Sans SC" pitchFamily="34" charset="-122"/>
+                <a:cs typeface="Calibri" panose="020F0502020204030204" pitchFamily="34" charset="0"/>
               </a:rPr>
               <a:t>1000000 transactions, only 87403 transactions are fraudulent. 8.74% fraud rate, very unbalanced data</a:t>
             </a:r>
@@ -4836,12 +4969,10 @@
               <a:buChar char="•"/>
             </a:pPr>
             <a:r>
-              <a:rPr lang="en-US" sz="1680" dirty="0">
-                <a:solidFill>
-                  <a:srgbClr val="383838"/>
-                </a:solidFill>
-                <a:latin typeface="Noto Sans SC" pitchFamily="34" charset="0"/>
+              <a:rPr lang="en-US" dirty="0">
+                <a:latin typeface="Calibri" panose="020F0502020204030204" pitchFamily="34" charset="0"/>
                 <a:ea typeface="Noto Sans SC" pitchFamily="34" charset="-122"/>
+                <a:cs typeface="Calibri" panose="020F0502020204030204" pitchFamily="34" charset="0"/>
               </a:rPr>
               <a:t>We will apply stratification when dividing the dataset</a:t>
             </a:r>
@@ -4854,12 +4985,10 @@
               <a:buSzPct val="100000"/>
               <a:buChar char="•"/>
             </a:pPr>
-            <a:endParaRPr lang="en-US" sz="1680" dirty="0">
-              <a:solidFill>
-                <a:srgbClr val="383838"/>
-              </a:solidFill>
-              <a:latin typeface="Noto Sans SC" pitchFamily="34" charset="0"/>
+            <a:endParaRPr lang="en-US" dirty="0">
+              <a:latin typeface="Calibri" panose="020F0502020204030204" pitchFamily="34" charset="0"/>
               <a:ea typeface="Noto Sans SC" pitchFamily="34" charset="-122"/>
+              <a:cs typeface="Calibri" panose="020F0502020204030204" pitchFamily="34" charset="0"/>
             </a:endParaRPr>
           </a:p>
           <a:p>
@@ -4870,7 +4999,10 @@
               <a:buSzPct val="100000"/>
               <a:buChar char="•"/>
             </a:pPr>
-            <a:endParaRPr lang="en-US" sz="1680" dirty="0"/>
+            <a:endParaRPr lang="en-US" dirty="0">
+              <a:latin typeface="Calibri" panose="020F0502020204030204" pitchFamily="34" charset="0"/>
+              <a:cs typeface="Calibri" panose="020F0502020204030204" pitchFamily="34" charset="0"/>
+            </a:endParaRPr>
           </a:p>
           <a:p>
             <a:pPr marL="342900" indent="-342900" algn="l">
@@ -4880,7 +5012,10 @@
               <a:buSzPct val="100000"/>
               <a:buChar char="•"/>
             </a:pPr>
-            <a:endParaRPr lang="en-US" sz="1680" dirty="0"/>
+            <a:endParaRPr lang="en-US" dirty="0">
+              <a:latin typeface="Calibri" panose="020F0502020204030204" pitchFamily="34" charset="0"/>
+              <a:cs typeface="Calibri" panose="020F0502020204030204" pitchFamily="34" charset="0"/>
+            </a:endParaRPr>
           </a:p>
         </p:txBody>
       </p:sp>
@@ -5000,7 +5135,7 @@
         </p:nvSpPr>
         <p:spPr>
           <a:xfrm>
-            <a:off x="762000" y="2825749"/>
+            <a:off x="762000" y="3064582"/>
             <a:ext cx="7929513" cy="1432874"/>
           </a:xfrm>
           <a:prstGeom prst="rect">
@@ -5014,134 +5149,62 @@
           <a:p>
             <a:pPr fontAlgn="base"/>
             <a:r>
-              <a:rPr lang="en-US" dirty="0" err="1"/>
+              <a:rPr lang="en-US" b="1" dirty="0" err="1"/>
               <a:t>dist_home</a:t>
             </a:r>
             <a:r>
+              <a:rPr lang="en-US" b="1" dirty="0"/>
+              <a:t>: </a:t>
+            </a:r>
+            <a:r>
               <a:rPr lang="en-US" dirty="0"/>
-              <a:t>: the distance from home where the transaction happened</a:t>
+              <a:t>the distance from home where the transaction happened</a:t>
             </a:r>
           </a:p>
           <a:p>
             <a:pPr fontAlgn="base"/>
-            <a:endParaRPr lang="en-US" dirty="0"/>
+            <a:r>
+              <a:rPr lang="en-US" b="1" dirty="0" err="1"/>
+              <a:t>dist_last_transact</a:t>
+            </a:r>
+            <a:r>
+              <a:rPr lang="en-US" b="1" dirty="0"/>
+              <a:t>: </a:t>
+            </a:r>
+            <a:r>
+              <a:rPr lang="en-US" dirty="0"/>
+              <a:t>the distance from last transaction happened</a:t>
+            </a:r>
           </a:p>
           <a:p>
             <a:pPr fontAlgn="base"/>
             <a:r>
-              <a:rPr lang="en-US" dirty="0" err="1"/>
-              <a:t>dist_last_transact</a:t>
+              <a:rPr lang="en-US" b="1" dirty="0" err="1"/>
+              <a:t>ratio_to_med_price</a:t>
+            </a:r>
+            <a:r>
+              <a:rPr lang="en-US" b="1" dirty="0"/>
+              <a:t>: </a:t>
             </a:r>
             <a:r>
               <a:rPr lang="en-US" dirty="0"/>
-              <a:t>: the distance from last transaction happened</a:t>
+              <a:t>ratio of transaction price to median purchase price</a:t>
             </a:r>
           </a:p>
           <a:p>
             <a:pPr fontAlgn="base"/>
-            <a:endParaRPr lang="en-US" dirty="0"/>
-          </a:p>
-          <a:p>
-            <a:pPr fontAlgn="base"/>
-            <a:r>
-              <a:rPr lang="en-US" dirty="0" err="1"/>
-              <a:t>ratio_to_med_price</a:t>
+            <a:r>
+              <a:rPr lang="en-US" b="1" dirty="0" err="1"/>
+              <a:t>repeat_retailer</a:t>
+            </a:r>
+            <a:r>
+              <a:rPr lang="en-US" b="1" dirty="0"/>
+              <a:t>: </a:t>
             </a:r>
             <a:r>
               <a:rPr lang="en-US" dirty="0"/>
-              <a:t>: ratio of transaction </a:t>
-            </a:r>
-            <a:r>
-              <a:rPr lang="en-US" dirty="0" err="1"/>
-              <a:t>price</a:t>
-            </a:r>
-            <a:r>
-              <a:rPr lang="en-US" dirty="0"/>
-              <a:t> to median purchase price</a:t>
-            </a:r>
-          </a:p>
-          <a:p>
-            <a:pPr fontAlgn="base"/>
-            <a:endParaRPr lang="en-US" dirty="0"/>
-          </a:p>
-          <a:p>
-            <a:pPr fontAlgn="base"/>
-            <a:r>
-              <a:rPr lang="en-US" dirty="0" err="1"/>
-              <a:t>repeat_retailer</a:t>
-            </a:r>
-            <a:r>
-              <a:rPr lang="en-US" dirty="0"/>
-              <a:t>: Is the transaction happened from same retailer</a:t>
-            </a:r>
-          </a:p>
-          <a:p>
-            <a:pPr marL="342900" indent="-342900">
-              <a:lnSpc>
-                <a:spcPct val="150000"/>
-              </a:lnSpc>
-              <a:buSzPct val="100000"/>
-              <a:buFontTx/>
-              <a:buChar char="•"/>
-            </a:pPr>
-            <a:endParaRPr lang="en-US" sz="1600" b="0" i="0" dirty="0">
-              <a:solidFill>
-                <a:srgbClr val="3C4043"/>
-              </a:solidFill>
-              <a:effectLst/>
-              <a:latin typeface="Inter"/>
-            </a:endParaRPr>
-          </a:p>
-          <a:p>
-            <a:pPr marL="342900" indent="-342900" algn="l">
-              <a:lnSpc>
-                <a:spcPct val="150000"/>
-              </a:lnSpc>
-              <a:buSzPct val="100000"/>
-              <a:buChar char="•"/>
-            </a:pPr>
-            <a:endParaRPr lang="en-US" sz="1600" b="0" i="0" dirty="0">
-              <a:solidFill>
-                <a:srgbClr val="3C4043"/>
-              </a:solidFill>
-              <a:effectLst/>
-              <a:latin typeface="Inter"/>
-            </a:endParaRPr>
-          </a:p>
-          <a:p>
-            <a:pPr marL="342900" indent="-342900" algn="l">
-              <a:lnSpc>
-                <a:spcPct val="150000"/>
-              </a:lnSpc>
-              <a:buSzPct val="100000"/>
-              <a:buChar char="•"/>
-            </a:pPr>
-            <a:endParaRPr lang="en-US" sz="1680" dirty="0">
-              <a:solidFill>
-                <a:srgbClr val="383838"/>
-              </a:solidFill>
-              <a:latin typeface="Noto Sans SC" pitchFamily="34" charset="0"/>
-              <a:ea typeface="Noto Sans SC" pitchFamily="34" charset="-122"/>
-            </a:endParaRPr>
-          </a:p>
-          <a:p>
-            <a:pPr marL="342900" indent="-342900" algn="l">
-              <a:lnSpc>
-                <a:spcPct val="150000"/>
-              </a:lnSpc>
-              <a:buSzPct val="100000"/>
-              <a:buChar char="•"/>
-            </a:pPr>
-            <a:endParaRPr lang="en-US" sz="1680" dirty="0"/>
-          </a:p>
-          <a:p>
-            <a:pPr marL="342900" indent="-342900" algn="l">
-              <a:lnSpc>
-                <a:spcPct val="150000"/>
-              </a:lnSpc>
-              <a:buSzPct val="100000"/>
-              <a:buChar char="•"/>
-            </a:pPr>
+              <a:t>Is the transaction happened from same retailer</a:t>
+            </a:r>
             <a:endParaRPr lang="en-US" sz="1680" dirty="0"/>
           </a:p>
         </p:txBody>
@@ -5283,8 +5346,8 @@
         </p:nvSpPr>
         <p:spPr>
           <a:xfrm>
-            <a:off x="768285" y="2630744"/>
-            <a:ext cx="7876094" cy="2030095"/>
+            <a:off x="633953" y="3197274"/>
+            <a:ext cx="7876094" cy="1200329"/>
           </a:xfrm>
           <a:prstGeom prst="rect">
             <a:avLst/>
@@ -5305,27 +5368,40 @@
                 <a:solidFill>
                   <a:srgbClr val="3C4043"/>
                 </a:solidFill>
-                <a:latin typeface="Arial" panose="020B0604020202020204" pitchFamily="34" charset="0"/>
+                <a:latin typeface="Calibri" panose="020F0502020204030204" pitchFamily="34" charset="0"/>
+                <a:cs typeface="Calibri" panose="020F0502020204030204" pitchFamily="34" charset="0"/>
               </a:rPr>
               <a:t> </a:t>
             </a:r>
             <a:r>
-              <a:rPr lang="en-US" dirty="0" err="1">
+              <a:rPr lang="en-US" b="1" dirty="0" err="1">
                 <a:solidFill>
                   <a:srgbClr val="3C4043"/>
                 </a:solidFill>
-                <a:latin typeface="Arial" panose="020B0604020202020204" pitchFamily="34" charset="0"/>
+                <a:latin typeface="Calibri" panose="020F0502020204030204" pitchFamily="34" charset="0"/>
+                <a:cs typeface="Calibri" panose="020F0502020204030204" pitchFamily="34" charset="0"/>
               </a:rPr>
               <a:t>used_chip</a:t>
+            </a:r>
+            <a:r>
+              <a:rPr lang="en-US" b="1" dirty="0">
+                <a:solidFill>
+                  <a:srgbClr val="3C4043"/>
+                </a:solidFill>
+                <a:latin typeface="Calibri" panose="020F0502020204030204" pitchFamily="34" charset="0"/>
+                <a:cs typeface="Calibri" panose="020F0502020204030204" pitchFamily="34" charset="0"/>
+              </a:rPr>
+              <a:t>: </a:t>
             </a:r>
             <a:r>
               <a:rPr lang="en-US" dirty="0">
                 <a:solidFill>
                   <a:srgbClr val="3C4043"/>
                 </a:solidFill>
-                <a:latin typeface="Arial" panose="020B0604020202020204" pitchFamily="34" charset="0"/>
-              </a:rPr>
-              <a:t>: Is the transaction through credit card chip?</a:t>
+                <a:latin typeface="Calibri" panose="020F0502020204030204" pitchFamily="34" charset="0"/>
+                <a:cs typeface="Calibri" panose="020F0502020204030204" pitchFamily="34" charset="0"/>
+              </a:rPr>
+              <a:t>Is the transaction through credit card chip?</a:t>
             </a:r>
           </a:p>
           <a:p>
@@ -5333,12 +5409,46 @@
               <a:buFont typeface="Arial" panose="020B0604020202020204" pitchFamily="34" charset="0"/>
               <a:buChar char="•"/>
             </a:pPr>
-            <a:endParaRPr lang="en-US" dirty="0">
-              <a:solidFill>
-                <a:srgbClr val="3C4043"/>
-              </a:solidFill>
-              <a:latin typeface="Arial" panose="020B0604020202020204" pitchFamily="34" charset="0"/>
-            </a:endParaRPr>
+            <a:r>
+              <a:rPr lang="en-US" dirty="0">
+                <a:solidFill>
+                  <a:srgbClr val="3C4043"/>
+                </a:solidFill>
+                <a:latin typeface="Calibri" panose="020F0502020204030204" pitchFamily="34" charset="0"/>
+                <a:cs typeface="Calibri" panose="020F0502020204030204" pitchFamily="34" charset="0"/>
+              </a:rPr>
+              <a:t> </a:t>
+            </a:r>
+            <a:r>
+              <a:rPr lang="en-US" b="1" dirty="0" err="1">
+                <a:solidFill>
+                  <a:srgbClr val="3C4043"/>
+                </a:solidFill>
+                <a:latin typeface="Calibri" panose="020F0502020204030204" pitchFamily="34" charset="0"/>
+                <a:cs typeface="Calibri" panose="020F0502020204030204" pitchFamily="34" charset="0"/>
+              </a:rPr>
+              <a:t>used_pin_number</a:t>
+            </a:r>
+            <a:r>
+              <a:rPr lang="en-US" b="1" dirty="0">
+                <a:solidFill>
+                  <a:srgbClr val="3C4043"/>
+                </a:solidFill>
+                <a:latin typeface="Calibri" panose="020F0502020204030204" pitchFamily="34" charset="0"/>
+                <a:cs typeface="Calibri" panose="020F0502020204030204" pitchFamily="34" charset="0"/>
+              </a:rPr>
+              <a:t>:</a:t>
+            </a:r>
+            <a:r>
+              <a:rPr lang="en-US" dirty="0">
+                <a:solidFill>
+                  <a:srgbClr val="3C4043"/>
+                </a:solidFill>
+                <a:latin typeface="Calibri" panose="020F0502020204030204" pitchFamily="34" charset="0"/>
+                <a:cs typeface="Calibri" panose="020F0502020204030204" pitchFamily="34" charset="0"/>
+              </a:rPr>
+              <a:t> Is the transaction happened by using PIN number?</a:t>
+            </a:r>
           </a:p>
           <a:p>
             <a:pPr fontAlgn="base">
@@ -5346,103 +5456,70 @@
               <a:buChar char="•"/>
             </a:pPr>
             <a:r>
+              <a:rPr lang="en-US" b="1" dirty="0">
+                <a:solidFill>
+                  <a:srgbClr val="3C4043"/>
+                </a:solidFill>
+                <a:latin typeface="Calibri" panose="020F0502020204030204" pitchFamily="34" charset="0"/>
+                <a:cs typeface="Calibri" panose="020F0502020204030204" pitchFamily="34" charset="0"/>
+              </a:rPr>
+              <a:t> </a:t>
+            </a:r>
+            <a:r>
+              <a:rPr lang="en-US" b="1" dirty="0" err="1">
+                <a:solidFill>
+                  <a:srgbClr val="3C4043"/>
+                </a:solidFill>
+                <a:latin typeface="Calibri" panose="020F0502020204030204" pitchFamily="34" charset="0"/>
+                <a:cs typeface="Calibri" panose="020F0502020204030204" pitchFamily="34" charset="0"/>
+              </a:rPr>
+              <a:t>online_order</a:t>
+            </a:r>
+            <a:r>
+              <a:rPr lang="en-US" b="1" dirty="0">
+                <a:solidFill>
+                  <a:srgbClr val="3C4043"/>
+                </a:solidFill>
+                <a:latin typeface="Calibri" panose="020F0502020204030204" pitchFamily="34" charset="0"/>
+                <a:cs typeface="Calibri" panose="020F0502020204030204" pitchFamily="34" charset="0"/>
+              </a:rPr>
+              <a:t>: </a:t>
+            </a:r>
+            <a:r>
               <a:rPr lang="en-US" dirty="0">
                 <a:solidFill>
                   <a:srgbClr val="3C4043"/>
                 </a:solidFill>
-                <a:latin typeface="Arial" panose="020B0604020202020204" pitchFamily="34" charset="0"/>
-              </a:rPr>
-              <a:t> </a:t>
-            </a:r>
-            <a:r>
-              <a:rPr lang="en-US" dirty="0" err="1">
+                <a:latin typeface="Calibri" panose="020F0502020204030204" pitchFamily="34" charset="0"/>
+                <a:cs typeface="Calibri" panose="020F0502020204030204" pitchFamily="34" charset="0"/>
+              </a:rPr>
+              <a:t>Is the transaction an online order?</a:t>
+            </a:r>
+          </a:p>
+          <a:p>
+            <a:pPr fontAlgn="base">
+              <a:buFont typeface="Arial" panose="020B0604020202020204" pitchFamily="34" charset="0"/>
+              <a:buChar char="•"/>
+            </a:pPr>
+            <a:r>
+              <a:rPr lang="en-US" b="1" dirty="0">
                 <a:solidFill>
                   <a:srgbClr val="3C4043"/>
                 </a:solidFill>
-                <a:latin typeface="Arial" panose="020B0604020202020204" pitchFamily="34" charset="0"/>
-              </a:rPr>
-              <a:t>used_pin_number</a:t>
+                <a:latin typeface="Calibri" panose="020F0502020204030204" pitchFamily="34" charset="0"/>
+                <a:cs typeface="Calibri" panose="020F0502020204030204" pitchFamily="34" charset="0"/>
+              </a:rPr>
+              <a:t> fraud: </a:t>
             </a:r>
             <a:r>
               <a:rPr lang="en-US" dirty="0">
                 <a:solidFill>
                   <a:srgbClr val="3C4043"/>
                 </a:solidFill>
-                <a:latin typeface="Arial" panose="020B0604020202020204" pitchFamily="34" charset="0"/>
-              </a:rPr>
-              <a:t> - Is the transaction happened by using PIN number?</a:t>
-            </a:r>
-          </a:p>
-          <a:p>
-            <a:pPr fontAlgn="base">
-              <a:buFont typeface="Arial" panose="020B0604020202020204" pitchFamily="34" charset="0"/>
-              <a:buChar char="•"/>
-            </a:pPr>
-            <a:endParaRPr lang="en-US" dirty="0">
-              <a:solidFill>
-                <a:srgbClr val="3C4043"/>
-              </a:solidFill>
-              <a:latin typeface="Arial" panose="020B0604020202020204" pitchFamily="34" charset="0"/>
-            </a:endParaRPr>
-          </a:p>
-          <a:p>
-            <a:pPr fontAlgn="base">
-              <a:buFont typeface="Arial" panose="020B0604020202020204" pitchFamily="34" charset="0"/>
-              <a:buChar char="•"/>
-            </a:pPr>
-            <a:r>
-              <a:rPr lang="en-US" dirty="0">
-                <a:solidFill>
-                  <a:srgbClr val="3C4043"/>
-                </a:solidFill>
-                <a:latin typeface="Arial" panose="020B0604020202020204" pitchFamily="34" charset="0"/>
-              </a:rPr>
-              <a:t> </a:t>
-            </a:r>
-            <a:r>
-              <a:rPr lang="en-US" dirty="0" err="1">
-                <a:solidFill>
-                  <a:srgbClr val="3C4043"/>
-                </a:solidFill>
-                <a:latin typeface="Arial" panose="020B0604020202020204" pitchFamily="34" charset="0"/>
-              </a:rPr>
-              <a:t>online_order</a:t>
-            </a:r>
-            <a:r>
-              <a:rPr lang="en-US" dirty="0">
-                <a:solidFill>
-                  <a:srgbClr val="3C4043"/>
-                </a:solidFill>
-                <a:latin typeface="Arial" panose="020B0604020202020204" pitchFamily="34" charset="0"/>
-              </a:rPr>
-              <a:t> - Is the transaction an online order?</a:t>
-            </a:r>
-          </a:p>
-          <a:p>
-            <a:pPr fontAlgn="base">
-              <a:buFont typeface="Arial" panose="020B0604020202020204" pitchFamily="34" charset="0"/>
-              <a:buChar char="•"/>
-            </a:pPr>
-            <a:endParaRPr lang="en-US" dirty="0">
-              <a:solidFill>
-                <a:srgbClr val="3C4043"/>
-              </a:solidFill>
-              <a:latin typeface="Arial" panose="020B0604020202020204" pitchFamily="34" charset="0"/>
-            </a:endParaRPr>
-          </a:p>
-          <a:p>
-            <a:pPr fontAlgn="base">
-              <a:buFont typeface="Arial" panose="020B0604020202020204" pitchFamily="34" charset="0"/>
-              <a:buChar char="•"/>
-            </a:pPr>
-            <a:r>
-              <a:rPr lang="en-US" dirty="0">
-                <a:solidFill>
-                  <a:srgbClr val="3C4043"/>
-                </a:solidFill>
-                <a:latin typeface="Arial" panose="020B0604020202020204" pitchFamily="34" charset="0"/>
-              </a:rPr>
-              <a:t> fraud - Is the transaction fraudulent.</a:t>
+                <a:latin typeface="Calibri" panose="020F0502020204030204" pitchFamily="34" charset="0"/>
+                <a:cs typeface="Calibri" panose="020F0502020204030204" pitchFamily="34" charset="0"/>
+              </a:rPr>
+              <a:t>Is the transaction fraudulent.</a:t>
             </a:r>
           </a:p>
         </p:txBody>
@@ -5516,7 +5593,7 @@
         </p:nvSpPr>
         <p:spPr>
           <a:xfrm>
-            <a:off x="603315" y="1234738"/>
+            <a:off x="603315" y="974268"/>
             <a:ext cx="4932512" cy="4770537"/>
           </a:xfrm>
           <a:prstGeom prst="rect">
@@ -5543,12 +5620,15 @@
                   <a:srgbClr val="595959"/>
                 </a:solidFill>
                 <a:effectLst/>
-                <a:latin typeface="Arial" panose="020B0604020202020204" pitchFamily="34" charset="0"/>
+                <a:latin typeface="Calibri" panose="020F0502020204030204" pitchFamily="34" charset="0"/>
+                <a:cs typeface="Calibri" panose="020F0502020204030204" pitchFamily="34" charset="0"/>
               </a:rPr>
               <a:t>&gt; dim(data)</a:t>
             </a:r>
             <a:endParaRPr lang="en-US" b="0" dirty="0">
               <a:effectLst/>
+              <a:latin typeface="Calibri" panose="020F0502020204030204" pitchFamily="34" charset="0"/>
+              <a:cs typeface="Calibri" panose="020F0502020204030204" pitchFamily="34" charset="0"/>
             </a:endParaRPr>
           </a:p>
           <a:p>
@@ -5566,12 +5646,15 @@
                   <a:srgbClr val="595959"/>
                 </a:solidFill>
                 <a:effectLst/>
-                <a:latin typeface="Arial" panose="020B0604020202020204" pitchFamily="34" charset="0"/>
+                <a:latin typeface="Calibri" panose="020F0502020204030204" pitchFamily="34" charset="0"/>
+                <a:cs typeface="Calibri" panose="020F0502020204030204" pitchFamily="34" charset="0"/>
               </a:rPr>
               <a:t>[1] 1000000       8</a:t>
             </a:r>
             <a:endParaRPr lang="en-US" b="0" dirty="0">
               <a:effectLst/>
+              <a:latin typeface="Calibri" panose="020F0502020204030204" pitchFamily="34" charset="0"/>
+              <a:cs typeface="Calibri" panose="020F0502020204030204" pitchFamily="34" charset="0"/>
             </a:endParaRPr>
           </a:p>
           <a:p>
@@ -5586,6 +5669,8 @@
             <a:br>
               <a:rPr lang="en-US" b="0" dirty="0">
                 <a:effectLst/>
+                <a:latin typeface="Calibri" panose="020F0502020204030204" pitchFamily="34" charset="0"/>
+                <a:cs typeface="Calibri" panose="020F0502020204030204" pitchFamily="34" charset="0"/>
               </a:rPr>
             </a:br>
             <a:r>
@@ -5594,7 +5679,8 @@
                   <a:srgbClr val="595959"/>
                 </a:solidFill>
                 <a:effectLst/>
-                <a:latin typeface="Arial" panose="020B0604020202020204" pitchFamily="34" charset="0"/>
+                <a:latin typeface="Calibri" panose="020F0502020204030204" pitchFamily="34" charset="0"/>
+                <a:cs typeface="Calibri" panose="020F0502020204030204" pitchFamily="34" charset="0"/>
               </a:rPr>
               <a:t>&gt; sum(</a:t>
             </a:r>
@@ -5604,7 +5690,8 @@
                   <a:srgbClr val="595959"/>
                 </a:solidFill>
                 <a:effectLst/>
-                <a:latin typeface="Arial" panose="020B0604020202020204" pitchFamily="34" charset="0"/>
+                <a:latin typeface="Calibri" panose="020F0502020204030204" pitchFamily="34" charset="0"/>
+                <a:cs typeface="Calibri" panose="020F0502020204030204" pitchFamily="34" charset="0"/>
               </a:rPr>
               <a:t>is.na</a:t>
             </a:r>
@@ -5614,12 +5701,15 @@
                   <a:srgbClr val="595959"/>
                 </a:solidFill>
                 <a:effectLst/>
-                <a:latin typeface="Arial" panose="020B0604020202020204" pitchFamily="34" charset="0"/>
+                <a:latin typeface="Calibri" panose="020F0502020204030204" pitchFamily="34" charset="0"/>
+                <a:cs typeface="Calibri" panose="020F0502020204030204" pitchFamily="34" charset="0"/>
               </a:rPr>
               <a:t>(data)) </a:t>
             </a:r>
             <a:endParaRPr lang="en-US" b="0" dirty="0">
               <a:effectLst/>
+              <a:latin typeface="Calibri" panose="020F0502020204030204" pitchFamily="34" charset="0"/>
+              <a:cs typeface="Calibri" panose="020F0502020204030204" pitchFamily="34" charset="0"/>
             </a:endParaRPr>
           </a:p>
           <a:p>
@@ -5637,12 +5727,15 @@
                   <a:srgbClr val="595959"/>
                 </a:solidFill>
                 <a:effectLst/>
-                <a:latin typeface="Arial" panose="020B0604020202020204" pitchFamily="34" charset="0"/>
+                <a:latin typeface="Calibri" panose="020F0502020204030204" pitchFamily="34" charset="0"/>
+                <a:cs typeface="Calibri" panose="020F0502020204030204" pitchFamily="34" charset="0"/>
               </a:rPr>
               <a:t>[1] 0</a:t>
             </a:r>
             <a:endParaRPr lang="en-US" b="0" dirty="0">
               <a:effectLst/>
+              <a:latin typeface="Calibri" panose="020F0502020204030204" pitchFamily="34" charset="0"/>
+              <a:cs typeface="Calibri" panose="020F0502020204030204" pitchFamily="34" charset="0"/>
             </a:endParaRPr>
           </a:p>
           <a:p>
@@ -5656,6 +5749,8 @@
             </a:pPr>
             <a:endParaRPr lang="en-US" b="0" dirty="0">
               <a:effectLst/>
+              <a:latin typeface="Calibri" panose="020F0502020204030204" pitchFamily="34" charset="0"/>
+              <a:cs typeface="Calibri" panose="020F0502020204030204" pitchFamily="34" charset="0"/>
             </a:endParaRPr>
           </a:p>
           <a:p>
@@ -5669,6 +5764,8 @@
             </a:pPr>
             <a:endParaRPr lang="en-US" b="0" dirty="0">
               <a:effectLst/>
+              <a:latin typeface="Calibri" panose="020F0502020204030204" pitchFamily="34" charset="0"/>
+              <a:cs typeface="Calibri" panose="020F0502020204030204" pitchFamily="34" charset="0"/>
             </a:endParaRPr>
           </a:p>
           <a:p>
@@ -5683,6 +5780,8 @@
             <a:br>
               <a:rPr lang="en-US" b="0" dirty="0">
                 <a:effectLst/>
+                <a:latin typeface="Calibri" panose="020F0502020204030204" pitchFamily="34" charset="0"/>
+                <a:cs typeface="Calibri" panose="020F0502020204030204" pitchFamily="34" charset="0"/>
               </a:rPr>
             </a:br>
             <a:r>
@@ -5691,35 +5790,45 @@
                   <a:srgbClr val="595959"/>
                 </a:solidFill>
                 <a:effectLst/>
-                <a:latin typeface="Arial" panose="020B0604020202020204" pitchFamily="34" charset="0"/>
+                <a:latin typeface="Calibri" panose="020F0502020204030204" pitchFamily="34" charset="0"/>
+                <a:cs typeface="Calibri" panose="020F0502020204030204" pitchFamily="34" charset="0"/>
               </a:rPr>
               <a:t># distribution and outliers in each feature</a:t>
             </a:r>
             <a:endParaRPr lang="en-US" b="0" dirty="0">
               <a:effectLst/>
+              <a:latin typeface="Calibri" panose="020F0502020204030204" pitchFamily="34" charset="0"/>
+              <a:cs typeface="Calibri" panose="020F0502020204030204" pitchFamily="34" charset="0"/>
             </a:endParaRPr>
           </a:p>
           <a:p>
             <a:br>
               <a:rPr lang="en-US" b="0" dirty="0">
                 <a:effectLst/>
+                <a:latin typeface="Calibri" panose="020F0502020204030204" pitchFamily="34" charset="0"/>
+                <a:cs typeface="Calibri" panose="020F0502020204030204" pitchFamily="34" charset="0"/>
               </a:rPr>
             </a:br>
             <a:br>
               <a:rPr lang="en-US" b="0" dirty="0">
                 <a:effectLst/>
+                <a:latin typeface="Calibri" panose="020F0502020204030204" pitchFamily="34" charset="0"/>
+                <a:cs typeface="Calibri" panose="020F0502020204030204" pitchFamily="34" charset="0"/>
               </a:rPr>
             </a:br>
             <a:br>
               <a:rPr lang="en-US" b="0" dirty="0">
                 <a:effectLst/>
+                <a:latin typeface="Calibri" panose="020F0502020204030204" pitchFamily="34" charset="0"/>
+                <a:cs typeface="Calibri" panose="020F0502020204030204" pitchFamily="34" charset="0"/>
               </a:rPr>
             </a:br>
             <a:endParaRPr lang="en-US" dirty="0">
               <a:solidFill>
                 <a:srgbClr val="3C4043"/>
               </a:solidFill>
-              <a:latin typeface="Arial" panose="020B0604020202020204" pitchFamily="34" charset="0"/>
+              <a:latin typeface="Calibri" panose="020F0502020204030204" pitchFamily="34" charset="0"/>
+              <a:cs typeface="Calibri" panose="020F0502020204030204" pitchFamily="34" charset="0"/>
             </a:endParaRPr>
           </a:p>
         </p:txBody>
@@ -5855,7 +5964,7 @@
         <p:spPr>
           <a:xfrm>
             <a:off x="4967926" y="1068513"/>
-            <a:ext cx="3863036" cy="4324261"/>
+            <a:ext cx="3863036" cy="3477875"/>
           </a:xfrm>
           <a:prstGeom prst="rect">
             <a:avLst/>
@@ -5876,37 +5985,33 @@
               </a:spcAft>
             </a:pPr>
             <a:r>
-              <a:rPr lang="en-US" sz="1500" i="0" u="none" strike="noStrike" dirty="0">
-                <a:solidFill>
-                  <a:srgbClr val="595959"/>
-                </a:solidFill>
+              <a:rPr lang="en-US" i="0" u="none" strike="noStrike" dirty="0">
                 <a:effectLst/>
-                <a:latin typeface="Arial" panose="020B0604020202020204" pitchFamily="34" charset="0"/>
+                <a:latin typeface="Calibri" panose="020F0502020204030204" pitchFamily="34" charset="0"/>
+                <a:cs typeface="Calibri" panose="020F0502020204030204" pitchFamily="34" charset="0"/>
               </a:rPr>
               <a:t>There is a </a:t>
             </a:r>
             <a:r>
-              <a:rPr lang="en-US" sz="1500" b="1" i="0" u="none" strike="noStrike" dirty="0">
-                <a:solidFill>
-                  <a:srgbClr val="595959"/>
-                </a:solidFill>
+              <a:rPr lang="en-US" b="1" i="0" u="none" strike="noStrike" dirty="0">
                 <a:effectLst/>
-                <a:latin typeface="Arial" panose="020B0604020202020204" pitchFamily="34" charset="0"/>
+                <a:latin typeface="Calibri" panose="020F0502020204030204" pitchFamily="34" charset="0"/>
+                <a:cs typeface="Calibri" panose="020F0502020204030204" pitchFamily="34" charset="0"/>
               </a:rPr>
               <a:t>positive</a:t>
             </a:r>
             <a:r>
-              <a:rPr lang="en-US" sz="1500" i="0" u="none" strike="noStrike" dirty="0">
-                <a:solidFill>
-                  <a:srgbClr val="595959"/>
-                </a:solidFill>
+              <a:rPr lang="en-US" i="0" u="none" strike="noStrike" dirty="0">
                 <a:effectLst/>
-                <a:latin typeface="Arial" panose="020B0604020202020204" pitchFamily="34" charset="0"/>
+                <a:latin typeface="Calibri" panose="020F0502020204030204" pitchFamily="34" charset="0"/>
+                <a:cs typeface="Calibri" panose="020F0502020204030204" pitchFamily="34" charset="0"/>
               </a:rPr>
               <a:t> correlation with respect to the response variable "fraud" in the variables:</a:t>
             </a:r>
-            <a:endParaRPr lang="en-US" sz="1500" dirty="0">
+            <a:endParaRPr lang="en-US" dirty="0">
               <a:effectLst/>
+              <a:latin typeface="Calibri" panose="020F0502020204030204" pitchFamily="34" charset="0"/>
+              <a:cs typeface="Calibri" panose="020F0502020204030204" pitchFamily="34" charset="0"/>
             </a:endParaRPr>
           </a:p>
           <a:p>
@@ -5921,31 +6026,25 @@
               <a:buChar char="•"/>
             </a:pPr>
             <a:r>
-              <a:rPr lang="zh-CN" altLang="en-US" sz="1500" i="0" u="none" strike="noStrike" dirty="0">
-                <a:solidFill>
-                  <a:srgbClr val="595959"/>
-                </a:solidFill>
+              <a:rPr lang="zh-CN" altLang="en-US" i="0" u="none" strike="noStrike" dirty="0">
                 <a:effectLst/>
-                <a:latin typeface="Arial" panose="020B0604020202020204" pitchFamily="34" charset="0"/>
+                <a:latin typeface="Calibri" panose="020F0502020204030204" pitchFamily="34" charset="0"/>
+                <a:cs typeface="Calibri" panose="020F0502020204030204" pitchFamily="34" charset="0"/>
               </a:rPr>
               <a:t>  </a:t>
             </a:r>
             <a:r>
-              <a:rPr lang="en-US" sz="1500" i="0" u="none" strike="noStrike" dirty="0" err="1">
-                <a:solidFill>
-                  <a:srgbClr val="595959"/>
-                </a:solidFill>
+              <a:rPr lang="en-US" i="0" u="none" strike="noStrike" dirty="0" err="1">
                 <a:effectLst/>
-                <a:latin typeface="Arial" panose="020B0604020202020204" pitchFamily="34" charset="0"/>
+                <a:latin typeface="Calibri" panose="020F0502020204030204" pitchFamily="34" charset="0"/>
+                <a:cs typeface="Calibri" panose="020F0502020204030204" pitchFamily="34" charset="0"/>
               </a:rPr>
               <a:t>ratio_to_median_purchase_price</a:t>
             </a:r>
-            <a:endParaRPr lang="en-US" sz="1500" i="0" u="none" strike="noStrike" dirty="0">
-              <a:solidFill>
-                <a:srgbClr val="595959"/>
-              </a:solidFill>
+            <a:endParaRPr lang="en-US" i="0" u="none" strike="noStrike" dirty="0">
               <a:effectLst/>
-              <a:latin typeface="Arial" panose="020B0604020202020204" pitchFamily="34" charset="0"/>
+              <a:latin typeface="Calibri" panose="020F0502020204030204" pitchFamily="34" charset="0"/>
+              <a:cs typeface="Calibri" panose="020F0502020204030204" pitchFamily="34" charset="0"/>
             </a:endParaRPr>
           </a:p>
           <a:p>
@@ -5960,31 +6059,25 @@
               <a:buChar char="•"/>
             </a:pPr>
             <a:r>
-              <a:rPr lang="zh-CN" altLang="en-US" sz="1500" i="0" u="none" strike="noStrike" dirty="0">
-                <a:solidFill>
-                  <a:srgbClr val="595959"/>
-                </a:solidFill>
+              <a:rPr lang="zh-CN" altLang="en-US" i="0" u="none" strike="noStrike" dirty="0">
                 <a:effectLst/>
-                <a:latin typeface="Arial" panose="020B0604020202020204" pitchFamily="34" charset="0"/>
+                <a:latin typeface="Calibri" panose="020F0502020204030204" pitchFamily="34" charset="0"/>
+                <a:cs typeface="Calibri" panose="020F0502020204030204" pitchFamily="34" charset="0"/>
               </a:rPr>
               <a:t>  </a:t>
             </a:r>
             <a:r>
-              <a:rPr lang="en-US" sz="1500" i="0" u="none" strike="noStrike" dirty="0" err="1">
-                <a:solidFill>
-                  <a:srgbClr val="595959"/>
-                </a:solidFill>
+              <a:rPr lang="en-US" i="0" u="none" strike="noStrike" dirty="0" err="1">
                 <a:effectLst/>
-                <a:latin typeface="Arial" panose="020B0604020202020204" pitchFamily="34" charset="0"/>
+                <a:latin typeface="Calibri" panose="020F0502020204030204" pitchFamily="34" charset="0"/>
+                <a:cs typeface="Calibri" panose="020F0502020204030204" pitchFamily="34" charset="0"/>
               </a:rPr>
               <a:t>distance_from_home</a:t>
             </a:r>
-            <a:endParaRPr lang="en-US" sz="1500" i="0" u="none" strike="noStrike" dirty="0">
-              <a:solidFill>
-                <a:srgbClr val="595959"/>
-              </a:solidFill>
+            <a:endParaRPr lang="en-US" i="0" u="none" strike="noStrike" dirty="0">
               <a:effectLst/>
-              <a:latin typeface="Arial" panose="020B0604020202020204" pitchFamily="34" charset="0"/>
+              <a:latin typeface="Calibri" panose="020F0502020204030204" pitchFamily="34" charset="0"/>
+              <a:cs typeface="Calibri" panose="020F0502020204030204" pitchFamily="34" charset="0"/>
             </a:endParaRPr>
           </a:p>
           <a:p>
@@ -5999,31 +6092,25 @@
               <a:buChar char="•"/>
             </a:pPr>
             <a:r>
-              <a:rPr lang="zh-CN" altLang="en-US" sz="1500" i="0" u="none" strike="noStrike" dirty="0">
-                <a:solidFill>
-                  <a:srgbClr val="595959"/>
-                </a:solidFill>
+              <a:rPr lang="zh-CN" altLang="en-US" i="0" u="none" strike="noStrike" dirty="0">
                 <a:effectLst/>
-                <a:latin typeface="Arial" panose="020B0604020202020204" pitchFamily="34" charset="0"/>
+                <a:latin typeface="Calibri" panose="020F0502020204030204" pitchFamily="34" charset="0"/>
+                <a:cs typeface="Calibri" panose="020F0502020204030204" pitchFamily="34" charset="0"/>
               </a:rPr>
               <a:t>  </a:t>
             </a:r>
             <a:r>
-              <a:rPr lang="en-US" sz="1500" i="0" u="none" strike="noStrike" dirty="0" err="1">
-                <a:solidFill>
-                  <a:srgbClr val="595959"/>
-                </a:solidFill>
+              <a:rPr lang="en-US" i="0" u="none" strike="noStrike" dirty="0" err="1">
                 <a:effectLst/>
-                <a:latin typeface="Arial" panose="020B0604020202020204" pitchFamily="34" charset="0"/>
+                <a:latin typeface="Calibri" panose="020F0502020204030204" pitchFamily="34" charset="0"/>
+                <a:cs typeface="Calibri" panose="020F0502020204030204" pitchFamily="34" charset="0"/>
               </a:rPr>
               <a:t>online_order</a:t>
             </a:r>
-            <a:endParaRPr lang="en-US" sz="1500" i="0" u="none" strike="noStrike" dirty="0">
-              <a:solidFill>
-                <a:srgbClr val="595959"/>
-              </a:solidFill>
+            <a:endParaRPr lang="en-US" i="0" u="none" strike="noStrike" dirty="0">
               <a:effectLst/>
-              <a:latin typeface="Arial" panose="020B0604020202020204" pitchFamily="34" charset="0"/>
+              <a:latin typeface="Calibri" panose="020F0502020204030204" pitchFamily="34" charset="0"/>
+              <a:cs typeface="Calibri" panose="020F0502020204030204" pitchFamily="34" charset="0"/>
             </a:endParaRPr>
           </a:p>
           <a:p>
@@ -6035,12 +6122,10 @@
                 <a:spcPts val="1200"/>
               </a:spcAft>
             </a:pPr>
-            <a:endParaRPr lang="en-US" sz="1500" i="0" u="none" strike="noStrike" dirty="0">
-              <a:solidFill>
-                <a:srgbClr val="595959"/>
-              </a:solidFill>
+            <a:endParaRPr lang="en-US" i="0" u="none" strike="noStrike" dirty="0">
               <a:effectLst/>
-              <a:latin typeface="Arial" panose="020B0604020202020204" pitchFamily="34" charset="0"/>
+              <a:latin typeface="Calibri" panose="020F0502020204030204" pitchFamily="34" charset="0"/>
+              <a:cs typeface="Calibri" panose="020F0502020204030204" pitchFamily="34" charset="0"/>
             </a:endParaRPr>
           </a:p>
           <a:p>
@@ -6053,37 +6138,33 @@
               </a:spcAft>
             </a:pPr>
             <a:r>
-              <a:rPr lang="en-US" sz="1500" i="0" u="none" strike="noStrike" dirty="0">
-                <a:solidFill>
-                  <a:srgbClr val="595959"/>
-                </a:solidFill>
+              <a:rPr lang="en-US" i="0" u="none" strike="noStrike" dirty="0">
                 <a:effectLst/>
-                <a:latin typeface="Arial" panose="020B0604020202020204" pitchFamily="34" charset="0"/>
+                <a:latin typeface="Calibri" panose="020F0502020204030204" pitchFamily="34" charset="0"/>
+                <a:cs typeface="Calibri" panose="020F0502020204030204" pitchFamily="34" charset="0"/>
               </a:rPr>
               <a:t>And a </a:t>
             </a:r>
             <a:r>
-              <a:rPr lang="en-US" sz="1500" b="1" i="0" u="none" strike="noStrike" dirty="0">
-                <a:solidFill>
-                  <a:srgbClr val="595959"/>
-                </a:solidFill>
+              <a:rPr lang="en-US" b="1" i="0" u="none" strike="noStrike" dirty="0">
                 <a:effectLst/>
-                <a:latin typeface="Arial" panose="020B0604020202020204" pitchFamily="34" charset="0"/>
+                <a:latin typeface="Calibri" panose="020F0502020204030204" pitchFamily="34" charset="0"/>
+                <a:cs typeface="Calibri" panose="020F0502020204030204" pitchFamily="34" charset="0"/>
               </a:rPr>
               <a:t>negative</a:t>
             </a:r>
             <a:r>
-              <a:rPr lang="en-US" sz="1500" i="0" u="none" strike="noStrike" dirty="0">
-                <a:solidFill>
-                  <a:srgbClr val="595959"/>
-                </a:solidFill>
+              <a:rPr lang="en-US" i="0" u="none" strike="noStrike" dirty="0">
                 <a:effectLst/>
-                <a:latin typeface="Arial" panose="020B0604020202020204" pitchFamily="34" charset="0"/>
+                <a:latin typeface="Calibri" panose="020F0502020204030204" pitchFamily="34" charset="0"/>
+                <a:cs typeface="Calibri" panose="020F0502020204030204" pitchFamily="34" charset="0"/>
               </a:rPr>
               <a:t> relationship with:</a:t>
             </a:r>
-            <a:endParaRPr lang="en-US" sz="1500" dirty="0">
+            <a:endParaRPr lang="en-US" dirty="0">
               <a:effectLst/>
+              <a:latin typeface="Calibri" panose="020F0502020204030204" pitchFamily="34" charset="0"/>
+              <a:cs typeface="Calibri" panose="020F0502020204030204" pitchFamily="34" charset="0"/>
             </a:endParaRPr>
           </a:p>
           <a:p>
@@ -6098,64 +6179,31 @@
               <a:buChar char="•"/>
             </a:pPr>
             <a:r>
-              <a:rPr lang="zh-CN" altLang="en-US" sz="1500" i="0" u="none" strike="noStrike" dirty="0">
-                <a:solidFill>
-                  <a:srgbClr val="595959"/>
-                </a:solidFill>
+              <a:rPr lang="zh-CN" altLang="en-US" i="0" u="none" strike="noStrike" dirty="0">
                 <a:effectLst/>
-                <a:latin typeface="Arial" panose="020B0604020202020204" pitchFamily="34" charset="0"/>
+                <a:latin typeface="Calibri" panose="020F0502020204030204" pitchFamily="34" charset="0"/>
+                <a:cs typeface="Calibri" panose="020F0502020204030204" pitchFamily="34" charset="0"/>
               </a:rPr>
               <a:t>  </a:t>
             </a:r>
             <a:r>
-              <a:rPr lang="en-US" sz="1500" i="0" u="none" strike="noStrike" dirty="0" err="1">
-                <a:solidFill>
-                  <a:srgbClr val="595959"/>
-                </a:solidFill>
+              <a:rPr lang="en-US" i="0" u="none" strike="noStrike" dirty="0" err="1">
                 <a:effectLst/>
-                <a:latin typeface="Arial" panose="020B0604020202020204" pitchFamily="34" charset="0"/>
+                <a:latin typeface="Calibri" panose="020F0502020204030204" pitchFamily="34" charset="0"/>
+                <a:cs typeface="Calibri" panose="020F0502020204030204" pitchFamily="34" charset="0"/>
               </a:rPr>
               <a:t>used_pin_number</a:t>
             </a:r>
-            <a:endParaRPr lang="en-US" sz="1500" i="0" u="none" strike="noStrike" dirty="0">
-              <a:solidFill>
-                <a:srgbClr val="595959"/>
-              </a:solidFill>
-              <a:effectLst/>
-              <a:latin typeface="Arial" panose="020B0604020202020204" pitchFamily="34" charset="0"/>
-            </a:endParaRPr>
-          </a:p>
-          <a:p>
             <a:br>
-              <a:rPr lang="en-US" sz="1500" b="0" dirty="0">
+              <a:rPr lang="en-US" b="0" dirty="0">
                 <a:effectLst/>
+                <a:latin typeface="Calibri" panose="020F0502020204030204" pitchFamily="34" charset="0"/>
+                <a:cs typeface="Calibri" panose="020F0502020204030204" pitchFamily="34" charset="0"/>
               </a:rPr>
             </a:br>
-            <a:br>
-              <a:rPr lang="en-US" sz="1500" b="0" dirty="0">
-                <a:effectLst/>
-              </a:rPr>
-            </a:br>
-            <a:br>
-              <a:rPr lang="en-US" sz="1500" b="0" dirty="0">
-                <a:effectLst/>
-              </a:rPr>
-            </a:br>
-            <a:br>
-              <a:rPr lang="en-US" sz="1500" b="0" dirty="0">
-                <a:effectLst/>
-              </a:rPr>
-            </a:br>
-            <a:br>
-              <a:rPr lang="en-US" sz="1500" b="0" dirty="0">
-                <a:effectLst/>
-              </a:rPr>
-            </a:br>
-            <a:endParaRPr lang="en-US" sz="1500" dirty="0">
-              <a:solidFill>
-                <a:srgbClr val="3C4043"/>
-              </a:solidFill>
-              <a:latin typeface="Arial" panose="020B0604020202020204" pitchFamily="34" charset="0"/>
+            <a:endParaRPr lang="en-US" dirty="0">
+              <a:latin typeface="Calibri" panose="020F0502020204030204" pitchFamily="34" charset="0"/>
+              <a:cs typeface="Calibri" panose="020F0502020204030204" pitchFamily="34" charset="0"/>
             </a:endParaRPr>
           </a:p>
         </p:txBody>
@@ -6183,7 +6231,7 @@
         </p:blipFill>
         <p:spPr bwMode="auto">
           <a:xfrm>
-            <a:off x="445588" y="1382160"/>
+            <a:off x="435649" y="1068513"/>
             <a:ext cx="4221127" cy="3093520"/>
           </a:xfrm>
           <a:prstGeom prst="rect">
@@ -6290,8 +6338,8 @@
         </p:nvSpPr>
         <p:spPr>
           <a:xfrm>
-            <a:off x="5354595" y="1151825"/>
-            <a:ext cx="3421590" cy="3170099"/>
+            <a:off x="5354595" y="1479143"/>
+            <a:ext cx="3421590" cy="2185214"/>
           </a:xfrm>
           <a:prstGeom prst="rect">
             <a:avLst/>
@@ -6315,41 +6363,20 @@
             </a:pPr>
             <a:r>
               <a:rPr lang="zh-CN" altLang="en-US" sz="1800" b="0" i="0" u="none" strike="noStrike" dirty="0">
-                <a:solidFill>
-                  <a:srgbClr val="595959"/>
-                </a:solidFill>
                 <a:effectLst/>
-                <a:latin typeface="Arial" panose="020B0604020202020204" pitchFamily="34" charset="0"/>
+                <a:latin typeface="Calibri" panose="020F0502020204030204" pitchFamily="34" charset="0"/>
+                <a:cs typeface="Calibri" panose="020F0502020204030204" pitchFamily="34" charset="0"/>
               </a:rPr>
               <a:t> </a:t>
             </a:r>
             <a:r>
               <a:rPr lang="en-US" sz="1800" b="0" i="0" u="none" strike="noStrike" dirty="0">
-                <a:solidFill>
-                  <a:srgbClr val="595959"/>
-                </a:solidFill>
                 <a:effectLst/>
-                <a:latin typeface="Arial" panose="020B0604020202020204" pitchFamily="34" charset="0"/>
+                <a:latin typeface="Calibri" panose="020F0502020204030204" pitchFamily="34" charset="0"/>
+                <a:cs typeface="Calibri" panose="020F0502020204030204" pitchFamily="34" charset="0"/>
               </a:rPr>
               <a:t>Around 91% of the transactions are not fraud and 9% are fraud.</a:t>
             </a:r>
-          </a:p>
-          <a:p>
-            <a:pPr rtl="0" fontAlgn="base">
-              <a:spcBef>
-                <a:spcPts val="0"/>
-              </a:spcBef>
-              <a:spcAft>
-                <a:spcPts val="1200"/>
-              </a:spcAft>
-            </a:pPr>
-            <a:endParaRPr lang="en-US" sz="1800" b="0" i="0" u="none" strike="noStrike" dirty="0">
-              <a:solidFill>
-                <a:srgbClr val="595959"/>
-              </a:solidFill>
-              <a:effectLst/>
-              <a:latin typeface="Arial" panose="020B0604020202020204" pitchFamily="34" charset="0"/>
-            </a:endParaRPr>
           </a:p>
           <a:p>
             <a:pPr rtl="0" fontAlgn="base">
@@ -6364,60 +6391,48 @@
             </a:pPr>
             <a:r>
               <a:rPr lang="zh-CN" altLang="en-US" sz="1800" i="0" u="none" strike="noStrike" dirty="0">
-                <a:solidFill>
-                  <a:srgbClr val="595959"/>
-                </a:solidFill>
-                <a:latin typeface="Arial" panose="020B0604020202020204" pitchFamily="34" charset="0"/>
+                <a:latin typeface="Calibri" panose="020F0502020204030204" pitchFamily="34" charset="0"/>
+                <a:cs typeface="Calibri" panose="020F0502020204030204" pitchFamily="34" charset="0"/>
               </a:rPr>
               <a:t> </a:t>
             </a:r>
             <a:r>
               <a:rPr lang="en-US" sz="1800" b="0" i="0" u="none" strike="noStrike" dirty="0">
-                <a:solidFill>
-                  <a:srgbClr val="595959"/>
-                </a:solidFill>
                 <a:effectLst/>
-                <a:latin typeface="Arial" panose="020B0604020202020204" pitchFamily="34" charset="0"/>
+                <a:latin typeface="Calibri" panose="020F0502020204030204" pitchFamily="34" charset="0"/>
+                <a:cs typeface="Calibri" panose="020F0502020204030204" pitchFamily="34" charset="0"/>
               </a:rPr>
               <a:t>There imbalance suggests adapting performance metrics like </a:t>
             </a:r>
             <a:r>
               <a:rPr lang="en-US" sz="1800" b="1" i="0" u="none" strike="noStrike" dirty="0">
-                <a:solidFill>
-                  <a:srgbClr val="595959"/>
-                </a:solidFill>
                 <a:effectLst/>
-                <a:latin typeface="Arial" panose="020B0604020202020204" pitchFamily="34" charset="0"/>
+                <a:latin typeface="Calibri" panose="020F0502020204030204" pitchFamily="34" charset="0"/>
+                <a:cs typeface="Calibri" panose="020F0502020204030204" pitchFamily="34" charset="0"/>
               </a:rPr>
               <a:t>"true positive rate", "precision" </a:t>
             </a:r>
             <a:r>
               <a:rPr lang="en-US" sz="1800" b="0" i="0" u="none" strike="noStrike" dirty="0">
-                <a:solidFill>
-                  <a:srgbClr val="595959"/>
-                </a:solidFill>
                 <a:effectLst/>
-                <a:latin typeface="Arial" panose="020B0604020202020204" pitchFamily="34" charset="0"/>
+                <a:latin typeface="Calibri" panose="020F0502020204030204" pitchFamily="34" charset="0"/>
+                <a:cs typeface="Calibri" panose="020F0502020204030204" pitchFamily="34" charset="0"/>
               </a:rPr>
               <a:t>instead of "</a:t>
             </a:r>
             <a:r>
               <a:rPr lang="en-US" sz="1800" b="0" i="0" u="none" strike="noStrike" dirty="0" err="1">
-                <a:solidFill>
-                  <a:srgbClr val="595959"/>
-                </a:solidFill>
                 <a:effectLst/>
-                <a:latin typeface="Arial" panose="020B0604020202020204" pitchFamily="34" charset="0"/>
+                <a:latin typeface="Calibri" panose="020F0502020204030204" pitchFamily="34" charset="0"/>
+                <a:cs typeface="Calibri" panose="020F0502020204030204" pitchFamily="34" charset="0"/>
               </a:rPr>
               <a:t>accurary</a:t>
             </a:r>
             <a:r>
               <a:rPr lang="en-US" sz="1800" b="0" i="0" u="none" strike="noStrike" dirty="0">
-                <a:solidFill>
-                  <a:srgbClr val="595959"/>
-                </a:solidFill>
                 <a:effectLst/>
-                <a:latin typeface="Arial" panose="020B0604020202020204" pitchFamily="34" charset="0"/>
+                <a:latin typeface="Calibri" panose="020F0502020204030204" pitchFamily="34" charset="0"/>
+                <a:cs typeface="Calibri" panose="020F0502020204030204" pitchFamily="34" charset="0"/>
               </a:rPr>
               <a:t>" to assess the ML model. </a:t>
             </a:r>
